--- a/webminar.pptx
+++ b/webminar.pptx
@@ -5,38 +5,39 @@
     <p:sldMasterId id="2147483648" r:id="rId1"/>
   </p:sldMasterIdLst>
   <p:notesMasterIdLst>
-    <p:notesMasterId r:id="rId31"/>
+    <p:notesMasterId r:id="rId32"/>
   </p:notesMasterIdLst>
   <p:sldIdLst>
     <p:sldId id="256" r:id="rId2"/>
     <p:sldId id="296" r:id="rId3"/>
     <p:sldId id="259" r:id="rId4"/>
     <p:sldId id="264" r:id="rId5"/>
-    <p:sldId id="261" r:id="rId6"/>
-    <p:sldId id="260" r:id="rId7"/>
-    <p:sldId id="262" r:id="rId8"/>
-    <p:sldId id="289" r:id="rId9"/>
-    <p:sldId id="290" r:id="rId10"/>
-    <p:sldId id="295" r:id="rId11"/>
-    <p:sldId id="277" r:id="rId12"/>
-    <p:sldId id="284" r:id="rId13"/>
-    <p:sldId id="278" r:id="rId14"/>
-    <p:sldId id="279" r:id="rId15"/>
-    <p:sldId id="280" r:id="rId16"/>
-    <p:sldId id="281" r:id="rId17"/>
-    <p:sldId id="282" r:id="rId18"/>
-    <p:sldId id="283" r:id="rId19"/>
-    <p:sldId id="285" r:id="rId20"/>
-    <p:sldId id="288" r:id="rId21"/>
-    <p:sldId id="297" r:id="rId22"/>
-    <p:sldId id="298" r:id="rId23"/>
-    <p:sldId id="299" r:id="rId24"/>
-    <p:sldId id="300" r:id="rId25"/>
-    <p:sldId id="301" r:id="rId26"/>
-    <p:sldId id="302" r:id="rId27"/>
-    <p:sldId id="303" r:id="rId28"/>
-    <p:sldId id="304" r:id="rId29"/>
-    <p:sldId id="305" r:id="rId30"/>
+    <p:sldId id="306" r:id="rId6"/>
+    <p:sldId id="261" r:id="rId7"/>
+    <p:sldId id="260" r:id="rId8"/>
+    <p:sldId id="262" r:id="rId9"/>
+    <p:sldId id="289" r:id="rId10"/>
+    <p:sldId id="290" r:id="rId11"/>
+    <p:sldId id="295" r:id="rId12"/>
+    <p:sldId id="277" r:id="rId13"/>
+    <p:sldId id="284" r:id="rId14"/>
+    <p:sldId id="278" r:id="rId15"/>
+    <p:sldId id="279" r:id="rId16"/>
+    <p:sldId id="280" r:id="rId17"/>
+    <p:sldId id="281" r:id="rId18"/>
+    <p:sldId id="282" r:id="rId19"/>
+    <p:sldId id="283" r:id="rId20"/>
+    <p:sldId id="285" r:id="rId21"/>
+    <p:sldId id="288" r:id="rId22"/>
+    <p:sldId id="297" r:id="rId23"/>
+    <p:sldId id="298" r:id="rId24"/>
+    <p:sldId id="299" r:id="rId25"/>
+    <p:sldId id="300" r:id="rId26"/>
+    <p:sldId id="301" r:id="rId27"/>
+    <p:sldId id="302" r:id="rId28"/>
+    <p:sldId id="303" r:id="rId29"/>
+    <p:sldId id="304" r:id="rId30"/>
+    <p:sldId id="305" r:id="rId31"/>
   </p:sldIdLst>
   <p:sldSz cx="12192000" cy="6858000"/>
   <p:notesSz cx="6858000" cy="9144000"/>
@@ -236,7 +237,7 @@
           <a:p>
             <a:fld id="{02324BB6-ADF9-477E-BA61-F60537F49E1A}" type="datetimeFigureOut">
               <a:rPr lang="ru-RU" smtClean="0"/>
-              <a:t>18.09.2017</a:t>
+              <a:t>19.09.2017</a:t>
             </a:fld>
             <a:endParaRPr lang="ru-RU"/>
           </a:p>
@@ -762,7 +763,7 @@
           <a:p>
             <a:fld id="{FC1A96A7-B107-4A76-9BCA-351E6EBF71DD}" type="datetimeFigureOut">
               <a:rPr lang="ru-RU" smtClean="0"/>
-              <a:t>18.09.2017</a:t>
+              <a:t>19.09.2017</a:t>
             </a:fld>
             <a:endParaRPr lang="ru-RU"/>
           </a:p>
@@ -939,7 +940,7 @@
           <a:p>
             <a:fld id="{FC1A96A7-B107-4A76-9BCA-351E6EBF71DD}" type="datetimeFigureOut">
               <a:rPr lang="ru-RU" smtClean="0"/>
-              <a:t>18.09.2017</a:t>
+              <a:t>19.09.2017</a:t>
             </a:fld>
             <a:endParaRPr lang="ru-RU"/>
           </a:p>
@@ -1119,7 +1120,7 @@
           <a:p>
             <a:fld id="{FC1A96A7-B107-4A76-9BCA-351E6EBF71DD}" type="datetimeFigureOut">
               <a:rPr lang="ru-RU" smtClean="0"/>
-              <a:t>18.09.2017</a:t>
+              <a:t>19.09.2017</a:t>
             </a:fld>
             <a:endParaRPr lang="ru-RU"/>
           </a:p>
@@ -1289,7 +1290,7 @@
           <a:p>
             <a:fld id="{FC1A96A7-B107-4A76-9BCA-351E6EBF71DD}" type="datetimeFigureOut">
               <a:rPr lang="ru-RU" smtClean="0"/>
-              <a:t>18.09.2017</a:t>
+              <a:t>19.09.2017</a:t>
             </a:fld>
             <a:endParaRPr lang="ru-RU"/>
           </a:p>
@@ -1535,7 +1536,7 @@
           <a:p>
             <a:fld id="{FC1A96A7-B107-4A76-9BCA-351E6EBF71DD}" type="datetimeFigureOut">
               <a:rPr lang="ru-RU" smtClean="0"/>
-              <a:t>18.09.2017</a:t>
+              <a:t>19.09.2017</a:t>
             </a:fld>
             <a:endParaRPr lang="ru-RU"/>
           </a:p>
@@ -1823,7 +1824,7 @@
           <a:p>
             <a:fld id="{FC1A96A7-B107-4A76-9BCA-351E6EBF71DD}" type="datetimeFigureOut">
               <a:rPr lang="ru-RU" smtClean="0"/>
-              <a:t>18.09.2017</a:t>
+              <a:t>19.09.2017</a:t>
             </a:fld>
             <a:endParaRPr lang="ru-RU"/>
           </a:p>
@@ -2245,7 +2246,7 @@
           <a:p>
             <a:fld id="{FC1A96A7-B107-4A76-9BCA-351E6EBF71DD}" type="datetimeFigureOut">
               <a:rPr lang="ru-RU" smtClean="0"/>
-              <a:t>18.09.2017</a:t>
+              <a:t>19.09.2017</a:t>
             </a:fld>
             <a:endParaRPr lang="ru-RU"/>
           </a:p>
@@ -2363,7 +2364,7 @@
           <a:p>
             <a:fld id="{FC1A96A7-B107-4A76-9BCA-351E6EBF71DD}" type="datetimeFigureOut">
               <a:rPr lang="ru-RU" smtClean="0"/>
-              <a:t>18.09.2017</a:t>
+              <a:t>19.09.2017</a:t>
             </a:fld>
             <a:endParaRPr lang="ru-RU"/>
           </a:p>
@@ -2458,7 +2459,7 @@
           <a:p>
             <a:fld id="{FC1A96A7-B107-4A76-9BCA-351E6EBF71DD}" type="datetimeFigureOut">
               <a:rPr lang="ru-RU" smtClean="0"/>
-              <a:t>18.09.2017</a:t>
+              <a:t>19.09.2017</a:t>
             </a:fld>
             <a:endParaRPr lang="ru-RU"/>
           </a:p>
@@ -2735,7 +2736,7 @@
           <a:p>
             <a:fld id="{FC1A96A7-B107-4A76-9BCA-351E6EBF71DD}" type="datetimeFigureOut">
               <a:rPr lang="ru-RU" smtClean="0"/>
-              <a:t>18.09.2017</a:t>
+              <a:t>19.09.2017</a:t>
             </a:fld>
             <a:endParaRPr lang="ru-RU"/>
           </a:p>
@@ -2988,7 +2989,7 @@
           <a:p>
             <a:fld id="{FC1A96A7-B107-4A76-9BCA-351E6EBF71DD}" type="datetimeFigureOut">
               <a:rPr lang="ru-RU" smtClean="0"/>
-              <a:t>18.09.2017</a:t>
+              <a:t>19.09.2017</a:t>
             </a:fld>
             <a:endParaRPr lang="ru-RU"/>
           </a:p>
@@ -3201,7 +3202,7 @@
           <a:p>
             <a:fld id="{FC1A96A7-B107-4A76-9BCA-351E6EBF71DD}" type="datetimeFigureOut">
               <a:rPr lang="ru-RU" smtClean="0"/>
-              <a:t>18.09.2017</a:t>
+              <a:t>19.09.2017</a:t>
             </a:fld>
             <a:endParaRPr lang="ru-RU"/>
           </a:p>
@@ -3686,7 +3687,7 @@
 </file>
 
 <file path=ppt/slides/slide10.xml><?xml version="1.0" encoding="utf-8"?>
-<p:sld xmlns:a="http://schemas.openxmlformats.org/drawingml/2006/main" xmlns:r="http://schemas.openxmlformats.org/officeDocument/2006/relationships" xmlns:p="http://schemas.openxmlformats.org/presentationml/2006/main">
+<p:sld xmlns:a="http://schemas.openxmlformats.org/drawingml/2006/main" xmlns:r="http://schemas.openxmlformats.org/officeDocument/2006/relationships" xmlns:p="http://schemas.openxmlformats.org/presentationml/2006/main" show="0">
   <p:cSld>
     <p:spTree>
       <p:nvGrpSpPr>
@@ -3714,12 +3715,22 @@
         </p:nvSpPr>
         <p:spPr/>
         <p:txBody>
-          <a:bodyPr/>
+          <a:bodyPr>
+            <a:normAutofit/>
+          </a:bodyPr>
           <a:lstStyle/>
           <a:p>
             <a:r>
               <a:rPr lang="ru-RU" dirty="0" smtClean="0"/>
-              <a:t>Цель курса</a:t>
+              <a:t>Вот примеры использования </a:t>
+            </a:r>
+            <a:r>
+              <a:rPr lang="ru-RU" dirty="0" err="1" smtClean="0"/>
+              <a:t>Python</a:t>
+            </a:r>
+            <a:r>
+              <a:rPr lang="ru-RU" dirty="0" smtClean="0"/>
+              <a:t>:</a:t>
             </a:r>
             <a:endParaRPr lang="ru-RU" dirty="0"/>
           </a:p>
@@ -3738,106 +3749,286 @@
         <p:spPr/>
         <p:txBody>
           <a:bodyPr>
-            <a:normAutofit fontScale="92500" lnSpcReduction="20000"/>
+            <a:normAutofit fontScale="62500" lnSpcReduction="20000"/>
           </a:bodyPr>
           <a:lstStyle/>
           <a:p>
-            <a:pPr fontAlgn="base"/>
-            <a:r>
-              <a:rPr lang="ru-RU" dirty="0"/>
-              <a:t>Устанавливать и настраивать среду разработки  </a:t>
-            </a:r>
-            <a:r>
-              <a:rPr lang="ru-RU" dirty="0" err="1"/>
+            <a:endParaRPr lang="ru-RU" dirty="0" smtClean="0"/>
+          </a:p>
+          <a:p>
+            <a:r>
+              <a:rPr lang="ru-RU" dirty="0" smtClean="0"/>
+              <a:t>Компания </a:t>
+            </a:r>
+            <a:r>
+              <a:rPr lang="ru-RU" dirty="0" err="1" smtClean="0"/>
+              <a:t>Google</a:t>
+            </a:r>
+            <a:r>
+              <a:rPr lang="ru-RU" dirty="0" smtClean="0"/>
+              <a:t> использует </a:t>
+            </a:r>
+            <a:r>
+              <a:rPr lang="ru-RU" dirty="0" err="1" smtClean="0"/>
               <a:t>Python</a:t>
             </a:r>
-            <a:endParaRPr lang="ru-RU" dirty="0"/>
-          </a:p>
-          <a:p>
-            <a:pPr fontAlgn="base"/>
-            <a:r>
-              <a:rPr lang="ru-RU" dirty="0"/>
-              <a:t>Применять базовые конструкции </a:t>
-            </a:r>
-            <a:r>
-              <a:rPr lang="ru-RU" dirty="0" err="1"/>
+            <a:r>
+              <a:rPr lang="ru-RU" dirty="0" smtClean="0"/>
+              <a:t> в своей поисковой системе и оплачивает труд создателя </a:t>
+            </a:r>
+            <a:r>
+              <a:rPr lang="ru-RU" dirty="0" err="1" smtClean="0"/>
               <a:t>Python</a:t>
             </a:r>
-            <a:endParaRPr lang="ru-RU" dirty="0"/>
-          </a:p>
-          <a:p>
-            <a:pPr fontAlgn="base"/>
-            <a:r>
-              <a:rPr lang="ru-RU" dirty="0"/>
-              <a:t>Создавать модули и пакеты</a:t>
-            </a:r>
-          </a:p>
-          <a:p>
-            <a:pPr fontAlgn="base"/>
-            <a:r>
-              <a:rPr lang="ru-RU" dirty="0"/>
-              <a:t>Пользоваться структурами данных</a:t>
-            </a:r>
-          </a:p>
-          <a:p>
-            <a:pPr fontAlgn="base"/>
-            <a:r>
-              <a:rPr lang="ru-RU" dirty="0"/>
-              <a:t>Выполнять операции ввода/вывода</a:t>
-            </a:r>
-          </a:p>
-          <a:p>
-            <a:pPr fontAlgn="base"/>
-            <a:r>
-              <a:rPr lang="ru-RU" dirty="0"/>
-              <a:t>Создавать объектно-ориентированные приложения на языке </a:t>
-            </a:r>
-            <a:r>
-              <a:rPr lang="ru-RU" dirty="0" err="1"/>
+            <a:r>
+              <a:rPr lang="ru-RU" dirty="0" smtClean="0"/>
+              <a:t> — Гвидо </a:t>
+            </a:r>
+            <a:r>
+              <a:rPr lang="ru-RU" dirty="0" err="1" smtClean="0"/>
+              <a:t>ван</a:t>
+            </a:r>
+            <a:r>
+              <a:rPr lang="ru-RU" dirty="0" smtClean="0"/>
+              <a:t> </a:t>
+            </a:r>
+            <a:r>
+              <a:rPr lang="ru-RU" dirty="0" err="1" smtClean="0"/>
+              <a:t>Россума</a:t>
+            </a:r>
+            <a:endParaRPr lang="ru-RU" dirty="0" smtClean="0"/>
+          </a:p>
+          <a:p>
+            <a:r>
+              <a:rPr lang="ru-RU" dirty="0" err="1" smtClean="0"/>
+              <a:t>Intel</a:t>
+            </a:r>
+            <a:r>
+              <a:rPr lang="ru-RU" dirty="0" smtClean="0"/>
+              <a:t>, </a:t>
+            </a:r>
+            <a:r>
+              <a:rPr lang="ru-RU" dirty="0" err="1" smtClean="0"/>
+              <a:t>Cisco</a:t>
+            </a:r>
+            <a:r>
+              <a:rPr lang="ru-RU" dirty="0" smtClean="0"/>
+              <a:t>, </a:t>
+            </a:r>
+            <a:r>
+              <a:rPr lang="ru-RU" dirty="0" err="1" smtClean="0"/>
+              <a:t>Hewlett-Packard</a:t>
+            </a:r>
+            <a:r>
+              <a:rPr lang="ru-RU" dirty="0" smtClean="0"/>
+              <a:t>, </a:t>
+            </a:r>
+            <a:r>
+              <a:rPr lang="ru-RU" dirty="0" err="1" smtClean="0"/>
+              <a:t>Seagate</a:t>
+            </a:r>
+            <a:r>
+              <a:rPr lang="ru-RU" dirty="0" smtClean="0"/>
+              <a:t>, </a:t>
+            </a:r>
+            <a:r>
+              <a:rPr lang="ru-RU" dirty="0" err="1" smtClean="0"/>
+              <a:t>Qualcomm</a:t>
+            </a:r>
+            <a:r>
+              <a:rPr lang="ru-RU" dirty="0" smtClean="0"/>
+              <a:t> и IBM, используют </a:t>
+            </a:r>
+            <a:r>
+              <a:rPr lang="ru-RU" dirty="0" err="1" smtClean="0"/>
               <a:t>Python</a:t>
             </a:r>
-            <a:endParaRPr lang="ru-RU" dirty="0"/>
-          </a:p>
-          <a:p>
-            <a:pPr fontAlgn="base"/>
-            <a:r>
-              <a:rPr lang="ru-RU" dirty="0"/>
-              <a:t>Выполнять обработку данных на языке </a:t>
-            </a:r>
-            <a:r>
-              <a:rPr lang="ru-RU" dirty="0" err="1"/>
+            <a:r>
+              <a:rPr lang="ru-RU" dirty="0" smtClean="0"/>
+              <a:t> для тестирования аппаратного обеспечения</a:t>
+            </a:r>
+          </a:p>
+          <a:p>
+            <a:r>
+              <a:rPr lang="ru-RU" dirty="0" smtClean="0"/>
+              <a:t>Служба коллективного использования видеоматериалов </a:t>
+            </a:r>
+            <a:r>
+              <a:rPr lang="ru-RU" dirty="0" err="1" smtClean="0"/>
+              <a:t>YouTube</a:t>
+            </a:r>
+            <a:r>
+              <a:rPr lang="ru-RU" dirty="0" smtClean="0"/>
+              <a:t> в значительной степени реализована на </a:t>
+            </a:r>
+            <a:r>
+              <a:rPr lang="ru-RU" dirty="0" err="1" smtClean="0"/>
               <a:t>Python</a:t>
             </a:r>
-            <a:endParaRPr lang="ru-RU" dirty="0"/>
-          </a:p>
-          <a:p>
-            <a:pPr fontAlgn="base"/>
-            <a:r>
-              <a:rPr lang="ru-RU" dirty="0"/>
-              <a:t>Ориентироваться в стандартной библиотеке языка </a:t>
-            </a:r>
-            <a:r>
-              <a:rPr lang="ru-RU" dirty="0" err="1"/>
+            <a:endParaRPr lang="ru-RU" dirty="0" smtClean="0"/>
+          </a:p>
+          <a:p>
+            <a:r>
+              <a:rPr lang="ru-RU" dirty="0" smtClean="0"/>
+              <a:t>NSA использует </a:t>
+            </a:r>
+            <a:r>
+              <a:rPr lang="ru-RU" dirty="0" err="1" smtClean="0"/>
               <a:t>Python</a:t>
             </a:r>
-            <a:endParaRPr lang="ru-RU" dirty="0"/>
-          </a:p>
-          <a:p>
-            <a:pPr fontAlgn="base"/>
             <a:r>
               <a:rPr lang="ru-RU" dirty="0" smtClean="0"/>
-              <a:t>Разрабатывать </a:t>
-            </a:r>
-            <a:r>
-              <a:rPr lang="ru-RU" dirty="0" err="1"/>
-              <a:t>Web</a:t>
-            </a:r>
-            <a:r>
-              <a:rPr lang="ru-RU" dirty="0"/>
-              <a:t> приложения</a:t>
-            </a:r>
-          </a:p>
-          <a:p>
+              <a:t> для шифрования и анализа разведданных</a:t>
+            </a:r>
+          </a:p>
+          <a:p>
+            <a:r>
+              <a:rPr lang="ru-RU" dirty="0" smtClean="0"/>
+              <a:t>Компании </a:t>
+            </a:r>
+            <a:r>
+              <a:rPr lang="ru-RU" dirty="0" err="1" smtClean="0"/>
+              <a:t>JPMorgan</a:t>
+            </a:r>
+            <a:r>
+              <a:rPr lang="ru-RU" dirty="0" smtClean="0"/>
+              <a:t> </a:t>
+            </a:r>
+            <a:r>
+              <a:rPr lang="ru-RU" dirty="0" err="1" smtClean="0"/>
+              <a:t>Chase</a:t>
+            </a:r>
+            <a:r>
+              <a:rPr lang="ru-RU" dirty="0" smtClean="0"/>
+              <a:t>, UBS, </a:t>
+            </a:r>
+            <a:r>
+              <a:rPr lang="ru-RU" dirty="0" err="1" smtClean="0"/>
+              <a:t>Getco</a:t>
+            </a:r>
+            <a:r>
+              <a:rPr lang="ru-RU" dirty="0" smtClean="0"/>
+              <a:t> и </a:t>
+            </a:r>
+            <a:r>
+              <a:rPr lang="ru-RU" dirty="0" err="1" smtClean="0"/>
+              <a:t>Citadel</a:t>
+            </a:r>
+            <a:r>
+              <a:rPr lang="ru-RU" dirty="0" smtClean="0"/>
+              <a:t> применяют </a:t>
+            </a:r>
+            <a:r>
+              <a:rPr lang="ru-RU" dirty="0" err="1" smtClean="0"/>
+              <a:t>Python</a:t>
+            </a:r>
+            <a:r>
+              <a:rPr lang="ru-RU" dirty="0" smtClean="0"/>
+              <a:t> для прогнозирования финансового рынка</a:t>
+            </a:r>
+          </a:p>
+          <a:p>
+            <a:r>
+              <a:rPr lang="ru-RU" dirty="0" smtClean="0"/>
+              <a:t>Популярная программа </a:t>
+            </a:r>
+            <a:r>
+              <a:rPr lang="ru-RU" dirty="0" err="1" smtClean="0"/>
+              <a:t>BitTorrent</a:t>
+            </a:r>
+            <a:r>
+              <a:rPr lang="ru-RU" dirty="0" smtClean="0"/>
+              <a:t> для обмена файлами в пиринговых сетях написана на языке </a:t>
+            </a:r>
+            <a:r>
+              <a:rPr lang="ru-RU" dirty="0" err="1" smtClean="0"/>
+              <a:t>Python</a:t>
+            </a:r>
+            <a:endParaRPr lang="ru-RU" dirty="0" smtClean="0"/>
+          </a:p>
+          <a:p>
+            <a:r>
+              <a:rPr lang="ru-RU" dirty="0" smtClean="0"/>
+              <a:t>Популярный веб-</a:t>
+            </a:r>
+            <a:r>
+              <a:rPr lang="ru-RU" dirty="0" err="1" smtClean="0"/>
+              <a:t>фреймворк</a:t>
+            </a:r>
+            <a:r>
+              <a:rPr lang="ru-RU" dirty="0" smtClean="0"/>
+              <a:t> </a:t>
+            </a:r>
+            <a:r>
+              <a:rPr lang="ru-RU" dirty="0" err="1" smtClean="0"/>
+              <a:t>App</a:t>
+            </a:r>
+            <a:r>
+              <a:rPr lang="ru-RU" dirty="0" smtClean="0"/>
+              <a:t> </a:t>
+            </a:r>
+            <a:r>
+              <a:rPr lang="ru-RU" dirty="0" err="1" smtClean="0"/>
+              <a:t>Engine</a:t>
+            </a:r>
+            <a:r>
+              <a:rPr lang="ru-RU" dirty="0" smtClean="0"/>
+              <a:t> от компании </a:t>
+            </a:r>
+            <a:r>
+              <a:rPr lang="ru-RU" dirty="0" err="1" smtClean="0"/>
+              <a:t>Google</a:t>
+            </a:r>
+            <a:r>
+              <a:rPr lang="ru-RU" dirty="0" smtClean="0"/>
+              <a:t> использует </a:t>
+            </a:r>
+            <a:r>
+              <a:rPr lang="ru-RU" dirty="0" err="1" smtClean="0"/>
+              <a:t>Python</a:t>
+            </a:r>
+            <a:r>
+              <a:rPr lang="ru-RU" dirty="0" smtClean="0"/>
+              <a:t> в качестве прикладного языка программирования</a:t>
+            </a:r>
+          </a:p>
+          <a:p>
+            <a:r>
+              <a:rPr lang="ru-RU" dirty="0" smtClean="0"/>
+              <a:t>NASA, </a:t>
+            </a:r>
+            <a:r>
+              <a:rPr lang="ru-RU" dirty="0" err="1" smtClean="0"/>
+              <a:t>Los</a:t>
+            </a:r>
+            <a:r>
+              <a:rPr lang="ru-RU" dirty="0" smtClean="0"/>
+              <a:t> </a:t>
+            </a:r>
+            <a:r>
+              <a:rPr lang="ru-RU" dirty="0" err="1" smtClean="0"/>
+              <a:t>Alamos</a:t>
+            </a:r>
+            <a:r>
+              <a:rPr lang="ru-RU" dirty="0" smtClean="0"/>
+              <a:t>, JPL и </a:t>
+            </a:r>
+            <a:r>
+              <a:rPr lang="ru-RU" dirty="0" err="1" smtClean="0"/>
+              <a:t>Fermilab</a:t>
+            </a:r>
+            <a:r>
+              <a:rPr lang="ru-RU" dirty="0" smtClean="0"/>
+              <a:t> используют </a:t>
+            </a:r>
+            <a:r>
+              <a:rPr lang="ru-RU" dirty="0" err="1" smtClean="0"/>
+              <a:t>Python</a:t>
+            </a:r>
+            <a:r>
+              <a:rPr lang="ru-RU" dirty="0" smtClean="0"/>
+              <a:t> для научных вычислений.</a:t>
+            </a:r>
             <a:endParaRPr lang="ru-RU" dirty="0"/>
           </a:p>
         </p:txBody>
@@ -3845,13 +4036,21 @@
     </p:spTree>
     <p:extLst>
       <p:ext uri="{BB962C8B-B14F-4D97-AF65-F5344CB8AC3E}">
-        <p14:creationId xmlns:p14="http://schemas.microsoft.com/office/powerpoint/2010/main" val="2529038050"/>
+        <p14:creationId xmlns:p14="http://schemas.microsoft.com/office/powerpoint/2010/main" val="246530174"/>
       </p:ext>
     </p:extLst>
   </p:cSld>
   <p:clrMapOvr>
     <a:masterClrMapping/>
   </p:clrMapOvr>
+  <mc:AlternateContent xmlns:mc="http://schemas.openxmlformats.org/markup-compatibility/2006" xmlns:p14="http://schemas.microsoft.com/office/powerpoint/2010/main">
+    <mc:Choice Requires="p14">
+      <p:transition spd="slow" p14:dur="2000"/>
+    </mc:Choice>
+    <mc:Fallback xmlns="">
+      <p:transition spd="slow"/>
+    </mc:Fallback>
+  </mc:AlternateContent>
   <p:timing>
     <p:tnLst>
       <p:par>
@@ -3881,7 +4080,7 @@
       </p:grpSpPr>
       <p:sp>
         <p:nvSpPr>
-          <p:cNvPr id="5" name="Заголовок 4"/>
+          <p:cNvPr id="2" name="Заголовок 1"/>
           <p:cNvSpPr>
             <a:spLocks noGrp="1"/>
           </p:cNvSpPr>
@@ -3896,40 +4095,133 @@
           <a:p>
             <a:r>
               <a:rPr lang="ru-RU" dirty="0" smtClean="0"/>
-              <a:t>Языки программирования</a:t>
+              <a:t>Цель курса</a:t>
             </a:r>
             <a:endParaRPr lang="ru-RU" dirty="0"/>
           </a:p>
         </p:txBody>
       </p:sp>
-      <p:pic>
-        <p:nvPicPr>
-          <p:cNvPr id="4" name="Рисунок 3"/>
-          <p:cNvPicPr>
-            <a:picLocks noChangeAspect="1"/>
-          </p:cNvPicPr>
-          <p:nvPr/>
-        </p:nvPicPr>
-        <p:blipFill>
-          <a:blip r:embed="rId2"/>
-          <a:stretch>
-            <a:fillRect/>
-          </a:stretch>
-        </p:blipFill>
-        <p:spPr>
-          <a:xfrm>
-            <a:off x="2108871" y="2060849"/>
-            <a:ext cx="7974259" cy="3913971"/>
-          </a:xfrm>
-          <a:prstGeom prst="rect">
-            <a:avLst/>
-          </a:prstGeom>
-        </p:spPr>
-      </p:pic>
+      <p:sp>
+        <p:nvSpPr>
+          <p:cNvPr id="3" name="Объект 2"/>
+          <p:cNvSpPr>
+            <a:spLocks noGrp="1"/>
+          </p:cNvSpPr>
+          <p:nvPr>
+            <p:ph idx="1"/>
+          </p:nvPr>
+        </p:nvSpPr>
+        <p:spPr/>
+        <p:txBody>
+          <a:bodyPr>
+            <a:normAutofit fontScale="92500" lnSpcReduction="20000"/>
+          </a:bodyPr>
+          <a:lstStyle/>
+          <a:p>
+            <a:pPr fontAlgn="base"/>
+            <a:r>
+              <a:rPr lang="ru-RU" dirty="0"/>
+              <a:t>Устанавливать и настраивать среду разработки  </a:t>
+            </a:r>
+            <a:r>
+              <a:rPr lang="ru-RU" dirty="0" err="1"/>
+              <a:t>Python</a:t>
+            </a:r>
+            <a:endParaRPr lang="ru-RU" dirty="0"/>
+          </a:p>
+          <a:p>
+            <a:pPr fontAlgn="base"/>
+            <a:r>
+              <a:rPr lang="ru-RU" dirty="0"/>
+              <a:t>Применять базовые конструкции </a:t>
+            </a:r>
+            <a:r>
+              <a:rPr lang="ru-RU" dirty="0" err="1"/>
+              <a:t>Python</a:t>
+            </a:r>
+            <a:endParaRPr lang="ru-RU" dirty="0"/>
+          </a:p>
+          <a:p>
+            <a:pPr fontAlgn="base"/>
+            <a:r>
+              <a:rPr lang="ru-RU" dirty="0"/>
+              <a:t>Создавать модули и пакеты</a:t>
+            </a:r>
+          </a:p>
+          <a:p>
+            <a:pPr fontAlgn="base"/>
+            <a:r>
+              <a:rPr lang="ru-RU" dirty="0"/>
+              <a:t>Пользоваться структурами данных</a:t>
+            </a:r>
+          </a:p>
+          <a:p>
+            <a:pPr fontAlgn="base"/>
+            <a:r>
+              <a:rPr lang="ru-RU" dirty="0"/>
+              <a:t>Выполнять операции ввода/вывода</a:t>
+            </a:r>
+          </a:p>
+          <a:p>
+            <a:pPr fontAlgn="base"/>
+            <a:r>
+              <a:rPr lang="ru-RU" dirty="0"/>
+              <a:t>Создавать объектно-ориентированные приложения на языке </a:t>
+            </a:r>
+            <a:r>
+              <a:rPr lang="ru-RU" dirty="0" err="1"/>
+              <a:t>Python</a:t>
+            </a:r>
+            <a:endParaRPr lang="ru-RU" dirty="0"/>
+          </a:p>
+          <a:p>
+            <a:pPr fontAlgn="base"/>
+            <a:r>
+              <a:rPr lang="ru-RU" dirty="0"/>
+              <a:t>Выполнять обработку данных на языке </a:t>
+            </a:r>
+            <a:r>
+              <a:rPr lang="ru-RU" dirty="0" err="1"/>
+              <a:t>Python</a:t>
+            </a:r>
+            <a:endParaRPr lang="ru-RU" dirty="0"/>
+          </a:p>
+          <a:p>
+            <a:pPr fontAlgn="base"/>
+            <a:r>
+              <a:rPr lang="ru-RU" dirty="0"/>
+              <a:t>Ориентироваться в стандартной библиотеке языка </a:t>
+            </a:r>
+            <a:r>
+              <a:rPr lang="ru-RU" dirty="0" err="1"/>
+              <a:t>Python</a:t>
+            </a:r>
+            <a:endParaRPr lang="ru-RU" dirty="0"/>
+          </a:p>
+          <a:p>
+            <a:pPr fontAlgn="base"/>
+            <a:r>
+              <a:rPr lang="ru-RU" dirty="0" smtClean="0"/>
+              <a:t>Разрабатывать </a:t>
+            </a:r>
+            <a:r>
+              <a:rPr lang="ru-RU" dirty="0" err="1"/>
+              <a:t>Web</a:t>
+            </a:r>
+            <a:r>
+              <a:rPr lang="ru-RU" dirty="0"/>
+              <a:t> приложения</a:t>
+            </a:r>
+          </a:p>
+          <a:p>
+            <a:endParaRPr lang="ru-RU" dirty="0"/>
+          </a:p>
+        </p:txBody>
+      </p:sp>
     </p:spTree>
     <p:extLst>
       <p:ext uri="{BB962C8B-B14F-4D97-AF65-F5344CB8AC3E}">
-        <p14:creationId xmlns:p14="http://schemas.microsoft.com/office/powerpoint/2010/main" val="1762340527"/>
+        <p14:creationId xmlns:p14="http://schemas.microsoft.com/office/powerpoint/2010/main" val="2529038050"/>
       </p:ext>
     </p:extLst>
   </p:cSld>
@@ -3965,7 +4257,7 @@
       </p:grpSpPr>
       <p:sp>
         <p:nvSpPr>
-          <p:cNvPr id="2" name="Заголовок 1"/>
+          <p:cNvPr id="5" name="Заголовок 4"/>
           <p:cNvSpPr>
             <a:spLocks noGrp="1"/>
           </p:cNvSpPr>
@@ -3975,22 +4267,12 @@
         </p:nvSpPr>
         <p:spPr/>
         <p:txBody>
-          <a:bodyPr>
-            <a:normAutofit/>
-          </a:bodyPr>
+          <a:bodyPr/>
           <a:lstStyle/>
           <a:p>
             <a:r>
               <a:rPr lang="ru-RU" dirty="0" smtClean="0"/>
-              <a:t>Пример программы на С</a:t>
-            </a:r>
-            <a:r>
-              <a:rPr lang="en-US" dirty="0" smtClean="0"/>
-              <a:t>/C</a:t>
-            </a:r>
-            <a:r>
-              <a:rPr lang="ru-RU" dirty="0" smtClean="0"/>
-              <a:t>++</a:t>
+              <a:t>Языки программирования</a:t>
             </a:r>
             <a:endParaRPr lang="ru-RU" dirty="0"/>
           </a:p>
@@ -3998,64 +4280,32 @@
       </p:sp>
       <p:pic>
         <p:nvPicPr>
-          <p:cNvPr id="3" name="Shape 154"/>
-          <p:cNvPicPr preferRelativeResize="0"/>
+          <p:cNvPr id="4" name="Рисунок 3"/>
+          <p:cNvPicPr>
+            <a:picLocks noChangeAspect="1"/>
+          </p:cNvPicPr>
           <p:nvPr/>
         </p:nvPicPr>
         <p:blipFill>
-          <a:blip r:embed="rId2">
-            <a:alphaModFix/>
-          </a:blip>
+          <a:blip r:embed="rId2"/>
           <a:stretch>
             <a:fillRect/>
           </a:stretch>
         </p:blipFill>
         <p:spPr>
           <a:xfrm>
-            <a:off x="1707522" y="1417638"/>
-            <a:ext cx="6336527" cy="3744416"/>
+            <a:off x="2108871" y="2060849"/>
+            <a:ext cx="7974259" cy="3913971"/>
           </a:xfrm>
           <a:prstGeom prst="rect">
             <a:avLst/>
           </a:prstGeom>
-          <a:noFill/>
-          <a:ln>
-            <a:noFill/>
-          </a:ln>
-        </p:spPr>
-      </p:pic>
-      <p:pic>
-        <p:nvPicPr>
-          <p:cNvPr id="4" name="Shape 155"/>
-          <p:cNvPicPr preferRelativeResize="0"/>
-          <p:nvPr/>
-        </p:nvPicPr>
-        <p:blipFill>
-          <a:blip r:embed="rId3">
-            <a:alphaModFix/>
-          </a:blip>
-          <a:stretch>
-            <a:fillRect/>
-          </a:stretch>
-        </p:blipFill>
-        <p:spPr>
-          <a:xfrm>
-            <a:off x="4367808" y="2060848"/>
-            <a:ext cx="5580112" cy="1872208"/>
-          </a:xfrm>
-          <a:prstGeom prst="rect">
-            <a:avLst/>
-          </a:prstGeom>
-          <a:noFill/>
-          <a:ln>
-            <a:noFill/>
-          </a:ln>
         </p:spPr>
       </p:pic>
     </p:spTree>
     <p:extLst>
       <p:ext uri="{BB962C8B-B14F-4D97-AF65-F5344CB8AC3E}">
-        <p14:creationId xmlns:p14="http://schemas.microsoft.com/office/powerpoint/2010/main" val="1154317908"/>
+        <p14:creationId xmlns:p14="http://schemas.microsoft.com/office/powerpoint/2010/main" val="1762340527"/>
       </p:ext>
     </p:extLst>
   </p:cSld>
@@ -4089,61 +4339,57 @@
           <a:chExt cx="0" cy="0"/>
         </a:xfrm>
       </p:grpSpPr>
+      <p:sp>
+        <p:nvSpPr>
+          <p:cNvPr id="2" name="Заголовок 1"/>
+          <p:cNvSpPr>
+            <a:spLocks noGrp="1"/>
+          </p:cNvSpPr>
+          <p:nvPr>
+            <p:ph type="title"/>
+          </p:nvPr>
+        </p:nvSpPr>
+        <p:spPr/>
+        <p:txBody>
+          <a:bodyPr>
+            <a:normAutofit/>
+          </a:bodyPr>
+          <a:lstStyle/>
+          <a:p>
+            <a:r>
+              <a:rPr lang="ru-RU" dirty="0" smtClean="0"/>
+              <a:t>Пример программы на С</a:t>
+            </a:r>
+            <a:r>
+              <a:rPr lang="en-US" dirty="0" smtClean="0"/>
+              <a:t>/C</a:t>
+            </a:r>
+            <a:r>
+              <a:rPr lang="ru-RU" dirty="0" smtClean="0"/>
+              <a:t>++</a:t>
+            </a:r>
+            <a:endParaRPr lang="ru-RU" dirty="0"/>
+          </a:p>
+        </p:txBody>
+      </p:sp>
       <p:pic>
         <p:nvPicPr>
-          <p:cNvPr id="1056" name="Рисунок 1" descr="Gnome-mime-text-x-c.svg">
-            <a:hlinkClick r:id="rId2"/>
-          </p:cNvPr>
-          <p:cNvPicPr>
-            <a:picLocks noChangeAspect="1" noChangeArrowheads="1"/>
-          </p:cNvPicPr>
+          <p:cNvPr id="3" name="Shape 154"/>
+          <p:cNvPicPr preferRelativeResize="0"/>
           <p:nvPr/>
         </p:nvPicPr>
         <p:blipFill>
-          <a:blip r:embed="rId3">
-            <a:extLst>
-              <a:ext uri="{28A0092B-C50C-407E-A947-70E740481C1C}">
-                <a14:useLocalDpi xmlns:a14="http://schemas.microsoft.com/office/drawing/2010/main" val="0"/>
-              </a:ext>
-            </a:extLst>
+          <a:blip r:embed="rId2">
+            <a:alphaModFix/>
           </a:blip>
-          <a:srcRect/>
           <a:stretch>
             <a:fillRect/>
           </a:stretch>
         </p:blipFill>
-        <p:spPr bwMode="auto">
-          <a:xfrm>
-            <a:off x="5810231" y="1945022"/>
-            <a:ext cx="628693" cy="628693"/>
-          </a:xfrm>
-          <a:prstGeom prst="rect">
-            <a:avLst/>
-          </a:prstGeom>
-          <a:noFill/>
-          <a:extLst>
-            <a:ext uri="{909E8E84-426E-40DD-AFC4-6F175D3DCCD1}">
-              <a14:hiddenFill xmlns:a14="http://schemas.microsoft.com/office/drawing/2010/main">
-                <a:solidFill>
-                  <a:srgbClr val="FFFFFF"/>
-                </a:solidFill>
-              </a14:hiddenFill>
-            </a:ext>
-          </a:extLst>
-        </p:spPr>
-      </p:pic>
-      <p:sp>
-        <p:nvSpPr>
-          <p:cNvPr id="17" name="Rectangle 33"/>
-          <p:cNvSpPr>
-            <a:spLocks noChangeArrowheads="1"/>
-          </p:cNvSpPr>
-          <p:nvPr/>
-        </p:nvSpPr>
-        <p:spPr bwMode="auto">
-          <a:xfrm>
-            <a:off x="2323841" y="1402436"/>
-            <a:ext cx="3580460" cy="415240"/>
+        <p:spPr>
+          <a:xfrm>
+            <a:off x="1707522" y="1417638"/>
+            <a:ext cx="6336527" cy="3744416"/>
           </a:xfrm>
           <a:prstGeom prst="rect">
             <a:avLst/>
@@ -4152,425 +4398,46 @@
           <a:ln>
             <a:noFill/>
           </a:ln>
-          <a:effectLst/>
-          <a:extLst>
-            <a:ext uri="{909E8E84-426E-40DD-AFC4-6F175D3DCCD1}">
-              <a14:hiddenFill xmlns:a14="http://schemas.microsoft.com/office/drawing/2010/main">
-                <a:solidFill>
-                  <a:schemeClr val="accent1"/>
-                </a:solidFill>
-              </a14:hiddenFill>
-            </a:ext>
-            <a:ext uri="{91240B29-F687-4F45-9708-019B960494DF}">
-              <a14:hiddenLine xmlns:a14="http://schemas.microsoft.com/office/drawing/2010/main" w="9525">
-                <a:solidFill>
-                  <a:schemeClr val="tx1"/>
-                </a:solidFill>
-                <a:miter lim="800000"/>
-                <a:headEnd/>
-                <a:tailEnd/>
-              </a14:hiddenLine>
-            </a:ext>
-            <a:ext uri="{AF507438-7753-43E0-B8FC-AC1667EBCBE1}">
-              <a14:hiddenEffects xmlns:a14="http://schemas.microsoft.com/office/drawing/2010/main">
-                <a:effectLst>
-                  <a:outerShdw dist="35921" dir="2700000" algn="ctr" rotWithShape="0">
-                    <a:schemeClr val="bg2"/>
-                  </a:outerShdw>
-                </a:effectLst>
-              </a14:hiddenEffects>
-            </a:ext>
-          </a:extLst>
-        </p:spPr>
-        <p:txBody>
-          <a:bodyPr vert="horz" wrap="none" lIns="72577" tIns="36289" rIns="72577" bIns="36289" numCol="1" anchor="ctr" anchorCtr="0" compatLnSpc="1">
-            <a:prstTxWarp prst="textNoShape">
-              <a:avLst/>
-            </a:prstTxWarp>
-            <a:spAutoFit/>
-          </a:bodyPr>
-          <a:lstStyle/>
-          <a:p>
-            <a:pPr defTabSz="725759" eaLnBrk="0" fontAlgn="base" hangingPunct="0">
-              <a:spcBef>
-                <a:spcPct val="0"/>
-              </a:spcBef>
-              <a:spcAft>
-                <a:spcPct val="0"/>
-              </a:spcAft>
-            </a:pPr>
-            <a:r>
-              <a:rPr lang="ru-RU" altLang="ru-RU" sz="2222" dirty="0">
-                <a:solidFill>
-                  <a:srgbClr val="252525"/>
-                </a:solidFill>
-                <a:latin typeface="Liberation Sans" panose="020B0604020202020204" pitchFamily="34" charset="0"/>
-                <a:ea typeface="Liberation Sans" panose="020B0604020202020204" pitchFamily="34" charset="0"/>
-                <a:cs typeface="Liberation Sans" panose="020B0604020202020204" pitchFamily="34" charset="0"/>
-              </a:rPr>
-              <a:t>Исходный код на </a:t>
-            </a:r>
-            <a:r>
-              <a:rPr lang="en-US" altLang="ru-RU" sz="2222" dirty="0">
-                <a:solidFill>
-                  <a:srgbClr val="252525"/>
-                </a:solidFill>
-                <a:latin typeface="Liberation Sans" panose="020B0604020202020204" pitchFamily="34" charset="0"/>
-                <a:ea typeface="Liberation Sans" panose="020B0604020202020204" pitchFamily="34" charset="0"/>
-                <a:cs typeface="Liberation Sans" panose="020B0604020202020204" pitchFamily="34" charset="0"/>
-              </a:rPr>
-              <a:t>C/C++…</a:t>
-            </a:r>
-            <a:endParaRPr lang="en-US" altLang="ru-RU" sz="1429" dirty="0">
-              <a:latin typeface="Arial" panose="020B0604020202020204" pitchFamily="34" charset="0"/>
-            </a:endParaRPr>
-          </a:p>
-        </p:txBody>
-      </p:sp>
-      <p:sp>
-        <p:nvSpPr>
-          <p:cNvPr id="19" name="Rectangle 35"/>
-          <p:cNvSpPr>
-            <a:spLocks noChangeArrowheads="1"/>
-          </p:cNvSpPr>
+        </p:spPr>
+      </p:pic>
+      <p:pic>
+        <p:nvPicPr>
+          <p:cNvPr id="4" name="Shape 155"/>
+          <p:cNvPicPr preferRelativeResize="0"/>
           <p:nvPr/>
-        </p:nvSpPr>
-        <p:spPr bwMode="auto">
-          <a:xfrm>
-            <a:off x="2438148" y="3054537"/>
-            <a:ext cx="169014" cy="195500"/>
+        </p:nvPicPr>
+        <p:blipFill>
+          <a:blip r:embed="rId3">
+            <a:alphaModFix/>
+          </a:blip>
+          <a:stretch>
+            <a:fillRect/>
+          </a:stretch>
+        </p:blipFill>
+        <p:spPr>
+          <a:xfrm>
+            <a:off x="4367808" y="2060848"/>
+            <a:ext cx="5580112" cy="1872208"/>
           </a:xfrm>
           <a:prstGeom prst="rect">
             <a:avLst/>
           </a:prstGeom>
-          <a:solidFill>
-            <a:srgbClr val="FFFFFF"/>
-          </a:solidFill>
+          <a:noFill/>
           <a:ln>
             <a:noFill/>
           </a:ln>
-          <a:effectLst/>
-          <a:extLst>
-            <a:ext uri="{91240B29-F687-4F45-9708-019B960494DF}">
-              <a14:hiddenLine xmlns:a14="http://schemas.microsoft.com/office/drawing/2010/main" w="9525">
-                <a:solidFill>
-                  <a:schemeClr val="tx1"/>
-                </a:solidFill>
-                <a:miter lim="800000"/>
-                <a:headEnd/>
-                <a:tailEnd/>
-              </a14:hiddenLine>
-            </a:ext>
-            <a:ext uri="{AF507438-7753-43E0-B8FC-AC1667EBCBE1}">
-              <a14:hiddenEffects xmlns:a14="http://schemas.microsoft.com/office/drawing/2010/main">
-                <a:effectLst>
-                  <a:outerShdw dist="35921" dir="2700000" algn="ctr" rotWithShape="0">
-                    <a:schemeClr val="bg2"/>
-                  </a:outerShdw>
-                </a:effectLst>
-              </a14:hiddenEffects>
-            </a:ext>
-          </a:extLst>
-        </p:spPr>
-        <p:txBody>
-          <a:bodyPr vert="horz" wrap="none" lIns="72577" tIns="36289" rIns="72577" bIns="36289" numCol="1" anchor="ctr" anchorCtr="0" compatLnSpc="1">
-            <a:prstTxWarp prst="textNoShape">
-              <a:avLst/>
-            </a:prstTxWarp>
-            <a:spAutoFit/>
-          </a:bodyPr>
-          <a:lstStyle/>
-          <a:p>
-            <a:pPr defTabSz="725759" eaLnBrk="0" fontAlgn="base" hangingPunct="0">
-              <a:spcBef>
-                <a:spcPct val="0"/>
-              </a:spcBef>
-              <a:spcAft>
-                <a:spcPct val="0"/>
-              </a:spcAft>
-            </a:pPr>
-            <a:r>
-              <a:rPr lang="en-US" altLang="ru-RU" sz="794">
-                <a:solidFill>
-                  <a:srgbClr val="252525"/>
-                </a:solidFill>
-                <a:latin typeface="Calibri" panose="020F0502020204030204" pitchFamily="34" charset="0"/>
-                <a:ea typeface="Times New Roman" panose="02020603050405020304" pitchFamily="18" charset="0"/>
-                <a:cs typeface="Arial" panose="020B0604020202020204" pitchFamily="34" charset="0"/>
-              </a:rPr>
-              <a:t> </a:t>
-            </a:r>
-            <a:endParaRPr lang="en-US" altLang="ru-RU" sz="1429">
-              <a:latin typeface="Arial" panose="020B0604020202020204" pitchFamily="34" charset="0"/>
-            </a:endParaRPr>
-          </a:p>
-        </p:txBody>
-      </p:sp>
-      <p:sp>
-        <p:nvSpPr>
-          <p:cNvPr id="21" name="Rectangle 37"/>
-          <p:cNvSpPr>
-            <a:spLocks noChangeArrowheads="1"/>
-          </p:cNvSpPr>
-          <p:nvPr/>
-        </p:nvSpPr>
-        <p:spPr bwMode="auto">
-          <a:xfrm>
-            <a:off x="2438148" y="3810552"/>
-            <a:ext cx="169014" cy="195500"/>
-          </a:xfrm>
-          <a:prstGeom prst="rect">
-            <a:avLst/>
-          </a:prstGeom>
-          <a:solidFill>
-            <a:srgbClr val="FFFFFF"/>
-          </a:solidFill>
-          <a:ln>
-            <a:noFill/>
-          </a:ln>
-          <a:effectLst/>
-          <a:extLst>
-            <a:ext uri="{91240B29-F687-4F45-9708-019B960494DF}">
-              <a14:hiddenLine xmlns:a14="http://schemas.microsoft.com/office/drawing/2010/main" w="9525">
-                <a:solidFill>
-                  <a:schemeClr val="tx1"/>
-                </a:solidFill>
-                <a:miter lim="800000"/>
-                <a:headEnd/>
-                <a:tailEnd/>
-              </a14:hiddenLine>
-            </a:ext>
-            <a:ext uri="{AF507438-7753-43E0-B8FC-AC1667EBCBE1}">
-              <a14:hiddenEffects xmlns:a14="http://schemas.microsoft.com/office/drawing/2010/main">
-                <a:effectLst>
-                  <a:outerShdw dist="35921" dir="2700000" algn="ctr" rotWithShape="0">
-                    <a:schemeClr val="bg2"/>
-                  </a:outerShdw>
-                </a:effectLst>
-              </a14:hiddenEffects>
-            </a:ext>
-          </a:extLst>
-        </p:spPr>
-        <p:txBody>
-          <a:bodyPr vert="horz" wrap="none" lIns="72577" tIns="36289" rIns="72577" bIns="36289" numCol="1" anchor="ctr" anchorCtr="0" compatLnSpc="1">
-            <a:prstTxWarp prst="textNoShape">
-              <a:avLst/>
-            </a:prstTxWarp>
-            <a:spAutoFit/>
-          </a:bodyPr>
-          <a:lstStyle/>
-          <a:p>
-            <a:pPr defTabSz="725759" eaLnBrk="0" fontAlgn="base" hangingPunct="0">
-              <a:spcBef>
-                <a:spcPct val="0"/>
-              </a:spcBef>
-              <a:spcAft>
-                <a:spcPct val="0"/>
-              </a:spcAft>
-            </a:pPr>
-            <a:r>
-              <a:rPr lang="en-US" altLang="ru-RU" sz="794">
-                <a:solidFill>
-                  <a:srgbClr val="252525"/>
-                </a:solidFill>
-                <a:latin typeface="Calibri" panose="020F0502020204030204" pitchFamily="34" charset="0"/>
-                <a:ea typeface="Times New Roman" panose="02020603050405020304" pitchFamily="18" charset="0"/>
-                <a:cs typeface="Arial" panose="020B0604020202020204" pitchFamily="34" charset="0"/>
-              </a:rPr>
-              <a:t> </a:t>
-            </a:r>
-            <a:endParaRPr lang="en-US" altLang="ru-RU" sz="1429">
-              <a:latin typeface="Arial" panose="020B0604020202020204" pitchFamily="34" charset="0"/>
-            </a:endParaRPr>
-          </a:p>
-        </p:txBody>
-      </p:sp>
-      <p:sp>
-        <p:nvSpPr>
-          <p:cNvPr id="22" name="Rectangle 38"/>
-          <p:cNvSpPr>
-            <a:spLocks noChangeArrowheads="1"/>
-          </p:cNvSpPr>
-          <p:nvPr/>
-        </p:nvSpPr>
-        <p:spPr bwMode="auto">
-          <a:xfrm>
-            <a:off x="2438148" y="4188559"/>
-            <a:ext cx="169014" cy="195500"/>
-          </a:xfrm>
-          <a:prstGeom prst="rect">
-            <a:avLst/>
-          </a:prstGeom>
-          <a:solidFill>
-            <a:srgbClr val="FFFFFF"/>
-          </a:solidFill>
-          <a:ln>
-            <a:noFill/>
-          </a:ln>
-          <a:effectLst/>
-          <a:extLst>
-            <a:ext uri="{91240B29-F687-4F45-9708-019B960494DF}">
-              <a14:hiddenLine xmlns:a14="http://schemas.microsoft.com/office/drawing/2010/main" w="9525">
-                <a:solidFill>
-                  <a:schemeClr val="tx1"/>
-                </a:solidFill>
-                <a:miter lim="800000"/>
-                <a:headEnd/>
-                <a:tailEnd/>
-              </a14:hiddenLine>
-            </a:ext>
-            <a:ext uri="{AF507438-7753-43E0-B8FC-AC1667EBCBE1}">
-              <a14:hiddenEffects xmlns:a14="http://schemas.microsoft.com/office/drawing/2010/main">
-                <a:effectLst>
-                  <a:outerShdw dist="35921" dir="2700000" algn="ctr" rotWithShape="0">
-                    <a:schemeClr val="bg2"/>
-                  </a:outerShdw>
-                </a:effectLst>
-              </a14:hiddenEffects>
-            </a:ext>
-          </a:extLst>
-        </p:spPr>
-        <p:txBody>
-          <a:bodyPr vert="horz" wrap="none" lIns="72577" tIns="36289" rIns="72577" bIns="36289" numCol="1" anchor="ctr" anchorCtr="0" compatLnSpc="1">
-            <a:prstTxWarp prst="textNoShape">
-              <a:avLst/>
-            </a:prstTxWarp>
-            <a:spAutoFit/>
-          </a:bodyPr>
-          <a:lstStyle/>
-          <a:p>
-            <a:pPr defTabSz="725759" eaLnBrk="0" fontAlgn="base" hangingPunct="0">
-              <a:spcBef>
-                <a:spcPct val="0"/>
-              </a:spcBef>
-              <a:spcAft>
-                <a:spcPct val="0"/>
-              </a:spcAft>
-            </a:pPr>
-            <a:r>
-              <a:rPr lang="en-US" altLang="ru-RU" sz="794">
-                <a:solidFill>
-                  <a:srgbClr val="252525"/>
-                </a:solidFill>
-                <a:latin typeface="Calibri" panose="020F0502020204030204" pitchFamily="34" charset="0"/>
-                <a:ea typeface="Times New Roman" panose="02020603050405020304" pitchFamily="18" charset="0"/>
-                <a:cs typeface="Arial" panose="020B0604020202020204" pitchFamily="34" charset="0"/>
-              </a:rPr>
-              <a:t> </a:t>
-            </a:r>
-            <a:endParaRPr lang="en-US" altLang="ru-RU" sz="1429">
-              <a:latin typeface="Arial" panose="020B0604020202020204" pitchFamily="34" charset="0"/>
-            </a:endParaRPr>
-          </a:p>
-        </p:txBody>
-      </p:sp>
-      <p:sp>
-        <p:nvSpPr>
-          <p:cNvPr id="23" name="Rectangle 39"/>
-          <p:cNvSpPr>
-            <a:spLocks noChangeArrowheads="1"/>
-          </p:cNvSpPr>
-          <p:nvPr/>
-        </p:nvSpPr>
-        <p:spPr bwMode="auto">
-          <a:xfrm>
-            <a:off x="2438149" y="4312958"/>
-            <a:ext cx="146636" cy="415432"/>
-          </a:xfrm>
-          <a:prstGeom prst="rect">
-            <a:avLst/>
-          </a:prstGeom>
-          <a:solidFill>
-            <a:srgbClr val="FFFFFF"/>
-          </a:solidFill>
-          <a:ln>
-            <a:noFill/>
-          </a:ln>
-          <a:effectLst/>
-          <a:extLst>
-            <a:ext uri="{91240B29-F687-4F45-9708-019B960494DF}">
-              <a14:hiddenLine xmlns:a14="http://schemas.microsoft.com/office/drawing/2010/main" w="9525">
-                <a:solidFill>
-                  <a:schemeClr val="tx1"/>
-                </a:solidFill>
-                <a:miter lim="800000"/>
-                <a:headEnd/>
-                <a:tailEnd/>
-              </a14:hiddenLine>
-            </a:ext>
-            <a:ext uri="{AF507438-7753-43E0-B8FC-AC1667EBCBE1}">
-              <a14:hiddenEffects xmlns:a14="http://schemas.microsoft.com/office/drawing/2010/main">
-                <a:effectLst>
-                  <a:outerShdw dist="35921" dir="2700000" algn="ctr" rotWithShape="0">
-                    <a:schemeClr val="bg2"/>
-                  </a:outerShdw>
-                </a:effectLst>
-              </a14:hiddenEffects>
-            </a:ext>
-          </a:extLst>
-        </p:spPr>
-        <p:txBody>
-          <a:bodyPr vert="horz" wrap="none" lIns="72577" tIns="36289" rIns="72577" bIns="36289" numCol="1" anchor="ctr" anchorCtr="0" compatLnSpc="1">
-            <a:prstTxWarp prst="textNoShape">
-              <a:avLst/>
-            </a:prstTxWarp>
-            <a:spAutoFit/>
-          </a:bodyPr>
-          <a:lstStyle/>
-          <a:p>
-            <a:pPr defTabSz="725759" eaLnBrk="0" fontAlgn="base" hangingPunct="0">
-              <a:spcBef>
-                <a:spcPct val="0"/>
-              </a:spcBef>
-              <a:spcAft>
-                <a:spcPct val="0"/>
-              </a:spcAft>
-            </a:pPr>
-            <a:r>
-              <a:rPr lang="en-US" altLang="ru-RU" sz="794">
-                <a:solidFill>
-                  <a:srgbClr val="252525"/>
-                </a:solidFill>
-                <a:latin typeface="Arial" panose="020B0604020202020204" pitchFamily="34" charset="0"/>
-                <a:ea typeface="Times New Roman" panose="02020603050405020304" pitchFamily="18" charset="0"/>
-                <a:cs typeface="Arial" panose="020B0604020202020204" pitchFamily="34" charset="0"/>
-              </a:rPr>
-              <a:t/>
-            </a:r>
-            <a:br>
-              <a:rPr lang="en-US" altLang="ru-RU" sz="794">
-                <a:solidFill>
-                  <a:srgbClr val="252525"/>
-                </a:solidFill>
-                <a:latin typeface="Arial" panose="020B0604020202020204" pitchFamily="34" charset="0"/>
-                <a:ea typeface="Times New Roman" panose="02020603050405020304" pitchFamily="18" charset="0"/>
-                <a:cs typeface="Arial" panose="020B0604020202020204" pitchFamily="34" charset="0"/>
-              </a:rPr>
-            </a:br>
-            <a:endParaRPr lang="en-US" altLang="ru-RU" sz="1429">
-              <a:latin typeface="Arial" panose="020B0604020202020204" pitchFamily="34" charset="0"/>
-            </a:endParaRPr>
-          </a:p>
-        </p:txBody>
-      </p:sp>
+        </p:spPr>
+      </p:pic>
     </p:spTree>
     <p:extLst>
       <p:ext uri="{BB962C8B-B14F-4D97-AF65-F5344CB8AC3E}">
-        <p14:creationId xmlns:p14="http://schemas.microsoft.com/office/powerpoint/2010/main" val="1291197713"/>
+        <p14:creationId xmlns:p14="http://schemas.microsoft.com/office/powerpoint/2010/main" val="1154317908"/>
       </p:ext>
     </p:extLst>
   </p:cSld>
   <p:clrMapOvr>
     <a:masterClrMapping/>
   </p:clrMapOvr>
-  <mc:AlternateContent xmlns:mc="http://schemas.openxmlformats.org/markup-compatibility/2006" xmlns:p14="http://schemas.microsoft.com/office/powerpoint/2010/main">
-    <mc:Choice Requires="p14">
-      <p:transition spd="slow" p14:dur="2000"/>
-    </mc:Choice>
-    <mc:Fallback xmlns="">
-      <p:transition spd="slow"/>
-    </mc:Fallback>
-  </mc:AlternateContent>
   <p:timing>
     <p:tnLst>
       <p:par>
@@ -4641,49 +4508,6 @@
           </a:extLst>
         </p:spPr>
       </p:pic>
-      <p:pic>
-        <p:nvPicPr>
-          <p:cNvPr id="1054" name="Рисунок 3" descr="Gnome-mime-application-x-executable.svg">
-            <a:hlinkClick r:id="rId4"/>
-          </p:cNvPr>
-          <p:cNvPicPr>
-            <a:picLocks noChangeAspect="1" noChangeArrowheads="1"/>
-          </p:cNvPicPr>
-          <p:nvPr/>
-        </p:nvPicPr>
-        <p:blipFill>
-          <a:blip r:embed="rId5">
-            <a:extLst>
-              <a:ext uri="{28A0092B-C50C-407E-A947-70E740481C1C}">
-                <a14:useLocalDpi xmlns:a14="http://schemas.microsoft.com/office/drawing/2010/main" val="0"/>
-              </a:ext>
-            </a:extLst>
-          </a:blip>
-          <a:srcRect/>
-          <a:stretch>
-            <a:fillRect/>
-          </a:stretch>
-        </p:blipFill>
-        <p:spPr bwMode="auto">
-          <a:xfrm>
-            <a:off x="6362629" y="3320686"/>
-            <a:ext cx="628693" cy="628693"/>
-          </a:xfrm>
-          <a:prstGeom prst="rect">
-            <a:avLst/>
-          </a:prstGeom>
-          <a:noFill/>
-          <a:extLst>
-            <a:ext uri="{909E8E84-426E-40DD-AFC4-6F175D3DCCD1}">
-              <a14:hiddenFill xmlns:a14="http://schemas.microsoft.com/office/drawing/2010/main">
-                <a:solidFill>
-                  <a:srgbClr val="FFFFFF"/>
-                </a:solidFill>
-              </a14:hiddenFill>
-            </a:ext>
-          </a:extLst>
-        </p:spPr>
-      </p:pic>
       <p:sp>
         <p:nvSpPr>
           <p:cNvPr id="17" name="Rectangle 33"/>
@@ -5105,163 +4929,10 @@
           </a:p>
         </p:txBody>
       </p:sp>
-      <p:pic>
-        <p:nvPicPr>
-          <p:cNvPr id="42" name="Рисунок 1" descr="Gnome-mime-text-x-c.svg">
-            <a:hlinkClick r:id="rId2"/>
-          </p:cNvPr>
-          <p:cNvPicPr>
-            <a:picLocks noChangeAspect="1" noChangeArrowheads="1"/>
-          </p:cNvPicPr>
-          <p:nvPr/>
-        </p:nvPicPr>
-        <p:blipFill>
-          <a:blip r:embed="rId3">
-            <a:extLst>
-              <a:ext uri="{28A0092B-C50C-407E-A947-70E740481C1C}">
-                <a14:useLocalDpi xmlns:a14="http://schemas.microsoft.com/office/drawing/2010/main" val="0"/>
-              </a:ext>
-            </a:extLst>
-          </a:blip>
-          <a:srcRect/>
-          <a:stretch>
-            <a:fillRect/>
-          </a:stretch>
-        </p:blipFill>
-        <p:spPr bwMode="auto">
-          <a:xfrm>
-            <a:off x="5339712" y="3320686"/>
-            <a:ext cx="628693" cy="628693"/>
-          </a:xfrm>
-          <a:prstGeom prst="rect">
-            <a:avLst/>
-          </a:prstGeom>
-          <a:noFill/>
-          <a:extLst>
-            <a:ext uri="{909E8E84-426E-40DD-AFC4-6F175D3DCCD1}">
-              <a14:hiddenFill xmlns:a14="http://schemas.microsoft.com/office/drawing/2010/main">
-                <a:solidFill>
-                  <a:srgbClr val="FFFFFF"/>
-                </a:solidFill>
-              </a14:hiddenFill>
-            </a:ext>
-          </a:extLst>
-        </p:spPr>
-      </p:pic>
-      <p:sp>
-        <p:nvSpPr>
-          <p:cNvPr id="24" name="Прямоугольник 23"/>
-          <p:cNvSpPr/>
-          <p:nvPr/>
-        </p:nvSpPr>
-        <p:spPr>
-          <a:xfrm>
-            <a:off x="2435362" y="2734154"/>
-            <a:ext cx="4868897" cy="434286"/>
-          </a:xfrm>
-          <a:prstGeom prst="rect">
-            <a:avLst/>
-          </a:prstGeom>
-        </p:spPr>
-        <p:txBody>
-          <a:bodyPr wrap="none">
-            <a:spAutoFit/>
-          </a:bodyPr>
-          <a:lstStyle/>
-          <a:p>
-            <a:pPr lvl="0" eaLnBrk="0" fontAlgn="base" hangingPunct="0">
-              <a:spcBef>
-                <a:spcPct val="0"/>
-              </a:spcBef>
-              <a:spcAft>
-                <a:spcPct val="0"/>
-              </a:spcAft>
-            </a:pPr>
-            <a:r>
-              <a:rPr lang="en-US" altLang="ru-RU" sz="2222" dirty="0">
-                <a:solidFill>
-                  <a:srgbClr val="252525"/>
-                </a:solidFill>
-                <a:latin typeface="Liberation Sans" panose="020B0604020202020204" pitchFamily="34" charset="0"/>
-                <a:ea typeface="Liberation Sans" panose="020B0604020202020204" pitchFamily="34" charset="0"/>
-                <a:cs typeface="Liberation Sans" panose="020B0604020202020204" pitchFamily="34" charset="0"/>
-              </a:rPr>
-              <a:t>… </a:t>
-            </a:r>
-            <a:r>
-              <a:rPr lang="ru-RU" altLang="ru-RU" sz="2222" dirty="0">
-                <a:solidFill>
-                  <a:srgbClr val="252525"/>
-                </a:solidFill>
-                <a:latin typeface="Liberation Sans" panose="020B0604020202020204" pitchFamily="34" charset="0"/>
-                <a:ea typeface="Liberation Sans" panose="020B0604020202020204" pitchFamily="34" charset="0"/>
-                <a:cs typeface="Liberation Sans" panose="020B0604020202020204" pitchFamily="34" charset="0"/>
-              </a:rPr>
-              <a:t>компилируется в машинный код</a:t>
-            </a:r>
-            <a:r>
-              <a:rPr lang="en-US" altLang="ru-RU" sz="2222" dirty="0">
-                <a:solidFill>
-                  <a:srgbClr val="252525"/>
-                </a:solidFill>
-                <a:latin typeface="Liberation Sans" panose="020B0604020202020204" pitchFamily="34" charset="0"/>
-                <a:ea typeface="Liberation Sans" panose="020B0604020202020204" pitchFamily="34" charset="0"/>
-                <a:cs typeface="Liberation Sans" panose="020B0604020202020204" pitchFamily="34" charset="0"/>
-              </a:rPr>
-              <a:t>:</a:t>
-            </a:r>
-            <a:endParaRPr lang="en-US" altLang="ru-RU" sz="2222" dirty="0">
-              <a:latin typeface="Liberation Sans" panose="020B0604020202020204" pitchFamily="34" charset="0"/>
-              <a:ea typeface="Liberation Sans" panose="020B0604020202020204" pitchFamily="34" charset="0"/>
-              <a:cs typeface="Liberation Sans" panose="020B0604020202020204" pitchFamily="34" charset="0"/>
-            </a:endParaRPr>
-          </a:p>
-        </p:txBody>
-      </p:sp>
-      <p:sp>
-        <p:nvSpPr>
-          <p:cNvPr id="26" name="Стрелка вправо 25"/>
-          <p:cNvSpPr/>
-          <p:nvPr/>
-        </p:nvSpPr>
-        <p:spPr>
-          <a:xfrm>
-            <a:off x="6039705" y="3533578"/>
-            <a:ext cx="271622" cy="228616"/>
-          </a:xfrm>
-          <a:prstGeom prst="rightArrow">
-            <a:avLst/>
-          </a:prstGeom>
-        </p:spPr>
-        <p:style>
-          <a:lnRef idx="2">
-            <a:schemeClr val="accent1">
-              <a:shade val="50000"/>
-            </a:schemeClr>
-          </a:lnRef>
-          <a:fillRef idx="1">
-            <a:schemeClr val="accent1"/>
-          </a:fillRef>
-          <a:effectRef idx="0">
-            <a:schemeClr val="accent1"/>
-          </a:effectRef>
-          <a:fontRef idx="minor">
-            <a:schemeClr val="lt1"/>
-          </a:fontRef>
-        </p:style>
-        <p:txBody>
-          <a:bodyPr rtlCol="0" anchor="ctr"/>
-          <a:lstStyle/>
-          <a:p>
-            <a:pPr algn="ctr"/>
-            <a:endParaRPr lang="ru-RU" sz="1429"/>
-          </a:p>
-        </p:txBody>
-      </p:sp>
     </p:spTree>
     <p:extLst>
       <p:ext uri="{BB962C8B-B14F-4D97-AF65-F5344CB8AC3E}">
-        <p14:creationId xmlns:p14="http://schemas.microsoft.com/office/powerpoint/2010/main" val="4004299473"/>
+        <p14:creationId xmlns:p14="http://schemas.microsoft.com/office/powerpoint/2010/main" val="1291197713"/>
       </p:ext>
     </p:extLst>
   </p:cSld>
@@ -5389,49 +5060,6 @@
           </a:extLst>
         </p:spPr>
       </p:pic>
-      <p:pic>
-        <p:nvPicPr>
-          <p:cNvPr id="1051" name="Рисунок 6" descr="Window Dialog.svg">
-            <a:hlinkClick r:id="rId6"/>
-          </p:cNvPr>
-          <p:cNvPicPr>
-            <a:picLocks noChangeAspect="1" noChangeArrowheads="1"/>
-          </p:cNvPicPr>
-          <p:nvPr/>
-        </p:nvPicPr>
-        <p:blipFill>
-          <a:blip r:embed="rId7">
-            <a:extLst>
-              <a:ext uri="{28A0092B-C50C-407E-A947-70E740481C1C}">
-                <a14:useLocalDpi xmlns:a14="http://schemas.microsoft.com/office/drawing/2010/main" val="0"/>
-              </a:ext>
-            </a:extLst>
-          </a:blip>
-          <a:srcRect/>
-          <a:stretch>
-            <a:fillRect/>
-          </a:stretch>
-        </p:blipFill>
-        <p:spPr bwMode="auto">
-          <a:xfrm>
-            <a:off x="6991322" y="4787115"/>
-            <a:ext cx="721501" cy="447331"/>
-          </a:xfrm>
-          <a:prstGeom prst="rect">
-            <a:avLst/>
-          </a:prstGeom>
-          <a:noFill/>
-          <a:extLst>
-            <a:ext uri="{909E8E84-426E-40DD-AFC4-6F175D3DCCD1}">
-              <a14:hiddenFill xmlns:a14="http://schemas.microsoft.com/office/drawing/2010/main">
-                <a:solidFill>
-                  <a:srgbClr val="FFFFFF"/>
-                </a:solidFill>
-              </a14:hiddenFill>
-            </a:ext>
-          </a:extLst>
-        </p:spPr>
-      </p:pic>
       <p:sp>
         <p:nvSpPr>
           <p:cNvPr id="17" name="Rectangle 33"/>
@@ -5968,162 +5596,6 @@
       </p:sp>
       <p:sp>
         <p:nvSpPr>
-          <p:cNvPr id="25" name="Прямоугольник 24"/>
-          <p:cNvSpPr/>
-          <p:nvPr/>
-        </p:nvSpPr>
-        <p:spPr>
-          <a:xfrm>
-            <a:off x="2435362" y="4177207"/>
-            <a:ext cx="5736379" cy="434286"/>
-          </a:xfrm>
-          <a:prstGeom prst="rect">
-            <a:avLst/>
-          </a:prstGeom>
-        </p:spPr>
-        <p:txBody>
-          <a:bodyPr wrap="none">
-            <a:spAutoFit/>
-          </a:bodyPr>
-          <a:lstStyle/>
-          <a:p>
-            <a:pPr lvl="0" eaLnBrk="0" fontAlgn="base" hangingPunct="0">
-              <a:spcBef>
-                <a:spcPct val="0"/>
-              </a:spcBef>
-              <a:spcAft>
-                <a:spcPct val="0"/>
-              </a:spcAft>
-            </a:pPr>
-            <a:r>
-              <a:rPr lang="en-US" altLang="ru-RU" sz="2222" dirty="0">
-                <a:solidFill>
-                  <a:srgbClr val="252525"/>
-                </a:solidFill>
-                <a:latin typeface="Liberation Sans" panose="020B0604020202020204" pitchFamily="34" charset="0"/>
-                <a:ea typeface="Liberation Sans" panose="020B0604020202020204" pitchFamily="34" charset="0"/>
-                <a:cs typeface="Liberation Sans" panose="020B0604020202020204" pitchFamily="34" charset="0"/>
-              </a:rPr>
-              <a:t>… </a:t>
-            </a:r>
-            <a:r>
-              <a:rPr lang="ru-RU" altLang="ru-RU" sz="2222" dirty="0">
-                <a:solidFill>
-                  <a:srgbClr val="252525"/>
-                </a:solidFill>
-                <a:latin typeface="Liberation Sans" panose="020B0604020202020204" pitchFamily="34" charset="0"/>
-                <a:ea typeface="Liberation Sans" panose="020B0604020202020204" pitchFamily="34" charset="0"/>
-                <a:cs typeface="Liberation Sans" panose="020B0604020202020204" pitchFamily="34" charset="0"/>
-              </a:rPr>
-              <a:t>и выполняется на целевой платформе</a:t>
-            </a:r>
-            <a:r>
-              <a:rPr lang="en-US" altLang="ru-RU" sz="2222" dirty="0">
-                <a:solidFill>
-                  <a:srgbClr val="252525"/>
-                </a:solidFill>
-                <a:latin typeface="Liberation Sans" panose="020B0604020202020204" pitchFamily="34" charset="0"/>
-                <a:ea typeface="Liberation Sans" panose="020B0604020202020204" pitchFamily="34" charset="0"/>
-                <a:cs typeface="Liberation Sans" panose="020B0604020202020204" pitchFamily="34" charset="0"/>
-              </a:rPr>
-              <a:t>:</a:t>
-            </a:r>
-            <a:endParaRPr lang="en-US" altLang="ru-RU" sz="2222" dirty="0">
-              <a:latin typeface="Liberation Sans" panose="020B0604020202020204" pitchFamily="34" charset="0"/>
-              <a:ea typeface="Liberation Sans" panose="020B0604020202020204" pitchFamily="34" charset="0"/>
-              <a:cs typeface="Liberation Sans" panose="020B0604020202020204" pitchFamily="34" charset="0"/>
-            </a:endParaRPr>
-          </a:p>
-        </p:txBody>
-      </p:sp>
-      <p:pic>
-        <p:nvPicPr>
-          <p:cNvPr id="45" name="Рисунок 3" descr="Gnome-mime-application-x-executable.svg">
-            <a:hlinkClick r:id="rId4"/>
-          </p:cNvPr>
-          <p:cNvPicPr>
-            <a:picLocks noChangeAspect="1" noChangeArrowheads="1"/>
-          </p:cNvPicPr>
-          <p:nvPr/>
-        </p:nvPicPr>
-        <p:blipFill>
-          <a:blip r:embed="rId5">
-            <a:extLst>
-              <a:ext uri="{28A0092B-C50C-407E-A947-70E740481C1C}">
-                <a14:useLocalDpi xmlns:a14="http://schemas.microsoft.com/office/drawing/2010/main" val="0"/>
-              </a:ext>
-            </a:extLst>
-          </a:blip>
-          <a:srcRect/>
-          <a:stretch>
-            <a:fillRect/>
-          </a:stretch>
-        </p:blipFill>
-        <p:spPr bwMode="auto">
-          <a:xfrm>
-            <a:off x="5968405" y="4676902"/>
-            <a:ext cx="628693" cy="628693"/>
-          </a:xfrm>
-          <a:prstGeom prst="rect">
-            <a:avLst/>
-          </a:prstGeom>
-          <a:noFill/>
-          <a:extLst>
-            <a:ext uri="{909E8E84-426E-40DD-AFC4-6F175D3DCCD1}">
-              <a14:hiddenFill xmlns:a14="http://schemas.microsoft.com/office/drawing/2010/main">
-                <a:solidFill>
-                  <a:srgbClr val="FFFFFF"/>
-                </a:solidFill>
-              </a14:hiddenFill>
-            </a:ext>
-          </a:extLst>
-        </p:spPr>
-      </p:pic>
-      <p:pic>
-        <p:nvPicPr>
-          <p:cNvPr id="46" name="Рисунок 1" descr="Gnome-mime-text-x-c.svg">
-            <a:hlinkClick r:id="rId2"/>
-          </p:cNvPr>
-          <p:cNvPicPr>
-            <a:picLocks noChangeAspect="1" noChangeArrowheads="1"/>
-          </p:cNvPicPr>
-          <p:nvPr/>
-        </p:nvPicPr>
-        <p:blipFill>
-          <a:blip r:embed="rId3">
-            <a:extLst>
-              <a:ext uri="{28A0092B-C50C-407E-A947-70E740481C1C}">
-                <a14:useLocalDpi xmlns:a14="http://schemas.microsoft.com/office/drawing/2010/main" val="0"/>
-              </a:ext>
-            </a:extLst>
-          </a:blip>
-          <a:srcRect/>
-          <a:stretch>
-            <a:fillRect/>
-          </a:stretch>
-        </p:blipFill>
-        <p:spPr bwMode="auto">
-          <a:xfrm>
-            <a:off x="4945488" y="4676902"/>
-            <a:ext cx="628693" cy="628693"/>
-          </a:xfrm>
-          <a:prstGeom prst="rect">
-            <a:avLst/>
-          </a:prstGeom>
-          <a:noFill/>
-          <a:extLst>
-            <a:ext uri="{909E8E84-426E-40DD-AFC4-6F175D3DCCD1}">
-              <a14:hiddenFill xmlns:a14="http://schemas.microsoft.com/office/drawing/2010/main">
-                <a:solidFill>
-                  <a:srgbClr val="FFFFFF"/>
-                </a:solidFill>
-              </a14:hiddenFill>
-            </a:ext>
-          </a:extLst>
-        </p:spPr>
-      </p:pic>
-      <p:sp>
-        <p:nvSpPr>
           <p:cNvPr id="26" name="Стрелка вправо 25"/>
           <p:cNvSpPr/>
           <p:nvPr/>
@@ -6162,90 +5634,10 @@
           </a:p>
         </p:txBody>
       </p:sp>
-      <p:sp>
-        <p:nvSpPr>
-          <p:cNvPr id="48" name="Стрелка вправо 47"/>
-          <p:cNvSpPr/>
-          <p:nvPr/>
-        </p:nvSpPr>
-        <p:spPr>
-          <a:xfrm>
-            <a:off x="5574180" y="4868778"/>
-            <a:ext cx="271622" cy="228616"/>
-          </a:xfrm>
-          <a:prstGeom prst="rightArrow">
-            <a:avLst/>
-          </a:prstGeom>
-        </p:spPr>
-        <p:style>
-          <a:lnRef idx="2">
-            <a:schemeClr val="accent1">
-              <a:shade val="50000"/>
-            </a:schemeClr>
-          </a:lnRef>
-          <a:fillRef idx="1">
-            <a:schemeClr val="accent1"/>
-          </a:fillRef>
-          <a:effectRef idx="0">
-            <a:schemeClr val="accent1"/>
-          </a:effectRef>
-          <a:fontRef idx="minor">
-            <a:schemeClr val="lt1"/>
-          </a:fontRef>
-        </p:style>
-        <p:txBody>
-          <a:bodyPr rtlCol="0" anchor="ctr"/>
-          <a:lstStyle/>
-          <a:p>
-            <a:pPr algn="ctr"/>
-            <a:endParaRPr lang="ru-RU" sz="1429"/>
-          </a:p>
-        </p:txBody>
-      </p:sp>
-      <p:sp>
-        <p:nvSpPr>
-          <p:cNvPr id="49" name="Стрелка вправо 48"/>
-          <p:cNvSpPr/>
-          <p:nvPr/>
-        </p:nvSpPr>
-        <p:spPr>
-          <a:xfrm>
-            <a:off x="6628040" y="4868778"/>
-            <a:ext cx="271622" cy="228616"/>
-          </a:xfrm>
-          <a:prstGeom prst="rightArrow">
-            <a:avLst/>
-          </a:prstGeom>
-        </p:spPr>
-        <p:style>
-          <a:lnRef idx="2">
-            <a:schemeClr val="accent1">
-              <a:shade val="50000"/>
-            </a:schemeClr>
-          </a:lnRef>
-          <a:fillRef idx="1">
-            <a:schemeClr val="accent1"/>
-          </a:fillRef>
-          <a:effectRef idx="0">
-            <a:schemeClr val="accent1"/>
-          </a:effectRef>
-          <a:fontRef idx="minor">
-            <a:schemeClr val="lt1"/>
-          </a:fontRef>
-        </p:style>
-        <p:txBody>
-          <a:bodyPr rtlCol="0" anchor="ctr"/>
-          <a:lstStyle/>
-          <a:p>
-            <a:pPr algn="ctr"/>
-            <a:endParaRPr lang="ru-RU" sz="1429"/>
-          </a:p>
-        </p:txBody>
-      </p:sp>
     </p:spTree>
     <p:extLst>
       <p:ext uri="{BB962C8B-B14F-4D97-AF65-F5344CB8AC3E}">
-        <p14:creationId xmlns:p14="http://schemas.microsoft.com/office/powerpoint/2010/main" val="1201927296"/>
+        <p14:creationId xmlns:p14="http://schemas.microsoft.com/office/powerpoint/2010/main" val="4004299473"/>
       </p:ext>
     </p:extLst>
   </p:cSld>
@@ -6287,52 +5679,9 @@
           <a:chExt cx="0" cy="0"/>
         </a:xfrm>
       </p:grpSpPr>
-      <p:sp>
-        <p:nvSpPr>
-          <p:cNvPr id="8" name="Прямоугольник 7"/>
-          <p:cNvSpPr/>
-          <p:nvPr/>
-        </p:nvSpPr>
-        <p:spPr>
-          <a:xfrm>
-            <a:off x="5423313" y="1586830"/>
-            <a:ext cx="1635394" cy="857309"/>
-          </a:xfrm>
-          <a:prstGeom prst="rect">
-            <a:avLst/>
-          </a:prstGeom>
-          <a:ln w="38100">
-            <a:solidFill>
-              <a:srgbClr val="FF0000"/>
-            </a:solidFill>
-          </a:ln>
-        </p:spPr>
-        <p:style>
-          <a:lnRef idx="2">
-            <a:schemeClr val="accent2"/>
-          </a:lnRef>
-          <a:fillRef idx="1">
-            <a:schemeClr val="lt1"/>
-          </a:fillRef>
-          <a:effectRef idx="0">
-            <a:schemeClr val="accent2"/>
-          </a:effectRef>
-          <a:fontRef idx="minor">
-            <a:schemeClr val="dk1"/>
-          </a:fontRef>
-        </p:style>
-        <p:txBody>
-          <a:bodyPr rtlCol="0" anchor="ctr"/>
-          <a:lstStyle/>
-          <a:p>
-            <a:pPr algn="ctr"/>
-            <a:endParaRPr lang="ru-RU" sz="1429"/>
-          </a:p>
-        </p:txBody>
-      </p:sp>
       <p:pic>
         <p:nvPicPr>
-          <p:cNvPr id="2058" name="Рисунок 7" descr="Gnome-mime-text-x-c.svg">
+          <p:cNvPr id="1056" name="Рисунок 1" descr="Gnome-mime-text-x-c.svg">
             <a:hlinkClick r:id="rId2"/>
           </p:cNvPr>
           <p:cNvPicPr>
@@ -6355,8 +5704,8 @@
         </p:blipFill>
         <p:spPr bwMode="auto">
           <a:xfrm>
-            <a:off x="4298113" y="1676083"/>
-            <a:ext cx="640478" cy="640478"/>
+            <a:off x="5810231" y="1945022"/>
+            <a:ext cx="628693" cy="628693"/>
           </a:xfrm>
           <a:prstGeom prst="rect">
             <a:avLst/>
@@ -6375,7 +5724,7 @@
       </p:pic>
       <p:pic>
         <p:nvPicPr>
-          <p:cNvPr id="2056" name="Рисунок 9" descr="Window Dialog.svg">
+          <p:cNvPr id="1054" name="Рисунок 3" descr="Gnome-mime-application-x-executable.svg">
             <a:hlinkClick r:id="rId4"/>
           </p:cNvPr>
           <p:cNvPicPr>
@@ -6398,8 +5747,8 @@
         </p:blipFill>
         <p:spPr bwMode="auto">
           <a:xfrm>
-            <a:off x="6358901" y="1799234"/>
-            <a:ext cx="640638" cy="397196"/>
+            <a:off x="6362629" y="3320686"/>
+            <a:ext cx="628693" cy="628693"/>
           </a:xfrm>
           <a:prstGeom prst="rect">
             <a:avLst/>
@@ -6418,7 +5767,7 @@
       </p:pic>
       <p:pic>
         <p:nvPicPr>
-          <p:cNvPr id="2053" name="Рисунок 12" descr="Gnome-mime-application-x-executable.svg">
+          <p:cNvPr id="1051" name="Рисунок 6" descr="Window Dialog.svg">
             <a:hlinkClick r:id="rId6"/>
           </p:cNvPr>
           <p:cNvPicPr>
@@ -6441,8 +5790,8 @@
         </p:blipFill>
         <p:spPr bwMode="auto">
           <a:xfrm>
-            <a:off x="5423314" y="1694521"/>
-            <a:ext cx="606623" cy="606623"/>
+            <a:off x="6991322" y="4787115"/>
+            <a:ext cx="721501" cy="447331"/>
           </a:xfrm>
           <a:prstGeom prst="rect">
             <a:avLst/>
@@ -6461,7 +5810,7 @@
       </p:pic>
       <p:sp>
         <p:nvSpPr>
-          <p:cNvPr id="20" name="Rectangle 12"/>
+          <p:cNvPr id="17" name="Rectangle 33"/>
           <p:cNvSpPr>
             <a:spLocks noChangeArrowheads="1"/>
           </p:cNvSpPr>
@@ -6469,8 +5818,8 @@
         </p:nvSpPr>
         <p:spPr bwMode="auto">
           <a:xfrm>
-            <a:off x="1543303" y="1028570"/>
-            <a:ext cx="9340179" cy="415240"/>
+            <a:off x="2323841" y="1402436"/>
+            <a:ext cx="3580460" cy="415240"/>
           </a:xfrm>
           <a:prstGeom prst="rect">
             <a:avLst/>
@@ -6527,7 +5876,7 @@
               </a:spcAft>
             </a:pPr>
             <a:r>
-              <a:rPr lang="en-US" altLang="ru-RU" sz="2222" dirty="0">
+              <a:rPr lang="ru-RU" altLang="ru-RU" sz="2222" dirty="0">
                 <a:solidFill>
                   <a:srgbClr val="252525"/>
                 </a:solidFill>
@@ -6535,10 +5884,10 @@
                 <a:ea typeface="Liberation Sans" panose="020B0604020202020204" pitchFamily="34" charset="0"/>
                 <a:cs typeface="Liberation Sans" panose="020B0604020202020204" pitchFamily="34" charset="0"/>
               </a:rPr>
-              <a:t>...</a:t>
-            </a:r>
-            <a:r>
-              <a:rPr lang="ru-RU" altLang="ru-RU" sz="2222" dirty="0">
+              <a:t>Исходный код на </a:t>
+            </a:r>
+            <a:r>
+              <a:rPr lang="en-US" altLang="ru-RU" sz="2222" dirty="0">
                 <a:solidFill>
                   <a:srgbClr val="252525"/>
                 </a:solidFill>
@@ -6546,10 +5895,414 @@
                 <a:ea typeface="Liberation Sans" panose="020B0604020202020204" pitchFamily="34" charset="0"/>
                 <a:cs typeface="Liberation Sans" panose="020B0604020202020204" pitchFamily="34" charset="0"/>
               </a:rPr>
-              <a:t> но машинный код специфичен для каждой платформы и </a:t>
-            </a:r>
-            <a:r>
-              <a:rPr lang="ru-RU" altLang="ru-RU" sz="2222">
+              <a:t>C/C++…</a:t>
+            </a:r>
+            <a:endParaRPr lang="en-US" altLang="ru-RU" sz="1429" dirty="0">
+              <a:latin typeface="Arial" panose="020B0604020202020204" pitchFamily="34" charset="0"/>
+            </a:endParaRPr>
+          </a:p>
+        </p:txBody>
+      </p:sp>
+      <p:sp>
+        <p:nvSpPr>
+          <p:cNvPr id="19" name="Rectangle 35"/>
+          <p:cNvSpPr>
+            <a:spLocks noChangeArrowheads="1"/>
+          </p:cNvSpPr>
+          <p:nvPr/>
+        </p:nvSpPr>
+        <p:spPr bwMode="auto">
+          <a:xfrm>
+            <a:off x="2438148" y="3054537"/>
+            <a:ext cx="169014" cy="195500"/>
+          </a:xfrm>
+          <a:prstGeom prst="rect">
+            <a:avLst/>
+          </a:prstGeom>
+          <a:solidFill>
+            <a:srgbClr val="FFFFFF"/>
+          </a:solidFill>
+          <a:ln>
+            <a:noFill/>
+          </a:ln>
+          <a:effectLst/>
+          <a:extLst>
+            <a:ext uri="{91240B29-F687-4F45-9708-019B960494DF}">
+              <a14:hiddenLine xmlns:a14="http://schemas.microsoft.com/office/drawing/2010/main" w="9525">
+                <a:solidFill>
+                  <a:schemeClr val="tx1"/>
+                </a:solidFill>
+                <a:miter lim="800000"/>
+                <a:headEnd/>
+                <a:tailEnd/>
+              </a14:hiddenLine>
+            </a:ext>
+            <a:ext uri="{AF507438-7753-43E0-B8FC-AC1667EBCBE1}">
+              <a14:hiddenEffects xmlns:a14="http://schemas.microsoft.com/office/drawing/2010/main">
+                <a:effectLst>
+                  <a:outerShdw dist="35921" dir="2700000" algn="ctr" rotWithShape="0">
+                    <a:schemeClr val="bg2"/>
+                  </a:outerShdw>
+                </a:effectLst>
+              </a14:hiddenEffects>
+            </a:ext>
+          </a:extLst>
+        </p:spPr>
+        <p:txBody>
+          <a:bodyPr vert="horz" wrap="none" lIns="72577" tIns="36289" rIns="72577" bIns="36289" numCol="1" anchor="ctr" anchorCtr="0" compatLnSpc="1">
+            <a:prstTxWarp prst="textNoShape">
+              <a:avLst/>
+            </a:prstTxWarp>
+            <a:spAutoFit/>
+          </a:bodyPr>
+          <a:lstStyle/>
+          <a:p>
+            <a:pPr defTabSz="725759" eaLnBrk="0" fontAlgn="base" hangingPunct="0">
+              <a:spcBef>
+                <a:spcPct val="0"/>
+              </a:spcBef>
+              <a:spcAft>
+                <a:spcPct val="0"/>
+              </a:spcAft>
+            </a:pPr>
+            <a:r>
+              <a:rPr lang="en-US" altLang="ru-RU" sz="794">
+                <a:solidFill>
+                  <a:srgbClr val="252525"/>
+                </a:solidFill>
+                <a:latin typeface="Calibri" panose="020F0502020204030204" pitchFamily="34" charset="0"/>
+                <a:ea typeface="Times New Roman" panose="02020603050405020304" pitchFamily="18" charset="0"/>
+                <a:cs typeface="Arial" panose="020B0604020202020204" pitchFamily="34" charset="0"/>
+              </a:rPr>
+              <a:t> </a:t>
+            </a:r>
+            <a:endParaRPr lang="en-US" altLang="ru-RU" sz="1429">
+              <a:latin typeface="Arial" panose="020B0604020202020204" pitchFamily="34" charset="0"/>
+            </a:endParaRPr>
+          </a:p>
+        </p:txBody>
+      </p:sp>
+      <p:sp>
+        <p:nvSpPr>
+          <p:cNvPr id="21" name="Rectangle 37"/>
+          <p:cNvSpPr>
+            <a:spLocks noChangeArrowheads="1"/>
+          </p:cNvSpPr>
+          <p:nvPr/>
+        </p:nvSpPr>
+        <p:spPr bwMode="auto">
+          <a:xfrm>
+            <a:off x="2438148" y="3810552"/>
+            <a:ext cx="169014" cy="195500"/>
+          </a:xfrm>
+          <a:prstGeom prst="rect">
+            <a:avLst/>
+          </a:prstGeom>
+          <a:solidFill>
+            <a:srgbClr val="FFFFFF"/>
+          </a:solidFill>
+          <a:ln>
+            <a:noFill/>
+          </a:ln>
+          <a:effectLst/>
+          <a:extLst>
+            <a:ext uri="{91240B29-F687-4F45-9708-019B960494DF}">
+              <a14:hiddenLine xmlns:a14="http://schemas.microsoft.com/office/drawing/2010/main" w="9525">
+                <a:solidFill>
+                  <a:schemeClr val="tx1"/>
+                </a:solidFill>
+                <a:miter lim="800000"/>
+                <a:headEnd/>
+                <a:tailEnd/>
+              </a14:hiddenLine>
+            </a:ext>
+            <a:ext uri="{AF507438-7753-43E0-B8FC-AC1667EBCBE1}">
+              <a14:hiddenEffects xmlns:a14="http://schemas.microsoft.com/office/drawing/2010/main">
+                <a:effectLst>
+                  <a:outerShdw dist="35921" dir="2700000" algn="ctr" rotWithShape="0">
+                    <a:schemeClr val="bg2"/>
+                  </a:outerShdw>
+                </a:effectLst>
+              </a14:hiddenEffects>
+            </a:ext>
+          </a:extLst>
+        </p:spPr>
+        <p:txBody>
+          <a:bodyPr vert="horz" wrap="none" lIns="72577" tIns="36289" rIns="72577" bIns="36289" numCol="1" anchor="ctr" anchorCtr="0" compatLnSpc="1">
+            <a:prstTxWarp prst="textNoShape">
+              <a:avLst/>
+            </a:prstTxWarp>
+            <a:spAutoFit/>
+          </a:bodyPr>
+          <a:lstStyle/>
+          <a:p>
+            <a:pPr defTabSz="725759" eaLnBrk="0" fontAlgn="base" hangingPunct="0">
+              <a:spcBef>
+                <a:spcPct val="0"/>
+              </a:spcBef>
+              <a:spcAft>
+                <a:spcPct val="0"/>
+              </a:spcAft>
+            </a:pPr>
+            <a:r>
+              <a:rPr lang="en-US" altLang="ru-RU" sz="794">
+                <a:solidFill>
+                  <a:srgbClr val="252525"/>
+                </a:solidFill>
+                <a:latin typeface="Calibri" panose="020F0502020204030204" pitchFamily="34" charset="0"/>
+                <a:ea typeface="Times New Roman" panose="02020603050405020304" pitchFamily="18" charset="0"/>
+                <a:cs typeface="Arial" panose="020B0604020202020204" pitchFamily="34" charset="0"/>
+              </a:rPr>
+              <a:t> </a:t>
+            </a:r>
+            <a:endParaRPr lang="en-US" altLang="ru-RU" sz="1429">
+              <a:latin typeface="Arial" panose="020B0604020202020204" pitchFamily="34" charset="0"/>
+            </a:endParaRPr>
+          </a:p>
+        </p:txBody>
+      </p:sp>
+      <p:sp>
+        <p:nvSpPr>
+          <p:cNvPr id="22" name="Rectangle 38"/>
+          <p:cNvSpPr>
+            <a:spLocks noChangeArrowheads="1"/>
+          </p:cNvSpPr>
+          <p:nvPr/>
+        </p:nvSpPr>
+        <p:spPr bwMode="auto">
+          <a:xfrm>
+            <a:off x="2438148" y="4188559"/>
+            <a:ext cx="169014" cy="195500"/>
+          </a:xfrm>
+          <a:prstGeom prst="rect">
+            <a:avLst/>
+          </a:prstGeom>
+          <a:solidFill>
+            <a:srgbClr val="FFFFFF"/>
+          </a:solidFill>
+          <a:ln>
+            <a:noFill/>
+          </a:ln>
+          <a:effectLst/>
+          <a:extLst>
+            <a:ext uri="{91240B29-F687-4F45-9708-019B960494DF}">
+              <a14:hiddenLine xmlns:a14="http://schemas.microsoft.com/office/drawing/2010/main" w="9525">
+                <a:solidFill>
+                  <a:schemeClr val="tx1"/>
+                </a:solidFill>
+                <a:miter lim="800000"/>
+                <a:headEnd/>
+                <a:tailEnd/>
+              </a14:hiddenLine>
+            </a:ext>
+            <a:ext uri="{AF507438-7753-43E0-B8FC-AC1667EBCBE1}">
+              <a14:hiddenEffects xmlns:a14="http://schemas.microsoft.com/office/drawing/2010/main">
+                <a:effectLst>
+                  <a:outerShdw dist="35921" dir="2700000" algn="ctr" rotWithShape="0">
+                    <a:schemeClr val="bg2"/>
+                  </a:outerShdw>
+                </a:effectLst>
+              </a14:hiddenEffects>
+            </a:ext>
+          </a:extLst>
+        </p:spPr>
+        <p:txBody>
+          <a:bodyPr vert="horz" wrap="none" lIns="72577" tIns="36289" rIns="72577" bIns="36289" numCol="1" anchor="ctr" anchorCtr="0" compatLnSpc="1">
+            <a:prstTxWarp prst="textNoShape">
+              <a:avLst/>
+            </a:prstTxWarp>
+            <a:spAutoFit/>
+          </a:bodyPr>
+          <a:lstStyle/>
+          <a:p>
+            <a:pPr defTabSz="725759" eaLnBrk="0" fontAlgn="base" hangingPunct="0">
+              <a:spcBef>
+                <a:spcPct val="0"/>
+              </a:spcBef>
+              <a:spcAft>
+                <a:spcPct val="0"/>
+              </a:spcAft>
+            </a:pPr>
+            <a:r>
+              <a:rPr lang="en-US" altLang="ru-RU" sz="794">
+                <a:solidFill>
+                  <a:srgbClr val="252525"/>
+                </a:solidFill>
+                <a:latin typeface="Calibri" panose="020F0502020204030204" pitchFamily="34" charset="0"/>
+                <a:ea typeface="Times New Roman" panose="02020603050405020304" pitchFamily="18" charset="0"/>
+                <a:cs typeface="Arial" panose="020B0604020202020204" pitchFamily="34" charset="0"/>
+              </a:rPr>
+              <a:t> </a:t>
+            </a:r>
+            <a:endParaRPr lang="en-US" altLang="ru-RU" sz="1429">
+              <a:latin typeface="Arial" panose="020B0604020202020204" pitchFamily="34" charset="0"/>
+            </a:endParaRPr>
+          </a:p>
+        </p:txBody>
+      </p:sp>
+      <p:sp>
+        <p:nvSpPr>
+          <p:cNvPr id="23" name="Rectangle 39"/>
+          <p:cNvSpPr>
+            <a:spLocks noChangeArrowheads="1"/>
+          </p:cNvSpPr>
+          <p:nvPr/>
+        </p:nvSpPr>
+        <p:spPr bwMode="auto">
+          <a:xfrm>
+            <a:off x="2438149" y="4312958"/>
+            <a:ext cx="146636" cy="415432"/>
+          </a:xfrm>
+          <a:prstGeom prst="rect">
+            <a:avLst/>
+          </a:prstGeom>
+          <a:solidFill>
+            <a:srgbClr val="FFFFFF"/>
+          </a:solidFill>
+          <a:ln>
+            <a:noFill/>
+          </a:ln>
+          <a:effectLst/>
+          <a:extLst>
+            <a:ext uri="{91240B29-F687-4F45-9708-019B960494DF}">
+              <a14:hiddenLine xmlns:a14="http://schemas.microsoft.com/office/drawing/2010/main" w="9525">
+                <a:solidFill>
+                  <a:schemeClr val="tx1"/>
+                </a:solidFill>
+                <a:miter lim="800000"/>
+                <a:headEnd/>
+                <a:tailEnd/>
+              </a14:hiddenLine>
+            </a:ext>
+            <a:ext uri="{AF507438-7753-43E0-B8FC-AC1667EBCBE1}">
+              <a14:hiddenEffects xmlns:a14="http://schemas.microsoft.com/office/drawing/2010/main">
+                <a:effectLst>
+                  <a:outerShdw dist="35921" dir="2700000" algn="ctr" rotWithShape="0">
+                    <a:schemeClr val="bg2"/>
+                  </a:outerShdw>
+                </a:effectLst>
+              </a14:hiddenEffects>
+            </a:ext>
+          </a:extLst>
+        </p:spPr>
+        <p:txBody>
+          <a:bodyPr vert="horz" wrap="none" lIns="72577" tIns="36289" rIns="72577" bIns="36289" numCol="1" anchor="ctr" anchorCtr="0" compatLnSpc="1">
+            <a:prstTxWarp prst="textNoShape">
+              <a:avLst/>
+            </a:prstTxWarp>
+            <a:spAutoFit/>
+          </a:bodyPr>
+          <a:lstStyle/>
+          <a:p>
+            <a:pPr defTabSz="725759" eaLnBrk="0" fontAlgn="base" hangingPunct="0">
+              <a:spcBef>
+                <a:spcPct val="0"/>
+              </a:spcBef>
+              <a:spcAft>
+                <a:spcPct val="0"/>
+              </a:spcAft>
+            </a:pPr>
+            <a:r>
+              <a:rPr lang="en-US" altLang="ru-RU" sz="794">
+                <a:solidFill>
+                  <a:srgbClr val="252525"/>
+                </a:solidFill>
+                <a:latin typeface="Arial" panose="020B0604020202020204" pitchFamily="34" charset="0"/>
+                <a:ea typeface="Times New Roman" panose="02020603050405020304" pitchFamily="18" charset="0"/>
+                <a:cs typeface="Arial" panose="020B0604020202020204" pitchFamily="34" charset="0"/>
+              </a:rPr>
+              <a:t/>
+            </a:r>
+            <a:br>
+              <a:rPr lang="en-US" altLang="ru-RU" sz="794">
+                <a:solidFill>
+                  <a:srgbClr val="252525"/>
+                </a:solidFill>
+                <a:latin typeface="Arial" panose="020B0604020202020204" pitchFamily="34" charset="0"/>
+                <a:ea typeface="Times New Roman" panose="02020603050405020304" pitchFamily="18" charset="0"/>
+                <a:cs typeface="Arial" panose="020B0604020202020204" pitchFamily="34" charset="0"/>
+              </a:rPr>
+            </a:br>
+            <a:endParaRPr lang="en-US" altLang="ru-RU" sz="1429">
+              <a:latin typeface="Arial" panose="020B0604020202020204" pitchFamily="34" charset="0"/>
+            </a:endParaRPr>
+          </a:p>
+        </p:txBody>
+      </p:sp>
+      <p:pic>
+        <p:nvPicPr>
+          <p:cNvPr id="42" name="Рисунок 1" descr="Gnome-mime-text-x-c.svg">
+            <a:hlinkClick r:id="rId2"/>
+          </p:cNvPr>
+          <p:cNvPicPr>
+            <a:picLocks noChangeAspect="1" noChangeArrowheads="1"/>
+          </p:cNvPicPr>
+          <p:nvPr/>
+        </p:nvPicPr>
+        <p:blipFill>
+          <a:blip r:embed="rId3">
+            <a:extLst>
+              <a:ext uri="{28A0092B-C50C-407E-A947-70E740481C1C}">
+                <a14:useLocalDpi xmlns:a14="http://schemas.microsoft.com/office/drawing/2010/main" val="0"/>
+              </a:ext>
+            </a:extLst>
+          </a:blip>
+          <a:srcRect/>
+          <a:stretch>
+            <a:fillRect/>
+          </a:stretch>
+        </p:blipFill>
+        <p:spPr bwMode="auto">
+          <a:xfrm>
+            <a:off x="5339712" y="3320686"/>
+            <a:ext cx="628693" cy="628693"/>
+          </a:xfrm>
+          <a:prstGeom prst="rect">
+            <a:avLst/>
+          </a:prstGeom>
+          <a:noFill/>
+          <a:extLst>
+            <a:ext uri="{909E8E84-426E-40DD-AFC4-6F175D3DCCD1}">
+              <a14:hiddenFill xmlns:a14="http://schemas.microsoft.com/office/drawing/2010/main">
+                <a:solidFill>
+                  <a:srgbClr val="FFFFFF"/>
+                </a:solidFill>
+              </a14:hiddenFill>
+            </a:ext>
+          </a:extLst>
+        </p:spPr>
+      </p:pic>
+      <p:sp>
+        <p:nvSpPr>
+          <p:cNvPr id="24" name="Прямоугольник 23"/>
+          <p:cNvSpPr/>
+          <p:nvPr/>
+        </p:nvSpPr>
+        <p:spPr>
+          <a:xfrm>
+            <a:off x="2435362" y="2734154"/>
+            <a:ext cx="4868897" cy="434286"/>
+          </a:xfrm>
+          <a:prstGeom prst="rect">
+            <a:avLst/>
+          </a:prstGeom>
+        </p:spPr>
+        <p:txBody>
+          <a:bodyPr wrap="none">
+            <a:spAutoFit/>
+          </a:bodyPr>
+          <a:lstStyle/>
+          <a:p>
+            <a:pPr lvl="0" eaLnBrk="0" fontAlgn="base" hangingPunct="0">
+              <a:spcBef>
+                <a:spcPct val="0"/>
+              </a:spcBef>
+              <a:spcAft>
+                <a:spcPct val="0"/>
+              </a:spcAft>
+            </a:pPr>
+            <a:r>
+              <a:rPr lang="en-US" altLang="ru-RU" sz="2222" dirty="0">
                 <a:solidFill>
                   <a:srgbClr val="252525"/>
                 </a:solidFill>
@@ -6557,7 +6310,29 @@
                 <a:ea typeface="Liberation Sans" panose="020B0604020202020204" pitchFamily="34" charset="0"/>
                 <a:cs typeface="Liberation Sans" panose="020B0604020202020204" pitchFamily="34" charset="0"/>
               </a:rPr>
-              <a:t>«железа»</a:t>
+              <a:t>… </a:t>
+            </a:r>
+            <a:r>
+              <a:rPr lang="ru-RU" altLang="ru-RU" sz="2222" dirty="0">
+                <a:solidFill>
+                  <a:srgbClr val="252525"/>
+                </a:solidFill>
+                <a:latin typeface="Liberation Sans" panose="020B0604020202020204" pitchFamily="34" charset="0"/>
+                <a:ea typeface="Liberation Sans" panose="020B0604020202020204" pitchFamily="34" charset="0"/>
+                <a:cs typeface="Liberation Sans" panose="020B0604020202020204" pitchFamily="34" charset="0"/>
+              </a:rPr>
+              <a:t>компилируется в машинный код</a:t>
+            </a:r>
+            <a:r>
+              <a:rPr lang="en-US" altLang="ru-RU" sz="2222" dirty="0">
+                <a:solidFill>
+                  <a:srgbClr val="252525"/>
+                </a:solidFill>
+                <a:latin typeface="Liberation Sans" panose="020B0604020202020204" pitchFamily="34" charset="0"/>
+                <a:ea typeface="Liberation Sans" panose="020B0604020202020204" pitchFamily="34" charset="0"/>
+                <a:cs typeface="Liberation Sans" panose="020B0604020202020204" pitchFamily="34" charset="0"/>
+              </a:rPr>
+              <a:t>:</a:t>
             </a:r>
             <a:endParaRPr lang="en-US" altLang="ru-RU" sz="2222" dirty="0">
               <a:latin typeface="Liberation Sans" panose="020B0604020202020204" pitchFamily="34" charset="0"/>
@@ -6569,14 +6344,170 @@
       </p:sp>
       <p:sp>
         <p:nvSpPr>
-          <p:cNvPr id="27" name="Стрелка вправо 26"/>
+          <p:cNvPr id="25" name="Прямоугольник 24"/>
           <p:cNvSpPr/>
           <p:nvPr/>
         </p:nvSpPr>
         <p:spPr>
           <a:xfrm>
-            <a:off x="5000796" y="1901700"/>
-            <a:ext cx="342924" cy="285770"/>
+            <a:off x="2435362" y="4177207"/>
+            <a:ext cx="5736379" cy="434286"/>
+          </a:xfrm>
+          <a:prstGeom prst="rect">
+            <a:avLst/>
+          </a:prstGeom>
+        </p:spPr>
+        <p:txBody>
+          <a:bodyPr wrap="none">
+            <a:spAutoFit/>
+          </a:bodyPr>
+          <a:lstStyle/>
+          <a:p>
+            <a:pPr lvl="0" eaLnBrk="0" fontAlgn="base" hangingPunct="0">
+              <a:spcBef>
+                <a:spcPct val="0"/>
+              </a:spcBef>
+              <a:spcAft>
+                <a:spcPct val="0"/>
+              </a:spcAft>
+            </a:pPr>
+            <a:r>
+              <a:rPr lang="en-US" altLang="ru-RU" sz="2222" dirty="0">
+                <a:solidFill>
+                  <a:srgbClr val="252525"/>
+                </a:solidFill>
+                <a:latin typeface="Liberation Sans" panose="020B0604020202020204" pitchFamily="34" charset="0"/>
+                <a:ea typeface="Liberation Sans" panose="020B0604020202020204" pitchFamily="34" charset="0"/>
+                <a:cs typeface="Liberation Sans" panose="020B0604020202020204" pitchFamily="34" charset="0"/>
+              </a:rPr>
+              <a:t>… </a:t>
+            </a:r>
+            <a:r>
+              <a:rPr lang="ru-RU" altLang="ru-RU" sz="2222" dirty="0">
+                <a:solidFill>
+                  <a:srgbClr val="252525"/>
+                </a:solidFill>
+                <a:latin typeface="Liberation Sans" panose="020B0604020202020204" pitchFamily="34" charset="0"/>
+                <a:ea typeface="Liberation Sans" panose="020B0604020202020204" pitchFamily="34" charset="0"/>
+                <a:cs typeface="Liberation Sans" panose="020B0604020202020204" pitchFamily="34" charset="0"/>
+              </a:rPr>
+              <a:t>и выполняется на целевой платформе</a:t>
+            </a:r>
+            <a:r>
+              <a:rPr lang="en-US" altLang="ru-RU" sz="2222" dirty="0">
+                <a:solidFill>
+                  <a:srgbClr val="252525"/>
+                </a:solidFill>
+                <a:latin typeface="Liberation Sans" panose="020B0604020202020204" pitchFamily="34" charset="0"/>
+                <a:ea typeface="Liberation Sans" panose="020B0604020202020204" pitchFamily="34" charset="0"/>
+                <a:cs typeface="Liberation Sans" panose="020B0604020202020204" pitchFamily="34" charset="0"/>
+              </a:rPr>
+              <a:t>:</a:t>
+            </a:r>
+            <a:endParaRPr lang="en-US" altLang="ru-RU" sz="2222" dirty="0">
+              <a:latin typeface="Liberation Sans" panose="020B0604020202020204" pitchFamily="34" charset="0"/>
+              <a:ea typeface="Liberation Sans" panose="020B0604020202020204" pitchFamily="34" charset="0"/>
+              <a:cs typeface="Liberation Sans" panose="020B0604020202020204" pitchFamily="34" charset="0"/>
+            </a:endParaRPr>
+          </a:p>
+        </p:txBody>
+      </p:sp>
+      <p:pic>
+        <p:nvPicPr>
+          <p:cNvPr id="45" name="Рисунок 3" descr="Gnome-mime-application-x-executable.svg">
+            <a:hlinkClick r:id="rId4"/>
+          </p:cNvPr>
+          <p:cNvPicPr>
+            <a:picLocks noChangeAspect="1" noChangeArrowheads="1"/>
+          </p:cNvPicPr>
+          <p:nvPr/>
+        </p:nvPicPr>
+        <p:blipFill>
+          <a:blip r:embed="rId5">
+            <a:extLst>
+              <a:ext uri="{28A0092B-C50C-407E-A947-70E740481C1C}">
+                <a14:useLocalDpi xmlns:a14="http://schemas.microsoft.com/office/drawing/2010/main" val="0"/>
+              </a:ext>
+            </a:extLst>
+          </a:blip>
+          <a:srcRect/>
+          <a:stretch>
+            <a:fillRect/>
+          </a:stretch>
+        </p:blipFill>
+        <p:spPr bwMode="auto">
+          <a:xfrm>
+            <a:off x="5968405" y="4676902"/>
+            <a:ext cx="628693" cy="628693"/>
+          </a:xfrm>
+          <a:prstGeom prst="rect">
+            <a:avLst/>
+          </a:prstGeom>
+          <a:noFill/>
+          <a:extLst>
+            <a:ext uri="{909E8E84-426E-40DD-AFC4-6F175D3DCCD1}">
+              <a14:hiddenFill xmlns:a14="http://schemas.microsoft.com/office/drawing/2010/main">
+                <a:solidFill>
+                  <a:srgbClr val="FFFFFF"/>
+                </a:solidFill>
+              </a14:hiddenFill>
+            </a:ext>
+          </a:extLst>
+        </p:spPr>
+      </p:pic>
+      <p:pic>
+        <p:nvPicPr>
+          <p:cNvPr id="46" name="Рисунок 1" descr="Gnome-mime-text-x-c.svg">
+            <a:hlinkClick r:id="rId2"/>
+          </p:cNvPr>
+          <p:cNvPicPr>
+            <a:picLocks noChangeAspect="1" noChangeArrowheads="1"/>
+          </p:cNvPicPr>
+          <p:nvPr/>
+        </p:nvPicPr>
+        <p:blipFill>
+          <a:blip r:embed="rId3">
+            <a:extLst>
+              <a:ext uri="{28A0092B-C50C-407E-A947-70E740481C1C}">
+                <a14:useLocalDpi xmlns:a14="http://schemas.microsoft.com/office/drawing/2010/main" val="0"/>
+              </a:ext>
+            </a:extLst>
+          </a:blip>
+          <a:srcRect/>
+          <a:stretch>
+            <a:fillRect/>
+          </a:stretch>
+        </p:blipFill>
+        <p:spPr bwMode="auto">
+          <a:xfrm>
+            <a:off x="4945488" y="4676902"/>
+            <a:ext cx="628693" cy="628693"/>
+          </a:xfrm>
+          <a:prstGeom prst="rect">
+            <a:avLst/>
+          </a:prstGeom>
+          <a:noFill/>
+          <a:extLst>
+            <a:ext uri="{909E8E84-426E-40DD-AFC4-6F175D3DCCD1}">
+              <a14:hiddenFill xmlns:a14="http://schemas.microsoft.com/office/drawing/2010/main">
+                <a:solidFill>
+                  <a:srgbClr val="FFFFFF"/>
+                </a:solidFill>
+              </a14:hiddenFill>
+            </a:ext>
+          </a:extLst>
+        </p:spPr>
+      </p:pic>
+      <p:sp>
+        <p:nvSpPr>
+          <p:cNvPr id="26" name="Стрелка вправо 25"/>
+          <p:cNvSpPr/>
+          <p:nvPr/>
+        </p:nvSpPr>
+        <p:spPr>
+          <a:xfrm>
+            <a:off x="6039705" y="3533578"/>
+            <a:ext cx="271622" cy="228616"/>
           </a:xfrm>
           <a:prstGeom prst="rightArrow">
             <a:avLst/>
@@ -6607,10 +6538,90 @@
           </a:p>
         </p:txBody>
       </p:sp>
+      <p:sp>
+        <p:nvSpPr>
+          <p:cNvPr id="48" name="Стрелка вправо 47"/>
+          <p:cNvSpPr/>
+          <p:nvPr/>
+        </p:nvSpPr>
+        <p:spPr>
+          <a:xfrm>
+            <a:off x="5574180" y="4868778"/>
+            <a:ext cx="271622" cy="228616"/>
+          </a:xfrm>
+          <a:prstGeom prst="rightArrow">
+            <a:avLst/>
+          </a:prstGeom>
+        </p:spPr>
+        <p:style>
+          <a:lnRef idx="2">
+            <a:schemeClr val="accent1">
+              <a:shade val="50000"/>
+            </a:schemeClr>
+          </a:lnRef>
+          <a:fillRef idx="1">
+            <a:schemeClr val="accent1"/>
+          </a:fillRef>
+          <a:effectRef idx="0">
+            <a:schemeClr val="accent1"/>
+          </a:effectRef>
+          <a:fontRef idx="minor">
+            <a:schemeClr val="lt1"/>
+          </a:fontRef>
+        </p:style>
+        <p:txBody>
+          <a:bodyPr rtlCol="0" anchor="ctr"/>
+          <a:lstStyle/>
+          <a:p>
+            <a:pPr algn="ctr"/>
+            <a:endParaRPr lang="ru-RU" sz="1429"/>
+          </a:p>
+        </p:txBody>
+      </p:sp>
+      <p:sp>
+        <p:nvSpPr>
+          <p:cNvPr id="49" name="Стрелка вправо 48"/>
+          <p:cNvSpPr/>
+          <p:nvPr/>
+        </p:nvSpPr>
+        <p:spPr>
+          <a:xfrm>
+            <a:off x="6628040" y="4868778"/>
+            <a:ext cx="271622" cy="228616"/>
+          </a:xfrm>
+          <a:prstGeom prst="rightArrow">
+            <a:avLst/>
+          </a:prstGeom>
+        </p:spPr>
+        <p:style>
+          <a:lnRef idx="2">
+            <a:schemeClr val="accent1">
+              <a:shade val="50000"/>
+            </a:schemeClr>
+          </a:lnRef>
+          <a:fillRef idx="1">
+            <a:schemeClr val="accent1"/>
+          </a:fillRef>
+          <a:effectRef idx="0">
+            <a:schemeClr val="accent1"/>
+          </a:effectRef>
+          <a:fontRef idx="minor">
+            <a:schemeClr val="lt1"/>
+          </a:fontRef>
+        </p:style>
+        <p:txBody>
+          <a:bodyPr rtlCol="0" anchor="ctr"/>
+          <a:lstStyle/>
+          <a:p>
+            <a:pPr algn="ctr"/>
+            <a:endParaRPr lang="ru-RU" sz="1429"/>
+          </a:p>
+        </p:txBody>
+      </p:sp>
     </p:spTree>
     <p:extLst>
       <p:ext uri="{BB962C8B-B14F-4D97-AF65-F5344CB8AC3E}">
-        <p14:creationId xmlns:p14="http://schemas.microsoft.com/office/powerpoint/2010/main" val="425656746"/>
+        <p14:creationId xmlns:p14="http://schemas.microsoft.com/office/powerpoint/2010/main" val="1201927296"/>
       </p:ext>
     </p:extLst>
   </p:cSld>
@@ -6826,26 +6837,64 @@
       </p:pic>
       <p:sp>
         <p:nvSpPr>
-          <p:cNvPr id="7" name="Прямоугольник 6"/>
-          <p:cNvSpPr/>
+          <p:cNvPr id="20" name="Rectangle 12"/>
+          <p:cNvSpPr>
+            <a:spLocks noChangeArrowheads="1"/>
+          </p:cNvSpPr>
           <p:nvPr/>
         </p:nvSpPr>
-        <p:spPr>
-          <a:xfrm>
-            <a:off x="1752301" y="2436693"/>
-            <a:ext cx="8755568" cy="776238"/>
+        <p:spPr bwMode="auto">
+          <a:xfrm>
+            <a:off x="1543303" y="1028570"/>
+            <a:ext cx="9340179" cy="415240"/>
           </a:xfrm>
           <a:prstGeom prst="rect">
             <a:avLst/>
           </a:prstGeom>
-        </p:spPr>
-        <p:txBody>
-          <a:bodyPr wrap="square">
+          <a:noFill/>
+          <a:ln>
+            <a:noFill/>
+          </a:ln>
+          <a:effectLst/>
+          <a:extLst>
+            <a:ext uri="{909E8E84-426E-40DD-AFC4-6F175D3DCCD1}">
+              <a14:hiddenFill xmlns:a14="http://schemas.microsoft.com/office/drawing/2010/main">
+                <a:solidFill>
+                  <a:schemeClr val="accent1"/>
+                </a:solidFill>
+              </a14:hiddenFill>
+            </a:ext>
+            <a:ext uri="{91240B29-F687-4F45-9708-019B960494DF}">
+              <a14:hiddenLine xmlns:a14="http://schemas.microsoft.com/office/drawing/2010/main" w="9525">
+                <a:solidFill>
+                  <a:schemeClr val="tx1"/>
+                </a:solidFill>
+                <a:miter lim="800000"/>
+                <a:headEnd/>
+                <a:tailEnd/>
+              </a14:hiddenLine>
+            </a:ext>
+            <a:ext uri="{AF507438-7753-43E0-B8FC-AC1667EBCBE1}">
+              <a14:hiddenEffects xmlns:a14="http://schemas.microsoft.com/office/drawing/2010/main">
+                <a:effectLst>
+                  <a:outerShdw dist="35921" dir="2700000" algn="ctr" rotWithShape="0">
+                    <a:schemeClr val="bg2"/>
+                  </a:outerShdw>
+                </a:effectLst>
+              </a14:hiddenEffects>
+            </a:ext>
+          </a:extLst>
+        </p:spPr>
+        <p:txBody>
+          <a:bodyPr vert="horz" wrap="none" lIns="72577" tIns="36289" rIns="72577" bIns="36289" numCol="1" anchor="ctr" anchorCtr="0" compatLnSpc="1">
+            <a:prstTxWarp prst="textNoShape">
+              <a:avLst/>
+            </a:prstTxWarp>
             <a:spAutoFit/>
           </a:bodyPr>
           <a:lstStyle/>
           <a:p>
-            <a:pPr lvl="0" eaLnBrk="0" fontAlgn="base" hangingPunct="0">
+            <a:pPr defTabSz="725759" eaLnBrk="0" fontAlgn="base" hangingPunct="0">
               <a:spcBef>
                 <a:spcPct val="0"/>
               </a:spcBef>
@@ -6854,7 +6903,7 @@
               </a:spcAft>
             </a:pPr>
             <a:r>
-              <a:rPr lang="ru-RU" altLang="ru-RU" sz="2222" dirty="0">
+              <a:rPr lang="en-US" altLang="ru-RU" sz="2222" dirty="0">
                 <a:solidFill>
                   <a:srgbClr val="252525"/>
                 </a:solidFill>
@@ -6862,7 +6911,29 @@
                 <a:ea typeface="Liberation Sans" panose="020B0604020202020204" pitchFamily="34" charset="0"/>
                 <a:cs typeface="Liberation Sans" panose="020B0604020202020204" pitchFamily="34" charset="0"/>
               </a:rPr>
-              <a:t>…таким образом если есть необходимость запускать программу на нескольких платформах необходимо иметь…</a:t>
+              <a:t>...</a:t>
+            </a:r>
+            <a:r>
+              <a:rPr lang="ru-RU" altLang="ru-RU" sz="2222" dirty="0">
+                <a:solidFill>
+                  <a:srgbClr val="252525"/>
+                </a:solidFill>
+                <a:latin typeface="Liberation Sans" panose="020B0604020202020204" pitchFamily="34" charset="0"/>
+                <a:ea typeface="Liberation Sans" panose="020B0604020202020204" pitchFamily="34" charset="0"/>
+                <a:cs typeface="Liberation Sans" panose="020B0604020202020204" pitchFamily="34" charset="0"/>
+              </a:rPr>
+              <a:t> но машинный код специфичен для каждой платформы и </a:t>
+            </a:r>
+            <a:r>
+              <a:rPr lang="ru-RU" altLang="ru-RU" sz="2222">
+                <a:solidFill>
+                  <a:srgbClr val="252525"/>
+                </a:solidFill>
+                <a:latin typeface="Liberation Sans" panose="020B0604020202020204" pitchFamily="34" charset="0"/>
+                <a:ea typeface="Liberation Sans" panose="020B0604020202020204" pitchFamily="34" charset="0"/>
+                <a:cs typeface="Liberation Sans" panose="020B0604020202020204" pitchFamily="34" charset="0"/>
+              </a:rPr>
+              <a:t>«железа»</a:t>
             </a:r>
             <a:endParaRPr lang="en-US" altLang="ru-RU" sz="2222" dirty="0">
               <a:latin typeface="Liberation Sans" panose="020B0604020202020204" pitchFamily="34" charset="0"/>
@@ -6912,107 +6983,10 @@
           </a:p>
         </p:txBody>
       </p:sp>
-      <p:sp>
-        <p:nvSpPr>
-          <p:cNvPr id="22" name="Rectangle 12"/>
-          <p:cNvSpPr>
-            <a:spLocks noChangeArrowheads="1"/>
-          </p:cNvSpPr>
-          <p:nvPr/>
-        </p:nvSpPr>
-        <p:spPr bwMode="auto">
-          <a:xfrm>
-            <a:off x="1543303" y="1028570"/>
-            <a:ext cx="9181481" cy="415240"/>
-          </a:xfrm>
-          <a:prstGeom prst="rect">
-            <a:avLst/>
-          </a:prstGeom>
-          <a:noFill/>
-          <a:ln>
-            <a:noFill/>
-          </a:ln>
-          <a:effectLst/>
-          <a:extLst>
-            <a:ext uri="{909E8E84-426E-40DD-AFC4-6F175D3DCCD1}">
-              <a14:hiddenFill xmlns:a14="http://schemas.microsoft.com/office/drawing/2010/main">
-                <a:solidFill>
-                  <a:schemeClr val="accent1"/>
-                </a:solidFill>
-              </a14:hiddenFill>
-            </a:ext>
-            <a:ext uri="{91240B29-F687-4F45-9708-019B960494DF}">
-              <a14:hiddenLine xmlns:a14="http://schemas.microsoft.com/office/drawing/2010/main" w="9525">
-                <a:solidFill>
-                  <a:schemeClr val="tx1"/>
-                </a:solidFill>
-                <a:miter lim="800000"/>
-                <a:headEnd/>
-                <a:tailEnd/>
-              </a14:hiddenLine>
-            </a:ext>
-            <a:ext uri="{AF507438-7753-43E0-B8FC-AC1667EBCBE1}">
-              <a14:hiddenEffects xmlns:a14="http://schemas.microsoft.com/office/drawing/2010/main">
-                <a:effectLst>
-                  <a:outerShdw dist="35921" dir="2700000" algn="ctr" rotWithShape="0">
-                    <a:schemeClr val="bg2"/>
-                  </a:outerShdw>
-                </a:effectLst>
-              </a14:hiddenEffects>
-            </a:ext>
-          </a:extLst>
-        </p:spPr>
-        <p:txBody>
-          <a:bodyPr vert="horz" wrap="none" lIns="72577" tIns="36289" rIns="72577" bIns="36289" numCol="1" anchor="ctr" anchorCtr="0" compatLnSpc="1">
-            <a:prstTxWarp prst="textNoShape">
-              <a:avLst/>
-            </a:prstTxWarp>
-            <a:spAutoFit/>
-          </a:bodyPr>
-          <a:lstStyle/>
-          <a:p>
-            <a:pPr defTabSz="725759" eaLnBrk="0" fontAlgn="base" hangingPunct="0">
-              <a:spcBef>
-                <a:spcPct val="0"/>
-              </a:spcBef>
-              <a:spcAft>
-                <a:spcPct val="0"/>
-              </a:spcAft>
-            </a:pPr>
-            <a:r>
-              <a:rPr lang="en-US" altLang="ru-RU" sz="2222" dirty="0">
-                <a:solidFill>
-                  <a:srgbClr val="252525"/>
-                </a:solidFill>
-                <a:latin typeface="Liberation Sans" panose="020B0604020202020204" pitchFamily="34" charset="0"/>
-                <a:ea typeface="Liberation Sans" panose="020B0604020202020204" pitchFamily="34" charset="0"/>
-                <a:cs typeface="Liberation Sans" panose="020B0604020202020204" pitchFamily="34" charset="0"/>
-              </a:rPr>
-              <a:t>...</a:t>
-            </a:r>
-            <a:r>
-              <a:rPr lang="ru-RU" altLang="ru-RU" sz="2222" dirty="0">
-                <a:solidFill>
-                  <a:srgbClr val="252525"/>
-                </a:solidFill>
-                <a:latin typeface="Liberation Sans" panose="020B0604020202020204" pitchFamily="34" charset="0"/>
-                <a:ea typeface="Liberation Sans" panose="020B0604020202020204" pitchFamily="34" charset="0"/>
-                <a:cs typeface="Liberation Sans" panose="020B0604020202020204" pitchFamily="34" charset="0"/>
-              </a:rPr>
-              <a:t> но машинный код специфичен для каждой платформы и «железа</a:t>
-            </a:r>
-            <a:endParaRPr lang="en-US" altLang="ru-RU" sz="2222" dirty="0">
-              <a:latin typeface="Liberation Sans" panose="020B0604020202020204" pitchFamily="34" charset="0"/>
-              <a:ea typeface="Liberation Sans" panose="020B0604020202020204" pitchFamily="34" charset="0"/>
-              <a:cs typeface="Liberation Sans" panose="020B0604020202020204" pitchFamily="34" charset="0"/>
-            </a:endParaRPr>
-          </a:p>
-        </p:txBody>
-      </p:sp>
     </p:spTree>
     <p:extLst>
       <p:ext uri="{BB962C8B-B14F-4D97-AF65-F5344CB8AC3E}">
-        <p14:creationId xmlns:p14="http://schemas.microsoft.com/office/powerpoint/2010/main" val="3665292126"/>
+        <p14:creationId xmlns:p14="http://schemas.microsoft.com/office/powerpoint/2010/main" val="425656746"/>
       </p:ext>
     </p:extLst>
   </p:cSld>
@@ -7226,135 +7200,6 @@
           </a:extLst>
         </p:spPr>
       </p:pic>
-      <p:pic>
-        <p:nvPicPr>
-          <p:cNvPr id="2051" name="Рисунок 14" descr="Windows icon.svg">
-            <a:hlinkClick r:id="rId8"/>
-          </p:cNvPr>
-          <p:cNvPicPr>
-            <a:picLocks noChangeAspect="1" noChangeArrowheads="1"/>
-          </p:cNvPicPr>
-          <p:nvPr/>
-        </p:nvPicPr>
-        <p:blipFill>
-          <a:blip r:embed="rId9">
-            <a:extLst>
-              <a:ext uri="{28A0092B-C50C-407E-A947-70E740481C1C}">
-                <a14:useLocalDpi xmlns:a14="http://schemas.microsoft.com/office/drawing/2010/main" val="0"/>
-              </a:ext>
-            </a:extLst>
-          </a:blip>
-          <a:srcRect/>
-          <a:stretch>
-            <a:fillRect/>
-          </a:stretch>
-        </p:blipFill>
-        <p:spPr bwMode="auto">
-          <a:xfrm>
-            <a:off x="6629517" y="4019091"/>
-            <a:ext cx="610437" cy="610437"/>
-          </a:xfrm>
-          <a:prstGeom prst="rect">
-            <a:avLst/>
-          </a:prstGeom>
-          <a:noFill/>
-          <a:extLst>
-            <a:ext uri="{909E8E84-426E-40DD-AFC4-6F175D3DCCD1}">
-              <a14:hiddenFill xmlns:a14="http://schemas.microsoft.com/office/drawing/2010/main">
-                <a:solidFill>
-                  <a:srgbClr val="FFFFFF"/>
-                </a:solidFill>
-              </a14:hiddenFill>
-            </a:ext>
-          </a:extLst>
-        </p:spPr>
-      </p:pic>
-      <p:pic>
-        <p:nvPicPr>
-          <p:cNvPr id="2050" name="Рисунок 15" descr="Apple Logo.svg">
-            <a:hlinkClick r:id="rId10"/>
-          </p:cNvPr>
-          <p:cNvPicPr>
-            <a:picLocks noChangeAspect="1" noChangeArrowheads="1"/>
-          </p:cNvPicPr>
-          <p:nvPr/>
-        </p:nvPicPr>
-        <p:blipFill>
-          <a:blip r:embed="rId11">
-            <a:extLst>
-              <a:ext uri="{28A0092B-C50C-407E-A947-70E740481C1C}">
-                <a14:useLocalDpi xmlns:a14="http://schemas.microsoft.com/office/drawing/2010/main" val="0"/>
-              </a:ext>
-            </a:extLst>
-          </a:blip>
-          <a:srcRect/>
-          <a:stretch>
-            <a:fillRect/>
-          </a:stretch>
-        </p:blipFill>
-        <p:spPr bwMode="auto">
-          <a:xfrm>
-            <a:off x="6647157" y="3163954"/>
-            <a:ext cx="524155" cy="744300"/>
-          </a:xfrm>
-          <a:prstGeom prst="rect">
-            <a:avLst/>
-          </a:prstGeom>
-          <a:noFill/>
-          <a:extLst>
-            <a:ext uri="{909E8E84-426E-40DD-AFC4-6F175D3DCCD1}">
-              <a14:hiddenFill xmlns:a14="http://schemas.microsoft.com/office/drawing/2010/main">
-                <a:solidFill>
-                  <a:srgbClr val="FFFFFF"/>
-                </a:solidFill>
-              </a14:hiddenFill>
-            </a:ext>
-          </a:extLst>
-        </p:spPr>
-      </p:pic>
-      <p:pic>
-        <p:nvPicPr>
-          <p:cNvPr id="2049" name="Рисунок 16" descr="Tux.svg">
-            <a:hlinkClick r:id="rId12"/>
-          </p:cNvPr>
-          <p:cNvPicPr>
-            <a:picLocks noChangeAspect="1" noChangeArrowheads="1"/>
-          </p:cNvPicPr>
-          <p:nvPr/>
-        </p:nvPicPr>
-        <p:blipFill>
-          <a:blip r:embed="rId13">
-            <a:extLst>
-              <a:ext uri="{28A0092B-C50C-407E-A947-70E740481C1C}">
-                <a14:useLocalDpi xmlns:a14="http://schemas.microsoft.com/office/drawing/2010/main" val="0"/>
-              </a:ext>
-            </a:extLst>
-          </a:blip>
-          <a:srcRect/>
-          <a:stretch>
-            <a:fillRect/>
-          </a:stretch>
-        </p:blipFill>
-        <p:spPr bwMode="auto">
-          <a:xfrm>
-            <a:off x="6735095" y="4740363"/>
-            <a:ext cx="514385" cy="606975"/>
-          </a:xfrm>
-          <a:prstGeom prst="rect">
-            <a:avLst/>
-          </a:prstGeom>
-          <a:noFill/>
-          <a:extLst>
-            <a:ext uri="{909E8E84-426E-40DD-AFC4-6F175D3DCCD1}">
-              <a14:hiddenFill xmlns:a14="http://schemas.microsoft.com/office/drawing/2010/main">
-                <a:solidFill>
-                  <a:srgbClr val="FFFFFF"/>
-                </a:solidFill>
-              </a14:hiddenFill>
-            </a:ext>
-          </a:extLst>
-        </p:spPr>
-      </p:pic>
       <p:sp>
         <p:nvSpPr>
           <p:cNvPr id="7" name="Прямоугольник 6"/>
@@ -7403,178 +7248,6 @@
           </a:p>
         </p:txBody>
       </p:sp>
-      <p:pic>
-        <p:nvPicPr>
-          <p:cNvPr id="23" name="Рисунок 7" descr="Gnome-mime-text-x-c.svg">
-            <a:hlinkClick r:id="rId2"/>
-          </p:cNvPr>
-          <p:cNvPicPr>
-            <a:picLocks noChangeAspect="1" noChangeArrowheads="1"/>
-          </p:cNvPicPr>
-          <p:nvPr/>
-        </p:nvPicPr>
-        <p:blipFill>
-          <a:blip r:embed="rId3">
-            <a:extLst>
-              <a:ext uri="{28A0092B-C50C-407E-A947-70E740481C1C}">
-                <a14:useLocalDpi xmlns:a14="http://schemas.microsoft.com/office/drawing/2010/main" val="0"/>
-              </a:ext>
-            </a:extLst>
-          </a:blip>
-          <a:srcRect/>
-          <a:stretch>
-            <a:fillRect/>
-          </a:stretch>
-        </p:blipFill>
-        <p:spPr bwMode="auto">
-          <a:xfrm>
-            <a:off x="4314962" y="4038979"/>
-            <a:ext cx="640478" cy="640478"/>
-          </a:xfrm>
-          <a:prstGeom prst="rect">
-            <a:avLst/>
-          </a:prstGeom>
-          <a:noFill/>
-          <a:extLst>
-            <a:ext uri="{909E8E84-426E-40DD-AFC4-6F175D3DCCD1}">
-              <a14:hiddenFill xmlns:a14="http://schemas.microsoft.com/office/drawing/2010/main">
-                <a:solidFill>
-                  <a:srgbClr val="FFFFFF"/>
-                </a:solidFill>
-              </a14:hiddenFill>
-            </a:ext>
-          </a:extLst>
-        </p:spPr>
-      </p:pic>
-      <p:pic>
-        <p:nvPicPr>
-          <p:cNvPr id="24" name="Рисунок 12" descr="Gnome-mime-application-x-executable.svg">
-            <a:hlinkClick r:id="rId6"/>
-          </p:cNvPr>
-          <p:cNvPicPr>
-            <a:picLocks noChangeAspect="1" noChangeArrowheads="1"/>
-          </p:cNvPicPr>
-          <p:nvPr/>
-        </p:nvPicPr>
-        <p:blipFill>
-          <a:blip r:embed="rId7">
-            <a:extLst>
-              <a:ext uri="{28A0092B-C50C-407E-A947-70E740481C1C}">
-                <a14:useLocalDpi xmlns:a14="http://schemas.microsoft.com/office/drawing/2010/main" val="0"/>
-              </a:ext>
-            </a:extLst>
-          </a:blip>
-          <a:srcRect/>
-          <a:stretch>
-            <a:fillRect/>
-          </a:stretch>
-        </p:blipFill>
-        <p:spPr bwMode="auto">
-          <a:xfrm>
-            <a:off x="5416222" y="3251932"/>
-            <a:ext cx="606623" cy="606623"/>
-          </a:xfrm>
-          <a:prstGeom prst="rect">
-            <a:avLst/>
-          </a:prstGeom>
-          <a:noFill/>
-          <a:extLst>
-            <a:ext uri="{909E8E84-426E-40DD-AFC4-6F175D3DCCD1}">
-              <a14:hiddenFill xmlns:a14="http://schemas.microsoft.com/office/drawing/2010/main">
-                <a:solidFill>
-                  <a:srgbClr val="FFFFFF"/>
-                </a:solidFill>
-              </a14:hiddenFill>
-            </a:ext>
-          </a:extLst>
-        </p:spPr>
-      </p:pic>
-      <p:pic>
-        <p:nvPicPr>
-          <p:cNvPr id="25" name="Рисунок 12" descr="Gnome-mime-application-x-executable.svg">
-            <a:hlinkClick r:id="rId6"/>
-          </p:cNvPr>
-          <p:cNvPicPr>
-            <a:picLocks noChangeAspect="1" noChangeArrowheads="1"/>
-          </p:cNvPicPr>
-          <p:nvPr/>
-        </p:nvPicPr>
-        <p:blipFill>
-          <a:blip r:embed="rId7">
-            <a:extLst>
-              <a:ext uri="{28A0092B-C50C-407E-A947-70E740481C1C}">
-                <a14:useLocalDpi xmlns:a14="http://schemas.microsoft.com/office/drawing/2010/main" val="0"/>
-              </a:ext>
-            </a:extLst>
-          </a:blip>
-          <a:srcRect/>
-          <a:stretch>
-            <a:fillRect/>
-          </a:stretch>
-        </p:blipFill>
-        <p:spPr bwMode="auto">
-          <a:xfrm>
-            <a:off x="5423434" y="4759344"/>
-            <a:ext cx="606623" cy="606623"/>
-          </a:xfrm>
-          <a:prstGeom prst="rect">
-            <a:avLst/>
-          </a:prstGeom>
-          <a:noFill/>
-          <a:extLst>
-            <a:ext uri="{909E8E84-426E-40DD-AFC4-6F175D3DCCD1}">
-              <a14:hiddenFill xmlns:a14="http://schemas.microsoft.com/office/drawing/2010/main">
-                <a:solidFill>
-                  <a:srgbClr val="FFFFFF"/>
-                </a:solidFill>
-              </a14:hiddenFill>
-            </a:ext>
-          </a:extLst>
-        </p:spPr>
-      </p:pic>
-      <p:pic>
-        <p:nvPicPr>
-          <p:cNvPr id="26" name="Рисунок 12" descr="Gnome-mime-application-x-executable.svg">
-            <a:hlinkClick r:id="rId6"/>
-          </p:cNvPr>
-          <p:cNvPicPr>
-            <a:picLocks noChangeAspect="1" noChangeArrowheads="1"/>
-          </p:cNvPicPr>
-          <p:nvPr/>
-        </p:nvPicPr>
-        <p:blipFill>
-          <a:blip r:embed="rId7">
-            <a:extLst>
-              <a:ext uri="{28A0092B-C50C-407E-A947-70E740481C1C}">
-                <a14:useLocalDpi xmlns:a14="http://schemas.microsoft.com/office/drawing/2010/main" val="0"/>
-              </a:ext>
-            </a:extLst>
-          </a:blip>
-          <a:srcRect/>
-          <a:stretch>
-            <a:fillRect/>
-          </a:stretch>
-        </p:blipFill>
-        <p:spPr bwMode="auto">
-          <a:xfrm>
-            <a:off x="5450077" y="4055908"/>
-            <a:ext cx="606623" cy="606623"/>
-          </a:xfrm>
-          <a:prstGeom prst="rect">
-            <a:avLst/>
-          </a:prstGeom>
-          <a:noFill/>
-          <a:extLst>
-            <a:ext uri="{909E8E84-426E-40DD-AFC4-6F175D3DCCD1}">
-              <a14:hiddenFill xmlns:a14="http://schemas.microsoft.com/office/drawing/2010/main">
-                <a:solidFill>
-                  <a:srgbClr val="FFFFFF"/>
-                </a:solidFill>
-              </a14:hiddenFill>
-            </a:ext>
-          </a:extLst>
-        </p:spPr>
-      </p:pic>
       <p:sp>
         <p:nvSpPr>
           <p:cNvPr id="27" name="Стрелка вправо 26"/>
@@ -7617,246 +7290,6 @@
       </p:sp>
       <p:sp>
         <p:nvSpPr>
-          <p:cNvPr id="28" name="Стрелка вправо 27"/>
-          <p:cNvSpPr/>
-          <p:nvPr/>
-        </p:nvSpPr>
-        <p:spPr>
-          <a:xfrm>
-            <a:off x="5063695" y="4216333"/>
-            <a:ext cx="342924" cy="285770"/>
-          </a:xfrm>
-          <a:prstGeom prst="rightArrow">
-            <a:avLst/>
-          </a:prstGeom>
-        </p:spPr>
-        <p:style>
-          <a:lnRef idx="2">
-            <a:schemeClr val="accent1">
-              <a:shade val="50000"/>
-            </a:schemeClr>
-          </a:lnRef>
-          <a:fillRef idx="1">
-            <a:schemeClr val="accent1"/>
-          </a:fillRef>
-          <a:effectRef idx="0">
-            <a:schemeClr val="accent1"/>
-          </a:effectRef>
-          <a:fontRef idx="minor">
-            <a:schemeClr val="lt1"/>
-          </a:fontRef>
-        </p:style>
-        <p:txBody>
-          <a:bodyPr rtlCol="0" anchor="ctr"/>
-          <a:lstStyle/>
-          <a:p>
-            <a:pPr algn="ctr"/>
-            <a:endParaRPr lang="ru-RU" sz="1429"/>
-          </a:p>
-        </p:txBody>
-      </p:sp>
-      <p:sp>
-        <p:nvSpPr>
-          <p:cNvPr id="29" name="Стрелка вправо 28"/>
-          <p:cNvSpPr/>
-          <p:nvPr/>
-        </p:nvSpPr>
-        <p:spPr>
-          <a:xfrm rot="19457784">
-            <a:off x="5007766" y="3715670"/>
-            <a:ext cx="342924" cy="285770"/>
-          </a:xfrm>
-          <a:prstGeom prst="rightArrow">
-            <a:avLst/>
-          </a:prstGeom>
-        </p:spPr>
-        <p:style>
-          <a:lnRef idx="2">
-            <a:schemeClr val="accent1">
-              <a:shade val="50000"/>
-            </a:schemeClr>
-          </a:lnRef>
-          <a:fillRef idx="1">
-            <a:schemeClr val="accent1"/>
-          </a:fillRef>
-          <a:effectRef idx="0">
-            <a:schemeClr val="accent1"/>
-          </a:effectRef>
-          <a:fontRef idx="minor">
-            <a:schemeClr val="lt1"/>
-          </a:fontRef>
-        </p:style>
-        <p:txBody>
-          <a:bodyPr rtlCol="0" anchor="ctr"/>
-          <a:lstStyle/>
-          <a:p>
-            <a:pPr algn="ctr"/>
-            <a:endParaRPr lang="ru-RU" sz="1429"/>
-          </a:p>
-        </p:txBody>
-      </p:sp>
-      <p:sp>
-        <p:nvSpPr>
-          <p:cNvPr id="30" name="Стрелка вправо 29"/>
-          <p:cNvSpPr/>
-          <p:nvPr/>
-        </p:nvSpPr>
-        <p:spPr>
-          <a:xfrm rot="2150761">
-            <a:off x="4996166" y="4743698"/>
-            <a:ext cx="342924" cy="285770"/>
-          </a:xfrm>
-          <a:prstGeom prst="rightArrow">
-            <a:avLst/>
-          </a:prstGeom>
-        </p:spPr>
-        <p:style>
-          <a:lnRef idx="2">
-            <a:schemeClr val="accent1">
-              <a:shade val="50000"/>
-            </a:schemeClr>
-          </a:lnRef>
-          <a:fillRef idx="1">
-            <a:schemeClr val="accent1"/>
-          </a:fillRef>
-          <a:effectRef idx="0">
-            <a:schemeClr val="accent1"/>
-          </a:effectRef>
-          <a:fontRef idx="minor">
-            <a:schemeClr val="lt1"/>
-          </a:fontRef>
-        </p:style>
-        <p:txBody>
-          <a:bodyPr rtlCol="0" anchor="ctr"/>
-          <a:lstStyle/>
-          <a:p>
-            <a:pPr algn="ctr"/>
-            <a:endParaRPr lang="ru-RU" sz="1429"/>
-          </a:p>
-        </p:txBody>
-      </p:sp>
-      <p:sp>
-        <p:nvSpPr>
-          <p:cNvPr id="31" name="Стрелка вправо 30"/>
-          <p:cNvSpPr/>
-          <p:nvPr/>
-        </p:nvSpPr>
-        <p:spPr>
-          <a:xfrm>
-            <a:off x="6163537" y="3412358"/>
-            <a:ext cx="342924" cy="285770"/>
-          </a:xfrm>
-          <a:prstGeom prst="rightArrow">
-            <a:avLst/>
-          </a:prstGeom>
-        </p:spPr>
-        <p:style>
-          <a:lnRef idx="2">
-            <a:schemeClr val="accent1">
-              <a:shade val="50000"/>
-            </a:schemeClr>
-          </a:lnRef>
-          <a:fillRef idx="1">
-            <a:schemeClr val="accent1"/>
-          </a:fillRef>
-          <a:effectRef idx="0">
-            <a:schemeClr val="accent1"/>
-          </a:effectRef>
-          <a:fontRef idx="minor">
-            <a:schemeClr val="lt1"/>
-          </a:fontRef>
-        </p:style>
-        <p:txBody>
-          <a:bodyPr rtlCol="0" anchor="ctr"/>
-          <a:lstStyle/>
-          <a:p>
-            <a:pPr algn="ctr"/>
-            <a:endParaRPr lang="ru-RU" sz="1429"/>
-          </a:p>
-        </p:txBody>
-      </p:sp>
-      <p:sp>
-        <p:nvSpPr>
-          <p:cNvPr id="32" name="Стрелка вправо 31"/>
-          <p:cNvSpPr/>
-          <p:nvPr/>
-        </p:nvSpPr>
-        <p:spPr>
-          <a:xfrm>
-            <a:off x="6163537" y="4181422"/>
-            <a:ext cx="342924" cy="285770"/>
-          </a:xfrm>
-          <a:prstGeom prst="rightArrow">
-            <a:avLst/>
-          </a:prstGeom>
-        </p:spPr>
-        <p:style>
-          <a:lnRef idx="2">
-            <a:schemeClr val="accent1">
-              <a:shade val="50000"/>
-            </a:schemeClr>
-          </a:lnRef>
-          <a:fillRef idx="1">
-            <a:schemeClr val="accent1"/>
-          </a:fillRef>
-          <a:effectRef idx="0">
-            <a:schemeClr val="accent1"/>
-          </a:effectRef>
-          <a:fontRef idx="minor">
-            <a:schemeClr val="lt1"/>
-          </a:fontRef>
-        </p:style>
-        <p:txBody>
-          <a:bodyPr rtlCol="0" anchor="ctr"/>
-          <a:lstStyle/>
-          <a:p>
-            <a:pPr algn="ctr"/>
-            <a:endParaRPr lang="ru-RU" sz="1429"/>
-          </a:p>
-        </p:txBody>
-      </p:sp>
-      <p:sp>
-        <p:nvSpPr>
-          <p:cNvPr id="33" name="Стрелка вправо 32"/>
-          <p:cNvSpPr/>
-          <p:nvPr/>
-        </p:nvSpPr>
-        <p:spPr>
-          <a:xfrm>
-            <a:off x="6163537" y="4959930"/>
-            <a:ext cx="342924" cy="285770"/>
-          </a:xfrm>
-          <a:prstGeom prst="rightArrow">
-            <a:avLst/>
-          </a:prstGeom>
-        </p:spPr>
-        <p:style>
-          <a:lnRef idx="2">
-            <a:schemeClr val="accent1">
-              <a:shade val="50000"/>
-            </a:schemeClr>
-          </a:lnRef>
-          <a:fillRef idx="1">
-            <a:schemeClr val="accent1"/>
-          </a:fillRef>
-          <a:effectRef idx="0">
-            <a:schemeClr val="accent1"/>
-          </a:effectRef>
-          <a:fontRef idx="minor">
-            <a:schemeClr val="lt1"/>
-          </a:fontRef>
-        </p:style>
-        <p:txBody>
-          <a:bodyPr rtlCol="0" anchor="ctr"/>
-          <a:lstStyle/>
-          <a:p>
-            <a:pPr algn="ctr"/>
-            <a:endParaRPr lang="ru-RU" sz="1429"/>
-          </a:p>
-        </p:txBody>
-      </p:sp>
-      <p:sp>
-        <p:nvSpPr>
           <p:cNvPr id="22" name="Rectangle 12"/>
           <p:cNvSpPr>
             <a:spLocks noChangeArrowheads="1"/>
@@ -7952,68 +7385,10 @@
           </a:p>
         </p:txBody>
       </p:sp>
-      <p:sp>
-        <p:nvSpPr>
-          <p:cNvPr id="2" name="Прямоугольник 1"/>
-          <p:cNvSpPr/>
-          <p:nvPr/>
-        </p:nvSpPr>
-        <p:spPr>
-          <a:xfrm>
-            <a:off x="1798731" y="5284207"/>
-            <a:ext cx="8515936" cy="776238"/>
-          </a:xfrm>
-          <a:prstGeom prst="rect">
-            <a:avLst/>
-          </a:prstGeom>
-        </p:spPr>
-        <p:txBody>
-          <a:bodyPr wrap="square">
-            <a:spAutoFit/>
-          </a:bodyPr>
-          <a:lstStyle/>
-          <a:p>
-            <a:r>
-              <a:rPr lang="ru-RU" altLang="ru-RU" sz="2222" dirty="0">
-                <a:solidFill>
-                  <a:srgbClr val="252525"/>
-                </a:solidFill>
-                <a:latin typeface="Liberation Sans" panose="020B0604020202020204" pitchFamily="34" charset="0"/>
-                <a:ea typeface="Liberation Sans" panose="020B0604020202020204" pitchFamily="34" charset="0"/>
-                <a:cs typeface="Liberation Sans" panose="020B0604020202020204" pitchFamily="34" charset="0"/>
-              </a:rPr>
-              <a:t>…отдельный скомпилированный вариант программы для каждой целевой платформы </a:t>
-            </a:r>
-            <a:r>
-              <a:rPr lang="en-US" altLang="ru-RU" sz="2222" dirty="0">
-                <a:solidFill>
-                  <a:srgbClr val="252525"/>
-                </a:solidFill>
-                <a:latin typeface="Liberation Sans" panose="020B0604020202020204" pitchFamily="34" charset="0"/>
-                <a:ea typeface="Liberation Sans" panose="020B0604020202020204" pitchFamily="34" charset="0"/>
-                <a:cs typeface="Liberation Sans" panose="020B0604020202020204" pitchFamily="34" charset="0"/>
-              </a:rPr>
-              <a:t>(Windows, Linux, Mac OS, ...) </a:t>
-            </a:r>
-            <a:r>
-              <a:rPr lang="ru-RU" altLang="ru-RU" sz="2222" dirty="0">
-                <a:solidFill>
-                  <a:srgbClr val="252525"/>
-                </a:solidFill>
-                <a:latin typeface="Liberation Sans" panose="020B0604020202020204" pitchFamily="34" charset="0"/>
-                <a:ea typeface="Liberation Sans" panose="020B0604020202020204" pitchFamily="34" charset="0"/>
-                <a:cs typeface="Liberation Sans" panose="020B0604020202020204" pitchFamily="34" charset="0"/>
-              </a:rPr>
-              <a:t>.</a:t>
-            </a:r>
-            <a:endParaRPr lang="ru-RU" sz="2222" dirty="0"/>
-          </a:p>
-        </p:txBody>
-      </p:sp>
     </p:spTree>
     <p:extLst>
       <p:ext uri="{BB962C8B-B14F-4D97-AF65-F5344CB8AC3E}">
-        <p14:creationId xmlns:p14="http://schemas.microsoft.com/office/powerpoint/2010/main" val="4067468498"/>
+        <p14:creationId xmlns:p14="http://schemas.microsoft.com/office/powerpoint/2010/main" val="3665292126"/>
       </p:ext>
     </p:extLst>
   </p:cSld>
@@ -8057,18 +7432,319 @@
       </p:grpSpPr>
       <p:sp>
         <p:nvSpPr>
-          <p:cNvPr id="3" name="Прямоугольник 2"/>
+          <p:cNvPr id="8" name="Прямоугольник 7"/>
           <p:cNvSpPr/>
           <p:nvPr/>
         </p:nvSpPr>
         <p:spPr>
           <a:xfrm>
-            <a:off x="1199456" y="1844824"/>
-            <a:ext cx="8568952" cy="1938992"/>
+            <a:off x="5423313" y="1586830"/>
+            <a:ext cx="1635394" cy="857309"/>
           </a:xfrm>
           <a:prstGeom prst="rect">
             <a:avLst/>
           </a:prstGeom>
+          <a:ln w="38100">
+            <a:solidFill>
+              <a:srgbClr val="FF0000"/>
+            </a:solidFill>
+          </a:ln>
+        </p:spPr>
+        <p:style>
+          <a:lnRef idx="2">
+            <a:schemeClr val="accent2"/>
+          </a:lnRef>
+          <a:fillRef idx="1">
+            <a:schemeClr val="lt1"/>
+          </a:fillRef>
+          <a:effectRef idx="0">
+            <a:schemeClr val="accent2"/>
+          </a:effectRef>
+          <a:fontRef idx="minor">
+            <a:schemeClr val="dk1"/>
+          </a:fontRef>
+        </p:style>
+        <p:txBody>
+          <a:bodyPr rtlCol="0" anchor="ctr"/>
+          <a:lstStyle/>
+          <a:p>
+            <a:pPr algn="ctr"/>
+            <a:endParaRPr lang="ru-RU" sz="1429"/>
+          </a:p>
+        </p:txBody>
+      </p:sp>
+      <p:pic>
+        <p:nvPicPr>
+          <p:cNvPr id="2058" name="Рисунок 7" descr="Gnome-mime-text-x-c.svg">
+            <a:hlinkClick r:id="rId2"/>
+          </p:cNvPr>
+          <p:cNvPicPr>
+            <a:picLocks noChangeAspect="1" noChangeArrowheads="1"/>
+          </p:cNvPicPr>
+          <p:nvPr/>
+        </p:nvPicPr>
+        <p:blipFill>
+          <a:blip r:embed="rId3">
+            <a:extLst>
+              <a:ext uri="{28A0092B-C50C-407E-A947-70E740481C1C}">
+                <a14:useLocalDpi xmlns:a14="http://schemas.microsoft.com/office/drawing/2010/main" val="0"/>
+              </a:ext>
+            </a:extLst>
+          </a:blip>
+          <a:srcRect/>
+          <a:stretch>
+            <a:fillRect/>
+          </a:stretch>
+        </p:blipFill>
+        <p:spPr bwMode="auto">
+          <a:xfrm>
+            <a:off x="4298113" y="1676083"/>
+            <a:ext cx="640478" cy="640478"/>
+          </a:xfrm>
+          <a:prstGeom prst="rect">
+            <a:avLst/>
+          </a:prstGeom>
+          <a:noFill/>
+          <a:extLst>
+            <a:ext uri="{909E8E84-426E-40DD-AFC4-6F175D3DCCD1}">
+              <a14:hiddenFill xmlns:a14="http://schemas.microsoft.com/office/drawing/2010/main">
+                <a:solidFill>
+                  <a:srgbClr val="FFFFFF"/>
+                </a:solidFill>
+              </a14:hiddenFill>
+            </a:ext>
+          </a:extLst>
+        </p:spPr>
+      </p:pic>
+      <p:pic>
+        <p:nvPicPr>
+          <p:cNvPr id="2056" name="Рисунок 9" descr="Window Dialog.svg">
+            <a:hlinkClick r:id="rId4"/>
+          </p:cNvPr>
+          <p:cNvPicPr>
+            <a:picLocks noChangeAspect="1" noChangeArrowheads="1"/>
+          </p:cNvPicPr>
+          <p:nvPr/>
+        </p:nvPicPr>
+        <p:blipFill>
+          <a:blip r:embed="rId5">
+            <a:extLst>
+              <a:ext uri="{28A0092B-C50C-407E-A947-70E740481C1C}">
+                <a14:useLocalDpi xmlns:a14="http://schemas.microsoft.com/office/drawing/2010/main" val="0"/>
+              </a:ext>
+            </a:extLst>
+          </a:blip>
+          <a:srcRect/>
+          <a:stretch>
+            <a:fillRect/>
+          </a:stretch>
+        </p:blipFill>
+        <p:spPr bwMode="auto">
+          <a:xfrm>
+            <a:off x="6358901" y="1799234"/>
+            <a:ext cx="640638" cy="397196"/>
+          </a:xfrm>
+          <a:prstGeom prst="rect">
+            <a:avLst/>
+          </a:prstGeom>
+          <a:noFill/>
+          <a:extLst>
+            <a:ext uri="{909E8E84-426E-40DD-AFC4-6F175D3DCCD1}">
+              <a14:hiddenFill xmlns:a14="http://schemas.microsoft.com/office/drawing/2010/main">
+                <a:solidFill>
+                  <a:srgbClr val="FFFFFF"/>
+                </a:solidFill>
+              </a14:hiddenFill>
+            </a:ext>
+          </a:extLst>
+        </p:spPr>
+      </p:pic>
+      <p:pic>
+        <p:nvPicPr>
+          <p:cNvPr id="2053" name="Рисунок 12" descr="Gnome-mime-application-x-executable.svg">
+            <a:hlinkClick r:id="rId6"/>
+          </p:cNvPr>
+          <p:cNvPicPr>
+            <a:picLocks noChangeAspect="1" noChangeArrowheads="1"/>
+          </p:cNvPicPr>
+          <p:nvPr/>
+        </p:nvPicPr>
+        <p:blipFill>
+          <a:blip r:embed="rId7">
+            <a:extLst>
+              <a:ext uri="{28A0092B-C50C-407E-A947-70E740481C1C}">
+                <a14:useLocalDpi xmlns:a14="http://schemas.microsoft.com/office/drawing/2010/main" val="0"/>
+              </a:ext>
+            </a:extLst>
+          </a:blip>
+          <a:srcRect/>
+          <a:stretch>
+            <a:fillRect/>
+          </a:stretch>
+        </p:blipFill>
+        <p:spPr bwMode="auto">
+          <a:xfrm>
+            <a:off x="5423314" y="1694521"/>
+            <a:ext cx="606623" cy="606623"/>
+          </a:xfrm>
+          <a:prstGeom prst="rect">
+            <a:avLst/>
+          </a:prstGeom>
+          <a:noFill/>
+          <a:extLst>
+            <a:ext uri="{909E8E84-426E-40DD-AFC4-6F175D3DCCD1}">
+              <a14:hiddenFill xmlns:a14="http://schemas.microsoft.com/office/drawing/2010/main">
+                <a:solidFill>
+                  <a:srgbClr val="FFFFFF"/>
+                </a:solidFill>
+              </a14:hiddenFill>
+            </a:ext>
+          </a:extLst>
+        </p:spPr>
+      </p:pic>
+      <p:pic>
+        <p:nvPicPr>
+          <p:cNvPr id="2051" name="Рисунок 14" descr="Windows icon.svg">
+            <a:hlinkClick r:id="rId8"/>
+          </p:cNvPr>
+          <p:cNvPicPr>
+            <a:picLocks noChangeAspect="1" noChangeArrowheads="1"/>
+          </p:cNvPicPr>
+          <p:nvPr/>
+        </p:nvPicPr>
+        <p:blipFill>
+          <a:blip r:embed="rId9">
+            <a:extLst>
+              <a:ext uri="{28A0092B-C50C-407E-A947-70E740481C1C}">
+                <a14:useLocalDpi xmlns:a14="http://schemas.microsoft.com/office/drawing/2010/main" val="0"/>
+              </a:ext>
+            </a:extLst>
+          </a:blip>
+          <a:srcRect/>
+          <a:stretch>
+            <a:fillRect/>
+          </a:stretch>
+        </p:blipFill>
+        <p:spPr bwMode="auto">
+          <a:xfrm>
+            <a:off x="6629517" y="4019091"/>
+            <a:ext cx="610437" cy="610437"/>
+          </a:xfrm>
+          <a:prstGeom prst="rect">
+            <a:avLst/>
+          </a:prstGeom>
+          <a:noFill/>
+          <a:extLst>
+            <a:ext uri="{909E8E84-426E-40DD-AFC4-6F175D3DCCD1}">
+              <a14:hiddenFill xmlns:a14="http://schemas.microsoft.com/office/drawing/2010/main">
+                <a:solidFill>
+                  <a:srgbClr val="FFFFFF"/>
+                </a:solidFill>
+              </a14:hiddenFill>
+            </a:ext>
+          </a:extLst>
+        </p:spPr>
+      </p:pic>
+      <p:pic>
+        <p:nvPicPr>
+          <p:cNvPr id="2050" name="Рисунок 15" descr="Apple Logo.svg">
+            <a:hlinkClick r:id="rId10"/>
+          </p:cNvPr>
+          <p:cNvPicPr>
+            <a:picLocks noChangeAspect="1" noChangeArrowheads="1"/>
+          </p:cNvPicPr>
+          <p:nvPr/>
+        </p:nvPicPr>
+        <p:blipFill>
+          <a:blip r:embed="rId11">
+            <a:extLst>
+              <a:ext uri="{28A0092B-C50C-407E-A947-70E740481C1C}">
+                <a14:useLocalDpi xmlns:a14="http://schemas.microsoft.com/office/drawing/2010/main" val="0"/>
+              </a:ext>
+            </a:extLst>
+          </a:blip>
+          <a:srcRect/>
+          <a:stretch>
+            <a:fillRect/>
+          </a:stretch>
+        </p:blipFill>
+        <p:spPr bwMode="auto">
+          <a:xfrm>
+            <a:off x="6647157" y="3163954"/>
+            <a:ext cx="524155" cy="744300"/>
+          </a:xfrm>
+          <a:prstGeom prst="rect">
+            <a:avLst/>
+          </a:prstGeom>
+          <a:noFill/>
+          <a:extLst>
+            <a:ext uri="{909E8E84-426E-40DD-AFC4-6F175D3DCCD1}">
+              <a14:hiddenFill xmlns:a14="http://schemas.microsoft.com/office/drawing/2010/main">
+                <a:solidFill>
+                  <a:srgbClr val="FFFFFF"/>
+                </a:solidFill>
+              </a14:hiddenFill>
+            </a:ext>
+          </a:extLst>
+        </p:spPr>
+      </p:pic>
+      <p:pic>
+        <p:nvPicPr>
+          <p:cNvPr id="2049" name="Рисунок 16" descr="Tux.svg">
+            <a:hlinkClick r:id="rId12"/>
+          </p:cNvPr>
+          <p:cNvPicPr>
+            <a:picLocks noChangeAspect="1" noChangeArrowheads="1"/>
+          </p:cNvPicPr>
+          <p:nvPr/>
+        </p:nvPicPr>
+        <p:blipFill>
+          <a:blip r:embed="rId13">
+            <a:extLst>
+              <a:ext uri="{28A0092B-C50C-407E-A947-70E740481C1C}">
+                <a14:useLocalDpi xmlns:a14="http://schemas.microsoft.com/office/drawing/2010/main" val="0"/>
+              </a:ext>
+            </a:extLst>
+          </a:blip>
+          <a:srcRect/>
+          <a:stretch>
+            <a:fillRect/>
+          </a:stretch>
+        </p:blipFill>
+        <p:spPr bwMode="auto">
+          <a:xfrm>
+            <a:off x="6735095" y="4740363"/>
+            <a:ext cx="514385" cy="606975"/>
+          </a:xfrm>
+          <a:prstGeom prst="rect">
+            <a:avLst/>
+          </a:prstGeom>
+          <a:noFill/>
+          <a:extLst>
+            <a:ext uri="{909E8E84-426E-40DD-AFC4-6F175D3DCCD1}">
+              <a14:hiddenFill xmlns:a14="http://schemas.microsoft.com/office/drawing/2010/main">
+                <a:solidFill>
+                  <a:srgbClr val="FFFFFF"/>
+                </a:solidFill>
+              </a14:hiddenFill>
+            </a:ext>
+          </a:extLst>
+        </p:spPr>
+      </p:pic>
+      <p:sp>
+        <p:nvSpPr>
+          <p:cNvPr id="7" name="Прямоугольник 6"/>
+          <p:cNvSpPr/>
+          <p:nvPr/>
+        </p:nvSpPr>
+        <p:spPr>
+          <a:xfrm>
+            <a:off x="1752301" y="2436693"/>
+            <a:ext cx="8755568" cy="776238"/>
+          </a:xfrm>
+          <a:prstGeom prst="rect">
+            <a:avLst/>
+          </a:prstGeom>
         </p:spPr>
         <p:txBody>
           <a:bodyPr wrap="square">
@@ -8076,94 +7752,658 @@
           </a:bodyPr>
           <a:lstStyle/>
           <a:p>
-            <a:pPr>
-              <a:buFont typeface="Arial" panose="020B0604020202020204" pitchFamily="34" charset="0"/>
-              <a:buChar char="•"/>
+            <a:pPr lvl="0" eaLnBrk="0" fontAlgn="base" hangingPunct="0">
+              <a:spcBef>
+                <a:spcPct val="0"/>
+              </a:spcBef>
+              <a:spcAft>
+                <a:spcPct val="0"/>
+              </a:spcAft>
             </a:pPr>
             <a:r>
-              <a:rPr lang="ru-RU" sz="2400" dirty="0"/>
-              <a:t>кроссплатформенность</a:t>
-            </a:r>
-          </a:p>
-          <a:p>
-            <a:pPr>
-              <a:buFont typeface="Arial" panose="020B0604020202020204" pitchFamily="34" charset="0"/>
-              <a:buChar char="•"/>
+              <a:rPr lang="ru-RU" altLang="ru-RU" sz="2222" dirty="0">
+                <a:solidFill>
+                  <a:srgbClr val="252525"/>
+                </a:solidFill>
+                <a:latin typeface="Liberation Sans" panose="020B0604020202020204" pitchFamily="34" charset="0"/>
+                <a:ea typeface="Liberation Sans" panose="020B0604020202020204" pitchFamily="34" charset="0"/>
+                <a:cs typeface="Liberation Sans" panose="020B0604020202020204" pitchFamily="34" charset="0"/>
+              </a:rPr>
+              <a:t>…таким образом если есть необходимость запускать программу на нескольких платформах необходимо иметь…</a:t>
+            </a:r>
+            <a:endParaRPr lang="en-US" altLang="ru-RU" sz="2222" dirty="0">
+              <a:latin typeface="Liberation Sans" panose="020B0604020202020204" pitchFamily="34" charset="0"/>
+              <a:ea typeface="Liberation Sans" panose="020B0604020202020204" pitchFamily="34" charset="0"/>
+              <a:cs typeface="Liberation Sans" panose="020B0604020202020204" pitchFamily="34" charset="0"/>
+            </a:endParaRPr>
+          </a:p>
+        </p:txBody>
+      </p:sp>
+      <p:pic>
+        <p:nvPicPr>
+          <p:cNvPr id="23" name="Рисунок 7" descr="Gnome-mime-text-x-c.svg">
+            <a:hlinkClick r:id="rId2"/>
+          </p:cNvPr>
+          <p:cNvPicPr>
+            <a:picLocks noChangeAspect="1" noChangeArrowheads="1"/>
+          </p:cNvPicPr>
+          <p:nvPr/>
+        </p:nvPicPr>
+        <p:blipFill>
+          <a:blip r:embed="rId3">
+            <a:extLst>
+              <a:ext uri="{28A0092B-C50C-407E-A947-70E740481C1C}">
+                <a14:useLocalDpi xmlns:a14="http://schemas.microsoft.com/office/drawing/2010/main" val="0"/>
+              </a:ext>
+            </a:extLst>
+          </a:blip>
+          <a:srcRect/>
+          <a:stretch>
+            <a:fillRect/>
+          </a:stretch>
+        </p:blipFill>
+        <p:spPr bwMode="auto">
+          <a:xfrm>
+            <a:off x="4314962" y="4038979"/>
+            <a:ext cx="640478" cy="640478"/>
+          </a:xfrm>
+          <a:prstGeom prst="rect">
+            <a:avLst/>
+          </a:prstGeom>
+          <a:noFill/>
+          <a:extLst>
+            <a:ext uri="{909E8E84-426E-40DD-AFC4-6F175D3DCCD1}">
+              <a14:hiddenFill xmlns:a14="http://schemas.microsoft.com/office/drawing/2010/main">
+                <a:solidFill>
+                  <a:srgbClr val="FFFFFF"/>
+                </a:solidFill>
+              </a14:hiddenFill>
+            </a:ext>
+          </a:extLst>
+        </p:spPr>
+      </p:pic>
+      <p:pic>
+        <p:nvPicPr>
+          <p:cNvPr id="24" name="Рисунок 12" descr="Gnome-mime-application-x-executable.svg">
+            <a:hlinkClick r:id="rId6"/>
+          </p:cNvPr>
+          <p:cNvPicPr>
+            <a:picLocks noChangeAspect="1" noChangeArrowheads="1"/>
+          </p:cNvPicPr>
+          <p:nvPr/>
+        </p:nvPicPr>
+        <p:blipFill>
+          <a:blip r:embed="rId7">
+            <a:extLst>
+              <a:ext uri="{28A0092B-C50C-407E-A947-70E740481C1C}">
+                <a14:useLocalDpi xmlns:a14="http://schemas.microsoft.com/office/drawing/2010/main" val="0"/>
+              </a:ext>
+            </a:extLst>
+          </a:blip>
+          <a:srcRect/>
+          <a:stretch>
+            <a:fillRect/>
+          </a:stretch>
+        </p:blipFill>
+        <p:spPr bwMode="auto">
+          <a:xfrm>
+            <a:off x="5416222" y="3251932"/>
+            <a:ext cx="606623" cy="606623"/>
+          </a:xfrm>
+          <a:prstGeom prst="rect">
+            <a:avLst/>
+          </a:prstGeom>
+          <a:noFill/>
+          <a:extLst>
+            <a:ext uri="{909E8E84-426E-40DD-AFC4-6F175D3DCCD1}">
+              <a14:hiddenFill xmlns:a14="http://schemas.microsoft.com/office/drawing/2010/main">
+                <a:solidFill>
+                  <a:srgbClr val="FFFFFF"/>
+                </a:solidFill>
+              </a14:hiddenFill>
+            </a:ext>
+          </a:extLst>
+        </p:spPr>
+      </p:pic>
+      <p:pic>
+        <p:nvPicPr>
+          <p:cNvPr id="25" name="Рисунок 12" descr="Gnome-mime-application-x-executable.svg">
+            <a:hlinkClick r:id="rId6"/>
+          </p:cNvPr>
+          <p:cNvPicPr>
+            <a:picLocks noChangeAspect="1" noChangeArrowheads="1"/>
+          </p:cNvPicPr>
+          <p:nvPr/>
+        </p:nvPicPr>
+        <p:blipFill>
+          <a:blip r:embed="rId7">
+            <a:extLst>
+              <a:ext uri="{28A0092B-C50C-407E-A947-70E740481C1C}">
+                <a14:useLocalDpi xmlns:a14="http://schemas.microsoft.com/office/drawing/2010/main" val="0"/>
+              </a:ext>
+            </a:extLst>
+          </a:blip>
+          <a:srcRect/>
+          <a:stretch>
+            <a:fillRect/>
+          </a:stretch>
+        </p:blipFill>
+        <p:spPr bwMode="auto">
+          <a:xfrm>
+            <a:off x="5423434" y="4759344"/>
+            <a:ext cx="606623" cy="606623"/>
+          </a:xfrm>
+          <a:prstGeom prst="rect">
+            <a:avLst/>
+          </a:prstGeom>
+          <a:noFill/>
+          <a:extLst>
+            <a:ext uri="{909E8E84-426E-40DD-AFC4-6F175D3DCCD1}">
+              <a14:hiddenFill xmlns:a14="http://schemas.microsoft.com/office/drawing/2010/main">
+                <a:solidFill>
+                  <a:srgbClr val="FFFFFF"/>
+                </a:solidFill>
+              </a14:hiddenFill>
+            </a:ext>
+          </a:extLst>
+        </p:spPr>
+      </p:pic>
+      <p:pic>
+        <p:nvPicPr>
+          <p:cNvPr id="26" name="Рисунок 12" descr="Gnome-mime-application-x-executable.svg">
+            <a:hlinkClick r:id="rId6"/>
+          </p:cNvPr>
+          <p:cNvPicPr>
+            <a:picLocks noChangeAspect="1" noChangeArrowheads="1"/>
+          </p:cNvPicPr>
+          <p:nvPr/>
+        </p:nvPicPr>
+        <p:blipFill>
+          <a:blip r:embed="rId7">
+            <a:extLst>
+              <a:ext uri="{28A0092B-C50C-407E-A947-70E740481C1C}">
+                <a14:useLocalDpi xmlns:a14="http://schemas.microsoft.com/office/drawing/2010/main" val="0"/>
+              </a:ext>
+            </a:extLst>
+          </a:blip>
+          <a:srcRect/>
+          <a:stretch>
+            <a:fillRect/>
+          </a:stretch>
+        </p:blipFill>
+        <p:spPr bwMode="auto">
+          <a:xfrm>
+            <a:off x="5450077" y="4055908"/>
+            <a:ext cx="606623" cy="606623"/>
+          </a:xfrm>
+          <a:prstGeom prst="rect">
+            <a:avLst/>
+          </a:prstGeom>
+          <a:noFill/>
+          <a:extLst>
+            <a:ext uri="{909E8E84-426E-40DD-AFC4-6F175D3DCCD1}">
+              <a14:hiddenFill xmlns:a14="http://schemas.microsoft.com/office/drawing/2010/main">
+                <a:solidFill>
+                  <a:srgbClr val="FFFFFF"/>
+                </a:solidFill>
+              </a14:hiddenFill>
+            </a:ext>
+          </a:extLst>
+        </p:spPr>
+      </p:pic>
+      <p:sp>
+        <p:nvSpPr>
+          <p:cNvPr id="27" name="Стрелка вправо 26"/>
+          <p:cNvSpPr/>
+          <p:nvPr/>
+        </p:nvSpPr>
+        <p:spPr>
+          <a:xfrm>
+            <a:off x="5000796" y="1901700"/>
+            <a:ext cx="342924" cy="285770"/>
+          </a:xfrm>
+          <a:prstGeom prst="rightArrow">
+            <a:avLst/>
+          </a:prstGeom>
+        </p:spPr>
+        <p:style>
+          <a:lnRef idx="2">
+            <a:schemeClr val="accent1">
+              <a:shade val="50000"/>
+            </a:schemeClr>
+          </a:lnRef>
+          <a:fillRef idx="1">
+            <a:schemeClr val="accent1"/>
+          </a:fillRef>
+          <a:effectRef idx="0">
+            <a:schemeClr val="accent1"/>
+          </a:effectRef>
+          <a:fontRef idx="minor">
+            <a:schemeClr val="lt1"/>
+          </a:fontRef>
+        </p:style>
+        <p:txBody>
+          <a:bodyPr rtlCol="0" anchor="ctr"/>
+          <a:lstStyle/>
+          <a:p>
+            <a:pPr algn="ctr"/>
+            <a:endParaRPr lang="ru-RU" sz="1429"/>
+          </a:p>
+        </p:txBody>
+      </p:sp>
+      <p:sp>
+        <p:nvSpPr>
+          <p:cNvPr id="28" name="Стрелка вправо 27"/>
+          <p:cNvSpPr/>
+          <p:nvPr/>
+        </p:nvSpPr>
+        <p:spPr>
+          <a:xfrm>
+            <a:off x="5063695" y="4216333"/>
+            <a:ext cx="342924" cy="285770"/>
+          </a:xfrm>
+          <a:prstGeom prst="rightArrow">
+            <a:avLst/>
+          </a:prstGeom>
+        </p:spPr>
+        <p:style>
+          <a:lnRef idx="2">
+            <a:schemeClr val="accent1">
+              <a:shade val="50000"/>
+            </a:schemeClr>
+          </a:lnRef>
+          <a:fillRef idx="1">
+            <a:schemeClr val="accent1"/>
+          </a:fillRef>
+          <a:effectRef idx="0">
+            <a:schemeClr val="accent1"/>
+          </a:effectRef>
+          <a:fontRef idx="minor">
+            <a:schemeClr val="lt1"/>
+          </a:fontRef>
+        </p:style>
+        <p:txBody>
+          <a:bodyPr rtlCol="0" anchor="ctr"/>
+          <a:lstStyle/>
+          <a:p>
+            <a:pPr algn="ctr"/>
+            <a:endParaRPr lang="ru-RU" sz="1429"/>
+          </a:p>
+        </p:txBody>
+      </p:sp>
+      <p:sp>
+        <p:nvSpPr>
+          <p:cNvPr id="29" name="Стрелка вправо 28"/>
+          <p:cNvSpPr/>
+          <p:nvPr/>
+        </p:nvSpPr>
+        <p:spPr>
+          <a:xfrm rot="19457784">
+            <a:off x="5007766" y="3715670"/>
+            <a:ext cx="342924" cy="285770"/>
+          </a:xfrm>
+          <a:prstGeom prst="rightArrow">
+            <a:avLst/>
+          </a:prstGeom>
+        </p:spPr>
+        <p:style>
+          <a:lnRef idx="2">
+            <a:schemeClr val="accent1">
+              <a:shade val="50000"/>
+            </a:schemeClr>
+          </a:lnRef>
+          <a:fillRef idx="1">
+            <a:schemeClr val="accent1"/>
+          </a:fillRef>
+          <a:effectRef idx="0">
+            <a:schemeClr val="accent1"/>
+          </a:effectRef>
+          <a:fontRef idx="minor">
+            <a:schemeClr val="lt1"/>
+          </a:fontRef>
+        </p:style>
+        <p:txBody>
+          <a:bodyPr rtlCol="0" anchor="ctr"/>
+          <a:lstStyle/>
+          <a:p>
+            <a:pPr algn="ctr"/>
+            <a:endParaRPr lang="ru-RU" sz="1429"/>
+          </a:p>
+        </p:txBody>
+      </p:sp>
+      <p:sp>
+        <p:nvSpPr>
+          <p:cNvPr id="30" name="Стрелка вправо 29"/>
+          <p:cNvSpPr/>
+          <p:nvPr/>
+        </p:nvSpPr>
+        <p:spPr>
+          <a:xfrm rot="2150761">
+            <a:off x="4996166" y="4743698"/>
+            <a:ext cx="342924" cy="285770"/>
+          </a:xfrm>
+          <a:prstGeom prst="rightArrow">
+            <a:avLst/>
+          </a:prstGeom>
+        </p:spPr>
+        <p:style>
+          <a:lnRef idx="2">
+            <a:schemeClr val="accent1">
+              <a:shade val="50000"/>
+            </a:schemeClr>
+          </a:lnRef>
+          <a:fillRef idx="1">
+            <a:schemeClr val="accent1"/>
+          </a:fillRef>
+          <a:effectRef idx="0">
+            <a:schemeClr val="accent1"/>
+          </a:effectRef>
+          <a:fontRef idx="minor">
+            <a:schemeClr val="lt1"/>
+          </a:fontRef>
+        </p:style>
+        <p:txBody>
+          <a:bodyPr rtlCol="0" anchor="ctr"/>
+          <a:lstStyle/>
+          <a:p>
+            <a:pPr algn="ctr"/>
+            <a:endParaRPr lang="ru-RU" sz="1429"/>
+          </a:p>
+        </p:txBody>
+      </p:sp>
+      <p:sp>
+        <p:nvSpPr>
+          <p:cNvPr id="31" name="Стрелка вправо 30"/>
+          <p:cNvSpPr/>
+          <p:nvPr/>
+        </p:nvSpPr>
+        <p:spPr>
+          <a:xfrm>
+            <a:off x="6163537" y="3412358"/>
+            <a:ext cx="342924" cy="285770"/>
+          </a:xfrm>
+          <a:prstGeom prst="rightArrow">
+            <a:avLst/>
+          </a:prstGeom>
+        </p:spPr>
+        <p:style>
+          <a:lnRef idx="2">
+            <a:schemeClr val="accent1">
+              <a:shade val="50000"/>
+            </a:schemeClr>
+          </a:lnRef>
+          <a:fillRef idx="1">
+            <a:schemeClr val="accent1"/>
+          </a:fillRef>
+          <a:effectRef idx="0">
+            <a:schemeClr val="accent1"/>
+          </a:effectRef>
+          <a:fontRef idx="minor">
+            <a:schemeClr val="lt1"/>
+          </a:fontRef>
+        </p:style>
+        <p:txBody>
+          <a:bodyPr rtlCol="0" anchor="ctr"/>
+          <a:lstStyle/>
+          <a:p>
+            <a:pPr algn="ctr"/>
+            <a:endParaRPr lang="ru-RU" sz="1429"/>
+          </a:p>
+        </p:txBody>
+      </p:sp>
+      <p:sp>
+        <p:nvSpPr>
+          <p:cNvPr id="32" name="Стрелка вправо 31"/>
+          <p:cNvSpPr/>
+          <p:nvPr/>
+        </p:nvSpPr>
+        <p:spPr>
+          <a:xfrm>
+            <a:off x="6163537" y="4181422"/>
+            <a:ext cx="342924" cy="285770"/>
+          </a:xfrm>
+          <a:prstGeom prst="rightArrow">
+            <a:avLst/>
+          </a:prstGeom>
+        </p:spPr>
+        <p:style>
+          <a:lnRef idx="2">
+            <a:schemeClr val="accent1">
+              <a:shade val="50000"/>
+            </a:schemeClr>
+          </a:lnRef>
+          <a:fillRef idx="1">
+            <a:schemeClr val="accent1"/>
+          </a:fillRef>
+          <a:effectRef idx="0">
+            <a:schemeClr val="accent1"/>
+          </a:effectRef>
+          <a:fontRef idx="minor">
+            <a:schemeClr val="lt1"/>
+          </a:fontRef>
+        </p:style>
+        <p:txBody>
+          <a:bodyPr rtlCol="0" anchor="ctr"/>
+          <a:lstStyle/>
+          <a:p>
+            <a:pPr algn="ctr"/>
+            <a:endParaRPr lang="ru-RU" sz="1429"/>
+          </a:p>
+        </p:txBody>
+      </p:sp>
+      <p:sp>
+        <p:nvSpPr>
+          <p:cNvPr id="33" name="Стрелка вправо 32"/>
+          <p:cNvSpPr/>
+          <p:nvPr/>
+        </p:nvSpPr>
+        <p:spPr>
+          <a:xfrm>
+            <a:off x="6163537" y="4959930"/>
+            <a:ext cx="342924" cy="285770"/>
+          </a:xfrm>
+          <a:prstGeom prst="rightArrow">
+            <a:avLst/>
+          </a:prstGeom>
+        </p:spPr>
+        <p:style>
+          <a:lnRef idx="2">
+            <a:schemeClr val="accent1">
+              <a:shade val="50000"/>
+            </a:schemeClr>
+          </a:lnRef>
+          <a:fillRef idx="1">
+            <a:schemeClr val="accent1"/>
+          </a:fillRef>
+          <a:effectRef idx="0">
+            <a:schemeClr val="accent1"/>
+          </a:effectRef>
+          <a:fontRef idx="minor">
+            <a:schemeClr val="lt1"/>
+          </a:fontRef>
+        </p:style>
+        <p:txBody>
+          <a:bodyPr rtlCol="0" anchor="ctr"/>
+          <a:lstStyle/>
+          <a:p>
+            <a:pPr algn="ctr"/>
+            <a:endParaRPr lang="ru-RU" sz="1429"/>
+          </a:p>
+        </p:txBody>
+      </p:sp>
+      <p:sp>
+        <p:nvSpPr>
+          <p:cNvPr id="22" name="Rectangle 12"/>
+          <p:cNvSpPr>
+            <a:spLocks noChangeArrowheads="1"/>
+          </p:cNvSpPr>
+          <p:nvPr/>
+        </p:nvSpPr>
+        <p:spPr bwMode="auto">
+          <a:xfrm>
+            <a:off x="1543303" y="1028570"/>
+            <a:ext cx="9181481" cy="415240"/>
+          </a:xfrm>
+          <a:prstGeom prst="rect">
+            <a:avLst/>
+          </a:prstGeom>
+          <a:noFill/>
+          <a:ln>
+            <a:noFill/>
+          </a:ln>
+          <a:effectLst/>
+          <a:extLst>
+            <a:ext uri="{909E8E84-426E-40DD-AFC4-6F175D3DCCD1}">
+              <a14:hiddenFill xmlns:a14="http://schemas.microsoft.com/office/drawing/2010/main">
+                <a:solidFill>
+                  <a:schemeClr val="accent1"/>
+                </a:solidFill>
+              </a14:hiddenFill>
+            </a:ext>
+            <a:ext uri="{91240B29-F687-4F45-9708-019B960494DF}">
+              <a14:hiddenLine xmlns:a14="http://schemas.microsoft.com/office/drawing/2010/main" w="9525">
+                <a:solidFill>
+                  <a:schemeClr val="tx1"/>
+                </a:solidFill>
+                <a:miter lim="800000"/>
+                <a:headEnd/>
+                <a:tailEnd/>
+              </a14:hiddenLine>
+            </a:ext>
+            <a:ext uri="{AF507438-7753-43E0-B8FC-AC1667EBCBE1}">
+              <a14:hiddenEffects xmlns:a14="http://schemas.microsoft.com/office/drawing/2010/main">
+                <a:effectLst>
+                  <a:outerShdw dist="35921" dir="2700000" algn="ctr" rotWithShape="0">
+                    <a:schemeClr val="bg2"/>
+                  </a:outerShdw>
+                </a:effectLst>
+              </a14:hiddenEffects>
+            </a:ext>
+          </a:extLst>
+        </p:spPr>
+        <p:txBody>
+          <a:bodyPr vert="horz" wrap="none" lIns="72577" tIns="36289" rIns="72577" bIns="36289" numCol="1" anchor="ctr" anchorCtr="0" compatLnSpc="1">
+            <a:prstTxWarp prst="textNoShape">
+              <a:avLst/>
+            </a:prstTxWarp>
+            <a:spAutoFit/>
+          </a:bodyPr>
+          <a:lstStyle/>
+          <a:p>
+            <a:pPr defTabSz="725759" eaLnBrk="0" fontAlgn="base" hangingPunct="0">
+              <a:spcBef>
+                <a:spcPct val="0"/>
+              </a:spcBef>
+              <a:spcAft>
+                <a:spcPct val="0"/>
+              </a:spcAft>
             </a:pPr>
             <a:r>
-              <a:rPr lang="ru-RU" sz="2400" dirty="0"/>
-              <a:t>рефлексия и интроспекция</a:t>
-            </a:r>
-          </a:p>
-          <a:p>
-            <a:pPr>
-              <a:buFont typeface="Arial" panose="020B0604020202020204" pitchFamily="34" charset="0"/>
-              <a:buChar char="•"/>
-            </a:pPr>
-            <a:r>
-              <a:rPr lang="ru-RU" sz="2400" dirty="0"/>
-              <a:t>динамическая типизация</a:t>
-            </a:r>
-          </a:p>
-          <a:p>
-            <a:pPr>
-              <a:buFont typeface="Arial" panose="020B0604020202020204" pitchFamily="34" charset="0"/>
-              <a:buChar char="•"/>
-            </a:pPr>
-            <a:r>
-              <a:rPr lang="ru-RU" sz="2400" dirty="0"/>
-              <a:t>использование динамической области видимости и замыканий</a:t>
-            </a:r>
-          </a:p>
-        </p:txBody>
-      </p:sp>
-      <p:sp>
-        <p:nvSpPr>
-          <p:cNvPr id="4" name="Заголовок 3"/>
-          <p:cNvSpPr>
-            <a:spLocks noGrp="1"/>
-          </p:cNvSpPr>
-          <p:nvPr>
-            <p:ph type="title"/>
-          </p:nvPr>
-        </p:nvSpPr>
-        <p:spPr/>
-        <p:txBody>
-          <a:bodyPr>
-            <a:normAutofit fontScale="90000"/>
+              <a:rPr lang="en-US" altLang="ru-RU" sz="2222" dirty="0">
+                <a:solidFill>
+                  <a:srgbClr val="252525"/>
+                </a:solidFill>
+                <a:latin typeface="Liberation Sans" panose="020B0604020202020204" pitchFamily="34" charset="0"/>
+                <a:ea typeface="Liberation Sans" panose="020B0604020202020204" pitchFamily="34" charset="0"/>
+                <a:cs typeface="Liberation Sans" panose="020B0604020202020204" pitchFamily="34" charset="0"/>
+              </a:rPr>
+              <a:t>...</a:t>
+            </a:r>
+            <a:r>
+              <a:rPr lang="ru-RU" altLang="ru-RU" sz="2222" dirty="0">
+                <a:solidFill>
+                  <a:srgbClr val="252525"/>
+                </a:solidFill>
+                <a:latin typeface="Liberation Sans" panose="020B0604020202020204" pitchFamily="34" charset="0"/>
+                <a:ea typeface="Liberation Sans" panose="020B0604020202020204" pitchFamily="34" charset="0"/>
+                <a:cs typeface="Liberation Sans" panose="020B0604020202020204" pitchFamily="34" charset="0"/>
+              </a:rPr>
+              <a:t> но машинный код специфичен для каждой платформы и «железа</a:t>
+            </a:r>
+            <a:endParaRPr lang="en-US" altLang="ru-RU" sz="2222" dirty="0">
+              <a:latin typeface="Liberation Sans" panose="020B0604020202020204" pitchFamily="34" charset="0"/>
+              <a:ea typeface="Liberation Sans" panose="020B0604020202020204" pitchFamily="34" charset="0"/>
+              <a:cs typeface="Liberation Sans" panose="020B0604020202020204" pitchFamily="34" charset="0"/>
+            </a:endParaRPr>
+          </a:p>
+        </p:txBody>
+      </p:sp>
+      <p:sp>
+        <p:nvSpPr>
+          <p:cNvPr id="2" name="Прямоугольник 1"/>
+          <p:cNvSpPr/>
+          <p:nvPr/>
+        </p:nvSpPr>
+        <p:spPr>
+          <a:xfrm>
+            <a:off x="1798731" y="5284207"/>
+            <a:ext cx="8515936" cy="776238"/>
+          </a:xfrm>
+          <a:prstGeom prst="rect">
+            <a:avLst/>
+          </a:prstGeom>
+        </p:spPr>
+        <p:txBody>
+          <a:bodyPr wrap="square">
+            <a:spAutoFit/>
           </a:bodyPr>
           <a:lstStyle/>
           <a:p>
             <a:r>
-              <a:rPr lang="ru-RU" b="1" dirty="0"/>
-              <a:t>Преимущества </a:t>
-            </a:r>
-            <a:r>
-              <a:rPr lang="ru-RU" b="1" dirty="0" smtClean="0"/>
-              <a:t>интерпретируемых </a:t>
-            </a:r>
-            <a:r>
-              <a:rPr lang="ru-RU" b="1" dirty="0"/>
-              <a:t>языков </a:t>
-            </a:r>
-            <a:r>
-              <a:rPr lang="ru-RU" b="1" dirty="0" smtClean="0"/>
-              <a:t>программирования</a:t>
-            </a:r>
-            <a:endParaRPr lang="ru-RU" dirty="0"/>
+              <a:rPr lang="ru-RU" altLang="ru-RU" sz="2222" dirty="0">
+                <a:solidFill>
+                  <a:srgbClr val="252525"/>
+                </a:solidFill>
+                <a:latin typeface="Liberation Sans" panose="020B0604020202020204" pitchFamily="34" charset="0"/>
+                <a:ea typeface="Liberation Sans" panose="020B0604020202020204" pitchFamily="34" charset="0"/>
+                <a:cs typeface="Liberation Sans" panose="020B0604020202020204" pitchFamily="34" charset="0"/>
+              </a:rPr>
+              <a:t>…отдельный скомпилированный вариант программы для каждой целевой платформы </a:t>
+            </a:r>
+            <a:r>
+              <a:rPr lang="en-US" altLang="ru-RU" sz="2222" dirty="0">
+                <a:solidFill>
+                  <a:srgbClr val="252525"/>
+                </a:solidFill>
+                <a:latin typeface="Liberation Sans" panose="020B0604020202020204" pitchFamily="34" charset="0"/>
+                <a:ea typeface="Liberation Sans" panose="020B0604020202020204" pitchFamily="34" charset="0"/>
+                <a:cs typeface="Liberation Sans" panose="020B0604020202020204" pitchFamily="34" charset="0"/>
+              </a:rPr>
+              <a:t>(Windows, Linux, Mac OS, ...) </a:t>
+            </a:r>
+            <a:r>
+              <a:rPr lang="ru-RU" altLang="ru-RU" sz="2222" dirty="0">
+                <a:solidFill>
+                  <a:srgbClr val="252525"/>
+                </a:solidFill>
+                <a:latin typeface="Liberation Sans" panose="020B0604020202020204" pitchFamily="34" charset="0"/>
+                <a:ea typeface="Liberation Sans" panose="020B0604020202020204" pitchFamily="34" charset="0"/>
+                <a:cs typeface="Liberation Sans" panose="020B0604020202020204" pitchFamily="34" charset="0"/>
+              </a:rPr>
+              <a:t>.</a:t>
+            </a:r>
+            <a:endParaRPr lang="ru-RU" sz="2222" dirty="0"/>
           </a:p>
         </p:txBody>
       </p:sp>
     </p:spTree>
     <p:extLst>
       <p:ext uri="{BB962C8B-B14F-4D97-AF65-F5344CB8AC3E}">
-        <p14:creationId xmlns:p14="http://schemas.microsoft.com/office/powerpoint/2010/main" val="4136951635"/>
+        <p14:creationId xmlns:p14="http://schemas.microsoft.com/office/powerpoint/2010/main" val="4067468498"/>
       </p:ext>
     </p:extLst>
   </p:cSld>
   <p:clrMapOvr>
     <a:masterClrMapping/>
   </p:clrMapOvr>
+  <mc:AlternateContent xmlns:mc="http://schemas.openxmlformats.org/markup-compatibility/2006" xmlns:p14="http://schemas.microsoft.com/office/powerpoint/2010/main">
+    <mc:Choice Requires="p14">
+      <p:transition spd="slow" p14:dur="2000"/>
+    </mc:Choice>
+    <mc:Fallback xmlns="">
+      <p:transition spd="slow"/>
+    </mc:Fallback>
+  </mc:AlternateContent>
   <p:timing>
     <p:tnLst>
       <p:par>
@@ -8346,7 +8586,69 @@
       </p:grpSpPr>
       <p:sp>
         <p:nvSpPr>
-          <p:cNvPr id="2" name="Заголовок 1"/>
+          <p:cNvPr id="3" name="Прямоугольник 2"/>
+          <p:cNvSpPr/>
+          <p:nvPr/>
+        </p:nvSpPr>
+        <p:spPr>
+          <a:xfrm>
+            <a:off x="1199456" y="1844824"/>
+            <a:ext cx="8568952" cy="1938992"/>
+          </a:xfrm>
+          <a:prstGeom prst="rect">
+            <a:avLst/>
+          </a:prstGeom>
+        </p:spPr>
+        <p:txBody>
+          <a:bodyPr wrap="square">
+            <a:spAutoFit/>
+          </a:bodyPr>
+          <a:lstStyle/>
+          <a:p>
+            <a:pPr>
+              <a:buFont typeface="Arial" panose="020B0604020202020204" pitchFamily="34" charset="0"/>
+              <a:buChar char="•"/>
+            </a:pPr>
+            <a:r>
+              <a:rPr lang="ru-RU" sz="2400" dirty="0"/>
+              <a:t>кроссплатформенность</a:t>
+            </a:r>
+          </a:p>
+          <a:p>
+            <a:pPr>
+              <a:buFont typeface="Arial" panose="020B0604020202020204" pitchFamily="34" charset="0"/>
+              <a:buChar char="•"/>
+            </a:pPr>
+            <a:r>
+              <a:rPr lang="ru-RU" sz="2400" dirty="0"/>
+              <a:t>рефлексия и интроспекция</a:t>
+            </a:r>
+          </a:p>
+          <a:p>
+            <a:pPr>
+              <a:buFont typeface="Arial" panose="020B0604020202020204" pitchFamily="34" charset="0"/>
+              <a:buChar char="•"/>
+            </a:pPr>
+            <a:r>
+              <a:rPr lang="ru-RU" sz="2400" dirty="0"/>
+              <a:t>динамическая типизация</a:t>
+            </a:r>
+          </a:p>
+          <a:p>
+            <a:pPr>
+              <a:buFont typeface="Arial" panose="020B0604020202020204" pitchFamily="34" charset="0"/>
+              <a:buChar char="•"/>
+            </a:pPr>
+            <a:r>
+              <a:rPr lang="ru-RU" sz="2400" dirty="0"/>
+              <a:t>использование динамической области видимости и замыканий</a:t>
+            </a:r>
+          </a:p>
+        </p:txBody>
+      </p:sp>
+      <p:sp>
+        <p:nvSpPr>
+          <p:cNvPr id="4" name="Заголовок 3"/>
           <p:cNvSpPr>
             <a:spLocks noGrp="1"/>
           </p:cNvSpPr>
@@ -8356,88 +8658,26 @@
         </p:nvSpPr>
         <p:spPr/>
         <p:txBody>
-          <a:bodyPr/>
-          <a:lstStyle/>
-          <a:p>
-            <a:r>
-              <a:rPr lang="ru-RU" dirty="0" smtClean="0"/>
-              <a:t>Среды разработки</a:t>
-            </a:r>
-            <a:endParaRPr lang="ru-RU" dirty="0"/>
-          </a:p>
-        </p:txBody>
-      </p:sp>
-      <p:sp>
-        <p:nvSpPr>
-          <p:cNvPr id="3" name="Объект 2"/>
-          <p:cNvSpPr>
-            <a:spLocks noGrp="1"/>
-          </p:cNvSpPr>
-          <p:nvPr>
-            <p:ph idx="1"/>
-          </p:nvPr>
-        </p:nvSpPr>
-        <p:spPr/>
-        <p:txBody>
           <a:bodyPr>
-            <a:normAutofit/>
+            <a:normAutofit fontScale="90000"/>
           </a:bodyPr>
           <a:lstStyle/>
           <a:p>
             <a:r>
-              <a:rPr lang="en-US" dirty="0" smtClean="0"/>
-              <a:t>IDLE</a:t>
-            </a:r>
-          </a:p>
-          <a:p>
-            <a:r>
-              <a:rPr lang="en-US" dirty="0" smtClean="0"/>
-              <a:t>Notepad++</a:t>
-            </a:r>
-          </a:p>
-          <a:p>
-            <a:r>
-              <a:rPr lang="en-US" dirty="0" err="1" smtClean="0"/>
-              <a:t>LiClipse</a:t>
-            </a:r>
-            <a:endParaRPr lang="en-US" dirty="0" smtClean="0"/>
-          </a:p>
-          <a:p>
-            <a:r>
-              <a:rPr lang="en-US" dirty="0" smtClean="0"/>
-              <a:t>Wing IDE</a:t>
-            </a:r>
-          </a:p>
-          <a:p>
-            <a:r>
-              <a:rPr lang="en-US" dirty="0" err="1" smtClean="0"/>
-              <a:t>PyCharm</a:t>
-            </a:r>
-            <a:endParaRPr lang="en-US" dirty="0" smtClean="0"/>
-          </a:p>
-          <a:p>
-            <a:r>
-              <a:rPr lang="en-US" dirty="0"/>
-              <a:t>Python Tools for Visual Studio </a:t>
-            </a:r>
-            <a:endParaRPr lang="en-US" dirty="0" smtClean="0"/>
-          </a:p>
-          <a:p>
-            <a:r>
-              <a:rPr lang="en-US" dirty="0">
-                <a:hlinkClick r:id="rId2"/>
-              </a:rPr>
-              <a:t>http://</a:t>
-            </a:r>
-            <a:r>
-              <a:rPr lang="en-US" dirty="0" smtClean="0">
-                <a:hlinkClick r:id="rId2"/>
-              </a:rPr>
-              <a:t>www.pythontutor.com/live.html#mode=edit</a:t>
-            </a:r>
-            <a:r>
-              <a:rPr lang="en-US" dirty="0" smtClean="0"/>
-              <a:t> </a:t>
+              <a:rPr lang="ru-RU" b="1" dirty="0"/>
+              <a:t>Преимущества </a:t>
+            </a:r>
+            <a:r>
+              <a:rPr lang="ru-RU" b="1" dirty="0" smtClean="0"/>
+              <a:t>интерпретируемых </a:t>
+            </a:r>
+            <a:r>
+              <a:rPr lang="ru-RU" b="1" dirty="0"/>
+              <a:t>языков </a:t>
+            </a:r>
+            <a:r>
+              <a:rPr lang="ru-RU" b="1" dirty="0" smtClean="0"/>
+              <a:t>программирования</a:t>
             </a:r>
             <a:endParaRPr lang="ru-RU" dirty="0"/>
           </a:p>
@@ -8446,7 +8686,7 @@
     </p:spTree>
     <p:extLst>
       <p:ext uri="{BB962C8B-B14F-4D97-AF65-F5344CB8AC3E}">
-        <p14:creationId xmlns:p14="http://schemas.microsoft.com/office/powerpoint/2010/main" val="3439389997"/>
+        <p14:creationId xmlns:p14="http://schemas.microsoft.com/office/powerpoint/2010/main" val="4136951635"/>
       </p:ext>
     </p:extLst>
   </p:cSld>
@@ -8482,97 +8722,107 @@
       </p:grpSpPr>
       <p:sp>
         <p:nvSpPr>
-          <p:cNvPr id="2" name="Название 1"/>
+          <p:cNvPr id="2" name="Заголовок 1"/>
           <p:cNvSpPr>
             <a:spLocks noGrp="1"/>
           </p:cNvSpPr>
           <p:nvPr>
-            <p:ph type="ctrTitle"/>
+            <p:ph type="title"/>
           </p:nvPr>
         </p:nvSpPr>
         <p:spPr/>
         <p:txBody>
+          <a:bodyPr/>
+          <a:lstStyle/>
+          <a:p>
+            <a:r>
+              <a:rPr lang="ru-RU" dirty="0" smtClean="0"/>
+              <a:t>Среды разработки</a:t>
+            </a:r>
+            <a:endParaRPr lang="ru-RU" dirty="0"/>
+          </a:p>
+        </p:txBody>
+      </p:sp>
+      <p:sp>
+        <p:nvSpPr>
+          <p:cNvPr id="3" name="Объект 2"/>
+          <p:cNvSpPr>
+            <a:spLocks noGrp="1"/>
+          </p:cNvSpPr>
+          <p:nvPr>
+            <p:ph idx="1"/>
+          </p:nvPr>
+        </p:nvSpPr>
+        <p:spPr/>
+        <p:txBody>
           <a:bodyPr>
-            <a:noAutofit/>
+            <a:normAutofit/>
           </a:bodyPr>
           <a:lstStyle/>
           <a:p>
-            <a:pPr>
-              <a:buNone/>
-            </a:pPr>
-            <a:r>
-              <a:rPr lang="ru-RU" sz="5080" dirty="0">
-                <a:solidFill>
-                  <a:schemeClr val="tx2">
-                    <a:lumMod val="75000"/>
-                  </a:schemeClr>
-                </a:solidFill>
+            <a:r>
+              <a:rPr lang="en-US" dirty="0" smtClean="0"/>
+              <a:t>IDLE</a:t>
+            </a:r>
+          </a:p>
+          <a:p>
+            <a:r>
+              <a:rPr lang="en-US" dirty="0" smtClean="0"/>
+              <a:t>Notepad++</a:t>
+            </a:r>
+          </a:p>
+          <a:p>
+            <a:r>
+              <a:rPr lang="en-US" dirty="0" err="1" smtClean="0"/>
+              <a:t>LiClipse</a:t>
+            </a:r>
+            <a:endParaRPr lang="en-US" dirty="0" smtClean="0"/>
+          </a:p>
+          <a:p>
+            <a:r>
+              <a:rPr lang="en-US" dirty="0" smtClean="0"/>
+              <a:t>Wing IDE</a:t>
+            </a:r>
+          </a:p>
+          <a:p>
+            <a:r>
+              <a:rPr lang="en-US" dirty="0" err="1" smtClean="0"/>
+              <a:t>PyCharm</a:t>
+            </a:r>
+            <a:endParaRPr lang="en-US" dirty="0" smtClean="0"/>
+          </a:p>
+          <a:p>
+            <a:r>
+              <a:rPr lang="en-US" dirty="0"/>
+              <a:t>Python Tools for Visual Studio </a:t>
+            </a:r>
+            <a:endParaRPr lang="en-US" dirty="0" smtClean="0"/>
+          </a:p>
+          <a:p>
+            <a:r>
+              <a:rPr lang="en-US" dirty="0">
+                <a:hlinkClick r:id="rId2"/>
               </a:rPr>
-              <a:t>Как стать </a:t>
-            </a:r>
-            <a:r>
-              <a:rPr lang="en-US" sz="5080" dirty="0" smtClean="0">
-                <a:solidFill>
-                  <a:schemeClr val="tx2">
-                    <a:lumMod val="75000"/>
-                  </a:schemeClr>
-                </a:solidFill>
+              <a:t>http://</a:t>
+            </a:r>
+            <a:r>
+              <a:rPr lang="en-US" dirty="0" smtClean="0">
+                <a:hlinkClick r:id="rId2"/>
               </a:rPr>
-              <a:t>Python</a:t>
-            </a:r>
-            <a:r>
-              <a:rPr lang="ru-RU" sz="5080" dirty="0" smtClean="0">
-                <a:solidFill>
-                  <a:schemeClr val="tx2">
-                    <a:lumMod val="75000"/>
-                  </a:schemeClr>
-                </a:solidFill>
-              </a:rPr>
+              <a:t>www.pythontutor.com/live.html#mode=edit</a:t>
+            </a:r>
+            <a:r>
+              <a:rPr lang="en-US" dirty="0" smtClean="0"/>
               <a:t> </a:t>
             </a:r>
-            <a:r>
-              <a:rPr lang="ru-RU" sz="5080" dirty="0">
-                <a:solidFill>
-                  <a:schemeClr val="tx2">
-                    <a:lumMod val="75000"/>
-                  </a:schemeClr>
-                </a:solidFill>
-              </a:rPr>
-              <a:t>разработчиком?</a:t>
-            </a:r>
-            <a:endParaRPr lang="ru-RU" sz="5080" dirty="0">
-              <a:solidFill>
-                <a:schemeClr val="tx2">
-                  <a:lumMod val="75000"/>
-                </a:schemeClr>
-              </a:solidFill>
-            </a:endParaRPr>
-          </a:p>
-        </p:txBody>
-      </p:sp>
-      <p:sp>
-        <p:nvSpPr>
-          <p:cNvPr id="3" name="Подзаголовок 2"/>
-          <p:cNvSpPr>
-            <a:spLocks noGrp="1"/>
-          </p:cNvSpPr>
-          <p:nvPr>
-            <p:ph type="subTitle" idx="1"/>
-          </p:nvPr>
-        </p:nvSpPr>
-        <p:spPr/>
-        <p:txBody>
-          <a:bodyPr/>
-          <a:lstStyle/>
-          <a:p>
-            <a:endParaRPr lang="ru-RU"/>
+            <a:endParaRPr lang="ru-RU" dirty="0"/>
           </a:p>
         </p:txBody>
       </p:sp>
     </p:spTree>
     <p:extLst>
       <p:ext uri="{BB962C8B-B14F-4D97-AF65-F5344CB8AC3E}">
-        <p14:creationId xmlns:p14="http://schemas.microsoft.com/office/powerpoint/2010/main" val="2812453633"/>
+        <p14:creationId xmlns:p14="http://schemas.microsoft.com/office/powerpoint/2010/main" val="3439389997"/>
       </p:ext>
     </p:extLst>
   </p:cSld>
@@ -8613,140 +8863,91 @@
             <a:spLocks noGrp="1"/>
           </p:cNvSpPr>
           <p:nvPr>
-            <p:ph type="title"/>
+            <p:ph type="ctrTitle"/>
           </p:nvPr>
         </p:nvSpPr>
         <p:spPr/>
         <p:txBody>
-          <a:bodyPr/>
+          <a:bodyPr>
+            <a:noAutofit/>
+          </a:bodyPr>
           <a:lstStyle/>
           <a:p>
             <a:pPr>
               <a:buNone/>
             </a:pPr>
             <a:r>
-              <a:rPr lang="ru-RU" dirty="0" smtClean="0"/>
-              <a:t>Шаг 1</a:t>
-            </a:r>
-            <a:endParaRPr lang="ru-RU" dirty="0"/>
-          </a:p>
-        </p:txBody>
-      </p:sp>
-      <p:sp>
-        <p:nvSpPr>
-          <p:cNvPr id="3" name="Содержимое 2"/>
+              <a:rPr lang="ru-RU" sz="5080" dirty="0">
+                <a:solidFill>
+                  <a:schemeClr val="tx2">
+                    <a:lumMod val="75000"/>
+                  </a:schemeClr>
+                </a:solidFill>
+              </a:rPr>
+              <a:t>Как стать </a:t>
+            </a:r>
+            <a:r>
+              <a:rPr lang="en-US" sz="5080" dirty="0" smtClean="0">
+                <a:solidFill>
+                  <a:schemeClr val="tx2">
+                    <a:lumMod val="75000"/>
+                  </a:schemeClr>
+                </a:solidFill>
+              </a:rPr>
+              <a:t>Python</a:t>
+            </a:r>
+            <a:r>
+              <a:rPr lang="ru-RU" sz="5080" dirty="0" smtClean="0">
+                <a:solidFill>
+                  <a:schemeClr val="tx2">
+                    <a:lumMod val="75000"/>
+                  </a:schemeClr>
+                </a:solidFill>
+              </a:rPr>
+              <a:t> </a:t>
+            </a:r>
+            <a:r>
+              <a:rPr lang="ru-RU" sz="5080" dirty="0">
+                <a:solidFill>
+                  <a:schemeClr val="tx2">
+                    <a:lumMod val="75000"/>
+                  </a:schemeClr>
+                </a:solidFill>
+              </a:rPr>
+              <a:t>разработчиком?</a:t>
+            </a:r>
+          </a:p>
+        </p:txBody>
+      </p:sp>
+      <p:sp>
+        <p:nvSpPr>
+          <p:cNvPr id="3" name="Подзаголовок 2"/>
           <p:cNvSpPr>
             <a:spLocks noGrp="1"/>
           </p:cNvSpPr>
           <p:nvPr>
-            <p:ph idx="1"/>
+            <p:ph type="subTitle" idx="1"/>
           </p:nvPr>
         </p:nvSpPr>
-        <p:spPr>
-          <a:xfrm>
-            <a:off x="695400" y="1385517"/>
-            <a:ext cx="10972800" cy="1066783"/>
-          </a:xfrm>
-        </p:spPr>
-        <p:txBody>
-          <a:bodyPr>
-            <a:normAutofit/>
-          </a:bodyPr>
-          <a:lstStyle/>
-          <a:p>
-            <a:pPr marL="0" indent="0" algn="ctr">
-              <a:buNone/>
-            </a:pPr>
-            <a:r>
-              <a:rPr lang="ru-RU" sz="4233" dirty="0"/>
-              <a:t>Изучить основы синтаксиса языка</a:t>
-            </a:r>
-            <a:endParaRPr lang="ru-RU" sz="4233" dirty="0"/>
-          </a:p>
-        </p:txBody>
-      </p:sp>
-      <p:pic>
-        <p:nvPicPr>
-          <p:cNvPr id="3075" name="Picture 3"/>
-          <p:cNvPicPr>
-            <a:picLocks noChangeAspect="1" noChangeArrowheads="1"/>
-          </p:cNvPicPr>
-          <p:nvPr/>
-        </p:nvPicPr>
-        <p:blipFill>
-          <a:blip r:embed="rId2">
-            <a:extLst>
-              <a:ext uri="{28A0092B-C50C-407E-A947-70E740481C1C}">
-                <a14:useLocalDpi xmlns:a14="http://schemas.microsoft.com/office/drawing/2010/main" val="0"/>
-              </a:ext>
-            </a:extLst>
-          </a:blip>
-          <a:srcRect/>
-          <a:stretch>
-            <a:fillRect/>
-          </a:stretch>
-        </p:blipFill>
-        <p:spPr bwMode="auto">
-          <a:xfrm>
-            <a:off x="3276406" y="2362126"/>
-            <a:ext cx="6658426" cy="4267206"/>
-          </a:xfrm>
-          <a:prstGeom prst="rect">
-            <a:avLst/>
-          </a:prstGeom>
-          <a:noFill/>
-          <a:ln>
-            <a:noFill/>
-          </a:ln>
-          <a:effectLst/>
-          <a:extLst>
-            <a:ext uri="{909E8E84-426E-40DD-AFC4-6F175D3DCCD1}">
-              <a14:hiddenFill xmlns:a14="http://schemas.microsoft.com/office/drawing/2010/main">
-                <a:solidFill>
-                  <a:schemeClr val="accent1"/>
-                </a:solidFill>
-              </a14:hiddenFill>
-            </a:ext>
-            <a:ext uri="{91240B29-F687-4F45-9708-019B960494DF}">
-              <a14:hiddenLine xmlns:a14="http://schemas.microsoft.com/office/drawing/2010/main" w="9525">
-                <a:solidFill>
-                  <a:schemeClr val="tx1"/>
-                </a:solidFill>
-                <a:miter lim="800000"/>
-                <a:headEnd/>
-                <a:tailEnd/>
-              </a14:hiddenLine>
-            </a:ext>
-            <a:ext uri="{AF507438-7753-43E0-B8FC-AC1667EBCBE1}">
-              <a14:hiddenEffects xmlns:a14="http://schemas.microsoft.com/office/drawing/2010/main">
-                <a:effectLst>
-                  <a:outerShdw dist="35921" dir="2700000" algn="ctr" rotWithShape="0">
-                    <a:schemeClr val="bg2"/>
-                  </a:outerShdw>
-                </a:effectLst>
-              </a14:hiddenEffects>
-            </a:ext>
-          </a:extLst>
-        </p:spPr>
-      </p:pic>
+        <p:spPr/>
+        <p:txBody>
+          <a:bodyPr/>
+          <a:lstStyle/>
+          <a:p>
+            <a:endParaRPr lang="ru-RU"/>
+          </a:p>
+        </p:txBody>
+      </p:sp>
     </p:spTree>
     <p:extLst>
       <p:ext uri="{BB962C8B-B14F-4D97-AF65-F5344CB8AC3E}">
-        <p14:creationId xmlns:p14="http://schemas.microsoft.com/office/powerpoint/2010/main" val="295788591"/>
+        <p14:creationId xmlns:p14="http://schemas.microsoft.com/office/powerpoint/2010/main" val="2812453633"/>
       </p:ext>
     </p:extLst>
   </p:cSld>
   <p:clrMapOvr>
     <a:masterClrMapping/>
   </p:clrMapOvr>
-  <mc:AlternateContent xmlns:mc="http://schemas.openxmlformats.org/markup-compatibility/2006" xmlns:p14="http://schemas.microsoft.com/office/powerpoint/2010/main">
-    <mc:Choice Requires="p14">
-      <p:transition spd="slow" p14:dur="2000"/>
-    </mc:Choice>
-    <mc:Fallback xmlns="">
-      <p:transition spd="slow"/>
-    </mc:Fallback>
-  </mc:AlternateContent>
   <p:timing>
     <p:tnLst>
       <p:par>
@@ -8794,7 +8995,7 @@
             </a:pPr>
             <a:r>
               <a:rPr lang="ru-RU" dirty="0" smtClean="0"/>
-              <a:t>Шаг 2</a:t>
+              <a:t>Шаг 1</a:t>
             </a:r>
             <a:endParaRPr lang="ru-RU" dirty="0"/>
           </a:p>
@@ -8812,13 +9013,13 @@
         </p:nvSpPr>
         <p:spPr>
           <a:xfrm>
-            <a:off x="643849" y="1556792"/>
+            <a:off x="695400" y="1385517"/>
             <a:ext cx="10972800" cy="1066783"/>
           </a:xfrm>
         </p:spPr>
         <p:txBody>
           <a:bodyPr>
-            <a:normAutofit fontScale="77500" lnSpcReduction="20000"/>
+            <a:normAutofit/>
           </a:bodyPr>
           <a:lstStyle/>
           <a:p>
@@ -8827,24 +9028,14 @@
             </a:pPr>
             <a:r>
               <a:rPr lang="ru-RU" sz="4233" dirty="0"/>
-              <a:t>Освойте инструменты разработки</a:t>
-            </a:r>
-          </a:p>
-          <a:p>
-            <a:pPr marL="0" indent="0" algn="ctr">
-              <a:buNone/>
-            </a:pPr>
-            <a:r>
-              <a:rPr lang="ru-RU" sz="4233" dirty="0"/>
-              <a:t>и отладки приложения</a:t>
-            </a:r>
-            <a:endParaRPr lang="ru-RU" sz="4233" dirty="0"/>
+              <a:t>Изучить основы синтаксиса языка</a:t>
+            </a:r>
           </a:p>
         </p:txBody>
       </p:sp>
       <p:pic>
         <p:nvPicPr>
-          <p:cNvPr id="4098" name="Picture 2"/>
+          <p:cNvPr id="3075" name="Picture 3"/>
           <p:cNvPicPr>
             <a:picLocks noChangeAspect="1" noChangeArrowheads="1"/>
           </p:cNvPicPr>
@@ -8865,8 +9056,8 @@
         </p:blipFill>
         <p:spPr bwMode="auto">
           <a:xfrm>
-            <a:off x="3215680" y="2648123"/>
-            <a:ext cx="6341679" cy="3969801"/>
+            <a:off x="3276406" y="2362126"/>
+            <a:ext cx="6658426" cy="4267206"/>
           </a:xfrm>
           <a:prstGeom prst="rect">
             <a:avLst/>
@@ -8909,7 +9100,7 @@
     </p:spTree>
     <p:extLst>
       <p:ext uri="{BB962C8B-B14F-4D97-AF65-F5344CB8AC3E}">
-        <p14:creationId xmlns:p14="http://schemas.microsoft.com/office/powerpoint/2010/main" val="211222095"/>
+        <p14:creationId xmlns:p14="http://schemas.microsoft.com/office/powerpoint/2010/main" val="295788591"/>
       </p:ext>
     </p:extLst>
   </p:cSld>
@@ -8971,7 +9162,7 @@
             </a:pPr>
             <a:r>
               <a:rPr lang="ru-RU" dirty="0" smtClean="0"/>
-              <a:t>Шаг 3 </a:t>
+              <a:t>Шаг 2</a:t>
             </a:r>
             <a:endParaRPr lang="ru-RU" dirty="0"/>
           </a:p>
@@ -8989,13 +9180,13 @@
         </p:nvSpPr>
         <p:spPr>
           <a:xfrm>
-            <a:off x="914044" y="1523869"/>
-            <a:ext cx="10972800" cy="1308080"/>
+            <a:off x="643849" y="1556792"/>
+            <a:ext cx="10972800" cy="1066783"/>
           </a:xfrm>
         </p:spPr>
         <p:txBody>
           <a:bodyPr>
-            <a:normAutofit/>
+            <a:normAutofit fontScale="77500" lnSpcReduction="20000"/>
           </a:bodyPr>
           <a:lstStyle/>
           <a:p>
@@ -9003,16 +9194,24 @@
               <a:buNone/>
             </a:pPr>
             <a:r>
-              <a:rPr lang="ru-RU" sz="5080" dirty="0"/>
-              <a:t>Выберите направление</a:t>
-            </a:r>
-            <a:endParaRPr lang="ru-RU" sz="5080" dirty="0"/>
+              <a:rPr lang="ru-RU" sz="4233" dirty="0"/>
+              <a:t>Освойте инструменты разработки</a:t>
+            </a:r>
+          </a:p>
+          <a:p>
+            <a:pPr marL="0" indent="0" algn="ctr">
+              <a:buNone/>
+            </a:pPr>
+            <a:r>
+              <a:rPr lang="ru-RU" sz="4233" dirty="0"/>
+              <a:t>и отладки приложения</a:t>
+            </a:r>
           </a:p>
         </p:txBody>
       </p:sp>
       <p:pic>
         <p:nvPicPr>
-          <p:cNvPr id="6146" name="Picture 2"/>
+          <p:cNvPr id="4098" name="Picture 2"/>
           <p:cNvPicPr>
             <a:picLocks noChangeAspect="1" noChangeArrowheads="1"/>
           </p:cNvPicPr>
@@ -9033,8 +9232,8 @@
         </p:blipFill>
         <p:spPr bwMode="auto">
           <a:xfrm>
-            <a:off x="2342336" y="2438332"/>
-            <a:ext cx="8458782" cy="4238147"/>
+            <a:off x="3215680" y="2648123"/>
+            <a:ext cx="6341679" cy="3969801"/>
           </a:xfrm>
           <a:prstGeom prst="rect">
             <a:avLst/>
@@ -9077,7 +9276,7 @@
     </p:spTree>
     <p:extLst>
       <p:ext uri="{BB962C8B-B14F-4D97-AF65-F5344CB8AC3E}">
-        <p14:creationId xmlns:p14="http://schemas.microsoft.com/office/powerpoint/2010/main" val="2611980818"/>
+        <p14:creationId xmlns:p14="http://schemas.microsoft.com/office/powerpoint/2010/main" val="211222095"/>
       </p:ext>
     </p:extLst>
   </p:cSld>
@@ -9139,7 +9338,7 @@
             </a:pPr>
             <a:r>
               <a:rPr lang="ru-RU" dirty="0" smtClean="0"/>
-              <a:t>Шаг 4</a:t>
+              <a:t>Шаг 3 </a:t>
             </a:r>
             <a:endParaRPr lang="ru-RU" dirty="0"/>
           </a:p>
@@ -9157,8 +9356,8 @@
         </p:nvSpPr>
         <p:spPr>
           <a:xfrm>
-            <a:off x="2115439" y="1600074"/>
-            <a:ext cx="8027849" cy="1066873"/>
+            <a:off x="914044" y="1523869"/>
+            <a:ext cx="10972800" cy="1308080"/>
           </a:xfrm>
         </p:spPr>
         <p:txBody>
@@ -9171,23 +9370,22 @@
               <a:buNone/>
             </a:pPr>
             <a:r>
-              <a:rPr lang="ru-RU" sz="5715" dirty="0"/>
-              <a:t>API и SDK</a:t>
-            </a:r>
-            <a:endParaRPr lang="ru-RU" sz="5715" dirty="0"/>
+              <a:rPr lang="ru-RU" sz="5080" dirty="0"/>
+              <a:t>Выберите направление</a:t>
+            </a:r>
           </a:p>
         </p:txBody>
       </p:sp>
       <p:pic>
         <p:nvPicPr>
-          <p:cNvPr id="5122" name="Picture 2"/>
+          <p:cNvPr id="6146" name="Picture 2"/>
           <p:cNvPicPr>
             <a:picLocks noChangeAspect="1" noChangeArrowheads="1"/>
           </p:cNvPicPr>
           <p:nvPr/>
         </p:nvPicPr>
         <p:blipFill>
-          <a:blip r:embed="rId2" cstate="print">
+          <a:blip r:embed="rId2">
             <a:extLst>
               <a:ext uri="{28A0092B-C50C-407E-A947-70E740481C1C}">
                 <a14:useLocalDpi xmlns:a14="http://schemas.microsoft.com/office/drawing/2010/main" val="0"/>
@@ -9201,8 +9399,8 @@
         </p:blipFill>
         <p:spPr bwMode="auto">
           <a:xfrm>
-            <a:off x="1371275" y="3043243"/>
-            <a:ext cx="1600310" cy="1600310"/>
+            <a:off x="2342336" y="2438332"/>
+            <a:ext cx="8458782" cy="4238147"/>
           </a:xfrm>
           <a:prstGeom prst="rect">
             <a:avLst/>
@@ -9242,220 +9440,10 @@
           </a:extLst>
         </p:spPr>
       </p:pic>
-      <p:pic>
-        <p:nvPicPr>
-          <p:cNvPr id="5123" name="Picture 3"/>
-          <p:cNvPicPr>
-            <a:picLocks noChangeAspect="1" noChangeArrowheads="1"/>
-          </p:cNvPicPr>
-          <p:nvPr/>
-        </p:nvPicPr>
-        <p:blipFill>
-          <a:blip r:embed="rId3">
-            <a:extLst>
-              <a:ext uri="{28A0092B-C50C-407E-A947-70E740481C1C}">
-                <a14:useLocalDpi xmlns:a14="http://schemas.microsoft.com/office/drawing/2010/main" val="0"/>
-              </a:ext>
-            </a:extLst>
-          </a:blip>
-          <a:srcRect/>
-          <a:stretch>
-            <a:fillRect/>
-          </a:stretch>
-        </p:blipFill>
-        <p:spPr bwMode="auto">
-          <a:xfrm>
-            <a:off x="4495690" y="2927193"/>
-            <a:ext cx="2869496" cy="1706914"/>
-          </a:xfrm>
-          <a:prstGeom prst="rect">
-            <a:avLst/>
-          </a:prstGeom>
-          <a:noFill/>
-          <a:ln>
-            <a:noFill/>
-          </a:ln>
-          <a:effectLst/>
-          <a:extLst>
-            <a:ext uri="{909E8E84-426E-40DD-AFC4-6F175D3DCCD1}">
-              <a14:hiddenFill xmlns:a14="http://schemas.microsoft.com/office/drawing/2010/main">
-                <a:solidFill>
-                  <a:schemeClr val="accent1"/>
-                </a:solidFill>
-              </a14:hiddenFill>
-            </a:ext>
-            <a:ext uri="{91240B29-F687-4F45-9708-019B960494DF}">
-              <a14:hiddenLine xmlns:a14="http://schemas.microsoft.com/office/drawing/2010/main" w="9525">
-                <a:solidFill>
-                  <a:schemeClr val="tx1"/>
-                </a:solidFill>
-                <a:miter lim="800000"/>
-                <a:headEnd/>
-                <a:tailEnd/>
-              </a14:hiddenLine>
-            </a:ext>
-            <a:ext uri="{AF507438-7753-43E0-B8FC-AC1667EBCBE1}">
-              <a14:hiddenEffects xmlns:a14="http://schemas.microsoft.com/office/drawing/2010/main">
-                <a:effectLst>
-                  <a:outerShdw dist="35921" dir="2700000" algn="ctr" rotWithShape="0">
-                    <a:schemeClr val="bg2"/>
-                  </a:outerShdw>
-                </a:effectLst>
-              </a14:hiddenEffects>
-            </a:ext>
-          </a:extLst>
-        </p:spPr>
-      </p:pic>
-      <p:pic>
-        <p:nvPicPr>
-          <p:cNvPr id="5126" name="Picture 6" descr="&amp;Kcy;&amp;acy;&amp;rcy;&amp;tcy;&amp;icy;&amp;ncy;&amp;kcy;&amp;icy; &amp;pcy;&amp;ocy; &amp;zcy;&amp;acy;&amp;pcy;&amp;rcy;&amp;ocy;&amp;scy;&amp;ucy; eclipselink"/>
-          <p:cNvPicPr>
-            <a:picLocks noChangeAspect="1" noChangeArrowheads="1"/>
-          </p:cNvPicPr>
-          <p:nvPr/>
-        </p:nvPicPr>
-        <p:blipFill>
-          <a:blip r:embed="rId4">
-            <a:extLst>
-              <a:ext uri="{28A0092B-C50C-407E-A947-70E740481C1C}">
-                <a14:useLocalDpi xmlns:a14="http://schemas.microsoft.com/office/drawing/2010/main" val="0"/>
-              </a:ext>
-            </a:extLst>
-          </a:blip>
-          <a:srcRect/>
-          <a:stretch>
-            <a:fillRect/>
-          </a:stretch>
-        </p:blipFill>
-        <p:spPr bwMode="auto">
-          <a:xfrm>
-            <a:off x="533018" y="5257926"/>
-            <a:ext cx="3478191" cy="1026394"/>
-          </a:xfrm>
-          <a:prstGeom prst="rect">
-            <a:avLst/>
-          </a:prstGeom>
-          <a:noFill/>
-          <a:extLst>
-            <a:ext uri="{909E8E84-426E-40DD-AFC4-6F175D3DCCD1}">
-              <a14:hiddenFill xmlns:a14="http://schemas.microsoft.com/office/drawing/2010/main">
-                <a:solidFill>
-                  <a:srgbClr val="FFFFFF"/>
-                </a:solidFill>
-              </a14:hiddenFill>
-            </a:ext>
-          </a:extLst>
-        </p:spPr>
-      </p:pic>
-      <p:pic>
-        <p:nvPicPr>
-          <p:cNvPr id="5128" name="Picture 8" descr="&amp;Kcy;&amp;acy;&amp;rcy;&amp;tcy;&amp;icy;&amp;ncy;&amp;kcy;&amp;icy; &amp;pcy;&amp;ocy; &amp;zcy;&amp;acy;&amp;pcy;&amp;rcy;&amp;ocy;&amp;scy;&amp;ucy; gwt"/>
-          <p:cNvPicPr>
-            <a:picLocks noChangeAspect="1" noChangeArrowheads="1"/>
-          </p:cNvPicPr>
-          <p:nvPr/>
-        </p:nvPicPr>
-        <p:blipFill>
-          <a:blip r:embed="rId5" cstate="print">
-            <a:extLst>
-              <a:ext uri="{28A0092B-C50C-407E-A947-70E740481C1C}">
-                <a14:useLocalDpi xmlns:a14="http://schemas.microsoft.com/office/drawing/2010/main" val="0"/>
-              </a:ext>
-            </a:extLst>
-          </a:blip>
-          <a:srcRect/>
-          <a:stretch>
-            <a:fillRect/>
-          </a:stretch>
-        </p:blipFill>
-        <p:spPr bwMode="auto">
-          <a:xfrm>
-            <a:off x="8861157" y="2743153"/>
-            <a:ext cx="2514773" cy="2514773"/>
-          </a:xfrm>
-          <a:prstGeom prst="rect">
-            <a:avLst/>
-          </a:prstGeom>
-          <a:noFill/>
-          <a:extLst>
-            <a:ext uri="{909E8E84-426E-40DD-AFC4-6F175D3DCCD1}">
-              <a14:hiddenFill xmlns:a14="http://schemas.microsoft.com/office/drawing/2010/main">
-                <a:solidFill>
-                  <a:srgbClr val="FFFFFF"/>
-                </a:solidFill>
-              </a14:hiddenFill>
-            </a:ext>
-          </a:extLst>
-        </p:spPr>
-      </p:pic>
-      <p:pic>
-        <p:nvPicPr>
-          <p:cNvPr id="5129" name="Picture 9"/>
-          <p:cNvPicPr>
-            <a:picLocks noChangeAspect="1" noChangeArrowheads="1"/>
-          </p:cNvPicPr>
-          <p:nvPr/>
-        </p:nvPicPr>
-        <p:blipFill>
-          <a:blip r:embed="rId6">
-            <a:extLst>
-              <a:ext uri="{28A0092B-C50C-407E-A947-70E740481C1C}">
-                <a14:useLocalDpi xmlns:a14="http://schemas.microsoft.com/office/drawing/2010/main" val="0"/>
-              </a:ext>
-            </a:extLst>
-          </a:blip>
-          <a:srcRect/>
-          <a:stretch>
-            <a:fillRect/>
-          </a:stretch>
-        </p:blipFill>
-        <p:spPr bwMode="auto">
-          <a:xfrm>
-            <a:off x="4500750" y="5096442"/>
-            <a:ext cx="4252794" cy="1182585"/>
-          </a:xfrm>
-          <a:prstGeom prst="rect">
-            <a:avLst/>
-          </a:prstGeom>
-          <a:noFill/>
-          <a:ln>
-            <a:noFill/>
-          </a:ln>
-          <a:effectLst/>
-          <a:extLst>
-            <a:ext uri="{909E8E84-426E-40DD-AFC4-6F175D3DCCD1}">
-              <a14:hiddenFill xmlns:a14="http://schemas.microsoft.com/office/drawing/2010/main">
-                <a:solidFill>
-                  <a:schemeClr val="accent1"/>
-                </a:solidFill>
-              </a14:hiddenFill>
-            </a:ext>
-            <a:ext uri="{91240B29-F687-4F45-9708-019B960494DF}">
-              <a14:hiddenLine xmlns:a14="http://schemas.microsoft.com/office/drawing/2010/main" w="9525">
-                <a:solidFill>
-                  <a:schemeClr val="tx1"/>
-                </a:solidFill>
-                <a:miter lim="800000"/>
-                <a:headEnd/>
-                <a:tailEnd/>
-              </a14:hiddenLine>
-            </a:ext>
-            <a:ext uri="{AF507438-7753-43E0-B8FC-AC1667EBCBE1}">
-              <a14:hiddenEffects xmlns:a14="http://schemas.microsoft.com/office/drawing/2010/main">
-                <a:effectLst>
-                  <a:outerShdw dist="35921" dir="2700000" algn="ctr" rotWithShape="0">
-                    <a:schemeClr val="bg2"/>
-                  </a:outerShdw>
-                </a:effectLst>
-              </a14:hiddenEffects>
-            </a:ext>
-          </a:extLst>
-        </p:spPr>
-      </p:pic>
     </p:spTree>
     <p:extLst>
       <p:ext uri="{BB962C8B-B14F-4D97-AF65-F5344CB8AC3E}">
-        <p14:creationId xmlns:p14="http://schemas.microsoft.com/office/powerpoint/2010/main" val="2247695221"/>
+        <p14:creationId xmlns:p14="http://schemas.microsoft.com/office/powerpoint/2010/main" val="2611980818"/>
       </p:ext>
     </p:extLst>
   </p:cSld>
@@ -9517,7 +9505,7 @@
             </a:pPr>
             <a:r>
               <a:rPr lang="ru-RU" dirty="0" smtClean="0"/>
-              <a:t>Шаг 5</a:t>
+              <a:t>Шаг 4</a:t>
             </a:r>
             <a:endParaRPr lang="ru-RU" dirty="0"/>
           </a:p>
@@ -9535,54 +9523,304 @@
         </p:nvSpPr>
         <p:spPr>
           <a:xfrm>
-            <a:off x="609601" y="2514616"/>
-            <a:ext cx="10972800" cy="2171666"/>
-          </a:xfrm>
-        </p:spPr>
-        <p:txBody>
-          <a:bodyPr/>
+            <a:off x="2115439" y="1600074"/>
+            <a:ext cx="8027849" cy="1066873"/>
+          </a:xfrm>
+        </p:spPr>
+        <p:txBody>
+          <a:bodyPr>
+            <a:normAutofit/>
+          </a:bodyPr>
           <a:lstStyle/>
           <a:p>
             <a:pPr marL="0" indent="0" algn="ctr">
               <a:buNone/>
             </a:pPr>
             <a:r>
-              <a:rPr lang="ru-RU" sz="6350" dirty="0"/>
-              <a:t>Повышайте кругозор</a:t>
-            </a:r>
-          </a:p>
-          <a:p>
-            <a:pPr marL="0" indent="0" algn="ctr">
-              <a:buNone/>
-            </a:pPr>
-            <a:r>
-              <a:rPr lang="ru-RU" sz="2540" dirty="0"/>
-              <a:t>(XML, </a:t>
-            </a:r>
-            <a:r>
-              <a:rPr lang="ru-RU" sz="2540" dirty="0" err="1"/>
-              <a:t>SQL,Unix</a:t>
-            </a:r>
-            <a:r>
-              <a:rPr lang="ru-RU" sz="2540" dirty="0"/>
-              <a:t> </a:t>
-            </a:r>
-            <a:r>
-              <a:rPr lang="ru-RU" sz="2540" dirty="0" err="1"/>
-              <a:t>shell,HTML,JS</a:t>
-            </a:r>
-            <a:r>
-              <a:rPr lang="ru-RU" sz="2540" dirty="0"/>
-              <a:t>)</a:t>
-            </a:r>
-            <a:endParaRPr lang="ru-RU" sz="2540" dirty="0"/>
-          </a:p>
-        </p:txBody>
-      </p:sp>
+              <a:rPr lang="ru-RU" sz="5715" dirty="0"/>
+              <a:t>API и SDK</a:t>
+            </a:r>
+          </a:p>
+        </p:txBody>
+      </p:sp>
+      <p:pic>
+        <p:nvPicPr>
+          <p:cNvPr id="5122" name="Picture 2"/>
+          <p:cNvPicPr>
+            <a:picLocks noChangeAspect="1" noChangeArrowheads="1"/>
+          </p:cNvPicPr>
+          <p:nvPr/>
+        </p:nvPicPr>
+        <p:blipFill>
+          <a:blip r:embed="rId2" cstate="print">
+            <a:extLst>
+              <a:ext uri="{28A0092B-C50C-407E-A947-70E740481C1C}">
+                <a14:useLocalDpi xmlns:a14="http://schemas.microsoft.com/office/drawing/2010/main" val="0"/>
+              </a:ext>
+            </a:extLst>
+          </a:blip>
+          <a:srcRect/>
+          <a:stretch>
+            <a:fillRect/>
+          </a:stretch>
+        </p:blipFill>
+        <p:spPr bwMode="auto">
+          <a:xfrm>
+            <a:off x="1371275" y="3043243"/>
+            <a:ext cx="1600310" cy="1600310"/>
+          </a:xfrm>
+          <a:prstGeom prst="rect">
+            <a:avLst/>
+          </a:prstGeom>
+          <a:noFill/>
+          <a:ln>
+            <a:noFill/>
+          </a:ln>
+          <a:effectLst/>
+          <a:extLst>
+            <a:ext uri="{909E8E84-426E-40DD-AFC4-6F175D3DCCD1}">
+              <a14:hiddenFill xmlns:a14="http://schemas.microsoft.com/office/drawing/2010/main">
+                <a:solidFill>
+                  <a:schemeClr val="accent1"/>
+                </a:solidFill>
+              </a14:hiddenFill>
+            </a:ext>
+            <a:ext uri="{91240B29-F687-4F45-9708-019B960494DF}">
+              <a14:hiddenLine xmlns:a14="http://schemas.microsoft.com/office/drawing/2010/main" w="9525">
+                <a:solidFill>
+                  <a:schemeClr val="tx1"/>
+                </a:solidFill>
+                <a:miter lim="800000"/>
+                <a:headEnd/>
+                <a:tailEnd/>
+              </a14:hiddenLine>
+            </a:ext>
+            <a:ext uri="{AF507438-7753-43E0-B8FC-AC1667EBCBE1}">
+              <a14:hiddenEffects xmlns:a14="http://schemas.microsoft.com/office/drawing/2010/main">
+                <a:effectLst>
+                  <a:outerShdw dist="35921" dir="2700000" algn="ctr" rotWithShape="0">
+                    <a:schemeClr val="bg2"/>
+                  </a:outerShdw>
+                </a:effectLst>
+              </a14:hiddenEffects>
+            </a:ext>
+          </a:extLst>
+        </p:spPr>
+      </p:pic>
+      <p:pic>
+        <p:nvPicPr>
+          <p:cNvPr id="5123" name="Picture 3"/>
+          <p:cNvPicPr>
+            <a:picLocks noChangeAspect="1" noChangeArrowheads="1"/>
+          </p:cNvPicPr>
+          <p:nvPr/>
+        </p:nvPicPr>
+        <p:blipFill>
+          <a:blip r:embed="rId3">
+            <a:extLst>
+              <a:ext uri="{28A0092B-C50C-407E-A947-70E740481C1C}">
+                <a14:useLocalDpi xmlns:a14="http://schemas.microsoft.com/office/drawing/2010/main" val="0"/>
+              </a:ext>
+            </a:extLst>
+          </a:blip>
+          <a:srcRect/>
+          <a:stretch>
+            <a:fillRect/>
+          </a:stretch>
+        </p:blipFill>
+        <p:spPr bwMode="auto">
+          <a:xfrm>
+            <a:off x="4495690" y="2927193"/>
+            <a:ext cx="2869496" cy="1706914"/>
+          </a:xfrm>
+          <a:prstGeom prst="rect">
+            <a:avLst/>
+          </a:prstGeom>
+          <a:noFill/>
+          <a:ln>
+            <a:noFill/>
+          </a:ln>
+          <a:effectLst/>
+          <a:extLst>
+            <a:ext uri="{909E8E84-426E-40DD-AFC4-6F175D3DCCD1}">
+              <a14:hiddenFill xmlns:a14="http://schemas.microsoft.com/office/drawing/2010/main">
+                <a:solidFill>
+                  <a:schemeClr val="accent1"/>
+                </a:solidFill>
+              </a14:hiddenFill>
+            </a:ext>
+            <a:ext uri="{91240B29-F687-4F45-9708-019B960494DF}">
+              <a14:hiddenLine xmlns:a14="http://schemas.microsoft.com/office/drawing/2010/main" w="9525">
+                <a:solidFill>
+                  <a:schemeClr val="tx1"/>
+                </a:solidFill>
+                <a:miter lim="800000"/>
+                <a:headEnd/>
+                <a:tailEnd/>
+              </a14:hiddenLine>
+            </a:ext>
+            <a:ext uri="{AF507438-7753-43E0-B8FC-AC1667EBCBE1}">
+              <a14:hiddenEffects xmlns:a14="http://schemas.microsoft.com/office/drawing/2010/main">
+                <a:effectLst>
+                  <a:outerShdw dist="35921" dir="2700000" algn="ctr" rotWithShape="0">
+                    <a:schemeClr val="bg2"/>
+                  </a:outerShdw>
+                </a:effectLst>
+              </a14:hiddenEffects>
+            </a:ext>
+          </a:extLst>
+        </p:spPr>
+      </p:pic>
+      <p:pic>
+        <p:nvPicPr>
+          <p:cNvPr id="5126" name="Picture 6" descr="&amp;Kcy;&amp;acy;&amp;rcy;&amp;tcy;&amp;icy;&amp;ncy;&amp;kcy;&amp;icy; &amp;pcy;&amp;ocy; &amp;zcy;&amp;acy;&amp;pcy;&amp;rcy;&amp;ocy;&amp;scy;&amp;ucy; eclipselink"/>
+          <p:cNvPicPr>
+            <a:picLocks noChangeAspect="1" noChangeArrowheads="1"/>
+          </p:cNvPicPr>
+          <p:nvPr/>
+        </p:nvPicPr>
+        <p:blipFill>
+          <a:blip r:embed="rId4">
+            <a:extLst>
+              <a:ext uri="{28A0092B-C50C-407E-A947-70E740481C1C}">
+                <a14:useLocalDpi xmlns:a14="http://schemas.microsoft.com/office/drawing/2010/main" val="0"/>
+              </a:ext>
+            </a:extLst>
+          </a:blip>
+          <a:srcRect/>
+          <a:stretch>
+            <a:fillRect/>
+          </a:stretch>
+        </p:blipFill>
+        <p:spPr bwMode="auto">
+          <a:xfrm>
+            <a:off x="533018" y="5257926"/>
+            <a:ext cx="3478191" cy="1026394"/>
+          </a:xfrm>
+          <a:prstGeom prst="rect">
+            <a:avLst/>
+          </a:prstGeom>
+          <a:noFill/>
+          <a:extLst>
+            <a:ext uri="{909E8E84-426E-40DD-AFC4-6F175D3DCCD1}">
+              <a14:hiddenFill xmlns:a14="http://schemas.microsoft.com/office/drawing/2010/main">
+                <a:solidFill>
+                  <a:srgbClr val="FFFFFF"/>
+                </a:solidFill>
+              </a14:hiddenFill>
+            </a:ext>
+          </a:extLst>
+        </p:spPr>
+      </p:pic>
+      <p:pic>
+        <p:nvPicPr>
+          <p:cNvPr id="5128" name="Picture 8" descr="&amp;Kcy;&amp;acy;&amp;rcy;&amp;tcy;&amp;icy;&amp;ncy;&amp;kcy;&amp;icy; &amp;pcy;&amp;ocy; &amp;zcy;&amp;acy;&amp;pcy;&amp;rcy;&amp;ocy;&amp;scy;&amp;ucy; gwt"/>
+          <p:cNvPicPr>
+            <a:picLocks noChangeAspect="1" noChangeArrowheads="1"/>
+          </p:cNvPicPr>
+          <p:nvPr/>
+        </p:nvPicPr>
+        <p:blipFill>
+          <a:blip r:embed="rId5" cstate="print">
+            <a:extLst>
+              <a:ext uri="{28A0092B-C50C-407E-A947-70E740481C1C}">
+                <a14:useLocalDpi xmlns:a14="http://schemas.microsoft.com/office/drawing/2010/main" val="0"/>
+              </a:ext>
+            </a:extLst>
+          </a:blip>
+          <a:srcRect/>
+          <a:stretch>
+            <a:fillRect/>
+          </a:stretch>
+        </p:blipFill>
+        <p:spPr bwMode="auto">
+          <a:xfrm>
+            <a:off x="8861157" y="2743153"/>
+            <a:ext cx="2514773" cy="2514773"/>
+          </a:xfrm>
+          <a:prstGeom prst="rect">
+            <a:avLst/>
+          </a:prstGeom>
+          <a:noFill/>
+          <a:extLst>
+            <a:ext uri="{909E8E84-426E-40DD-AFC4-6F175D3DCCD1}">
+              <a14:hiddenFill xmlns:a14="http://schemas.microsoft.com/office/drawing/2010/main">
+                <a:solidFill>
+                  <a:srgbClr val="FFFFFF"/>
+                </a:solidFill>
+              </a14:hiddenFill>
+            </a:ext>
+          </a:extLst>
+        </p:spPr>
+      </p:pic>
+      <p:pic>
+        <p:nvPicPr>
+          <p:cNvPr id="5129" name="Picture 9"/>
+          <p:cNvPicPr>
+            <a:picLocks noChangeAspect="1" noChangeArrowheads="1"/>
+          </p:cNvPicPr>
+          <p:nvPr/>
+        </p:nvPicPr>
+        <p:blipFill>
+          <a:blip r:embed="rId6">
+            <a:extLst>
+              <a:ext uri="{28A0092B-C50C-407E-A947-70E740481C1C}">
+                <a14:useLocalDpi xmlns:a14="http://schemas.microsoft.com/office/drawing/2010/main" val="0"/>
+              </a:ext>
+            </a:extLst>
+          </a:blip>
+          <a:srcRect/>
+          <a:stretch>
+            <a:fillRect/>
+          </a:stretch>
+        </p:blipFill>
+        <p:spPr bwMode="auto">
+          <a:xfrm>
+            <a:off x="4500750" y="5096442"/>
+            <a:ext cx="4252794" cy="1182585"/>
+          </a:xfrm>
+          <a:prstGeom prst="rect">
+            <a:avLst/>
+          </a:prstGeom>
+          <a:noFill/>
+          <a:ln>
+            <a:noFill/>
+          </a:ln>
+          <a:effectLst/>
+          <a:extLst>
+            <a:ext uri="{909E8E84-426E-40DD-AFC4-6F175D3DCCD1}">
+              <a14:hiddenFill xmlns:a14="http://schemas.microsoft.com/office/drawing/2010/main">
+                <a:solidFill>
+                  <a:schemeClr val="accent1"/>
+                </a:solidFill>
+              </a14:hiddenFill>
+            </a:ext>
+            <a:ext uri="{91240B29-F687-4F45-9708-019B960494DF}">
+              <a14:hiddenLine xmlns:a14="http://schemas.microsoft.com/office/drawing/2010/main" w="9525">
+                <a:solidFill>
+                  <a:schemeClr val="tx1"/>
+                </a:solidFill>
+                <a:miter lim="800000"/>
+                <a:headEnd/>
+                <a:tailEnd/>
+              </a14:hiddenLine>
+            </a:ext>
+            <a:ext uri="{AF507438-7753-43E0-B8FC-AC1667EBCBE1}">
+              <a14:hiddenEffects xmlns:a14="http://schemas.microsoft.com/office/drawing/2010/main">
+                <a:effectLst>
+                  <a:outerShdw dist="35921" dir="2700000" algn="ctr" rotWithShape="0">
+                    <a:schemeClr val="bg2"/>
+                  </a:outerShdw>
+                </a:effectLst>
+              </a14:hiddenEffects>
+            </a:ext>
+          </a:extLst>
+        </p:spPr>
+      </p:pic>
     </p:spTree>
     <p:extLst>
       <p:ext uri="{BB962C8B-B14F-4D97-AF65-F5344CB8AC3E}">
-        <p14:creationId xmlns:p14="http://schemas.microsoft.com/office/powerpoint/2010/main" val="1511258507"/>
+        <p14:creationId xmlns:p14="http://schemas.microsoft.com/office/powerpoint/2010/main" val="2247695221"/>
       </p:ext>
     </p:extLst>
   </p:cSld>
@@ -9644,7 +9882,7 @@
             </a:pPr>
             <a:r>
               <a:rPr lang="ru-RU" dirty="0" smtClean="0"/>
-              <a:t>Шаг 6</a:t>
+              <a:t>Шаг 5</a:t>
             </a:r>
             <a:endParaRPr lang="ru-RU" dirty="0"/>
           </a:p>
@@ -9662,6 +9900,132 @@
         </p:nvSpPr>
         <p:spPr>
           <a:xfrm>
+            <a:off x="609601" y="2514616"/>
+            <a:ext cx="10972800" cy="2171666"/>
+          </a:xfrm>
+        </p:spPr>
+        <p:txBody>
+          <a:bodyPr/>
+          <a:lstStyle/>
+          <a:p>
+            <a:pPr marL="0" indent="0" algn="ctr">
+              <a:buNone/>
+            </a:pPr>
+            <a:r>
+              <a:rPr lang="ru-RU" sz="6350" dirty="0"/>
+              <a:t>Повышайте кругозор</a:t>
+            </a:r>
+          </a:p>
+          <a:p>
+            <a:pPr marL="0" indent="0" algn="ctr">
+              <a:buNone/>
+            </a:pPr>
+            <a:r>
+              <a:rPr lang="ru-RU" sz="2540" dirty="0"/>
+              <a:t>(XML, </a:t>
+            </a:r>
+            <a:r>
+              <a:rPr lang="ru-RU" sz="2540" dirty="0" err="1"/>
+              <a:t>SQL,Unix</a:t>
+            </a:r>
+            <a:r>
+              <a:rPr lang="ru-RU" sz="2540" dirty="0"/>
+              <a:t> </a:t>
+            </a:r>
+            <a:r>
+              <a:rPr lang="ru-RU" sz="2540" dirty="0" err="1"/>
+              <a:t>shell,HTML,JS</a:t>
+            </a:r>
+            <a:r>
+              <a:rPr lang="ru-RU" sz="2540" dirty="0"/>
+              <a:t>)</a:t>
+            </a:r>
+          </a:p>
+        </p:txBody>
+      </p:sp>
+    </p:spTree>
+    <p:extLst>
+      <p:ext uri="{BB962C8B-B14F-4D97-AF65-F5344CB8AC3E}">
+        <p14:creationId xmlns:p14="http://schemas.microsoft.com/office/powerpoint/2010/main" val="1511258507"/>
+      </p:ext>
+    </p:extLst>
+  </p:cSld>
+  <p:clrMapOvr>
+    <a:masterClrMapping/>
+  </p:clrMapOvr>
+  <mc:AlternateContent xmlns:mc="http://schemas.openxmlformats.org/markup-compatibility/2006" xmlns:p14="http://schemas.microsoft.com/office/powerpoint/2010/main">
+    <mc:Choice Requires="p14">
+      <p:transition spd="slow" p14:dur="2000"/>
+    </mc:Choice>
+    <mc:Fallback xmlns="">
+      <p:transition spd="slow"/>
+    </mc:Fallback>
+  </mc:AlternateContent>
+  <p:timing>
+    <p:tnLst>
+      <p:par>
+        <p:cTn id="1" dur="indefinite" restart="never" nodeType="tmRoot"/>
+      </p:par>
+    </p:tnLst>
+  </p:timing>
+</p:sld>
+</file>
+
+<file path=ppt/slides/slide28.xml><?xml version="1.0" encoding="utf-8"?>
+<p:sld xmlns:a="http://schemas.openxmlformats.org/drawingml/2006/main" xmlns:r="http://schemas.openxmlformats.org/officeDocument/2006/relationships" xmlns:p="http://schemas.openxmlformats.org/presentationml/2006/main">
+  <p:cSld>
+    <p:spTree>
+      <p:nvGrpSpPr>
+        <p:cNvPr id="1" name=""/>
+        <p:cNvGrpSpPr/>
+        <p:nvPr/>
+      </p:nvGrpSpPr>
+      <p:grpSpPr>
+        <a:xfrm>
+          <a:off x="0" y="0"/>
+          <a:ext cx="0" cy="0"/>
+          <a:chOff x="0" y="0"/>
+          <a:chExt cx="0" cy="0"/>
+        </a:xfrm>
+      </p:grpSpPr>
+      <p:sp>
+        <p:nvSpPr>
+          <p:cNvPr id="2" name="Название 1"/>
+          <p:cNvSpPr>
+            <a:spLocks noGrp="1"/>
+          </p:cNvSpPr>
+          <p:nvPr>
+            <p:ph type="title"/>
+          </p:nvPr>
+        </p:nvSpPr>
+        <p:spPr/>
+        <p:txBody>
+          <a:bodyPr/>
+          <a:lstStyle/>
+          <a:p>
+            <a:pPr>
+              <a:buNone/>
+            </a:pPr>
+            <a:r>
+              <a:rPr lang="ru-RU" dirty="0" smtClean="0"/>
+              <a:t>Шаг 6</a:t>
+            </a:r>
+            <a:endParaRPr lang="ru-RU" dirty="0"/>
+          </a:p>
+        </p:txBody>
+      </p:sp>
+      <p:sp>
+        <p:nvSpPr>
+          <p:cNvPr id="3" name="Содержимое 2"/>
+          <p:cNvSpPr>
+            <a:spLocks noGrp="1"/>
+          </p:cNvSpPr>
+          <p:nvPr>
+            <p:ph idx="1"/>
+          </p:nvPr>
+        </p:nvSpPr>
+        <p:spPr>
+          <a:xfrm>
             <a:off x="837839" y="1447664"/>
             <a:ext cx="10972800" cy="1435078"/>
           </a:xfrm>
@@ -9679,7 +10043,6 @@
               <a:rPr lang="ru-RU" sz="7620" dirty="0"/>
               <a:t>Практика!!!</a:t>
             </a:r>
-            <a:endParaRPr lang="ru-RU" sz="7620" dirty="0"/>
           </a:p>
         </p:txBody>
       </p:sp>
@@ -9741,7 +10104,7 @@
 </p:sld>
 </file>
 
-<file path=ppt/slides/slide28.xml><?xml version="1.0" encoding="utf-8"?>
+<file path=ppt/slides/slide29.xml><?xml version="1.0" encoding="utf-8"?>
 <p:sld xmlns:a="http://schemas.openxmlformats.org/drawingml/2006/main" xmlns:r="http://schemas.openxmlformats.org/officeDocument/2006/relationships" xmlns:p="http://schemas.openxmlformats.org/presentationml/2006/main">
   <p:cSld>
     <p:spTree>
@@ -10121,15 +10484,7 @@
                   <a:sysClr val="windowText" lastClr="000000"/>
                 </a:solidFill>
               </a:rPr>
-              <a:t>Актуальные программы </a:t>
-            </a:r>
-            <a:r>
-              <a:rPr lang="ru-RU" sz="2900" dirty="0">
-                <a:solidFill>
-                  <a:sysClr val="windowText" lastClr="000000"/>
-                </a:solidFill>
-              </a:rPr>
-              <a:t>обучения</a:t>
+              <a:t>Актуальные программы обучения</a:t>
             </a:r>
           </a:p>
           <a:p>
@@ -10159,15 +10514,7 @@
                   <a:sysClr val="windowText" lastClr="000000"/>
                 </a:solidFill>
               </a:rPr>
-              <a:t>Материально-техническая </a:t>
-            </a:r>
-            <a:r>
-              <a:rPr lang="ru-RU" sz="2900" dirty="0">
-                <a:solidFill>
-                  <a:sysClr val="windowText" lastClr="000000"/>
-                </a:solidFill>
-              </a:rPr>
-              <a:t>база</a:t>
+              <a:t>Материально-техническая база</a:t>
             </a:r>
           </a:p>
           <a:p>
@@ -10229,11 +10576,6 @@
               </a:rPr>
               <a:t>Трудоустройство</a:t>
             </a:r>
-            <a:endParaRPr lang="ru-RU" sz="2900" dirty="0">
-              <a:solidFill>
-                <a:sysClr val="windowText" lastClr="000000"/>
-              </a:solidFill>
-            </a:endParaRPr>
           </a:p>
         </p:txBody>
       </p:sp>
@@ -10241,105 +10583,6 @@
     <p:extLst>
       <p:ext uri="{BB962C8B-B14F-4D97-AF65-F5344CB8AC3E}">
         <p14:creationId xmlns:p14="http://schemas.microsoft.com/office/powerpoint/2010/main" val="4250374728"/>
-      </p:ext>
-    </p:extLst>
-  </p:cSld>
-  <p:clrMapOvr>
-    <a:masterClrMapping/>
-  </p:clrMapOvr>
-  <mc:AlternateContent xmlns:mc="http://schemas.openxmlformats.org/markup-compatibility/2006" xmlns:p14="http://schemas.microsoft.com/office/powerpoint/2010/main">
-    <mc:Choice Requires="p14">
-      <p:transition spd="slow" p14:dur="2000"/>
-    </mc:Choice>
-    <mc:Fallback xmlns="">
-      <p:transition spd="slow"/>
-    </mc:Fallback>
-  </mc:AlternateContent>
-  <p:timing>
-    <p:tnLst>
-      <p:par>
-        <p:cTn id="1" dur="indefinite" restart="never" nodeType="tmRoot"/>
-      </p:par>
-    </p:tnLst>
-  </p:timing>
-</p:sld>
-</file>
-
-<file path=ppt/slides/slide29.xml><?xml version="1.0" encoding="utf-8"?>
-<p:sld xmlns:a="http://schemas.openxmlformats.org/drawingml/2006/main" xmlns:r="http://schemas.openxmlformats.org/officeDocument/2006/relationships" xmlns:p="http://schemas.openxmlformats.org/presentationml/2006/main">
-  <p:cSld>
-    <p:spTree>
-      <p:nvGrpSpPr>
-        <p:cNvPr id="1" name=""/>
-        <p:cNvGrpSpPr/>
-        <p:nvPr/>
-      </p:nvGrpSpPr>
-      <p:grpSpPr>
-        <a:xfrm>
-          <a:off x="0" y="0"/>
-          <a:ext cx="0" cy="0"/>
-          <a:chOff x="0" y="0"/>
-          <a:chExt cx="0" cy="0"/>
-        </a:xfrm>
-      </p:grpSpPr>
-      <p:sp>
-        <p:nvSpPr>
-          <p:cNvPr id="2" name="Заголовок 1"/>
-          <p:cNvSpPr txBox="1">
-            <a:spLocks/>
-          </p:cNvSpPr>
-          <p:nvPr/>
-        </p:nvSpPr>
-        <p:spPr>
-          <a:xfrm>
-            <a:off x="479376" y="3068960"/>
-            <a:ext cx="10971955" cy="685847"/>
-          </a:xfrm>
-          <a:prstGeom prst="rect">
-            <a:avLst/>
-          </a:prstGeom>
-        </p:spPr>
-        <p:txBody>
-          <a:bodyPr/>
-          <a:lstStyle>
-            <a:lvl1pPr algn="ctr" rtl="0" hangingPunct="0">
-              <a:tabLst/>
-              <a:defRPr lang="ru-RU" sz="3770" b="0" i="0" u="none" strike="noStrike" kern="1200" cap="none">
-                <a:ln>
-                  <a:noFill/>
-                </a:ln>
-                <a:highlight>
-                  <a:scrgbClr r="0" g="0" b="0">
-                    <a:alpha val="0"/>
-                  </a:scrgbClr>
-                </a:highlight>
-                <a:latin typeface="Liberation Sans" pitchFamily="18"/>
-                <a:ea typeface="Microsoft YaHei" pitchFamily="2"/>
-                <a:cs typeface="Arial" pitchFamily="2"/>
-              </a:defRPr>
-            </a:lvl1pPr>
-          </a:lstStyle>
-          <a:p>
-            <a:r>
-              <a:rPr lang="ru-RU" sz="3990" dirty="0">
-                <a:solidFill>
-                  <a:sysClr val="windowText" lastClr="000000"/>
-                </a:solidFill>
-              </a:rPr>
-              <a:t>Спасибо за внимание</a:t>
-            </a:r>
-            <a:endParaRPr lang="en-US" sz="3990" dirty="0">
-              <a:solidFill>
-                <a:sysClr val="windowText" lastClr="000000"/>
-              </a:solidFill>
-            </a:endParaRPr>
-          </a:p>
-        </p:txBody>
-      </p:sp>
-    </p:spTree>
-    <p:extLst>
-      <p:ext uri="{BB962C8B-B14F-4D97-AF65-F5344CB8AC3E}">
-        <p14:creationId xmlns:p14="http://schemas.microsoft.com/office/powerpoint/2010/main" val="1912077620"/>
       </p:ext>
     </p:extLst>
   </p:cSld>
@@ -10553,6 +10796,105 @@
 </p:sld>
 </file>
 
+<file path=ppt/slides/slide30.xml><?xml version="1.0" encoding="utf-8"?>
+<p:sld xmlns:a="http://schemas.openxmlformats.org/drawingml/2006/main" xmlns:r="http://schemas.openxmlformats.org/officeDocument/2006/relationships" xmlns:p="http://schemas.openxmlformats.org/presentationml/2006/main">
+  <p:cSld>
+    <p:spTree>
+      <p:nvGrpSpPr>
+        <p:cNvPr id="1" name=""/>
+        <p:cNvGrpSpPr/>
+        <p:nvPr/>
+      </p:nvGrpSpPr>
+      <p:grpSpPr>
+        <a:xfrm>
+          <a:off x="0" y="0"/>
+          <a:ext cx="0" cy="0"/>
+          <a:chOff x="0" y="0"/>
+          <a:chExt cx="0" cy="0"/>
+        </a:xfrm>
+      </p:grpSpPr>
+      <p:sp>
+        <p:nvSpPr>
+          <p:cNvPr id="2" name="Заголовок 1"/>
+          <p:cNvSpPr txBox="1">
+            <a:spLocks/>
+          </p:cNvSpPr>
+          <p:nvPr/>
+        </p:nvSpPr>
+        <p:spPr>
+          <a:xfrm>
+            <a:off x="479376" y="3068960"/>
+            <a:ext cx="10971955" cy="685847"/>
+          </a:xfrm>
+          <a:prstGeom prst="rect">
+            <a:avLst/>
+          </a:prstGeom>
+        </p:spPr>
+        <p:txBody>
+          <a:bodyPr/>
+          <a:lstStyle>
+            <a:lvl1pPr algn="ctr" rtl="0" hangingPunct="0">
+              <a:tabLst/>
+              <a:defRPr lang="ru-RU" sz="3770" b="0" i="0" u="none" strike="noStrike" kern="1200" cap="none">
+                <a:ln>
+                  <a:noFill/>
+                </a:ln>
+                <a:highlight>
+                  <a:scrgbClr r="0" g="0" b="0">
+                    <a:alpha val="0"/>
+                  </a:scrgbClr>
+                </a:highlight>
+                <a:latin typeface="Liberation Sans" pitchFamily="18"/>
+                <a:ea typeface="Microsoft YaHei" pitchFamily="2"/>
+                <a:cs typeface="Arial" pitchFamily="2"/>
+              </a:defRPr>
+            </a:lvl1pPr>
+          </a:lstStyle>
+          <a:p>
+            <a:r>
+              <a:rPr lang="ru-RU" sz="3990" dirty="0">
+                <a:solidFill>
+                  <a:sysClr val="windowText" lastClr="000000"/>
+                </a:solidFill>
+              </a:rPr>
+              <a:t>Спасибо за внимание</a:t>
+            </a:r>
+            <a:endParaRPr lang="en-US" sz="3990" dirty="0">
+              <a:solidFill>
+                <a:sysClr val="windowText" lastClr="000000"/>
+              </a:solidFill>
+            </a:endParaRPr>
+          </a:p>
+        </p:txBody>
+      </p:sp>
+    </p:spTree>
+    <p:extLst>
+      <p:ext uri="{BB962C8B-B14F-4D97-AF65-F5344CB8AC3E}">
+        <p14:creationId xmlns:p14="http://schemas.microsoft.com/office/powerpoint/2010/main" val="1912077620"/>
+      </p:ext>
+    </p:extLst>
+  </p:cSld>
+  <p:clrMapOvr>
+    <a:masterClrMapping/>
+  </p:clrMapOvr>
+  <mc:AlternateContent xmlns:mc="http://schemas.openxmlformats.org/markup-compatibility/2006" xmlns:p14="http://schemas.microsoft.com/office/powerpoint/2010/main">
+    <mc:Choice Requires="p14">
+      <p:transition spd="slow" p14:dur="2000"/>
+    </mc:Choice>
+    <mc:Fallback xmlns="">
+      <p:transition spd="slow"/>
+    </mc:Fallback>
+  </mc:AlternateContent>
+  <p:timing>
+    <p:tnLst>
+      <p:par>
+        <p:cTn id="1" dur="indefinite" restart="never" nodeType="tmRoot"/>
+      </p:par>
+    </p:tnLst>
+  </p:timing>
+</p:sld>
+</file>
+
 <file path=ppt/slides/slide4.xml><?xml version="1.0" encoding="utf-8"?>
 <p:sld xmlns:a="http://schemas.openxmlformats.org/drawingml/2006/main" xmlns:r="http://schemas.openxmlformats.org/officeDocument/2006/relationships" xmlns:p="http://schemas.openxmlformats.org/presentationml/2006/main">
   <p:cSld>
@@ -10638,23 +10980,7 @@
             </a:r>
             <a:r>
               <a:rPr lang="ru-RU" sz="5100" dirty="0"/>
-              <a:t> </a:t>
-            </a:r>
-            <a:r>
-              <a:rPr lang="ru-RU" sz="5100" dirty="0"/>
-              <a:t>— </a:t>
-            </a:r>
-            <a:r>
-              <a:rPr lang="ru-RU" sz="5100" dirty="0"/>
-              <a:t>нидерландский программист, </a:t>
-            </a:r>
-            <a:r>
-              <a:rPr lang="ru-RU" sz="5100" dirty="0"/>
-              <a:t>автор </a:t>
-            </a:r>
-            <a:r>
-              <a:rPr lang="ru-RU" sz="5100" dirty="0"/>
-              <a:t>языка программирования </a:t>
+              <a:t> — нидерландский программист, автор языка программирования </a:t>
             </a:r>
             <a:r>
               <a:rPr lang="ru-RU" sz="5100" dirty="0" err="1"/>
@@ -10670,15 +10996,7 @@
             </a:r>
             <a:r>
               <a:rPr lang="ru-RU" sz="5100" dirty="0"/>
-              <a:t> Гвидо известен как «великодушный пожизненный диктатор» (BDFL) </a:t>
-            </a:r>
-            <a:r>
-              <a:rPr lang="ru-RU" sz="5100" dirty="0"/>
-              <a:t>проекта, </a:t>
-            </a:r>
-            <a:r>
-              <a:rPr lang="ru-RU" sz="5100" dirty="0"/>
-              <a:t>это означает, что он продолжает наблюдать за процессом разработки </a:t>
+              <a:t> Гвидо известен как «великодушный пожизненный диктатор» (BDFL) проекта, это означает, что он продолжает наблюдать за процессом разработки </a:t>
             </a:r>
             <a:r>
               <a:rPr lang="ru-RU" sz="5100" dirty="0" err="1"/>
@@ -10764,11 +11082,7 @@
             </a:r>
             <a:r>
               <a:rPr lang="ru-RU" sz="5100" dirty="0"/>
-              <a:t>, </a:t>
-            </a:r>
-            <a:r>
-              <a:rPr lang="ru-RU" sz="5100" dirty="0"/>
-              <a:t>покинув в декабре 2012 года корпорацию </a:t>
+              <a:t>, покинув в декабре 2012 года корпорацию </a:t>
             </a:r>
             <a:r>
               <a:rPr lang="ru-RU" sz="5100" dirty="0" err="1"/>
@@ -10794,19 +11108,7 @@
               <a:rPr lang="en-US" sz="2000" dirty="0">
                 <a:hlinkClick r:id="rId2"/>
               </a:rPr>
-              <a:t>https</a:t>
-            </a:r>
-            <a:r>
-              <a:rPr lang="en-US" sz="2000" dirty="0">
-                <a:hlinkClick r:id="rId2"/>
-              </a:rPr>
-              <a:t>://www.python.org/~guido</a:t>
-            </a:r>
-            <a:r>
-              <a:rPr lang="en-US" sz="2000" dirty="0">
-                <a:hlinkClick r:id="rId2"/>
-              </a:rPr>
-              <a:t>/</a:t>
+              <a:t>https://www.python.org/~guido/</a:t>
             </a:r>
             <a:r>
               <a:rPr lang="en-US" sz="2000" dirty="0"/>
@@ -10948,7 +11250,7 @@
       </p:grpSpPr>
       <p:sp>
         <p:nvSpPr>
-          <p:cNvPr id="2" name="Заголовок 1"/>
+          <p:cNvPr id="2" name="Title 1"/>
           <p:cNvSpPr>
             <a:spLocks noGrp="1"/>
           </p:cNvSpPr>
@@ -10956,26 +11258,14 @@
             <p:ph type="title"/>
           </p:nvPr>
         </p:nvSpPr>
-        <p:spPr>
-          <a:xfrm>
-            <a:off x="1991544" y="188641"/>
-            <a:ext cx="7499350" cy="1011237"/>
-          </a:xfrm>
-        </p:spPr>
+        <p:spPr/>
         <p:txBody>
           <a:bodyPr/>
           <a:lstStyle/>
           <a:p>
-            <a:pPr eaLnBrk="1" hangingPunct="1">
-              <a:defRPr/>
-            </a:pPr>
             <a:r>
               <a:rPr lang="ru-RU" dirty="0" smtClean="0"/>
-              <a:t>История </a:t>
-            </a:r>
-            <a:r>
-              <a:rPr lang="en-US" dirty="0" smtClean="0"/>
-              <a:t>PYTHON</a:t>
+              <a:t>Инструменты разработчика</a:t>
             </a:r>
             <a:endParaRPr lang="ru-RU" dirty="0"/>
           </a:p>
@@ -10983,7 +11273,7 @@
       </p:sp>
       <p:sp>
         <p:nvSpPr>
-          <p:cNvPr id="11267" name="Содержимое 2"/>
+          <p:cNvPr id="3" name="Content Placeholder 2"/>
           <p:cNvSpPr>
             <a:spLocks noGrp="1"/>
           </p:cNvSpPr>
@@ -10991,112 +11281,75 @@
             <p:ph idx="1"/>
           </p:nvPr>
         </p:nvSpPr>
-        <p:spPr>
-          <a:xfrm>
-            <a:off x="695400" y="1052737"/>
-            <a:ext cx="11017224" cy="5572125"/>
-          </a:xfrm>
-        </p:spPr>
-        <p:txBody>
-          <a:bodyPr>
-            <a:normAutofit/>
-          </a:bodyPr>
-          <a:lstStyle/>
-          <a:p>
-            <a:r>
-              <a:rPr lang="ru-RU" altLang="ru-RU" sz="2600" dirty="0"/>
-              <a:t>Задуман </a:t>
-            </a:r>
-            <a:r>
-              <a:rPr lang="ru-RU" altLang="ru-RU" sz="2600" dirty="0"/>
-              <a:t>как потомок языка программирования </a:t>
-            </a:r>
-            <a:r>
-              <a:rPr lang="ru-RU" altLang="ru-RU" sz="2600" dirty="0"/>
-              <a:t>ABC</a:t>
-            </a:r>
-          </a:p>
-          <a:p>
-            <a:r>
-              <a:rPr lang="ru-RU" sz="2800" dirty="0"/>
-              <a:t>Название языка произошло вовсе не от вида пресмыкающихся. Автор назвал язык в честь популярного британского комедийного телешоу 1970-х «Летающий цирк Монти </a:t>
-            </a:r>
-            <a:r>
-              <a:rPr lang="ru-RU" sz="2800" dirty="0" err="1"/>
-              <a:t>Пайтона</a:t>
-            </a:r>
-            <a:r>
-              <a:rPr lang="ru-RU" sz="2800" dirty="0"/>
-              <a:t>».</a:t>
-            </a:r>
-            <a:endParaRPr lang="en-US" altLang="ru-RU" sz="2600" dirty="0"/>
-          </a:p>
-          <a:p>
-            <a:pPr eaLnBrk="1" hangingPunct="1"/>
-            <a:r>
-              <a:rPr lang="ru-RU" altLang="ru-RU" sz="2600" dirty="0"/>
-              <a:t>Первый релиз — 1991 год</a:t>
-            </a:r>
-          </a:p>
-          <a:p>
-            <a:r>
-              <a:rPr lang="ru-RU" sz="2800" dirty="0"/>
-              <a:t>Версия </a:t>
-            </a:r>
-            <a:r>
-              <a:rPr lang="ru-RU" sz="2800" dirty="0" err="1"/>
-              <a:t>Python</a:t>
-            </a:r>
-            <a:r>
-              <a:rPr lang="ru-RU" sz="2800" dirty="0"/>
-              <a:t> 2.0 была выпущена 16 октября 2000 года и включала в себя много новых крупных функций — таких как полный сборщик мусора и поддержка </a:t>
-            </a:r>
-            <a:r>
-              <a:rPr lang="ru-RU" sz="2800" dirty="0" err="1"/>
-              <a:t>Unicode</a:t>
-            </a:r>
-            <a:r>
-              <a:rPr lang="ru-RU" sz="2800" dirty="0"/>
-              <a:t>.</a:t>
-            </a:r>
-          </a:p>
-          <a:p>
-            <a:r>
-              <a:rPr lang="ru-RU" altLang="ru-RU" sz="2600" dirty="0"/>
-              <a:t>2008 год — вышла версия 3.0, устраняющая многие недостатки, но </a:t>
-            </a:r>
-            <a:r>
-              <a:rPr lang="ru-RU" altLang="ru-RU" sz="2600" b="1" dirty="0"/>
-              <a:t>не полностью совместима </a:t>
-            </a:r>
-            <a:r>
-              <a:rPr lang="ru-RU" altLang="ru-RU" sz="2600" dirty="0"/>
-              <a:t>с 2.х</a:t>
-            </a:r>
-          </a:p>
-          <a:p>
-            <a:pPr eaLnBrk="1" hangingPunct="1"/>
-            <a:endParaRPr lang="ru-RU" altLang="ru-RU" dirty="0" smtClean="0"/>
+        <p:spPr/>
+        <p:txBody>
+          <a:bodyPr/>
+          <a:lstStyle/>
+          <a:p>
+            <a:r>
+              <a:rPr lang="en-US" dirty="0" err="1" smtClean="0"/>
+              <a:t>PyCharm</a:t>
+            </a:r>
+            <a:endParaRPr lang="en-US" dirty="0" smtClean="0"/>
+          </a:p>
+          <a:p>
+            <a:r>
+              <a:rPr lang="en-US" dirty="0" err="1" smtClean="0"/>
+              <a:t>Git</a:t>
+            </a:r>
+            <a:endParaRPr lang="en-US" dirty="0" smtClean="0"/>
+          </a:p>
+          <a:p>
+            <a:r>
+              <a:rPr lang="ru-RU" dirty="0"/>
+              <a:t>п</a:t>
+            </a:r>
+            <a:r>
+              <a:rPr lang="ru-RU" dirty="0" smtClean="0"/>
+              <a:t>рофилировщик</a:t>
+            </a:r>
+          </a:p>
+          <a:p>
+            <a:r>
+              <a:rPr lang="en-US" dirty="0" smtClean="0"/>
+              <a:t>pip </a:t>
+            </a:r>
+            <a:r>
+              <a:rPr lang="ru-RU" dirty="0" smtClean="0"/>
+              <a:t>или </a:t>
+            </a:r>
+            <a:r>
+              <a:rPr lang="en-US" dirty="0" err="1" smtClean="0"/>
+              <a:t>easy_install</a:t>
+            </a:r>
+            <a:endParaRPr lang="en-US" dirty="0" smtClean="0"/>
+          </a:p>
+          <a:p>
+            <a:r>
+              <a:rPr lang="en-US" dirty="0" err="1" smtClean="0"/>
+              <a:t>virtualenv</a:t>
+            </a:r>
+            <a:endParaRPr lang="en-US" dirty="0" smtClean="0"/>
+          </a:p>
+          <a:p>
+            <a:r>
+              <a:rPr lang="en-US" dirty="0" err="1" smtClean="0"/>
+              <a:t>docker</a:t>
+            </a:r>
+            <a:endParaRPr lang="en-US" dirty="0" smtClean="0"/>
           </a:p>
         </p:txBody>
       </p:sp>
     </p:spTree>
     <p:extLst>
       <p:ext uri="{BB962C8B-B14F-4D97-AF65-F5344CB8AC3E}">
-        <p14:creationId xmlns:p14="http://schemas.microsoft.com/office/powerpoint/2010/main" val="10133818"/>
+        <p14:creationId xmlns:p14="http://schemas.microsoft.com/office/powerpoint/2010/main" val="163723710"/>
       </p:ext>
     </p:extLst>
   </p:cSld>
   <p:clrMapOvr>
     <a:masterClrMapping/>
   </p:clrMapOvr>
-  <p:timing>
-    <p:tnLst>
-      <p:par>
-        <p:cTn id="1" dur="indefinite" restart="never" nodeType="tmRoot"/>
-      </p:par>
-    </p:tnLst>
-  </p:timing>
 </p:sld>
 </file>
 
@@ -11129,8 +11382,8 @@
         </p:nvSpPr>
         <p:spPr>
           <a:xfrm>
-            <a:off x="2567608" y="148"/>
-            <a:ext cx="7499350" cy="1000125"/>
+            <a:off x="1991544" y="188641"/>
+            <a:ext cx="7499350" cy="1011237"/>
           </a:xfrm>
         </p:spPr>
         <p:txBody>
@@ -11142,31 +11395,19 @@
             </a:pPr>
             <a:r>
               <a:rPr lang="ru-RU" dirty="0" smtClean="0"/>
-              <a:t>Философия </a:t>
+              <a:t>История </a:t>
             </a:r>
             <a:r>
               <a:rPr lang="en-US" dirty="0" smtClean="0"/>
               <a:t>PYTHON</a:t>
             </a:r>
-            <a:r>
-              <a:rPr lang="ru-RU" dirty="0" smtClean="0"/>
-              <a:t> </a:t>
-            </a:r>
-            <a:r>
-              <a:rPr lang="ru-RU" sz="3000" dirty="0"/>
-              <a:t>(</a:t>
-            </a:r>
-            <a:r>
-              <a:rPr lang="en-US" sz="3000" dirty="0"/>
-              <a:t>import this)</a:t>
-            </a:r>
-            <a:endParaRPr lang="ru-RU" sz="3000" dirty="0"/>
-          </a:p>
-        </p:txBody>
-      </p:sp>
-      <p:sp>
-        <p:nvSpPr>
-          <p:cNvPr id="10243" name="Содержимое 2"/>
+            <a:endParaRPr lang="ru-RU" dirty="0"/>
+          </a:p>
+        </p:txBody>
+      </p:sp>
+      <p:sp>
+        <p:nvSpPr>
+          <p:cNvPr id="11267" name="Содержимое 2"/>
           <p:cNvSpPr>
             <a:spLocks noGrp="1"/>
           </p:cNvSpPr>
@@ -11176,8 +11417,8 @@
         </p:nvSpPr>
         <p:spPr>
           <a:xfrm>
-            <a:off x="839416" y="923008"/>
-            <a:ext cx="10297144" cy="5929312"/>
+            <a:off x="695400" y="1052737"/>
+            <a:ext cx="11017224" cy="5572125"/>
           </a:xfrm>
         </p:spPr>
         <p:txBody>
@@ -11186,113 +11427,67 @@
           </a:bodyPr>
           <a:lstStyle/>
           <a:p>
+            <a:r>
+              <a:rPr lang="ru-RU" altLang="ru-RU" sz="2600" dirty="0"/>
+              <a:t>Задуман как потомок языка программирования ABC</a:t>
+            </a:r>
+          </a:p>
+          <a:p>
+            <a:r>
+              <a:rPr lang="ru-RU" sz="2800" dirty="0"/>
+              <a:t>Название языка произошло вовсе не от вида пресмыкающихся. Автор назвал язык в честь популярного британского комедийного телешоу 1970-х «Летающий цирк Монти </a:t>
+            </a:r>
+            <a:r>
+              <a:rPr lang="ru-RU" sz="2800" dirty="0" err="1"/>
+              <a:t>Пайтона</a:t>
+            </a:r>
+            <a:r>
+              <a:rPr lang="ru-RU" sz="2800" dirty="0"/>
+              <a:t>».</a:t>
+            </a:r>
+            <a:endParaRPr lang="en-US" altLang="ru-RU" sz="2600" dirty="0"/>
+          </a:p>
+          <a:p>
             <a:pPr eaLnBrk="1" hangingPunct="1"/>
             <a:r>
-              <a:rPr lang="ru-RU" altLang="ru-RU" sz="2600" i="1" dirty="0"/>
-              <a:t>Красивое лучше, чем уродливое.</a:t>
-            </a:r>
-            <a:r>
               <a:rPr lang="ru-RU" altLang="ru-RU" sz="2600" dirty="0"/>
-              <a:t> </a:t>
-            </a:r>
-          </a:p>
-          <a:p>
-            <a:pPr eaLnBrk="1" hangingPunct="1"/>
-            <a:r>
-              <a:rPr lang="ru-RU" altLang="ru-RU" sz="2600" i="1" dirty="0"/>
-              <a:t>Явное лучше, чем неявное.</a:t>
-            </a:r>
+              <a:t>Первый релиз — 1991 год</a:t>
+            </a:r>
+          </a:p>
+          <a:p>
+            <a:r>
+              <a:rPr lang="ru-RU" sz="2800" dirty="0"/>
+              <a:t>Версия </a:t>
+            </a:r>
+            <a:r>
+              <a:rPr lang="ru-RU" sz="2800" dirty="0" err="1"/>
+              <a:t>Python</a:t>
+            </a:r>
+            <a:r>
+              <a:rPr lang="ru-RU" sz="2800" dirty="0"/>
+              <a:t> 2.0 была выпущена 16 октября 2000 года и включала в себя много новых крупных функций — таких как полный сборщик мусора и поддержка </a:t>
+            </a:r>
+            <a:r>
+              <a:rPr lang="ru-RU" sz="2800" dirty="0" err="1"/>
+              <a:t>Unicode</a:t>
+            </a:r>
+            <a:r>
+              <a:rPr lang="ru-RU" sz="2800" dirty="0"/>
+              <a:t>.</a:t>
+            </a:r>
+          </a:p>
+          <a:p>
             <a:r>
               <a:rPr lang="ru-RU" altLang="ru-RU" sz="2600" dirty="0"/>
-              <a:t> </a:t>
-            </a:r>
-          </a:p>
-          <a:p>
-            <a:pPr eaLnBrk="1" hangingPunct="1"/>
-            <a:r>
-              <a:rPr lang="ru-RU" altLang="ru-RU" sz="2600" i="1" dirty="0"/>
-              <a:t>Простое лучше, чем сложное.</a:t>
+              <a:t>2008 год — вышла версия 3.0, устраняющая многие недостатки, но </a:t>
+            </a:r>
+            <a:r>
+              <a:rPr lang="ru-RU" altLang="ru-RU" sz="2600" b="1" dirty="0"/>
+              <a:t>не полностью совместима </a:t>
             </a:r>
             <a:r>
               <a:rPr lang="ru-RU" altLang="ru-RU" sz="2600" dirty="0"/>
-              <a:t> </a:t>
-            </a:r>
-          </a:p>
-          <a:p>
-            <a:pPr eaLnBrk="1" hangingPunct="1"/>
-            <a:r>
-              <a:rPr lang="ru-RU" altLang="ru-RU" sz="2600" i="1" dirty="0"/>
-              <a:t>Сложное лучше, чем запутанное.</a:t>
-            </a:r>
-            <a:r>
-              <a:rPr lang="ru-RU" altLang="ru-RU" sz="2600" dirty="0"/>
-              <a:t> </a:t>
-            </a:r>
-          </a:p>
-          <a:p>
-            <a:pPr eaLnBrk="1" hangingPunct="1"/>
-            <a:r>
-              <a:rPr lang="ru-RU" altLang="ru-RU" sz="2600" i="1" dirty="0"/>
-              <a:t>Плоское лучше, чем вложенное.</a:t>
-            </a:r>
-            <a:r>
-              <a:rPr lang="ru-RU" altLang="ru-RU" sz="2600" dirty="0"/>
-              <a:t> </a:t>
-            </a:r>
-          </a:p>
-          <a:p>
-            <a:pPr eaLnBrk="1" hangingPunct="1"/>
-            <a:r>
-              <a:rPr lang="ru-RU" altLang="ru-RU" sz="2600" i="1" dirty="0"/>
-              <a:t>Разреженное лучше, чем плотное.</a:t>
-            </a:r>
-            <a:r>
-              <a:rPr lang="ru-RU" altLang="ru-RU" sz="2600" dirty="0"/>
-              <a:t> </a:t>
-            </a:r>
-          </a:p>
-          <a:p>
-            <a:pPr eaLnBrk="1" hangingPunct="1"/>
-            <a:r>
-              <a:rPr lang="ru-RU" altLang="ru-RU" sz="2600" i="1" dirty="0"/>
-              <a:t>Читаемость имеет значение.</a:t>
-            </a:r>
-            <a:r>
-              <a:rPr lang="ru-RU" altLang="ru-RU" sz="2600" dirty="0"/>
-              <a:t> </a:t>
-            </a:r>
-          </a:p>
-          <a:p>
-            <a:pPr eaLnBrk="1" hangingPunct="1"/>
-            <a:r>
-              <a:rPr lang="ru-RU" altLang="ru-RU" sz="2600" i="1" dirty="0"/>
-              <a:t>Особые случаи не настолько особые, чтобы нарушать правила.</a:t>
-            </a:r>
-            <a:r>
-              <a:rPr lang="ru-RU" altLang="ru-RU" sz="2600" dirty="0"/>
-              <a:t> </a:t>
-            </a:r>
-          </a:p>
-          <a:p>
-            <a:pPr eaLnBrk="1" hangingPunct="1"/>
-            <a:r>
-              <a:rPr lang="ru-RU" altLang="ru-RU" sz="2600" i="1" dirty="0"/>
-              <a:t>Должен существовать один — и, желательно, только один — очевидный способ сделать это.</a:t>
-            </a:r>
-            <a:r>
-              <a:rPr lang="ru-RU" altLang="ru-RU" sz="2600" dirty="0"/>
-              <a:t> </a:t>
-            </a:r>
-          </a:p>
-          <a:p>
-            <a:pPr eaLnBrk="1" hangingPunct="1"/>
-            <a:r>
-              <a:rPr lang="ru-RU" altLang="ru-RU" sz="2600" i="1" dirty="0"/>
-              <a:t>Если реализацию сложно объяснить — идея плоха.</a:t>
-            </a:r>
-            <a:r>
-              <a:rPr lang="ru-RU" altLang="ru-RU" sz="2600" dirty="0"/>
-              <a:t> </a:t>
+              <a:t>с 2.х</a:t>
             </a:r>
           </a:p>
           <a:p>
@@ -11304,7 +11499,7 @@
     </p:spTree>
     <p:extLst>
       <p:ext uri="{BB962C8B-B14F-4D97-AF65-F5344CB8AC3E}">
-        <p14:creationId xmlns:p14="http://schemas.microsoft.com/office/powerpoint/2010/main" val="606129071"/>
+        <p14:creationId xmlns:p14="http://schemas.microsoft.com/office/powerpoint/2010/main" val="10133818"/>
       </p:ext>
     </p:extLst>
   </p:cSld>
@@ -11348,6 +11543,227 @@
             <p:ph type="title"/>
           </p:nvPr>
         </p:nvSpPr>
+        <p:spPr>
+          <a:xfrm>
+            <a:off x="2567608" y="148"/>
+            <a:ext cx="7499350" cy="1000125"/>
+          </a:xfrm>
+        </p:spPr>
+        <p:txBody>
+          <a:bodyPr/>
+          <a:lstStyle/>
+          <a:p>
+            <a:pPr eaLnBrk="1" hangingPunct="1">
+              <a:defRPr/>
+            </a:pPr>
+            <a:r>
+              <a:rPr lang="ru-RU" dirty="0" smtClean="0"/>
+              <a:t>Философия </a:t>
+            </a:r>
+            <a:r>
+              <a:rPr lang="en-US" dirty="0" smtClean="0"/>
+              <a:t>PYTHON</a:t>
+            </a:r>
+            <a:r>
+              <a:rPr lang="ru-RU" dirty="0" smtClean="0"/>
+              <a:t> </a:t>
+            </a:r>
+            <a:r>
+              <a:rPr lang="ru-RU" sz="3000" dirty="0"/>
+              <a:t>(</a:t>
+            </a:r>
+            <a:r>
+              <a:rPr lang="en-US" sz="3000" dirty="0"/>
+              <a:t>import this)</a:t>
+            </a:r>
+            <a:endParaRPr lang="ru-RU" sz="3000" dirty="0"/>
+          </a:p>
+        </p:txBody>
+      </p:sp>
+      <p:sp>
+        <p:nvSpPr>
+          <p:cNvPr id="10243" name="Содержимое 2"/>
+          <p:cNvSpPr>
+            <a:spLocks noGrp="1"/>
+          </p:cNvSpPr>
+          <p:nvPr>
+            <p:ph idx="1"/>
+          </p:nvPr>
+        </p:nvSpPr>
+        <p:spPr>
+          <a:xfrm>
+            <a:off x="839416" y="923008"/>
+            <a:ext cx="10297144" cy="5929312"/>
+          </a:xfrm>
+        </p:spPr>
+        <p:txBody>
+          <a:bodyPr>
+            <a:normAutofit/>
+          </a:bodyPr>
+          <a:lstStyle/>
+          <a:p>
+            <a:pPr eaLnBrk="1" hangingPunct="1"/>
+            <a:r>
+              <a:rPr lang="ru-RU" altLang="ru-RU" sz="2600" i="1" dirty="0"/>
+              <a:t>Красивое лучше, чем уродливое.</a:t>
+            </a:r>
+            <a:r>
+              <a:rPr lang="ru-RU" altLang="ru-RU" sz="2600" dirty="0"/>
+              <a:t> </a:t>
+            </a:r>
+          </a:p>
+          <a:p>
+            <a:pPr eaLnBrk="1" hangingPunct="1"/>
+            <a:r>
+              <a:rPr lang="ru-RU" altLang="ru-RU" sz="2600" i="1" dirty="0"/>
+              <a:t>Явное лучше, чем неявное.</a:t>
+            </a:r>
+            <a:r>
+              <a:rPr lang="ru-RU" altLang="ru-RU" sz="2600" dirty="0"/>
+              <a:t> </a:t>
+            </a:r>
+          </a:p>
+          <a:p>
+            <a:pPr eaLnBrk="1" hangingPunct="1"/>
+            <a:r>
+              <a:rPr lang="ru-RU" altLang="ru-RU" sz="2600" i="1" dirty="0"/>
+              <a:t>Простое лучше, чем сложное.</a:t>
+            </a:r>
+            <a:r>
+              <a:rPr lang="ru-RU" altLang="ru-RU" sz="2600" dirty="0"/>
+              <a:t> </a:t>
+            </a:r>
+          </a:p>
+          <a:p>
+            <a:pPr eaLnBrk="1" hangingPunct="1"/>
+            <a:r>
+              <a:rPr lang="ru-RU" altLang="ru-RU" sz="2600" i="1" dirty="0"/>
+              <a:t>Сложное лучше, чем запутанное.</a:t>
+            </a:r>
+            <a:r>
+              <a:rPr lang="ru-RU" altLang="ru-RU" sz="2600" dirty="0"/>
+              <a:t> </a:t>
+            </a:r>
+          </a:p>
+          <a:p>
+            <a:pPr eaLnBrk="1" hangingPunct="1"/>
+            <a:r>
+              <a:rPr lang="ru-RU" altLang="ru-RU" sz="2600" i="1" dirty="0"/>
+              <a:t>Плоское лучше, чем вложенное.</a:t>
+            </a:r>
+            <a:r>
+              <a:rPr lang="ru-RU" altLang="ru-RU" sz="2600" dirty="0"/>
+              <a:t> </a:t>
+            </a:r>
+          </a:p>
+          <a:p>
+            <a:pPr eaLnBrk="1" hangingPunct="1"/>
+            <a:r>
+              <a:rPr lang="ru-RU" altLang="ru-RU" sz="2600" i="1" dirty="0"/>
+              <a:t>Разреженное лучше, чем плотное.</a:t>
+            </a:r>
+            <a:r>
+              <a:rPr lang="ru-RU" altLang="ru-RU" sz="2600" dirty="0"/>
+              <a:t> </a:t>
+            </a:r>
+          </a:p>
+          <a:p>
+            <a:pPr eaLnBrk="1" hangingPunct="1"/>
+            <a:r>
+              <a:rPr lang="ru-RU" altLang="ru-RU" sz="2600" i="1" dirty="0"/>
+              <a:t>Читаемость имеет значение.</a:t>
+            </a:r>
+            <a:r>
+              <a:rPr lang="ru-RU" altLang="ru-RU" sz="2600" dirty="0"/>
+              <a:t> </a:t>
+            </a:r>
+          </a:p>
+          <a:p>
+            <a:pPr eaLnBrk="1" hangingPunct="1"/>
+            <a:r>
+              <a:rPr lang="ru-RU" altLang="ru-RU" sz="2600" i="1" dirty="0"/>
+              <a:t>Особые случаи не настолько особые, чтобы нарушать правила.</a:t>
+            </a:r>
+            <a:r>
+              <a:rPr lang="ru-RU" altLang="ru-RU" sz="2600" dirty="0"/>
+              <a:t> </a:t>
+            </a:r>
+          </a:p>
+          <a:p>
+            <a:pPr eaLnBrk="1" hangingPunct="1"/>
+            <a:r>
+              <a:rPr lang="ru-RU" altLang="ru-RU" sz="2600" i="1" dirty="0"/>
+              <a:t>Должен существовать один — и, желательно, только один — очевидный способ сделать это.</a:t>
+            </a:r>
+            <a:r>
+              <a:rPr lang="ru-RU" altLang="ru-RU" sz="2600" dirty="0"/>
+              <a:t> </a:t>
+            </a:r>
+          </a:p>
+          <a:p>
+            <a:pPr eaLnBrk="1" hangingPunct="1"/>
+            <a:r>
+              <a:rPr lang="ru-RU" altLang="ru-RU" sz="2600" i="1" dirty="0"/>
+              <a:t>Если реализацию сложно объяснить — идея плоха.</a:t>
+            </a:r>
+            <a:r>
+              <a:rPr lang="ru-RU" altLang="ru-RU" sz="2600" dirty="0"/>
+              <a:t> </a:t>
+            </a:r>
+          </a:p>
+          <a:p>
+            <a:pPr eaLnBrk="1" hangingPunct="1"/>
+            <a:endParaRPr lang="ru-RU" altLang="ru-RU" dirty="0" smtClean="0"/>
+          </a:p>
+        </p:txBody>
+      </p:sp>
+    </p:spTree>
+    <p:extLst>
+      <p:ext uri="{BB962C8B-B14F-4D97-AF65-F5344CB8AC3E}">
+        <p14:creationId xmlns:p14="http://schemas.microsoft.com/office/powerpoint/2010/main" val="606129071"/>
+      </p:ext>
+    </p:extLst>
+  </p:cSld>
+  <p:clrMapOvr>
+    <a:masterClrMapping/>
+  </p:clrMapOvr>
+  <p:timing>
+    <p:tnLst>
+      <p:par>
+        <p:cTn id="1" dur="indefinite" restart="never" nodeType="tmRoot"/>
+      </p:par>
+    </p:tnLst>
+  </p:timing>
+</p:sld>
+</file>
+
+<file path=ppt/slides/slide8.xml><?xml version="1.0" encoding="utf-8"?>
+<p:sld xmlns:a="http://schemas.openxmlformats.org/drawingml/2006/main" xmlns:r="http://schemas.openxmlformats.org/officeDocument/2006/relationships" xmlns:p="http://schemas.openxmlformats.org/presentationml/2006/main">
+  <p:cSld>
+    <p:spTree>
+      <p:nvGrpSpPr>
+        <p:cNvPr id="1" name=""/>
+        <p:cNvGrpSpPr/>
+        <p:nvPr/>
+      </p:nvGrpSpPr>
+      <p:grpSpPr>
+        <a:xfrm>
+          <a:off x="0" y="0"/>
+          <a:ext cx="0" cy="0"/>
+          <a:chOff x="0" y="0"/>
+          <a:chExt cx="0" cy="0"/>
+        </a:xfrm>
+      </p:grpSpPr>
+      <p:sp>
+        <p:nvSpPr>
+          <p:cNvPr id="2" name="Заголовок 1"/>
+          <p:cNvSpPr>
+            <a:spLocks noGrp="1"/>
+          </p:cNvSpPr>
+          <p:nvPr>
+            <p:ph type="title"/>
+          </p:nvPr>
+        </p:nvSpPr>
         <p:spPr/>
         <p:txBody>
           <a:bodyPr/>
@@ -11901,240 +12317,6 @@
   <p:clrMapOvr>
     <a:masterClrMapping/>
   </p:clrMapOvr>
-  <p:timing>
-    <p:tnLst>
-      <p:par>
-        <p:cTn id="1" dur="indefinite" restart="never" nodeType="tmRoot"/>
-      </p:par>
-    </p:tnLst>
-  </p:timing>
-</p:sld>
-</file>
-
-<file path=ppt/slides/slide8.xml><?xml version="1.0" encoding="utf-8"?>
-<p:sld xmlns:a="http://schemas.openxmlformats.org/drawingml/2006/main" xmlns:r="http://schemas.openxmlformats.org/officeDocument/2006/relationships" xmlns:p="http://schemas.openxmlformats.org/presentationml/2006/main" show="0">
-  <p:cSld>
-    <p:spTree>
-      <p:nvGrpSpPr>
-        <p:cNvPr id="1" name=""/>
-        <p:cNvGrpSpPr/>
-        <p:nvPr/>
-      </p:nvGrpSpPr>
-      <p:grpSpPr>
-        <a:xfrm>
-          <a:off x="0" y="0"/>
-          <a:ext cx="0" cy="0"/>
-          <a:chOff x="0" y="0"/>
-          <a:chExt cx="0" cy="0"/>
-        </a:xfrm>
-      </p:grpSpPr>
-      <p:sp>
-        <p:nvSpPr>
-          <p:cNvPr id="59394" name="Rectangle 2"/>
-          <p:cNvSpPr>
-            <a:spLocks noGrp="1" noChangeArrowheads="1"/>
-          </p:cNvSpPr>
-          <p:nvPr>
-            <p:ph type="title"/>
-          </p:nvPr>
-        </p:nvSpPr>
-        <p:spPr>
-          <a:xfrm>
-            <a:off x="2438400" y="152400"/>
-            <a:ext cx="7772400" cy="1143000"/>
-          </a:xfrm>
-        </p:spPr>
-        <p:txBody>
-          <a:bodyPr>
-            <a:normAutofit fontScale="90000"/>
-          </a:bodyPr>
-          <a:lstStyle/>
-          <a:p>
-            <a:pPr algn="ctr"/>
-            <a:r>
-              <a:rPr lang="ru-RU" altLang="ru-RU" sz="3600"/>
-              <a:t>Примеры проектов реализованных на </a:t>
-            </a:r>
-            <a:r>
-              <a:rPr lang="en-US" altLang="ru-RU" sz="3600"/>
-              <a:t>Python</a:t>
-            </a:r>
-            <a:r>
-              <a:rPr lang="ru-RU" altLang="ru-RU" sz="3600"/>
-              <a:t>.</a:t>
-            </a:r>
-            <a:br>
-              <a:rPr lang="ru-RU" altLang="ru-RU" sz="3600"/>
-            </a:br>
-            <a:r>
-              <a:rPr lang="ru-RU" altLang="ru-RU" sz="3600"/>
-              <a:t>Компании использующие </a:t>
-            </a:r>
-            <a:r>
-              <a:rPr lang="en-US" altLang="ru-RU" sz="3600"/>
-              <a:t>Python</a:t>
-            </a:r>
-            <a:r>
-              <a:rPr lang="ru-RU" altLang="ru-RU" sz="2400"/>
-              <a:t>.</a:t>
-            </a:r>
-          </a:p>
-        </p:txBody>
-      </p:sp>
-      <p:sp>
-        <p:nvSpPr>
-          <p:cNvPr id="59395" name="Rectangle 3"/>
-          <p:cNvSpPr>
-            <a:spLocks noGrp="1" noChangeArrowheads="1"/>
-          </p:cNvSpPr>
-          <p:nvPr>
-            <p:ph type="body" idx="1"/>
-          </p:nvPr>
-        </p:nvSpPr>
-        <p:spPr/>
-        <p:txBody>
-          <a:bodyPr/>
-          <a:lstStyle/>
-          <a:p>
-            <a:pPr marL="533400" indent="-533400">
-              <a:buNone/>
-            </a:pPr>
-            <a:r>
-              <a:rPr lang="ru-RU" altLang="ru-RU" sz="2400">
-                <a:latin typeface="Times New Roman" pitchFamily="18" charset="0"/>
-              </a:rPr>
-              <a:t>Проекты реализованные на </a:t>
-            </a:r>
-            <a:r>
-              <a:rPr lang="en-US" altLang="ru-RU" sz="2400">
-                <a:latin typeface="Times New Roman" pitchFamily="18" charset="0"/>
-              </a:rPr>
-              <a:t>Python:</a:t>
-            </a:r>
-            <a:endParaRPr lang="ru-RU" altLang="ru-RU" sz="2400">
-              <a:latin typeface="Times New Roman" pitchFamily="18" charset="0"/>
-            </a:endParaRPr>
-          </a:p>
-          <a:p>
-            <a:pPr marL="533400" indent="-533400"/>
-            <a:r>
-              <a:rPr lang="en-US" altLang="ru-RU" sz="2400">
-                <a:latin typeface="Times New Roman" pitchFamily="18" charset="0"/>
-              </a:rPr>
-              <a:t>BitTorrent – </a:t>
-            </a:r>
-            <a:r>
-              <a:rPr lang="ru-RU" altLang="ru-RU" sz="2400">
-                <a:latin typeface="Times New Roman" pitchFamily="18" charset="0"/>
-              </a:rPr>
-              <a:t>первый клиент-сервер для популярного файлообменных сетей;</a:t>
-            </a:r>
-          </a:p>
-          <a:p>
-            <a:pPr marL="533400" indent="-533400"/>
-            <a:r>
-              <a:rPr lang="en-US" altLang="ru-RU" sz="2400">
-                <a:latin typeface="Times New Roman" pitchFamily="18" charset="0"/>
-              </a:rPr>
-              <a:t>Civilization IV</a:t>
-            </a:r>
-            <a:r>
-              <a:rPr lang="ru-RU" altLang="ru-RU" sz="2400">
-                <a:latin typeface="Times New Roman" pitchFamily="18" charset="0"/>
-              </a:rPr>
-              <a:t> – популярная стратегическая игра, в которой </a:t>
-            </a:r>
-            <a:r>
-              <a:rPr lang="en-US" altLang="ru-RU" sz="2400">
-                <a:latin typeface="Times New Roman" pitchFamily="18" charset="0"/>
-              </a:rPr>
-              <a:t>Python </a:t>
-            </a:r>
-            <a:r>
-              <a:rPr lang="ru-RU" altLang="ru-RU" sz="2400">
-                <a:latin typeface="Times New Roman" pitchFamily="18" charset="0"/>
-              </a:rPr>
-              <a:t>используется как скриптовой язык</a:t>
-            </a:r>
-            <a:r>
-              <a:rPr lang="en-US" altLang="ru-RU" sz="2400">
-                <a:latin typeface="Times New Roman" pitchFamily="18" charset="0"/>
-              </a:rPr>
-              <a:t> </a:t>
-            </a:r>
-          </a:p>
-          <a:p>
-            <a:pPr marL="533400" indent="-533400">
-              <a:buNone/>
-            </a:pPr>
-            <a:r>
-              <a:rPr lang="ru-RU" altLang="ru-RU" sz="2400">
-                <a:latin typeface="Times New Roman" pitchFamily="18" charset="0"/>
-              </a:rPr>
-              <a:t>Компании использующие </a:t>
-            </a:r>
-            <a:r>
-              <a:rPr lang="en-US" altLang="ru-RU" sz="2400">
-                <a:latin typeface="Times New Roman" pitchFamily="18" charset="0"/>
-              </a:rPr>
-              <a:t>Python:</a:t>
-            </a:r>
-          </a:p>
-          <a:p>
-            <a:pPr marL="533400" indent="-533400"/>
-            <a:r>
-              <a:rPr lang="en-US" altLang="ru-RU" sz="2400">
-                <a:latin typeface="Times New Roman" pitchFamily="18" charset="0"/>
-              </a:rPr>
-              <a:t>Dream Works</a:t>
-            </a:r>
-          </a:p>
-          <a:p>
-            <a:pPr marL="533400" indent="-533400"/>
-            <a:r>
-              <a:rPr lang="en-US" altLang="ru-RU" sz="2400">
-                <a:latin typeface="Times New Roman" pitchFamily="18" charset="0"/>
-              </a:rPr>
-              <a:t>Nokia</a:t>
-            </a:r>
-          </a:p>
-          <a:p>
-            <a:pPr marL="533400" indent="-533400"/>
-            <a:r>
-              <a:rPr lang="en-US" altLang="ru-RU" sz="2400">
-                <a:latin typeface="Times New Roman" pitchFamily="18" charset="0"/>
-              </a:rPr>
-              <a:t>Firaxis Games</a:t>
-            </a:r>
-          </a:p>
-          <a:p>
-            <a:pPr marL="533400" indent="-533400">
-              <a:buNone/>
-            </a:pPr>
-            <a:endParaRPr lang="ru-RU" altLang="ru-RU" sz="2400">
-              <a:latin typeface="Times New Roman" pitchFamily="18" charset="0"/>
-            </a:endParaRPr>
-          </a:p>
-        </p:txBody>
-      </p:sp>
-    </p:spTree>
-    <p:extLst>
-      <p:ext uri="{BB962C8B-B14F-4D97-AF65-F5344CB8AC3E}">
-        <p14:creationId xmlns:p14="http://schemas.microsoft.com/office/powerpoint/2010/main" val="4137246831"/>
-      </p:ext>
-    </p:extLst>
-  </p:cSld>
-  <p:clrMapOvr>
-    <a:masterClrMapping/>
-  </p:clrMapOvr>
-  <mc:AlternateContent xmlns:mc="http://schemas.openxmlformats.org/markup-compatibility/2006" xmlns:p14="http://schemas.microsoft.com/office/powerpoint/2010/main">
-    <mc:Choice Requires="p14">
-      <p:transition spd="slow" p14:dur="2000"/>
-    </mc:Choice>
-    <mc:Fallback xmlns="">
-      <p:transition spd="slow"/>
-    </mc:Fallback>
-  </mc:AlternateContent>
   <p:timing>
     <p:tnLst>
       <p:par>
@@ -12164,338 +12346,197 @@
       </p:grpSpPr>
       <p:sp>
         <p:nvSpPr>
-          <p:cNvPr id="2" name="Заголовок 1"/>
-          <p:cNvSpPr>
-            <a:spLocks noGrp="1"/>
+          <p:cNvPr id="59394" name="Rectangle 2"/>
+          <p:cNvSpPr>
+            <a:spLocks noGrp="1" noChangeArrowheads="1"/>
           </p:cNvSpPr>
           <p:nvPr>
             <p:ph type="title"/>
           </p:nvPr>
         </p:nvSpPr>
+        <p:spPr>
+          <a:xfrm>
+            <a:off x="2438400" y="152400"/>
+            <a:ext cx="7772400" cy="1143000"/>
+          </a:xfrm>
+        </p:spPr>
+        <p:txBody>
+          <a:bodyPr>
+            <a:normAutofit fontScale="90000"/>
+          </a:bodyPr>
+          <a:lstStyle/>
+          <a:p>
+            <a:pPr algn="ctr"/>
+            <a:r>
+              <a:rPr lang="ru-RU" altLang="ru-RU" sz="3600"/>
+              <a:t>Примеры проектов реализованных на </a:t>
+            </a:r>
+            <a:r>
+              <a:rPr lang="en-US" altLang="ru-RU" sz="3600"/>
+              <a:t>Python</a:t>
+            </a:r>
+            <a:r>
+              <a:rPr lang="ru-RU" altLang="ru-RU" sz="3600"/>
+              <a:t>.</a:t>
+            </a:r>
+            <a:br>
+              <a:rPr lang="ru-RU" altLang="ru-RU" sz="3600"/>
+            </a:br>
+            <a:r>
+              <a:rPr lang="ru-RU" altLang="ru-RU" sz="3600"/>
+              <a:t>Компании использующие </a:t>
+            </a:r>
+            <a:r>
+              <a:rPr lang="en-US" altLang="ru-RU" sz="3600"/>
+              <a:t>Python</a:t>
+            </a:r>
+            <a:r>
+              <a:rPr lang="ru-RU" altLang="ru-RU" sz="2400"/>
+              <a:t>.</a:t>
+            </a:r>
+          </a:p>
+        </p:txBody>
+      </p:sp>
+      <p:sp>
+        <p:nvSpPr>
+          <p:cNvPr id="59395" name="Rectangle 3"/>
+          <p:cNvSpPr>
+            <a:spLocks noGrp="1" noChangeArrowheads="1"/>
+          </p:cNvSpPr>
+          <p:nvPr>
+            <p:ph type="body" idx="1"/>
+          </p:nvPr>
+        </p:nvSpPr>
         <p:spPr/>
         <p:txBody>
-          <a:bodyPr>
-            <a:normAutofit/>
-          </a:bodyPr>
-          <a:lstStyle/>
-          <a:p>
-            <a:r>
-              <a:rPr lang="ru-RU" dirty="0" smtClean="0"/>
-              <a:t>Вот примеры использования </a:t>
-            </a:r>
-            <a:r>
-              <a:rPr lang="ru-RU" dirty="0" err="1" smtClean="0"/>
-              <a:t>Python</a:t>
-            </a:r>
-            <a:r>
-              <a:rPr lang="ru-RU" dirty="0" smtClean="0"/>
-              <a:t>:</a:t>
-            </a:r>
-            <a:endParaRPr lang="ru-RU" dirty="0"/>
-          </a:p>
-        </p:txBody>
-      </p:sp>
-      <p:sp>
-        <p:nvSpPr>
-          <p:cNvPr id="3" name="Объект 2"/>
-          <p:cNvSpPr>
-            <a:spLocks noGrp="1"/>
-          </p:cNvSpPr>
-          <p:nvPr>
-            <p:ph idx="1"/>
-          </p:nvPr>
-        </p:nvSpPr>
-        <p:spPr/>
-        <p:txBody>
-          <a:bodyPr>
-            <a:normAutofit fontScale="62500" lnSpcReduction="20000"/>
-          </a:bodyPr>
-          <a:lstStyle/>
-          <a:p>
-            <a:endParaRPr lang="ru-RU" dirty="0" smtClean="0"/>
-          </a:p>
-          <a:p>
-            <a:r>
-              <a:rPr lang="ru-RU" dirty="0" smtClean="0"/>
-              <a:t>Компания </a:t>
-            </a:r>
-            <a:r>
-              <a:rPr lang="ru-RU" dirty="0" err="1" smtClean="0"/>
-              <a:t>Google</a:t>
-            </a:r>
-            <a:r>
-              <a:rPr lang="ru-RU" dirty="0" smtClean="0"/>
-              <a:t> использует </a:t>
-            </a:r>
-            <a:r>
-              <a:rPr lang="ru-RU" dirty="0" err="1" smtClean="0"/>
-              <a:t>Python</a:t>
-            </a:r>
-            <a:r>
-              <a:rPr lang="ru-RU" dirty="0" smtClean="0"/>
-              <a:t> в своей поисковой системе и оплачивает труд создателя </a:t>
-            </a:r>
-            <a:r>
-              <a:rPr lang="ru-RU" dirty="0" err="1" smtClean="0"/>
-              <a:t>Python</a:t>
-            </a:r>
-            <a:r>
-              <a:rPr lang="ru-RU" dirty="0" smtClean="0"/>
-              <a:t> — Гвидо </a:t>
-            </a:r>
-            <a:r>
-              <a:rPr lang="ru-RU" dirty="0" err="1" smtClean="0"/>
-              <a:t>ван</a:t>
-            </a:r>
-            <a:r>
-              <a:rPr lang="ru-RU" dirty="0" smtClean="0"/>
+          <a:bodyPr/>
+          <a:lstStyle/>
+          <a:p>
+            <a:pPr marL="533400" indent="-533400">
+              <a:buNone/>
+            </a:pPr>
+            <a:r>
+              <a:rPr lang="ru-RU" altLang="ru-RU" sz="2400">
+                <a:latin typeface="Times New Roman" pitchFamily="18" charset="0"/>
+              </a:rPr>
+              <a:t>Проекты реализованные на </a:t>
+            </a:r>
+            <a:r>
+              <a:rPr lang="en-US" altLang="ru-RU" sz="2400">
+                <a:latin typeface="Times New Roman" pitchFamily="18" charset="0"/>
+              </a:rPr>
+              <a:t>Python:</a:t>
+            </a:r>
+            <a:endParaRPr lang="ru-RU" altLang="ru-RU" sz="2400">
+              <a:latin typeface="Times New Roman" pitchFamily="18" charset="0"/>
+            </a:endParaRPr>
+          </a:p>
+          <a:p>
+            <a:pPr marL="533400" indent="-533400"/>
+            <a:r>
+              <a:rPr lang="en-US" altLang="ru-RU" sz="2400">
+                <a:latin typeface="Times New Roman" pitchFamily="18" charset="0"/>
+              </a:rPr>
+              <a:t>BitTorrent – </a:t>
+            </a:r>
+            <a:r>
+              <a:rPr lang="ru-RU" altLang="ru-RU" sz="2400">
+                <a:latin typeface="Times New Roman" pitchFamily="18" charset="0"/>
+              </a:rPr>
+              <a:t>первый клиент-сервер для популярного файлообменных сетей;</a:t>
+            </a:r>
+          </a:p>
+          <a:p>
+            <a:pPr marL="533400" indent="-533400"/>
+            <a:r>
+              <a:rPr lang="en-US" altLang="ru-RU" sz="2400">
+                <a:latin typeface="Times New Roman" pitchFamily="18" charset="0"/>
+              </a:rPr>
+              <a:t>Civilization IV</a:t>
+            </a:r>
+            <a:r>
+              <a:rPr lang="ru-RU" altLang="ru-RU" sz="2400">
+                <a:latin typeface="Times New Roman" pitchFamily="18" charset="0"/>
+              </a:rPr>
+              <a:t> – популярная стратегическая игра, в которой </a:t>
+            </a:r>
+            <a:r>
+              <a:rPr lang="en-US" altLang="ru-RU" sz="2400">
+                <a:latin typeface="Times New Roman" pitchFamily="18" charset="0"/>
+              </a:rPr>
+              <a:t>Python </a:t>
+            </a:r>
+            <a:r>
+              <a:rPr lang="ru-RU" altLang="ru-RU" sz="2400">
+                <a:latin typeface="Times New Roman" pitchFamily="18" charset="0"/>
+              </a:rPr>
+              <a:t>используется как скриптовой язык</a:t>
+            </a:r>
+            <a:r>
+              <a:rPr lang="en-US" altLang="ru-RU" sz="2400">
+                <a:latin typeface="Times New Roman" pitchFamily="18" charset="0"/>
+              </a:rPr>
               <a:t> </a:t>
             </a:r>
-            <a:r>
-              <a:rPr lang="ru-RU" dirty="0" err="1" smtClean="0"/>
-              <a:t>Россума</a:t>
-            </a:r>
-            <a:endParaRPr lang="ru-RU" dirty="0" smtClean="0"/>
-          </a:p>
-          <a:p>
-            <a:r>
-              <a:rPr lang="ru-RU" dirty="0" err="1" smtClean="0"/>
-              <a:t>Intel</a:t>
-            </a:r>
-            <a:r>
-              <a:rPr lang="ru-RU" dirty="0" smtClean="0"/>
-              <a:t>, </a:t>
-            </a:r>
-            <a:r>
-              <a:rPr lang="ru-RU" dirty="0" err="1" smtClean="0"/>
-              <a:t>Cisco</a:t>
-            </a:r>
-            <a:r>
-              <a:rPr lang="ru-RU" dirty="0" smtClean="0"/>
-              <a:t>, </a:t>
-            </a:r>
-            <a:r>
-              <a:rPr lang="ru-RU" dirty="0" err="1" smtClean="0"/>
-              <a:t>Hewlett-Packard</a:t>
-            </a:r>
-            <a:r>
-              <a:rPr lang="ru-RU" dirty="0" smtClean="0"/>
-              <a:t>, </a:t>
-            </a:r>
-            <a:r>
-              <a:rPr lang="ru-RU" dirty="0" err="1" smtClean="0"/>
-              <a:t>Seagate</a:t>
-            </a:r>
-            <a:r>
-              <a:rPr lang="ru-RU" dirty="0" smtClean="0"/>
-              <a:t>, </a:t>
-            </a:r>
-            <a:r>
-              <a:rPr lang="ru-RU" dirty="0" err="1" smtClean="0"/>
-              <a:t>Qualcomm</a:t>
-            </a:r>
-            <a:r>
-              <a:rPr lang="ru-RU" dirty="0" smtClean="0"/>
-              <a:t> и IBM, используют </a:t>
-            </a:r>
-            <a:r>
-              <a:rPr lang="ru-RU" dirty="0" err="1" smtClean="0"/>
-              <a:t>Python</a:t>
-            </a:r>
-            <a:r>
-              <a:rPr lang="ru-RU" dirty="0" smtClean="0"/>
-              <a:t> для тестирования аппаратного обеспечения</a:t>
-            </a:r>
-          </a:p>
-          <a:p>
-            <a:r>
-              <a:rPr lang="ru-RU" dirty="0" smtClean="0"/>
-              <a:t>Служба коллективного использования видеоматериалов </a:t>
-            </a:r>
-            <a:r>
-              <a:rPr lang="ru-RU" dirty="0" err="1" smtClean="0"/>
-              <a:t>YouTube</a:t>
-            </a:r>
-            <a:r>
-              <a:rPr lang="ru-RU" dirty="0" smtClean="0"/>
-              <a:t> в значительной степени реализована на </a:t>
-            </a:r>
-            <a:r>
-              <a:rPr lang="ru-RU" dirty="0" err="1" smtClean="0"/>
-              <a:t>Python</a:t>
-            </a:r>
-            <a:endParaRPr lang="ru-RU" dirty="0" smtClean="0"/>
-          </a:p>
-          <a:p>
-            <a:r>
-              <a:rPr lang="ru-RU" dirty="0" smtClean="0"/>
-              <a:t>NSA использует </a:t>
-            </a:r>
-            <a:r>
-              <a:rPr lang="ru-RU" dirty="0" err="1" smtClean="0"/>
-              <a:t>Python</a:t>
-            </a:r>
-            <a:r>
-              <a:rPr lang="ru-RU" dirty="0" smtClean="0"/>
-              <a:t> для шифрования и анализа разведданных</a:t>
-            </a:r>
-          </a:p>
-          <a:p>
-            <a:r>
-              <a:rPr lang="ru-RU" dirty="0" smtClean="0"/>
-              <a:t>Компании </a:t>
-            </a:r>
-            <a:r>
-              <a:rPr lang="ru-RU" dirty="0" err="1" smtClean="0"/>
-              <a:t>JPMorgan</a:t>
-            </a:r>
-            <a:r>
-              <a:rPr lang="ru-RU" dirty="0" smtClean="0"/>
-              <a:t> </a:t>
-            </a:r>
-            <a:r>
-              <a:rPr lang="ru-RU" dirty="0" err="1" smtClean="0"/>
-              <a:t>Chase</a:t>
-            </a:r>
-            <a:r>
-              <a:rPr lang="ru-RU" dirty="0" smtClean="0"/>
-              <a:t>, UBS, </a:t>
-            </a:r>
-            <a:r>
-              <a:rPr lang="ru-RU" dirty="0" err="1" smtClean="0"/>
-              <a:t>Getco</a:t>
-            </a:r>
-            <a:r>
-              <a:rPr lang="ru-RU" dirty="0" smtClean="0"/>
-              <a:t> и </a:t>
-            </a:r>
-            <a:r>
-              <a:rPr lang="ru-RU" dirty="0" err="1" smtClean="0"/>
-              <a:t>Citadel</a:t>
-            </a:r>
-            <a:r>
-              <a:rPr lang="ru-RU" dirty="0" smtClean="0"/>
-              <a:t> применяют </a:t>
-            </a:r>
-            <a:r>
-              <a:rPr lang="ru-RU" dirty="0" err="1" smtClean="0"/>
-              <a:t>Python</a:t>
-            </a:r>
-            <a:r>
-              <a:rPr lang="ru-RU" dirty="0" smtClean="0"/>
-              <a:t> для прогнозирования финансового рынка</a:t>
-            </a:r>
-          </a:p>
-          <a:p>
-            <a:r>
-              <a:rPr lang="ru-RU" dirty="0" smtClean="0"/>
-              <a:t>Популярная программа </a:t>
-            </a:r>
-            <a:r>
-              <a:rPr lang="ru-RU" dirty="0" err="1" smtClean="0"/>
-              <a:t>BitTorrent</a:t>
-            </a:r>
-            <a:r>
-              <a:rPr lang="ru-RU" dirty="0" smtClean="0"/>
-              <a:t> для обмена файлами в пиринговых сетях написана на языке </a:t>
-            </a:r>
-            <a:r>
-              <a:rPr lang="ru-RU" dirty="0" err="1" smtClean="0"/>
-              <a:t>Python</a:t>
-            </a:r>
-            <a:endParaRPr lang="ru-RU" dirty="0" smtClean="0"/>
-          </a:p>
-          <a:p>
-            <a:r>
-              <a:rPr lang="ru-RU" dirty="0" smtClean="0"/>
-              <a:t>Популярный веб-</a:t>
-            </a:r>
-            <a:r>
-              <a:rPr lang="ru-RU" dirty="0" err="1" smtClean="0"/>
-              <a:t>фреймворк</a:t>
-            </a:r>
-            <a:r>
-              <a:rPr lang="ru-RU" dirty="0" smtClean="0"/>
-              <a:t> </a:t>
-            </a:r>
-            <a:r>
-              <a:rPr lang="ru-RU" dirty="0" err="1" smtClean="0"/>
-              <a:t>App</a:t>
-            </a:r>
-            <a:r>
-              <a:rPr lang="ru-RU" dirty="0" smtClean="0"/>
-              <a:t> </a:t>
-            </a:r>
-            <a:r>
-              <a:rPr lang="ru-RU" dirty="0" err="1" smtClean="0"/>
-              <a:t>Engine</a:t>
-            </a:r>
-            <a:r>
-              <a:rPr lang="ru-RU" dirty="0" smtClean="0"/>
-              <a:t> от компании </a:t>
-            </a:r>
-            <a:r>
-              <a:rPr lang="ru-RU" dirty="0" err="1" smtClean="0"/>
-              <a:t>Google</a:t>
-            </a:r>
-            <a:r>
-              <a:rPr lang="ru-RU" dirty="0" smtClean="0"/>
-              <a:t> использует </a:t>
-            </a:r>
-            <a:r>
-              <a:rPr lang="ru-RU" dirty="0" err="1" smtClean="0"/>
-              <a:t>Python</a:t>
-            </a:r>
-            <a:r>
-              <a:rPr lang="ru-RU" dirty="0" smtClean="0"/>
-              <a:t> в качестве прикладного языка программирования</a:t>
-            </a:r>
-          </a:p>
-          <a:p>
-            <a:r>
-              <a:rPr lang="ru-RU" dirty="0" smtClean="0"/>
-              <a:t>NASA, </a:t>
-            </a:r>
-            <a:r>
-              <a:rPr lang="ru-RU" dirty="0" err="1" smtClean="0"/>
-              <a:t>Los</a:t>
-            </a:r>
-            <a:r>
-              <a:rPr lang="ru-RU" dirty="0" smtClean="0"/>
-              <a:t> </a:t>
-            </a:r>
-            <a:r>
-              <a:rPr lang="ru-RU" dirty="0" err="1" smtClean="0"/>
-              <a:t>Alamos</a:t>
-            </a:r>
-            <a:r>
-              <a:rPr lang="ru-RU" dirty="0" smtClean="0"/>
-              <a:t>, JPL и </a:t>
-            </a:r>
-            <a:r>
-              <a:rPr lang="ru-RU" dirty="0" err="1" smtClean="0"/>
-              <a:t>Fermilab</a:t>
-            </a:r>
-            <a:r>
-              <a:rPr lang="ru-RU" dirty="0" smtClean="0"/>
-              <a:t> используют </a:t>
-            </a:r>
-            <a:r>
-              <a:rPr lang="ru-RU" dirty="0" err="1" smtClean="0"/>
-              <a:t>Python</a:t>
-            </a:r>
-            <a:r>
-              <a:rPr lang="ru-RU" dirty="0" smtClean="0"/>
-              <a:t> для научных вычислений.</a:t>
-            </a:r>
-            <a:endParaRPr lang="ru-RU" dirty="0"/>
+          </a:p>
+          <a:p>
+            <a:pPr marL="533400" indent="-533400">
+              <a:buNone/>
+            </a:pPr>
+            <a:r>
+              <a:rPr lang="ru-RU" altLang="ru-RU" sz="2400">
+                <a:latin typeface="Times New Roman" pitchFamily="18" charset="0"/>
+              </a:rPr>
+              <a:t>Компании использующие </a:t>
+            </a:r>
+            <a:r>
+              <a:rPr lang="en-US" altLang="ru-RU" sz="2400">
+                <a:latin typeface="Times New Roman" pitchFamily="18" charset="0"/>
+              </a:rPr>
+              <a:t>Python:</a:t>
+            </a:r>
+          </a:p>
+          <a:p>
+            <a:pPr marL="533400" indent="-533400"/>
+            <a:r>
+              <a:rPr lang="en-US" altLang="ru-RU" sz="2400">
+                <a:latin typeface="Times New Roman" pitchFamily="18" charset="0"/>
+              </a:rPr>
+              <a:t>Dream Works</a:t>
+            </a:r>
+          </a:p>
+          <a:p>
+            <a:pPr marL="533400" indent="-533400"/>
+            <a:r>
+              <a:rPr lang="en-US" altLang="ru-RU" sz="2400">
+                <a:latin typeface="Times New Roman" pitchFamily="18" charset="0"/>
+              </a:rPr>
+              <a:t>Nokia</a:t>
+            </a:r>
+          </a:p>
+          <a:p>
+            <a:pPr marL="533400" indent="-533400"/>
+            <a:r>
+              <a:rPr lang="en-US" altLang="ru-RU" sz="2400">
+                <a:latin typeface="Times New Roman" pitchFamily="18" charset="0"/>
+              </a:rPr>
+              <a:t>Firaxis Games</a:t>
+            </a:r>
+          </a:p>
+          <a:p>
+            <a:pPr marL="533400" indent="-533400">
+              <a:buNone/>
+            </a:pPr>
+            <a:endParaRPr lang="ru-RU" altLang="ru-RU" sz="2400">
+              <a:latin typeface="Times New Roman" pitchFamily="18" charset="0"/>
+            </a:endParaRPr>
           </a:p>
         </p:txBody>
       </p:sp>
     </p:spTree>
     <p:extLst>
       <p:ext uri="{BB962C8B-B14F-4D97-AF65-F5344CB8AC3E}">
-        <p14:creationId xmlns:p14="http://schemas.microsoft.com/office/powerpoint/2010/main" val="246530174"/>
+        <p14:creationId xmlns:p14="http://schemas.microsoft.com/office/powerpoint/2010/main" val="4137246831"/>
       </p:ext>
     </p:extLst>
   </p:cSld>

--- a/webminar.pptx
+++ b/webminar.pptx
@@ -5,7 +5,7 @@
     <p:sldMasterId id="2147483648" r:id="rId1"/>
   </p:sldMasterIdLst>
   <p:notesMasterIdLst>
-    <p:notesMasterId r:id="rId24"/>
+    <p:notesMasterId r:id="rId28"/>
   </p:notesMasterIdLst>
   <p:sldIdLst>
     <p:sldId id="256" r:id="rId2"/>
@@ -28,8 +28,12 @@
     <p:sldId id="300" r:id="rId19"/>
     <p:sldId id="301" r:id="rId20"/>
     <p:sldId id="303" r:id="rId21"/>
-    <p:sldId id="304" r:id="rId22"/>
-    <p:sldId id="305" r:id="rId23"/>
+    <p:sldId id="312" r:id="rId22"/>
+    <p:sldId id="313" r:id="rId23"/>
+    <p:sldId id="311" r:id="rId24"/>
+    <p:sldId id="314" r:id="rId25"/>
+    <p:sldId id="304" r:id="rId26"/>
+    <p:sldId id="305" r:id="rId27"/>
   </p:sldIdLst>
   <p:sldSz cx="12192000" cy="6858000"/>
   <p:notesSz cx="6858000" cy="9144000"/>
@@ -498,6 +502,83 @@
 </file>
 
 <file path=ppt/notesSlides/notesSlide1.xml><?xml version="1.0" encoding="utf-8"?>
+<p:notes xmlns:a="http://schemas.openxmlformats.org/drawingml/2006/main" xmlns:r="http://schemas.openxmlformats.org/officeDocument/2006/relationships" xmlns:p="http://schemas.openxmlformats.org/presentationml/2006/main">
+  <p:cSld>
+    <p:spTree>
+      <p:nvGrpSpPr>
+        <p:cNvPr id="1" name=""/>
+        <p:cNvGrpSpPr/>
+        <p:nvPr/>
+      </p:nvGrpSpPr>
+      <p:grpSpPr>
+        <a:xfrm>
+          <a:off x="0" y="0"/>
+          <a:ext cx="0" cy="0"/>
+          <a:chOff x="0" y="0"/>
+          <a:chExt cx="0" cy="0"/>
+        </a:xfrm>
+      </p:grpSpPr>
+      <p:sp>
+        <p:nvSpPr>
+          <p:cNvPr id="2" name="Образ слайда 1"/>
+          <p:cNvSpPr>
+            <a:spLocks noGrp="1" noRot="1" noChangeAspect="1" noResize="1"/>
+          </p:cNvSpPr>
+          <p:nvPr>
+            <p:ph type="sldImg"/>
+          </p:nvPr>
+        </p:nvSpPr>
+        <p:spPr>
+          <a:xfrm>
+            <a:off x="217488" y="812800"/>
+            <a:ext cx="7123112" cy="4008438"/>
+          </a:xfrm>
+          <a:solidFill>
+            <a:srgbClr val="729FCF"/>
+          </a:solidFill>
+          <a:ln w="25400">
+            <a:solidFill>
+              <a:srgbClr val="3465A4"/>
+            </a:solidFill>
+            <a:prstDash val="solid"/>
+          </a:ln>
+        </p:spPr>
+      </p:sp>
+      <p:sp>
+        <p:nvSpPr>
+          <p:cNvPr id="3" name="Заметки 2"/>
+          <p:cNvSpPr txBox="1">
+            <a:spLocks noGrp="1"/>
+          </p:cNvSpPr>
+          <p:nvPr>
+            <p:ph type="body" sz="quarter" idx="1"/>
+          </p:nvPr>
+        </p:nvSpPr>
+        <p:spPr/>
+        <p:txBody>
+          <a:bodyPr>
+            <a:spAutoFit/>
+          </a:bodyPr>
+          <a:lstStyle/>
+          <a:p>
+            <a:endParaRPr lang="ru-RU"/>
+          </a:p>
+        </p:txBody>
+      </p:sp>
+    </p:spTree>
+    <p:extLst>
+      <p:ext uri="{BB962C8B-B14F-4D97-AF65-F5344CB8AC3E}">
+        <p14:creationId xmlns:p14="http://schemas.microsoft.com/office/powerpoint/2010/main" val="1860844942"/>
+      </p:ext>
+    </p:extLst>
+  </p:cSld>
+  <p:clrMapOvr>
+    <a:masterClrMapping/>
+  </p:clrMapOvr>
+</p:notes>
+</file>
+
+<file path=ppt/notesSlides/notesSlide2.xml><?xml version="1.0" encoding="utf-8"?>
 <p:notes xmlns:a="http://schemas.openxmlformats.org/drawingml/2006/main" xmlns:r="http://schemas.openxmlformats.org/officeDocument/2006/relationships" xmlns:p="http://schemas.openxmlformats.org/presentationml/2006/main">
   <p:cSld>
     <p:spTree>
@@ -5025,7 +5106,328 @@
   <p:timing>
     <p:tnLst>
       <p:par>
-        <p:cTn id="1" dur="indefinite" restart="never" nodeType="tmRoot"/>
+        <p:cTn id="1" dur="indefinite" restart="never" nodeType="tmRoot">
+          <p:childTnLst>
+            <p:seq concurrent="1" nextAc="seek">
+              <p:cTn id="2" dur="indefinite" nodeType="mainSeq">
+                <p:childTnLst>
+                  <p:par>
+                    <p:cTn id="3" fill="hold">
+                      <p:stCondLst>
+                        <p:cond delay="indefinite"/>
+                      </p:stCondLst>
+                      <p:childTnLst>
+                        <p:par>
+                          <p:cTn id="4" fill="hold">
+                            <p:stCondLst>
+                              <p:cond delay="0"/>
+                            </p:stCondLst>
+                            <p:childTnLst>
+                              <p:par>
+                                <p:cTn id="5" presetID="21" presetClass="entr" presetSubtype="1" fill="hold" nodeType="clickEffect">
+                                  <p:stCondLst>
+                                    <p:cond delay="0"/>
+                                  </p:stCondLst>
+                                  <p:childTnLst>
+                                    <p:set>
+                                      <p:cBhvr>
+                                        <p:cTn id="6" dur="1" fill="hold">
+                                          <p:stCondLst>
+                                            <p:cond delay="0"/>
+                                          </p:stCondLst>
+                                        </p:cTn>
+                                        <p:tgtEl>
+                                          <p:spTgt spid="1026"/>
+                                        </p:tgtEl>
+                                        <p:attrNameLst>
+                                          <p:attrName>style.visibility</p:attrName>
+                                        </p:attrNameLst>
+                                      </p:cBhvr>
+                                      <p:to>
+                                        <p:strVal val="visible"/>
+                                      </p:to>
+                                    </p:set>
+                                    <p:animEffect transition="in" filter="wheel(1)">
+                                      <p:cBhvr>
+                                        <p:cTn id="7" dur="2000"/>
+                                        <p:tgtEl>
+                                          <p:spTgt spid="1026"/>
+                                        </p:tgtEl>
+                                      </p:cBhvr>
+                                    </p:animEffect>
+                                  </p:childTnLst>
+                                </p:cTn>
+                              </p:par>
+                              <p:par>
+                                <p:cTn id="8" presetID="21" presetClass="entr" presetSubtype="1" fill="hold" nodeType="withEffect">
+                                  <p:stCondLst>
+                                    <p:cond delay="0"/>
+                                  </p:stCondLst>
+                                  <p:childTnLst>
+                                    <p:set>
+                                      <p:cBhvr>
+                                        <p:cTn id="9" dur="1" fill="hold">
+                                          <p:stCondLst>
+                                            <p:cond delay="0"/>
+                                          </p:stCondLst>
+                                        </p:cTn>
+                                        <p:tgtEl>
+                                          <p:spTgt spid="1028"/>
+                                        </p:tgtEl>
+                                        <p:attrNameLst>
+                                          <p:attrName>style.visibility</p:attrName>
+                                        </p:attrNameLst>
+                                      </p:cBhvr>
+                                      <p:to>
+                                        <p:strVal val="visible"/>
+                                      </p:to>
+                                    </p:set>
+                                    <p:animEffect transition="in" filter="wheel(1)">
+                                      <p:cBhvr>
+                                        <p:cTn id="10" dur="2000"/>
+                                        <p:tgtEl>
+                                          <p:spTgt spid="1028"/>
+                                        </p:tgtEl>
+                                      </p:cBhvr>
+                                    </p:animEffect>
+                                  </p:childTnLst>
+                                </p:cTn>
+                              </p:par>
+                              <p:par>
+                                <p:cTn id="11" presetID="21" presetClass="entr" presetSubtype="1" fill="hold" nodeType="withEffect">
+                                  <p:stCondLst>
+                                    <p:cond delay="0"/>
+                                  </p:stCondLst>
+                                  <p:childTnLst>
+                                    <p:set>
+                                      <p:cBhvr>
+                                        <p:cTn id="12" dur="1" fill="hold">
+                                          <p:stCondLst>
+                                            <p:cond delay="0"/>
+                                          </p:stCondLst>
+                                        </p:cTn>
+                                        <p:tgtEl>
+                                          <p:spTgt spid="1030"/>
+                                        </p:tgtEl>
+                                        <p:attrNameLst>
+                                          <p:attrName>style.visibility</p:attrName>
+                                        </p:attrNameLst>
+                                      </p:cBhvr>
+                                      <p:to>
+                                        <p:strVal val="visible"/>
+                                      </p:to>
+                                    </p:set>
+                                    <p:animEffect transition="in" filter="wheel(1)">
+                                      <p:cBhvr>
+                                        <p:cTn id="13" dur="2000"/>
+                                        <p:tgtEl>
+                                          <p:spTgt spid="1030"/>
+                                        </p:tgtEl>
+                                      </p:cBhvr>
+                                    </p:animEffect>
+                                  </p:childTnLst>
+                                </p:cTn>
+                              </p:par>
+                              <p:par>
+                                <p:cTn id="14" presetID="21" presetClass="entr" presetSubtype="1" fill="hold" nodeType="withEffect">
+                                  <p:stCondLst>
+                                    <p:cond delay="0"/>
+                                  </p:stCondLst>
+                                  <p:childTnLst>
+                                    <p:set>
+                                      <p:cBhvr>
+                                        <p:cTn id="15" dur="1" fill="hold">
+                                          <p:stCondLst>
+                                            <p:cond delay="0"/>
+                                          </p:stCondLst>
+                                        </p:cTn>
+                                        <p:tgtEl>
+                                          <p:spTgt spid="1036"/>
+                                        </p:tgtEl>
+                                        <p:attrNameLst>
+                                          <p:attrName>style.visibility</p:attrName>
+                                        </p:attrNameLst>
+                                      </p:cBhvr>
+                                      <p:to>
+                                        <p:strVal val="visible"/>
+                                      </p:to>
+                                    </p:set>
+                                    <p:animEffect transition="in" filter="wheel(1)">
+                                      <p:cBhvr>
+                                        <p:cTn id="16" dur="2000"/>
+                                        <p:tgtEl>
+                                          <p:spTgt spid="1036"/>
+                                        </p:tgtEl>
+                                      </p:cBhvr>
+                                    </p:animEffect>
+                                  </p:childTnLst>
+                                </p:cTn>
+                              </p:par>
+                              <p:par>
+                                <p:cTn id="17" presetID="21" presetClass="entr" presetSubtype="1" fill="hold" nodeType="withEffect">
+                                  <p:stCondLst>
+                                    <p:cond delay="0"/>
+                                  </p:stCondLst>
+                                  <p:childTnLst>
+                                    <p:set>
+                                      <p:cBhvr>
+                                        <p:cTn id="18" dur="1" fill="hold">
+                                          <p:stCondLst>
+                                            <p:cond delay="0"/>
+                                          </p:stCondLst>
+                                        </p:cTn>
+                                        <p:tgtEl>
+                                          <p:spTgt spid="1040"/>
+                                        </p:tgtEl>
+                                        <p:attrNameLst>
+                                          <p:attrName>style.visibility</p:attrName>
+                                        </p:attrNameLst>
+                                      </p:cBhvr>
+                                      <p:to>
+                                        <p:strVal val="visible"/>
+                                      </p:to>
+                                    </p:set>
+                                    <p:animEffect transition="in" filter="wheel(1)">
+                                      <p:cBhvr>
+                                        <p:cTn id="19" dur="2000"/>
+                                        <p:tgtEl>
+                                          <p:spTgt spid="1040"/>
+                                        </p:tgtEl>
+                                      </p:cBhvr>
+                                    </p:animEffect>
+                                  </p:childTnLst>
+                                </p:cTn>
+                              </p:par>
+                              <p:par>
+                                <p:cTn id="20" presetID="21" presetClass="entr" presetSubtype="1" fill="hold" nodeType="withEffect">
+                                  <p:stCondLst>
+                                    <p:cond delay="0"/>
+                                  </p:stCondLst>
+                                  <p:childTnLst>
+                                    <p:set>
+                                      <p:cBhvr>
+                                        <p:cTn id="21" dur="1" fill="hold">
+                                          <p:stCondLst>
+                                            <p:cond delay="0"/>
+                                          </p:stCondLst>
+                                        </p:cTn>
+                                        <p:tgtEl>
+                                          <p:spTgt spid="1046"/>
+                                        </p:tgtEl>
+                                        <p:attrNameLst>
+                                          <p:attrName>style.visibility</p:attrName>
+                                        </p:attrNameLst>
+                                      </p:cBhvr>
+                                      <p:to>
+                                        <p:strVal val="visible"/>
+                                      </p:to>
+                                    </p:set>
+                                    <p:animEffect transition="in" filter="wheel(1)">
+                                      <p:cBhvr>
+                                        <p:cTn id="22" dur="2000"/>
+                                        <p:tgtEl>
+                                          <p:spTgt spid="1046"/>
+                                        </p:tgtEl>
+                                      </p:cBhvr>
+                                    </p:animEffect>
+                                  </p:childTnLst>
+                                </p:cTn>
+                              </p:par>
+                              <p:par>
+                                <p:cTn id="23" presetID="21" presetClass="entr" presetSubtype="1" fill="hold" nodeType="withEffect">
+                                  <p:stCondLst>
+                                    <p:cond delay="0"/>
+                                  </p:stCondLst>
+                                  <p:childTnLst>
+                                    <p:set>
+                                      <p:cBhvr>
+                                        <p:cTn id="24" dur="1" fill="hold">
+                                          <p:stCondLst>
+                                            <p:cond delay="0"/>
+                                          </p:stCondLst>
+                                        </p:cTn>
+                                        <p:tgtEl>
+                                          <p:spTgt spid="1048"/>
+                                        </p:tgtEl>
+                                        <p:attrNameLst>
+                                          <p:attrName>style.visibility</p:attrName>
+                                        </p:attrNameLst>
+                                      </p:cBhvr>
+                                      <p:to>
+                                        <p:strVal val="visible"/>
+                                      </p:to>
+                                    </p:set>
+                                    <p:animEffect transition="in" filter="wheel(1)">
+                                      <p:cBhvr>
+                                        <p:cTn id="25" dur="2000"/>
+                                        <p:tgtEl>
+                                          <p:spTgt spid="1048"/>
+                                        </p:tgtEl>
+                                      </p:cBhvr>
+                                    </p:animEffect>
+                                  </p:childTnLst>
+                                </p:cTn>
+                              </p:par>
+                              <p:par>
+                                <p:cTn id="26" presetID="21" presetClass="entr" presetSubtype="1" fill="hold" nodeType="withEffect">
+                                  <p:stCondLst>
+                                    <p:cond delay="0"/>
+                                  </p:stCondLst>
+                                  <p:childTnLst>
+                                    <p:set>
+                                      <p:cBhvr>
+                                        <p:cTn id="27" dur="1" fill="hold">
+                                          <p:stCondLst>
+                                            <p:cond delay="0"/>
+                                          </p:stCondLst>
+                                        </p:cTn>
+                                        <p:tgtEl>
+                                          <p:spTgt spid="1050"/>
+                                        </p:tgtEl>
+                                        <p:attrNameLst>
+                                          <p:attrName>style.visibility</p:attrName>
+                                        </p:attrNameLst>
+                                      </p:cBhvr>
+                                      <p:to>
+                                        <p:strVal val="visible"/>
+                                      </p:to>
+                                    </p:set>
+                                    <p:animEffect transition="in" filter="wheel(1)">
+                                      <p:cBhvr>
+                                        <p:cTn id="28" dur="2000"/>
+                                        <p:tgtEl>
+                                          <p:spTgt spid="1050"/>
+                                        </p:tgtEl>
+                                      </p:cBhvr>
+                                    </p:animEffect>
+                                  </p:childTnLst>
+                                </p:cTn>
+                              </p:par>
+                            </p:childTnLst>
+                          </p:cTn>
+                        </p:par>
+                      </p:childTnLst>
+                    </p:cTn>
+                  </p:par>
+                </p:childTnLst>
+              </p:cTn>
+              <p:prevCondLst>
+                <p:cond evt="onPrev" delay="0">
+                  <p:tgtEl>
+                    <p:sldTgt/>
+                  </p:tgtEl>
+                </p:cond>
+              </p:prevCondLst>
+              <p:nextCondLst>
+                <p:cond evt="onNext" delay="0">
+                  <p:tgtEl>
+                    <p:sldTgt/>
+                  </p:tgtEl>
+                </p:cond>
+              </p:nextCondLst>
+            </p:seq>
+          </p:childTnLst>
+        </p:cTn>
       </p:par>
     </p:tnLst>
   </p:timing>
@@ -5066,7 +5468,7 @@
           <a:p>
             <a:r>
               <a:rPr lang="ru-RU" dirty="0" smtClean="0"/>
-              <a:t>Где используется </a:t>
+              <a:t>Что написано на </a:t>
             </a:r>
             <a:r>
               <a:rPr lang="en-US" dirty="0" smtClean="0"/>
@@ -5136,7 +5538,129 @@
   <p:timing>
     <p:tnLst>
       <p:par>
-        <p:cTn id="1" dur="indefinite" restart="never" nodeType="tmRoot"/>
+        <p:cTn id="1" dur="indefinite" restart="never" nodeType="tmRoot">
+          <p:childTnLst>
+            <p:seq concurrent="1" nextAc="seek">
+              <p:cTn id="2" dur="indefinite" nodeType="mainSeq">
+                <p:childTnLst>
+                  <p:par>
+                    <p:cTn id="3" fill="hold">
+                      <p:stCondLst>
+                        <p:cond delay="indefinite"/>
+                      </p:stCondLst>
+                      <p:childTnLst>
+                        <p:par>
+                          <p:cTn id="4" fill="hold">
+                            <p:stCondLst>
+                              <p:cond delay="0"/>
+                            </p:stCondLst>
+                            <p:childTnLst>
+                              <p:par>
+                                <p:cTn id="5" presetID="45" presetClass="entr" presetSubtype="0" fill="hold" nodeType="clickEffect">
+                                  <p:stCondLst>
+                                    <p:cond delay="0"/>
+                                  </p:stCondLst>
+                                  <p:childTnLst>
+                                    <p:set>
+                                      <p:cBhvr>
+                                        <p:cTn id="6" dur="1" fill="hold">
+                                          <p:stCondLst>
+                                            <p:cond delay="0"/>
+                                          </p:stCondLst>
+                                        </p:cTn>
+                                        <p:tgtEl>
+                                          <p:spTgt spid="3076"/>
+                                        </p:tgtEl>
+                                        <p:attrNameLst>
+                                          <p:attrName>style.visibility</p:attrName>
+                                        </p:attrNameLst>
+                                      </p:cBhvr>
+                                      <p:to>
+                                        <p:strVal val="visible"/>
+                                      </p:to>
+                                    </p:set>
+                                    <p:animEffect transition="in" filter="fade">
+                                      <p:cBhvr>
+                                        <p:cTn id="7" dur="2000"/>
+                                        <p:tgtEl>
+                                          <p:spTgt spid="3076"/>
+                                        </p:tgtEl>
+                                      </p:cBhvr>
+                                    </p:animEffect>
+                                    <p:anim calcmode="lin" valueType="num">
+                                      <p:cBhvr>
+                                        <p:cTn id="8" dur="2000" fill="hold"/>
+                                        <p:tgtEl>
+                                          <p:spTgt spid="3076"/>
+                                        </p:tgtEl>
+                                        <p:attrNameLst>
+                                          <p:attrName>ppt_w</p:attrName>
+                                        </p:attrNameLst>
+                                      </p:cBhvr>
+                                      <p:tavLst>
+                                        <p:tav tm="0" fmla="#ppt_w*sin(2.5*pi*$)">
+                                          <p:val>
+                                            <p:fltVal val="0"/>
+                                          </p:val>
+                                        </p:tav>
+                                        <p:tav tm="100000">
+                                          <p:val>
+                                            <p:fltVal val="1"/>
+                                          </p:val>
+                                        </p:tav>
+                                      </p:tavLst>
+                                    </p:anim>
+                                    <p:anim calcmode="lin" valueType="num">
+                                      <p:cBhvr>
+                                        <p:cTn id="9" dur="2000" fill="hold"/>
+                                        <p:tgtEl>
+                                          <p:spTgt spid="3076"/>
+                                        </p:tgtEl>
+                                        <p:attrNameLst>
+                                          <p:attrName>ppt_h</p:attrName>
+                                        </p:attrNameLst>
+                                      </p:cBhvr>
+                                      <p:tavLst>
+                                        <p:tav tm="0">
+                                          <p:val>
+                                            <p:strVal val="#ppt_h"/>
+                                          </p:val>
+                                        </p:tav>
+                                        <p:tav tm="100000">
+                                          <p:val>
+                                            <p:strVal val="#ppt_h"/>
+                                          </p:val>
+                                        </p:tav>
+                                      </p:tavLst>
+                                    </p:anim>
+                                  </p:childTnLst>
+                                </p:cTn>
+                              </p:par>
+                            </p:childTnLst>
+                          </p:cTn>
+                        </p:par>
+                      </p:childTnLst>
+                    </p:cTn>
+                  </p:par>
+                </p:childTnLst>
+              </p:cTn>
+              <p:prevCondLst>
+                <p:cond evt="onPrev" delay="0">
+                  <p:tgtEl>
+                    <p:sldTgt/>
+                  </p:tgtEl>
+                </p:cond>
+              </p:prevCondLst>
+              <p:nextCondLst>
+                <p:cond evt="onNext" delay="0">
+                  <p:tgtEl>
+                    <p:sldTgt/>
+                  </p:tgtEl>
+                </p:cond>
+              </p:nextCondLst>
+            </p:seq>
+          </p:childTnLst>
+        </p:cTn>
       </p:par>
     </p:tnLst>
   </p:timing>
@@ -5310,11 +5834,11 @@
   <p:clrMapOvr>
     <a:masterClrMapping/>
   </p:clrMapOvr>
-  <mc:AlternateContent xmlns:mc="http://schemas.openxmlformats.org/markup-compatibility/2006">
-    <mc:Choice xmlns:p14="http://schemas.microsoft.com/office/powerpoint/2010/main" Requires="p14">
+  <mc:AlternateContent xmlns:mc="http://schemas.openxmlformats.org/markup-compatibility/2006" xmlns:p14="http://schemas.microsoft.com/office/powerpoint/2010/main">
+    <mc:Choice Requires="p14">
       <p:transition spd="slow" p14:dur="2000"/>
     </mc:Choice>
-    <mc:Fallback>
+    <mc:Fallback xmlns="">
       <p:transition spd="slow"/>
     </mc:Fallback>
   </mc:AlternateContent>
@@ -5440,7 +5964,6 @@
               <a:rPr lang="ru-RU" dirty="0" smtClean="0"/>
               <a:t>рофилировщик</a:t>
             </a:r>
-            <a:endParaRPr lang="ru-RU" dirty="0" smtClean="0"/>
           </a:p>
           <a:p>
             <a:r>
@@ -5474,8 +5997,24 @@
           </a:p>
           <a:p>
             <a:r>
+              <a:rPr lang="ru-RU" dirty="0" err="1" smtClean="0"/>
+              <a:t>Автотесты</a:t>
+            </a:r>
+            <a:r>
+              <a:rPr lang="en-US" dirty="0"/>
+              <a:t>:</a:t>
+            </a:r>
+            <a:r>
               <a:rPr lang="ru-RU" dirty="0" smtClean="0"/>
-              <a:t>и др.</a:t>
+              <a:t> </a:t>
+            </a:r>
+            <a:r>
+              <a:rPr lang="en-US" dirty="0" err="1" smtClean="0"/>
+              <a:t>unittest</a:t>
+            </a:r>
+            <a:r>
+              <a:rPr lang="en-US" dirty="0" smtClean="0"/>
+              <a:t>, selenium</a:t>
             </a:r>
             <a:endParaRPr lang="en-US" dirty="0" smtClean="0"/>
           </a:p>
@@ -5494,7 +6033,373 @@
   <p:timing>
     <p:tnLst>
       <p:par>
-        <p:cTn id="1" dur="indefinite" restart="never" nodeType="tmRoot"/>
+        <p:cTn id="1" dur="indefinite" restart="never" nodeType="tmRoot">
+          <p:childTnLst>
+            <p:seq concurrent="1" nextAc="seek">
+              <p:cTn id="2" dur="indefinite" nodeType="mainSeq">
+                <p:childTnLst>
+                  <p:par>
+                    <p:cTn id="3" fill="hold">
+                      <p:stCondLst>
+                        <p:cond delay="indefinite"/>
+                      </p:stCondLst>
+                      <p:childTnLst>
+                        <p:par>
+                          <p:cTn id="4" fill="hold">
+                            <p:stCondLst>
+                              <p:cond delay="0"/>
+                            </p:stCondLst>
+                            <p:childTnLst>
+                              <p:par>
+                                <p:cTn id="5" presetID="1" presetClass="entr" presetSubtype="0" fill="hold" nodeType="clickEffect">
+                                  <p:stCondLst>
+                                    <p:cond delay="0"/>
+                                  </p:stCondLst>
+                                  <p:childTnLst>
+                                    <p:set>
+                                      <p:cBhvr>
+                                        <p:cTn id="6" dur="1" fill="hold">
+                                          <p:stCondLst>
+                                            <p:cond delay="0"/>
+                                          </p:stCondLst>
+                                        </p:cTn>
+                                        <p:tgtEl>
+                                          <p:spTgt spid="3">
+                                            <p:txEl>
+                                              <p:pRg st="0" end="0"/>
+                                            </p:txEl>
+                                          </p:spTgt>
+                                        </p:tgtEl>
+                                        <p:attrNameLst>
+                                          <p:attrName>style.visibility</p:attrName>
+                                        </p:attrNameLst>
+                                      </p:cBhvr>
+                                      <p:to>
+                                        <p:strVal val="visible"/>
+                                      </p:to>
+                                    </p:set>
+                                  </p:childTnLst>
+                                </p:cTn>
+                              </p:par>
+                            </p:childTnLst>
+                          </p:cTn>
+                        </p:par>
+                      </p:childTnLst>
+                    </p:cTn>
+                  </p:par>
+                  <p:par>
+                    <p:cTn id="7" fill="hold">
+                      <p:stCondLst>
+                        <p:cond delay="indefinite"/>
+                      </p:stCondLst>
+                      <p:childTnLst>
+                        <p:par>
+                          <p:cTn id="8" fill="hold">
+                            <p:stCondLst>
+                              <p:cond delay="0"/>
+                            </p:stCondLst>
+                            <p:childTnLst>
+                              <p:par>
+                                <p:cTn id="9" presetID="1" presetClass="entr" presetSubtype="0" fill="hold" nodeType="clickEffect">
+                                  <p:stCondLst>
+                                    <p:cond delay="0"/>
+                                  </p:stCondLst>
+                                  <p:childTnLst>
+                                    <p:set>
+                                      <p:cBhvr>
+                                        <p:cTn id="10" dur="1" fill="hold">
+                                          <p:stCondLst>
+                                            <p:cond delay="0"/>
+                                          </p:stCondLst>
+                                        </p:cTn>
+                                        <p:tgtEl>
+                                          <p:spTgt spid="3">
+                                            <p:txEl>
+                                              <p:pRg st="1" end="1"/>
+                                            </p:txEl>
+                                          </p:spTgt>
+                                        </p:tgtEl>
+                                        <p:attrNameLst>
+                                          <p:attrName>style.visibility</p:attrName>
+                                        </p:attrNameLst>
+                                      </p:cBhvr>
+                                      <p:to>
+                                        <p:strVal val="visible"/>
+                                      </p:to>
+                                    </p:set>
+                                  </p:childTnLst>
+                                </p:cTn>
+                              </p:par>
+                            </p:childTnLst>
+                          </p:cTn>
+                        </p:par>
+                      </p:childTnLst>
+                    </p:cTn>
+                  </p:par>
+                  <p:par>
+                    <p:cTn id="11" fill="hold">
+                      <p:stCondLst>
+                        <p:cond delay="indefinite"/>
+                      </p:stCondLst>
+                      <p:childTnLst>
+                        <p:par>
+                          <p:cTn id="12" fill="hold">
+                            <p:stCondLst>
+                              <p:cond delay="0"/>
+                            </p:stCondLst>
+                            <p:childTnLst>
+                              <p:par>
+                                <p:cTn id="13" presetID="1" presetClass="entr" presetSubtype="0" fill="hold" nodeType="clickEffect">
+                                  <p:stCondLst>
+                                    <p:cond delay="0"/>
+                                  </p:stCondLst>
+                                  <p:childTnLst>
+                                    <p:set>
+                                      <p:cBhvr>
+                                        <p:cTn id="14" dur="1" fill="hold">
+                                          <p:stCondLst>
+                                            <p:cond delay="0"/>
+                                          </p:stCondLst>
+                                        </p:cTn>
+                                        <p:tgtEl>
+                                          <p:spTgt spid="3">
+                                            <p:txEl>
+                                              <p:pRg st="2" end="2"/>
+                                            </p:txEl>
+                                          </p:spTgt>
+                                        </p:tgtEl>
+                                        <p:attrNameLst>
+                                          <p:attrName>style.visibility</p:attrName>
+                                        </p:attrNameLst>
+                                      </p:cBhvr>
+                                      <p:to>
+                                        <p:strVal val="visible"/>
+                                      </p:to>
+                                    </p:set>
+                                  </p:childTnLst>
+                                </p:cTn>
+                              </p:par>
+                            </p:childTnLst>
+                          </p:cTn>
+                        </p:par>
+                      </p:childTnLst>
+                    </p:cTn>
+                  </p:par>
+                  <p:par>
+                    <p:cTn id="15" fill="hold">
+                      <p:stCondLst>
+                        <p:cond delay="indefinite"/>
+                      </p:stCondLst>
+                      <p:childTnLst>
+                        <p:par>
+                          <p:cTn id="16" fill="hold">
+                            <p:stCondLst>
+                              <p:cond delay="0"/>
+                            </p:stCondLst>
+                            <p:childTnLst>
+                              <p:par>
+                                <p:cTn id="17" presetID="1" presetClass="entr" presetSubtype="0" fill="hold" nodeType="clickEffect">
+                                  <p:stCondLst>
+                                    <p:cond delay="0"/>
+                                  </p:stCondLst>
+                                  <p:childTnLst>
+                                    <p:set>
+                                      <p:cBhvr>
+                                        <p:cTn id="18" dur="1" fill="hold">
+                                          <p:stCondLst>
+                                            <p:cond delay="0"/>
+                                          </p:stCondLst>
+                                        </p:cTn>
+                                        <p:tgtEl>
+                                          <p:spTgt spid="3">
+                                            <p:txEl>
+                                              <p:pRg st="3" end="3"/>
+                                            </p:txEl>
+                                          </p:spTgt>
+                                        </p:tgtEl>
+                                        <p:attrNameLst>
+                                          <p:attrName>style.visibility</p:attrName>
+                                        </p:attrNameLst>
+                                      </p:cBhvr>
+                                      <p:to>
+                                        <p:strVal val="visible"/>
+                                      </p:to>
+                                    </p:set>
+                                  </p:childTnLst>
+                                </p:cTn>
+                              </p:par>
+                            </p:childTnLst>
+                          </p:cTn>
+                        </p:par>
+                      </p:childTnLst>
+                    </p:cTn>
+                  </p:par>
+                  <p:par>
+                    <p:cTn id="19" fill="hold">
+                      <p:stCondLst>
+                        <p:cond delay="indefinite"/>
+                      </p:stCondLst>
+                      <p:childTnLst>
+                        <p:par>
+                          <p:cTn id="20" fill="hold">
+                            <p:stCondLst>
+                              <p:cond delay="0"/>
+                            </p:stCondLst>
+                            <p:childTnLst>
+                              <p:par>
+                                <p:cTn id="21" presetID="1" presetClass="entr" presetSubtype="0" fill="hold" nodeType="clickEffect">
+                                  <p:stCondLst>
+                                    <p:cond delay="0"/>
+                                  </p:stCondLst>
+                                  <p:childTnLst>
+                                    <p:set>
+                                      <p:cBhvr>
+                                        <p:cTn id="22" dur="1" fill="hold">
+                                          <p:stCondLst>
+                                            <p:cond delay="0"/>
+                                          </p:stCondLst>
+                                        </p:cTn>
+                                        <p:tgtEl>
+                                          <p:spTgt spid="3">
+                                            <p:txEl>
+                                              <p:pRg st="4" end="4"/>
+                                            </p:txEl>
+                                          </p:spTgt>
+                                        </p:tgtEl>
+                                        <p:attrNameLst>
+                                          <p:attrName>style.visibility</p:attrName>
+                                        </p:attrNameLst>
+                                      </p:cBhvr>
+                                      <p:to>
+                                        <p:strVal val="visible"/>
+                                      </p:to>
+                                    </p:set>
+                                  </p:childTnLst>
+                                </p:cTn>
+                              </p:par>
+                            </p:childTnLst>
+                          </p:cTn>
+                        </p:par>
+                      </p:childTnLst>
+                    </p:cTn>
+                  </p:par>
+                  <p:par>
+                    <p:cTn id="23" fill="hold">
+                      <p:stCondLst>
+                        <p:cond delay="indefinite"/>
+                      </p:stCondLst>
+                      <p:childTnLst>
+                        <p:par>
+                          <p:cTn id="24" fill="hold">
+                            <p:stCondLst>
+                              <p:cond delay="0"/>
+                            </p:stCondLst>
+                            <p:childTnLst>
+                              <p:par>
+                                <p:cTn id="25" presetID="1" presetClass="entr" presetSubtype="0" fill="hold" nodeType="clickEffect">
+                                  <p:stCondLst>
+                                    <p:cond delay="0"/>
+                                  </p:stCondLst>
+                                  <p:childTnLst>
+                                    <p:set>
+                                      <p:cBhvr>
+                                        <p:cTn id="26" dur="1" fill="hold">
+                                          <p:stCondLst>
+                                            <p:cond delay="0"/>
+                                          </p:stCondLst>
+                                        </p:cTn>
+                                        <p:tgtEl>
+                                          <p:spTgt spid="3">
+                                            <p:txEl>
+                                              <p:pRg st="5" end="5"/>
+                                            </p:txEl>
+                                          </p:spTgt>
+                                        </p:tgtEl>
+                                        <p:attrNameLst>
+                                          <p:attrName>style.visibility</p:attrName>
+                                        </p:attrNameLst>
+                                      </p:cBhvr>
+                                      <p:to>
+                                        <p:strVal val="visible"/>
+                                      </p:to>
+                                    </p:set>
+                                  </p:childTnLst>
+                                </p:cTn>
+                              </p:par>
+                            </p:childTnLst>
+                          </p:cTn>
+                        </p:par>
+                      </p:childTnLst>
+                    </p:cTn>
+                  </p:par>
+                  <p:par>
+                    <p:cTn id="27" fill="hold">
+                      <p:stCondLst>
+                        <p:cond delay="indefinite"/>
+                      </p:stCondLst>
+                      <p:childTnLst>
+                        <p:par>
+                          <p:cTn id="28" fill="hold">
+                            <p:stCondLst>
+                              <p:cond delay="0"/>
+                            </p:stCondLst>
+                            <p:childTnLst>
+                              <p:par>
+                                <p:cTn id="29" presetID="1" presetClass="entr" presetSubtype="0" fill="hold" nodeType="clickEffect">
+                                  <p:stCondLst>
+                                    <p:cond delay="0"/>
+                                  </p:stCondLst>
+                                  <p:childTnLst>
+                                    <p:set>
+                                      <p:cBhvr>
+                                        <p:cTn id="30" dur="1" fill="hold">
+                                          <p:stCondLst>
+                                            <p:cond delay="0"/>
+                                          </p:stCondLst>
+                                        </p:cTn>
+                                        <p:tgtEl>
+                                          <p:spTgt spid="3">
+                                            <p:txEl>
+                                              <p:pRg st="6" end="6"/>
+                                            </p:txEl>
+                                          </p:spTgt>
+                                        </p:tgtEl>
+                                        <p:attrNameLst>
+                                          <p:attrName>style.visibility</p:attrName>
+                                        </p:attrNameLst>
+                                      </p:cBhvr>
+                                      <p:to>
+                                        <p:strVal val="visible"/>
+                                      </p:to>
+                                    </p:set>
+                                  </p:childTnLst>
+                                </p:cTn>
+                              </p:par>
+                            </p:childTnLst>
+                          </p:cTn>
+                        </p:par>
+                      </p:childTnLst>
+                    </p:cTn>
+                  </p:par>
+                </p:childTnLst>
+              </p:cTn>
+              <p:prevCondLst>
+                <p:cond evt="onPrev" delay="0">
+                  <p:tgtEl>
+                    <p:sldTgt/>
+                  </p:tgtEl>
+                </p:cond>
+              </p:prevCondLst>
+              <p:nextCondLst>
+                <p:cond evt="onNext" delay="0">
+                  <p:tgtEl>
+                    <p:sldTgt/>
+                  </p:tgtEl>
+                </p:cond>
+              </p:nextCondLst>
+            </p:seq>
+          </p:childTnLst>
+        </p:cTn>
       </p:par>
     </p:tnLst>
   </p:timing>
@@ -5623,11 +6528,7 @@
           <a:p>
             <a:r>
               <a:rPr lang="ru-RU" dirty="0" smtClean="0"/>
-              <a:t>Шаг </a:t>
-            </a:r>
-            <a:r>
-              <a:rPr lang="ru-RU" dirty="0" smtClean="0"/>
-              <a:t>1</a:t>
+              <a:t>Шаг 1</a:t>
             </a:r>
             <a:r>
               <a:rPr lang="en-US" dirty="0"/>
@@ -5699,7 +6600,121 @@
   <p:timing>
     <p:tnLst>
       <p:par>
-        <p:cTn id="1" dur="indefinite" restart="never" nodeType="tmRoot"/>
+        <p:cTn id="1" dur="indefinite" restart="never" nodeType="tmRoot">
+          <p:childTnLst>
+            <p:seq concurrent="1" nextAc="seek">
+              <p:cTn id="2" dur="indefinite" nodeType="mainSeq">
+                <p:childTnLst>
+                  <p:par>
+                    <p:cTn id="3" fill="hold">
+                      <p:stCondLst>
+                        <p:cond delay="indefinite"/>
+                      </p:stCondLst>
+                      <p:childTnLst>
+                        <p:par>
+                          <p:cTn id="4" fill="hold">
+                            <p:stCondLst>
+                              <p:cond delay="0"/>
+                            </p:stCondLst>
+                            <p:childTnLst>
+                              <p:par>
+                                <p:cTn id="5" presetID="2" presetClass="entr" presetSubtype="4" fill="hold" nodeType="clickEffect">
+                                  <p:stCondLst>
+                                    <p:cond delay="0"/>
+                                  </p:stCondLst>
+                                  <p:childTnLst>
+                                    <p:set>
+                                      <p:cBhvr>
+                                        <p:cTn id="6" dur="1" fill="hold">
+                                          <p:stCondLst>
+                                            <p:cond delay="0"/>
+                                          </p:stCondLst>
+                                        </p:cTn>
+                                        <p:tgtEl>
+                                          <p:spTgt spid="4"/>
+                                        </p:tgtEl>
+                                        <p:attrNameLst>
+                                          <p:attrName>style.visibility</p:attrName>
+                                        </p:attrNameLst>
+                                      </p:cBhvr>
+                                      <p:to>
+                                        <p:strVal val="visible"/>
+                                      </p:to>
+                                    </p:set>
+                                    <p:anim calcmode="lin" valueType="num">
+                                      <p:cBhvr additive="base">
+                                        <p:cTn id="7" dur="500" fill="hold"/>
+                                        <p:tgtEl>
+                                          <p:spTgt spid="4"/>
+                                        </p:tgtEl>
+                                        <p:attrNameLst>
+                                          <p:attrName>ppt_x</p:attrName>
+                                        </p:attrNameLst>
+                                      </p:cBhvr>
+                                      <p:tavLst>
+                                        <p:tav tm="0">
+                                          <p:val>
+                                            <p:strVal val="#ppt_x"/>
+                                          </p:val>
+                                        </p:tav>
+                                        <p:tav tm="100000">
+                                          <p:val>
+                                            <p:strVal val="#ppt_x"/>
+                                          </p:val>
+                                        </p:tav>
+                                      </p:tavLst>
+                                    </p:anim>
+                                    <p:anim calcmode="lin" valueType="num">
+                                      <p:cBhvr additive="base">
+                                        <p:cTn id="8" dur="500" fill="hold"/>
+                                        <p:tgtEl>
+                                          <p:spTgt spid="4"/>
+                                        </p:tgtEl>
+                                        <p:attrNameLst>
+                                          <p:attrName>ppt_y</p:attrName>
+                                        </p:attrNameLst>
+                                      </p:cBhvr>
+                                      <p:tavLst>
+                                        <p:tav tm="0">
+                                          <p:val>
+                                            <p:strVal val="1+#ppt_h/2"/>
+                                          </p:val>
+                                        </p:tav>
+                                        <p:tav tm="100000">
+                                          <p:val>
+                                            <p:strVal val="#ppt_y"/>
+                                          </p:val>
+                                        </p:tav>
+                                      </p:tavLst>
+                                    </p:anim>
+                                  </p:childTnLst>
+                                </p:cTn>
+                              </p:par>
+                            </p:childTnLst>
+                          </p:cTn>
+                        </p:par>
+                      </p:childTnLst>
+                    </p:cTn>
+                  </p:par>
+                </p:childTnLst>
+              </p:cTn>
+              <p:prevCondLst>
+                <p:cond evt="onPrev" delay="0">
+                  <p:tgtEl>
+                    <p:sldTgt/>
+                  </p:tgtEl>
+                </p:cond>
+              </p:prevCondLst>
+              <p:nextCondLst>
+                <p:cond evt="onNext" delay="0">
+                  <p:tgtEl>
+                    <p:sldTgt/>
+                  </p:tgtEl>
+                </p:cond>
+              </p:nextCondLst>
+            </p:seq>
+          </p:childTnLst>
+        </p:cTn>
       </p:par>
     </p:tnLst>
   </p:timing>
@@ -5742,11 +6757,7 @@
           <a:p>
             <a:r>
               <a:rPr lang="ru-RU" dirty="0" smtClean="0"/>
-              <a:t>Шаг </a:t>
-            </a:r>
-            <a:r>
-              <a:rPr lang="ru-RU" dirty="0" smtClean="0"/>
-              <a:t>2</a:t>
+              <a:t>Шаг 2</a:t>
             </a:r>
             <a:r>
               <a:rPr lang="en-US" dirty="0" smtClean="0"/>
@@ -5821,7 +6832,121 @@
   <p:timing>
     <p:tnLst>
       <p:par>
-        <p:cTn id="1" dur="indefinite" restart="never" nodeType="tmRoot"/>
+        <p:cTn id="1" dur="indefinite" restart="never" nodeType="tmRoot">
+          <p:childTnLst>
+            <p:seq concurrent="1" nextAc="seek">
+              <p:cTn id="2" dur="indefinite" nodeType="mainSeq">
+                <p:childTnLst>
+                  <p:par>
+                    <p:cTn id="3" fill="hold">
+                      <p:stCondLst>
+                        <p:cond delay="indefinite"/>
+                      </p:stCondLst>
+                      <p:childTnLst>
+                        <p:par>
+                          <p:cTn id="4" fill="hold">
+                            <p:stCondLst>
+                              <p:cond delay="0"/>
+                            </p:stCondLst>
+                            <p:childTnLst>
+                              <p:par>
+                                <p:cTn id="5" presetID="2" presetClass="entr" presetSubtype="4" fill="hold" nodeType="clickEffect">
+                                  <p:stCondLst>
+                                    <p:cond delay="0"/>
+                                  </p:stCondLst>
+                                  <p:childTnLst>
+                                    <p:set>
+                                      <p:cBhvr>
+                                        <p:cTn id="6" dur="1" fill="hold">
+                                          <p:stCondLst>
+                                            <p:cond delay="0"/>
+                                          </p:stCondLst>
+                                        </p:cTn>
+                                        <p:tgtEl>
+                                          <p:spTgt spid="4"/>
+                                        </p:tgtEl>
+                                        <p:attrNameLst>
+                                          <p:attrName>style.visibility</p:attrName>
+                                        </p:attrNameLst>
+                                      </p:cBhvr>
+                                      <p:to>
+                                        <p:strVal val="visible"/>
+                                      </p:to>
+                                    </p:set>
+                                    <p:anim calcmode="lin" valueType="num">
+                                      <p:cBhvr additive="base">
+                                        <p:cTn id="7" dur="500" fill="hold"/>
+                                        <p:tgtEl>
+                                          <p:spTgt spid="4"/>
+                                        </p:tgtEl>
+                                        <p:attrNameLst>
+                                          <p:attrName>ppt_x</p:attrName>
+                                        </p:attrNameLst>
+                                      </p:cBhvr>
+                                      <p:tavLst>
+                                        <p:tav tm="0">
+                                          <p:val>
+                                            <p:strVal val="#ppt_x"/>
+                                          </p:val>
+                                        </p:tav>
+                                        <p:tav tm="100000">
+                                          <p:val>
+                                            <p:strVal val="#ppt_x"/>
+                                          </p:val>
+                                        </p:tav>
+                                      </p:tavLst>
+                                    </p:anim>
+                                    <p:anim calcmode="lin" valueType="num">
+                                      <p:cBhvr additive="base">
+                                        <p:cTn id="8" dur="500" fill="hold"/>
+                                        <p:tgtEl>
+                                          <p:spTgt spid="4"/>
+                                        </p:tgtEl>
+                                        <p:attrNameLst>
+                                          <p:attrName>ppt_y</p:attrName>
+                                        </p:attrNameLst>
+                                      </p:cBhvr>
+                                      <p:tavLst>
+                                        <p:tav tm="0">
+                                          <p:val>
+                                            <p:strVal val="1+#ppt_h/2"/>
+                                          </p:val>
+                                        </p:tav>
+                                        <p:tav tm="100000">
+                                          <p:val>
+                                            <p:strVal val="#ppt_y"/>
+                                          </p:val>
+                                        </p:tav>
+                                      </p:tavLst>
+                                    </p:anim>
+                                  </p:childTnLst>
+                                </p:cTn>
+                              </p:par>
+                            </p:childTnLst>
+                          </p:cTn>
+                        </p:par>
+                      </p:childTnLst>
+                    </p:cTn>
+                  </p:par>
+                </p:childTnLst>
+              </p:cTn>
+              <p:prevCondLst>
+                <p:cond evt="onPrev" delay="0">
+                  <p:tgtEl>
+                    <p:sldTgt/>
+                  </p:tgtEl>
+                </p:cond>
+              </p:prevCondLst>
+              <p:nextCondLst>
+                <p:cond evt="onNext" delay="0">
+                  <p:tgtEl>
+                    <p:sldTgt/>
+                  </p:tgtEl>
+                </p:cond>
+              </p:nextCondLst>
+            </p:seq>
+          </p:childTnLst>
+        </p:cTn>
       </p:par>
     </p:tnLst>
   </p:timing>
@@ -5864,11 +6989,7 @@
           <a:p>
             <a:r>
               <a:rPr lang="ru-RU" dirty="0" smtClean="0"/>
-              <a:t>Шаг </a:t>
-            </a:r>
-            <a:r>
-              <a:rPr lang="ru-RU" dirty="0" smtClean="0"/>
-              <a:t>3</a:t>
+              <a:t>Шаг 3</a:t>
             </a:r>
             <a:r>
               <a:rPr lang="en-US" dirty="0" smtClean="0"/>
@@ -5894,7 +7015,7 @@
         </p:nvSpPr>
         <p:spPr>
           <a:xfrm>
-            <a:off x="1055440" y="1965434"/>
+            <a:off x="1849791" y="3137866"/>
             <a:ext cx="1942840" cy="369332"/>
           </a:xfrm>
           <a:prstGeom prst="rect">
@@ -5943,8 +7064,8 @@
         </p:nvSpPr>
         <p:spPr>
           <a:xfrm>
-            <a:off x="7752184" y="2026708"/>
-            <a:ext cx="3608360" cy="369332"/>
+            <a:off x="8908604" y="2947977"/>
+            <a:ext cx="2358979" cy="646331"/>
           </a:xfrm>
           <a:prstGeom prst="rect">
             <a:avLst/>
@@ -5956,6 +7077,7 @@
           </a:bodyPr>
           <a:lstStyle/>
           <a:p>
+            <a:pPr algn="ctr"/>
             <a:r>
               <a:rPr lang="ru-RU" dirty="0" smtClean="0">
                 <a:solidFill>
@@ -5963,7 +7085,25 @@
                 </a:solidFill>
                 <a:latin typeface="Roboto"/>
               </a:rPr>
-              <a:t>Системное администрирование</a:t>
+              <a:t>Системное </a:t>
+            </a:r>
+            <a:endParaRPr lang="en-US" dirty="0" smtClean="0">
+              <a:solidFill>
+                <a:srgbClr val="222222"/>
+              </a:solidFill>
+              <a:latin typeface="Roboto"/>
+            </a:endParaRPr>
+          </a:p>
+          <a:p>
+            <a:pPr algn="ctr"/>
+            <a:r>
+              <a:rPr lang="ru-RU" dirty="0" smtClean="0">
+                <a:solidFill>
+                  <a:srgbClr val="222222"/>
+                </a:solidFill>
+                <a:latin typeface="Roboto"/>
+              </a:rPr>
+              <a:t>администрирование</a:t>
             </a:r>
             <a:endParaRPr lang="ru-RU" b="0" i="0" dirty="0">
               <a:solidFill>
@@ -5983,8 +7123,8 @@
         </p:nvSpPr>
         <p:spPr>
           <a:xfrm>
-            <a:off x="588188" y="3582700"/>
-            <a:ext cx="4694555" cy="369332"/>
+            <a:off x="1849791" y="5157192"/>
+            <a:ext cx="2540119" cy="646331"/>
           </a:xfrm>
           <a:prstGeom prst="rect">
             <a:avLst/>
@@ -6003,7 +7143,24 @@
                 </a:solidFill>
                 <a:latin typeface="Roboto"/>
               </a:rPr>
-              <a:t>Встроенные системы (</a:t>
+              <a:t>Встроенные системы </a:t>
+            </a:r>
+            <a:endParaRPr lang="en-US" dirty="0" smtClean="0">
+              <a:solidFill>
+                <a:srgbClr val="222222"/>
+              </a:solidFill>
+              <a:latin typeface="Roboto"/>
+            </a:endParaRPr>
+          </a:p>
+          <a:p>
+            <a:r>
+              <a:rPr lang="ru-RU" dirty="0" smtClean="0">
+                <a:solidFill>
+                  <a:srgbClr val="222222"/>
+                </a:solidFill>
+                <a:latin typeface="Roboto"/>
+              </a:rPr>
+              <a:t>(</a:t>
             </a:r>
             <a:r>
               <a:rPr lang="en-US" dirty="0">
@@ -6032,8 +7189,8 @@
         </p:nvSpPr>
         <p:spPr>
           <a:xfrm>
-            <a:off x="3384292" y="5566122"/>
-            <a:ext cx="5037661" cy="369332"/>
+            <a:off x="5159896" y="5949280"/>
+            <a:ext cx="2888996" cy="646331"/>
           </a:xfrm>
           <a:prstGeom prst="rect">
             <a:avLst/>
@@ -6045,6 +7202,7 @@
           </a:bodyPr>
           <a:lstStyle/>
           <a:p>
+            <a:pPr algn="ctr"/>
             <a:r>
               <a:rPr lang="ru-RU" dirty="0">
                 <a:solidFill>
@@ -6052,7 +7210,33 @@
                 </a:solidFill>
                 <a:latin typeface="Roboto"/>
               </a:rPr>
-              <a:t>Разработка прикладного ПО, в том числе игр</a:t>
+              <a:t>Разработка прикладного </a:t>
+            </a:r>
+            <a:endParaRPr lang="en-US" dirty="0" smtClean="0">
+              <a:solidFill>
+                <a:srgbClr val="222222"/>
+              </a:solidFill>
+              <a:latin typeface="Roboto"/>
+            </a:endParaRPr>
+          </a:p>
+          <a:p>
+            <a:r>
+              <a:rPr lang="ru-RU" dirty="0" smtClean="0">
+                <a:solidFill>
+                  <a:srgbClr val="222222"/>
+                </a:solidFill>
+                <a:latin typeface="Roboto"/>
+              </a:rPr>
+              <a:t>ПО</a:t>
+            </a:r>
+            <a:r>
+              <a:rPr lang="ru-RU" dirty="0">
+                <a:solidFill>
+                  <a:srgbClr val="222222"/>
+                </a:solidFill>
+                <a:latin typeface="Roboto"/>
+              </a:rPr>
+              <a:t>, в том числе игр</a:t>
             </a:r>
             <a:endParaRPr lang="ru-RU" b="0" i="0" dirty="0">
               <a:solidFill>
@@ -6072,8 +7256,8 @@
         </p:nvSpPr>
         <p:spPr>
           <a:xfrm>
-            <a:off x="8398727" y="3640798"/>
-            <a:ext cx="2710422" cy="369332"/>
+            <a:off x="9306966" y="5172252"/>
+            <a:ext cx="1695079" cy="646331"/>
           </a:xfrm>
           <a:prstGeom prst="rect">
             <a:avLst/>
@@ -6085,6 +7269,7 @@
           </a:bodyPr>
           <a:lstStyle/>
           <a:p>
+            <a:pPr algn="ctr"/>
             <a:r>
               <a:rPr lang="ru-RU" dirty="0">
                 <a:solidFill>
@@ -6092,7 +7277,24 @@
                 </a:solidFill>
                 <a:latin typeface="Roboto"/>
               </a:rPr>
-              <a:t>Научные исследования</a:t>
+              <a:t>Научные </a:t>
+            </a:r>
+            <a:endParaRPr lang="en-US" dirty="0" smtClean="0">
+              <a:solidFill>
+                <a:srgbClr val="222222"/>
+              </a:solidFill>
+              <a:latin typeface="Roboto"/>
+            </a:endParaRPr>
+          </a:p>
+          <a:p>
+            <a:r>
+              <a:rPr lang="ru-RU" dirty="0" smtClean="0">
+                <a:solidFill>
+                  <a:srgbClr val="222222"/>
+                </a:solidFill>
+                <a:latin typeface="Roboto"/>
+              </a:rPr>
+              <a:t>исследования</a:t>
             </a:r>
             <a:endParaRPr lang="ru-RU" b="0" i="0" dirty="0">
               <a:solidFill>
@@ -6112,7 +7314,7 @@
         </p:nvSpPr>
         <p:spPr>
           <a:xfrm>
-            <a:off x="5282743" y="2847062"/>
+            <a:off x="5701823" y="3189558"/>
             <a:ext cx="1680781" cy="369332"/>
           </a:xfrm>
           <a:prstGeom prst="rect">
@@ -6144,6 +7346,200 @@
           </a:p>
         </p:txBody>
       </p:sp>
+      <p:pic>
+        <p:nvPicPr>
+          <p:cNvPr id="1026" name="Picture 2" descr="Похожее изображение"/>
+          <p:cNvPicPr>
+            <a:picLocks noChangeAspect="1" noChangeArrowheads="1"/>
+          </p:cNvPicPr>
+          <p:nvPr/>
+        </p:nvPicPr>
+        <p:blipFill>
+          <a:blip r:embed="rId2" cstate="print">
+            <a:extLst>
+              <a:ext uri="{28A0092B-C50C-407E-A947-70E740481C1C}">
+                <a14:useLocalDpi xmlns:a14="http://schemas.microsoft.com/office/drawing/2010/main" val="0"/>
+              </a:ext>
+            </a:extLst>
+          </a:blip>
+          <a:srcRect/>
+          <a:stretch>
+            <a:fillRect/>
+          </a:stretch>
+        </p:blipFill>
+        <p:spPr bwMode="auto">
+          <a:xfrm>
+            <a:off x="2135560" y="1530974"/>
+            <a:ext cx="1371302" cy="1472179"/>
+          </a:xfrm>
+          <a:prstGeom prst="rect">
+            <a:avLst/>
+          </a:prstGeom>
+          <a:noFill/>
+          <a:extLst>
+            <a:ext uri="{909E8E84-426E-40DD-AFC4-6F175D3DCCD1}">
+              <a14:hiddenFill xmlns:a14="http://schemas.microsoft.com/office/drawing/2010/main">
+                <a:solidFill>
+                  <a:srgbClr val="FFFFFF"/>
+                </a:solidFill>
+              </a14:hiddenFill>
+            </a:ext>
+          </a:extLst>
+        </p:spPr>
+      </p:pic>
+      <p:pic>
+        <p:nvPicPr>
+          <p:cNvPr id="1028" name="Picture 4" descr="Картинки по запросу Встроенные системы python"/>
+          <p:cNvPicPr>
+            <a:picLocks noChangeAspect="1" noChangeArrowheads="1"/>
+          </p:cNvPicPr>
+          <p:nvPr/>
+        </p:nvPicPr>
+        <p:blipFill>
+          <a:blip r:embed="rId3">
+            <a:extLst>
+              <a:ext uri="{28A0092B-C50C-407E-A947-70E740481C1C}">
+                <a14:useLocalDpi xmlns:a14="http://schemas.microsoft.com/office/drawing/2010/main" val="0"/>
+              </a:ext>
+            </a:extLst>
+          </a:blip>
+          <a:srcRect/>
+          <a:stretch>
+            <a:fillRect/>
+          </a:stretch>
+        </p:blipFill>
+        <p:spPr bwMode="auto">
+          <a:xfrm>
+            <a:off x="2156272" y="4005064"/>
+            <a:ext cx="1515318" cy="1109811"/>
+          </a:xfrm>
+          <a:prstGeom prst="rect">
+            <a:avLst/>
+          </a:prstGeom>
+          <a:noFill/>
+          <a:extLst>
+            <a:ext uri="{909E8E84-426E-40DD-AFC4-6F175D3DCCD1}">
+              <a14:hiddenFill xmlns:a14="http://schemas.microsoft.com/office/drawing/2010/main">
+                <a:solidFill>
+                  <a:srgbClr val="FFFFFF"/>
+                </a:solidFill>
+              </a14:hiddenFill>
+            </a:ext>
+          </a:extLst>
+        </p:spPr>
+      </p:pic>
+      <p:pic>
+        <p:nvPicPr>
+          <p:cNvPr id="1030" name="Picture 6" descr="Картинки по запросу разработка игр python"/>
+          <p:cNvPicPr>
+            <a:picLocks noChangeAspect="1" noChangeArrowheads="1"/>
+          </p:cNvPicPr>
+          <p:nvPr/>
+        </p:nvPicPr>
+        <p:blipFill>
+          <a:blip r:embed="rId4" cstate="print">
+            <a:extLst>
+              <a:ext uri="{28A0092B-C50C-407E-A947-70E740481C1C}">
+                <a14:useLocalDpi xmlns:a14="http://schemas.microsoft.com/office/drawing/2010/main" val="0"/>
+              </a:ext>
+            </a:extLst>
+          </a:blip>
+          <a:srcRect/>
+          <a:stretch>
+            <a:fillRect/>
+          </a:stretch>
+        </p:blipFill>
+        <p:spPr bwMode="auto">
+          <a:xfrm>
+            <a:off x="5519936" y="4435050"/>
+            <a:ext cx="2044557" cy="1444283"/>
+          </a:xfrm>
+          <a:prstGeom prst="rect">
+            <a:avLst/>
+          </a:prstGeom>
+          <a:noFill/>
+          <a:extLst>
+            <a:ext uri="{909E8E84-426E-40DD-AFC4-6F175D3DCCD1}">
+              <a14:hiddenFill xmlns:a14="http://schemas.microsoft.com/office/drawing/2010/main">
+                <a:solidFill>
+                  <a:srgbClr val="FFFFFF"/>
+                </a:solidFill>
+              </a14:hiddenFill>
+            </a:ext>
+          </a:extLst>
+        </p:spPr>
+      </p:pic>
+      <p:pic>
+        <p:nvPicPr>
+          <p:cNvPr id="10" name="Рисунок 9"/>
+          <p:cNvPicPr>
+            <a:picLocks noChangeAspect="1"/>
+          </p:cNvPicPr>
+          <p:nvPr/>
+        </p:nvPicPr>
+        <p:blipFill>
+          <a:blip r:embed="rId5"/>
+          <a:stretch>
+            <a:fillRect/>
+          </a:stretch>
+        </p:blipFill>
+        <p:spPr>
+          <a:xfrm>
+            <a:off x="8970411" y="4060206"/>
+            <a:ext cx="2246788" cy="1112046"/>
+          </a:xfrm>
+          <a:prstGeom prst="rect">
+            <a:avLst/>
+          </a:prstGeom>
+        </p:spPr>
+      </p:pic>
+      <p:pic>
+        <p:nvPicPr>
+          <p:cNvPr id="11" name="Рисунок 10"/>
+          <p:cNvPicPr>
+            <a:picLocks noChangeAspect="1"/>
+          </p:cNvPicPr>
+          <p:nvPr/>
+        </p:nvPicPr>
+        <p:blipFill rotWithShape="1">
+          <a:blip r:embed="rId6"/>
+          <a:srcRect t="38333" r="16843"/>
+          <a:stretch/>
+        </p:blipFill>
+        <p:spPr>
+          <a:xfrm>
+            <a:off x="9192344" y="1417638"/>
+            <a:ext cx="1488852" cy="1452738"/>
+          </a:xfrm>
+          <a:prstGeom prst="rect">
+            <a:avLst/>
+          </a:prstGeom>
+        </p:spPr>
+      </p:pic>
+      <p:pic>
+        <p:nvPicPr>
+          <p:cNvPr id="12" name="Рисунок 11"/>
+          <p:cNvPicPr>
+            <a:picLocks noChangeAspect="1"/>
+          </p:cNvPicPr>
+          <p:nvPr/>
+        </p:nvPicPr>
+        <p:blipFill>
+          <a:blip r:embed="rId7"/>
+          <a:stretch>
+            <a:fillRect/>
+          </a:stretch>
+        </p:blipFill>
+        <p:spPr>
+          <a:xfrm>
+            <a:off x="5656935" y="1441171"/>
+            <a:ext cx="1770556" cy="1744454"/>
+          </a:xfrm>
+          <a:prstGeom prst="rect">
+            <a:avLst/>
+          </a:prstGeom>
+        </p:spPr>
+      </p:pic>
     </p:spTree>
     <p:extLst>
       <p:ext uri="{BB962C8B-B14F-4D97-AF65-F5344CB8AC3E}">
@@ -6165,9 +7561,488 @@
   <p:timing>
     <p:tnLst>
       <p:par>
-        <p:cTn id="1" dur="indefinite" restart="never" nodeType="tmRoot"/>
+        <p:cTn id="1" dur="indefinite" restart="never" nodeType="tmRoot">
+          <p:childTnLst>
+            <p:seq concurrent="1" nextAc="seek">
+              <p:cTn id="2" dur="indefinite" nodeType="mainSeq">
+                <p:childTnLst>
+                  <p:par>
+                    <p:cTn id="3" fill="hold">
+                      <p:stCondLst>
+                        <p:cond delay="indefinite"/>
+                      </p:stCondLst>
+                      <p:childTnLst>
+                        <p:par>
+                          <p:cTn id="4" fill="hold">
+                            <p:stCondLst>
+                              <p:cond delay="0"/>
+                            </p:stCondLst>
+                            <p:childTnLst>
+                              <p:par>
+                                <p:cTn id="5" presetID="1" presetClass="entr" presetSubtype="0" fill="hold" grpId="0" nodeType="clickEffect">
+                                  <p:stCondLst>
+                                    <p:cond delay="0"/>
+                                  </p:stCondLst>
+                                  <p:childTnLst>
+                                    <p:set>
+                                      <p:cBhvr>
+                                        <p:cTn id="6" dur="1" fill="hold">
+                                          <p:stCondLst>
+                                            <p:cond delay="0"/>
+                                          </p:stCondLst>
+                                        </p:cTn>
+                                        <p:tgtEl>
+                                          <p:spTgt spid="4"/>
+                                        </p:tgtEl>
+                                        <p:attrNameLst>
+                                          <p:attrName>style.visibility</p:attrName>
+                                        </p:attrNameLst>
+                                      </p:cBhvr>
+                                      <p:to>
+                                        <p:strVal val="visible"/>
+                                      </p:to>
+                                    </p:set>
+                                  </p:childTnLst>
+                                </p:cTn>
+                              </p:par>
+                              <p:par>
+                                <p:cTn id="7" presetID="1" presetClass="entr" presetSubtype="0" fill="hold" nodeType="withEffect">
+                                  <p:stCondLst>
+                                    <p:cond delay="0"/>
+                                  </p:stCondLst>
+                                  <p:childTnLst>
+                                    <p:set>
+                                      <p:cBhvr>
+                                        <p:cTn id="8" dur="1" fill="hold">
+                                          <p:stCondLst>
+                                            <p:cond delay="0"/>
+                                          </p:stCondLst>
+                                        </p:cTn>
+                                        <p:tgtEl>
+                                          <p:spTgt spid="1026"/>
+                                        </p:tgtEl>
+                                        <p:attrNameLst>
+                                          <p:attrName>style.visibility</p:attrName>
+                                        </p:attrNameLst>
+                                      </p:cBhvr>
+                                      <p:to>
+                                        <p:strVal val="visible"/>
+                                      </p:to>
+                                    </p:set>
+                                  </p:childTnLst>
+                                </p:cTn>
+                              </p:par>
+                            </p:childTnLst>
+                          </p:cTn>
+                        </p:par>
+                      </p:childTnLst>
+                    </p:cTn>
+                  </p:par>
+                  <p:par>
+                    <p:cTn id="9" fill="hold">
+                      <p:stCondLst>
+                        <p:cond delay="indefinite"/>
+                      </p:stCondLst>
+                      <p:childTnLst>
+                        <p:par>
+                          <p:cTn id="10" fill="hold">
+                            <p:stCondLst>
+                              <p:cond delay="0"/>
+                            </p:stCondLst>
+                            <p:childTnLst>
+                              <p:par>
+                                <p:cTn id="11" presetID="1" presetClass="entr" presetSubtype="0" fill="hold" grpId="0" nodeType="clickEffect">
+                                  <p:stCondLst>
+                                    <p:cond delay="0"/>
+                                  </p:stCondLst>
+                                  <p:childTnLst>
+                                    <p:set>
+                                      <p:cBhvr>
+                                        <p:cTn id="12" dur="1" fill="hold">
+                                          <p:stCondLst>
+                                            <p:cond delay="0"/>
+                                          </p:stCondLst>
+                                        </p:cTn>
+                                        <p:tgtEl>
+                                          <p:spTgt spid="6"/>
+                                        </p:tgtEl>
+                                        <p:attrNameLst>
+                                          <p:attrName>style.visibility</p:attrName>
+                                        </p:attrNameLst>
+                                      </p:cBhvr>
+                                      <p:to>
+                                        <p:strVal val="visible"/>
+                                      </p:to>
+                                    </p:set>
+                                  </p:childTnLst>
+                                </p:cTn>
+                              </p:par>
+                              <p:par>
+                                <p:cTn id="13" presetID="1" presetClass="entr" presetSubtype="0" fill="hold" nodeType="withEffect">
+                                  <p:stCondLst>
+                                    <p:cond delay="0"/>
+                                  </p:stCondLst>
+                                  <p:childTnLst>
+                                    <p:set>
+                                      <p:cBhvr>
+                                        <p:cTn id="14" dur="1" fill="hold">
+                                          <p:stCondLst>
+                                            <p:cond delay="0"/>
+                                          </p:stCondLst>
+                                        </p:cTn>
+                                        <p:tgtEl>
+                                          <p:spTgt spid="1028"/>
+                                        </p:tgtEl>
+                                        <p:attrNameLst>
+                                          <p:attrName>style.visibility</p:attrName>
+                                        </p:attrNameLst>
+                                      </p:cBhvr>
+                                      <p:to>
+                                        <p:strVal val="visible"/>
+                                      </p:to>
+                                    </p:set>
+                                  </p:childTnLst>
+                                </p:cTn>
+                              </p:par>
+                            </p:childTnLst>
+                          </p:cTn>
+                        </p:par>
+                      </p:childTnLst>
+                    </p:cTn>
+                  </p:par>
+                  <p:par>
+                    <p:cTn id="15" fill="hold">
+                      <p:stCondLst>
+                        <p:cond delay="indefinite"/>
+                      </p:stCondLst>
+                      <p:childTnLst>
+                        <p:par>
+                          <p:cTn id="16" fill="hold">
+                            <p:stCondLst>
+                              <p:cond delay="0"/>
+                            </p:stCondLst>
+                            <p:childTnLst>
+                              <p:par>
+                                <p:cTn id="17" presetID="1" presetClass="entr" presetSubtype="0" fill="hold" grpId="0" nodeType="clickEffect">
+                                  <p:stCondLst>
+                                    <p:cond delay="0"/>
+                                  </p:stCondLst>
+                                  <p:childTnLst>
+                                    <p:set>
+                                      <p:cBhvr>
+                                        <p:cTn id="18" dur="1" fill="hold">
+                                          <p:stCondLst>
+                                            <p:cond delay="0"/>
+                                          </p:stCondLst>
+                                        </p:cTn>
+                                        <p:tgtEl>
+                                          <p:spTgt spid="9"/>
+                                        </p:tgtEl>
+                                        <p:attrNameLst>
+                                          <p:attrName>style.visibility</p:attrName>
+                                        </p:attrNameLst>
+                                      </p:cBhvr>
+                                      <p:to>
+                                        <p:strVal val="visible"/>
+                                      </p:to>
+                                    </p:set>
+                                  </p:childTnLst>
+                                </p:cTn>
+                              </p:par>
+                              <p:par>
+                                <p:cTn id="19" presetID="1" presetClass="entr" presetSubtype="0" fill="hold" nodeType="withEffect">
+                                  <p:stCondLst>
+                                    <p:cond delay="0"/>
+                                  </p:stCondLst>
+                                  <p:childTnLst>
+                                    <p:set>
+                                      <p:cBhvr>
+                                        <p:cTn id="20" dur="1" fill="hold">
+                                          <p:stCondLst>
+                                            <p:cond delay="0"/>
+                                          </p:stCondLst>
+                                        </p:cTn>
+                                        <p:tgtEl>
+                                          <p:spTgt spid="12"/>
+                                        </p:tgtEl>
+                                        <p:attrNameLst>
+                                          <p:attrName>style.visibility</p:attrName>
+                                        </p:attrNameLst>
+                                      </p:cBhvr>
+                                      <p:to>
+                                        <p:strVal val="visible"/>
+                                      </p:to>
+                                    </p:set>
+                                  </p:childTnLst>
+                                </p:cTn>
+                              </p:par>
+                            </p:childTnLst>
+                          </p:cTn>
+                        </p:par>
+                      </p:childTnLst>
+                    </p:cTn>
+                  </p:par>
+                  <p:par>
+                    <p:cTn id="21" fill="hold">
+                      <p:stCondLst>
+                        <p:cond delay="indefinite"/>
+                      </p:stCondLst>
+                      <p:childTnLst>
+                        <p:par>
+                          <p:cTn id="22" fill="hold">
+                            <p:stCondLst>
+                              <p:cond delay="0"/>
+                            </p:stCondLst>
+                            <p:childTnLst>
+                              <p:par>
+                                <p:cTn id="23" presetID="1" presetClass="entr" presetSubtype="0" fill="hold" grpId="0" nodeType="clickEffect">
+                                  <p:stCondLst>
+                                    <p:cond delay="0"/>
+                                  </p:stCondLst>
+                                  <p:childTnLst>
+                                    <p:set>
+                                      <p:cBhvr>
+                                        <p:cTn id="24" dur="1" fill="hold">
+                                          <p:stCondLst>
+                                            <p:cond delay="0"/>
+                                          </p:stCondLst>
+                                        </p:cTn>
+                                        <p:tgtEl>
+                                          <p:spTgt spid="7"/>
+                                        </p:tgtEl>
+                                        <p:attrNameLst>
+                                          <p:attrName>style.visibility</p:attrName>
+                                        </p:attrNameLst>
+                                      </p:cBhvr>
+                                      <p:to>
+                                        <p:strVal val="visible"/>
+                                      </p:to>
+                                    </p:set>
+                                  </p:childTnLst>
+                                </p:cTn>
+                              </p:par>
+                              <p:par>
+                                <p:cTn id="25" presetID="1" presetClass="entr" presetSubtype="0" fill="hold" nodeType="withEffect">
+                                  <p:stCondLst>
+                                    <p:cond delay="0"/>
+                                  </p:stCondLst>
+                                  <p:childTnLst>
+                                    <p:set>
+                                      <p:cBhvr>
+                                        <p:cTn id="26" dur="1" fill="hold">
+                                          <p:stCondLst>
+                                            <p:cond delay="0"/>
+                                          </p:stCondLst>
+                                        </p:cTn>
+                                        <p:tgtEl>
+                                          <p:spTgt spid="1030"/>
+                                        </p:tgtEl>
+                                        <p:attrNameLst>
+                                          <p:attrName>style.visibility</p:attrName>
+                                        </p:attrNameLst>
+                                      </p:cBhvr>
+                                      <p:to>
+                                        <p:strVal val="visible"/>
+                                      </p:to>
+                                    </p:set>
+                                  </p:childTnLst>
+                                </p:cTn>
+                              </p:par>
+                            </p:childTnLst>
+                          </p:cTn>
+                        </p:par>
+                      </p:childTnLst>
+                    </p:cTn>
+                  </p:par>
+                  <p:par>
+                    <p:cTn id="27" fill="hold">
+                      <p:stCondLst>
+                        <p:cond delay="indefinite"/>
+                      </p:stCondLst>
+                      <p:childTnLst>
+                        <p:par>
+                          <p:cTn id="28" fill="hold">
+                            <p:stCondLst>
+                              <p:cond delay="0"/>
+                            </p:stCondLst>
+                            <p:childTnLst>
+                              <p:par>
+                                <p:cTn id="29" presetID="10" presetClass="entr" presetSubtype="0" fill="hold" grpId="0" nodeType="clickEffect">
+                                  <p:stCondLst>
+                                    <p:cond delay="0"/>
+                                  </p:stCondLst>
+                                  <p:childTnLst>
+                                    <p:set>
+                                      <p:cBhvr>
+                                        <p:cTn id="30" dur="1" fill="hold">
+                                          <p:stCondLst>
+                                            <p:cond delay="0"/>
+                                          </p:stCondLst>
+                                        </p:cTn>
+                                        <p:tgtEl>
+                                          <p:spTgt spid="5"/>
+                                        </p:tgtEl>
+                                        <p:attrNameLst>
+                                          <p:attrName>style.visibility</p:attrName>
+                                        </p:attrNameLst>
+                                      </p:cBhvr>
+                                      <p:to>
+                                        <p:strVal val="visible"/>
+                                      </p:to>
+                                    </p:set>
+                                    <p:animEffect transition="in" filter="fade">
+                                      <p:cBhvr>
+                                        <p:cTn id="31" dur="500"/>
+                                        <p:tgtEl>
+                                          <p:spTgt spid="5"/>
+                                        </p:tgtEl>
+                                      </p:cBhvr>
+                                    </p:animEffect>
+                                  </p:childTnLst>
+                                </p:cTn>
+                              </p:par>
+                              <p:par>
+                                <p:cTn id="32" presetID="10" presetClass="entr" presetSubtype="0" fill="hold" nodeType="withEffect">
+                                  <p:stCondLst>
+                                    <p:cond delay="0"/>
+                                  </p:stCondLst>
+                                  <p:childTnLst>
+                                    <p:set>
+                                      <p:cBhvr>
+                                        <p:cTn id="33" dur="1" fill="hold">
+                                          <p:stCondLst>
+                                            <p:cond delay="0"/>
+                                          </p:stCondLst>
+                                        </p:cTn>
+                                        <p:tgtEl>
+                                          <p:spTgt spid="11"/>
+                                        </p:tgtEl>
+                                        <p:attrNameLst>
+                                          <p:attrName>style.visibility</p:attrName>
+                                        </p:attrNameLst>
+                                      </p:cBhvr>
+                                      <p:to>
+                                        <p:strVal val="visible"/>
+                                      </p:to>
+                                    </p:set>
+                                    <p:animEffect transition="in" filter="fade">
+                                      <p:cBhvr>
+                                        <p:cTn id="34" dur="500"/>
+                                        <p:tgtEl>
+                                          <p:spTgt spid="11"/>
+                                        </p:tgtEl>
+                                      </p:cBhvr>
+                                    </p:animEffect>
+                                  </p:childTnLst>
+                                </p:cTn>
+                              </p:par>
+                            </p:childTnLst>
+                          </p:cTn>
+                        </p:par>
+                      </p:childTnLst>
+                    </p:cTn>
+                  </p:par>
+                  <p:par>
+                    <p:cTn id="35" fill="hold">
+                      <p:stCondLst>
+                        <p:cond delay="indefinite"/>
+                      </p:stCondLst>
+                      <p:childTnLst>
+                        <p:par>
+                          <p:cTn id="36" fill="hold">
+                            <p:stCondLst>
+                              <p:cond delay="0"/>
+                            </p:stCondLst>
+                            <p:childTnLst>
+                              <p:par>
+                                <p:cTn id="37" presetID="1" presetClass="entr" presetSubtype="0" fill="hold" grpId="0" nodeType="clickEffect">
+                                  <p:stCondLst>
+                                    <p:cond delay="0"/>
+                                  </p:stCondLst>
+                                  <p:childTnLst>
+                                    <p:set>
+                                      <p:cBhvr>
+                                        <p:cTn id="38" dur="1" fill="hold">
+                                          <p:stCondLst>
+                                            <p:cond delay="0"/>
+                                          </p:stCondLst>
+                                        </p:cTn>
+                                        <p:tgtEl>
+                                          <p:spTgt spid="8"/>
+                                        </p:tgtEl>
+                                        <p:attrNameLst>
+                                          <p:attrName>style.visibility</p:attrName>
+                                        </p:attrNameLst>
+                                      </p:cBhvr>
+                                      <p:to>
+                                        <p:strVal val="visible"/>
+                                      </p:to>
+                                    </p:set>
+                                  </p:childTnLst>
+                                </p:cTn>
+                              </p:par>
+                              <p:par>
+                                <p:cTn id="39" presetID="1" presetClass="entr" presetSubtype="0" fill="hold" nodeType="withEffect">
+                                  <p:stCondLst>
+                                    <p:cond delay="0"/>
+                                  </p:stCondLst>
+                                  <p:childTnLst>
+                                    <p:set>
+                                      <p:cBhvr>
+                                        <p:cTn id="40" dur="1" fill="hold">
+                                          <p:stCondLst>
+                                            <p:cond delay="0"/>
+                                          </p:stCondLst>
+                                        </p:cTn>
+                                        <p:tgtEl>
+                                          <p:spTgt spid="10"/>
+                                        </p:tgtEl>
+                                        <p:attrNameLst>
+                                          <p:attrName>style.visibility</p:attrName>
+                                        </p:attrNameLst>
+                                      </p:cBhvr>
+                                      <p:to>
+                                        <p:strVal val="visible"/>
+                                      </p:to>
+                                    </p:set>
+                                  </p:childTnLst>
+                                </p:cTn>
+                              </p:par>
+                            </p:childTnLst>
+                          </p:cTn>
+                        </p:par>
+                      </p:childTnLst>
+                    </p:cTn>
+                  </p:par>
+                </p:childTnLst>
+              </p:cTn>
+              <p:prevCondLst>
+                <p:cond evt="onPrev" delay="0">
+                  <p:tgtEl>
+                    <p:sldTgt/>
+                  </p:tgtEl>
+                </p:cond>
+              </p:prevCondLst>
+              <p:nextCondLst>
+                <p:cond evt="onNext" delay="0">
+                  <p:tgtEl>
+                    <p:sldTgt/>
+                  </p:tgtEl>
+                </p:cond>
+              </p:nextCondLst>
+            </p:seq>
+          </p:childTnLst>
+        </p:cTn>
       </p:par>
     </p:tnLst>
+    <p:bldLst>
+      <p:bldP spid="4" grpId="0"/>
+      <p:bldP spid="5" grpId="0"/>
+      <p:bldP spid="6" grpId="0"/>
+      <p:bldP spid="7" grpId="0"/>
+      <p:bldP spid="8" grpId="0"/>
+      <p:bldP spid="9" grpId="0"/>
+    </p:bldLst>
   </p:timing>
 </p:sld>
 </file>
@@ -6208,11 +8083,7 @@
           <a:p>
             <a:r>
               <a:rPr lang="ru-RU" dirty="0" smtClean="0"/>
-              <a:t>Шаг </a:t>
-            </a:r>
-            <a:r>
-              <a:rPr lang="ru-RU" dirty="0" smtClean="0"/>
-              <a:t>4</a:t>
+              <a:t>Шаг 4</a:t>
             </a:r>
             <a:r>
               <a:rPr lang="en-US" dirty="0" smtClean="0"/>
@@ -6220,7 +8091,19 @@
             </a:r>
             <a:r>
               <a:rPr lang="ru-RU" dirty="0" smtClean="0"/>
-              <a:t>Фреймворки и библиотеки</a:t>
+              <a:t>Изучите </a:t>
+            </a:r>
+            <a:r>
+              <a:rPr lang="ru-RU" dirty="0" err="1" smtClean="0"/>
+              <a:t>фреймворки</a:t>
+            </a:r>
+            <a:r>
+              <a:rPr lang="ru-RU" dirty="0" smtClean="0"/>
+              <a:t> </a:t>
+            </a:r>
+            <a:r>
+              <a:rPr lang="ru-RU" dirty="0" smtClean="0"/>
+              <a:t>и библиотеки</a:t>
             </a:r>
             <a:endParaRPr lang="ru-RU" dirty="0"/>
           </a:p>
@@ -6290,7 +8173,7 @@
         </p:blipFill>
         <p:spPr bwMode="auto">
           <a:xfrm>
-            <a:off x="740668" y="3962019"/>
+            <a:off x="592510" y="3688570"/>
             <a:ext cx="3473351" cy="731567"/>
           </a:xfrm>
           <a:prstGeom prst="rect">
@@ -6331,8 +8214,8 @@
         </p:blipFill>
         <p:spPr bwMode="auto">
           <a:xfrm>
-            <a:off x="4805560" y="1708768"/>
-            <a:ext cx="4038437" cy="1580375"/>
+            <a:off x="4799856" y="1683388"/>
+            <a:ext cx="3396069" cy="1328995"/>
           </a:xfrm>
           <a:prstGeom prst="rect">
             <a:avLst/>
@@ -6372,7 +8255,7 @@
         </p:blipFill>
         <p:spPr bwMode="auto">
           <a:xfrm>
-            <a:off x="5345506" y="3828398"/>
+            <a:off x="5237382" y="3411893"/>
             <a:ext cx="2958543" cy="865188"/>
           </a:xfrm>
           <a:prstGeom prst="rect">
@@ -6398,7 +8281,7 @@
           </p:cNvPicPr>
           <p:nvPr/>
         </p:nvPicPr>
-        <p:blipFill>
+        <p:blipFill rotWithShape="1">
           <a:blip r:embed="rId6">
             <a:extLst>
               <a:ext uri="{28A0092B-C50C-407E-A947-70E740481C1C}">
@@ -6406,15 +8289,13 @@
               </a:ext>
             </a:extLst>
           </a:blip>
-          <a:srcRect/>
-          <a:stretch>
-            <a:fillRect/>
-          </a:stretch>
+          <a:srcRect l="15600" r="18401"/>
+          <a:stretch/>
         </p:blipFill>
         <p:spPr bwMode="auto">
           <a:xfrm>
-            <a:off x="-240704" y="5203575"/>
-            <a:ext cx="6000750" cy="1200150"/>
+            <a:off x="156060" y="4760267"/>
+            <a:ext cx="3960440" cy="1200150"/>
           </a:xfrm>
           <a:prstGeom prst="rect">
             <a:avLst/>
@@ -6478,7 +8359,7 @@
         </p:blipFill>
         <p:spPr bwMode="auto">
           <a:xfrm>
-            <a:off x="8870365" y="5013176"/>
+            <a:off x="9336360" y="4422394"/>
             <a:ext cx="3016420" cy="1006041"/>
           </a:xfrm>
           <a:prstGeom prst="rect">
@@ -6512,12 +8393,53 @@
         </p:blipFill>
         <p:spPr>
           <a:xfrm>
-            <a:off x="5898338" y="4888130"/>
+            <a:off x="7392144" y="5110509"/>
             <a:ext cx="1781838" cy="1579697"/>
           </a:xfrm>
           <a:prstGeom prst="rect">
             <a:avLst/>
           </a:prstGeom>
+        </p:spPr>
+      </p:pic>
+      <p:pic>
+        <p:nvPicPr>
+          <p:cNvPr id="2050" name="Picture 2" descr="Картинки по запросу html5"/>
+          <p:cNvPicPr>
+            <a:picLocks noChangeAspect="1" noChangeArrowheads="1"/>
+          </p:cNvPicPr>
+          <p:nvPr/>
+        </p:nvPicPr>
+        <p:blipFill>
+          <a:blip r:embed="rId10" cstate="print">
+            <a:extLst>
+              <a:ext uri="{28A0092B-C50C-407E-A947-70E740481C1C}">
+                <a14:useLocalDpi xmlns:a14="http://schemas.microsoft.com/office/drawing/2010/main" val="0"/>
+              </a:ext>
+            </a:extLst>
+          </a:blip>
+          <a:srcRect/>
+          <a:stretch>
+            <a:fillRect/>
+          </a:stretch>
+        </p:blipFill>
+        <p:spPr bwMode="auto">
+          <a:xfrm>
+            <a:off x="4278878" y="4584280"/>
+            <a:ext cx="2345159" cy="2105926"/>
+          </a:xfrm>
+          <a:prstGeom prst="rect">
+            <a:avLst/>
+          </a:prstGeom>
+          <a:noFill/>
+          <a:extLst>
+            <a:ext uri="{909E8E84-426E-40DD-AFC4-6F175D3DCCD1}">
+              <a14:hiddenFill xmlns:a14="http://schemas.microsoft.com/office/drawing/2010/main">
+                <a:solidFill>
+                  <a:srgbClr val="FFFFFF"/>
+                </a:solidFill>
+              </a14:hiddenFill>
+            </a:ext>
+          </a:extLst>
         </p:spPr>
       </p:pic>
     </p:spTree>
@@ -6541,7 +8463,723 @@
   <p:timing>
     <p:tnLst>
       <p:par>
-        <p:cTn id="1" dur="indefinite" restart="never" nodeType="tmRoot"/>
+        <p:cTn id="1" dur="indefinite" restart="never" nodeType="tmRoot">
+          <p:childTnLst>
+            <p:seq concurrent="1" nextAc="seek">
+              <p:cTn id="2" dur="indefinite" nodeType="mainSeq">
+                <p:childTnLst>
+                  <p:par>
+                    <p:cTn id="3" fill="hold">
+                      <p:stCondLst>
+                        <p:cond delay="indefinite"/>
+                      </p:stCondLst>
+                      <p:childTnLst>
+                        <p:par>
+                          <p:cTn id="4" fill="hold">
+                            <p:stCondLst>
+                              <p:cond delay="0"/>
+                            </p:stCondLst>
+                            <p:childTnLst>
+                              <p:par>
+                                <p:cTn id="5" presetID="53" presetClass="entr" presetSubtype="16" fill="hold" nodeType="clickEffect">
+                                  <p:stCondLst>
+                                    <p:cond delay="0"/>
+                                  </p:stCondLst>
+                                  <p:childTnLst>
+                                    <p:set>
+                                      <p:cBhvr>
+                                        <p:cTn id="6" dur="1" fill="hold">
+                                          <p:stCondLst>
+                                            <p:cond delay="0"/>
+                                          </p:stCondLst>
+                                        </p:cTn>
+                                        <p:tgtEl>
+                                          <p:spTgt spid="1026"/>
+                                        </p:tgtEl>
+                                        <p:attrNameLst>
+                                          <p:attrName>style.visibility</p:attrName>
+                                        </p:attrNameLst>
+                                      </p:cBhvr>
+                                      <p:to>
+                                        <p:strVal val="visible"/>
+                                      </p:to>
+                                    </p:set>
+                                    <p:anim calcmode="lin" valueType="num">
+                                      <p:cBhvr>
+                                        <p:cTn id="7" dur="500" fill="hold"/>
+                                        <p:tgtEl>
+                                          <p:spTgt spid="1026"/>
+                                        </p:tgtEl>
+                                        <p:attrNameLst>
+                                          <p:attrName>ppt_w</p:attrName>
+                                        </p:attrNameLst>
+                                      </p:cBhvr>
+                                      <p:tavLst>
+                                        <p:tav tm="0">
+                                          <p:val>
+                                            <p:fltVal val="0"/>
+                                          </p:val>
+                                        </p:tav>
+                                        <p:tav tm="100000">
+                                          <p:val>
+                                            <p:strVal val="#ppt_w"/>
+                                          </p:val>
+                                        </p:tav>
+                                      </p:tavLst>
+                                    </p:anim>
+                                    <p:anim calcmode="lin" valueType="num">
+                                      <p:cBhvr>
+                                        <p:cTn id="8" dur="500" fill="hold"/>
+                                        <p:tgtEl>
+                                          <p:spTgt spid="1026"/>
+                                        </p:tgtEl>
+                                        <p:attrNameLst>
+                                          <p:attrName>ppt_h</p:attrName>
+                                        </p:attrNameLst>
+                                      </p:cBhvr>
+                                      <p:tavLst>
+                                        <p:tav tm="0">
+                                          <p:val>
+                                            <p:fltVal val="0"/>
+                                          </p:val>
+                                        </p:tav>
+                                        <p:tav tm="100000">
+                                          <p:val>
+                                            <p:strVal val="#ppt_h"/>
+                                          </p:val>
+                                        </p:tav>
+                                      </p:tavLst>
+                                    </p:anim>
+                                    <p:animEffect transition="in" filter="fade">
+                                      <p:cBhvr>
+                                        <p:cTn id="9" dur="500"/>
+                                        <p:tgtEl>
+                                          <p:spTgt spid="1026"/>
+                                        </p:tgtEl>
+                                      </p:cBhvr>
+                                    </p:animEffect>
+                                  </p:childTnLst>
+                                </p:cTn>
+                              </p:par>
+                              <p:par>
+                                <p:cTn id="10" presetID="53" presetClass="entr" presetSubtype="16" fill="hold" nodeType="withEffect">
+                                  <p:stCondLst>
+                                    <p:cond delay="0"/>
+                                  </p:stCondLst>
+                                  <p:childTnLst>
+                                    <p:set>
+                                      <p:cBhvr>
+                                        <p:cTn id="11" dur="1" fill="hold">
+                                          <p:stCondLst>
+                                            <p:cond delay="0"/>
+                                          </p:stCondLst>
+                                        </p:cTn>
+                                        <p:tgtEl>
+                                          <p:spTgt spid="1028"/>
+                                        </p:tgtEl>
+                                        <p:attrNameLst>
+                                          <p:attrName>style.visibility</p:attrName>
+                                        </p:attrNameLst>
+                                      </p:cBhvr>
+                                      <p:to>
+                                        <p:strVal val="visible"/>
+                                      </p:to>
+                                    </p:set>
+                                    <p:anim calcmode="lin" valueType="num">
+                                      <p:cBhvr>
+                                        <p:cTn id="12" dur="500" fill="hold"/>
+                                        <p:tgtEl>
+                                          <p:spTgt spid="1028"/>
+                                        </p:tgtEl>
+                                        <p:attrNameLst>
+                                          <p:attrName>ppt_w</p:attrName>
+                                        </p:attrNameLst>
+                                      </p:cBhvr>
+                                      <p:tavLst>
+                                        <p:tav tm="0">
+                                          <p:val>
+                                            <p:fltVal val="0"/>
+                                          </p:val>
+                                        </p:tav>
+                                        <p:tav tm="100000">
+                                          <p:val>
+                                            <p:strVal val="#ppt_w"/>
+                                          </p:val>
+                                        </p:tav>
+                                      </p:tavLst>
+                                    </p:anim>
+                                    <p:anim calcmode="lin" valueType="num">
+                                      <p:cBhvr>
+                                        <p:cTn id="13" dur="500" fill="hold"/>
+                                        <p:tgtEl>
+                                          <p:spTgt spid="1028"/>
+                                        </p:tgtEl>
+                                        <p:attrNameLst>
+                                          <p:attrName>ppt_h</p:attrName>
+                                        </p:attrNameLst>
+                                      </p:cBhvr>
+                                      <p:tavLst>
+                                        <p:tav tm="0">
+                                          <p:val>
+                                            <p:fltVal val="0"/>
+                                          </p:val>
+                                        </p:tav>
+                                        <p:tav tm="100000">
+                                          <p:val>
+                                            <p:strVal val="#ppt_h"/>
+                                          </p:val>
+                                        </p:tav>
+                                      </p:tavLst>
+                                    </p:anim>
+                                    <p:animEffect transition="in" filter="fade">
+                                      <p:cBhvr>
+                                        <p:cTn id="14" dur="500"/>
+                                        <p:tgtEl>
+                                          <p:spTgt spid="1028"/>
+                                        </p:tgtEl>
+                                      </p:cBhvr>
+                                    </p:animEffect>
+                                  </p:childTnLst>
+                                </p:cTn>
+                              </p:par>
+                              <p:par>
+                                <p:cTn id="15" presetID="53" presetClass="entr" presetSubtype="16" fill="hold" nodeType="withEffect">
+                                  <p:stCondLst>
+                                    <p:cond delay="0"/>
+                                  </p:stCondLst>
+                                  <p:childTnLst>
+                                    <p:set>
+                                      <p:cBhvr>
+                                        <p:cTn id="16" dur="1" fill="hold">
+                                          <p:stCondLst>
+                                            <p:cond delay="0"/>
+                                          </p:stCondLst>
+                                        </p:cTn>
+                                        <p:tgtEl>
+                                          <p:spTgt spid="1030"/>
+                                        </p:tgtEl>
+                                        <p:attrNameLst>
+                                          <p:attrName>style.visibility</p:attrName>
+                                        </p:attrNameLst>
+                                      </p:cBhvr>
+                                      <p:to>
+                                        <p:strVal val="visible"/>
+                                      </p:to>
+                                    </p:set>
+                                    <p:anim calcmode="lin" valueType="num">
+                                      <p:cBhvr>
+                                        <p:cTn id="17" dur="500" fill="hold"/>
+                                        <p:tgtEl>
+                                          <p:spTgt spid="1030"/>
+                                        </p:tgtEl>
+                                        <p:attrNameLst>
+                                          <p:attrName>ppt_w</p:attrName>
+                                        </p:attrNameLst>
+                                      </p:cBhvr>
+                                      <p:tavLst>
+                                        <p:tav tm="0">
+                                          <p:val>
+                                            <p:fltVal val="0"/>
+                                          </p:val>
+                                        </p:tav>
+                                        <p:tav tm="100000">
+                                          <p:val>
+                                            <p:strVal val="#ppt_w"/>
+                                          </p:val>
+                                        </p:tav>
+                                      </p:tavLst>
+                                    </p:anim>
+                                    <p:anim calcmode="lin" valueType="num">
+                                      <p:cBhvr>
+                                        <p:cTn id="18" dur="500" fill="hold"/>
+                                        <p:tgtEl>
+                                          <p:spTgt spid="1030"/>
+                                        </p:tgtEl>
+                                        <p:attrNameLst>
+                                          <p:attrName>ppt_h</p:attrName>
+                                        </p:attrNameLst>
+                                      </p:cBhvr>
+                                      <p:tavLst>
+                                        <p:tav tm="0">
+                                          <p:val>
+                                            <p:fltVal val="0"/>
+                                          </p:val>
+                                        </p:tav>
+                                        <p:tav tm="100000">
+                                          <p:val>
+                                            <p:strVal val="#ppt_h"/>
+                                          </p:val>
+                                        </p:tav>
+                                      </p:tavLst>
+                                    </p:anim>
+                                    <p:animEffect transition="in" filter="fade">
+                                      <p:cBhvr>
+                                        <p:cTn id="19" dur="500"/>
+                                        <p:tgtEl>
+                                          <p:spTgt spid="1030"/>
+                                        </p:tgtEl>
+                                      </p:cBhvr>
+                                    </p:animEffect>
+                                  </p:childTnLst>
+                                </p:cTn>
+                              </p:par>
+                              <p:par>
+                                <p:cTn id="20" presetID="53" presetClass="entr" presetSubtype="16" fill="hold" nodeType="withEffect">
+                                  <p:stCondLst>
+                                    <p:cond delay="0"/>
+                                  </p:stCondLst>
+                                  <p:childTnLst>
+                                    <p:set>
+                                      <p:cBhvr>
+                                        <p:cTn id="21" dur="1" fill="hold">
+                                          <p:stCondLst>
+                                            <p:cond delay="0"/>
+                                          </p:stCondLst>
+                                        </p:cTn>
+                                        <p:tgtEl>
+                                          <p:spTgt spid="1032"/>
+                                        </p:tgtEl>
+                                        <p:attrNameLst>
+                                          <p:attrName>style.visibility</p:attrName>
+                                        </p:attrNameLst>
+                                      </p:cBhvr>
+                                      <p:to>
+                                        <p:strVal val="visible"/>
+                                      </p:to>
+                                    </p:set>
+                                    <p:anim calcmode="lin" valueType="num">
+                                      <p:cBhvr>
+                                        <p:cTn id="22" dur="500" fill="hold"/>
+                                        <p:tgtEl>
+                                          <p:spTgt spid="1032"/>
+                                        </p:tgtEl>
+                                        <p:attrNameLst>
+                                          <p:attrName>ppt_w</p:attrName>
+                                        </p:attrNameLst>
+                                      </p:cBhvr>
+                                      <p:tavLst>
+                                        <p:tav tm="0">
+                                          <p:val>
+                                            <p:fltVal val="0"/>
+                                          </p:val>
+                                        </p:tav>
+                                        <p:tav tm="100000">
+                                          <p:val>
+                                            <p:strVal val="#ppt_w"/>
+                                          </p:val>
+                                        </p:tav>
+                                      </p:tavLst>
+                                    </p:anim>
+                                    <p:anim calcmode="lin" valueType="num">
+                                      <p:cBhvr>
+                                        <p:cTn id="23" dur="500" fill="hold"/>
+                                        <p:tgtEl>
+                                          <p:spTgt spid="1032"/>
+                                        </p:tgtEl>
+                                        <p:attrNameLst>
+                                          <p:attrName>ppt_h</p:attrName>
+                                        </p:attrNameLst>
+                                      </p:cBhvr>
+                                      <p:tavLst>
+                                        <p:tav tm="0">
+                                          <p:val>
+                                            <p:fltVal val="0"/>
+                                          </p:val>
+                                        </p:tav>
+                                        <p:tav tm="100000">
+                                          <p:val>
+                                            <p:strVal val="#ppt_h"/>
+                                          </p:val>
+                                        </p:tav>
+                                      </p:tavLst>
+                                    </p:anim>
+                                    <p:animEffect transition="in" filter="fade">
+                                      <p:cBhvr>
+                                        <p:cTn id="24" dur="500"/>
+                                        <p:tgtEl>
+                                          <p:spTgt spid="1032"/>
+                                        </p:tgtEl>
+                                      </p:cBhvr>
+                                    </p:animEffect>
+                                  </p:childTnLst>
+                                </p:cTn>
+                              </p:par>
+                              <p:par>
+                                <p:cTn id="25" presetID="53" presetClass="entr" presetSubtype="16" fill="hold" nodeType="withEffect">
+                                  <p:stCondLst>
+                                    <p:cond delay="0"/>
+                                  </p:stCondLst>
+                                  <p:childTnLst>
+                                    <p:set>
+                                      <p:cBhvr>
+                                        <p:cTn id="26" dur="1" fill="hold">
+                                          <p:stCondLst>
+                                            <p:cond delay="0"/>
+                                          </p:stCondLst>
+                                        </p:cTn>
+                                        <p:tgtEl>
+                                          <p:spTgt spid="1034"/>
+                                        </p:tgtEl>
+                                        <p:attrNameLst>
+                                          <p:attrName>style.visibility</p:attrName>
+                                        </p:attrNameLst>
+                                      </p:cBhvr>
+                                      <p:to>
+                                        <p:strVal val="visible"/>
+                                      </p:to>
+                                    </p:set>
+                                    <p:anim calcmode="lin" valueType="num">
+                                      <p:cBhvr>
+                                        <p:cTn id="27" dur="500" fill="hold"/>
+                                        <p:tgtEl>
+                                          <p:spTgt spid="1034"/>
+                                        </p:tgtEl>
+                                        <p:attrNameLst>
+                                          <p:attrName>ppt_w</p:attrName>
+                                        </p:attrNameLst>
+                                      </p:cBhvr>
+                                      <p:tavLst>
+                                        <p:tav tm="0">
+                                          <p:val>
+                                            <p:fltVal val="0"/>
+                                          </p:val>
+                                        </p:tav>
+                                        <p:tav tm="100000">
+                                          <p:val>
+                                            <p:strVal val="#ppt_w"/>
+                                          </p:val>
+                                        </p:tav>
+                                      </p:tavLst>
+                                    </p:anim>
+                                    <p:anim calcmode="lin" valueType="num">
+                                      <p:cBhvr>
+                                        <p:cTn id="28" dur="500" fill="hold"/>
+                                        <p:tgtEl>
+                                          <p:spTgt spid="1034"/>
+                                        </p:tgtEl>
+                                        <p:attrNameLst>
+                                          <p:attrName>ppt_h</p:attrName>
+                                        </p:attrNameLst>
+                                      </p:cBhvr>
+                                      <p:tavLst>
+                                        <p:tav tm="0">
+                                          <p:val>
+                                            <p:fltVal val="0"/>
+                                          </p:val>
+                                        </p:tav>
+                                        <p:tav tm="100000">
+                                          <p:val>
+                                            <p:strVal val="#ppt_h"/>
+                                          </p:val>
+                                        </p:tav>
+                                      </p:tavLst>
+                                    </p:anim>
+                                    <p:animEffect transition="in" filter="fade">
+                                      <p:cBhvr>
+                                        <p:cTn id="29" dur="500"/>
+                                        <p:tgtEl>
+                                          <p:spTgt spid="1034"/>
+                                        </p:tgtEl>
+                                      </p:cBhvr>
+                                    </p:animEffect>
+                                  </p:childTnLst>
+                                </p:cTn>
+                              </p:par>
+                              <p:par>
+                                <p:cTn id="30" presetID="53" presetClass="entr" presetSubtype="16" fill="hold" nodeType="withEffect">
+                                  <p:stCondLst>
+                                    <p:cond delay="0"/>
+                                  </p:stCondLst>
+                                  <p:childTnLst>
+                                    <p:set>
+                                      <p:cBhvr>
+                                        <p:cTn id="31" dur="1" fill="hold">
+                                          <p:stCondLst>
+                                            <p:cond delay="0"/>
+                                          </p:stCondLst>
+                                        </p:cTn>
+                                        <p:tgtEl>
+                                          <p:spTgt spid="5"/>
+                                        </p:tgtEl>
+                                        <p:attrNameLst>
+                                          <p:attrName>style.visibility</p:attrName>
+                                        </p:attrNameLst>
+                                      </p:cBhvr>
+                                      <p:to>
+                                        <p:strVal val="visible"/>
+                                      </p:to>
+                                    </p:set>
+                                    <p:anim calcmode="lin" valueType="num">
+                                      <p:cBhvr>
+                                        <p:cTn id="32" dur="500" fill="hold"/>
+                                        <p:tgtEl>
+                                          <p:spTgt spid="5"/>
+                                        </p:tgtEl>
+                                        <p:attrNameLst>
+                                          <p:attrName>ppt_w</p:attrName>
+                                        </p:attrNameLst>
+                                      </p:cBhvr>
+                                      <p:tavLst>
+                                        <p:tav tm="0">
+                                          <p:val>
+                                            <p:fltVal val="0"/>
+                                          </p:val>
+                                        </p:tav>
+                                        <p:tav tm="100000">
+                                          <p:val>
+                                            <p:strVal val="#ppt_w"/>
+                                          </p:val>
+                                        </p:tav>
+                                      </p:tavLst>
+                                    </p:anim>
+                                    <p:anim calcmode="lin" valueType="num">
+                                      <p:cBhvr>
+                                        <p:cTn id="33" dur="500" fill="hold"/>
+                                        <p:tgtEl>
+                                          <p:spTgt spid="5"/>
+                                        </p:tgtEl>
+                                        <p:attrNameLst>
+                                          <p:attrName>ppt_h</p:attrName>
+                                        </p:attrNameLst>
+                                      </p:cBhvr>
+                                      <p:tavLst>
+                                        <p:tav tm="0">
+                                          <p:val>
+                                            <p:fltVal val="0"/>
+                                          </p:val>
+                                        </p:tav>
+                                        <p:tav tm="100000">
+                                          <p:val>
+                                            <p:strVal val="#ppt_h"/>
+                                          </p:val>
+                                        </p:tav>
+                                      </p:tavLst>
+                                    </p:anim>
+                                    <p:animEffect transition="in" filter="fade">
+                                      <p:cBhvr>
+                                        <p:cTn id="34" dur="500"/>
+                                        <p:tgtEl>
+                                          <p:spTgt spid="5"/>
+                                        </p:tgtEl>
+                                      </p:cBhvr>
+                                    </p:animEffect>
+                                  </p:childTnLst>
+                                </p:cTn>
+                              </p:par>
+                              <p:par>
+                                <p:cTn id="35" presetID="53" presetClass="entr" presetSubtype="16" fill="hold" nodeType="withEffect">
+                                  <p:stCondLst>
+                                    <p:cond delay="0"/>
+                                  </p:stCondLst>
+                                  <p:childTnLst>
+                                    <p:set>
+                                      <p:cBhvr>
+                                        <p:cTn id="36" dur="1" fill="hold">
+                                          <p:stCondLst>
+                                            <p:cond delay="0"/>
+                                          </p:stCondLst>
+                                        </p:cTn>
+                                        <p:tgtEl>
+                                          <p:spTgt spid="1036"/>
+                                        </p:tgtEl>
+                                        <p:attrNameLst>
+                                          <p:attrName>style.visibility</p:attrName>
+                                        </p:attrNameLst>
+                                      </p:cBhvr>
+                                      <p:to>
+                                        <p:strVal val="visible"/>
+                                      </p:to>
+                                    </p:set>
+                                    <p:anim calcmode="lin" valueType="num">
+                                      <p:cBhvr>
+                                        <p:cTn id="37" dur="500" fill="hold"/>
+                                        <p:tgtEl>
+                                          <p:spTgt spid="1036"/>
+                                        </p:tgtEl>
+                                        <p:attrNameLst>
+                                          <p:attrName>ppt_w</p:attrName>
+                                        </p:attrNameLst>
+                                      </p:cBhvr>
+                                      <p:tavLst>
+                                        <p:tav tm="0">
+                                          <p:val>
+                                            <p:fltVal val="0"/>
+                                          </p:val>
+                                        </p:tav>
+                                        <p:tav tm="100000">
+                                          <p:val>
+                                            <p:strVal val="#ppt_w"/>
+                                          </p:val>
+                                        </p:tav>
+                                      </p:tavLst>
+                                    </p:anim>
+                                    <p:anim calcmode="lin" valueType="num">
+                                      <p:cBhvr>
+                                        <p:cTn id="38" dur="500" fill="hold"/>
+                                        <p:tgtEl>
+                                          <p:spTgt spid="1036"/>
+                                        </p:tgtEl>
+                                        <p:attrNameLst>
+                                          <p:attrName>ppt_h</p:attrName>
+                                        </p:attrNameLst>
+                                      </p:cBhvr>
+                                      <p:tavLst>
+                                        <p:tav tm="0">
+                                          <p:val>
+                                            <p:fltVal val="0"/>
+                                          </p:val>
+                                        </p:tav>
+                                        <p:tav tm="100000">
+                                          <p:val>
+                                            <p:strVal val="#ppt_h"/>
+                                          </p:val>
+                                        </p:tav>
+                                      </p:tavLst>
+                                    </p:anim>
+                                    <p:animEffect transition="in" filter="fade">
+                                      <p:cBhvr>
+                                        <p:cTn id="39" dur="500"/>
+                                        <p:tgtEl>
+                                          <p:spTgt spid="1036"/>
+                                        </p:tgtEl>
+                                      </p:cBhvr>
+                                    </p:animEffect>
+                                  </p:childTnLst>
+                                </p:cTn>
+                              </p:par>
+                              <p:par>
+                                <p:cTn id="40" presetID="53" presetClass="entr" presetSubtype="16" fill="hold" nodeType="withEffect">
+                                  <p:stCondLst>
+                                    <p:cond delay="0"/>
+                                  </p:stCondLst>
+                                  <p:childTnLst>
+                                    <p:set>
+                                      <p:cBhvr>
+                                        <p:cTn id="41" dur="1" fill="hold">
+                                          <p:stCondLst>
+                                            <p:cond delay="0"/>
+                                          </p:stCondLst>
+                                        </p:cTn>
+                                        <p:tgtEl>
+                                          <p:spTgt spid="7"/>
+                                        </p:tgtEl>
+                                        <p:attrNameLst>
+                                          <p:attrName>style.visibility</p:attrName>
+                                        </p:attrNameLst>
+                                      </p:cBhvr>
+                                      <p:to>
+                                        <p:strVal val="visible"/>
+                                      </p:to>
+                                    </p:set>
+                                    <p:anim calcmode="lin" valueType="num">
+                                      <p:cBhvr>
+                                        <p:cTn id="42" dur="500" fill="hold"/>
+                                        <p:tgtEl>
+                                          <p:spTgt spid="7"/>
+                                        </p:tgtEl>
+                                        <p:attrNameLst>
+                                          <p:attrName>ppt_w</p:attrName>
+                                        </p:attrNameLst>
+                                      </p:cBhvr>
+                                      <p:tavLst>
+                                        <p:tav tm="0">
+                                          <p:val>
+                                            <p:fltVal val="0"/>
+                                          </p:val>
+                                        </p:tav>
+                                        <p:tav tm="100000">
+                                          <p:val>
+                                            <p:strVal val="#ppt_w"/>
+                                          </p:val>
+                                        </p:tav>
+                                      </p:tavLst>
+                                    </p:anim>
+                                    <p:anim calcmode="lin" valueType="num">
+                                      <p:cBhvr>
+                                        <p:cTn id="43" dur="500" fill="hold"/>
+                                        <p:tgtEl>
+                                          <p:spTgt spid="7"/>
+                                        </p:tgtEl>
+                                        <p:attrNameLst>
+                                          <p:attrName>ppt_h</p:attrName>
+                                        </p:attrNameLst>
+                                      </p:cBhvr>
+                                      <p:tavLst>
+                                        <p:tav tm="0">
+                                          <p:val>
+                                            <p:fltVal val="0"/>
+                                          </p:val>
+                                        </p:tav>
+                                        <p:tav tm="100000">
+                                          <p:val>
+                                            <p:strVal val="#ppt_h"/>
+                                          </p:val>
+                                        </p:tav>
+                                      </p:tavLst>
+                                    </p:anim>
+                                    <p:animEffect transition="in" filter="fade">
+                                      <p:cBhvr>
+                                        <p:cTn id="44" dur="500"/>
+                                        <p:tgtEl>
+                                          <p:spTgt spid="7"/>
+                                        </p:tgtEl>
+                                      </p:cBhvr>
+                                    </p:animEffect>
+                                  </p:childTnLst>
+                                </p:cTn>
+                              </p:par>
+                              <p:par>
+                                <p:cTn id="45" presetID="1" presetClass="entr" presetSubtype="0" fill="hold" nodeType="withEffect">
+                                  <p:stCondLst>
+                                    <p:cond delay="0"/>
+                                  </p:stCondLst>
+                                  <p:childTnLst>
+                                    <p:set>
+                                      <p:cBhvr>
+                                        <p:cTn id="46" dur="1" fill="hold">
+                                          <p:stCondLst>
+                                            <p:cond delay="0"/>
+                                          </p:stCondLst>
+                                        </p:cTn>
+                                        <p:tgtEl>
+                                          <p:spTgt spid="2050"/>
+                                        </p:tgtEl>
+                                        <p:attrNameLst>
+                                          <p:attrName>style.visibility</p:attrName>
+                                        </p:attrNameLst>
+                                      </p:cBhvr>
+                                      <p:to>
+                                        <p:strVal val="visible"/>
+                                      </p:to>
+                                    </p:set>
+                                  </p:childTnLst>
+                                </p:cTn>
+                              </p:par>
+                            </p:childTnLst>
+                          </p:cTn>
+                        </p:par>
+                      </p:childTnLst>
+                    </p:cTn>
+                  </p:par>
+                </p:childTnLst>
+              </p:cTn>
+              <p:prevCondLst>
+                <p:cond evt="onPrev" delay="0">
+                  <p:tgtEl>
+                    <p:sldTgt/>
+                  </p:tgtEl>
+                </p:cond>
+              </p:prevCondLst>
+              <p:nextCondLst>
+                <p:cond evt="onNext" delay="0">
+                  <p:tgtEl>
+                    <p:sldTgt/>
+                  </p:tgtEl>
+                </p:cond>
+              </p:nextCondLst>
+            </p:seq>
+          </p:childTnLst>
+        </p:cTn>
       </p:par>
     </p:tnLst>
   </p:timing>
@@ -6610,7 +9248,7 @@
         </p:spPr>
         <p:txBody>
           <a:bodyPr>
-            <a:normAutofit fontScale="85000" lnSpcReduction="10000"/>
+            <a:normAutofit fontScale="92500" lnSpcReduction="20000"/>
           </a:bodyPr>
           <a:lstStyle/>
           <a:p>
@@ -6650,8 +9288,25 @@
             </a:r>
             <a:r>
               <a:rPr lang="ru-RU" dirty="0"/>
-              <a:t>зарабатывают разработчики данной области</a:t>
-            </a:r>
+              <a:t>зарабатывают </a:t>
+            </a:r>
+            <a:r>
+              <a:rPr lang="ru-RU" dirty="0" smtClean="0"/>
+              <a:t>программисты</a:t>
+            </a:r>
+            <a:r>
+              <a:rPr lang="en-US" dirty="0" smtClean="0"/>
+              <a:t> </a:t>
+            </a:r>
+            <a:r>
+              <a:rPr lang="ru-RU" dirty="0" smtClean="0"/>
+              <a:t>на </a:t>
+            </a:r>
+            <a:r>
+              <a:rPr lang="en-US" dirty="0" smtClean="0"/>
+              <a:t>Python</a:t>
+            </a:r>
+            <a:endParaRPr lang="ru-RU" dirty="0"/>
           </a:p>
           <a:p>
             <a:r>
@@ -6660,11 +9315,11 @@
             </a:r>
             <a:r>
               <a:rPr lang="ru-RU" dirty="0"/>
-              <a:t>, которые нужно освоить, чтобы начать заниматься </a:t>
+              <a:t>, которые нужно </a:t>
             </a:r>
             <a:r>
               <a:rPr lang="ru-RU" dirty="0" smtClean="0"/>
-              <a:t>разработкой</a:t>
+              <a:t>освоить начинающему программисту</a:t>
             </a:r>
             <a:endParaRPr lang="ru-RU" dirty="0"/>
           </a:p>
@@ -6787,25 +9442,21 @@
         <p:spPr/>
         <p:txBody>
           <a:bodyPr>
-            <a:normAutofit/>
+            <a:normAutofit fontScale="90000"/>
           </a:bodyPr>
           <a:lstStyle/>
           <a:p>
             <a:r>
               <a:rPr lang="ru-RU" dirty="0" smtClean="0"/>
-              <a:t>Шаг </a:t>
+              <a:t>Шаг 5</a:t>
+            </a:r>
+            <a:r>
+              <a:rPr lang="ru-RU" dirty="0"/>
+              <a:t>. </a:t>
             </a:r>
             <a:r>
               <a:rPr lang="ru-RU" dirty="0" smtClean="0"/>
-              <a:t>5</a:t>
-            </a:r>
-            <a:r>
-              <a:rPr lang="ru-RU" dirty="0"/>
-              <a:t>. Практика</a:t>
-            </a:r>
-            <a:r>
-              <a:rPr lang="ru-RU" dirty="0" smtClean="0"/>
-              <a:t>!!!</a:t>
+              <a:t>Практика, практика и еще раз практика!!!</a:t>
             </a:r>
             <a:endParaRPr lang="ru-RU" dirty="0"/>
           </a:p>
@@ -6833,7 +9484,7 @@
         </p:blipFill>
         <p:spPr>
           <a:xfrm>
-            <a:off x="2803518" y="1556792"/>
+            <a:off x="2803518" y="1628800"/>
             <a:ext cx="6584963" cy="4807857"/>
           </a:xfrm>
           <a:prstGeom prst="rect">
@@ -6862,7 +9513,83 @@
   <p:timing>
     <p:tnLst>
       <p:par>
-        <p:cTn id="1" dur="indefinite" restart="never" nodeType="tmRoot"/>
+        <p:cTn id="1" dur="indefinite" restart="never" nodeType="tmRoot">
+          <p:childTnLst>
+            <p:seq concurrent="1" nextAc="seek">
+              <p:cTn id="2" dur="indefinite" nodeType="mainSeq">
+                <p:childTnLst>
+                  <p:par>
+                    <p:cTn id="3" fill="hold">
+                      <p:stCondLst>
+                        <p:cond delay="indefinite"/>
+                      </p:stCondLst>
+                      <p:childTnLst>
+                        <p:par>
+                          <p:cTn id="4" fill="hold">
+                            <p:stCondLst>
+                              <p:cond delay="0"/>
+                            </p:stCondLst>
+                            <p:childTnLst>
+                              <p:par>
+                                <p:cTn id="5" presetID="22" presetClass="entr" presetSubtype="4" fill="hold" nodeType="clickEffect">
+                                  <p:stCondLst>
+                                    <p:cond delay="0"/>
+                                  </p:stCondLst>
+                                  <p:childTnLst>
+                                    <p:set>
+                                      <p:cBhvr>
+                                        <p:cTn id="6" dur="1" fill="hold">
+                                          <p:stCondLst>
+                                            <p:cond delay="0"/>
+                                          </p:stCondLst>
+                                        </p:cTn>
+                                        <p:tgtEl>
+                                          <p:spTgt spid="5"/>
+                                        </p:tgtEl>
+                                        <p:attrNameLst>
+                                          <p:attrName>style.visibility</p:attrName>
+                                        </p:attrNameLst>
+                                      </p:cBhvr>
+                                      <p:to>
+                                        <p:strVal val="visible"/>
+                                      </p:to>
+                                    </p:set>
+                                    <p:animEffect transition="in" filter="wipe(down)">
+                                      <p:cBhvr>
+                                        <p:cTn id="7" dur="500"/>
+                                        <p:tgtEl>
+                                          <p:spTgt spid="5"/>
+                                        </p:tgtEl>
+                                      </p:cBhvr>
+                                    </p:animEffect>
+                                  </p:childTnLst>
+                                </p:cTn>
+                              </p:par>
+                            </p:childTnLst>
+                          </p:cTn>
+                        </p:par>
+                      </p:childTnLst>
+                    </p:cTn>
+                  </p:par>
+                </p:childTnLst>
+              </p:cTn>
+              <p:prevCondLst>
+                <p:cond evt="onPrev" delay="0">
+                  <p:tgtEl>
+                    <p:sldTgt/>
+                  </p:tgtEl>
+                </p:cond>
+              </p:prevCondLst>
+              <p:nextCondLst>
+                <p:cond evt="onNext" delay="0">
+                  <p:tgtEl>
+                    <p:sldTgt/>
+                  </p:tgtEl>
+                </p:cond>
+              </p:nextCondLst>
+            </p:seq>
+          </p:childTnLst>
+        </p:cTn>
       </p:par>
     </p:tnLst>
   </p:timing>
@@ -6870,6 +9597,910 @@
 </file>
 
 <file path=ppt/slides/slide21.xml><?xml version="1.0" encoding="utf-8"?>
+<p:sld xmlns:a="http://schemas.openxmlformats.org/drawingml/2006/main" xmlns:r="http://schemas.openxmlformats.org/officeDocument/2006/relationships" xmlns:p="http://schemas.openxmlformats.org/presentationml/2006/main">
+  <p:cSld>
+    <p:spTree>
+      <p:nvGrpSpPr>
+        <p:cNvPr id="1" name=""/>
+        <p:cNvGrpSpPr/>
+        <p:nvPr/>
+      </p:nvGrpSpPr>
+      <p:grpSpPr>
+        <a:xfrm>
+          <a:off x="0" y="0"/>
+          <a:ext cx="0" cy="0"/>
+          <a:chOff x="0" y="0"/>
+          <a:chExt cx="0" cy="0"/>
+        </a:xfrm>
+      </p:grpSpPr>
+      <p:sp>
+        <p:nvSpPr>
+          <p:cNvPr id="2" name="Заголовок 1"/>
+          <p:cNvSpPr>
+            <a:spLocks noGrp="1"/>
+          </p:cNvSpPr>
+          <p:nvPr>
+            <p:ph type="title"/>
+          </p:nvPr>
+        </p:nvSpPr>
+        <p:spPr/>
+        <p:txBody>
+          <a:bodyPr/>
+          <a:lstStyle/>
+          <a:p>
+            <a:r>
+              <a:rPr lang="ru-RU" dirty="0" smtClean="0"/>
+              <a:t>Тренды: Украина</a:t>
+            </a:r>
+            <a:endParaRPr lang="ru-RU" dirty="0"/>
+          </a:p>
+        </p:txBody>
+      </p:sp>
+      <p:pic>
+        <p:nvPicPr>
+          <p:cNvPr id="4" name="Объект 3" descr="Тренды jobs.dou.ua: Python | DOU - Google Chrome"/>
+          <p:cNvPicPr>
+            <a:picLocks noGrp="1" noChangeAspect="1"/>
+          </p:cNvPicPr>
+          <p:nvPr>
+            <p:ph idx="1"/>
+          </p:nvPr>
+        </p:nvPicPr>
+        <p:blipFill rotWithShape="1">
+          <a:blip r:embed="rId2">
+            <a:extLst>
+              <a:ext uri="{28A0092B-C50C-407E-A947-70E740481C1C}">
+                <a14:useLocalDpi xmlns:a14="http://schemas.microsoft.com/office/drawing/2010/main" val="0"/>
+              </a:ext>
+            </a:extLst>
+          </a:blip>
+          <a:srcRect l="13552" t="24497" r="42190" b="24591"/>
+          <a:stretch/>
+        </p:blipFill>
+        <p:spPr>
+          <a:xfrm>
+            <a:off x="1849780" y="1417638"/>
+            <a:ext cx="8492439" cy="5328592"/>
+          </a:xfrm>
+        </p:spPr>
+      </p:pic>
+    </p:spTree>
+    <p:extLst>
+      <p:ext uri="{BB962C8B-B14F-4D97-AF65-F5344CB8AC3E}">
+        <p14:creationId xmlns:p14="http://schemas.microsoft.com/office/powerpoint/2010/main" val="2721785003"/>
+      </p:ext>
+    </p:extLst>
+  </p:cSld>
+  <p:clrMapOvr>
+    <a:masterClrMapping/>
+  </p:clrMapOvr>
+  <p:timing>
+    <p:tnLst>
+      <p:par>
+        <p:cTn id="1" dur="indefinite" restart="never" nodeType="tmRoot">
+          <p:childTnLst>
+            <p:seq concurrent="1" nextAc="seek">
+              <p:cTn id="2" dur="indefinite" nodeType="mainSeq">
+                <p:childTnLst>
+                  <p:par>
+                    <p:cTn id="3" fill="hold">
+                      <p:stCondLst>
+                        <p:cond delay="indefinite"/>
+                      </p:stCondLst>
+                      <p:childTnLst>
+                        <p:par>
+                          <p:cTn id="4" fill="hold">
+                            <p:stCondLst>
+                              <p:cond delay="0"/>
+                            </p:stCondLst>
+                            <p:childTnLst>
+                              <p:par>
+                                <p:cTn id="5" presetID="31" presetClass="entr" presetSubtype="0" fill="hold" nodeType="clickEffect">
+                                  <p:stCondLst>
+                                    <p:cond delay="0"/>
+                                  </p:stCondLst>
+                                  <p:childTnLst>
+                                    <p:set>
+                                      <p:cBhvr>
+                                        <p:cTn id="6" dur="1" fill="hold">
+                                          <p:stCondLst>
+                                            <p:cond delay="0"/>
+                                          </p:stCondLst>
+                                        </p:cTn>
+                                        <p:tgtEl>
+                                          <p:spTgt spid="4"/>
+                                        </p:tgtEl>
+                                        <p:attrNameLst>
+                                          <p:attrName>style.visibility</p:attrName>
+                                        </p:attrNameLst>
+                                      </p:cBhvr>
+                                      <p:to>
+                                        <p:strVal val="visible"/>
+                                      </p:to>
+                                    </p:set>
+                                    <p:anim calcmode="lin" valueType="num">
+                                      <p:cBhvr>
+                                        <p:cTn id="7" dur="1000" fill="hold"/>
+                                        <p:tgtEl>
+                                          <p:spTgt spid="4"/>
+                                        </p:tgtEl>
+                                        <p:attrNameLst>
+                                          <p:attrName>ppt_w</p:attrName>
+                                        </p:attrNameLst>
+                                      </p:cBhvr>
+                                      <p:tavLst>
+                                        <p:tav tm="0">
+                                          <p:val>
+                                            <p:fltVal val="0"/>
+                                          </p:val>
+                                        </p:tav>
+                                        <p:tav tm="100000">
+                                          <p:val>
+                                            <p:strVal val="#ppt_w"/>
+                                          </p:val>
+                                        </p:tav>
+                                      </p:tavLst>
+                                    </p:anim>
+                                    <p:anim calcmode="lin" valueType="num">
+                                      <p:cBhvr>
+                                        <p:cTn id="8" dur="1000" fill="hold"/>
+                                        <p:tgtEl>
+                                          <p:spTgt spid="4"/>
+                                        </p:tgtEl>
+                                        <p:attrNameLst>
+                                          <p:attrName>ppt_h</p:attrName>
+                                        </p:attrNameLst>
+                                      </p:cBhvr>
+                                      <p:tavLst>
+                                        <p:tav tm="0">
+                                          <p:val>
+                                            <p:fltVal val="0"/>
+                                          </p:val>
+                                        </p:tav>
+                                        <p:tav tm="100000">
+                                          <p:val>
+                                            <p:strVal val="#ppt_h"/>
+                                          </p:val>
+                                        </p:tav>
+                                      </p:tavLst>
+                                    </p:anim>
+                                    <p:anim calcmode="lin" valueType="num">
+                                      <p:cBhvr>
+                                        <p:cTn id="9" dur="1000" fill="hold"/>
+                                        <p:tgtEl>
+                                          <p:spTgt spid="4"/>
+                                        </p:tgtEl>
+                                        <p:attrNameLst>
+                                          <p:attrName>style.rotation</p:attrName>
+                                        </p:attrNameLst>
+                                      </p:cBhvr>
+                                      <p:tavLst>
+                                        <p:tav tm="0">
+                                          <p:val>
+                                            <p:fltVal val="90"/>
+                                          </p:val>
+                                        </p:tav>
+                                        <p:tav tm="100000">
+                                          <p:val>
+                                            <p:fltVal val="0"/>
+                                          </p:val>
+                                        </p:tav>
+                                      </p:tavLst>
+                                    </p:anim>
+                                    <p:animEffect transition="in" filter="fade">
+                                      <p:cBhvr>
+                                        <p:cTn id="10" dur="1000"/>
+                                        <p:tgtEl>
+                                          <p:spTgt spid="4"/>
+                                        </p:tgtEl>
+                                      </p:cBhvr>
+                                    </p:animEffect>
+                                  </p:childTnLst>
+                                </p:cTn>
+                              </p:par>
+                            </p:childTnLst>
+                          </p:cTn>
+                        </p:par>
+                      </p:childTnLst>
+                    </p:cTn>
+                  </p:par>
+                </p:childTnLst>
+              </p:cTn>
+              <p:prevCondLst>
+                <p:cond evt="onPrev" delay="0">
+                  <p:tgtEl>
+                    <p:sldTgt/>
+                  </p:tgtEl>
+                </p:cond>
+              </p:prevCondLst>
+              <p:nextCondLst>
+                <p:cond evt="onNext" delay="0">
+                  <p:tgtEl>
+                    <p:sldTgt/>
+                  </p:tgtEl>
+                </p:cond>
+              </p:nextCondLst>
+            </p:seq>
+          </p:childTnLst>
+        </p:cTn>
+      </p:par>
+    </p:tnLst>
+  </p:timing>
+</p:sld>
+</file>
+
+<file path=ppt/slides/slide22.xml><?xml version="1.0" encoding="utf-8"?>
+<p:sld xmlns:a="http://schemas.openxmlformats.org/drawingml/2006/main" xmlns:r="http://schemas.openxmlformats.org/officeDocument/2006/relationships" xmlns:p="http://schemas.openxmlformats.org/presentationml/2006/main">
+  <p:cSld>
+    <p:spTree>
+      <p:nvGrpSpPr>
+        <p:cNvPr id="1" name=""/>
+        <p:cNvGrpSpPr/>
+        <p:nvPr/>
+      </p:nvGrpSpPr>
+      <p:grpSpPr>
+        <a:xfrm>
+          <a:off x="0" y="0"/>
+          <a:ext cx="0" cy="0"/>
+          <a:chOff x="0" y="0"/>
+          <a:chExt cx="0" cy="0"/>
+        </a:xfrm>
+      </p:grpSpPr>
+      <p:sp>
+        <p:nvSpPr>
+          <p:cNvPr id="2" name="Заголовок 1"/>
+          <p:cNvSpPr>
+            <a:spLocks noGrp="1"/>
+          </p:cNvSpPr>
+          <p:nvPr>
+            <p:ph type="title"/>
+          </p:nvPr>
+        </p:nvSpPr>
+        <p:spPr/>
+        <p:txBody>
+          <a:bodyPr/>
+          <a:lstStyle/>
+          <a:p>
+            <a:r>
+              <a:rPr lang="ru-RU" dirty="0" smtClean="0"/>
+              <a:t>Тренды: Днепр</a:t>
+            </a:r>
+            <a:endParaRPr lang="ru-RU" dirty="0"/>
+          </a:p>
+        </p:txBody>
+      </p:sp>
+      <p:pic>
+        <p:nvPicPr>
+          <p:cNvPr id="5" name="Объект 4" descr="Тренды jobs.dou.ua: Днепр, Python | DOU - Google Chrome"/>
+          <p:cNvPicPr>
+            <a:picLocks noGrp="1" noChangeAspect="1"/>
+          </p:cNvPicPr>
+          <p:nvPr>
+            <p:ph idx="1"/>
+          </p:nvPr>
+        </p:nvPicPr>
+        <p:blipFill rotWithShape="1">
+          <a:blip r:embed="rId2">
+            <a:extLst>
+              <a:ext uri="{28A0092B-C50C-407E-A947-70E740481C1C}">
+                <a14:useLocalDpi xmlns:a14="http://schemas.microsoft.com/office/drawing/2010/main" val="0"/>
+              </a:ext>
+            </a:extLst>
+          </a:blip>
+          <a:srcRect l="13551" t="24497" r="41322" b="24591"/>
+          <a:stretch/>
+        </p:blipFill>
+        <p:spPr>
+          <a:xfrm>
+            <a:off x="1828977" y="1417638"/>
+            <a:ext cx="8534045" cy="5251722"/>
+          </a:xfrm>
+        </p:spPr>
+      </p:pic>
+    </p:spTree>
+    <p:extLst>
+      <p:ext uri="{BB962C8B-B14F-4D97-AF65-F5344CB8AC3E}">
+        <p14:creationId xmlns:p14="http://schemas.microsoft.com/office/powerpoint/2010/main" val="1351038869"/>
+      </p:ext>
+    </p:extLst>
+  </p:cSld>
+  <p:clrMapOvr>
+    <a:masterClrMapping/>
+  </p:clrMapOvr>
+  <p:timing>
+    <p:tnLst>
+      <p:par>
+        <p:cTn id="1" dur="indefinite" restart="never" nodeType="tmRoot">
+          <p:childTnLst>
+            <p:seq concurrent="1" nextAc="seek">
+              <p:cTn id="2" dur="indefinite" nodeType="mainSeq">
+                <p:childTnLst>
+                  <p:par>
+                    <p:cTn id="3" fill="hold">
+                      <p:stCondLst>
+                        <p:cond delay="indefinite"/>
+                      </p:stCondLst>
+                      <p:childTnLst>
+                        <p:par>
+                          <p:cTn id="4" fill="hold">
+                            <p:stCondLst>
+                              <p:cond delay="0"/>
+                            </p:stCondLst>
+                            <p:childTnLst>
+                              <p:par>
+                                <p:cTn id="5" presetID="31" presetClass="entr" presetSubtype="0" fill="hold" nodeType="clickEffect">
+                                  <p:stCondLst>
+                                    <p:cond delay="0"/>
+                                  </p:stCondLst>
+                                  <p:childTnLst>
+                                    <p:set>
+                                      <p:cBhvr>
+                                        <p:cTn id="6" dur="1" fill="hold">
+                                          <p:stCondLst>
+                                            <p:cond delay="0"/>
+                                          </p:stCondLst>
+                                        </p:cTn>
+                                        <p:tgtEl>
+                                          <p:spTgt spid="5"/>
+                                        </p:tgtEl>
+                                        <p:attrNameLst>
+                                          <p:attrName>style.visibility</p:attrName>
+                                        </p:attrNameLst>
+                                      </p:cBhvr>
+                                      <p:to>
+                                        <p:strVal val="visible"/>
+                                      </p:to>
+                                    </p:set>
+                                    <p:anim calcmode="lin" valueType="num">
+                                      <p:cBhvr>
+                                        <p:cTn id="7" dur="1000" fill="hold"/>
+                                        <p:tgtEl>
+                                          <p:spTgt spid="5"/>
+                                        </p:tgtEl>
+                                        <p:attrNameLst>
+                                          <p:attrName>ppt_w</p:attrName>
+                                        </p:attrNameLst>
+                                      </p:cBhvr>
+                                      <p:tavLst>
+                                        <p:tav tm="0">
+                                          <p:val>
+                                            <p:fltVal val="0"/>
+                                          </p:val>
+                                        </p:tav>
+                                        <p:tav tm="100000">
+                                          <p:val>
+                                            <p:strVal val="#ppt_w"/>
+                                          </p:val>
+                                        </p:tav>
+                                      </p:tavLst>
+                                    </p:anim>
+                                    <p:anim calcmode="lin" valueType="num">
+                                      <p:cBhvr>
+                                        <p:cTn id="8" dur="1000" fill="hold"/>
+                                        <p:tgtEl>
+                                          <p:spTgt spid="5"/>
+                                        </p:tgtEl>
+                                        <p:attrNameLst>
+                                          <p:attrName>ppt_h</p:attrName>
+                                        </p:attrNameLst>
+                                      </p:cBhvr>
+                                      <p:tavLst>
+                                        <p:tav tm="0">
+                                          <p:val>
+                                            <p:fltVal val="0"/>
+                                          </p:val>
+                                        </p:tav>
+                                        <p:tav tm="100000">
+                                          <p:val>
+                                            <p:strVal val="#ppt_h"/>
+                                          </p:val>
+                                        </p:tav>
+                                      </p:tavLst>
+                                    </p:anim>
+                                    <p:anim calcmode="lin" valueType="num">
+                                      <p:cBhvr>
+                                        <p:cTn id="9" dur="1000" fill="hold"/>
+                                        <p:tgtEl>
+                                          <p:spTgt spid="5"/>
+                                        </p:tgtEl>
+                                        <p:attrNameLst>
+                                          <p:attrName>style.rotation</p:attrName>
+                                        </p:attrNameLst>
+                                      </p:cBhvr>
+                                      <p:tavLst>
+                                        <p:tav tm="0">
+                                          <p:val>
+                                            <p:fltVal val="90"/>
+                                          </p:val>
+                                        </p:tav>
+                                        <p:tav tm="100000">
+                                          <p:val>
+                                            <p:fltVal val="0"/>
+                                          </p:val>
+                                        </p:tav>
+                                      </p:tavLst>
+                                    </p:anim>
+                                    <p:animEffect transition="in" filter="fade">
+                                      <p:cBhvr>
+                                        <p:cTn id="10" dur="1000"/>
+                                        <p:tgtEl>
+                                          <p:spTgt spid="5"/>
+                                        </p:tgtEl>
+                                      </p:cBhvr>
+                                    </p:animEffect>
+                                  </p:childTnLst>
+                                </p:cTn>
+                              </p:par>
+                            </p:childTnLst>
+                          </p:cTn>
+                        </p:par>
+                      </p:childTnLst>
+                    </p:cTn>
+                  </p:par>
+                </p:childTnLst>
+              </p:cTn>
+              <p:prevCondLst>
+                <p:cond evt="onPrev" delay="0">
+                  <p:tgtEl>
+                    <p:sldTgt/>
+                  </p:tgtEl>
+                </p:cond>
+              </p:prevCondLst>
+              <p:nextCondLst>
+                <p:cond evt="onNext" delay="0">
+                  <p:tgtEl>
+                    <p:sldTgt/>
+                  </p:tgtEl>
+                </p:cond>
+              </p:nextCondLst>
+            </p:seq>
+          </p:childTnLst>
+        </p:cTn>
+      </p:par>
+    </p:tnLst>
+  </p:timing>
+</p:sld>
+</file>
+
+<file path=ppt/slides/slide23.xml><?xml version="1.0" encoding="utf-8"?>
+<p:sld xmlns:a="http://schemas.openxmlformats.org/drawingml/2006/main" xmlns:r="http://schemas.openxmlformats.org/officeDocument/2006/relationships" xmlns:p="http://schemas.openxmlformats.org/presentationml/2006/main">
+  <p:cSld>
+    <p:spTree>
+      <p:nvGrpSpPr>
+        <p:cNvPr id="1" name=""/>
+        <p:cNvGrpSpPr/>
+        <p:nvPr/>
+      </p:nvGrpSpPr>
+      <p:grpSpPr>
+        <a:xfrm>
+          <a:off x="0" y="0"/>
+          <a:ext cx="0" cy="0"/>
+          <a:chOff x="0" y="0"/>
+          <a:chExt cx="0" cy="0"/>
+        </a:xfrm>
+      </p:grpSpPr>
+      <p:sp>
+        <p:nvSpPr>
+          <p:cNvPr id="2" name="Заголовок 1"/>
+          <p:cNvSpPr>
+            <a:spLocks noGrp="1"/>
+          </p:cNvSpPr>
+          <p:nvPr>
+            <p:ph type="title"/>
+          </p:nvPr>
+        </p:nvSpPr>
+        <p:spPr/>
+        <p:txBody>
+          <a:bodyPr/>
+          <a:lstStyle/>
+          <a:p>
+            <a:r>
+              <a:rPr lang="ru-RU" dirty="0"/>
+              <a:t>Динамика </a:t>
+            </a:r>
+            <a:r>
+              <a:rPr lang="ru-RU" dirty="0" smtClean="0"/>
+              <a:t>зарплат</a:t>
+            </a:r>
+            <a:r>
+              <a:rPr lang="en-US" dirty="0" smtClean="0"/>
+              <a:t> Python</a:t>
+            </a:r>
+            <a:r>
+              <a:rPr lang="ru-RU" dirty="0" smtClean="0"/>
+              <a:t> </a:t>
+            </a:r>
+            <a:r>
+              <a:rPr lang="ru-RU" dirty="0"/>
+              <a:t>программистов </a:t>
+            </a:r>
+          </a:p>
+        </p:txBody>
+      </p:sp>
+      <p:sp>
+        <p:nvSpPr>
+          <p:cNvPr id="3" name="Объект 2"/>
+          <p:cNvSpPr>
+            <a:spLocks noGrp="1"/>
+          </p:cNvSpPr>
+          <p:nvPr>
+            <p:ph idx="1"/>
+          </p:nvPr>
+        </p:nvSpPr>
+        <p:spPr/>
+        <p:txBody>
+          <a:bodyPr/>
+          <a:lstStyle/>
+          <a:p>
+            <a:endParaRPr lang="ru-RU" dirty="0"/>
+          </a:p>
+        </p:txBody>
+      </p:sp>
+      <p:pic>
+        <p:nvPicPr>
+          <p:cNvPr id="4" name="Рисунок 3"/>
+          <p:cNvPicPr>
+            <a:picLocks noChangeAspect="1"/>
+          </p:cNvPicPr>
+          <p:nvPr/>
+        </p:nvPicPr>
+        <p:blipFill rotWithShape="1">
+          <a:blip r:embed="rId2"/>
+          <a:srcRect l="783" t="22001" r="35037" b="9401"/>
+          <a:stretch/>
+        </p:blipFill>
+        <p:spPr>
+          <a:xfrm>
+            <a:off x="1991544" y="1451149"/>
+            <a:ext cx="8496944" cy="5108592"/>
+          </a:xfrm>
+          <a:prstGeom prst="rect">
+            <a:avLst/>
+          </a:prstGeom>
+        </p:spPr>
+      </p:pic>
+    </p:spTree>
+    <p:extLst>
+      <p:ext uri="{BB962C8B-B14F-4D97-AF65-F5344CB8AC3E}">
+        <p14:creationId xmlns:p14="http://schemas.microsoft.com/office/powerpoint/2010/main" val="2803855028"/>
+      </p:ext>
+    </p:extLst>
+  </p:cSld>
+  <p:clrMapOvr>
+    <a:masterClrMapping/>
+  </p:clrMapOvr>
+  <p:timing>
+    <p:tnLst>
+      <p:par>
+        <p:cTn id="1" dur="indefinite" restart="never" nodeType="tmRoot">
+          <p:childTnLst>
+            <p:seq concurrent="1" nextAc="seek">
+              <p:cTn id="2" dur="indefinite" nodeType="mainSeq">
+                <p:childTnLst>
+                  <p:par>
+                    <p:cTn id="3" fill="hold">
+                      <p:stCondLst>
+                        <p:cond delay="indefinite"/>
+                      </p:stCondLst>
+                      <p:childTnLst>
+                        <p:par>
+                          <p:cTn id="4" fill="hold">
+                            <p:stCondLst>
+                              <p:cond delay="0"/>
+                            </p:stCondLst>
+                            <p:childTnLst>
+                              <p:par>
+                                <p:cTn id="5" presetID="16" presetClass="entr" presetSubtype="21" fill="hold" nodeType="clickEffect">
+                                  <p:stCondLst>
+                                    <p:cond delay="0"/>
+                                  </p:stCondLst>
+                                  <p:childTnLst>
+                                    <p:set>
+                                      <p:cBhvr>
+                                        <p:cTn id="6" dur="1" fill="hold">
+                                          <p:stCondLst>
+                                            <p:cond delay="0"/>
+                                          </p:stCondLst>
+                                        </p:cTn>
+                                        <p:tgtEl>
+                                          <p:spTgt spid="4"/>
+                                        </p:tgtEl>
+                                        <p:attrNameLst>
+                                          <p:attrName>style.visibility</p:attrName>
+                                        </p:attrNameLst>
+                                      </p:cBhvr>
+                                      <p:to>
+                                        <p:strVal val="visible"/>
+                                      </p:to>
+                                    </p:set>
+                                    <p:animEffect transition="in" filter="barn(inVertical)">
+                                      <p:cBhvr>
+                                        <p:cTn id="7" dur="500"/>
+                                        <p:tgtEl>
+                                          <p:spTgt spid="4"/>
+                                        </p:tgtEl>
+                                      </p:cBhvr>
+                                    </p:animEffect>
+                                  </p:childTnLst>
+                                </p:cTn>
+                              </p:par>
+                            </p:childTnLst>
+                          </p:cTn>
+                        </p:par>
+                      </p:childTnLst>
+                    </p:cTn>
+                  </p:par>
+                </p:childTnLst>
+              </p:cTn>
+              <p:prevCondLst>
+                <p:cond evt="onPrev" delay="0">
+                  <p:tgtEl>
+                    <p:sldTgt/>
+                  </p:tgtEl>
+                </p:cond>
+              </p:prevCondLst>
+              <p:nextCondLst>
+                <p:cond evt="onNext" delay="0">
+                  <p:tgtEl>
+                    <p:sldTgt/>
+                  </p:tgtEl>
+                </p:cond>
+              </p:nextCondLst>
+            </p:seq>
+          </p:childTnLst>
+        </p:cTn>
+      </p:par>
+    </p:tnLst>
+  </p:timing>
+</p:sld>
+</file>
+
+<file path=ppt/slides/slide24.xml><?xml version="1.0" encoding="utf-8"?>
+<p:sld xmlns:a="http://schemas.openxmlformats.org/drawingml/2006/main" xmlns:r="http://schemas.openxmlformats.org/officeDocument/2006/relationships" xmlns:p="http://schemas.openxmlformats.org/presentationml/2006/main">
+  <p:cSld>
+    <p:spTree>
+      <p:nvGrpSpPr>
+        <p:cNvPr id="1" name=""/>
+        <p:cNvGrpSpPr/>
+        <p:nvPr/>
+      </p:nvGrpSpPr>
+      <p:grpSpPr>
+        <a:xfrm>
+          <a:off x="0" y="0"/>
+          <a:ext cx="0" cy="0"/>
+          <a:chOff x="0" y="0"/>
+          <a:chExt cx="0" cy="0"/>
+        </a:xfrm>
+      </p:grpSpPr>
+      <p:sp>
+        <p:nvSpPr>
+          <p:cNvPr id="2" name="Заголовок 1"/>
+          <p:cNvSpPr txBox="1">
+            <a:spLocks noGrp="1"/>
+          </p:cNvSpPr>
+          <p:nvPr>
+            <p:ph type="title" idx="4294967295"/>
+          </p:nvPr>
+        </p:nvSpPr>
+        <p:spPr>
+          <a:xfrm>
+            <a:off x="380607" y="-4519"/>
+            <a:ext cx="11583197" cy="1701093"/>
+          </a:xfrm>
+        </p:spPr>
+        <p:txBody>
+          <a:bodyPr/>
+          <a:lstStyle>
+            <a:defPPr lvl="0">
+              <a:buSzPct val="45000"/>
+              <a:buFont typeface="StarSymbol"/>
+              <a:buNone/>
+            </a:defPPr>
+            <a:lvl1pPr lvl="0">
+              <a:buSzPct val="45000"/>
+              <a:buFont typeface="StarSymbol"/>
+              <a:buChar char="●"/>
+            </a:lvl1pPr>
+            <a:lvl2pPr lvl="1">
+              <a:buSzPct val="45000"/>
+              <a:buFont typeface="StarSymbol"/>
+              <a:buChar char="●"/>
+            </a:lvl2pPr>
+            <a:lvl3pPr lvl="2">
+              <a:buSzPct val="45000"/>
+              <a:buFont typeface="StarSymbol"/>
+              <a:buChar char="●"/>
+            </a:lvl3pPr>
+            <a:lvl4pPr lvl="3">
+              <a:buSzPct val="45000"/>
+              <a:buFont typeface="StarSymbol"/>
+              <a:buChar char="●"/>
+            </a:lvl4pPr>
+            <a:lvl5pPr lvl="4">
+              <a:buSzPct val="45000"/>
+              <a:buFont typeface="StarSymbol"/>
+              <a:buChar char="●"/>
+            </a:lvl5pPr>
+            <a:lvl6pPr lvl="5">
+              <a:buSzPct val="45000"/>
+              <a:buFont typeface="StarSymbol"/>
+              <a:buChar char="●"/>
+            </a:lvl6pPr>
+            <a:lvl7pPr lvl="6">
+              <a:buSzPct val="45000"/>
+              <a:buFont typeface="StarSymbol"/>
+              <a:buChar char="●"/>
+            </a:lvl7pPr>
+            <a:lvl8pPr lvl="7">
+              <a:buSzPct val="45000"/>
+              <a:buFont typeface="StarSymbol"/>
+              <a:buChar char="●"/>
+            </a:lvl8pPr>
+            <a:lvl9pPr lvl="8">
+              <a:buSzPct val="45000"/>
+              <a:buFont typeface="StarSymbol"/>
+              <a:buChar char="●"/>
+            </a:lvl9pPr>
+          </a:lstStyle>
+          <a:p>
+            <a:pPr lvl="0" algn="l">
+              <a:buNone/>
+            </a:pPr>
+            <a:r>
+              <a:rPr lang="ru-RU" dirty="0" smtClean="0"/>
+              <a:t>Компании, </a:t>
+            </a:r>
+            <a:r>
+              <a:rPr lang="ru-RU" dirty="0"/>
+              <a:t>которые уже сейчас ищут </a:t>
+            </a:r>
+            <a:r>
+              <a:rPr lang="en-US" dirty="0" smtClean="0"/>
+              <a:t>Python </a:t>
+            </a:r>
+            <a:r>
+              <a:rPr lang="ru-RU" dirty="0" smtClean="0"/>
+              <a:t>разработчиков</a:t>
+            </a:r>
+            <a:endParaRPr lang="ru-RU" dirty="0"/>
+          </a:p>
+        </p:txBody>
+      </p:sp>
+      <p:pic>
+        <p:nvPicPr>
+          <p:cNvPr id="13" name="Рисунок 12" descr="Вырезка экрана"/>
+          <p:cNvPicPr>
+            <a:picLocks noChangeAspect="1"/>
+          </p:cNvPicPr>
+          <p:nvPr/>
+        </p:nvPicPr>
+        <p:blipFill>
+          <a:blip r:embed="rId3">
+            <a:extLst>
+              <a:ext uri="{28A0092B-C50C-407E-A947-70E740481C1C}">
+                <a14:useLocalDpi xmlns:a14="http://schemas.microsoft.com/office/drawing/2010/main" val="0"/>
+              </a:ext>
+            </a:extLst>
+          </a:blip>
+          <a:stretch>
+            <a:fillRect/>
+          </a:stretch>
+        </p:blipFill>
+        <p:spPr>
+          <a:xfrm>
+            <a:off x="2684839" y="1700642"/>
+            <a:ext cx="6974732" cy="6858000"/>
+          </a:xfrm>
+          <a:prstGeom prst="rect">
+            <a:avLst/>
+          </a:prstGeom>
+        </p:spPr>
+      </p:pic>
+    </p:spTree>
+    <p:extLst>
+      <p:ext uri="{BB962C8B-B14F-4D97-AF65-F5344CB8AC3E}">
+        <p14:creationId xmlns:p14="http://schemas.microsoft.com/office/powerpoint/2010/main" val="1303862409"/>
+      </p:ext>
+    </p:extLst>
+  </p:cSld>
+  <p:clrMapOvr>
+    <a:masterClrMapping/>
+  </p:clrMapOvr>
+  <mc:AlternateContent xmlns:mc="http://schemas.openxmlformats.org/markup-compatibility/2006">
+    <mc:Choice xmlns:p14="http://schemas.microsoft.com/office/powerpoint/2010/main" Requires="p14">
+      <p:transition spd="slow" p14:dur="2000"/>
+    </mc:Choice>
+    <mc:Fallback>
+      <p:transition spd="slow"/>
+    </mc:Fallback>
+  </mc:AlternateContent>
+  <p:timing>
+    <p:tnLst>
+      <p:par>
+        <p:cTn id="1" dur="indefinite" restart="never" nodeType="tmRoot">
+          <p:childTnLst>
+            <p:seq concurrent="1" nextAc="seek">
+              <p:cTn id="2" dur="indefinite" nodeType="mainSeq">
+                <p:childTnLst>
+                  <p:par>
+                    <p:cTn id="3" fill="hold">
+                      <p:stCondLst>
+                        <p:cond delay="indefinite"/>
+                      </p:stCondLst>
+                      <p:childTnLst>
+                        <p:par>
+                          <p:cTn id="4" fill="hold">
+                            <p:stCondLst>
+                              <p:cond delay="0"/>
+                            </p:stCondLst>
+                            <p:childTnLst>
+                              <p:par>
+                                <p:cTn id="5" presetID="6" presetClass="entr" presetSubtype="16" fill="hold" nodeType="clickEffect">
+                                  <p:stCondLst>
+                                    <p:cond delay="0"/>
+                                  </p:stCondLst>
+                                  <p:childTnLst>
+                                    <p:set>
+                                      <p:cBhvr>
+                                        <p:cTn id="6" dur="1" fill="hold">
+                                          <p:stCondLst>
+                                            <p:cond delay="0"/>
+                                          </p:stCondLst>
+                                        </p:cTn>
+                                        <p:tgtEl>
+                                          <p:spTgt spid="13"/>
+                                        </p:tgtEl>
+                                        <p:attrNameLst>
+                                          <p:attrName>style.visibility</p:attrName>
+                                        </p:attrNameLst>
+                                      </p:cBhvr>
+                                      <p:to>
+                                        <p:strVal val="visible"/>
+                                      </p:to>
+                                    </p:set>
+                                    <p:animEffect transition="in" filter="circle(in)">
+                                      <p:cBhvr>
+                                        <p:cTn id="7" dur="2000"/>
+                                        <p:tgtEl>
+                                          <p:spTgt spid="13"/>
+                                        </p:tgtEl>
+                                      </p:cBhvr>
+                                    </p:animEffect>
+                                  </p:childTnLst>
+                                </p:cTn>
+                              </p:par>
+                            </p:childTnLst>
+                          </p:cTn>
+                        </p:par>
+                      </p:childTnLst>
+                    </p:cTn>
+                  </p:par>
+                </p:childTnLst>
+              </p:cTn>
+              <p:prevCondLst>
+                <p:cond evt="onPrev" delay="0">
+                  <p:tgtEl>
+                    <p:sldTgt/>
+                  </p:tgtEl>
+                </p:cond>
+              </p:prevCondLst>
+              <p:nextCondLst>
+                <p:cond evt="onNext" delay="0">
+                  <p:tgtEl>
+                    <p:sldTgt/>
+                  </p:tgtEl>
+                </p:cond>
+              </p:nextCondLst>
+            </p:seq>
+          </p:childTnLst>
+        </p:cTn>
+      </p:par>
+    </p:tnLst>
+  </p:timing>
+</p:sld>
+</file>
+
+<file path=ppt/slides/slide25.xml><?xml version="1.0" encoding="utf-8"?>
 <p:sld xmlns:a="http://schemas.openxmlformats.org/drawingml/2006/main" xmlns:r="http://schemas.openxmlformats.org/officeDocument/2006/relationships" xmlns:p="http://schemas.openxmlformats.org/presentationml/2006/main">
   <p:cSld>
     <p:spTree>
@@ -7738,7 +11369,7 @@
 </p:sld>
 </file>
 
-<file path=ppt/slides/slide22.xml><?xml version="1.0" encoding="utf-8"?>
+<file path=ppt/slides/slide26.xml><?xml version="1.0" encoding="utf-8"?>
 <p:sld xmlns:a="http://schemas.openxmlformats.org/drawingml/2006/main" xmlns:r="http://schemas.openxmlformats.org/officeDocument/2006/relationships" xmlns:p="http://schemas.openxmlformats.org/presentationml/2006/main">
   <p:cSld>
     <p:spTree>
@@ -7854,29 +11485,6 @@
           <a:chExt cx="0" cy="0"/>
         </a:xfrm>
       </p:grpSpPr>
-      <p:sp>
-        <p:nvSpPr>
-          <p:cNvPr id="5" name="Заголовок 4"/>
-          <p:cNvSpPr>
-            <a:spLocks noGrp="1"/>
-          </p:cNvSpPr>
-          <p:nvPr>
-            <p:ph type="title"/>
-          </p:nvPr>
-        </p:nvSpPr>
-        <p:spPr/>
-        <p:txBody>
-          <a:bodyPr/>
-          <a:lstStyle/>
-          <a:p>
-            <a:r>
-              <a:rPr lang="ru-RU" dirty="0" smtClean="0"/>
-              <a:t>Языки программирования</a:t>
-            </a:r>
-            <a:endParaRPr lang="ru-RU" dirty="0"/>
-          </a:p>
-        </p:txBody>
-      </p:sp>
       <p:pic>
         <p:nvPicPr>
           <p:cNvPr id="4" name="Рисунок 3"/>
@@ -7893,8 +11501,8 @@
         </p:blipFill>
         <p:spPr>
           <a:xfrm>
-            <a:off x="1453637" y="1385640"/>
-            <a:ext cx="9284726" cy="4557182"/>
+            <a:off x="839416" y="836712"/>
+            <a:ext cx="10989934" cy="5394142"/>
           </a:xfrm>
           <a:prstGeom prst="rect">
             <a:avLst/>
@@ -8036,7 +11644,15 @@
             </a:r>
             <a:r>
               <a:rPr lang="ru-RU" sz="2600" dirty="0"/>
-              <a:t>простой легко изучаемый язык программирования с большими возможностями. </a:t>
+              <a:t>простой легко изучаемый язык программирования с </a:t>
+            </a:r>
+            <a:r>
+              <a:rPr lang="ru-RU" sz="2600" dirty="0" smtClean="0"/>
+              <a:t>огромными возможностями</a:t>
+            </a:r>
+            <a:r>
+              <a:rPr lang="ru-RU" sz="2600" dirty="0"/>
+              <a:t>. </a:t>
             </a:r>
           </a:p>
           <a:p>
@@ -8657,7 +12273,7 @@
                     <a:p>
                       <a:pPr algn="ctr" fontAlgn="t"/>
                       <a:r>
-                        <a:rPr lang="ru-RU" sz="2800">
+                        <a:rPr lang="ru-RU" sz="2800" dirty="0">
                           <a:effectLst/>
                         </a:rPr>
                         <a:t>2</a:t>
@@ -9723,7 +13339,75 @@
   <p:timing>
     <p:tnLst>
       <p:par>
-        <p:cTn id="1" dur="indefinite" restart="never" nodeType="tmRoot"/>
+        <p:cTn id="1" dur="indefinite" restart="never" nodeType="tmRoot">
+          <p:childTnLst>
+            <p:seq concurrent="1" nextAc="seek">
+              <p:cTn id="2" dur="indefinite" nodeType="mainSeq">
+                <p:childTnLst>
+                  <p:par>
+                    <p:cTn id="3" fill="hold">
+                      <p:stCondLst>
+                        <p:cond delay="indefinite"/>
+                      </p:stCondLst>
+                      <p:childTnLst>
+                        <p:par>
+                          <p:cTn id="4" fill="hold">
+                            <p:stCondLst>
+                              <p:cond delay="0"/>
+                            </p:stCondLst>
+                            <p:childTnLst>
+                              <p:par>
+                                <p:cTn id="5" presetID="1" presetClass="entr" presetSubtype="0" fill="hold" nodeType="clickEffect">
+                                  <p:stCondLst>
+                                    <p:cond delay="0"/>
+                                  </p:stCondLst>
+                                  <p:childTnLst>
+                                    <p:set>
+                                      <p:cBhvr>
+                                        <p:cTn id="6" dur="1" fill="hold">
+                                          <p:stCondLst>
+                                            <p:cond delay="0"/>
+                                          </p:stCondLst>
+                                        </p:cTn>
+                                        <p:tgtEl>
+                                          <p:spTgt spid="4"/>
+                                        </p:tgtEl>
+                                        <p:attrNameLst>
+                                          <p:attrName>style.visibility</p:attrName>
+                                        </p:attrNameLst>
+                                      </p:cBhvr>
+                                      <p:to>
+                                        <p:strVal val="visible"/>
+                                      </p:to>
+                                    </p:set>
+                                  </p:childTnLst>
+                                </p:cTn>
+                              </p:par>
+                            </p:childTnLst>
+                          </p:cTn>
+                        </p:par>
+                      </p:childTnLst>
+                    </p:cTn>
+                  </p:par>
+                </p:childTnLst>
+              </p:cTn>
+              <p:prevCondLst>
+                <p:cond evt="onPrev" delay="0">
+                  <p:tgtEl>
+                    <p:sldTgt/>
+                  </p:tgtEl>
+                </p:cond>
+              </p:prevCondLst>
+              <p:nextCondLst>
+                <p:cond evt="onNext" delay="0">
+                  <p:tgtEl>
+                    <p:sldTgt/>
+                  </p:tgtEl>
+                </p:cond>
+              </p:nextCondLst>
+            </p:seq>
+          </p:childTnLst>
+        </p:cTn>
       </p:par>
     </p:tnLst>
   </p:timing>
@@ -9814,8 +13498,8 @@
         </p:blipFill>
         <p:spPr>
           <a:xfrm>
-            <a:off x="1847528" y="1556792"/>
-            <a:ext cx="9361040" cy="5024851"/>
+            <a:off x="2567608" y="1628800"/>
+            <a:ext cx="7704856" cy="5024851"/>
           </a:xfrm>
         </p:spPr>
       </p:pic>
@@ -10308,7 +13992,11 @@
           <a:p>
             <a:r>
               <a:rPr lang="ru-RU" dirty="0" smtClean="0"/>
-              <a:t>Создатель языка </a:t>
+              <a:t>Автор </a:t>
+            </a:r>
+            <a:r>
+              <a:rPr lang="en-US" dirty="0" smtClean="0"/>
+              <a:t>Python</a:t>
             </a:r>
             <a:endParaRPr lang="ru-RU" dirty="0"/>
           </a:p>
@@ -10679,6 +14367,82 @@
                                         <p:tgtEl>
                                           <p:spTgt spid="3">
                                             <p:txEl>
+                                              <p:pRg st="4" end="4"/>
+                                            </p:txEl>
+                                          </p:spTgt>
+                                        </p:tgtEl>
+                                        <p:attrNameLst>
+                                          <p:attrName>style.visibility</p:attrName>
+                                        </p:attrNameLst>
+                                      </p:cBhvr>
+                                      <p:to>
+                                        <p:strVal val="visible"/>
+                                      </p:to>
+                                    </p:set>
+                                  </p:childTnLst>
+                                </p:cTn>
+                              </p:par>
+                              <p:par>
+                                <p:cTn id="11" presetID="1" presetClass="entr" presetSubtype="0" fill="hold" nodeType="withEffect">
+                                  <p:stCondLst>
+                                    <p:cond delay="0"/>
+                                  </p:stCondLst>
+                                  <p:childTnLst>
+                                    <p:set>
+                                      <p:cBhvr>
+                                        <p:cTn id="12" dur="1" fill="hold">
+                                          <p:stCondLst>
+                                            <p:cond delay="0"/>
+                                          </p:stCondLst>
+                                        </p:cTn>
+                                        <p:tgtEl>
+                                          <p:spTgt spid="1029"/>
+                                        </p:tgtEl>
+                                        <p:attrNameLst>
+                                          <p:attrName>style.visibility</p:attrName>
+                                        </p:attrNameLst>
+                                      </p:cBhvr>
+                                      <p:to>
+                                        <p:strVal val="visible"/>
+                                      </p:to>
+                                    </p:set>
+                                  </p:childTnLst>
+                                </p:cTn>
+                              </p:par>
+                            </p:childTnLst>
+                          </p:cTn>
+                        </p:par>
+                      </p:childTnLst>
+                    </p:cTn>
+                  </p:par>
+                  <p:par>
+                    <p:cTn id="13" fill="hold">
+                      <p:stCondLst>
+                        <p:cond delay="indefinite"/>
+                      </p:stCondLst>
+                      <p:childTnLst>
+                        <p:par>
+                          <p:cTn id="14" fill="hold">
+                            <p:stCondLst>
+                              <p:cond delay="0"/>
+                            </p:stCondLst>
+                            <p:childTnLst>
+                              <p:par>
+                                <p:cTn id="15" presetID="1" presetClass="entr" presetSubtype="0" fill="hold" grpId="0" nodeType="clickEffect">
+                                  <p:stCondLst>
+                                    <p:cond delay="0"/>
+                                  </p:stCondLst>
+                                  <p:childTnLst>
+                                    <p:set>
+                                      <p:cBhvr>
+                                        <p:cTn id="16" dur="1" fill="hold">
+                                          <p:stCondLst>
+                                            <p:cond delay="0"/>
+                                          </p:stCondLst>
+                                        </p:cTn>
+                                        <p:tgtEl>
+                                          <p:spTgt spid="3">
+                                            <p:txEl>
                                               <p:pRg st="1" end="1"/>
                                             </p:txEl>
                                           </p:spTgt>
@@ -10701,99 +14465,19 @@
                     </p:cTn>
                   </p:par>
                   <p:par>
-                    <p:cTn id="11" fill="hold">
+                    <p:cTn id="17" fill="hold">
                       <p:stCondLst>
                         <p:cond delay="indefinite"/>
                       </p:stCondLst>
                       <p:childTnLst>
                         <p:par>
-                          <p:cTn id="12" fill="hold">
+                          <p:cTn id="18" fill="hold">
                             <p:stCondLst>
                               <p:cond delay="0"/>
                             </p:stCondLst>
                             <p:childTnLst>
                               <p:par>
-                                <p:cTn id="13" presetID="1" presetClass="entr" presetSubtype="0" fill="hold" grpId="0" nodeType="clickEffect">
-                                  <p:stCondLst>
-                                    <p:cond delay="0"/>
-                                  </p:stCondLst>
-                                  <p:childTnLst>
-                                    <p:set>
-                                      <p:cBhvr>
-                                        <p:cTn id="14" dur="1" fill="hold">
-                                          <p:stCondLst>
-                                            <p:cond delay="0"/>
-                                          </p:stCondLst>
-                                        </p:cTn>
-                                        <p:tgtEl>
-                                          <p:spTgt spid="3">
-                                            <p:txEl>
-                                              <p:pRg st="2" end="2"/>
-                                            </p:txEl>
-                                          </p:spTgt>
-                                        </p:tgtEl>
-                                        <p:attrNameLst>
-                                          <p:attrName>style.visibility</p:attrName>
-                                        </p:attrNameLst>
-                                      </p:cBhvr>
-                                      <p:to>
-                                        <p:strVal val="visible"/>
-                                      </p:to>
-                                    </p:set>
-                                  </p:childTnLst>
-                                </p:cTn>
-                              </p:par>
-                            </p:childTnLst>
-                          </p:cTn>
-                        </p:par>
-                      </p:childTnLst>
-                    </p:cTn>
-                  </p:par>
-                  <p:par>
-                    <p:cTn id="15" fill="hold">
-                      <p:stCondLst>
-                        <p:cond delay="indefinite"/>
-                      </p:stCondLst>
-                      <p:childTnLst>
-                        <p:par>
-                          <p:cTn id="16" fill="hold">
-                            <p:stCondLst>
-                              <p:cond delay="0"/>
-                            </p:stCondLst>
-                            <p:childTnLst>
-                              <p:par>
-                                <p:cTn id="17" presetID="1" presetClass="entr" presetSubtype="0" fill="hold" grpId="0" nodeType="clickEffect">
-                                  <p:stCondLst>
-                                    <p:cond delay="0"/>
-                                  </p:stCondLst>
-                                  <p:childTnLst>
-                                    <p:set>
-                                      <p:cBhvr>
-                                        <p:cTn id="18" dur="1" fill="hold">
-                                          <p:stCondLst>
-                                            <p:cond delay="0"/>
-                                          </p:stCondLst>
-                                        </p:cTn>
-                                        <p:tgtEl>
-                                          <p:spTgt spid="3">
-                                            <p:txEl>
-                                              <p:pRg st="4" end="4"/>
-                                            </p:txEl>
-                                          </p:spTgt>
-                                        </p:tgtEl>
-                                        <p:attrNameLst>
-                                          <p:attrName>style.visibility</p:attrName>
-                                        </p:attrNameLst>
-                                      </p:cBhvr>
-                                      <p:to>
-                                        <p:strVal val="visible"/>
-                                      </p:to>
-                                    </p:set>
-                                  </p:childTnLst>
-                                </p:cTn>
-                              </p:par>
-                              <p:par>
-                                <p:cTn id="19" presetID="1" presetClass="entr" presetSubtype="0" fill="hold" nodeType="withEffect">
+                                <p:cTn id="19" presetID="1" presetClass="entr" presetSubtype="0" fill="hold" grpId="0" nodeType="clickEffect">
                                   <p:stCondLst>
                                     <p:cond delay="0"/>
                                   </p:stCondLst>
@@ -10806,7 +14490,11 @@
                                           </p:stCondLst>
                                         </p:cTn>
                                         <p:tgtEl>
-                                          <p:spTgt spid="1029"/>
+                                          <p:spTgt spid="3">
+                                            <p:txEl>
+                                              <p:pRg st="2" end="2"/>
+                                            </p:txEl>
+                                          </p:spTgt>
                                         </p:tgtEl>
                                         <p:attrNameLst>
                                           <p:attrName>style.visibility</p:attrName>
@@ -10847,7 +14535,7 @@
       </p:par>
     </p:tnLst>
     <p:bldLst>
-      <p:bldP spid="3" grpId="0" build="p"/>
+      <p:bldP spid="3" grpId="0" uiExpand="1" build="p"/>
     </p:bldLst>
   </p:timing>
 </p:sld>

--- a/webminar.pptx
+++ b/webminar.pptx
@@ -5,7 +5,7 @@
     <p:sldMasterId id="2147483648" r:id="rId1"/>
   </p:sldMasterIdLst>
   <p:notesMasterIdLst>
-    <p:notesMasterId r:id="rId28"/>
+    <p:notesMasterId r:id="rId30"/>
   </p:notesMasterIdLst>
   <p:sldIdLst>
     <p:sldId id="256" r:id="rId2"/>
@@ -13,27 +13,29 @@
     <p:sldId id="277" r:id="rId4"/>
     <p:sldId id="259" r:id="rId5"/>
     <p:sldId id="308" r:id="rId6"/>
-    <p:sldId id="309" r:id="rId7"/>
-    <p:sldId id="307" r:id="rId8"/>
-    <p:sldId id="264" r:id="rId9"/>
-    <p:sldId id="261" r:id="rId10"/>
-    <p:sldId id="260" r:id="rId11"/>
-    <p:sldId id="262" r:id="rId12"/>
-    <p:sldId id="310" r:id="rId13"/>
-    <p:sldId id="295" r:id="rId14"/>
-    <p:sldId id="306" r:id="rId15"/>
-    <p:sldId id="297" r:id="rId16"/>
-    <p:sldId id="298" r:id="rId17"/>
-    <p:sldId id="299" r:id="rId18"/>
-    <p:sldId id="300" r:id="rId19"/>
-    <p:sldId id="301" r:id="rId20"/>
-    <p:sldId id="303" r:id="rId21"/>
-    <p:sldId id="312" r:id="rId22"/>
-    <p:sldId id="313" r:id="rId23"/>
-    <p:sldId id="311" r:id="rId24"/>
-    <p:sldId id="314" r:id="rId25"/>
-    <p:sldId id="304" r:id="rId26"/>
-    <p:sldId id="305" r:id="rId27"/>
+    <p:sldId id="315" r:id="rId7"/>
+    <p:sldId id="309" r:id="rId8"/>
+    <p:sldId id="307" r:id="rId9"/>
+    <p:sldId id="316" r:id="rId10"/>
+    <p:sldId id="264" r:id="rId11"/>
+    <p:sldId id="261" r:id="rId12"/>
+    <p:sldId id="260" r:id="rId13"/>
+    <p:sldId id="262" r:id="rId14"/>
+    <p:sldId id="310" r:id="rId15"/>
+    <p:sldId id="295" r:id="rId16"/>
+    <p:sldId id="306" r:id="rId17"/>
+    <p:sldId id="297" r:id="rId18"/>
+    <p:sldId id="298" r:id="rId19"/>
+    <p:sldId id="299" r:id="rId20"/>
+    <p:sldId id="300" r:id="rId21"/>
+    <p:sldId id="301" r:id="rId22"/>
+    <p:sldId id="303" r:id="rId23"/>
+    <p:sldId id="312" r:id="rId24"/>
+    <p:sldId id="313" r:id="rId25"/>
+    <p:sldId id="311" r:id="rId26"/>
+    <p:sldId id="314" r:id="rId27"/>
+    <p:sldId id="304" r:id="rId28"/>
+    <p:sldId id="305" r:id="rId29"/>
   </p:sldIdLst>
   <p:sldSz cx="12192000" cy="6858000"/>
   <p:notesSz cx="6858000" cy="9144000"/>
@@ -233,7 +235,7 @@
           <a:p>
             <a:fld id="{02324BB6-ADF9-477E-BA61-F60537F49E1A}" type="datetimeFigureOut">
               <a:rPr lang="ru-RU" smtClean="0"/>
-              <a:t>19.09.2017</a:t>
+              <a:t>17.07.2018</a:t>
             </a:fld>
             <a:endParaRPr lang="ru-RU"/>
           </a:p>
@@ -836,7 +838,7 @@
           <a:p>
             <a:fld id="{FC1A96A7-B107-4A76-9BCA-351E6EBF71DD}" type="datetimeFigureOut">
               <a:rPr lang="ru-RU" smtClean="0"/>
-              <a:t>19.09.2017</a:t>
+              <a:t>17.07.2018</a:t>
             </a:fld>
             <a:endParaRPr lang="ru-RU"/>
           </a:p>
@@ -1013,7 +1015,7 @@
           <a:p>
             <a:fld id="{FC1A96A7-B107-4A76-9BCA-351E6EBF71DD}" type="datetimeFigureOut">
               <a:rPr lang="ru-RU" smtClean="0"/>
-              <a:t>19.09.2017</a:t>
+              <a:t>17.07.2018</a:t>
             </a:fld>
             <a:endParaRPr lang="ru-RU"/>
           </a:p>
@@ -1193,7 +1195,7 @@
           <a:p>
             <a:fld id="{FC1A96A7-B107-4A76-9BCA-351E6EBF71DD}" type="datetimeFigureOut">
               <a:rPr lang="ru-RU" smtClean="0"/>
-              <a:t>19.09.2017</a:t>
+              <a:t>17.07.2018</a:t>
             </a:fld>
             <a:endParaRPr lang="ru-RU"/>
           </a:p>
@@ -1363,7 +1365,7 @@
           <a:p>
             <a:fld id="{FC1A96A7-B107-4A76-9BCA-351E6EBF71DD}" type="datetimeFigureOut">
               <a:rPr lang="ru-RU" smtClean="0"/>
-              <a:t>19.09.2017</a:t>
+              <a:t>17.07.2018</a:t>
             </a:fld>
             <a:endParaRPr lang="ru-RU"/>
           </a:p>
@@ -1609,7 +1611,7 @@
           <a:p>
             <a:fld id="{FC1A96A7-B107-4A76-9BCA-351E6EBF71DD}" type="datetimeFigureOut">
               <a:rPr lang="ru-RU" smtClean="0"/>
-              <a:t>19.09.2017</a:t>
+              <a:t>17.07.2018</a:t>
             </a:fld>
             <a:endParaRPr lang="ru-RU"/>
           </a:p>
@@ -1897,7 +1899,7 @@
           <a:p>
             <a:fld id="{FC1A96A7-B107-4A76-9BCA-351E6EBF71DD}" type="datetimeFigureOut">
               <a:rPr lang="ru-RU" smtClean="0"/>
-              <a:t>19.09.2017</a:t>
+              <a:t>17.07.2018</a:t>
             </a:fld>
             <a:endParaRPr lang="ru-RU"/>
           </a:p>
@@ -2319,7 +2321,7 @@
           <a:p>
             <a:fld id="{FC1A96A7-B107-4A76-9BCA-351E6EBF71DD}" type="datetimeFigureOut">
               <a:rPr lang="ru-RU" smtClean="0"/>
-              <a:t>19.09.2017</a:t>
+              <a:t>17.07.2018</a:t>
             </a:fld>
             <a:endParaRPr lang="ru-RU"/>
           </a:p>
@@ -2437,7 +2439,7 @@
           <a:p>
             <a:fld id="{FC1A96A7-B107-4A76-9BCA-351E6EBF71DD}" type="datetimeFigureOut">
               <a:rPr lang="ru-RU" smtClean="0"/>
-              <a:t>19.09.2017</a:t>
+              <a:t>17.07.2018</a:t>
             </a:fld>
             <a:endParaRPr lang="ru-RU"/>
           </a:p>
@@ -2532,7 +2534,7 @@
           <a:p>
             <a:fld id="{FC1A96A7-B107-4A76-9BCA-351E6EBF71DD}" type="datetimeFigureOut">
               <a:rPr lang="ru-RU" smtClean="0"/>
-              <a:t>19.09.2017</a:t>
+              <a:t>17.07.2018</a:t>
             </a:fld>
             <a:endParaRPr lang="ru-RU"/>
           </a:p>
@@ -2809,7 +2811,7 @@
           <a:p>
             <a:fld id="{FC1A96A7-B107-4A76-9BCA-351E6EBF71DD}" type="datetimeFigureOut">
               <a:rPr lang="ru-RU" smtClean="0"/>
-              <a:t>19.09.2017</a:t>
+              <a:t>17.07.2018</a:t>
             </a:fld>
             <a:endParaRPr lang="ru-RU"/>
           </a:p>
@@ -3062,7 +3064,7 @@
           <a:p>
             <a:fld id="{FC1A96A7-B107-4A76-9BCA-351E6EBF71DD}" type="datetimeFigureOut">
               <a:rPr lang="ru-RU" smtClean="0"/>
-              <a:t>19.09.2017</a:t>
+              <a:t>17.07.2018</a:t>
             </a:fld>
             <a:endParaRPr lang="ru-RU"/>
           </a:p>
@@ -3275,7 +3277,7 @@
           <a:p>
             <a:fld id="{FC1A96A7-B107-4A76-9BCA-351E6EBF71DD}" type="datetimeFigureOut">
               <a:rPr lang="ru-RU" smtClean="0"/>
-              <a:t>19.09.2017</a:t>
+              <a:t>17.07.2018</a:t>
             </a:fld>
             <a:endParaRPr lang="ru-RU"/>
           </a:p>
@@ -3717,7 +3719,7 @@
       </p:sp>
       <p:pic>
         <p:nvPicPr>
-          <p:cNvPr id="4" name="Picture 3"/>
+          <p:cNvPr id="5" name="Picture 4"/>
           <p:cNvPicPr>
             <a:picLocks noChangeAspect="1"/>
           </p:cNvPicPr>
@@ -3731,8 +3733,8 @@
         </p:blipFill>
         <p:spPr>
           <a:xfrm>
-            <a:off x="0" y="0"/>
-            <a:ext cx="12192000" cy="6957392"/>
+            <a:off x="0" y="-15047"/>
+            <a:ext cx="12192000" cy="6873047"/>
           </a:xfrm>
           <a:prstGeom prst="rect">
             <a:avLst/>
@@ -3786,6 +3788,1261 @@
             <p:ph type="title"/>
           </p:nvPr>
         </p:nvSpPr>
+        <p:spPr/>
+        <p:txBody>
+          <a:bodyPr>
+            <a:normAutofit/>
+          </a:bodyPr>
+          <a:lstStyle/>
+          <a:p>
+            <a:r>
+              <a:rPr lang="ru-RU" dirty="0" smtClean="0"/>
+              <a:t>Автор </a:t>
+            </a:r>
+            <a:r>
+              <a:rPr lang="en-US" dirty="0" smtClean="0"/>
+              <a:t>Python</a:t>
+            </a:r>
+            <a:endParaRPr lang="ru-RU" dirty="0"/>
+          </a:p>
+        </p:txBody>
+      </p:sp>
+      <p:sp>
+        <p:nvSpPr>
+          <p:cNvPr id="3" name="Объект 2"/>
+          <p:cNvSpPr>
+            <a:spLocks noGrp="1"/>
+          </p:cNvSpPr>
+          <p:nvPr>
+            <p:ph idx="1"/>
+          </p:nvPr>
+        </p:nvSpPr>
+        <p:spPr>
+          <a:xfrm>
+            <a:off x="479376" y="1268760"/>
+            <a:ext cx="9289032" cy="5472608"/>
+          </a:xfrm>
+        </p:spPr>
+        <p:txBody>
+          <a:bodyPr>
+            <a:noAutofit/>
+          </a:bodyPr>
+          <a:lstStyle/>
+          <a:p>
+            <a:pPr marL="0" indent="0">
+              <a:buNone/>
+            </a:pPr>
+            <a:r>
+              <a:rPr lang="ru-RU" sz="2600" dirty="0"/>
+              <a:t>Гвидо ван Россум — нидерландский программист, автор языка программирования Python</a:t>
+            </a:r>
+            <a:r>
+              <a:rPr lang="ru-RU" sz="2600" dirty="0" smtClean="0"/>
+              <a:t>.</a:t>
+            </a:r>
+          </a:p>
+          <a:p>
+            <a:pPr marL="0" indent="0">
+              <a:buNone/>
+            </a:pPr>
+            <a:endParaRPr lang="ru-RU" sz="2600" dirty="0"/>
+          </a:p>
+          <a:p>
+            <a:pPr marL="0" indent="0">
+              <a:buNone/>
+            </a:pPr>
+            <a:r>
+              <a:rPr lang="ru-RU" sz="2600" dirty="0" smtClean="0"/>
+              <a:t>До </a:t>
+            </a:r>
+            <a:r>
+              <a:rPr lang="ru-RU" sz="2600" dirty="0"/>
+              <a:t>разработки Python участвовал в проекте по написанию языка для обучения программированию — ABC. </a:t>
+            </a:r>
+            <a:endParaRPr lang="ru-RU" sz="2600" dirty="0" smtClean="0"/>
+          </a:p>
+          <a:p>
+            <a:pPr marL="0" indent="0">
+              <a:buNone/>
+            </a:pPr>
+            <a:endParaRPr lang="ru-RU" sz="2600" dirty="0"/>
+          </a:p>
+          <a:p>
+            <a:pPr marL="0" indent="0">
+              <a:buNone/>
+            </a:pPr>
+            <a:r>
+              <a:rPr lang="ru-RU" sz="2600" dirty="0" smtClean="0"/>
+              <a:t>Сейчас </a:t>
+            </a:r>
+            <a:r>
+              <a:rPr lang="ru-RU" sz="2600" dirty="0"/>
+              <a:t>работает в компании </a:t>
+            </a:r>
+            <a:r>
+              <a:rPr lang="ru-RU" sz="2600" dirty="0" err="1"/>
+              <a:t>Dropbox</a:t>
+            </a:r>
+            <a:r>
+              <a:rPr lang="ru-RU" sz="2600" dirty="0"/>
+              <a:t> </a:t>
+            </a:r>
+            <a:r>
+              <a:rPr lang="ru-RU" sz="2600" dirty="0" err="1"/>
+              <a:t>Inc</a:t>
+            </a:r>
+            <a:r>
+              <a:rPr lang="ru-RU" sz="2600" dirty="0"/>
+              <a:t>, покинув в декабре 2012 года корпорацию </a:t>
+            </a:r>
+            <a:r>
+              <a:rPr lang="ru-RU" sz="2600" dirty="0" err="1"/>
+              <a:t>Google</a:t>
+            </a:r>
+            <a:r>
+              <a:rPr lang="ru-RU" sz="2600" dirty="0"/>
+              <a:t>.</a:t>
+            </a:r>
+            <a:endParaRPr lang="en-US" sz="2600" dirty="0"/>
+          </a:p>
+          <a:p>
+            <a:pPr marL="0" indent="0">
+              <a:buNone/>
+            </a:pPr>
+            <a:endParaRPr lang="en-US" sz="2600" dirty="0"/>
+          </a:p>
+          <a:p>
+            <a:pPr marL="0" indent="0">
+              <a:buNone/>
+            </a:pPr>
+            <a:r>
+              <a:rPr lang="en-US" sz="2600" dirty="0">
+                <a:hlinkClick r:id="rId2"/>
+              </a:rPr>
+              <a:t>https://www.python.org/~guido/</a:t>
+            </a:r>
+            <a:r>
+              <a:rPr lang="en-US" sz="2600" dirty="0"/>
+              <a:t> </a:t>
+            </a:r>
+            <a:endParaRPr lang="ru-RU" sz="2600" dirty="0"/>
+          </a:p>
+        </p:txBody>
+      </p:sp>
+      <p:sp>
+        <p:nvSpPr>
+          <p:cNvPr id="4" name="AutoShape 4" descr="https://www.python.org/~guido/images/IMG_2192.jpg"/>
+          <p:cNvSpPr>
+            <a:spLocks noChangeAspect="1" noChangeArrowheads="1"/>
+          </p:cNvSpPr>
+          <p:nvPr/>
+        </p:nvSpPr>
+        <p:spPr bwMode="auto">
+          <a:xfrm>
+            <a:off x="1679575" y="-144463"/>
+            <a:ext cx="304800" cy="304801"/>
+          </a:xfrm>
+          <a:prstGeom prst="rect">
+            <a:avLst/>
+          </a:prstGeom>
+          <a:noFill/>
+          <a:extLst>
+            <a:ext uri="{909E8E84-426E-40DD-AFC4-6F175D3DCCD1}">
+              <a14:hiddenFill xmlns:a14="http://schemas.microsoft.com/office/drawing/2010/main">
+                <a:solidFill>
+                  <a:srgbClr val="FFFFFF"/>
+                </a:solidFill>
+              </a14:hiddenFill>
+            </a:ext>
+          </a:extLst>
+        </p:spPr>
+        <p:txBody>
+          <a:bodyPr vert="horz" wrap="square" lIns="91440" tIns="45720" rIns="91440" bIns="45720" numCol="1" anchor="t" anchorCtr="0" compatLnSpc="1">
+            <a:prstTxWarp prst="textNoShape">
+              <a:avLst/>
+            </a:prstTxWarp>
+          </a:bodyPr>
+          <a:lstStyle/>
+          <a:p>
+            <a:endParaRPr lang="ru-RU"/>
+          </a:p>
+        </p:txBody>
+      </p:sp>
+      <p:pic>
+        <p:nvPicPr>
+          <p:cNvPr id="1029" name="Picture 5"/>
+          <p:cNvPicPr>
+            <a:picLocks noChangeAspect="1" noChangeArrowheads="1"/>
+          </p:cNvPicPr>
+          <p:nvPr/>
+        </p:nvPicPr>
+        <p:blipFill>
+          <a:blip r:embed="rId3">
+            <a:extLst>
+              <a:ext uri="{28A0092B-C50C-407E-A947-70E740481C1C}">
+                <a14:useLocalDpi xmlns:a14="http://schemas.microsoft.com/office/drawing/2010/main" val="0"/>
+              </a:ext>
+            </a:extLst>
+          </a:blip>
+          <a:srcRect/>
+          <a:stretch>
+            <a:fillRect/>
+          </a:stretch>
+        </p:blipFill>
+        <p:spPr bwMode="auto">
+          <a:xfrm>
+            <a:off x="9768408" y="1268760"/>
+            <a:ext cx="1813992" cy="2731916"/>
+          </a:xfrm>
+          <a:prstGeom prst="rect">
+            <a:avLst/>
+          </a:prstGeom>
+          <a:noFill/>
+          <a:ln>
+            <a:noFill/>
+          </a:ln>
+          <a:extLst>
+            <a:ext uri="{909E8E84-426E-40DD-AFC4-6F175D3DCCD1}">
+              <a14:hiddenFill xmlns:a14="http://schemas.microsoft.com/office/drawing/2010/main">
+                <a:solidFill>
+                  <a:schemeClr val="accent1"/>
+                </a:solidFill>
+              </a14:hiddenFill>
+            </a:ext>
+            <a:ext uri="{91240B29-F687-4F45-9708-019B960494DF}">
+              <a14:hiddenLine xmlns:a14="http://schemas.microsoft.com/office/drawing/2010/main" w="9525">
+                <a:solidFill>
+                  <a:schemeClr val="tx1"/>
+                </a:solidFill>
+                <a:miter lim="800000"/>
+                <a:headEnd/>
+                <a:tailEnd/>
+              </a14:hiddenLine>
+            </a:ext>
+          </a:extLst>
+        </p:spPr>
+      </p:pic>
+    </p:spTree>
+    <p:extLst>
+      <p:ext uri="{BB962C8B-B14F-4D97-AF65-F5344CB8AC3E}">
+        <p14:creationId xmlns:p14="http://schemas.microsoft.com/office/powerpoint/2010/main" val="1378299104"/>
+      </p:ext>
+    </p:extLst>
+  </p:cSld>
+  <p:clrMapOvr>
+    <a:masterClrMapping/>
+  </p:clrMapOvr>
+  <p:timing>
+    <p:tnLst>
+      <p:par>
+        <p:cTn id="1" dur="indefinite" restart="never" nodeType="tmRoot">
+          <p:childTnLst>
+            <p:seq concurrent="1" nextAc="seek">
+              <p:cTn id="2" dur="indefinite" nodeType="mainSeq">
+                <p:childTnLst>
+                  <p:par>
+                    <p:cTn id="3" fill="hold">
+                      <p:stCondLst>
+                        <p:cond delay="indefinite"/>
+                      </p:stCondLst>
+                      <p:childTnLst>
+                        <p:par>
+                          <p:cTn id="4" fill="hold">
+                            <p:stCondLst>
+                              <p:cond delay="0"/>
+                            </p:stCondLst>
+                            <p:childTnLst>
+                              <p:par>
+                                <p:cTn id="5" presetID="1" presetClass="entr" presetSubtype="0" fill="hold" grpId="0" nodeType="clickEffect">
+                                  <p:stCondLst>
+                                    <p:cond delay="0"/>
+                                  </p:stCondLst>
+                                  <p:childTnLst>
+                                    <p:set>
+                                      <p:cBhvr>
+                                        <p:cTn id="6" dur="1" fill="hold">
+                                          <p:stCondLst>
+                                            <p:cond delay="0"/>
+                                          </p:stCondLst>
+                                        </p:cTn>
+                                        <p:tgtEl>
+                                          <p:spTgt spid="3">
+                                            <p:txEl>
+                                              <p:pRg st="0" end="0"/>
+                                            </p:txEl>
+                                          </p:spTgt>
+                                        </p:tgtEl>
+                                        <p:attrNameLst>
+                                          <p:attrName>style.visibility</p:attrName>
+                                        </p:attrNameLst>
+                                      </p:cBhvr>
+                                      <p:to>
+                                        <p:strVal val="visible"/>
+                                      </p:to>
+                                    </p:set>
+                                  </p:childTnLst>
+                                </p:cTn>
+                              </p:par>
+                            </p:childTnLst>
+                          </p:cTn>
+                        </p:par>
+                      </p:childTnLst>
+                    </p:cTn>
+                  </p:par>
+                  <p:par>
+                    <p:cTn id="7" fill="hold">
+                      <p:stCondLst>
+                        <p:cond delay="indefinite"/>
+                      </p:stCondLst>
+                      <p:childTnLst>
+                        <p:par>
+                          <p:cTn id="8" fill="hold">
+                            <p:stCondLst>
+                              <p:cond delay="0"/>
+                            </p:stCondLst>
+                            <p:childTnLst>
+                              <p:par>
+                                <p:cTn id="9" presetID="1" presetClass="entr" presetSubtype="0" fill="hold" grpId="0" nodeType="clickEffect">
+                                  <p:stCondLst>
+                                    <p:cond delay="0"/>
+                                  </p:stCondLst>
+                                  <p:childTnLst>
+                                    <p:set>
+                                      <p:cBhvr>
+                                        <p:cTn id="10" dur="1" fill="hold">
+                                          <p:stCondLst>
+                                            <p:cond delay="0"/>
+                                          </p:stCondLst>
+                                        </p:cTn>
+                                        <p:tgtEl>
+                                          <p:spTgt spid="3">
+                                            <p:txEl>
+                                              <p:pRg st="2" end="2"/>
+                                            </p:txEl>
+                                          </p:spTgt>
+                                        </p:tgtEl>
+                                        <p:attrNameLst>
+                                          <p:attrName>style.visibility</p:attrName>
+                                        </p:attrNameLst>
+                                      </p:cBhvr>
+                                      <p:to>
+                                        <p:strVal val="visible"/>
+                                      </p:to>
+                                    </p:set>
+                                  </p:childTnLst>
+                                </p:cTn>
+                              </p:par>
+                              <p:par>
+                                <p:cTn id="11" presetID="1" presetClass="entr" presetSubtype="0" fill="hold" nodeType="withEffect">
+                                  <p:stCondLst>
+                                    <p:cond delay="0"/>
+                                  </p:stCondLst>
+                                  <p:childTnLst>
+                                    <p:set>
+                                      <p:cBhvr>
+                                        <p:cTn id="12" dur="1" fill="hold">
+                                          <p:stCondLst>
+                                            <p:cond delay="0"/>
+                                          </p:stCondLst>
+                                        </p:cTn>
+                                        <p:tgtEl>
+                                          <p:spTgt spid="1029"/>
+                                        </p:tgtEl>
+                                        <p:attrNameLst>
+                                          <p:attrName>style.visibility</p:attrName>
+                                        </p:attrNameLst>
+                                      </p:cBhvr>
+                                      <p:to>
+                                        <p:strVal val="visible"/>
+                                      </p:to>
+                                    </p:set>
+                                  </p:childTnLst>
+                                </p:cTn>
+                              </p:par>
+                            </p:childTnLst>
+                          </p:cTn>
+                        </p:par>
+                      </p:childTnLst>
+                    </p:cTn>
+                  </p:par>
+                  <p:par>
+                    <p:cTn id="13" fill="hold">
+                      <p:stCondLst>
+                        <p:cond delay="indefinite"/>
+                      </p:stCondLst>
+                      <p:childTnLst>
+                        <p:par>
+                          <p:cTn id="14" fill="hold">
+                            <p:stCondLst>
+                              <p:cond delay="0"/>
+                            </p:stCondLst>
+                            <p:childTnLst>
+                              <p:par>
+                                <p:cTn id="15" presetID="1" presetClass="entr" presetSubtype="0" fill="hold" grpId="0" nodeType="clickEffect">
+                                  <p:stCondLst>
+                                    <p:cond delay="0"/>
+                                  </p:stCondLst>
+                                  <p:childTnLst>
+                                    <p:set>
+                                      <p:cBhvr>
+                                        <p:cTn id="16" dur="1" fill="hold">
+                                          <p:stCondLst>
+                                            <p:cond delay="0"/>
+                                          </p:stCondLst>
+                                        </p:cTn>
+                                        <p:tgtEl>
+                                          <p:spTgt spid="3">
+                                            <p:txEl>
+                                              <p:pRg st="4" end="4"/>
+                                            </p:txEl>
+                                          </p:spTgt>
+                                        </p:tgtEl>
+                                        <p:attrNameLst>
+                                          <p:attrName>style.visibility</p:attrName>
+                                        </p:attrNameLst>
+                                      </p:cBhvr>
+                                      <p:to>
+                                        <p:strVal val="visible"/>
+                                      </p:to>
+                                    </p:set>
+                                  </p:childTnLst>
+                                </p:cTn>
+                              </p:par>
+                            </p:childTnLst>
+                          </p:cTn>
+                        </p:par>
+                      </p:childTnLst>
+                    </p:cTn>
+                  </p:par>
+                  <p:par>
+                    <p:cTn id="17" fill="hold">
+                      <p:stCondLst>
+                        <p:cond delay="indefinite"/>
+                      </p:stCondLst>
+                      <p:childTnLst>
+                        <p:par>
+                          <p:cTn id="18" fill="hold">
+                            <p:stCondLst>
+                              <p:cond delay="0"/>
+                            </p:stCondLst>
+                            <p:childTnLst>
+                              <p:par>
+                                <p:cTn id="19" presetID="1" presetClass="entr" presetSubtype="0" fill="hold" grpId="0" nodeType="clickEffect">
+                                  <p:stCondLst>
+                                    <p:cond delay="0"/>
+                                  </p:stCondLst>
+                                  <p:childTnLst>
+                                    <p:set>
+                                      <p:cBhvr>
+                                        <p:cTn id="20" dur="1" fill="hold">
+                                          <p:stCondLst>
+                                            <p:cond delay="0"/>
+                                          </p:stCondLst>
+                                        </p:cTn>
+                                        <p:tgtEl>
+                                          <p:spTgt spid="3">
+                                            <p:txEl>
+                                              <p:pRg st="6" end="6"/>
+                                            </p:txEl>
+                                          </p:spTgt>
+                                        </p:tgtEl>
+                                        <p:attrNameLst>
+                                          <p:attrName>style.visibility</p:attrName>
+                                        </p:attrNameLst>
+                                      </p:cBhvr>
+                                      <p:to>
+                                        <p:strVal val="visible"/>
+                                      </p:to>
+                                    </p:set>
+                                  </p:childTnLst>
+                                </p:cTn>
+                              </p:par>
+                            </p:childTnLst>
+                          </p:cTn>
+                        </p:par>
+                      </p:childTnLst>
+                    </p:cTn>
+                  </p:par>
+                </p:childTnLst>
+              </p:cTn>
+              <p:prevCondLst>
+                <p:cond evt="onPrev" delay="0">
+                  <p:tgtEl>
+                    <p:sldTgt/>
+                  </p:tgtEl>
+                </p:cond>
+              </p:prevCondLst>
+              <p:nextCondLst>
+                <p:cond evt="onNext" delay="0">
+                  <p:tgtEl>
+                    <p:sldTgt/>
+                  </p:tgtEl>
+                </p:cond>
+              </p:nextCondLst>
+            </p:seq>
+          </p:childTnLst>
+        </p:cTn>
+      </p:par>
+    </p:tnLst>
+    <p:bldLst>
+      <p:bldP spid="3" grpId="0" uiExpand="1" build="p"/>
+    </p:bldLst>
+  </p:timing>
+</p:sld>
+</file>
+
+<file path=ppt/slides/slide11.xml><?xml version="1.0" encoding="utf-8"?>
+<p:sld xmlns:a="http://schemas.openxmlformats.org/drawingml/2006/main" xmlns:r="http://schemas.openxmlformats.org/officeDocument/2006/relationships" xmlns:p="http://schemas.openxmlformats.org/presentationml/2006/main">
+  <p:cSld>
+    <p:spTree>
+      <p:nvGrpSpPr>
+        <p:cNvPr id="1" name=""/>
+        <p:cNvGrpSpPr/>
+        <p:nvPr/>
+      </p:nvGrpSpPr>
+      <p:grpSpPr>
+        <a:xfrm>
+          <a:off x="0" y="0"/>
+          <a:ext cx="0" cy="0"/>
+          <a:chOff x="0" y="0"/>
+          <a:chExt cx="0" cy="0"/>
+        </a:xfrm>
+      </p:grpSpPr>
+      <p:sp>
+        <p:nvSpPr>
+          <p:cNvPr id="2" name="Заголовок 1"/>
+          <p:cNvSpPr>
+            <a:spLocks noGrp="1"/>
+          </p:cNvSpPr>
+          <p:nvPr>
+            <p:ph type="title"/>
+          </p:nvPr>
+        </p:nvSpPr>
+        <p:spPr>
+          <a:xfrm>
+            <a:off x="1991544" y="188641"/>
+            <a:ext cx="7499350" cy="1011237"/>
+          </a:xfrm>
+        </p:spPr>
+        <p:txBody>
+          <a:bodyPr/>
+          <a:lstStyle/>
+          <a:p>
+            <a:pPr eaLnBrk="1" hangingPunct="1">
+              <a:defRPr/>
+            </a:pPr>
+            <a:r>
+              <a:rPr lang="ru-RU" dirty="0" smtClean="0"/>
+              <a:t>История </a:t>
+            </a:r>
+            <a:r>
+              <a:rPr lang="en-US" dirty="0" smtClean="0"/>
+              <a:t>PYTHON</a:t>
+            </a:r>
+            <a:endParaRPr lang="ru-RU" dirty="0"/>
+          </a:p>
+        </p:txBody>
+      </p:sp>
+      <p:sp>
+        <p:nvSpPr>
+          <p:cNvPr id="11267" name="Содержимое 2"/>
+          <p:cNvSpPr>
+            <a:spLocks noGrp="1"/>
+          </p:cNvSpPr>
+          <p:nvPr>
+            <p:ph idx="1"/>
+          </p:nvPr>
+        </p:nvSpPr>
+        <p:spPr>
+          <a:xfrm>
+            <a:off x="695400" y="1052737"/>
+            <a:ext cx="11017224" cy="5572125"/>
+          </a:xfrm>
+        </p:spPr>
+        <p:txBody>
+          <a:bodyPr>
+            <a:normAutofit/>
+          </a:bodyPr>
+          <a:lstStyle/>
+          <a:p>
+            <a:r>
+              <a:rPr lang="ru-RU" sz="2800" dirty="0" smtClean="0"/>
+              <a:t>Название </a:t>
+            </a:r>
+            <a:r>
+              <a:rPr lang="ru-RU" sz="2800" dirty="0"/>
+              <a:t>языка произошло вовсе </a:t>
+            </a:r>
+            <a:r>
+              <a:rPr lang="ru-RU" sz="2800" b="1" dirty="0"/>
+              <a:t>не от </a:t>
+            </a:r>
+            <a:r>
+              <a:rPr lang="ru-RU" sz="2800" dirty="0"/>
+              <a:t>вида пресмыкающихся. Автор назвал язык в честь популярного британского комедийного телешоу 1970-х «Летающий цирк Монти </a:t>
+            </a:r>
+            <a:r>
+              <a:rPr lang="ru-RU" sz="2800" dirty="0" err="1"/>
+              <a:t>Пайтона</a:t>
+            </a:r>
+            <a:r>
+              <a:rPr lang="ru-RU" sz="2800" dirty="0"/>
+              <a:t>».</a:t>
+            </a:r>
+            <a:endParaRPr lang="en-US" altLang="ru-RU" sz="2600" dirty="0"/>
+          </a:p>
+          <a:p>
+            <a:pPr eaLnBrk="1" hangingPunct="1"/>
+            <a:r>
+              <a:rPr lang="ru-RU" altLang="ru-RU" sz="2600" dirty="0"/>
+              <a:t>Первый релиз — 1991 год</a:t>
+            </a:r>
+          </a:p>
+          <a:p>
+            <a:r>
+              <a:rPr lang="ru-RU" sz="2800" dirty="0"/>
+              <a:t>Версия </a:t>
+            </a:r>
+            <a:r>
+              <a:rPr lang="ru-RU" sz="2800" dirty="0" err="1"/>
+              <a:t>Python</a:t>
+            </a:r>
+            <a:r>
+              <a:rPr lang="ru-RU" sz="2800" dirty="0"/>
+              <a:t> 2.0 была выпущена 16 октября 2000 года и включала в себя много новых крупных функций — таких как полный сборщик мусора и поддержка </a:t>
+            </a:r>
+            <a:r>
+              <a:rPr lang="ru-RU" sz="2800" dirty="0" err="1"/>
+              <a:t>Unicode</a:t>
+            </a:r>
+            <a:r>
+              <a:rPr lang="ru-RU" sz="2800" dirty="0"/>
+              <a:t>.</a:t>
+            </a:r>
+          </a:p>
+          <a:p>
+            <a:r>
+              <a:rPr lang="ru-RU" altLang="ru-RU" sz="2600" dirty="0"/>
+              <a:t>2008 год — вышла версия 3.0, устраняющая многие недостатки, но </a:t>
+            </a:r>
+            <a:r>
+              <a:rPr lang="ru-RU" altLang="ru-RU" sz="2600" b="1" dirty="0"/>
+              <a:t>не полностью совместима </a:t>
+            </a:r>
+            <a:r>
+              <a:rPr lang="ru-RU" altLang="ru-RU" sz="2600" dirty="0"/>
+              <a:t>с </a:t>
+            </a:r>
+            <a:r>
+              <a:rPr lang="ru-RU" altLang="ru-RU" sz="2600" dirty="0" smtClean="0"/>
+              <a:t>2.х</a:t>
+            </a:r>
+            <a:endParaRPr lang="en-US" altLang="ru-RU" sz="2600" dirty="0" smtClean="0"/>
+          </a:p>
+          <a:p>
+            <a:r>
+              <a:rPr lang="ru-RU" sz="2800" dirty="0" smtClean="0"/>
+              <a:t>Последняя стабильная версия </a:t>
+            </a:r>
+            <a:r>
+              <a:rPr lang="en-US" sz="2800" dirty="0" smtClean="0"/>
+              <a:t>Python </a:t>
+            </a:r>
+            <a:r>
+              <a:rPr lang="en-US" sz="2800" dirty="0"/>
+              <a:t>3.7.0 2018-06-27</a:t>
+            </a:r>
+            <a:endParaRPr lang="ru-RU" altLang="ru-RU" sz="2600" dirty="0"/>
+          </a:p>
+          <a:p>
+            <a:pPr eaLnBrk="1" hangingPunct="1"/>
+            <a:endParaRPr lang="ru-RU" altLang="ru-RU" dirty="0" smtClean="0"/>
+          </a:p>
+        </p:txBody>
+      </p:sp>
+      <p:pic>
+        <p:nvPicPr>
+          <p:cNvPr id="3" name="Рисунок 2"/>
+          <p:cNvPicPr>
+            <a:picLocks noChangeAspect="1"/>
+          </p:cNvPicPr>
+          <p:nvPr/>
+        </p:nvPicPr>
+        <p:blipFill>
+          <a:blip r:embed="rId2"/>
+          <a:stretch>
+            <a:fillRect/>
+          </a:stretch>
+        </p:blipFill>
+        <p:spPr>
+          <a:xfrm>
+            <a:off x="3893369" y="476672"/>
+            <a:ext cx="3695700" cy="5715000"/>
+          </a:xfrm>
+          <a:prstGeom prst="rect">
+            <a:avLst/>
+          </a:prstGeom>
+        </p:spPr>
+      </p:pic>
+    </p:spTree>
+    <p:extLst>
+      <p:ext uri="{BB962C8B-B14F-4D97-AF65-F5344CB8AC3E}">
+        <p14:creationId xmlns:p14="http://schemas.microsoft.com/office/powerpoint/2010/main" val="10133818"/>
+      </p:ext>
+    </p:extLst>
+  </p:cSld>
+  <p:clrMapOvr>
+    <a:masterClrMapping/>
+  </p:clrMapOvr>
+  <p:timing>
+    <p:tnLst>
+      <p:par>
+        <p:cTn id="1" dur="indefinite" restart="never" nodeType="tmRoot">
+          <p:childTnLst>
+            <p:seq concurrent="1" nextAc="seek">
+              <p:cTn id="2" dur="indefinite" nodeType="mainSeq">
+                <p:childTnLst>
+                  <p:par>
+                    <p:cTn id="3" fill="hold">
+                      <p:stCondLst>
+                        <p:cond delay="indefinite"/>
+                      </p:stCondLst>
+                      <p:childTnLst>
+                        <p:par>
+                          <p:cTn id="4" fill="hold">
+                            <p:stCondLst>
+                              <p:cond delay="0"/>
+                            </p:stCondLst>
+                            <p:childTnLst>
+                              <p:par>
+                                <p:cTn id="5" presetID="1" presetClass="entr" presetSubtype="0" fill="hold" nodeType="clickEffect">
+                                  <p:stCondLst>
+                                    <p:cond delay="0"/>
+                                  </p:stCondLst>
+                                  <p:childTnLst>
+                                    <p:set>
+                                      <p:cBhvr>
+                                        <p:cTn id="6" dur="1" fill="hold">
+                                          <p:stCondLst>
+                                            <p:cond delay="0"/>
+                                          </p:stCondLst>
+                                        </p:cTn>
+                                        <p:tgtEl>
+                                          <p:spTgt spid="11267">
+                                            <p:txEl>
+                                              <p:pRg st="0" end="0"/>
+                                            </p:txEl>
+                                          </p:spTgt>
+                                        </p:tgtEl>
+                                        <p:attrNameLst>
+                                          <p:attrName>style.visibility</p:attrName>
+                                        </p:attrNameLst>
+                                      </p:cBhvr>
+                                      <p:to>
+                                        <p:strVal val="visible"/>
+                                      </p:to>
+                                    </p:set>
+                                  </p:childTnLst>
+                                </p:cTn>
+                              </p:par>
+                            </p:childTnLst>
+                          </p:cTn>
+                        </p:par>
+                      </p:childTnLst>
+                    </p:cTn>
+                  </p:par>
+                  <p:par>
+                    <p:cTn id="7" fill="hold">
+                      <p:stCondLst>
+                        <p:cond delay="indefinite"/>
+                      </p:stCondLst>
+                      <p:childTnLst>
+                        <p:par>
+                          <p:cTn id="8" fill="hold">
+                            <p:stCondLst>
+                              <p:cond delay="0"/>
+                            </p:stCondLst>
+                            <p:childTnLst>
+                              <p:par>
+                                <p:cTn id="9" presetID="31" presetClass="entr" presetSubtype="0" fill="hold" nodeType="clickEffect">
+                                  <p:stCondLst>
+                                    <p:cond delay="0"/>
+                                  </p:stCondLst>
+                                  <p:childTnLst>
+                                    <p:set>
+                                      <p:cBhvr>
+                                        <p:cTn id="10" dur="1" fill="hold">
+                                          <p:stCondLst>
+                                            <p:cond delay="0"/>
+                                          </p:stCondLst>
+                                        </p:cTn>
+                                        <p:tgtEl>
+                                          <p:spTgt spid="3"/>
+                                        </p:tgtEl>
+                                        <p:attrNameLst>
+                                          <p:attrName>style.visibility</p:attrName>
+                                        </p:attrNameLst>
+                                      </p:cBhvr>
+                                      <p:to>
+                                        <p:strVal val="visible"/>
+                                      </p:to>
+                                    </p:set>
+                                    <p:anim calcmode="lin" valueType="num">
+                                      <p:cBhvr>
+                                        <p:cTn id="11" dur="1000" fill="hold"/>
+                                        <p:tgtEl>
+                                          <p:spTgt spid="3"/>
+                                        </p:tgtEl>
+                                        <p:attrNameLst>
+                                          <p:attrName>ppt_w</p:attrName>
+                                        </p:attrNameLst>
+                                      </p:cBhvr>
+                                      <p:tavLst>
+                                        <p:tav tm="0">
+                                          <p:val>
+                                            <p:fltVal val="0"/>
+                                          </p:val>
+                                        </p:tav>
+                                        <p:tav tm="100000">
+                                          <p:val>
+                                            <p:strVal val="#ppt_w"/>
+                                          </p:val>
+                                        </p:tav>
+                                      </p:tavLst>
+                                    </p:anim>
+                                    <p:anim calcmode="lin" valueType="num">
+                                      <p:cBhvr>
+                                        <p:cTn id="12" dur="1000" fill="hold"/>
+                                        <p:tgtEl>
+                                          <p:spTgt spid="3"/>
+                                        </p:tgtEl>
+                                        <p:attrNameLst>
+                                          <p:attrName>ppt_h</p:attrName>
+                                        </p:attrNameLst>
+                                      </p:cBhvr>
+                                      <p:tavLst>
+                                        <p:tav tm="0">
+                                          <p:val>
+                                            <p:fltVal val="0"/>
+                                          </p:val>
+                                        </p:tav>
+                                        <p:tav tm="100000">
+                                          <p:val>
+                                            <p:strVal val="#ppt_h"/>
+                                          </p:val>
+                                        </p:tav>
+                                      </p:tavLst>
+                                    </p:anim>
+                                    <p:anim calcmode="lin" valueType="num">
+                                      <p:cBhvr>
+                                        <p:cTn id="13" dur="1000" fill="hold"/>
+                                        <p:tgtEl>
+                                          <p:spTgt spid="3"/>
+                                        </p:tgtEl>
+                                        <p:attrNameLst>
+                                          <p:attrName>style.rotation</p:attrName>
+                                        </p:attrNameLst>
+                                      </p:cBhvr>
+                                      <p:tavLst>
+                                        <p:tav tm="0">
+                                          <p:val>
+                                            <p:fltVal val="90"/>
+                                          </p:val>
+                                        </p:tav>
+                                        <p:tav tm="100000">
+                                          <p:val>
+                                            <p:fltVal val="0"/>
+                                          </p:val>
+                                        </p:tav>
+                                      </p:tavLst>
+                                    </p:anim>
+                                    <p:animEffect transition="in" filter="fade">
+                                      <p:cBhvr>
+                                        <p:cTn id="14" dur="1000"/>
+                                        <p:tgtEl>
+                                          <p:spTgt spid="3"/>
+                                        </p:tgtEl>
+                                      </p:cBhvr>
+                                    </p:animEffect>
+                                  </p:childTnLst>
+                                </p:cTn>
+                              </p:par>
+                            </p:childTnLst>
+                          </p:cTn>
+                        </p:par>
+                      </p:childTnLst>
+                    </p:cTn>
+                  </p:par>
+                  <p:par>
+                    <p:cTn id="15" fill="hold">
+                      <p:stCondLst>
+                        <p:cond delay="indefinite"/>
+                      </p:stCondLst>
+                      <p:childTnLst>
+                        <p:par>
+                          <p:cTn id="16" fill="hold">
+                            <p:stCondLst>
+                              <p:cond delay="0"/>
+                            </p:stCondLst>
+                            <p:childTnLst>
+                              <p:par>
+                                <p:cTn id="17" presetID="31" presetClass="exit" presetSubtype="0" fill="hold" nodeType="clickEffect">
+                                  <p:stCondLst>
+                                    <p:cond delay="0"/>
+                                  </p:stCondLst>
+                                  <p:childTnLst>
+                                    <p:anim calcmode="lin" valueType="num">
+                                      <p:cBhvr>
+                                        <p:cTn id="18" dur="1000"/>
+                                        <p:tgtEl>
+                                          <p:spTgt spid="3"/>
+                                        </p:tgtEl>
+                                        <p:attrNameLst>
+                                          <p:attrName>ppt_w</p:attrName>
+                                        </p:attrNameLst>
+                                      </p:cBhvr>
+                                      <p:tavLst>
+                                        <p:tav tm="0">
+                                          <p:val>
+                                            <p:strVal val="ppt_w"/>
+                                          </p:val>
+                                        </p:tav>
+                                        <p:tav tm="100000">
+                                          <p:val>
+                                            <p:fltVal val="0"/>
+                                          </p:val>
+                                        </p:tav>
+                                      </p:tavLst>
+                                    </p:anim>
+                                    <p:anim calcmode="lin" valueType="num">
+                                      <p:cBhvr>
+                                        <p:cTn id="19" dur="1000"/>
+                                        <p:tgtEl>
+                                          <p:spTgt spid="3"/>
+                                        </p:tgtEl>
+                                        <p:attrNameLst>
+                                          <p:attrName>ppt_h</p:attrName>
+                                        </p:attrNameLst>
+                                      </p:cBhvr>
+                                      <p:tavLst>
+                                        <p:tav tm="0">
+                                          <p:val>
+                                            <p:strVal val="ppt_h"/>
+                                          </p:val>
+                                        </p:tav>
+                                        <p:tav tm="100000">
+                                          <p:val>
+                                            <p:fltVal val="0"/>
+                                          </p:val>
+                                        </p:tav>
+                                      </p:tavLst>
+                                    </p:anim>
+                                    <p:anim calcmode="lin" valueType="num">
+                                      <p:cBhvr>
+                                        <p:cTn id="20" dur="1000"/>
+                                        <p:tgtEl>
+                                          <p:spTgt spid="3"/>
+                                        </p:tgtEl>
+                                        <p:attrNameLst>
+                                          <p:attrName>style.rotation</p:attrName>
+                                        </p:attrNameLst>
+                                      </p:cBhvr>
+                                      <p:tavLst>
+                                        <p:tav tm="0">
+                                          <p:val>
+                                            <p:fltVal val="0"/>
+                                          </p:val>
+                                        </p:tav>
+                                        <p:tav tm="100000">
+                                          <p:val>
+                                            <p:fltVal val="90"/>
+                                          </p:val>
+                                        </p:tav>
+                                      </p:tavLst>
+                                    </p:anim>
+                                    <p:animEffect transition="out" filter="fade">
+                                      <p:cBhvr>
+                                        <p:cTn id="21" dur="1000"/>
+                                        <p:tgtEl>
+                                          <p:spTgt spid="3"/>
+                                        </p:tgtEl>
+                                      </p:cBhvr>
+                                    </p:animEffect>
+                                    <p:set>
+                                      <p:cBhvr>
+                                        <p:cTn id="22" dur="1" fill="hold">
+                                          <p:stCondLst>
+                                            <p:cond delay="999"/>
+                                          </p:stCondLst>
+                                        </p:cTn>
+                                        <p:tgtEl>
+                                          <p:spTgt spid="3"/>
+                                        </p:tgtEl>
+                                        <p:attrNameLst>
+                                          <p:attrName>style.visibility</p:attrName>
+                                        </p:attrNameLst>
+                                      </p:cBhvr>
+                                      <p:to>
+                                        <p:strVal val="hidden"/>
+                                      </p:to>
+                                    </p:set>
+                                  </p:childTnLst>
+                                </p:cTn>
+                              </p:par>
+                            </p:childTnLst>
+                          </p:cTn>
+                        </p:par>
+                      </p:childTnLst>
+                    </p:cTn>
+                  </p:par>
+                  <p:par>
+                    <p:cTn id="23" fill="hold">
+                      <p:stCondLst>
+                        <p:cond delay="indefinite"/>
+                      </p:stCondLst>
+                      <p:childTnLst>
+                        <p:par>
+                          <p:cTn id="24" fill="hold">
+                            <p:stCondLst>
+                              <p:cond delay="0"/>
+                            </p:stCondLst>
+                            <p:childTnLst>
+                              <p:par>
+                                <p:cTn id="25" presetID="1" presetClass="entr" presetSubtype="0" fill="hold" nodeType="clickEffect">
+                                  <p:stCondLst>
+                                    <p:cond delay="0"/>
+                                  </p:stCondLst>
+                                  <p:childTnLst>
+                                    <p:set>
+                                      <p:cBhvr>
+                                        <p:cTn id="26" dur="1" fill="hold">
+                                          <p:stCondLst>
+                                            <p:cond delay="0"/>
+                                          </p:stCondLst>
+                                        </p:cTn>
+                                        <p:tgtEl>
+                                          <p:spTgt spid="11267">
+                                            <p:txEl>
+                                              <p:pRg st="1" end="1"/>
+                                            </p:txEl>
+                                          </p:spTgt>
+                                        </p:tgtEl>
+                                        <p:attrNameLst>
+                                          <p:attrName>style.visibility</p:attrName>
+                                        </p:attrNameLst>
+                                      </p:cBhvr>
+                                      <p:to>
+                                        <p:strVal val="visible"/>
+                                      </p:to>
+                                    </p:set>
+                                  </p:childTnLst>
+                                </p:cTn>
+                              </p:par>
+                            </p:childTnLst>
+                          </p:cTn>
+                        </p:par>
+                      </p:childTnLst>
+                    </p:cTn>
+                  </p:par>
+                  <p:par>
+                    <p:cTn id="27" fill="hold">
+                      <p:stCondLst>
+                        <p:cond delay="indefinite"/>
+                      </p:stCondLst>
+                      <p:childTnLst>
+                        <p:par>
+                          <p:cTn id="28" fill="hold">
+                            <p:stCondLst>
+                              <p:cond delay="0"/>
+                            </p:stCondLst>
+                            <p:childTnLst>
+                              <p:par>
+                                <p:cTn id="29" presetID="1" presetClass="entr" presetSubtype="0" fill="hold" nodeType="clickEffect">
+                                  <p:stCondLst>
+                                    <p:cond delay="0"/>
+                                  </p:stCondLst>
+                                  <p:childTnLst>
+                                    <p:set>
+                                      <p:cBhvr>
+                                        <p:cTn id="30" dur="1" fill="hold">
+                                          <p:stCondLst>
+                                            <p:cond delay="0"/>
+                                          </p:stCondLst>
+                                        </p:cTn>
+                                        <p:tgtEl>
+                                          <p:spTgt spid="11267">
+                                            <p:txEl>
+                                              <p:pRg st="2" end="2"/>
+                                            </p:txEl>
+                                          </p:spTgt>
+                                        </p:tgtEl>
+                                        <p:attrNameLst>
+                                          <p:attrName>style.visibility</p:attrName>
+                                        </p:attrNameLst>
+                                      </p:cBhvr>
+                                      <p:to>
+                                        <p:strVal val="visible"/>
+                                      </p:to>
+                                    </p:set>
+                                  </p:childTnLst>
+                                </p:cTn>
+                              </p:par>
+                            </p:childTnLst>
+                          </p:cTn>
+                        </p:par>
+                      </p:childTnLst>
+                    </p:cTn>
+                  </p:par>
+                  <p:par>
+                    <p:cTn id="31" fill="hold">
+                      <p:stCondLst>
+                        <p:cond delay="indefinite"/>
+                      </p:stCondLst>
+                      <p:childTnLst>
+                        <p:par>
+                          <p:cTn id="32" fill="hold">
+                            <p:stCondLst>
+                              <p:cond delay="0"/>
+                            </p:stCondLst>
+                            <p:childTnLst>
+                              <p:par>
+                                <p:cTn id="33" presetID="1" presetClass="entr" presetSubtype="0" fill="hold" nodeType="clickEffect">
+                                  <p:stCondLst>
+                                    <p:cond delay="0"/>
+                                  </p:stCondLst>
+                                  <p:childTnLst>
+                                    <p:set>
+                                      <p:cBhvr>
+                                        <p:cTn id="34" dur="1" fill="hold">
+                                          <p:stCondLst>
+                                            <p:cond delay="0"/>
+                                          </p:stCondLst>
+                                        </p:cTn>
+                                        <p:tgtEl>
+                                          <p:spTgt spid="11267">
+                                            <p:txEl>
+                                              <p:pRg st="3" end="3"/>
+                                            </p:txEl>
+                                          </p:spTgt>
+                                        </p:tgtEl>
+                                        <p:attrNameLst>
+                                          <p:attrName>style.visibility</p:attrName>
+                                        </p:attrNameLst>
+                                      </p:cBhvr>
+                                      <p:to>
+                                        <p:strVal val="visible"/>
+                                      </p:to>
+                                    </p:set>
+                                  </p:childTnLst>
+                                </p:cTn>
+                              </p:par>
+                            </p:childTnLst>
+                          </p:cTn>
+                        </p:par>
+                      </p:childTnLst>
+                    </p:cTn>
+                  </p:par>
+                  <p:par>
+                    <p:cTn id="35" fill="hold">
+                      <p:stCondLst>
+                        <p:cond delay="indefinite"/>
+                      </p:stCondLst>
+                      <p:childTnLst>
+                        <p:par>
+                          <p:cTn id="36" fill="hold">
+                            <p:stCondLst>
+                              <p:cond delay="0"/>
+                            </p:stCondLst>
+                            <p:childTnLst>
+                              <p:par>
+                                <p:cTn id="37" presetID="1" presetClass="entr" presetSubtype="0" fill="hold" nodeType="clickEffect">
+                                  <p:stCondLst>
+                                    <p:cond delay="0"/>
+                                  </p:stCondLst>
+                                  <p:childTnLst>
+                                    <p:set>
+                                      <p:cBhvr>
+                                        <p:cTn id="38" dur="1" fill="hold">
+                                          <p:stCondLst>
+                                            <p:cond delay="0"/>
+                                          </p:stCondLst>
+                                        </p:cTn>
+                                        <p:tgtEl>
+                                          <p:spTgt spid="11267">
+                                            <p:txEl>
+                                              <p:pRg st="4" end="4"/>
+                                            </p:txEl>
+                                          </p:spTgt>
+                                        </p:tgtEl>
+                                        <p:attrNameLst>
+                                          <p:attrName>style.visibility</p:attrName>
+                                        </p:attrNameLst>
+                                      </p:cBhvr>
+                                      <p:to>
+                                        <p:strVal val="visible"/>
+                                      </p:to>
+                                    </p:set>
+                                  </p:childTnLst>
+                                </p:cTn>
+                              </p:par>
+                            </p:childTnLst>
+                          </p:cTn>
+                        </p:par>
+                      </p:childTnLst>
+                    </p:cTn>
+                  </p:par>
+                </p:childTnLst>
+              </p:cTn>
+              <p:prevCondLst>
+                <p:cond evt="onPrev" delay="0">
+                  <p:tgtEl>
+                    <p:sldTgt/>
+                  </p:tgtEl>
+                </p:cond>
+              </p:prevCondLst>
+              <p:nextCondLst>
+                <p:cond evt="onNext" delay="0">
+                  <p:tgtEl>
+                    <p:sldTgt/>
+                  </p:tgtEl>
+                </p:cond>
+              </p:nextCondLst>
+            </p:seq>
+          </p:childTnLst>
+        </p:cTn>
+      </p:par>
+    </p:tnLst>
+  </p:timing>
+</p:sld>
+</file>
+
+<file path=ppt/slides/slide12.xml><?xml version="1.0" encoding="utf-8"?>
+<p:sld xmlns:a="http://schemas.openxmlformats.org/drawingml/2006/main" xmlns:r="http://schemas.openxmlformats.org/officeDocument/2006/relationships" xmlns:p="http://schemas.openxmlformats.org/presentationml/2006/main" show="0">
+  <p:cSld>
+    <p:spTree>
+      <p:nvGrpSpPr>
+        <p:cNvPr id="1" name=""/>
+        <p:cNvGrpSpPr/>
+        <p:nvPr/>
+      </p:nvGrpSpPr>
+      <p:grpSpPr>
+        <a:xfrm>
+          <a:off x="0" y="0"/>
+          <a:ext cx="0" cy="0"/>
+          <a:chOff x="0" y="0"/>
+          <a:chExt cx="0" cy="0"/>
+        </a:xfrm>
+      </p:grpSpPr>
+      <p:sp>
+        <p:nvSpPr>
+          <p:cNvPr id="2" name="Заголовок 1"/>
+          <p:cNvSpPr>
+            <a:spLocks noGrp="1"/>
+          </p:cNvSpPr>
+          <p:nvPr>
+            <p:ph type="title"/>
+          </p:nvPr>
+        </p:nvSpPr>
         <p:spPr>
           <a:xfrm>
             <a:off x="2567608" y="148"/>
@@ -3970,6 +5227,14 @@
   <p:clrMapOvr>
     <a:masterClrMapping/>
   </p:clrMapOvr>
+  <mc:AlternateContent xmlns:mc="http://schemas.openxmlformats.org/markup-compatibility/2006">
+    <mc:Choice xmlns:p14="http://schemas.microsoft.com/office/powerpoint/2010/main" Requires="p14">
+      <p:transition spd="slow" p14:dur="2000"/>
+    </mc:Choice>
+    <mc:Fallback>
+      <p:transition spd="slow"/>
+    </mc:Fallback>
+  </mc:AlternateContent>
   <p:timing>
     <p:tnLst>
       <p:par>
@@ -4523,7 +5788,7 @@
 </p:sld>
 </file>
 
-<file path=ppt/slides/slide11.xml><?xml version="1.0" encoding="utf-8"?>
+<file path=ppt/slides/slide13.xml><?xml version="1.0" encoding="utf-8"?>
 <p:sld xmlns:a="http://schemas.openxmlformats.org/drawingml/2006/main" xmlns:r="http://schemas.openxmlformats.org/officeDocument/2006/relationships" xmlns:p="http://schemas.openxmlformats.org/presentationml/2006/main">
   <p:cSld>
     <p:spTree>
@@ -5434,7 +6699,7 @@
 </p:sld>
 </file>
 
-<file path=ppt/slides/slide12.xml><?xml version="1.0" encoding="utf-8"?>
+<file path=ppt/slides/slide14.xml><?xml version="1.0" encoding="utf-8"?>
 <p:sld xmlns:a="http://schemas.openxmlformats.org/drawingml/2006/main" xmlns:r="http://schemas.openxmlformats.org/officeDocument/2006/relationships" xmlns:p="http://schemas.openxmlformats.org/presentationml/2006/main">
   <p:cSld>
     <p:spTree>
@@ -5667,7 +6932,7 @@
 </p:sld>
 </file>
 
-<file path=ppt/slides/slide13.xml><?xml version="1.0" encoding="utf-8"?>
+<file path=ppt/slides/slide15.xml><?xml version="1.0" encoding="utf-8"?>
 <p:sld xmlns:a="http://schemas.openxmlformats.org/drawingml/2006/main" xmlns:r="http://schemas.openxmlformats.org/officeDocument/2006/relationships" xmlns:p="http://schemas.openxmlformats.org/presentationml/2006/main" show="0">
   <p:cSld>
     <p:spTree>
@@ -5852,7 +7117,7 @@
 </p:sld>
 </file>
 
-<file path=ppt/slides/slide14.xml><?xml version="1.0" encoding="utf-8"?>
+<file path=ppt/slides/slide16.xml><?xml version="1.0" encoding="utf-8"?>
 <p:sld xmlns:a="http://schemas.openxmlformats.org/drawingml/2006/main" xmlns:r="http://schemas.openxmlformats.org/officeDocument/2006/relationships" xmlns:p="http://schemas.openxmlformats.org/presentationml/2006/main">
   <p:cSld>
     <p:spTree>
@@ -5925,14 +7190,6 @@
             </a:r>
             <a:r>
               <a:rPr lang="en-US" dirty="0" err="1" smtClean="0"/>
-              <a:t>LiClipse</a:t>
-            </a:r>
-            <a:r>
-              <a:rPr lang="en-US" dirty="0" smtClean="0"/>
-              <a:t>, </a:t>
-            </a:r>
-            <a:r>
-              <a:rPr lang="en-US" dirty="0" err="1" smtClean="0"/>
               <a:t>PyCharm</a:t>
             </a:r>
             <a:endParaRPr lang="en-US" dirty="0" smtClean="0"/>
@@ -6016,7 +7273,6 @@
               <a:rPr lang="en-US" dirty="0" smtClean="0"/>
               <a:t>, selenium</a:t>
             </a:r>
-            <a:endParaRPr lang="en-US" dirty="0" smtClean="0"/>
           </a:p>
         </p:txBody>
       </p:sp>
@@ -6406,7 +7662,7 @@
 </p:sld>
 </file>
 
-<file path=ppt/slides/slide15.xml><?xml version="1.0" encoding="utf-8"?>
+<file path=ppt/slides/slide17.xml><?xml version="1.0" encoding="utf-8"?>
 <p:sld xmlns:a="http://schemas.openxmlformats.org/drawingml/2006/main" xmlns:r="http://schemas.openxmlformats.org/officeDocument/2006/relationships" xmlns:p="http://schemas.openxmlformats.org/presentationml/2006/main">
   <p:cSld>
     <p:spTree>
@@ -6487,7 +7743,7 @@
 </p:sld>
 </file>
 
-<file path=ppt/slides/slide16.xml><?xml version="1.0" encoding="utf-8"?>
+<file path=ppt/slides/slide18.xml><?xml version="1.0" encoding="utf-8"?>
 <p:sld xmlns:a="http://schemas.openxmlformats.org/drawingml/2006/main" xmlns:r="http://schemas.openxmlformats.org/officeDocument/2006/relationships" xmlns:p="http://schemas.openxmlformats.org/presentationml/2006/main">
   <p:cSld>
     <p:spTree>
@@ -6721,7 +7977,7 @@
 </p:sld>
 </file>
 
-<file path=ppt/slides/slide17.xml><?xml version="1.0" encoding="utf-8"?>
+<file path=ppt/slides/slide19.xml><?xml version="1.0" encoding="utf-8"?>
 <p:sld xmlns:a="http://schemas.openxmlformats.org/drawingml/2006/main" xmlns:r="http://schemas.openxmlformats.org/officeDocument/2006/relationships" xmlns:p="http://schemas.openxmlformats.org/presentationml/2006/main">
   <p:cSld>
     <p:spTree>
@@ -6953,7 +8209,161 @@
 </p:sld>
 </file>
 
-<file path=ppt/slides/slide18.xml><?xml version="1.0" encoding="utf-8"?>
+<file path=ppt/slides/slide2.xml><?xml version="1.0" encoding="utf-8"?>
+<p:sld xmlns:a="http://schemas.openxmlformats.org/drawingml/2006/main" xmlns:r="http://schemas.openxmlformats.org/officeDocument/2006/relationships" xmlns:p="http://schemas.openxmlformats.org/presentationml/2006/main">
+  <p:cSld>
+    <p:spTree>
+      <p:nvGrpSpPr>
+        <p:cNvPr id="1" name=""/>
+        <p:cNvGrpSpPr/>
+        <p:nvPr/>
+      </p:nvGrpSpPr>
+      <p:grpSpPr>
+        <a:xfrm>
+          <a:off x="0" y="0"/>
+          <a:ext cx="0" cy="0"/>
+          <a:chOff x="0" y="0"/>
+          <a:chExt cx="0" cy="0"/>
+        </a:xfrm>
+      </p:grpSpPr>
+      <p:sp>
+        <p:nvSpPr>
+          <p:cNvPr id="2" name="Title 1"/>
+          <p:cNvSpPr>
+            <a:spLocks noGrp="1"/>
+          </p:cNvSpPr>
+          <p:nvPr>
+            <p:ph type="title"/>
+          </p:nvPr>
+        </p:nvSpPr>
+        <p:spPr/>
+        <p:txBody>
+          <a:bodyPr/>
+          <a:lstStyle/>
+          <a:p>
+            <a:r>
+              <a:rPr lang="ru-RU" dirty="0"/>
+              <a:t>В </a:t>
+            </a:r>
+            <a:r>
+              <a:rPr lang="ru-RU" dirty="0" smtClean="0"/>
+              <a:t>программе</a:t>
+            </a:r>
+            <a:endParaRPr lang="ru-RU" dirty="0"/>
+          </a:p>
+        </p:txBody>
+      </p:sp>
+      <p:sp>
+        <p:nvSpPr>
+          <p:cNvPr id="3" name="Content Placeholder 2"/>
+          <p:cNvSpPr>
+            <a:spLocks noGrp="1"/>
+          </p:cNvSpPr>
+          <p:nvPr>
+            <p:ph idx="1"/>
+          </p:nvPr>
+        </p:nvSpPr>
+        <p:spPr>
+          <a:xfrm>
+            <a:off x="263352" y="1484785"/>
+            <a:ext cx="11665296" cy="4641380"/>
+          </a:xfrm>
+        </p:spPr>
+        <p:txBody>
+          <a:bodyPr>
+            <a:normAutofit/>
+          </a:bodyPr>
+          <a:lstStyle/>
+          <a:p>
+            <a:r>
+              <a:rPr lang="ru-RU" dirty="0"/>
+              <a:t>Почему – Python?</a:t>
+            </a:r>
+          </a:p>
+          <a:p>
+            <a:r>
+              <a:rPr lang="ru-RU" dirty="0"/>
+              <a:t>Где используется этот язык программирование?</a:t>
+            </a:r>
+          </a:p>
+          <a:p>
+            <a:r>
+              <a:rPr lang="ru-RU" dirty="0" smtClean="0"/>
+              <a:t>Главные инструменту </a:t>
+            </a:r>
+            <a:r>
+              <a:rPr lang="ru-RU" dirty="0"/>
+              <a:t>Python – разработчика.</a:t>
+            </a:r>
+          </a:p>
+          <a:p>
+            <a:r>
+              <a:rPr lang="ru-RU" dirty="0"/>
+              <a:t>Сколько зарабатывают разработчики данной области?</a:t>
+            </a:r>
+          </a:p>
+          <a:p>
+            <a:r>
+              <a:rPr lang="ru-RU" dirty="0"/>
+              <a:t>Пошаговая инструкция “Как программировать на Python”?</a:t>
+            </a:r>
+          </a:p>
+          <a:p>
+            <a:r>
+              <a:rPr lang="ru-RU" dirty="0"/>
+              <a:t>Где Вы сможете работать?</a:t>
+            </a:r>
+          </a:p>
+          <a:p>
+            <a:endParaRPr lang="ru-RU" dirty="0"/>
+          </a:p>
+        </p:txBody>
+      </p:sp>
+      <p:pic>
+        <p:nvPicPr>
+          <p:cNvPr id="4" name="Рисунок 3"/>
+          <p:cNvPicPr>
+            <a:picLocks noChangeAspect="1"/>
+          </p:cNvPicPr>
+          <p:nvPr/>
+        </p:nvPicPr>
+        <p:blipFill>
+          <a:blip r:embed="rId2"/>
+          <a:stretch>
+            <a:fillRect/>
+          </a:stretch>
+        </p:blipFill>
+        <p:spPr>
+          <a:xfrm>
+            <a:off x="8328248" y="703263"/>
+            <a:ext cx="3714750" cy="1428750"/>
+          </a:xfrm>
+          <a:prstGeom prst="rect">
+            <a:avLst/>
+          </a:prstGeom>
+        </p:spPr>
+      </p:pic>
+    </p:spTree>
+    <p:extLst>
+      <p:ext uri="{BB962C8B-B14F-4D97-AF65-F5344CB8AC3E}">
+        <p14:creationId xmlns:p14="http://schemas.microsoft.com/office/powerpoint/2010/main" val="1888609555"/>
+      </p:ext>
+    </p:extLst>
+  </p:cSld>
+  <p:clrMapOvr>
+    <a:masterClrMapping/>
+  </p:clrMapOvr>
+  <p:timing>
+    <p:tnLst>
+      <p:par>
+        <p:cTn id="1" dur="indefinite" restart="never" nodeType="tmRoot"/>
+      </p:par>
+    </p:tnLst>
+  </p:timing>
+</p:sld>
+</file>
+
+<file path=ppt/slides/slide20.xml><?xml version="1.0" encoding="utf-8"?>
 <p:sld xmlns:a="http://schemas.openxmlformats.org/drawingml/2006/main" xmlns:r="http://schemas.openxmlformats.org/officeDocument/2006/relationships" xmlns:p="http://schemas.openxmlformats.org/presentationml/2006/main">
   <p:cSld>
     <p:spTree>
@@ -8047,7 +9457,7 @@
 </p:sld>
 </file>
 
-<file path=ppt/slides/slide19.xml><?xml version="1.0" encoding="utf-8"?>
+<file path=ppt/slides/slide21.xml><?xml version="1.0" encoding="utf-8"?>
 <p:sld xmlns:a="http://schemas.openxmlformats.org/drawingml/2006/main" xmlns:r="http://schemas.openxmlformats.org/officeDocument/2006/relationships" xmlns:p="http://schemas.openxmlformats.org/presentationml/2006/main">
   <p:cSld>
     <p:spTree>
@@ -8099,11 +9509,7 @@
             </a:r>
             <a:r>
               <a:rPr lang="ru-RU" dirty="0" smtClean="0"/>
-              <a:t> </a:t>
-            </a:r>
-            <a:r>
-              <a:rPr lang="ru-RU" dirty="0" smtClean="0"/>
-              <a:t>и библиотеки</a:t>
+              <a:t> и библиотеки</a:t>
             </a:r>
             <a:endParaRPr lang="ru-RU" dirty="0"/>
           </a:p>
@@ -8359,7 +9765,7 @@
         </p:blipFill>
         <p:spPr bwMode="auto">
           <a:xfrm>
-            <a:off x="9336360" y="4422394"/>
+            <a:off x="8846919" y="4271519"/>
             <a:ext cx="3016420" cy="1006041"/>
           </a:xfrm>
           <a:prstGeom prst="rect">
@@ -8393,7 +9799,7 @@
         </p:blipFill>
         <p:spPr>
           <a:xfrm>
-            <a:off x="7392144" y="5110509"/>
+            <a:off x="6960096" y="5120675"/>
             <a:ext cx="1781838" cy="1579697"/>
           </a:xfrm>
           <a:prstGeom prst="rect">
@@ -9186,233 +10592,7 @@
 </p:sld>
 </file>
 
-<file path=ppt/slides/slide2.xml><?xml version="1.0" encoding="utf-8"?>
-<p:sld xmlns:a="http://schemas.openxmlformats.org/drawingml/2006/main" xmlns:r="http://schemas.openxmlformats.org/officeDocument/2006/relationships" xmlns:p="http://schemas.openxmlformats.org/presentationml/2006/main">
-  <p:cSld>
-    <p:spTree>
-      <p:nvGrpSpPr>
-        <p:cNvPr id="1" name=""/>
-        <p:cNvGrpSpPr/>
-        <p:nvPr/>
-      </p:nvGrpSpPr>
-      <p:grpSpPr>
-        <a:xfrm>
-          <a:off x="0" y="0"/>
-          <a:ext cx="0" cy="0"/>
-          <a:chOff x="0" y="0"/>
-          <a:chExt cx="0" cy="0"/>
-        </a:xfrm>
-      </p:grpSpPr>
-      <p:sp>
-        <p:nvSpPr>
-          <p:cNvPr id="2" name="Title 1"/>
-          <p:cNvSpPr>
-            <a:spLocks noGrp="1"/>
-          </p:cNvSpPr>
-          <p:nvPr>
-            <p:ph type="title"/>
-          </p:nvPr>
-        </p:nvSpPr>
-        <p:spPr/>
-        <p:txBody>
-          <a:bodyPr/>
-          <a:lstStyle/>
-          <a:p>
-            <a:r>
-              <a:rPr lang="ru-RU" dirty="0"/>
-              <a:t>В </a:t>
-            </a:r>
-            <a:r>
-              <a:rPr lang="ru-RU" dirty="0" smtClean="0"/>
-              <a:t>программе</a:t>
-            </a:r>
-            <a:endParaRPr lang="ru-RU" dirty="0"/>
-          </a:p>
-        </p:txBody>
-      </p:sp>
-      <p:sp>
-        <p:nvSpPr>
-          <p:cNvPr id="3" name="Content Placeholder 2"/>
-          <p:cNvSpPr>
-            <a:spLocks noGrp="1"/>
-          </p:cNvSpPr>
-          <p:nvPr>
-            <p:ph idx="1"/>
-          </p:nvPr>
-        </p:nvSpPr>
-        <p:spPr>
-          <a:xfrm>
-            <a:off x="263352" y="1484785"/>
-            <a:ext cx="11665296" cy="4641380"/>
-          </a:xfrm>
-        </p:spPr>
-        <p:txBody>
-          <a:bodyPr>
-            <a:normAutofit fontScale="92500" lnSpcReduction="20000"/>
-          </a:bodyPr>
-          <a:lstStyle/>
-          <a:p>
-            <a:r>
-              <a:rPr lang="ru-RU" dirty="0" smtClean="0"/>
-              <a:t>почему </a:t>
-            </a:r>
-            <a:r>
-              <a:rPr lang="ru-RU" dirty="0"/>
-              <a:t>– Python?</a:t>
-            </a:r>
-          </a:p>
-          <a:p>
-            <a:r>
-              <a:rPr lang="ru-RU" dirty="0" smtClean="0"/>
-              <a:t>главные </a:t>
-            </a:r>
-            <a:r>
-              <a:rPr lang="ru-RU" dirty="0"/>
-              <a:t>инструменты Python – разработчика </a:t>
-            </a:r>
-          </a:p>
-          <a:p>
-            <a:r>
-              <a:rPr lang="ru-RU" dirty="0" smtClean="0"/>
-              <a:t>причины</a:t>
-            </a:r>
-            <a:r>
-              <a:rPr lang="ru-RU" dirty="0"/>
-              <a:t>, почему стоит заняться изучением языка Python</a:t>
-            </a:r>
-          </a:p>
-          <a:p>
-            <a:r>
-              <a:rPr lang="ru-RU" dirty="0" smtClean="0"/>
-              <a:t>сколько </a:t>
-            </a:r>
-            <a:r>
-              <a:rPr lang="ru-RU" dirty="0"/>
-              <a:t>зарабатывают </a:t>
-            </a:r>
-            <a:r>
-              <a:rPr lang="ru-RU" dirty="0" smtClean="0"/>
-              <a:t>программисты</a:t>
-            </a:r>
-            <a:r>
-              <a:rPr lang="en-US" dirty="0" smtClean="0"/>
-              <a:t> </a:t>
-            </a:r>
-            <a:r>
-              <a:rPr lang="ru-RU" dirty="0" smtClean="0"/>
-              <a:t>на </a:t>
-            </a:r>
-            <a:r>
-              <a:rPr lang="en-US" dirty="0" smtClean="0"/>
-              <a:t>Python</a:t>
-            </a:r>
-            <a:endParaRPr lang="ru-RU" dirty="0"/>
-          </a:p>
-          <a:p>
-            <a:r>
-              <a:rPr lang="ru-RU" dirty="0" smtClean="0"/>
-              <a:t>технологии</a:t>
-            </a:r>
-            <a:r>
-              <a:rPr lang="ru-RU" dirty="0"/>
-              <a:t>, которые нужно </a:t>
-            </a:r>
-            <a:r>
-              <a:rPr lang="ru-RU" dirty="0" smtClean="0"/>
-              <a:t>освоить начинающему программисту</a:t>
-            </a:r>
-            <a:endParaRPr lang="ru-RU" dirty="0"/>
-          </a:p>
-          <a:p>
-            <a:r>
-              <a:rPr lang="ru-RU" dirty="0" smtClean="0"/>
-              <a:t>как </a:t>
-            </a:r>
-            <a:r>
-              <a:rPr lang="ru-RU" dirty="0"/>
-              <a:t>стать востребованным специалистом языка Python – пошаговая инструкция</a:t>
-            </a:r>
-          </a:p>
-          <a:p>
-            <a:r>
-              <a:rPr lang="ru-RU" dirty="0" smtClean="0"/>
-              <a:t>компании</a:t>
-            </a:r>
-            <a:r>
-              <a:rPr lang="ru-RU" dirty="0"/>
-              <a:t>, которые уже сейчас ищут – специалистов</a:t>
-            </a:r>
-          </a:p>
-          <a:p>
-            <a:r>
-              <a:rPr lang="ru-RU" dirty="0" smtClean="0"/>
-              <a:t>отрасли</a:t>
-            </a:r>
-            <a:r>
-              <a:rPr lang="ru-RU" dirty="0"/>
-              <a:t>, в которых может работать разработчик на Python</a:t>
-            </a:r>
-          </a:p>
-          <a:p>
-            <a:r>
-              <a:rPr lang="ru-RU" dirty="0" smtClean="0"/>
-              <a:t>советы </a:t>
-            </a:r>
-            <a:r>
-              <a:rPr lang="ru-RU" dirty="0"/>
-              <a:t>по выбору учебного заведения.</a:t>
-            </a:r>
-          </a:p>
-          <a:p>
-            <a:endParaRPr lang="ru-RU" dirty="0"/>
-          </a:p>
-        </p:txBody>
-      </p:sp>
-      <p:pic>
-        <p:nvPicPr>
-          <p:cNvPr id="4" name="Рисунок 3"/>
-          <p:cNvPicPr>
-            <a:picLocks noChangeAspect="1"/>
-          </p:cNvPicPr>
-          <p:nvPr/>
-        </p:nvPicPr>
-        <p:blipFill>
-          <a:blip r:embed="rId2"/>
-          <a:stretch>
-            <a:fillRect/>
-          </a:stretch>
-        </p:blipFill>
-        <p:spPr>
-          <a:xfrm>
-            <a:off x="8328248" y="703263"/>
-            <a:ext cx="3714750" cy="1428750"/>
-          </a:xfrm>
-          <a:prstGeom prst="rect">
-            <a:avLst/>
-          </a:prstGeom>
-        </p:spPr>
-      </p:pic>
-    </p:spTree>
-    <p:extLst>
-      <p:ext uri="{BB962C8B-B14F-4D97-AF65-F5344CB8AC3E}">
-        <p14:creationId xmlns:p14="http://schemas.microsoft.com/office/powerpoint/2010/main" val="1888609555"/>
-      </p:ext>
-    </p:extLst>
-  </p:cSld>
-  <p:clrMapOvr>
-    <a:masterClrMapping/>
-  </p:clrMapOvr>
-  <p:timing>
-    <p:tnLst>
-      <p:par>
-        <p:cTn id="1" dur="indefinite" restart="never" nodeType="tmRoot"/>
-      </p:par>
-    </p:tnLst>
-  </p:timing>
-</p:sld>
-</file>
-
-<file path=ppt/slides/slide20.xml><?xml version="1.0" encoding="utf-8"?>
+<file path=ppt/slides/slide22.xml><?xml version="1.0" encoding="utf-8"?>
 <p:sld xmlns:a="http://schemas.openxmlformats.org/drawingml/2006/main" xmlns:r="http://schemas.openxmlformats.org/officeDocument/2006/relationships" xmlns:p="http://schemas.openxmlformats.org/presentationml/2006/main">
   <p:cSld>
     <p:spTree>
@@ -9596,472 +10776,6 @@
 </p:sld>
 </file>
 
-<file path=ppt/slides/slide21.xml><?xml version="1.0" encoding="utf-8"?>
-<p:sld xmlns:a="http://schemas.openxmlformats.org/drawingml/2006/main" xmlns:r="http://schemas.openxmlformats.org/officeDocument/2006/relationships" xmlns:p="http://schemas.openxmlformats.org/presentationml/2006/main">
-  <p:cSld>
-    <p:spTree>
-      <p:nvGrpSpPr>
-        <p:cNvPr id="1" name=""/>
-        <p:cNvGrpSpPr/>
-        <p:nvPr/>
-      </p:nvGrpSpPr>
-      <p:grpSpPr>
-        <a:xfrm>
-          <a:off x="0" y="0"/>
-          <a:ext cx="0" cy="0"/>
-          <a:chOff x="0" y="0"/>
-          <a:chExt cx="0" cy="0"/>
-        </a:xfrm>
-      </p:grpSpPr>
-      <p:sp>
-        <p:nvSpPr>
-          <p:cNvPr id="2" name="Заголовок 1"/>
-          <p:cNvSpPr>
-            <a:spLocks noGrp="1"/>
-          </p:cNvSpPr>
-          <p:nvPr>
-            <p:ph type="title"/>
-          </p:nvPr>
-        </p:nvSpPr>
-        <p:spPr/>
-        <p:txBody>
-          <a:bodyPr/>
-          <a:lstStyle/>
-          <a:p>
-            <a:r>
-              <a:rPr lang="ru-RU" dirty="0" smtClean="0"/>
-              <a:t>Тренды: Украина</a:t>
-            </a:r>
-            <a:endParaRPr lang="ru-RU" dirty="0"/>
-          </a:p>
-        </p:txBody>
-      </p:sp>
-      <p:pic>
-        <p:nvPicPr>
-          <p:cNvPr id="4" name="Объект 3" descr="Тренды jobs.dou.ua: Python | DOU - Google Chrome"/>
-          <p:cNvPicPr>
-            <a:picLocks noGrp="1" noChangeAspect="1"/>
-          </p:cNvPicPr>
-          <p:nvPr>
-            <p:ph idx="1"/>
-          </p:nvPr>
-        </p:nvPicPr>
-        <p:blipFill rotWithShape="1">
-          <a:blip r:embed="rId2">
-            <a:extLst>
-              <a:ext uri="{28A0092B-C50C-407E-A947-70E740481C1C}">
-                <a14:useLocalDpi xmlns:a14="http://schemas.microsoft.com/office/drawing/2010/main" val="0"/>
-              </a:ext>
-            </a:extLst>
-          </a:blip>
-          <a:srcRect l="13552" t="24497" r="42190" b="24591"/>
-          <a:stretch/>
-        </p:blipFill>
-        <p:spPr>
-          <a:xfrm>
-            <a:off x="1849780" y="1417638"/>
-            <a:ext cx="8492439" cy="5328592"/>
-          </a:xfrm>
-        </p:spPr>
-      </p:pic>
-    </p:spTree>
-    <p:extLst>
-      <p:ext uri="{BB962C8B-B14F-4D97-AF65-F5344CB8AC3E}">
-        <p14:creationId xmlns:p14="http://schemas.microsoft.com/office/powerpoint/2010/main" val="2721785003"/>
-      </p:ext>
-    </p:extLst>
-  </p:cSld>
-  <p:clrMapOvr>
-    <a:masterClrMapping/>
-  </p:clrMapOvr>
-  <p:timing>
-    <p:tnLst>
-      <p:par>
-        <p:cTn id="1" dur="indefinite" restart="never" nodeType="tmRoot">
-          <p:childTnLst>
-            <p:seq concurrent="1" nextAc="seek">
-              <p:cTn id="2" dur="indefinite" nodeType="mainSeq">
-                <p:childTnLst>
-                  <p:par>
-                    <p:cTn id="3" fill="hold">
-                      <p:stCondLst>
-                        <p:cond delay="indefinite"/>
-                      </p:stCondLst>
-                      <p:childTnLst>
-                        <p:par>
-                          <p:cTn id="4" fill="hold">
-                            <p:stCondLst>
-                              <p:cond delay="0"/>
-                            </p:stCondLst>
-                            <p:childTnLst>
-                              <p:par>
-                                <p:cTn id="5" presetID="31" presetClass="entr" presetSubtype="0" fill="hold" nodeType="clickEffect">
-                                  <p:stCondLst>
-                                    <p:cond delay="0"/>
-                                  </p:stCondLst>
-                                  <p:childTnLst>
-                                    <p:set>
-                                      <p:cBhvr>
-                                        <p:cTn id="6" dur="1" fill="hold">
-                                          <p:stCondLst>
-                                            <p:cond delay="0"/>
-                                          </p:stCondLst>
-                                        </p:cTn>
-                                        <p:tgtEl>
-                                          <p:spTgt spid="4"/>
-                                        </p:tgtEl>
-                                        <p:attrNameLst>
-                                          <p:attrName>style.visibility</p:attrName>
-                                        </p:attrNameLst>
-                                      </p:cBhvr>
-                                      <p:to>
-                                        <p:strVal val="visible"/>
-                                      </p:to>
-                                    </p:set>
-                                    <p:anim calcmode="lin" valueType="num">
-                                      <p:cBhvr>
-                                        <p:cTn id="7" dur="1000" fill="hold"/>
-                                        <p:tgtEl>
-                                          <p:spTgt spid="4"/>
-                                        </p:tgtEl>
-                                        <p:attrNameLst>
-                                          <p:attrName>ppt_w</p:attrName>
-                                        </p:attrNameLst>
-                                      </p:cBhvr>
-                                      <p:tavLst>
-                                        <p:tav tm="0">
-                                          <p:val>
-                                            <p:fltVal val="0"/>
-                                          </p:val>
-                                        </p:tav>
-                                        <p:tav tm="100000">
-                                          <p:val>
-                                            <p:strVal val="#ppt_w"/>
-                                          </p:val>
-                                        </p:tav>
-                                      </p:tavLst>
-                                    </p:anim>
-                                    <p:anim calcmode="lin" valueType="num">
-                                      <p:cBhvr>
-                                        <p:cTn id="8" dur="1000" fill="hold"/>
-                                        <p:tgtEl>
-                                          <p:spTgt spid="4"/>
-                                        </p:tgtEl>
-                                        <p:attrNameLst>
-                                          <p:attrName>ppt_h</p:attrName>
-                                        </p:attrNameLst>
-                                      </p:cBhvr>
-                                      <p:tavLst>
-                                        <p:tav tm="0">
-                                          <p:val>
-                                            <p:fltVal val="0"/>
-                                          </p:val>
-                                        </p:tav>
-                                        <p:tav tm="100000">
-                                          <p:val>
-                                            <p:strVal val="#ppt_h"/>
-                                          </p:val>
-                                        </p:tav>
-                                      </p:tavLst>
-                                    </p:anim>
-                                    <p:anim calcmode="lin" valueType="num">
-                                      <p:cBhvr>
-                                        <p:cTn id="9" dur="1000" fill="hold"/>
-                                        <p:tgtEl>
-                                          <p:spTgt spid="4"/>
-                                        </p:tgtEl>
-                                        <p:attrNameLst>
-                                          <p:attrName>style.rotation</p:attrName>
-                                        </p:attrNameLst>
-                                      </p:cBhvr>
-                                      <p:tavLst>
-                                        <p:tav tm="0">
-                                          <p:val>
-                                            <p:fltVal val="90"/>
-                                          </p:val>
-                                        </p:tav>
-                                        <p:tav tm="100000">
-                                          <p:val>
-                                            <p:fltVal val="0"/>
-                                          </p:val>
-                                        </p:tav>
-                                      </p:tavLst>
-                                    </p:anim>
-                                    <p:animEffect transition="in" filter="fade">
-                                      <p:cBhvr>
-                                        <p:cTn id="10" dur="1000"/>
-                                        <p:tgtEl>
-                                          <p:spTgt spid="4"/>
-                                        </p:tgtEl>
-                                      </p:cBhvr>
-                                    </p:animEffect>
-                                  </p:childTnLst>
-                                </p:cTn>
-                              </p:par>
-                            </p:childTnLst>
-                          </p:cTn>
-                        </p:par>
-                      </p:childTnLst>
-                    </p:cTn>
-                  </p:par>
-                </p:childTnLst>
-              </p:cTn>
-              <p:prevCondLst>
-                <p:cond evt="onPrev" delay="0">
-                  <p:tgtEl>
-                    <p:sldTgt/>
-                  </p:tgtEl>
-                </p:cond>
-              </p:prevCondLst>
-              <p:nextCondLst>
-                <p:cond evt="onNext" delay="0">
-                  <p:tgtEl>
-                    <p:sldTgt/>
-                  </p:tgtEl>
-                </p:cond>
-              </p:nextCondLst>
-            </p:seq>
-          </p:childTnLst>
-        </p:cTn>
-      </p:par>
-    </p:tnLst>
-  </p:timing>
-</p:sld>
-</file>
-
-<file path=ppt/slides/slide22.xml><?xml version="1.0" encoding="utf-8"?>
-<p:sld xmlns:a="http://schemas.openxmlformats.org/drawingml/2006/main" xmlns:r="http://schemas.openxmlformats.org/officeDocument/2006/relationships" xmlns:p="http://schemas.openxmlformats.org/presentationml/2006/main">
-  <p:cSld>
-    <p:spTree>
-      <p:nvGrpSpPr>
-        <p:cNvPr id="1" name=""/>
-        <p:cNvGrpSpPr/>
-        <p:nvPr/>
-      </p:nvGrpSpPr>
-      <p:grpSpPr>
-        <a:xfrm>
-          <a:off x="0" y="0"/>
-          <a:ext cx="0" cy="0"/>
-          <a:chOff x="0" y="0"/>
-          <a:chExt cx="0" cy="0"/>
-        </a:xfrm>
-      </p:grpSpPr>
-      <p:sp>
-        <p:nvSpPr>
-          <p:cNvPr id="2" name="Заголовок 1"/>
-          <p:cNvSpPr>
-            <a:spLocks noGrp="1"/>
-          </p:cNvSpPr>
-          <p:nvPr>
-            <p:ph type="title"/>
-          </p:nvPr>
-        </p:nvSpPr>
-        <p:spPr/>
-        <p:txBody>
-          <a:bodyPr/>
-          <a:lstStyle/>
-          <a:p>
-            <a:r>
-              <a:rPr lang="ru-RU" dirty="0" smtClean="0"/>
-              <a:t>Тренды: Днепр</a:t>
-            </a:r>
-            <a:endParaRPr lang="ru-RU" dirty="0"/>
-          </a:p>
-        </p:txBody>
-      </p:sp>
-      <p:pic>
-        <p:nvPicPr>
-          <p:cNvPr id="5" name="Объект 4" descr="Тренды jobs.dou.ua: Днепр, Python | DOU - Google Chrome"/>
-          <p:cNvPicPr>
-            <a:picLocks noGrp="1" noChangeAspect="1"/>
-          </p:cNvPicPr>
-          <p:nvPr>
-            <p:ph idx="1"/>
-          </p:nvPr>
-        </p:nvPicPr>
-        <p:blipFill rotWithShape="1">
-          <a:blip r:embed="rId2">
-            <a:extLst>
-              <a:ext uri="{28A0092B-C50C-407E-A947-70E740481C1C}">
-                <a14:useLocalDpi xmlns:a14="http://schemas.microsoft.com/office/drawing/2010/main" val="0"/>
-              </a:ext>
-            </a:extLst>
-          </a:blip>
-          <a:srcRect l="13551" t="24497" r="41322" b="24591"/>
-          <a:stretch/>
-        </p:blipFill>
-        <p:spPr>
-          <a:xfrm>
-            <a:off x="1828977" y="1417638"/>
-            <a:ext cx="8534045" cy="5251722"/>
-          </a:xfrm>
-        </p:spPr>
-      </p:pic>
-    </p:spTree>
-    <p:extLst>
-      <p:ext uri="{BB962C8B-B14F-4D97-AF65-F5344CB8AC3E}">
-        <p14:creationId xmlns:p14="http://schemas.microsoft.com/office/powerpoint/2010/main" val="1351038869"/>
-      </p:ext>
-    </p:extLst>
-  </p:cSld>
-  <p:clrMapOvr>
-    <a:masterClrMapping/>
-  </p:clrMapOvr>
-  <p:timing>
-    <p:tnLst>
-      <p:par>
-        <p:cTn id="1" dur="indefinite" restart="never" nodeType="tmRoot">
-          <p:childTnLst>
-            <p:seq concurrent="1" nextAc="seek">
-              <p:cTn id="2" dur="indefinite" nodeType="mainSeq">
-                <p:childTnLst>
-                  <p:par>
-                    <p:cTn id="3" fill="hold">
-                      <p:stCondLst>
-                        <p:cond delay="indefinite"/>
-                      </p:stCondLst>
-                      <p:childTnLst>
-                        <p:par>
-                          <p:cTn id="4" fill="hold">
-                            <p:stCondLst>
-                              <p:cond delay="0"/>
-                            </p:stCondLst>
-                            <p:childTnLst>
-                              <p:par>
-                                <p:cTn id="5" presetID="31" presetClass="entr" presetSubtype="0" fill="hold" nodeType="clickEffect">
-                                  <p:stCondLst>
-                                    <p:cond delay="0"/>
-                                  </p:stCondLst>
-                                  <p:childTnLst>
-                                    <p:set>
-                                      <p:cBhvr>
-                                        <p:cTn id="6" dur="1" fill="hold">
-                                          <p:stCondLst>
-                                            <p:cond delay="0"/>
-                                          </p:stCondLst>
-                                        </p:cTn>
-                                        <p:tgtEl>
-                                          <p:spTgt spid="5"/>
-                                        </p:tgtEl>
-                                        <p:attrNameLst>
-                                          <p:attrName>style.visibility</p:attrName>
-                                        </p:attrNameLst>
-                                      </p:cBhvr>
-                                      <p:to>
-                                        <p:strVal val="visible"/>
-                                      </p:to>
-                                    </p:set>
-                                    <p:anim calcmode="lin" valueType="num">
-                                      <p:cBhvr>
-                                        <p:cTn id="7" dur="1000" fill="hold"/>
-                                        <p:tgtEl>
-                                          <p:spTgt spid="5"/>
-                                        </p:tgtEl>
-                                        <p:attrNameLst>
-                                          <p:attrName>ppt_w</p:attrName>
-                                        </p:attrNameLst>
-                                      </p:cBhvr>
-                                      <p:tavLst>
-                                        <p:tav tm="0">
-                                          <p:val>
-                                            <p:fltVal val="0"/>
-                                          </p:val>
-                                        </p:tav>
-                                        <p:tav tm="100000">
-                                          <p:val>
-                                            <p:strVal val="#ppt_w"/>
-                                          </p:val>
-                                        </p:tav>
-                                      </p:tavLst>
-                                    </p:anim>
-                                    <p:anim calcmode="lin" valueType="num">
-                                      <p:cBhvr>
-                                        <p:cTn id="8" dur="1000" fill="hold"/>
-                                        <p:tgtEl>
-                                          <p:spTgt spid="5"/>
-                                        </p:tgtEl>
-                                        <p:attrNameLst>
-                                          <p:attrName>ppt_h</p:attrName>
-                                        </p:attrNameLst>
-                                      </p:cBhvr>
-                                      <p:tavLst>
-                                        <p:tav tm="0">
-                                          <p:val>
-                                            <p:fltVal val="0"/>
-                                          </p:val>
-                                        </p:tav>
-                                        <p:tav tm="100000">
-                                          <p:val>
-                                            <p:strVal val="#ppt_h"/>
-                                          </p:val>
-                                        </p:tav>
-                                      </p:tavLst>
-                                    </p:anim>
-                                    <p:anim calcmode="lin" valueType="num">
-                                      <p:cBhvr>
-                                        <p:cTn id="9" dur="1000" fill="hold"/>
-                                        <p:tgtEl>
-                                          <p:spTgt spid="5"/>
-                                        </p:tgtEl>
-                                        <p:attrNameLst>
-                                          <p:attrName>style.rotation</p:attrName>
-                                        </p:attrNameLst>
-                                      </p:cBhvr>
-                                      <p:tavLst>
-                                        <p:tav tm="0">
-                                          <p:val>
-                                            <p:fltVal val="90"/>
-                                          </p:val>
-                                        </p:tav>
-                                        <p:tav tm="100000">
-                                          <p:val>
-                                            <p:fltVal val="0"/>
-                                          </p:val>
-                                        </p:tav>
-                                      </p:tavLst>
-                                    </p:anim>
-                                    <p:animEffect transition="in" filter="fade">
-                                      <p:cBhvr>
-                                        <p:cTn id="10" dur="1000"/>
-                                        <p:tgtEl>
-                                          <p:spTgt spid="5"/>
-                                        </p:tgtEl>
-                                      </p:cBhvr>
-                                    </p:animEffect>
-                                  </p:childTnLst>
-                                </p:cTn>
-                              </p:par>
-                            </p:childTnLst>
-                          </p:cTn>
-                        </p:par>
-                      </p:childTnLst>
-                    </p:cTn>
-                  </p:par>
-                </p:childTnLst>
-              </p:cTn>
-              <p:prevCondLst>
-                <p:cond evt="onPrev" delay="0">
-                  <p:tgtEl>
-                    <p:sldTgt/>
-                  </p:tgtEl>
-                </p:cond>
-              </p:prevCondLst>
-              <p:nextCondLst>
-                <p:cond evt="onNext" delay="0">
-                  <p:tgtEl>
-                    <p:sldTgt/>
-                  </p:tgtEl>
-                </p:cond>
-              </p:nextCondLst>
-            </p:seq>
-          </p:childTnLst>
-        </p:cTn>
-      </p:par>
-    </p:tnLst>
-  </p:timing>
-</p:sld>
-</file>
-
 <file path=ppt/slides/slide23.xml><?xml version="1.0" encoding="utf-8"?>
 <p:sld xmlns:a="http://schemas.openxmlformats.org/drawingml/2006/main" xmlns:r="http://schemas.openxmlformats.org/officeDocument/2006/relationships" xmlns:p="http://schemas.openxmlformats.org/presentationml/2006/main">
   <p:cSld>
@@ -10095,36 +10809,87 @@
           <a:lstStyle/>
           <a:p>
             <a:r>
-              <a:rPr lang="ru-RU" dirty="0"/>
-              <a:t>Динамика </a:t>
-            </a:r>
-            <a:r>
               <a:rPr lang="ru-RU" dirty="0" smtClean="0"/>
-              <a:t>зарплат</a:t>
-            </a:r>
-            <a:r>
-              <a:rPr lang="en-US" dirty="0" smtClean="0"/>
-              <a:t> Python</a:t>
-            </a:r>
-            <a:r>
-              <a:rPr lang="ru-RU" dirty="0" smtClean="0"/>
-              <a:t> </a:t>
-            </a:r>
-            <a:r>
-              <a:rPr lang="ru-RU" dirty="0"/>
-              <a:t>программистов </a:t>
-            </a:r>
+              <a:t>Тренды: Украина</a:t>
+            </a:r>
+            <a:endParaRPr lang="ru-RU" dirty="0"/>
           </a:p>
         </p:txBody>
       </p:sp>
+      <p:pic>
+        <p:nvPicPr>
+          <p:cNvPr id="5" name="Content Placeholder 4" descr="Screen Clipping"/>
+          <p:cNvPicPr>
+            <a:picLocks noGrp="1" noChangeAspect="1"/>
+          </p:cNvPicPr>
+          <p:nvPr>
+            <p:ph idx="1"/>
+          </p:nvPr>
+        </p:nvPicPr>
+        <p:blipFill>
+          <a:blip r:embed="rId2">
+            <a:extLst>
+              <a:ext uri="{28A0092B-C50C-407E-A947-70E740481C1C}">
+                <a14:useLocalDpi xmlns:a14="http://schemas.microsoft.com/office/drawing/2010/main" val="0"/>
+              </a:ext>
+            </a:extLst>
+          </a:blip>
+          <a:stretch>
+            <a:fillRect/>
+          </a:stretch>
+        </p:blipFill>
+        <p:spPr>
+          <a:xfrm>
+            <a:off x="1703512" y="1417638"/>
+            <a:ext cx="8727487" cy="5400600"/>
+          </a:xfrm>
+        </p:spPr>
+      </p:pic>
+    </p:spTree>
+    <p:extLst>
+      <p:ext uri="{BB962C8B-B14F-4D97-AF65-F5344CB8AC3E}">
+        <p14:creationId xmlns:p14="http://schemas.microsoft.com/office/powerpoint/2010/main" val="2721785003"/>
+      </p:ext>
+    </p:extLst>
+  </p:cSld>
+  <p:clrMapOvr>
+    <a:masterClrMapping/>
+  </p:clrMapOvr>
+  <p:timing>
+    <p:tnLst>
+      <p:par>
+        <p:cTn id="1" dur="indefinite" restart="never" nodeType="tmRoot"/>
+      </p:par>
+    </p:tnLst>
+  </p:timing>
+</p:sld>
+</file>
+
+<file path=ppt/slides/slide24.xml><?xml version="1.0" encoding="utf-8"?>
+<p:sld xmlns:a="http://schemas.openxmlformats.org/drawingml/2006/main" xmlns:r="http://schemas.openxmlformats.org/officeDocument/2006/relationships" xmlns:p="http://schemas.openxmlformats.org/presentationml/2006/main">
+  <p:cSld>
+    <p:spTree>
+      <p:nvGrpSpPr>
+        <p:cNvPr id="1" name=""/>
+        <p:cNvGrpSpPr/>
+        <p:nvPr/>
+      </p:nvGrpSpPr>
+      <p:grpSpPr>
+        <a:xfrm>
+          <a:off x="0" y="0"/>
+          <a:ext cx="0" cy="0"/>
+          <a:chOff x="0" y="0"/>
+          <a:chExt cx="0" cy="0"/>
+        </a:xfrm>
+      </p:grpSpPr>
       <p:sp>
         <p:nvSpPr>
-          <p:cNvPr id="3" name="Объект 2"/>
+          <p:cNvPr id="2" name="Заголовок 1"/>
           <p:cNvSpPr>
             <a:spLocks noGrp="1"/>
           </p:cNvSpPr>
           <p:nvPr>
-            <p:ph idx="1"/>
+            <p:ph type="title"/>
           </p:nvPr>
         </p:nvSpPr>
         <p:spPr/>
@@ -10132,31 +10897,145 @@
           <a:bodyPr/>
           <a:lstStyle/>
           <a:p>
+            <a:r>
+              <a:rPr lang="ru-RU" dirty="0" smtClean="0"/>
+              <a:t>Тренды: Днепр</a:t>
+            </a:r>
             <a:endParaRPr lang="ru-RU" dirty="0"/>
           </a:p>
         </p:txBody>
       </p:sp>
       <p:pic>
         <p:nvPicPr>
-          <p:cNvPr id="4" name="Рисунок 3"/>
+          <p:cNvPr id="6" name="Content Placeholder 5" descr="Screen Clipping"/>
           <p:cNvPicPr>
-            <a:picLocks noChangeAspect="1"/>
+            <a:picLocks noGrp="1" noChangeAspect="1"/>
           </p:cNvPicPr>
-          <p:nvPr/>
+          <p:nvPr>
+            <p:ph idx="1"/>
+          </p:nvPr>
         </p:nvPicPr>
-        <p:blipFill rotWithShape="1">
-          <a:blip r:embed="rId2"/>
-          <a:srcRect l="783" t="22001" r="35037" b="9401"/>
-          <a:stretch/>
+        <p:blipFill>
+          <a:blip r:embed="rId2">
+            <a:extLst>
+              <a:ext uri="{28A0092B-C50C-407E-A947-70E740481C1C}">
+                <a14:useLocalDpi xmlns:a14="http://schemas.microsoft.com/office/drawing/2010/main" val="0"/>
+              </a:ext>
+            </a:extLst>
+          </a:blip>
+          <a:stretch>
+            <a:fillRect/>
+          </a:stretch>
         </p:blipFill>
         <p:spPr>
           <a:xfrm>
-            <a:off x="1991544" y="1451149"/>
-            <a:ext cx="8496944" cy="5108592"/>
+            <a:off x="1775520" y="1484784"/>
+            <a:ext cx="8419519" cy="5184576"/>
           </a:xfrm>
-          <a:prstGeom prst="rect">
-            <a:avLst/>
-          </a:prstGeom>
+        </p:spPr>
+      </p:pic>
+    </p:spTree>
+    <p:extLst>
+      <p:ext uri="{BB962C8B-B14F-4D97-AF65-F5344CB8AC3E}">
+        <p14:creationId xmlns:p14="http://schemas.microsoft.com/office/powerpoint/2010/main" val="1351038869"/>
+      </p:ext>
+    </p:extLst>
+  </p:cSld>
+  <p:clrMapOvr>
+    <a:masterClrMapping/>
+  </p:clrMapOvr>
+  <p:timing>
+    <p:tnLst>
+      <p:par>
+        <p:cTn id="1" dur="indefinite" restart="never" nodeType="tmRoot"/>
+      </p:par>
+    </p:tnLst>
+  </p:timing>
+</p:sld>
+</file>
+
+<file path=ppt/slides/slide25.xml><?xml version="1.0" encoding="utf-8"?>
+<p:sld xmlns:a="http://schemas.openxmlformats.org/drawingml/2006/main" xmlns:r="http://schemas.openxmlformats.org/officeDocument/2006/relationships" xmlns:p="http://schemas.openxmlformats.org/presentationml/2006/main">
+  <p:cSld>
+    <p:spTree>
+      <p:nvGrpSpPr>
+        <p:cNvPr id="1" name=""/>
+        <p:cNvGrpSpPr/>
+        <p:nvPr/>
+      </p:nvGrpSpPr>
+      <p:grpSpPr>
+        <a:xfrm>
+          <a:off x="0" y="0"/>
+          <a:ext cx="0" cy="0"/>
+          <a:chOff x="0" y="0"/>
+          <a:chExt cx="0" cy="0"/>
+        </a:xfrm>
+      </p:grpSpPr>
+      <p:sp>
+        <p:nvSpPr>
+          <p:cNvPr id="2" name="Заголовок 1"/>
+          <p:cNvSpPr>
+            <a:spLocks noGrp="1"/>
+          </p:cNvSpPr>
+          <p:nvPr>
+            <p:ph type="title"/>
+          </p:nvPr>
+        </p:nvSpPr>
+        <p:spPr/>
+        <p:txBody>
+          <a:bodyPr/>
+          <a:lstStyle/>
+          <a:p>
+            <a:r>
+              <a:rPr lang="ru-RU" dirty="0"/>
+              <a:t>Динамика </a:t>
+            </a:r>
+            <a:r>
+              <a:rPr lang="ru-RU" dirty="0" smtClean="0"/>
+              <a:t>зарплат</a:t>
+            </a:r>
+            <a:r>
+              <a:rPr lang="en-US" dirty="0" smtClean="0"/>
+              <a:t> Python</a:t>
+            </a:r>
+            <a:r>
+              <a:rPr lang="ru-RU" dirty="0" smtClean="0"/>
+              <a:t> </a:t>
+            </a:r>
+            <a:r>
+              <a:rPr lang="ru-RU" dirty="0"/>
+              <a:t>программистов </a:t>
+            </a:r>
+          </a:p>
+        </p:txBody>
+      </p:sp>
+      <p:pic>
+        <p:nvPicPr>
+          <p:cNvPr id="5" name="Content Placeholder 4" descr="Screen Clipping"/>
+          <p:cNvPicPr>
+            <a:picLocks noGrp="1" noChangeAspect="1"/>
+          </p:cNvPicPr>
+          <p:nvPr>
+            <p:ph idx="1"/>
+          </p:nvPr>
+        </p:nvPicPr>
+        <p:blipFill>
+          <a:blip r:embed="rId2">
+            <a:extLst>
+              <a:ext uri="{28A0092B-C50C-407E-A947-70E740481C1C}">
+                <a14:useLocalDpi xmlns:a14="http://schemas.microsoft.com/office/drawing/2010/main" val="0"/>
+              </a:ext>
+            </a:extLst>
+          </a:blip>
+          <a:stretch>
+            <a:fillRect/>
+          </a:stretch>
+        </p:blipFill>
+        <p:spPr>
+          <a:xfrm>
+            <a:off x="1055440" y="1628800"/>
+            <a:ext cx="10309390" cy="4896544"/>
+          </a:xfrm>
         </p:spPr>
       </p:pic>
     </p:spTree>
@@ -10172,90 +11051,14 @@
   <p:timing>
     <p:tnLst>
       <p:par>
-        <p:cTn id="1" dur="indefinite" restart="never" nodeType="tmRoot">
-          <p:childTnLst>
-            <p:seq concurrent="1" nextAc="seek">
-              <p:cTn id="2" dur="indefinite" nodeType="mainSeq">
-                <p:childTnLst>
-                  <p:par>
-                    <p:cTn id="3" fill="hold">
-                      <p:stCondLst>
-                        <p:cond delay="indefinite"/>
-                      </p:stCondLst>
-                      <p:childTnLst>
-                        <p:par>
-                          <p:cTn id="4" fill="hold">
-                            <p:stCondLst>
-                              <p:cond delay="0"/>
-                            </p:stCondLst>
-                            <p:childTnLst>
-                              <p:par>
-                                <p:cTn id="5" presetID="16" presetClass="entr" presetSubtype="21" fill="hold" nodeType="clickEffect">
-                                  <p:stCondLst>
-                                    <p:cond delay="0"/>
-                                  </p:stCondLst>
-                                  <p:childTnLst>
-                                    <p:set>
-                                      <p:cBhvr>
-                                        <p:cTn id="6" dur="1" fill="hold">
-                                          <p:stCondLst>
-                                            <p:cond delay="0"/>
-                                          </p:stCondLst>
-                                        </p:cTn>
-                                        <p:tgtEl>
-                                          <p:spTgt spid="4"/>
-                                        </p:tgtEl>
-                                        <p:attrNameLst>
-                                          <p:attrName>style.visibility</p:attrName>
-                                        </p:attrNameLst>
-                                      </p:cBhvr>
-                                      <p:to>
-                                        <p:strVal val="visible"/>
-                                      </p:to>
-                                    </p:set>
-                                    <p:animEffect transition="in" filter="barn(inVertical)">
-                                      <p:cBhvr>
-                                        <p:cTn id="7" dur="500"/>
-                                        <p:tgtEl>
-                                          <p:spTgt spid="4"/>
-                                        </p:tgtEl>
-                                      </p:cBhvr>
-                                    </p:animEffect>
-                                  </p:childTnLst>
-                                </p:cTn>
-                              </p:par>
-                            </p:childTnLst>
-                          </p:cTn>
-                        </p:par>
-                      </p:childTnLst>
-                    </p:cTn>
-                  </p:par>
-                </p:childTnLst>
-              </p:cTn>
-              <p:prevCondLst>
-                <p:cond evt="onPrev" delay="0">
-                  <p:tgtEl>
-                    <p:sldTgt/>
-                  </p:tgtEl>
-                </p:cond>
-              </p:prevCondLst>
-              <p:nextCondLst>
-                <p:cond evt="onNext" delay="0">
-                  <p:tgtEl>
-                    <p:sldTgt/>
-                  </p:tgtEl>
-                </p:cond>
-              </p:nextCondLst>
-            </p:seq>
-          </p:childTnLst>
-        </p:cTn>
+        <p:cTn id="1" dur="indefinite" restart="never" nodeType="tmRoot"/>
       </p:par>
     </p:tnLst>
   </p:timing>
 </p:sld>
 </file>
 
-<file path=ppt/slides/slide24.xml><?xml version="1.0" encoding="utf-8"?>
+<file path=ppt/slides/slide26.xml><?xml version="1.0" encoding="utf-8"?>
 <p:sld xmlns:a="http://schemas.openxmlformats.org/drawingml/2006/main" xmlns:r="http://schemas.openxmlformats.org/officeDocument/2006/relationships" xmlns:p="http://schemas.openxmlformats.org/presentationml/2006/main">
   <p:cSld>
     <p:spTree>
@@ -10368,7 +11171,7 @@
       </p:sp>
       <p:pic>
         <p:nvPicPr>
-          <p:cNvPr id="13" name="Рисунок 12" descr="Вырезка экрана"/>
+          <p:cNvPr id="3" name="Picture 2" descr="Screen Clipping"/>
           <p:cNvPicPr>
             <a:picLocks noChangeAspect="1"/>
           </p:cNvPicPr>
@@ -10388,8 +11191,8 @@
         </p:blipFill>
         <p:spPr>
           <a:xfrm>
-            <a:off x="2684839" y="1700642"/>
-            <a:ext cx="6974732" cy="6858000"/>
+            <a:off x="2423592" y="1412776"/>
+            <a:ext cx="8064896" cy="7619700"/>
           </a:xfrm>
           <a:prstGeom prst="rect">
             <a:avLst/>
@@ -10406,101 +11209,25 @@
   <p:clrMapOvr>
     <a:masterClrMapping/>
   </p:clrMapOvr>
-  <mc:AlternateContent xmlns:mc="http://schemas.openxmlformats.org/markup-compatibility/2006">
-    <mc:Choice xmlns:p14="http://schemas.microsoft.com/office/powerpoint/2010/main" Requires="p14">
+  <mc:AlternateContent xmlns:mc="http://schemas.openxmlformats.org/markup-compatibility/2006" xmlns:p14="http://schemas.microsoft.com/office/powerpoint/2010/main">
+    <mc:Choice Requires="p14">
       <p:transition spd="slow" p14:dur="2000"/>
     </mc:Choice>
-    <mc:Fallback>
+    <mc:Fallback xmlns="">
       <p:transition spd="slow"/>
     </mc:Fallback>
   </mc:AlternateContent>
   <p:timing>
     <p:tnLst>
       <p:par>
-        <p:cTn id="1" dur="indefinite" restart="never" nodeType="tmRoot">
-          <p:childTnLst>
-            <p:seq concurrent="1" nextAc="seek">
-              <p:cTn id="2" dur="indefinite" nodeType="mainSeq">
-                <p:childTnLst>
-                  <p:par>
-                    <p:cTn id="3" fill="hold">
-                      <p:stCondLst>
-                        <p:cond delay="indefinite"/>
-                      </p:stCondLst>
-                      <p:childTnLst>
-                        <p:par>
-                          <p:cTn id="4" fill="hold">
-                            <p:stCondLst>
-                              <p:cond delay="0"/>
-                            </p:stCondLst>
-                            <p:childTnLst>
-                              <p:par>
-                                <p:cTn id="5" presetID="6" presetClass="entr" presetSubtype="16" fill="hold" nodeType="clickEffect">
-                                  <p:stCondLst>
-                                    <p:cond delay="0"/>
-                                  </p:stCondLst>
-                                  <p:childTnLst>
-                                    <p:set>
-                                      <p:cBhvr>
-                                        <p:cTn id="6" dur="1" fill="hold">
-                                          <p:stCondLst>
-                                            <p:cond delay="0"/>
-                                          </p:stCondLst>
-                                        </p:cTn>
-                                        <p:tgtEl>
-                                          <p:spTgt spid="13"/>
-                                        </p:tgtEl>
-                                        <p:attrNameLst>
-                                          <p:attrName>style.visibility</p:attrName>
-                                        </p:attrNameLst>
-                                      </p:cBhvr>
-                                      <p:to>
-                                        <p:strVal val="visible"/>
-                                      </p:to>
-                                    </p:set>
-                                    <p:animEffect transition="in" filter="circle(in)">
-                                      <p:cBhvr>
-                                        <p:cTn id="7" dur="2000"/>
-                                        <p:tgtEl>
-                                          <p:spTgt spid="13"/>
-                                        </p:tgtEl>
-                                      </p:cBhvr>
-                                    </p:animEffect>
-                                  </p:childTnLst>
-                                </p:cTn>
-                              </p:par>
-                            </p:childTnLst>
-                          </p:cTn>
-                        </p:par>
-                      </p:childTnLst>
-                    </p:cTn>
-                  </p:par>
-                </p:childTnLst>
-              </p:cTn>
-              <p:prevCondLst>
-                <p:cond evt="onPrev" delay="0">
-                  <p:tgtEl>
-                    <p:sldTgt/>
-                  </p:tgtEl>
-                </p:cond>
-              </p:prevCondLst>
-              <p:nextCondLst>
-                <p:cond evt="onNext" delay="0">
-                  <p:tgtEl>
-                    <p:sldTgt/>
-                  </p:tgtEl>
-                </p:cond>
-              </p:nextCondLst>
-            </p:seq>
-          </p:childTnLst>
-        </p:cTn>
+        <p:cTn id="1" dur="indefinite" restart="never" nodeType="tmRoot"/>
       </p:par>
     </p:tnLst>
   </p:timing>
 </p:sld>
 </file>
 
-<file path=ppt/slides/slide25.xml><?xml version="1.0" encoding="utf-8"?>
+<file path=ppt/slides/slide27.xml><?xml version="1.0" encoding="utf-8"?>
 <p:sld xmlns:a="http://schemas.openxmlformats.org/drawingml/2006/main" xmlns:r="http://schemas.openxmlformats.org/officeDocument/2006/relationships" xmlns:p="http://schemas.openxmlformats.org/presentationml/2006/main">
   <p:cSld>
     <p:spTree>
@@ -10950,12 +11677,12 @@
               <a:buAutoNum type="arabicPeriod"/>
             </a:pPr>
             <a:r>
-              <a:rPr lang="ru-RU" sz="2900" dirty="0">
-                <a:solidFill>
-                  <a:sysClr val="windowText" lastClr="000000"/>
-                </a:solidFill>
-              </a:rPr>
-              <a:t>Уровень коррупции</a:t>
+              <a:rPr lang="ru-RU" sz="3200" dirty="0"/>
+              <a:t>Удобный график </a:t>
+            </a:r>
+            <a:r>
+              <a:rPr lang="ru-RU" sz="3200" dirty="0" smtClean="0"/>
+              <a:t>занятий</a:t>
             </a:r>
           </a:p>
           <a:p>
@@ -10965,13 +11692,18 @@
               <a:buAutoNum type="arabicPeriod"/>
             </a:pPr>
             <a:r>
-              <a:rPr lang="ru-RU" sz="2900" dirty="0">
+              <a:rPr lang="ru-RU" sz="2900" dirty="0" smtClean="0">
                 <a:solidFill>
                   <a:sysClr val="windowText" lastClr="000000"/>
                 </a:solidFill>
               </a:rPr>
               <a:t>Трудоустройство</a:t>
             </a:r>
+            <a:endParaRPr lang="ru-RU" sz="2900" dirty="0">
+              <a:solidFill>
+                <a:sysClr val="windowText" lastClr="000000"/>
+              </a:solidFill>
+            </a:endParaRPr>
           </a:p>
         </p:txBody>
       </p:sp>
@@ -11369,7 +12101,7 @@
 </p:sld>
 </file>
 
-<file path=ppt/slides/slide26.xml><?xml version="1.0" encoding="utf-8"?>
+<file path=ppt/slides/slide28.xml><?xml version="1.0" encoding="utf-8"?>
 <p:sld xmlns:a="http://schemas.openxmlformats.org/drawingml/2006/main" xmlns:r="http://schemas.openxmlformats.org/officeDocument/2006/relationships" xmlns:p="http://schemas.openxmlformats.org/presentationml/2006/main">
   <p:cSld>
     <p:spTree>
@@ -11487,22 +12219,28 @@
       </p:grpSpPr>
       <p:pic>
         <p:nvPicPr>
-          <p:cNvPr id="4" name="Рисунок 3"/>
+          <p:cNvPr id="2" name="Picture 1"/>
           <p:cNvPicPr>
             <a:picLocks noChangeAspect="1"/>
           </p:cNvPicPr>
           <p:nvPr/>
         </p:nvPicPr>
         <p:blipFill>
-          <a:blip r:embed="rId2"/>
+          <a:blip r:embed="rId2">
+            <a:extLst>
+              <a:ext uri="{28A0092B-C50C-407E-A947-70E740481C1C}">
+                <a14:useLocalDpi xmlns:a14="http://schemas.microsoft.com/office/drawing/2010/main" val="0"/>
+              </a:ext>
+            </a:extLst>
+          </a:blip>
           <a:stretch>
             <a:fillRect/>
           </a:stretch>
         </p:blipFill>
         <p:spPr>
           <a:xfrm>
-            <a:off x="839416" y="836712"/>
-            <a:ext cx="10989934" cy="5394142"/>
+            <a:off x="0" y="0"/>
+            <a:ext cx="12192000" cy="6858000"/>
           </a:xfrm>
           <a:prstGeom prst="rect">
             <a:avLst/>
@@ -12109,14 +12847,14 @@
             <p:ph idx="1"/>
             <p:extLst>
               <p:ext uri="{D42A27DB-BD31-4B8C-83A1-F6EECF244321}">
-                <p14:modId xmlns:p14="http://schemas.microsoft.com/office/powerpoint/2010/main" val="117498722"/>
+                <p14:modId xmlns:p14="http://schemas.microsoft.com/office/powerpoint/2010/main" val="2518163042"/>
               </p:ext>
             </p:extLst>
           </p:nvPr>
         </p:nvGraphicFramePr>
         <p:xfrm>
-          <a:off x="623392" y="1628800"/>
-          <a:ext cx="11161240" cy="6255015"/>
+          <a:off x="1271464" y="1628800"/>
+          <a:ext cx="9433048" cy="4884156"/>
         </p:xfrm>
         <a:graphic>
           <a:graphicData uri="http://schemas.openxmlformats.org/drawingml/2006/table">
@@ -12125,12 +12863,36 @@
                 <a:tableStyleId>{3C2FFA5D-87B4-456A-9821-1D502468CF0F}</a:tableStyleId>
               </a:tblPr>
               <a:tblGrid>
-                <a:gridCol w="2790310"/>
-                <a:gridCol w="2790310"/>
-                <a:gridCol w="2790310"/>
-                <a:gridCol w="2790310"/>
+                <a:gridCol w="2358262">
+                  <a:extLst>
+                    <a:ext uri="{9D8B030D-6E8A-4147-A177-3AD203B41FA5}">
+                      <a16:colId xmlns:a16="http://schemas.microsoft.com/office/drawing/2014/main" val="20000"/>
+                    </a:ext>
+                  </a:extLst>
+                </a:gridCol>
+                <a:gridCol w="2358262">
+                  <a:extLst>
+                    <a:ext uri="{9D8B030D-6E8A-4147-A177-3AD203B41FA5}">
+                      <a16:colId xmlns:a16="http://schemas.microsoft.com/office/drawing/2014/main" val="20001"/>
+                    </a:ext>
+                  </a:extLst>
+                </a:gridCol>
+                <a:gridCol w="2358262">
+                  <a:extLst>
+                    <a:ext uri="{9D8B030D-6E8A-4147-A177-3AD203B41FA5}">
+                      <a16:colId xmlns:a16="http://schemas.microsoft.com/office/drawing/2014/main" val="20002"/>
+                    </a:ext>
+                  </a:extLst>
+                </a:gridCol>
+                <a:gridCol w="2358262">
+                  <a:extLst>
+                    <a:ext uri="{9D8B030D-6E8A-4147-A177-3AD203B41FA5}">
+                      <a16:colId xmlns:a16="http://schemas.microsoft.com/office/drawing/2014/main" val="20003"/>
+                    </a:ext>
+                  </a:extLst>
+                </a:gridCol>
               </a:tblGrid>
-              <a:tr h="737555">
+              <a:tr h="439337">
                 <a:tc>
                   <a:txBody>
                     <a:bodyPr/>
@@ -12138,12 +12900,12 @@
                     <a:p>
                       <a:pPr algn="ctr" fontAlgn="t"/>
                       <a:r>
-                        <a:rPr lang="en-US" sz="2800" dirty="0" smtClean="0">
+                        <a:rPr lang="en-US" sz="2400" dirty="0" smtClean="0">
                           <a:effectLst/>
                         </a:rPr>
                         <a:t>Rank</a:t>
                       </a:r>
-                      <a:endParaRPr lang="en-US" sz="2800" dirty="0">
+                      <a:endParaRPr lang="en-US" sz="2400" dirty="0">
                         <a:effectLst/>
                       </a:endParaRPr>
                     </a:p>
@@ -12157,7 +12919,7 @@
                     <a:p>
                       <a:pPr algn="ctr" fontAlgn="t"/>
                       <a:r>
-                        <a:rPr lang="en-US" sz="2800" dirty="0">
+                        <a:rPr lang="en-US" sz="2400" dirty="0">
                           <a:effectLst/>
                         </a:rPr>
                         <a:t>Language</a:t>
@@ -12173,7 +12935,7 @@
                     <a:p>
                       <a:pPr algn="ctr" fontAlgn="t"/>
                       <a:r>
-                        <a:rPr lang="en-US" sz="2800" dirty="0">
+                        <a:rPr lang="en-US" sz="2400" dirty="0">
                           <a:effectLst/>
                         </a:rPr>
                         <a:t>Share</a:t>
@@ -12189,7 +12951,7 @@
                     <a:p>
                       <a:pPr algn="ctr" fontAlgn="t"/>
                       <a:r>
-                        <a:rPr lang="en-US" sz="2800" dirty="0">
+                        <a:rPr lang="en-US" sz="2400" dirty="0">
                           <a:effectLst/>
                         </a:rPr>
                         <a:t>Trend</a:t>
@@ -12198,8 +12960,13 @@
                   </a:txBody>
                   <a:tcPr marL="62513" marR="62513" marT="62513" marB="62513"/>
                 </a:tc>
+                <a:extLst>
+                  <a:ext uri="{0D108BD9-81ED-4DB2-BD59-A6C34878D82A}">
+                    <a16:rowId xmlns:a16="http://schemas.microsoft.com/office/drawing/2014/main" val="10000"/>
+                  </a:ext>
+                </a:extLst>
               </a:tr>
-              <a:tr h="415899">
+              <a:tr h="439337">
                 <a:tc>
                   <a:txBody>
                     <a:bodyPr/>
@@ -12207,7 +12974,7 @@
                     <a:p>
                       <a:pPr algn="ctr" fontAlgn="t"/>
                       <a:r>
-                        <a:rPr lang="ru-RU" sz="2800" dirty="0">
+                        <a:rPr lang="ru-RU" sz="2000" dirty="0">
                           <a:effectLst/>
                         </a:rPr>
                         <a:t>1</a:t>
@@ -12223,7 +12990,7 @@
                     <a:p>
                       <a:pPr algn="ctr" fontAlgn="t"/>
                       <a:r>
-                        <a:rPr lang="en-US" sz="2800" dirty="0">
+                        <a:rPr lang="en-US" sz="2000" dirty="0">
                           <a:effectLst/>
                         </a:rPr>
                         <a:t>Java</a:t>
@@ -12239,7 +13006,7 @@
                     <a:p>
                       <a:pPr algn="ctr" fontAlgn="t"/>
                       <a:r>
-                        <a:rPr lang="ru-RU" sz="2800" dirty="0">
+                        <a:rPr lang="ru-RU" sz="2000" dirty="0">
                           <a:effectLst/>
                         </a:rPr>
                         <a:t>22.4 %</a:t>
@@ -12255,7 +13022,10 @@
                     <a:p>
                       <a:pPr algn="ctr" fontAlgn="t"/>
                       <a:r>
-                        <a:rPr lang="ru-RU" sz="2800" dirty="0">
+                        <a:rPr lang="ru-RU" sz="2000" dirty="0">
+                          <a:solidFill>
+                            <a:srgbClr val="FF0000"/>
+                          </a:solidFill>
                           <a:effectLst/>
                         </a:rPr>
                         <a:t>-0.8 %</a:t>
@@ -12264,8 +13034,13 @@
                   </a:txBody>
                   <a:tcPr marL="62513" marR="62513" marT="62513" marB="62513"/>
                 </a:tc>
+                <a:extLst>
+                  <a:ext uri="{0D108BD9-81ED-4DB2-BD59-A6C34878D82A}">
+                    <a16:rowId xmlns:a16="http://schemas.microsoft.com/office/drawing/2014/main" val="10001"/>
+                  </a:ext>
+                </a:extLst>
               </a:tr>
-              <a:tr h="415899">
+              <a:tr h="439337">
                 <a:tc>
                   <a:txBody>
                     <a:bodyPr/>
@@ -12273,7 +13048,7 @@
                     <a:p>
                       <a:pPr algn="ctr" fontAlgn="t"/>
                       <a:r>
-                        <a:rPr lang="ru-RU" sz="2800" dirty="0">
+                        <a:rPr lang="ru-RU" sz="2000" dirty="0">
                           <a:effectLst/>
                         </a:rPr>
                         <a:t>2</a:t>
@@ -12289,7 +13064,7 @@
                     <a:p>
                       <a:pPr algn="ctr" fontAlgn="t"/>
                       <a:r>
-                        <a:rPr lang="en-US" sz="2800" dirty="0">
+                        <a:rPr lang="en-US" sz="2000" dirty="0">
                           <a:effectLst/>
                         </a:rPr>
                         <a:t>Python</a:t>
@@ -12305,7 +13080,7 @@
                     <a:p>
                       <a:pPr algn="ctr" fontAlgn="t"/>
                       <a:r>
-                        <a:rPr lang="ru-RU" sz="2800" dirty="0">
+                        <a:rPr lang="ru-RU" sz="2000" dirty="0">
                           <a:effectLst/>
                         </a:rPr>
                         <a:t>17.0 %</a:t>
@@ -12321,7 +13096,10 @@
                     <a:p>
                       <a:pPr algn="ctr" fontAlgn="t"/>
                       <a:r>
-                        <a:rPr lang="ru-RU" sz="2800" dirty="0">
+                        <a:rPr lang="ru-RU" sz="2000" dirty="0">
+                          <a:solidFill>
+                            <a:srgbClr val="00B050"/>
+                          </a:solidFill>
                           <a:effectLst/>
                         </a:rPr>
                         <a:t>+4.0 %</a:t>
@@ -12330,8 +13108,13 @@
                   </a:txBody>
                   <a:tcPr marL="62513" marR="62513" marT="62513" marB="62513"/>
                 </a:tc>
+                <a:extLst>
+                  <a:ext uri="{0D108BD9-81ED-4DB2-BD59-A6C34878D82A}">
+                    <a16:rowId xmlns:a16="http://schemas.microsoft.com/office/drawing/2014/main" val="10002"/>
+                  </a:ext>
+                </a:extLst>
               </a:tr>
-              <a:tr h="415899">
+              <a:tr h="439337">
                 <a:tc>
                   <a:txBody>
                     <a:bodyPr/>
@@ -12339,7 +13122,7 @@
                     <a:p>
                       <a:pPr algn="ctr" fontAlgn="t"/>
                       <a:r>
-                        <a:rPr lang="ru-RU" sz="2800">
+                        <a:rPr lang="ru-RU" sz="2000">
                           <a:effectLst/>
                         </a:rPr>
                         <a:t>3</a:t>
@@ -12355,7 +13138,7 @@
                     <a:p>
                       <a:pPr algn="ctr" fontAlgn="t"/>
                       <a:r>
-                        <a:rPr lang="en-US" sz="2800" dirty="0">
+                        <a:rPr lang="en-US" sz="2000" dirty="0">
                           <a:effectLst/>
                         </a:rPr>
                         <a:t>PHP</a:t>
@@ -12371,7 +13154,7 @@
                     <a:p>
                       <a:pPr algn="ctr" fontAlgn="t"/>
                       <a:r>
-                        <a:rPr lang="ru-RU" sz="2800" dirty="0">
+                        <a:rPr lang="ru-RU" sz="2000" dirty="0">
                           <a:effectLst/>
                         </a:rPr>
                         <a:t>8.7 %</a:t>
@@ -12387,7 +13170,10 @@
                     <a:p>
                       <a:pPr algn="ctr" fontAlgn="t"/>
                       <a:r>
-                        <a:rPr lang="ru-RU" sz="2800" dirty="0">
+                        <a:rPr lang="ru-RU" sz="2000" dirty="0">
+                          <a:solidFill>
+                            <a:srgbClr val="FF0000"/>
+                          </a:solidFill>
                           <a:effectLst/>
                         </a:rPr>
                         <a:t>-1.0 %</a:t>
@@ -12396,8 +13182,13 @@
                   </a:txBody>
                   <a:tcPr marL="62513" marR="62513" marT="62513" marB="62513"/>
                 </a:tc>
+                <a:extLst>
+                  <a:ext uri="{0D108BD9-81ED-4DB2-BD59-A6C34878D82A}">
+                    <a16:rowId xmlns:a16="http://schemas.microsoft.com/office/drawing/2014/main" val="10003"/>
+                  </a:ext>
+                </a:extLst>
               </a:tr>
-              <a:tr h="415899">
+              <a:tr h="439337">
                 <a:tc>
                   <a:txBody>
                     <a:bodyPr/>
@@ -12405,7 +13196,7 @@
                     <a:p>
                       <a:pPr algn="ctr" fontAlgn="t"/>
                       <a:r>
-                        <a:rPr lang="ru-RU" sz="2800">
+                        <a:rPr lang="ru-RU" sz="2000">
                           <a:effectLst/>
                         </a:rPr>
                         <a:t>4</a:t>
@@ -12421,7 +13212,7 @@
                     <a:p>
                       <a:pPr algn="ctr" fontAlgn="t"/>
                       <a:r>
-                        <a:rPr lang="en-US" sz="2800">
+                        <a:rPr lang="en-US" sz="2000">
                           <a:effectLst/>
                         </a:rPr>
                         <a:t>C#</a:t>
@@ -12437,7 +13228,7 @@
                     <a:p>
                       <a:pPr algn="ctr" fontAlgn="t"/>
                       <a:r>
-                        <a:rPr lang="ru-RU" sz="2800" dirty="0">
+                        <a:rPr lang="ru-RU" sz="2000" dirty="0">
                           <a:effectLst/>
                         </a:rPr>
                         <a:t>8.1 %</a:t>
@@ -12453,7 +13244,10 @@
                     <a:p>
                       <a:pPr algn="ctr" fontAlgn="t"/>
                       <a:r>
-                        <a:rPr lang="ru-RU" sz="2800" dirty="0">
+                        <a:rPr lang="ru-RU" sz="2000" dirty="0">
+                          <a:solidFill>
+                            <a:srgbClr val="FF0000"/>
+                          </a:solidFill>
                           <a:effectLst/>
                         </a:rPr>
                         <a:t>-0.4 %</a:t>
@@ -12462,8 +13256,13 @@
                   </a:txBody>
                   <a:tcPr marL="62513" marR="62513" marT="62513" marB="62513"/>
                 </a:tc>
+                <a:extLst>
+                  <a:ext uri="{0D108BD9-81ED-4DB2-BD59-A6C34878D82A}">
+                    <a16:rowId xmlns:a16="http://schemas.microsoft.com/office/drawing/2014/main" val="10004"/>
+                  </a:ext>
+                </a:extLst>
               </a:tr>
-              <a:tr h="415899">
+              <a:tr h="439337">
                 <a:tc>
                   <a:txBody>
                     <a:bodyPr/>
@@ -12471,7 +13270,7 @@
                     <a:p>
                       <a:pPr algn="ctr" fontAlgn="t"/>
                       <a:r>
-                        <a:rPr lang="ru-RU" sz="2800">
+                        <a:rPr lang="ru-RU" sz="2000">
                           <a:effectLst/>
                         </a:rPr>
                         <a:t>5</a:t>
@@ -12487,7 +13286,7 @@
                     <a:p>
                       <a:pPr algn="ctr" fontAlgn="t"/>
                       <a:r>
-                        <a:rPr lang="en-US" sz="2800">
+                        <a:rPr lang="en-US" sz="2000">
                           <a:effectLst/>
                         </a:rPr>
                         <a:t>Javascript</a:t>
@@ -12503,7 +13302,7 @@
                     <a:p>
                       <a:pPr algn="ctr" fontAlgn="t"/>
                       <a:r>
-                        <a:rPr lang="ru-RU" sz="2800" dirty="0">
+                        <a:rPr lang="ru-RU" sz="2000" dirty="0">
                           <a:effectLst/>
                         </a:rPr>
                         <a:t>8.0 %</a:t>
@@ -12519,7 +13318,10 @@
                     <a:p>
                       <a:pPr algn="ctr" fontAlgn="t"/>
                       <a:r>
-                        <a:rPr lang="ru-RU" sz="2800" dirty="0">
+                        <a:rPr lang="ru-RU" sz="2000" dirty="0">
+                          <a:solidFill>
+                            <a:srgbClr val="00B050"/>
+                          </a:solidFill>
                           <a:effectLst/>
                         </a:rPr>
                         <a:t>+0.6 %</a:t>
@@ -12528,8 +13330,13 @@
                   </a:txBody>
                   <a:tcPr marL="62513" marR="62513" marT="62513" marB="62513"/>
                 </a:tc>
+                <a:extLst>
+                  <a:ext uri="{0D108BD9-81ED-4DB2-BD59-A6C34878D82A}">
+                    <a16:rowId xmlns:a16="http://schemas.microsoft.com/office/drawing/2014/main" val="10005"/>
+                  </a:ext>
+                </a:extLst>
               </a:tr>
-              <a:tr h="415899">
+              <a:tr h="439337">
                 <a:tc>
                   <a:txBody>
                     <a:bodyPr/>
@@ -12537,7 +13344,7 @@
                     <a:p>
                       <a:pPr algn="ctr" fontAlgn="t"/>
                       <a:r>
-                        <a:rPr lang="ru-RU" sz="2800">
+                        <a:rPr lang="ru-RU" sz="2000">
                           <a:effectLst/>
                         </a:rPr>
                         <a:t>6</a:t>
@@ -12553,7 +13360,7 @@
                     <a:p>
                       <a:pPr algn="ctr" fontAlgn="t"/>
                       <a:r>
-                        <a:rPr lang="en-US" sz="2800">
+                        <a:rPr lang="en-US" sz="2000">
                           <a:effectLst/>
                         </a:rPr>
                         <a:t>C++</a:t>
@@ -12569,7 +13376,7 @@
                     <a:p>
                       <a:pPr algn="ctr" fontAlgn="t"/>
                       <a:r>
-                        <a:rPr lang="ru-RU" sz="2800" dirty="0">
+                        <a:rPr lang="ru-RU" sz="2000" dirty="0">
                           <a:effectLst/>
                         </a:rPr>
                         <a:t>6.8 %</a:t>
@@ -12585,7 +13392,10 @@
                     <a:p>
                       <a:pPr algn="ctr" fontAlgn="t"/>
                       <a:r>
-                        <a:rPr lang="ru-RU" sz="2800" dirty="0">
+                        <a:rPr lang="ru-RU" sz="2000" dirty="0">
+                          <a:solidFill>
+                            <a:srgbClr val="FF0000"/>
+                          </a:solidFill>
                           <a:effectLst/>
                         </a:rPr>
                         <a:t>-0.2 %</a:t>
@@ -12594,8 +13404,13 @@
                   </a:txBody>
                   <a:tcPr marL="62513" marR="62513" marT="62513" marB="62513"/>
                 </a:tc>
+                <a:extLst>
+                  <a:ext uri="{0D108BD9-81ED-4DB2-BD59-A6C34878D82A}">
+                    <a16:rowId xmlns:a16="http://schemas.microsoft.com/office/drawing/2014/main" val="10006"/>
+                  </a:ext>
+                </a:extLst>
               </a:tr>
-              <a:tr h="415899">
+              <a:tr h="439337">
                 <a:tc>
                   <a:txBody>
                     <a:bodyPr/>
@@ -12603,7 +13418,7 @@
                     <a:p>
                       <a:pPr algn="ctr" fontAlgn="t"/>
                       <a:r>
-                        <a:rPr lang="ru-RU" sz="2800">
+                        <a:rPr lang="ru-RU" sz="2000">
                           <a:effectLst/>
                         </a:rPr>
                         <a:t>7</a:t>
@@ -12619,7 +13434,7 @@
                     <a:p>
                       <a:pPr algn="ctr" fontAlgn="t"/>
                       <a:r>
-                        <a:rPr lang="en-US" sz="2800">
+                        <a:rPr lang="en-US" sz="2000">
                           <a:effectLst/>
                         </a:rPr>
                         <a:t>C</a:t>
@@ -12635,7 +13450,7 @@
                     <a:p>
                       <a:pPr algn="ctr" fontAlgn="t"/>
                       <a:r>
-                        <a:rPr lang="ru-RU" sz="2800">
+                        <a:rPr lang="ru-RU" sz="2000">
                           <a:effectLst/>
                         </a:rPr>
                         <a:t>6.1 %</a:t>
@@ -12651,7 +13466,10 @@
                     <a:p>
                       <a:pPr algn="ctr" fontAlgn="t"/>
                       <a:r>
-                        <a:rPr lang="ru-RU" sz="2800" dirty="0">
+                        <a:rPr lang="ru-RU" sz="2000" dirty="0">
+                          <a:solidFill>
+                            <a:srgbClr val="FF0000"/>
+                          </a:solidFill>
                           <a:effectLst/>
                         </a:rPr>
                         <a:t>-1.1 %</a:t>
@@ -12660,8 +13478,13 @@
                   </a:txBody>
                   <a:tcPr marL="62513" marR="62513" marT="62513" marB="62513"/>
                 </a:tc>
+                <a:extLst>
+                  <a:ext uri="{0D108BD9-81ED-4DB2-BD59-A6C34878D82A}">
+                    <a16:rowId xmlns:a16="http://schemas.microsoft.com/office/drawing/2014/main" val="10007"/>
+                  </a:ext>
+                </a:extLst>
               </a:tr>
-              <a:tr h="415899">
+              <a:tr h="439337">
                 <a:tc>
                   <a:txBody>
                     <a:bodyPr/>
@@ -12669,7 +13492,7 @@
                     <a:p>
                       <a:pPr algn="ctr" fontAlgn="t"/>
                       <a:r>
-                        <a:rPr lang="ru-RU" sz="2800">
+                        <a:rPr lang="ru-RU" sz="2000">
                           <a:effectLst/>
                         </a:rPr>
                         <a:t>8</a:t>
@@ -12685,7 +13508,7 @@
                     <a:p>
                       <a:pPr algn="ctr" fontAlgn="t"/>
                       <a:r>
-                        <a:rPr lang="en-US" sz="2800">
+                        <a:rPr lang="en-US" sz="2000">
                           <a:effectLst/>
                         </a:rPr>
                         <a:t>R</a:t>
@@ -12701,7 +13524,7 @@
                     <a:p>
                       <a:pPr algn="ctr" fontAlgn="t"/>
                       <a:r>
-                        <a:rPr lang="ru-RU" sz="2800">
+                        <a:rPr lang="ru-RU" sz="2000">
                           <a:effectLst/>
                         </a:rPr>
                         <a:t>3.7 %</a:t>
@@ -12717,7 +13540,10 @@
                     <a:p>
                       <a:pPr algn="ctr" fontAlgn="t"/>
                       <a:r>
-                        <a:rPr lang="ru-RU" sz="2800" dirty="0">
+                        <a:rPr lang="ru-RU" sz="2000" dirty="0">
+                          <a:solidFill>
+                            <a:srgbClr val="00B050"/>
+                          </a:solidFill>
                           <a:effectLst/>
                         </a:rPr>
                         <a:t>+0.6 %</a:t>
@@ -12726,8 +13552,13 @@
                   </a:txBody>
                   <a:tcPr marL="62513" marR="62513" marT="62513" marB="62513"/>
                 </a:tc>
+                <a:extLst>
+                  <a:ext uri="{0D108BD9-81ED-4DB2-BD59-A6C34878D82A}">
+                    <a16:rowId xmlns:a16="http://schemas.microsoft.com/office/drawing/2014/main" val="10008"/>
+                  </a:ext>
+                </a:extLst>
               </a:tr>
-              <a:tr h="415899">
+              <a:tr h="439337">
                 <a:tc>
                   <a:txBody>
                     <a:bodyPr/>
@@ -12735,7 +13566,7 @@
                     <a:p>
                       <a:pPr algn="ctr" fontAlgn="t"/>
                       <a:r>
-                        <a:rPr lang="ru-RU" sz="2800" dirty="0">
+                        <a:rPr lang="ru-RU" sz="2000" dirty="0">
                           <a:effectLst/>
                         </a:rPr>
                         <a:t>9</a:t>
@@ -12751,7 +13582,7 @@
                     <a:p>
                       <a:pPr algn="ctr" fontAlgn="t"/>
                       <a:r>
-                        <a:rPr lang="en-US" sz="2800" dirty="0">
+                        <a:rPr lang="en-US" sz="2000" dirty="0">
                           <a:effectLst/>
                         </a:rPr>
                         <a:t>Objective-C</a:t>
@@ -12767,7 +13598,7 @@
                     <a:p>
                       <a:pPr algn="ctr" fontAlgn="t"/>
                       <a:r>
-                        <a:rPr lang="ru-RU" sz="2800" dirty="0">
+                        <a:rPr lang="ru-RU" sz="2000" dirty="0">
                           <a:effectLst/>
                         </a:rPr>
                         <a:t>3.5 %</a:t>
@@ -12783,7 +13614,10 @@
                     <a:p>
                       <a:pPr algn="ctr" fontAlgn="t"/>
                       <a:r>
-                        <a:rPr lang="ru-RU" sz="2800" dirty="0">
+                        <a:rPr lang="ru-RU" sz="2000" dirty="0">
+                          <a:solidFill>
+                            <a:srgbClr val="FF0000"/>
+                          </a:solidFill>
                           <a:effectLst/>
                         </a:rPr>
                         <a:t>-1.4 %</a:t>
@@ -12792,8 +13626,13 @@
                   </a:txBody>
                   <a:tcPr marL="62513" marR="62513" marT="62513" marB="62513"/>
                 </a:tc>
+                <a:extLst>
+                  <a:ext uri="{0D108BD9-81ED-4DB2-BD59-A6C34878D82A}">
+                    <a16:rowId xmlns:a16="http://schemas.microsoft.com/office/drawing/2014/main" val="10009"/>
+                  </a:ext>
+                </a:extLst>
               </a:tr>
-              <a:tr h="415899">
+              <a:tr h="439337">
                 <a:tc>
                   <a:txBody>
                     <a:bodyPr/>
@@ -12801,7 +13640,7 @@
                     <a:p>
                       <a:pPr algn="ctr" fontAlgn="t"/>
                       <a:r>
-                        <a:rPr lang="ru-RU" sz="2800">
+                        <a:rPr lang="ru-RU" sz="2000">
                           <a:effectLst/>
                         </a:rPr>
                         <a:t>10</a:t>
@@ -12817,7 +13656,7 @@
                     <a:p>
                       <a:pPr algn="ctr" fontAlgn="t"/>
                       <a:r>
-                        <a:rPr lang="en-US" sz="2800">
+                        <a:rPr lang="en-US" sz="2000">
                           <a:effectLst/>
                         </a:rPr>
                         <a:t>Swift</a:t>
@@ -12833,7 +13672,7 @@
                     <a:p>
                       <a:pPr algn="ctr" fontAlgn="t"/>
                       <a:r>
-                        <a:rPr lang="ru-RU" sz="2800">
+                        <a:rPr lang="ru-RU" sz="2000">
                           <a:effectLst/>
                         </a:rPr>
                         <a:t>2.9 %</a:t>
@@ -12849,7 +13688,10 @@
                     <a:p>
                       <a:pPr algn="ctr" fontAlgn="t"/>
                       <a:r>
-                        <a:rPr lang="ru-RU" sz="2800" dirty="0">
+                        <a:rPr lang="ru-RU" sz="2000" dirty="0">
+                          <a:solidFill>
+                            <a:srgbClr val="FF0000"/>
+                          </a:solidFill>
                           <a:effectLst/>
                         </a:rPr>
                         <a:t>-0.1 %</a:t>
@@ -12858,6 +13700,11 @@
                   </a:txBody>
                   <a:tcPr marL="62513" marR="62513" marT="62513" marB="62513"/>
                 </a:tc>
+                <a:extLst>
+                  <a:ext uri="{0D108BD9-81ED-4DB2-BD59-A6C34878D82A}">
+                    <a16:rowId xmlns:a16="http://schemas.microsoft.com/office/drawing/2014/main" val="10010"/>
+                  </a:ext>
+                </a:extLst>
               </a:tr>
             </a:tbl>
           </a:graphicData>
@@ -13441,72 +14288,1224 @@
             <p:ph type="title"/>
           </p:nvPr>
         </p:nvSpPr>
-        <p:spPr/>
+        <p:spPr>
+          <a:xfrm>
+            <a:off x="623392" y="0"/>
+            <a:ext cx="10972800" cy="1143000"/>
+          </a:xfrm>
+        </p:spPr>
         <p:txBody>
-          <a:bodyPr>
-            <a:normAutofit fontScale="90000"/>
+          <a:bodyPr/>
+          <a:lstStyle/>
+          <a:p>
+            <a:r>
+              <a:rPr lang="en-US" dirty="0"/>
+              <a:t>PYPL </a:t>
+            </a:r>
+            <a:r>
+              <a:rPr lang="en-US" dirty="0" err="1"/>
+              <a:t>PopularitY</a:t>
+            </a:r>
+            <a:r>
+              <a:rPr lang="en-US" dirty="0"/>
+              <a:t> of Programming Language</a:t>
+            </a:r>
+            <a:endParaRPr lang="ru-RU" dirty="0"/>
+          </a:p>
+        </p:txBody>
+      </p:sp>
+      <p:graphicFrame>
+        <p:nvGraphicFramePr>
+          <p:cNvPr id="4" name="Объект 3"/>
+          <p:cNvGraphicFramePr>
+            <a:graphicFrameLocks noGrp="1"/>
+          </p:cNvGraphicFramePr>
+          <p:nvPr>
+            <p:ph idx="1"/>
+            <p:extLst>
+              <p:ext uri="{D42A27DB-BD31-4B8C-83A1-F6EECF244321}">
+                <p14:modId xmlns:p14="http://schemas.microsoft.com/office/powerpoint/2010/main" val="65518754"/>
+              </p:ext>
+            </p:extLst>
+          </p:nvPr>
+        </p:nvGraphicFramePr>
+        <p:xfrm>
+          <a:off x="1415480" y="1628800"/>
+          <a:ext cx="8928992" cy="5078945"/>
+        </p:xfrm>
+        <a:graphic>
+          <a:graphicData uri="http://schemas.openxmlformats.org/drawingml/2006/table">
+            <a:tbl>
+              <a:tblPr firstRow="1">
+                <a:tableStyleId>{3C2FFA5D-87B4-456A-9821-1D502468CF0F}</a:tableStyleId>
+              </a:tblPr>
+              <a:tblGrid>
+                <a:gridCol w="2232248">
+                  <a:extLst>
+                    <a:ext uri="{9D8B030D-6E8A-4147-A177-3AD203B41FA5}">
+                      <a16:colId xmlns:a16="http://schemas.microsoft.com/office/drawing/2014/main" val="20000"/>
+                    </a:ext>
+                  </a:extLst>
+                </a:gridCol>
+                <a:gridCol w="2232248">
+                  <a:extLst>
+                    <a:ext uri="{9D8B030D-6E8A-4147-A177-3AD203B41FA5}">
+                      <a16:colId xmlns:a16="http://schemas.microsoft.com/office/drawing/2014/main" val="20001"/>
+                    </a:ext>
+                  </a:extLst>
+                </a:gridCol>
+                <a:gridCol w="2232248">
+                  <a:extLst>
+                    <a:ext uri="{9D8B030D-6E8A-4147-A177-3AD203B41FA5}">
+                      <a16:colId xmlns:a16="http://schemas.microsoft.com/office/drawing/2014/main" val="20002"/>
+                    </a:ext>
+                  </a:extLst>
+                </a:gridCol>
+                <a:gridCol w="2232248">
+                  <a:extLst>
+                    <a:ext uri="{9D8B030D-6E8A-4147-A177-3AD203B41FA5}">
+                      <a16:colId xmlns:a16="http://schemas.microsoft.com/office/drawing/2014/main" val="20003"/>
+                    </a:ext>
+                  </a:extLst>
+                </a:gridCol>
+              </a:tblGrid>
+              <a:tr h="504056">
+                <a:tc>
+                  <a:txBody>
+                    <a:bodyPr/>
+                    <a:lstStyle/>
+                    <a:p>
+                      <a:pPr algn="ctr" fontAlgn="t"/>
+                      <a:r>
+                        <a:rPr lang="en-US" sz="2400" dirty="0" smtClean="0">
+                          <a:effectLst/>
+                        </a:rPr>
+                        <a:t>Rank</a:t>
+                      </a:r>
+                      <a:endParaRPr lang="en-US" sz="2400" dirty="0">
+                        <a:effectLst/>
+                      </a:endParaRPr>
+                    </a:p>
+                  </a:txBody>
+                  <a:tcPr marL="62513" marR="62513" marT="62513" marB="62513"/>
+                </a:tc>
+                <a:tc>
+                  <a:txBody>
+                    <a:bodyPr/>
+                    <a:lstStyle/>
+                    <a:p>
+                      <a:pPr algn="ctr" fontAlgn="t"/>
+                      <a:r>
+                        <a:rPr lang="en-US" sz="2400" dirty="0">
+                          <a:effectLst/>
+                        </a:rPr>
+                        <a:t>Language</a:t>
+                      </a:r>
+                    </a:p>
+                  </a:txBody>
+                  <a:tcPr marL="62513" marR="62513" marT="62513" marB="62513"/>
+                </a:tc>
+                <a:tc>
+                  <a:txBody>
+                    <a:bodyPr/>
+                    <a:lstStyle/>
+                    <a:p>
+                      <a:pPr algn="ctr" fontAlgn="t"/>
+                      <a:r>
+                        <a:rPr lang="en-US" sz="2400" dirty="0">
+                          <a:effectLst/>
+                        </a:rPr>
+                        <a:t>Share</a:t>
+                      </a:r>
+                    </a:p>
+                  </a:txBody>
+                  <a:tcPr marL="62513" marR="62513" marT="62513" marB="62513"/>
+                </a:tc>
+                <a:tc>
+                  <a:txBody>
+                    <a:bodyPr/>
+                    <a:lstStyle/>
+                    <a:p>
+                      <a:pPr algn="ctr" fontAlgn="t"/>
+                      <a:r>
+                        <a:rPr lang="en-US" sz="2400" dirty="0">
+                          <a:effectLst/>
+                        </a:rPr>
+                        <a:t>Trend</a:t>
+                      </a:r>
+                    </a:p>
+                  </a:txBody>
+                  <a:tcPr marL="62513" marR="62513" marT="62513" marB="62513"/>
+                </a:tc>
+                <a:extLst>
+                  <a:ext uri="{0D108BD9-81ED-4DB2-BD59-A6C34878D82A}">
+                    <a16:rowId xmlns:a16="http://schemas.microsoft.com/office/drawing/2014/main" val="10000"/>
+                  </a:ext>
+                </a:extLst>
+              </a:tr>
+              <a:tr h="415899">
+                <a:tc>
+                  <a:txBody>
+                    <a:bodyPr/>
+                    <a:lstStyle/>
+                    <a:p>
+                      <a:pPr algn="ctr"/>
+                      <a:r>
+                        <a:rPr lang="ru-RU" sz="2000" dirty="0"/>
+                        <a:t>1</a:t>
+                      </a:r>
+                    </a:p>
+                  </a:txBody>
+                  <a:tcPr anchor="ctr"/>
+                </a:tc>
+                <a:tc>
+                  <a:txBody>
+                    <a:bodyPr/>
+                    <a:lstStyle/>
+                    <a:p>
+                      <a:pPr algn="ctr"/>
+                      <a:r>
+                        <a:rPr lang="en-US" sz="2000"/>
+                        <a:t>Python</a:t>
+                      </a:r>
+                    </a:p>
+                  </a:txBody>
+                  <a:tcPr anchor="ctr"/>
+                </a:tc>
+                <a:tc>
+                  <a:txBody>
+                    <a:bodyPr/>
+                    <a:lstStyle/>
+                    <a:p>
+                      <a:pPr algn="ctr"/>
+                      <a:r>
+                        <a:rPr lang="ru-RU" sz="2000" dirty="0"/>
+                        <a:t>23.59 %</a:t>
+                      </a:r>
+                    </a:p>
+                  </a:txBody>
+                  <a:tcPr anchor="ctr"/>
+                </a:tc>
+                <a:tc>
+                  <a:txBody>
+                    <a:bodyPr/>
+                    <a:lstStyle/>
+                    <a:p>
+                      <a:pPr algn="ctr"/>
+                      <a:r>
+                        <a:rPr lang="ru-RU" sz="2000" dirty="0">
+                          <a:solidFill>
+                            <a:srgbClr val="00B050"/>
+                          </a:solidFill>
+                        </a:rPr>
+                        <a:t>+5.5 %</a:t>
+                      </a:r>
+                    </a:p>
+                  </a:txBody>
+                  <a:tcPr anchor="ctr"/>
+                </a:tc>
+                <a:extLst>
+                  <a:ext uri="{0D108BD9-81ED-4DB2-BD59-A6C34878D82A}">
+                    <a16:rowId xmlns:a16="http://schemas.microsoft.com/office/drawing/2014/main" val="10001"/>
+                  </a:ext>
+                </a:extLst>
+              </a:tr>
+              <a:tr h="415899">
+                <a:tc>
+                  <a:txBody>
+                    <a:bodyPr/>
+                    <a:lstStyle/>
+                    <a:p>
+                      <a:pPr algn="ctr"/>
+                      <a:r>
+                        <a:rPr lang="ru-RU" sz="2000" dirty="0"/>
+                        <a:t>2</a:t>
+                      </a:r>
+                    </a:p>
+                  </a:txBody>
+                  <a:tcPr anchor="ctr"/>
+                </a:tc>
+                <a:tc>
+                  <a:txBody>
+                    <a:bodyPr/>
+                    <a:lstStyle/>
+                    <a:p>
+                      <a:pPr algn="ctr"/>
+                      <a:r>
+                        <a:rPr lang="en-US" sz="2000" dirty="0"/>
+                        <a:t>Java</a:t>
+                      </a:r>
+                    </a:p>
+                  </a:txBody>
+                  <a:tcPr anchor="ctr"/>
+                </a:tc>
+                <a:tc>
+                  <a:txBody>
+                    <a:bodyPr/>
+                    <a:lstStyle/>
+                    <a:p>
+                      <a:pPr algn="ctr"/>
+                      <a:r>
+                        <a:rPr lang="ru-RU" sz="2000"/>
+                        <a:t>22.4 %</a:t>
+                      </a:r>
+                    </a:p>
+                  </a:txBody>
+                  <a:tcPr anchor="ctr"/>
+                </a:tc>
+                <a:tc>
+                  <a:txBody>
+                    <a:bodyPr/>
+                    <a:lstStyle/>
+                    <a:p>
+                      <a:pPr algn="ctr"/>
+                      <a:r>
+                        <a:rPr lang="ru-RU" sz="2000" dirty="0">
+                          <a:solidFill>
+                            <a:srgbClr val="FF0000"/>
+                          </a:solidFill>
+                        </a:rPr>
+                        <a:t>-0.5 %</a:t>
+                      </a:r>
+                    </a:p>
+                  </a:txBody>
+                  <a:tcPr anchor="ctr"/>
+                </a:tc>
+                <a:extLst>
+                  <a:ext uri="{0D108BD9-81ED-4DB2-BD59-A6C34878D82A}">
+                    <a16:rowId xmlns:a16="http://schemas.microsoft.com/office/drawing/2014/main" val="4032280679"/>
+                  </a:ext>
+                </a:extLst>
+              </a:tr>
+              <a:tr h="415899">
+                <a:tc>
+                  <a:txBody>
+                    <a:bodyPr/>
+                    <a:lstStyle/>
+                    <a:p>
+                      <a:pPr algn="ctr"/>
+                      <a:r>
+                        <a:rPr lang="ru-RU" sz="2000"/>
+                        <a:t>3</a:t>
+                      </a:r>
+                    </a:p>
+                  </a:txBody>
+                  <a:tcPr anchor="ctr"/>
+                </a:tc>
+                <a:tc>
+                  <a:txBody>
+                    <a:bodyPr/>
+                    <a:lstStyle/>
+                    <a:p>
+                      <a:pPr algn="ctr"/>
+                      <a:r>
+                        <a:rPr lang="en-US" sz="2000" dirty="0" err="1"/>
+                        <a:t>Javascript</a:t>
+                      </a:r>
+                      <a:endParaRPr lang="en-US" sz="2000" dirty="0"/>
+                    </a:p>
+                  </a:txBody>
+                  <a:tcPr anchor="ctr"/>
+                </a:tc>
+                <a:tc>
+                  <a:txBody>
+                    <a:bodyPr/>
+                    <a:lstStyle/>
+                    <a:p>
+                      <a:pPr algn="ctr"/>
+                      <a:r>
+                        <a:rPr lang="ru-RU" sz="2000" dirty="0"/>
+                        <a:t>8.49 %</a:t>
+                      </a:r>
+                    </a:p>
+                  </a:txBody>
+                  <a:tcPr anchor="ctr"/>
+                </a:tc>
+                <a:tc>
+                  <a:txBody>
+                    <a:bodyPr/>
+                    <a:lstStyle/>
+                    <a:p>
+                      <a:pPr algn="ctr"/>
+                      <a:r>
+                        <a:rPr lang="ru-RU" sz="2000" dirty="0">
+                          <a:solidFill>
+                            <a:srgbClr val="00B050"/>
+                          </a:solidFill>
+                        </a:rPr>
+                        <a:t>+0.2 %</a:t>
+                      </a:r>
+                    </a:p>
+                  </a:txBody>
+                  <a:tcPr anchor="ctr"/>
+                </a:tc>
+                <a:extLst>
+                  <a:ext uri="{0D108BD9-81ED-4DB2-BD59-A6C34878D82A}">
+                    <a16:rowId xmlns:a16="http://schemas.microsoft.com/office/drawing/2014/main" val="10002"/>
+                  </a:ext>
+                </a:extLst>
+              </a:tr>
+              <a:tr h="415899">
+                <a:tc>
+                  <a:txBody>
+                    <a:bodyPr/>
+                    <a:lstStyle/>
+                    <a:p>
+                      <a:pPr algn="ctr"/>
+                      <a:r>
+                        <a:rPr lang="ru-RU" sz="2000"/>
+                        <a:t>4</a:t>
+                      </a:r>
+                    </a:p>
+                  </a:txBody>
+                  <a:tcPr anchor="ctr"/>
+                </a:tc>
+                <a:tc>
+                  <a:txBody>
+                    <a:bodyPr/>
+                    <a:lstStyle/>
+                    <a:p>
+                      <a:pPr algn="ctr"/>
+                      <a:r>
+                        <a:rPr lang="en-US" sz="2000" dirty="0"/>
+                        <a:t>PHP</a:t>
+                      </a:r>
+                    </a:p>
+                  </a:txBody>
+                  <a:tcPr anchor="ctr"/>
+                </a:tc>
+                <a:tc>
+                  <a:txBody>
+                    <a:bodyPr/>
+                    <a:lstStyle/>
+                    <a:p>
+                      <a:pPr algn="ctr"/>
+                      <a:r>
+                        <a:rPr lang="ru-RU" sz="2000"/>
+                        <a:t>7.93 %</a:t>
+                      </a:r>
+                    </a:p>
+                  </a:txBody>
+                  <a:tcPr anchor="ctr"/>
+                </a:tc>
+                <a:tc>
+                  <a:txBody>
+                    <a:bodyPr/>
+                    <a:lstStyle/>
+                    <a:p>
+                      <a:pPr algn="ctr"/>
+                      <a:r>
+                        <a:rPr lang="ru-RU" sz="2000" dirty="0">
+                          <a:solidFill>
+                            <a:srgbClr val="FF0000"/>
+                          </a:solidFill>
+                        </a:rPr>
+                        <a:t>-1.5 %</a:t>
+                      </a:r>
+                    </a:p>
+                  </a:txBody>
+                  <a:tcPr anchor="ctr"/>
+                </a:tc>
+                <a:extLst>
+                  <a:ext uri="{0D108BD9-81ED-4DB2-BD59-A6C34878D82A}">
+                    <a16:rowId xmlns:a16="http://schemas.microsoft.com/office/drawing/2014/main" val="10003"/>
+                  </a:ext>
+                </a:extLst>
+              </a:tr>
+              <a:tr h="415899">
+                <a:tc>
+                  <a:txBody>
+                    <a:bodyPr/>
+                    <a:lstStyle/>
+                    <a:p>
+                      <a:pPr algn="ctr"/>
+                      <a:r>
+                        <a:rPr lang="ru-RU" sz="2000"/>
+                        <a:t>5</a:t>
+                      </a:r>
+                    </a:p>
+                  </a:txBody>
+                  <a:tcPr anchor="ctr"/>
+                </a:tc>
+                <a:tc>
+                  <a:txBody>
+                    <a:bodyPr/>
+                    <a:lstStyle/>
+                    <a:p>
+                      <a:pPr algn="ctr"/>
+                      <a:r>
+                        <a:rPr lang="en-US" sz="2000"/>
+                        <a:t>C#</a:t>
+                      </a:r>
+                    </a:p>
+                  </a:txBody>
+                  <a:tcPr anchor="ctr"/>
+                </a:tc>
+                <a:tc>
+                  <a:txBody>
+                    <a:bodyPr/>
+                    <a:lstStyle/>
+                    <a:p>
+                      <a:pPr algn="ctr"/>
+                      <a:r>
+                        <a:rPr lang="ru-RU" sz="2000"/>
+                        <a:t>7.84 %</a:t>
+                      </a:r>
+                    </a:p>
+                  </a:txBody>
+                  <a:tcPr anchor="ctr"/>
+                </a:tc>
+                <a:tc>
+                  <a:txBody>
+                    <a:bodyPr/>
+                    <a:lstStyle/>
+                    <a:p>
+                      <a:pPr algn="ctr"/>
+                      <a:r>
+                        <a:rPr lang="ru-RU" sz="2000" dirty="0">
+                          <a:solidFill>
+                            <a:srgbClr val="FF0000"/>
+                          </a:solidFill>
+                        </a:rPr>
+                        <a:t>-0.5 %</a:t>
+                      </a:r>
+                    </a:p>
+                  </a:txBody>
+                  <a:tcPr anchor="ctr"/>
+                </a:tc>
+                <a:extLst>
+                  <a:ext uri="{0D108BD9-81ED-4DB2-BD59-A6C34878D82A}">
+                    <a16:rowId xmlns:a16="http://schemas.microsoft.com/office/drawing/2014/main" val="10004"/>
+                  </a:ext>
+                </a:extLst>
+              </a:tr>
+              <a:tr h="415899">
+                <a:tc>
+                  <a:txBody>
+                    <a:bodyPr/>
+                    <a:lstStyle/>
+                    <a:p>
+                      <a:pPr algn="ctr"/>
+                      <a:r>
+                        <a:rPr lang="ru-RU" sz="2000"/>
+                        <a:t>6</a:t>
+                      </a:r>
+                    </a:p>
+                  </a:txBody>
+                  <a:tcPr anchor="ctr"/>
+                </a:tc>
+                <a:tc>
+                  <a:txBody>
+                    <a:bodyPr/>
+                    <a:lstStyle/>
+                    <a:p>
+                      <a:pPr algn="ctr"/>
+                      <a:r>
+                        <a:rPr lang="en-US" sz="2000"/>
+                        <a:t>C/C++</a:t>
+                      </a:r>
+                    </a:p>
+                  </a:txBody>
+                  <a:tcPr anchor="ctr"/>
+                </a:tc>
+                <a:tc>
+                  <a:txBody>
+                    <a:bodyPr/>
+                    <a:lstStyle/>
+                    <a:p>
+                      <a:pPr algn="ctr"/>
+                      <a:r>
+                        <a:rPr lang="ru-RU" sz="2000" dirty="0"/>
+                        <a:t>6.28 %</a:t>
+                      </a:r>
+                    </a:p>
+                  </a:txBody>
+                  <a:tcPr anchor="ctr"/>
+                </a:tc>
+                <a:tc>
+                  <a:txBody>
+                    <a:bodyPr/>
+                    <a:lstStyle/>
+                    <a:p>
+                      <a:pPr algn="ctr"/>
+                      <a:r>
+                        <a:rPr lang="ru-RU" sz="2000" dirty="0">
+                          <a:solidFill>
+                            <a:srgbClr val="FF0000"/>
+                          </a:solidFill>
+                        </a:rPr>
+                        <a:t>-0.8 %</a:t>
+                      </a:r>
+                    </a:p>
+                  </a:txBody>
+                  <a:tcPr anchor="ctr"/>
+                </a:tc>
+                <a:extLst>
+                  <a:ext uri="{0D108BD9-81ED-4DB2-BD59-A6C34878D82A}">
+                    <a16:rowId xmlns:a16="http://schemas.microsoft.com/office/drawing/2014/main" val="10005"/>
+                  </a:ext>
+                </a:extLst>
+              </a:tr>
+              <a:tr h="415899">
+                <a:tc>
+                  <a:txBody>
+                    <a:bodyPr/>
+                    <a:lstStyle/>
+                    <a:p>
+                      <a:pPr algn="ctr"/>
+                      <a:r>
+                        <a:rPr lang="ru-RU" sz="2000"/>
+                        <a:t>7</a:t>
+                      </a:r>
+                    </a:p>
+                  </a:txBody>
+                  <a:tcPr anchor="ctr"/>
+                </a:tc>
+                <a:tc>
+                  <a:txBody>
+                    <a:bodyPr/>
+                    <a:lstStyle/>
+                    <a:p>
+                      <a:pPr algn="ctr"/>
+                      <a:r>
+                        <a:rPr lang="en-US" sz="2000"/>
+                        <a:t>R</a:t>
+                      </a:r>
+                    </a:p>
+                  </a:txBody>
+                  <a:tcPr anchor="ctr"/>
+                </a:tc>
+                <a:tc>
+                  <a:txBody>
+                    <a:bodyPr/>
+                    <a:lstStyle/>
+                    <a:p>
+                      <a:pPr algn="ctr"/>
+                      <a:r>
+                        <a:rPr lang="ru-RU" sz="2000" dirty="0"/>
+                        <a:t>4.18 %</a:t>
+                      </a:r>
+                    </a:p>
+                  </a:txBody>
+                  <a:tcPr anchor="ctr"/>
+                </a:tc>
+                <a:tc>
+                  <a:txBody>
+                    <a:bodyPr/>
+                    <a:lstStyle/>
+                    <a:p>
+                      <a:pPr algn="ctr"/>
+                      <a:r>
+                        <a:rPr lang="ru-RU" sz="2000" dirty="0">
+                          <a:solidFill>
+                            <a:srgbClr val="FFFF00"/>
+                          </a:solidFill>
+                        </a:rPr>
+                        <a:t>+0.0 %</a:t>
+                      </a:r>
+                    </a:p>
+                  </a:txBody>
+                  <a:tcPr anchor="ctr"/>
+                </a:tc>
+                <a:extLst>
+                  <a:ext uri="{0D108BD9-81ED-4DB2-BD59-A6C34878D82A}">
+                    <a16:rowId xmlns:a16="http://schemas.microsoft.com/office/drawing/2014/main" val="10006"/>
+                  </a:ext>
+                </a:extLst>
+              </a:tr>
+              <a:tr h="415899">
+                <a:tc>
+                  <a:txBody>
+                    <a:bodyPr/>
+                    <a:lstStyle/>
+                    <a:p>
+                      <a:pPr algn="ctr"/>
+                      <a:r>
+                        <a:rPr lang="ru-RU" sz="2000"/>
+                        <a:t>8</a:t>
+                      </a:r>
+                    </a:p>
+                  </a:txBody>
+                  <a:tcPr anchor="ctr"/>
+                </a:tc>
+                <a:tc>
+                  <a:txBody>
+                    <a:bodyPr/>
+                    <a:lstStyle/>
+                    <a:p>
+                      <a:pPr algn="ctr"/>
+                      <a:r>
+                        <a:rPr lang="en-US" sz="2000"/>
+                        <a:t>Objective-C</a:t>
+                      </a:r>
+                    </a:p>
+                  </a:txBody>
+                  <a:tcPr anchor="ctr"/>
+                </a:tc>
+                <a:tc>
+                  <a:txBody>
+                    <a:bodyPr/>
+                    <a:lstStyle/>
+                    <a:p>
+                      <a:pPr algn="ctr"/>
+                      <a:r>
+                        <a:rPr lang="ru-RU" sz="2000" dirty="0"/>
+                        <a:t>3.4 %</a:t>
+                      </a:r>
+                    </a:p>
+                  </a:txBody>
+                  <a:tcPr anchor="ctr"/>
+                </a:tc>
+                <a:tc>
+                  <a:txBody>
+                    <a:bodyPr/>
+                    <a:lstStyle/>
+                    <a:p>
+                      <a:pPr algn="ctr"/>
+                      <a:r>
+                        <a:rPr lang="ru-RU" sz="2000" dirty="0">
+                          <a:solidFill>
+                            <a:srgbClr val="FF0000"/>
+                          </a:solidFill>
+                        </a:rPr>
+                        <a:t>-1.0 %</a:t>
+                      </a:r>
+                    </a:p>
+                  </a:txBody>
+                  <a:tcPr anchor="ctr"/>
+                </a:tc>
+                <a:extLst>
+                  <a:ext uri="{0D108BD9-81ED-4DB2-BD59-A6C34878D82A}">
+                    <a16:rowId xmlns:a16="http://schemas.microsoft.com/office/drawing/2014/main" val="10007"/>
+                  </a:ext>
+                </a:extLst>
+              </a:tr>
+              <a:tr h="415899">
+                <a:tc>
+                  <a:txBody>
+                    <a:bodyPr/>
+                    <a:lstStyle/>
+                    <a:p>
+                      <a:pPr algn="ctr"/>
+                      <a:r>
+                        <a:rPr lang="ru-RU" sz="2000"/>
+                        <a:t>9</a:t>
+                      </a:r>
+                    </a:p>
+                  </a:txBody>
+                  <a:tcPr anchor="ctr"/>
+                </a:tc>
+                <a:tc>
+                  <a:txBody>
+                    <a:bodyPr/>
+                    <a:lstStyle/>
+                    <a:p>
+                      <a:pPr algn="ctr"/>
+                      <a:r>
+                        <a:rPr lang="en-US" sz="2000"/>
+                        <a:t>Swift</a:t>
+                      </a:r>
+                    </a:p>
+                  </a:txBody>
+                  <a:tcPr anchor="ctr"/>
+                </a:tc>
+                <a:tc>
+                  <a:txBody>
+                    <a:bodyPr/>
+                    <a:lstStyle/>
+                    <a:p>
+                      <a:pPr algn="ctr"/>
+                      <a:r>
+                        <a:rPr lang="ru-RU" sz="2000"/>
+                        <a:t>2.65 %</a:t>
+                      </a:r>
+                    </a:p>
+                  </a:txBody>
+                  <a:tcPr anchor="ctr"/>
+                </a:tc>
+                <a:tc>
+                  <a:txBody>
+                    <a:bodyPr/>
+                    <a:lstStyle/>
+                    <a:p>
+                      <a:pPr algn="ctr"/>
+                      <a:r>
+                        <a:rPr lang="ru-RU" sz="2000" dirty="0">
+                          <a:solidFill>
+                            <a:srgbClr val="FF0000"/>
+                          </a:solidFill>
+                        </a:rPr>
+                        <a:t>-0.9 %</a:t>
+                      </a:r>
+                    </a:p>
+                  </a:txBody>
+                  <a:tcPr anchor="ctr"/>
+                </a:tc>
+                <a:extLst>
+                  <a:ext uri="{0D108BD9-81ED-4DB2-BD59-A6C34878D82A}">
+                    <a16:rowId xmlns:a16="http://schemas.microsoft.com/office/drawing/2014/main" val="10008"/>
+                  </a:ext>
+                </a:extLst>
+              </a:tr>
+              <a:tr h="415899">
+                <a:tc>
+                  <a:txBody>
+                    <a:bodyPr/>
+                    <a:lstStyle/>
+                    <a:p>
+                      <a:pPr algn="ctr"/>
+                      <a:r>
+                        <a:rPr lang="ru-RU" sz="2000"/>
+                        <a:t>10</a:t>
+                      </a:r>
+                    </a:p>
+                  </a:txBody>
+                  <a:tcPr anchor="ctr"/>
+                </a:tc>
+                <a:tc>
+                  <a:txBody>
+                    <a:bodyPr/>
+                    <a:lstStyle/>
+                    <a:p>
+                      <a:pPr algn="ctr"/>
+                      <a:r>
+                        <a:rPr lang="en-US" sz="2000"/>
+                        <a:t>Matlab</a:t>
+                      </a:r>
+                    </a:p>
+                  </a:txBody>
+                  <a:tcPr anchor="ctr"/>
+                </a:tc>
+                <a:tc>
+                  <a:txBody>
+                    <a:bodyPr/>
+                    <a:lstStyle/>
+                    <a:p>
+                      <a:pPr algn="ctr"/>
+                      <a:r>
+                        <a:rPr lang="ru-RU" sz="2000"/>
+                        <a:t>2.25 %</a:t>
+                      </a:r>
+                    </a:p>
+                  </a:txBody>
+                  <a:tcPr anchor="ctr"/>
+                </a:tc>
+                <a:tc>
+                  <a:txBody>
+                    <a:bodyPr/>
+                    <a:lstStyle/>
+                    <a:p>
+                      <a:pPr algn="ctr"/>
+                      <a:r>
+                        <a:rPr lang="ru-RU" sz="2000" dirty="0">
+                          <a:solidFill>
+                            <a:srgbClr val="FF0000"/>
+                          </a:solidFill>
+                        </a:rPr>
+                        <a:t>-0.3 %</a:t>
+                      </a:r>
+                    </a:p>
+                  </a:txBody>
+                  <a:tcPr anchor="ctr"/>
+                </a:tc>
+                <a:extLst>
+                  <a:ext uri="{0D108BD9-81ED-4DB2-BD59-A6C34878D82A}">
+                    <a16:rowId xmlns:a16="http://schemas.microsoft.com/office/drawing/2014/main" val="10009"/>
+                  </a:ext>
+                </a:extLst>
+              </a:tr>
+              <a:tr h="415899">
+                <a:tc>
+                  <a:txBody>
+                    <a:bodyPr/>
+                    <a:lstStyle/>
+                    <a:p>
+                      <a:pPr algn="ctr"/>
+                      <a:r>
+                        <a:rPr lang="ru-RU" sz="2000"/>
+                        <a:t>11</a:t>
+                      </a:r>
+                    </a:p>
+                  </a:txBody>
+                  <a:tcPr anchor="ctr"/>
+                </a:tc>
+                <a:tc>
+                  <a:txBody>
+                    <a:bodyPr/>
+                    <a:lstStyle/>
+                    <a:p>
+                      <a:pPr algn="ctr"/>
+                      <a:r>
+                        <a:rPr lang="en-US" sz="2000"/>
+                        <a:t>Ruby</a:t>
+                      </a:r>
+                    </a:p>
+                  </a:txBody>
+                  <a:tcPr anchor="ctr"/>
+                </a:tc>
+                <a:tc>
+                  <a:txBody>
+                    <a:bodyPr/>
+                    <a:lstStyle/>
+                    <a:p>
+                      <a:pPr algn="ctr"/>
+                      <a:r>
+                        <a:rPr lang="ru-RU" sz="2000"/>
+                        <a:t>1.59 %</a:t>
+                      </a:r>
+                    </a:p>
+                  </a:txBody>
+                  <a:tcPr anchor="ctr"/>
+                </a:tc>
+                <a:tc>
+                  <a:txBody>
+                    <a:bodyPr/>
+                    <a:lstStyle/>
+                    <a:p>
+                      <a:pPr algn="ctr"/>
+                      <a:r>
+                        <a:rPr lang="ru-RU" sz="2000" dirty="0">
+                          <a:solidFill>
+                            <a:srgbClr val="FF0000"/>
+                          </a:solidFill>
+                        </a:rPr>
+                        <a:t>-0.5 %</a:t>
+                      </a:r>
+                    </a:p>
+                  </a:txBody>
+                  <a:tcPr anchor="ctr"/>
+                </a:tc>
+                <a:extLst>
+                  <a:ext uri="{0D108BD9-81ED-4DB2-BD59-A6C34878D82A}">
+                    <a16:rowId xmlns:a16="http://schemas.microsoft.com/office/drawing/2014/main" val="10010"/>
+                  </a:ext>
+                </a:extLst>
+              </a:tr>
+            </a:tbl>
+          </a:graphicData>
+        </a:graphic>
+      </p:graphicFrame>
+      <p:sp>
+        <p:nvSpPr>
+          <p:cNvPr id="5" name="Rectangle 1"/>
+          <p:cNvSpPr>
+            <a:spLocks noChangeArrowheads="1"/>
+          </p:cNvSpPr>
+          <p:nvPr/>
+        </p:nvSpPr>
+        <p:spPr bwMode="auto">
+          <a:xfrm>
+            <a:off x="623392" y="881390"/>
+            <a:ext cx="6408712" cy="523220"/>
+          </a:xfrm>
+          <a:prstGeom prst="rect">
+            <a:avLst/>
+          </a:prstGeom>
+          <a:solidFill>
+            <a:srgbClr val="EEEEEE"/>
+          </a:solidFill>
+          <a:ln>
+            <a:noFill/>
+          </a:ln>
+          <a:effectLst/>
+          <a:extLst>
+            <a:ext uri="{91240B29-F687-4F45-9708-019B960494DF}">
+              <a14:hiddenLine xmlns:a14="http://schemas.microsoft.com/office/drawing/2010/main" w="9525">
+                <a:solidFill>
+                  <a:schemeClr val="tx1"/>
+                </a:solidFill>
+                <a:miter lim="800000"/>
+                <a:headEnd/>
+                <a:tailEnd/>
+              </a14:hiddenLine>
+            </a:ext>
+            <a:ext uri="{AF507438-7753-43E0-B8FC-AC1667EBCBE1}">
+              <a14:hiddenEffects xmlns:a14="http://schemas.microsoft.com/office/drawing/2010/main">
+                <a:effectLst>
+                  <a:outerShdw dist="35921" dir="2700000" algn="ctr" rotWithShape="0">
+                    <a:schemeClr val="bg2"/>
+                  </a:outerShdw>
+                </a:effectLst>
+              </a14:hiddenEffects>
+            </a:ext>
+          </a:extLst>
+        </p:spPr>
+        <p:txBody>
+          <a:bodyPr vert="horz" wrap="square" lIns="91440" tIns="45720" rIns="91440" bIns="45720" numCol="1" anchor="ctr" anchorCtr="0" compatLnSpc="1">
+            <a:prstTxWarp prst="textNoShape">
+              <a:avLst/>
+            </a:prstTxWarp>
+            <a:spAutoFit/>
+          </a:bodyPr>
+          <a:lstStyle>
+            <a:lvl1pPr eaLnBrk="0" fontAlgn="base" hangingPunct="0">
+              <a:spcBef>
+                <a:spcPct val="0"/>
+              </a:spcBef>
+              <a:spcAft>
+                <a:spcPct val="0"/>
+              </a:spcAft>
+              <a:defRPr>
+                <a:solidFill>
+                  <a:schemeClr val="tx1"/>
+                </a:solidFill>
+                <a:latin typeface="Arial" panose="020B0604020202020204" pitchFamily="34" charset="0"/>
+              </a:defRPr>
+            </a:lvl1pPr>
+            <a:lvl2pPr eaLnBrk="0" fontAlgn="base" hangingPunct="0">
+              <a:spcBef>
+                <a:spcPct val="0"/>
+              </a:spcBef>
+              <a:spcAft>
+                <a:spcPct val="0"/>
+              </a:spcAft>
+              <a:defRPr>
+                <a:solidFill>
+                  <a:schemeClr val="tx1"/>
+                </a:solidFill>
+                <a:latin typeface="Arial" panose="020B0604020202020204" pitchFamily="34" charset="0"/>
+              </a:defRPr>
+            </a:lvl2pPr>
+            <a:lvl3pPr eaLnBrk="0" fontAlgn="base" hangingPunct="0">
+              <a:spcBef>
+                <a:spcPct val="0"/>
+              </a:spcBef>
+              <a:spcAft>
+                <a:spcPct val="0"/>
+              </a:spcAft>
+              <a:defRPr>
+                <a:solidFill>
+                  <a:schemeClr val="tx1"/>
+                </a:solidFill>
+                <a:latin typeface="Arial" panose="020B0604020202020204" pitchFamily="34" charset="0"/>
+              </a:defRPr>
+            </a:lvl3pPr>
+            <a:lvl4pPr eaLnBrk="0" fontAlgn="base" hangingPunct="0">
+              <a:spcBef>
+                <a:spcPct val="0"/>
+              </a:spcBef>
+              <a:spcAft>
+                <a:spcPct val="0"/>
+              </a:spcAft>
+              <a:defRPr>
+                <a:solidFill>
+                  <a:schemeClr val="tx1"/>
+                </a:solidFill>
+                <a:latin typeface="Arial" panose="020B0604020202020204" pitchFamily="34" charset="0"/>
+              </a:defRPr>
+            </a:lvl4pPr>
+            <a:lvl5pPr eaLnBrk="0" fontAlgn="base" hangingPunct="0">
+              <a:spcBef>
+                <a:spcPct val="0"/>
+              </a:spcBef>
+              <a:spcAft>
+                <a:spcPct val="0"/>
+              </a:spcAft>
+              <a:defRPr>
+                <a:solidFill>
+                  <a:schemeClr val="tx1"/>
+                </a:solidFill>
+                <a:latin typeface="Arial" panose="020B0604020202020204" pitchFamily="34" charset="0"/>
+              </a:defRPr>
+            </a:lvl5pPr>
+            <a:lvl6pPr eaLnBrk="0" fontAlgn="base" hangingPunct="0">
+              <a:spcBef>
+                <a:spcPct val="0"/>
+              </a:spcBef>
+              <a:spcAft>
+                <a:spcPct val="0"/>
+              </a:spcAft>
+              <a:defRPr>
+                <a:solidFill>
+                  <a:schemeClr val="tx1"/>
+                </a:solidFill>
+                <a:latin typeface="Arial" panose="020B0604020202020204" pitchFamily="34" charset="0"/>
+              </a:defRPr>
+            </a:lvl6pPr>
+            <a:lvl7pPr eaLnBrk="0" fontAlgn="base" hangingPunct="0">
+              <a:spcBef>
+                <a:spcPct val="0"/>
+              </a:spcBef>
+              <a:spcAft>
+                <a:spcPct val="0"/>
+              </a:spcAft>
+              <a:defRPr>
+                <a:solidFill>
+                  <a:schemeClr val="tx1"/>
+                </a:solidFill>
+                <a:latin typeface="Arial" panose="020B0604020202020204" pitchFamily="34" charset="0"/>
+              </a:defRPr>
+            </a:lvl7pPr>
+            <a:lvl8pPr eaLnBrk="0" fontAlgn="base" hangingPunct="0">
+              <a:spcBef>
+                <a:spcPct val="0"/>
+              </a:spcBef>
+              <a:spcAft>
+                <a:spcPct val="0"/>
+              </a:spcAft>
+              <a:defRPr>
+                <a:solidFill>
+                  <a:schemeClr val="tx1"/>
+                </a:solidFill>
+                <a:latin typeface="Arial" panose="020B0604020202020204" pitchFamily="34" charset="0"/>
+              </a:defRPr>
+            </a:lvl8pPr>
+            <a:lvl9pPr eaLnBrk="0" fontAlgn="base" hangingPunct="0">
+              <a:spcBef>
+                <a:spcPct val="0"/>
+              </a:spcBef>
+              <a:spcAft>
+                <a:spcPct val="0"/>
+              </a:spcAft>
+              <a:defRPr>
+                <a:solidFill>
+                  <a:schemeClr val="tx1"/>
+                </a:solidFill>
+                <a:latin typeface="Arial" panose="020B0604020202020204" pitchFamily="34" charset="0"/>
+              </a:defRPr>
+            </a:lvl9pPr>
+          </a:lstStyle>
+          <a:p>
+            <a:pPr lvl="0"/>
+            <a:r>
+              <a:rPr lang="en-US" sz="1400" b="1" dirty="0"/>
+              <a:t>Worldwide</a:t>
+            </a:r>
+            <a:r>
+              <a:rPr lang="en-US" sz="1400" dirty="0"/>
+              <a:t>, Jul 2018 compared to a year </a:t>
+            </a:r>
+            <a:r>
+              <a:rPr lang="en-US" sz="1400" dirty="0" smtClean="0"/>
+              <a:t>ago</a:t>
+            </a:r>
+            <a:r>
+              <a:rPr kumimoji="0" lang="ru-RU" sz="1400" b="0" i="0" u="none" strike="noStrike" cap="none" normalizeH="0" baseline="0" dirty="0" smtClean="0">
+                <a:ln>
+                  <a:noFill/>
+                </a:ln>
+                <a:solidFill>
+                  <a:srgbClr val="333333"/>
+                </a:solidFill>
+                <a:effectLst/>
+                <a:latin typeface="Helvetica Neue"/>
+              </a:rPr>
+              <a:t>:</a:t>
+            </a:r>
+            <a:endParaRPr kumimoji="0" lang="ru-RU" sz="1400" b="0" i="0" u="none" strike="noStrike" cap="none" normalizeH="0" baseline="0" dirty="0" smtClean="0">
+              <a:ln>
+                <a:noFill/>
+              </a:ln>
+              <a:solidFill>
+                <a:schemeClr val="tx1"/>
+              </a:solidFill>
+              <a:effectLst/>
+            </a:endParaRPr>
+          </a:p>
+          <a:p>
+            <a:pPr marL="0" marR="0" lvl="0" indent="0" algn="l" defTabSz="914400" rtl="0" eaLnBrk="0" fontAlgn="base" latinLnBrk="0" hangingPunct="0">
+              <a:lnSpc>
+                <a:spcPct val="100000"/>
+              </a:lnSpc>
+              <a:spcBef>
+                <a:spcPct val="0"/>
+              </a:spcBef>
+              <a:spcAft>
+                <a:spcPct val="0"/>
+              </a:spcAft>
+              <a:buClrTx/>
+              <a:buSzTx/>
+              <a:buFontTx/>
+              <a:buNone/>
+              <a:tabLst/>
+            </a:pPr>
+            <a:r>
+              <a:rPr kumimoji="0" lang="ru-RU" sz="1400" b="0" i="0" u="none" strike="noStrike" cap="none" normalizeH="0" baseline="0" dirty="0" smtClean="0">
+                <a:ln>
+                  <a:noFill/>
+                </a:ln>
+                <a:solidFill>
+                  <a:srgbClr val="333333"/>
+                </a:solidFill>
+                <a:effectLst/>
+                <a:latin typeface="Helvetica Neue"/>
+              </a:rPr>
+              <a:t> </a:t>
+            </a:r>
+            <a:r>
+              <a:rPr kumimoji="0" lang="ru-RU" sz="1200" b="0" i="0" u="none" strike="noStrike" cap="none" normalizeH="0" baseline="0" dirty="0" smtClean="0">
+                <a:ln>
+                  <a:noFill/>
+                </a:ln>
+                <a:solidFill>
+                  <a:srgbClr val="333333"/>
+                </a:solidFill>
+                <a:effectLst/>
+                <a:latin typeface="Helvetica Neue"/>
+              </a:rPr>
+              <a:t>  </a:t>
+            </a:r>
+            <a:r>
+              <a:rPr kumimoji="0" lang="ru-RU" sz="1400" b="0" i="0" u="none" strike="noStrike" cap="none" normalizeH="0" baseline="0" dirty="0" smtClean="0">
+                <a:ln>
+                  <a:noFill/>
+                </a:ln>
+                <a:solidFill>
+                  <a:srgbClr val="333333"/>
+                </a:solidFill>
+                <a:effectLst/>
+                <a:latin typeface="Helvetica Neue"/>
+              </a:rPr>
+              <a:t>  </a:t>
+            </a:r>
+          </a:p>
+        </p:txBody>
+      </p:sp>
+      <p:sp>
+        <p:nvSpPr>
+          <p:cNvPr id="6" name="Прямоугольник 5"/>
+          <p:cNvSpPr/>
+          <p:nvPr/>
+        </p:nvSpPr>
+        <p:spPr>
+          <a:xfrm>
+            <a:off x="8040216" y="958334"/>
+            <a:ext cx="3195747" cy="369332"/>
+          </a:xfrm>
+          <a:prstGeom prst="rect">
+            <a:avLst/>
+          </a:prstGeom>
+        </p:spPr>
+        <p:txBody>
+          <a:bodyPr wrap="none">
+            <a:spAutoFit/>
           </a:bodyPr>
           <a:lstStyle/>
           <a:p>
             <a:r>
+              <a:rPr lang="en-US" dirty="0">
+                <a:hlinkClick r:id="rId2"/>
+              </a:rPr>
+              <a:t>http://</a:t>
+            </a:r>
+            <a:r>
+              <a:rPr lang="en-US" dirty="0" smtClean="0">
+                <a:hlinkClick r:id="rId2"/>
+              </a:rPr>
+              <a:t>pypl.github.io/PYPL.html</a:t>
+            </a:r>
+            <a:r>
               <a:rPr lang="ru-RU" dirty="0" smtClean="0"/>
-              <a:t>За последние 5 лет </a:t>
-            </a:r>
-            <a:r>
-              <a:rPr lang="en-US" dirty="0" smtClean="0"/>
-              <a:t>Python </a:t>
-            </a:r>
-            <a:r>
-              <a:rPr lang="ru-RU" dirty="0" smtClean="0"/>
-              <a:t/>
-            </a:r>
-            <a:br>
-              <a:rPr lang="ru-RU" dirty="0" smtClean="0"/>
-            </a:br>
-            <a:r>
-              <a:rPr lang="ru-RU" dirty="0" smtClean="0"/>
-              <a:t>стал популярнее на 9,5%</a:t>
-            </a:r>
-            <a:r>
-              <a:rPr lang="en-US" dirty="0" smtClean="0"/>
               <a:t> </a:t>
             </a:r>
             <a:endParaRPr lang="ru-RU" dirty="0"/>
           </a:p>
         </p:txBody>
       </p:sp>
-      <p:pic>
-        <p:nvPicPr>
-          <p:cNvPr id="4" name="Объект 3" descr="PYPL PopularitY of Programming Language index - Google Chrome"/>
-          <p:cNvPicPr>
-            <a:picLocks noGrp="1" noChangeAspect="1"/>
-          </p:cNvPicPr>
-          <p:nvPr>
-            <p:ph idx="1"/>
-          </p:nvPr>
-        </p:nvPicPr>
-        <p:blipFill rotWithShape="1">
-          <a:blip r:embed="rId2">
-            <a:extLst>
-              <a:ext uri="{28A0092B-C50C-407E-A947-70E740481C1C}">
-                <a14:useLocalDpi xmlns:a14="http://schemas.microsoft.com/office/drawing/2010/main" val="0"/>
-              </a:ext>
-            </a:extLst>
-          </a:blip>
-          <a:srcRect l="26069" t="19724" r="21283" b="19818"/>
-          <a:stretch/>
-        </p:blipFill>
-        <p:spPr>
-          <a:xfrm>
-            <a:off x="2567608" y="1628800"/>
-            <a:ext cx="7704856" cy="5024851"/>
-          </a:xfrm>
-        </p:spPr>
-      </p:pic>
     </p:spTree>
     <p:extLst>
       <p:ext uri="{BB962C8B-B14F-4D97-AF65-F5344CB8AC3E}">
-        <p14:creationId xmlns:p14="http://schemas.microsoft.com/office/powerpoint/2010/main" val="3970657529"/>
+        <p14:creationId xmlns:p14="http://schemas.microsoft.com/office/powerpoint/2010/main" val="116258814"/>
       </p:ext>
     </p:extLst>
   </p:cSld>
@@ -13534,7 +15533,7 @@
                             </p:stCondLst>
                             <p:childTnLst>
                               <p:par>
-                                <p:cTn id="5" presetID="53" presetClass="entr" presetSubtype="16" fill="hold" nodeType="clickEffect">
+                                <p:cTn id="5" presetID="1" presetClass="entr" presetSubtype="0" fill="hold" nodeType="clickEffect">
                                   <p:stCondLst>
                                     <p:cond delay="0"/>
                                   </p:stCondLst>
@@ -13557,60 +15556,6 @@
                                         <p:strVal val="visible"/>
                                       </p:to>
                                     </p:set>
-                                    <p:anim calcmode="lin" valueType="num">
-                                      <p:cBhvr>
-                                        <p:cTn id="7" dur="500" fill="hold"/>
-                                        <p:tgtEl>
-                                          <p:spTgt spid="4"/>
-                                        </p:tgtEl>
-                                        <p:attrNameLst>
-                                          <p:attrName>ppt_w</p:attrName>
-                                        </p:attrNameLst>
-                                      </p:cBhvr>
-                                      <p:tavLst>
-                                        <p:tav tm="0">
-                                          <p:val>
-                                            <p:fltVal val="0"/>
-                                          </p:val>
-                                        </p:tav>
-                                        <p:tav tm="100000">
-                                          <p:val>
-                                            <p:strVal val="#ppt_w"/>
-                                          </p:val>
-                                        </p:tav>
-                                      </p:tavLst>
-                                    </p:anim>
-                                    <p:anim calcmode="lin" valueType="num">
-                                      <p:cBhvr>
-                                        <p:cTn id="8" dur="500" fill="hold"/>
-                                        <p:tgtEl>
-                                          <p:spTgt spid="4"/>
-                                        </p:tgtEl>
-                                        <p:attrNameLst>
-                                          <p:attrName>ppt_h</p:attrName>
-                                        </p:attrNameLst>
-                                      </p:cBhvr>
-                                      <p:tavLst>
-                                        <p:tav tm="0">
-                                          <p:val>
-                                            <p:fltVal val="0"/>
-                                          </p:val>
-                                        </p:tav>
-                                        <p:tav tm="100000">
-                                          <p:val>
-                                            <p:strVal val="#ppt_h"/>
-                                          </p:val>
-                                        </p:tav>
-                                      </p:tavLst>
-                                    </p:anim>
-                                    <p:animEffect transition="in" filter="fade">
-                                      <p:cBhvr>
-                                        <p:cTn id="9" dur="500"/>
-                                        <p:tgtEl>
-                                          <p:spTgt spid="4"/>
-                                        </p:tgtEl>
-                                      </p:cBhvr>
-                                    </p:animEffect>
                                   </p:childTnLst>
                                 </p:cTn>
                               </p:par>
@@ -13675,6 +15620,136 @@
         <p:spPr/>
         <p:txBody>
           <a:bodyPr>
+            <a:normAutofit fontScale="90000"/>
+          </a:bodyPr>
+          <a:lstStyle/>
+          <a:p>
+            <a:r>
+              <a:rPr lang="ru-RU" dirty="0" smtClean="0"/>
+              <a:t>За последние 5 лет </a:t>
+            </a:r>
+            <a:r>
+              <a:rPr lang="en-US" dirty="0" smtClean="0"/>
+              <a:t>Python </a:t>
+            </a:r>
+            <a:r>
+              <a:rPr lang="ru-RU" dirty="0" smtClean="0"/>
+              <a:t/>
+            </a:r>
+            <a:br>
+              <a:rPr lang="ru-RU" dirty="0" smtClean="0"/>
+            </a:br>
+            <a:r>
+              <a:rPr lang="ru-RU" dirty="0" smtClean="0"/>
+              <a:t>стал популярнее на </a:t>
+            </a:r>
+            <a:r>
+              <a:rPr lang="ru-RU" dirty="0" smtClean="0"/>
+              <a:t>13,7%</a:t>
+            </a:r>
+            <a:r>
+              <a:rPr lang="en-US" dirty="0" smtClean="0"/>
+              <a:t>, </a:t>
+            </a:r>
+            <a:r>
+              <a:rPr lang="ru-RU" dirty="0" smtClean="0"/>
+              <a:t>а </a:t>
+            </a:r>
+            <a:r>
+              <a:rPr lang="en-US" dirty="0" smtClean="0"/>
+              <a:t>PHP </a:t>
+            </a:r>
+            <a:r>
+              <a:rPr lang="ru-RU" dirty="0" smtClean="0"/>
+              <a:t>потерял 6,7%</a:t>
+            </a:r>
+            <a:r>
+              <a:rPr lang="en-US" dirty="0" smtClean="0"/>
+              <a:t> </a:t>
+            </a:r>
+            <a:endParaRPr lang="ru-RU" dirty="0"/>
+          </a:p>
+        </p:txBody>
+      </p:sp>
+      <p:pic>
+        <p:nvPicPr>
+          <p:cNvPr id="5" name="Content Placeholder 4" descr="Screen Clipping"/>
+          <p:cNvPicPr>
+            <a:picLocks noGrp="1" noChangeAspect="1"/>
+          </p:cNvPicPr>
+          <p:nvPr>
+            <p:ph idx="1"/>
+          </p:nvPr>
+        </p:nvPicPr>
+        <p:blipFill>
+          <a:blip r:embed="rId2">
+            <a:extLst>
+              <a:ext uri="{28A0092B-C50C-407E-A947-70E740481C1C}">
+                <a14:useLocalDpi xmlns:a14="http://schemas.microsoft.com/office/drawing/2010/main" val="0"/>
+              </a:ext>
+            </a:extLst>
+          </a:blip>
+          <a:stretch>
+            <a:fillRect/>
+          </a:stretch>
+        </p:blipFill>
+        <p:spPr>
+          <a:xfrm>
+            <a:off x="1429968" y="1600200"/>
+            <a:ext cx="9332063" cy="4525963"/>
+          </a:xfrm>
+        </p:spPr>
+      </p:pic>
+    </p:spTree>
+    <p:extLst>
+      <p:ext uri="{BB962C8B-B14F-4D97-AF65-F5344CB8AC3E}">
+        <p14:creationId xmlns:p14="http://schemas.microsoft.com/office/powerpoint/2010/main" val="3970657529"/>
+      </p:ext>
+    </p:extLst>
+  </p:cSld>
+  <p:clrMapOvr>
+    <a:masterClrMapping/>
+  </p:clrMapOvr>
+  <p:timing>
+    <p:tnLst>
+      <p:par>
+        <p:cTn id="1" dur="indefinite" restart="never" nodeType="tmRoot"/>
+      </p:par>
+    </p:tnLst>
+  </p:timing>
+</p:sld>
+</file>
+
+<file path=ppt/slides/slide8.xml><?xml version="1.0" encoding="utf-8"?>
+<p:sld xmlns:a="http://schemas.openxmlformats.org/drawingml/2006/main" xmlns:r="http://schemas.openxmlformats.org/officeDocument/2006/relationships" xmlns:p="http://schemas.openxmlformats.org/presentationml/2006/main">
+  <p:cSld>
+    <p:spTree>
+      <p:nvGrpSpPr>
+        <p:cNvPr id="1" name=""/>
+        <p:cNvGrpSpPr/>
+        <p:nvPr/>
+      </p:nvGrpSpPr>
+      <p:grpSpPr>
+        <a:xfrm>
+          <a:off x="0" y="0"/>
+          <a:ext cx="0" cy="0"/>
+          <a:chOff x="0" y="0"/>
+          <a:chExt cx="0" cy="0"/>
+        </a:xfrm>
+      </p:grpSpPr>
+      <p:sp>
+        <p:nvSpPr>
+          <p:cNvPr id="2" name="Заголовок 1"/>
+          <p:cNvSpPr>
+            <a:spLocks noGrp="1"/>
+          </p:cNvSpPr>
+          <p:nvPr>
+            <p:ph type="title"/>
+          </p:nvPr>
+        </p:nvSpPr>
+        <p:spPr/>
+        <p:txBody>
+          <a:bodyPr>
             <a:normAutofit/>
           </a:bodyPr>
           <a:lstStyle/>
@@ -13706,7 +15781,7 @@
           <a:bodyPr/>
           <a:lstStyle/>
           <a:p>
-            <a:endParaRPr lang="ru-RU"/>
+            <a:endParaRPr lang="ru-RU" dirty="0"/>
           </a:p>
         </p:txBody>
       </p:sp>
@@ -13956,591 +16031,6 @@
 </p:sld>
 </file>
 
-<file path=ppt/slides/slide8.xml><?xml version="1.0" encoding="utf-8"?>
-<p:sld xmlns:a="http://schemas.openxmlformats.org/drawingml/2006/main" xmlns:r="http://schemas.openxmlformats.org/officeDocument/2006/relationships" xmlns:p="http://schemas.openxmlformats.org/presentationml/2006/main">
-  <p:cSld>
-    <p:spTree>
-      <p:nvGrpSpPr>
-        <p:cNvPr id="1" name=""/>
-        <p:cNvGrpSpPr/>
-        <p:nvPr/>
-      </p:nvGrpSpPr>
-      <p:grpSpPr>
-        <a:xfrm>
-          <a:off x="0" y="0"/>
-          <a:ext cx="0" cy="0"/>
-          <a:chOff x="0" y="0"/>
-          <a:chExt cx="0" cy="0"/>
-        </a:xfrm>
-      </p:grpSpPr>
-      <p:sp>
-        <p:nvSpPr>
-          <p:cNvPr id="2" name="Заголовок 1"/>
-          <p:cNvSpPr>
-            <a:spLocks noGrp="1"/>
-          </p:cNvSpPr>
-          <p:nvPr>
-            <p:ph type="title"/>
-          </p:nvPr>
-        </p:nvSpPr>
-        <p:spPr/>
-        <p:txBody>
-          <a:bodyPr>
-            <a:normAutofit/>
-          </a:bodyPr>
-          <a:lstStyle/>
-          <a:p>
-            <a:r>
-              <a:rPr lang="ru-RU" dirty="0" smtClean="0"/>
-              <a:t>Автор </a:t>
-            </a:r>
-            <a:r>
-              <a:rPr lang="en-US" dirty="0" smtClean="0"/>
-              <a:t>Python</a:t>
-            </a:r>
-            <a:endParaRPr lang="ru-RU" dirty="0"/>
-          </a:p>
-        </p:txBody>
-      </p:sp>
-      <p:sp>
-        <p:nvSpPr>
-          <p:cNvPr id="3" name="Объект 2"/>
-          <p:cNvSpPr>
-            <a:spLocks noGrp="1"/>
-          </p:cNvSpPr>
-          <p:nvPr>
-            <p:ph idx="1"/>
-          </p:nvPr>
-        </p:nvSpPr>
-        <p:spPr>
-          <a:xfrm>
-            <a:off x="479376" y="1268760"/>
-            <a:ext cx="9289032" cy="5472608"/>
-          </a:xfrm>
-        </p:spPr>
-        <p:txBody>
-          <a:bodyPr>
-            <a:noAutofit/>
-          </a:bodyPr>
-          <a:lstStyle/>
-          <a:p>
-            <a:pPr marL="0" indent="0">
-              <a:buNone/>
-            </a:pPr>
-            <a:r>
-              <a:rPr lang="ru-RU" sz="2600" dirty="0"/>
-              <a:t>Гвидо </a:t>
-            </a:r>
-            <a:r>
-              <a:rPr lang="ru-RU" sz="2600" dirty="0" err="1"/>
-              <a:t>ван</a:t>
-            </a:r>
-            <a:r>
-              <a:rPr lang="ru-RU" sz="2600" dirty="0"/>
-              <a:t> </a:t>
-            </a:r>
-            <a:r>
-              <a:rPr lang="ru-RU" sz="2600" dirty="0" err="1"/>
-              <a:t>Россум</a:t>
-            </a:r>
-            <a:r>
-              <a:rPr lang="ru-RU" sz="2600" dirty="0"/>
-              <a:t> — нидерландский программист, автор языка программирования </a:t>
-            </a:r>
-            <a:r>
-              <a:rPr lang="ru-RU" sz="2600" dirty="0" err="1"/>
-              <a:t>Python</a:t>
-            </a:r>
-            <a:r>
-              <a:rPr lang="ru-RU" sz="2600" dirty="0"/>
-              <a:t>. Среди разработчиков </a:t>
-            </a:r>
-            <a:r>
-              <a:rPr lang="ru-RU" sz="2600" dirty="0" err="1"/>
-              <a:t>Python</a:t>
-            </a:r>
-            <a:r>
-              <a:rPr lang="ru-RU" sz="2600" dirty="0"/>
-              <a:t> Гвидо известен как «великодушный пожизненный диктатор» (BDFL) проекта, это означает, что он продолжает наблюдать за процессом разработки </a:t>
-            </a:r>
-            <a:r>
-              <a:rPr lang="ru-RU" sz="2600" dirty="0" err="1"/>
-              <a:t>Python</a:t>
-            </a:r>
-            <a:r>
-              <a:rPr lang="ru-RU" sz="2600" dirty="0"/>
-              <a:t>, принимая окончательные решения, когда это необходимо.</a:t>
-            </a:r>
-          </a:p>
-          <a:p>
-            <a:pPr marL="0" indent="0">
-              <a:buNone/>
-            </a:pPr>
-            <a:r>
-              <a:rPr lang="ru-RU" sz="2600" dirty="0" smtClean="0"/>
-              <a:t>До </a:t>
-            </a:r>
-            <a:r>
-              <a:rPr lang="ru-RU" sz="2600" dirty="0"/>
-              <a:t>разработки </a:t>
-            </a:r>
-            <a:r>
-              <a:rPr lang="ru-RU" sz="2600" dirty="0" err="1"/>
-              <a:t>Python</a:t>
-            </a:r>
-            <a:r>
-              <a:rPr lang="ru-RU" sz="2600" dirty="0"/>
-              <a:t> участвовал в проекте по написанию языка для обучения программированию — ABC. Лауреат «</a:t>
-            </a:r>
-            <a:r>
-              <a:rPr lang="ru-RU" sz="2600" dirty="0" err="1"/>
-              <a:t>Free</a:t>
-            </a:r>
-            <a:r>
-              <a:rPr lang="ru-RU" sz="2600" dirty="0"/>
-              <a:t> </a:t>
-            </a:r>
-            <a:r>
-              <a:rPr lang="ru-RU" sz="2600" dirty="0" err="1"/>
-              <a:t>Software</a:t>
-            </a:r>
-            <a:r>
-              <a:rPr lang="ru-RU" sz="2600" dirty="0"/>
-              <a:t> </a:t>
-            </a:r>
-            <a:r>
-              <a:rPr lang="ru-RU" sz="2600" dirty="0" err="1"/>
-              <a:t>Award</a:t>
-            </a:r>
-            <a:r>
-              <a:rPr lang="ru-RU" sz="2600" dirty="0"/>
-              <a:t>» 2001 года.</a:t>
-            </a:r>
-          </a:p>
-          <a:p>
-            <a:pPr marL="0" indent="0">
-              <a:buNone/>
-            </a:pPr>
-            <a:r>
-              <a:rPr lang="ru-RU" sz="2600" dirty="0" smtClean="0"/>
-              <a:t>Сейчас </a:t>
-            </a:r>
-            <a:r>
-              <a:rPr lang="ru-RU" sz="2600" dirty="0"/>
-              <a:t>работает в компании </a:t>
-            </a:r>
-            <a:r>
-              <a:rPr lang="ru-RU" sz="2600" dirty="0" err="1"/>
-              <a:t>Dropbox</a:t>
-            </a:r>
-            <a:r>
-              <a:rPr lang="ru-RU" sz="2600" dirty="0"/>
-              <a:t> </a:t>
-            </a:r>
-            <a:r>
-              <a:rPr lang="ru-RU" sz="2600" dirty="0" err="1"/>
-              <a:t>Inc</a:t>
-            </a:r>
-            <a:r>
-              <a:rPr lang="ru-RU" sz="2600" dirty="0"/>
-              <a:t>, покинув в декабре 2012 года корпорацию </a:t>
-            </a:r>
-            <a:r>
-              <a:rPr lang="ru-RU" sz="2600" dirty="0" err="1"/>
-              <a:t>Google</a:t>
-            </a:r>
-            <a:r>
-              <a:rPr lang="ru-RU" sz="2600" dirty="0"/>
-              <a:t>.</a:t>
-            </a:r>
-            <a:endParaRPr lang="en-US" sz="2600" dirty="0"/>
-          </a:p>
-          <a:p>
-            <a:pPr marL="0" indent="0">
-              <a:buNone/>
-            </a:pPr>
-            <a:endParaRPr lang="en-US" sz="2600" dirty="0"/>
-          </a:p>
-          <a:p>
-            <a:pPr marL="0" indent="0">
-              <a:buNone/>
-            </a:pPr>
-            <a:r>
-              <a:rPr lang="en-US" sz="2600" dirty="0">
-                <a:hlinkClick r:id="rId2"/>
-              </a:rPr>
-              <a:t>https://www.python.org/~guido/</a:t>
-            </a:r>
-            <a:r>
-              <a:rPr lang="en-US" sz="2600" dirty="0"/>
-              <a:t> </a:t>
-            </a:r>
-            <a:endParaRPr lang="ru-RU" sz="2600" dirty="0"/>
-          </a:p>
-        </p:txBody>
-      </p:sp>
-      <p:sp>
-        <p:nvSpPr>
-          <p:cNvPr id="4" name="AutoShape 4" descr="https://www.python.org/~guido/images/IMG_2192.jpg"/>
-          <p:cNvSpPr>
-            <a:spLocks noChangeAspect="1" noChangeArrowheads="1"/>
-          </p:cNvSpPr>
-          <p:nvPr/>
-        </p:nvSpPr>
-        <p:spPr bwMode="auto">
-          <a:xfrm>
-            <a:off x="1679575" y="-144463"/>
-            <a:ext cx="304800" cy="304801"/>
-          </a:xfrm>
-          <a:prstGeom prst="rect">
-            <a:avLst/>
-          </a:prstGeom>
-          <a:noFill/>
-          <a:extLst>
-            <a:ext uri="{909E8E84-426E-40DD-AFC4-6F175D3DCCD1}">
-              <a14:hiddenFill xmlns:a14="http://schemas.microsoft.com/office/drawing/2010/main">
-                <a:solidFill>
-                  <a:srgbClr val="FFFFFF"/>
-                </a:solidFill>
-              </a14:hiddenFill>
-            </a:ext>
-          </a:extLst>
-        </p:spPr>
-        <p:txBody>
-          <a:bodyPr vert="horz" wrap="square" lIns="91440" tIns="45720" rIns="91440" bIns="45720" numCol="1" anchor="t" anchorCtr="0" compatLnSpc="1">
-            <a:prstTxWarp prst="textNoShape">
-              <a:avLst/>
-            </a:prstTxWarp>
-          </a:bodyPr>
-          <a:lstStyle/>
-          <a:p>
-            <a:endParaRPr lang="ru-RU"/>
-          </a:p>
-        </p:txBody>
-      </p:sp>
-      <p:pic>
-        <p:nvPicPr>
-          <p:cNvPr id="1029" name="Picture 5"/>
-          <p:cNvPicPr>
-            <a:picLocks noChangeAspect="1" noChangeArrowheads="1"/>
-          </p:cNvPicPr>
-          <p:nvPr/>
-        </p:nvPicPr>
-        <p:blipFill>
-          <a:blip r:embed="rId3">
-            <a:extLst>
-              <a:ext uri="{28A0092B-C50C-407E-A947-70E740481C1C}">
-                <a14:useLocalDpi xmlns:a14="http://schemas.microsoft.com/office/drawing/2010/main" val="0"/>
-              </a:ext>
-            </a:extLst>
-          </a:blip>
-          <a:srcRect/>
-          <a:stretch>
-            <a:fillRect/>
-          </a:stretch>
-        </p:blipFill>
-        <p:spPr bwMode="auto">
-          <a:xfrm>
-            <a:off x="9768408" y="1268760"/>
-            <a:ext cx="1813992" cy="2731916"/>
-          </a:xfrm>
-          <a:prstGeom prst="rect">
-            <a:avLst/>
-          </a:prstGeom>
-          <a:noFill/>
-          <a:ln>
-            <a:noFill/>
-          </a:ln>
-          <a:extLst>
-            <a:ext uri="{909E8E84-426E-40DD-AFC4-6F175D3DCCD1}">
-              <a14:hiddenFill xmlns:a14="http://schemas.microsoft.com/office/drawing/2010/main">
-                <a:solidFill>
-                  <a:schemeClr val="accent1"/>
-                </a:solidFill>
-              </a14:hiddenFill>
-            </a:ext>
-            <a:ext uri="{91240B29-F687-4F45-9708-019B960494DF}">
-              <a14:hiddenLine xmlns:a14="http://schemas.microsoft.com/office/drawing/2010/main" w="9525">
-                <a:solidFill>
-                  <a:schemeClr val="tx1"/>
-                </a:solidFill>
-                <a:miter lim="800000"/>
-                <a:headEnd/>
-                <a:tailEnd/>
-              </a14:hiddenLine>
-            </a:ext>
-          </a:extLst>
-        </p:spPr>
-      </p:pic>
-    </p:spTree>
-    <p:extLst>
-      <p:ext uri="{BB962C8B-B14F-4D97-AF65-F5344CB8AC3E}">
-        <p14:creationId xmlns:p14="http://schemas.microsoft.com/office/powerpoint/2010/main" val="1378299104"/>
-      </p:ext>
-    </p:extLst>
-  </p:cSld>
-  <p:clrMapOvr>
-    <a:masterClrMapping/>
-  </p:clrMapOvr>
-  <p:timing>
-    <p:tnLst>
-      <p:par>
-        <p:cTn id="1" dur="indefinite" restart="never" nodeType="tmRoot">
-          <p:childTnLst>
-            <p:seq concurrent="1" nextAc="seek">
-              <p:cTn id="2" dur="indefinite" nodeType="mainSeq">
-                <p:childTnLst>
-                  <p:par>
-                    <p:cTn id="3" fill="hold">
-                      <p:stCondLst>
-                        <p:cond delay="indefinite"/>
-                      </p:stCondLst>
-                      <p:childTnLst>
-                        <p:par>
-                          <p:cTn id="4" fill="hold">
-                            <p:stCondLst>
-                              <p:cond delay="0"/>
-                            </p:stCondLst>
-                            <p:childTnLst>
-                              <p:par>
-                                <p:cTn id="5" presetID="1" presetClass="entr" presetSubtype="0" fill="hold" grpId="0" nodeType="clickEffect">
-                                  <p:stCondLst>
-                                    <p:cond delay="0"/>
-                                  </p:stCondLst>
-                                  <p:childTnLst>
-                                    <p:set>
-                                      <p:cBhvr>
-                                        <p:cTn id="6" dur="1" fill="hold">
-                                          <p:stCondLst>
-                                            <p:cond delay="0"/>
-                                          </p:stCondLst>
-                                        </p:cTn>
-                                        <p:tgtEl>
-                                          <p:spTgt spid="3">
-                                            <p:txEl>
-                                              <p:pRg st="0" end="0"/>
-                                            </p:txEl>
-                                          </p:spTgt>
-                                        </p:tgtEl>
-                                        <p:attrNameLst>
-                                          <p:attrName>style.visibility</p:attrName>
-                                        </p:attrNameLst>
-                                      </p:cBhvr>
-                                      <p:to>
-                                        <p:strVal val="visible"/>
-                                      </p:to>
-                                    </p:set>
-                                  </p:childTnLst>
-                                </p:cTn>
-                              </p:par>
-                            </p:childTnLst>
-                          </p:cTn>
-                        </p:par>
-                      </p:childTnLst>
-                    </p:cTn>
-                  </p:par>
-                  <p:par>
-                    <p:cTn id="7" fill="hold">
-                      <p:stCondLst>
-                        <p:cond delay="indefinite"/>
-                      </p:stCondLst>
-                      <p:childTnLst>
-                        <p:par>
-                          <p:cTn id="8" fill="hold">
-                            <p:stCondLst>
-                              <p:cond delay="0"/>
-                            </p:stCondLst>
-                            <p:childTnLst>
-                              <p:par>
-                                <p:cTn id="9" presetID="1" presetClass="entr" presetSubtype="0" fill="hold" grpId="0" nodeType="clickEffect">
-                                  <p:stCondLst>
-                                    <p:cond delay="0"/>
-                                  </p:stCondLst>
-                                  <p:childTnLst>
-                                    <p:set>
-                                      <p:cBhvr>
-                                        <p:cTn id="10" dur="1" fill="hold">
-                                          <p:stCondLst>
-                                            <p:cond delay="0"/>
-                                          </p:stCondLst>
-                                        </p:cTn>
-                                        <p:tgtEl>
-                                          <p:spTgt spid="3">
-                                            <p:txEl>
-                                              <p:pRg st="4" end="4"/>
-                                            </p:txEl>
-                                          </p:spTgt>
-                                        </p:tgtEl>
-                                        <p:attrNameLst>
-                                          <p:attrName>style.visibility</p:attrName>
-                                        </p:attrNameLst>
-                                      </p:cBhvr>
-                                      <p:to>
-                                        <p:strVal val="visible"/>
-                                      </p:to>
-                                    </p:set>
-                                  </p:childTnLst>
-                                </p:cTn>
-                              </p:par>
-                              <p:par>
-                                <p:cTn id="11" presetID="1" presetClass="entr" presetSubtype="0" fill="hold" nodeType="withEffect">
-                                  <p:stCondLst>
-                                    <p:cond delay="0"/>
-                                  </p:stCondLst>
-                                  <p:childTnLst>
-                                    <p:set>
-                                      <p:cBhvr>
-                                        <p:cTn id="12" dur="1" fill="hold">
-                                          <p:stCondLst>
-                                            <p:cond delay="0"/>
-                                          </p:stCondLst>
-                                        </p:cTn>
-                                        <p:tgtEl>
-                                          <p:spTgt spid="1029"/>
-                                        </p:tgtEl>
-                                        <p:attrNameLst>
-                                          <p:attrName>style.visibility</p:attrName>
-                                        </p:attrNameLst>
-                                      </p:cBhvr>
-                                      <p:to>
-                                        <p:strVal val="visible"/>
-                                      </p:to>
-                                    </p:set>
-                                  </p:childTnLst>
-                                </p:cTn>
-                              </p:par>
-                            </p:childTnLst>
-                          </p:cTn>
-                        </p:par>
-                      </p:childTnLst>
-                    </p:cTn>
-                  </p:par>
-                  <p:par>
-                    <p:cTn id="13" fill="hold">
-                      <p:stCondLst>
-                        <p:cond delay="indefinite"/>
-                      </p:stCondLst>
-                      <p:childTnLst>
-                        <p:par>
-                          <p:cTn id="14" fill="hold">
-                            <p:stCondLst>
-                              <p:cond delay="0"/>
-                            </p:stCondLst>
-                            <p:childTnLst>
-                              <p:par>
-                                <p:cTn id="15" presetID="1" presetClass="entr" presetSubtype="0" fill="hold" grpId="0" nodeType="clickEffect">
-                                  <p:stCondLst>
-                                    <p:cond delay="0"/>
-                                  </p:stCondLst>
-                                  <p:childTnLst>
-                                    <p:set>
-                                      <p:cBhvr>
-                                        <p:cTn id="16" dur="1" fill="hold">
-                                          <p:stCondLst>
-                                            <p:cond delay="0"/>
-                                          </p:stCondLst>
-                                        </p:cTn>
-                                        <p:tgtEl>
-                                          <p:spTgt spid="3">
-                                            <p:txEl>
-                                              <p:pRg st="1" end="1"/>
-                                            </p:txEl>
-                                          </p:spTgt>
-                                        </p:tgtEl>
-                                        <p:attrNameLst>
-                                          <p:attrName>style.visibility</p:attrName>
-                                        </p:attrNameLst>
-                                      </p:cBhvr>
-                                      <p:to>
-                                        <p:strVal val="visible"/>
-                                      </p:to>
-                                    </p:set>
-                                  </p:childTnLst>
-                                </p:cTn>
-                              </p:par>
-                            </p:childTnLst>
-                          </p:cTn>
-                        </p:par>
-                      </p:childTnLst>
-                    </p:cTn>
-                  </p:par>
-                  <p:par>
-                    <p:cTn id="17" fill="hold">
-                      <p:stCondLst>
-                        <p:cond delay="indefinite"/>
-                      </p:stCondLst>
-                      <p:childTnLst>
-                        <p:par>
-                          <p:cTn id="18" fill="hold">
-                            <p:stCondLst>
-                              <p:cond delay="0"/>
-                            </p:stCondLst>
-                            <p:childTnLst>
-                              <p:par>
-                                <p:cTn id="19" presetID="1" presetClass="entr" presetSubtype="0" fill="hold" grpId="0" nodeType="clickEffect">
-                                  <p:stCondLst>
-                                    <p:cond delay="0"/>
-                                  </p:stCondLst>
-                                  <p:childTnLst>
-                                    <p:set>
-                                      <p:cBhvr>
-                                        <p:cTn id="20" dur="1" fill="hold">
-                                          <p:stCondLst>
-                                            <p:cond delay="0"/>
-                                          </p:stCondLst>
-                                        </p:cTn>
-                                        <p:tgtEl>
-                                          <p:spTgt spid="3">
-                                            <p:txEl>
-                                              <p:pRg st="2" end="2"/>
-                                            </p:txEl>
-                                          </p:spTgt>
-                                        </p:tgtEl>
-                                        <p:attrNameLst>
-                                          <p:attrName>style.visibility</p:attrName>
-                                        </p:attrNameLst>
-                                      </p:cBhvr>
-                                      <p:to>
-                                        <p:strVal val="visible"/>
-                                      </p:to>
-                                    </p:set>
-                                  </p:childTnLst>
-                                </p:cTn>
-                              </p:par>
-                            </p:childTnLst>
-                          </p:cTn>
-                        </p:par>
-                      </p:childTnLst>
-                    </p:cTn>
-                  </p:par>
-                </p:childTnLst>
-              </p:cTn>
-              <p:prevCondLst>
-                <p:cond evt="onPrev" delay="0">
-                  <p:tgtEl>
-                    <p:sldTgt/>
-                  </p:tgtEl>
-                </p:cond>
-              </p:prevCondLst>
-              <p:nextCondLst>
-                <p:cond evt="onNext" delay="0">
-                  <p:tgtEl>
-                    <p:sldTgt/>
-                  </p:tgtEl>
-                </p:cond>
-              </p:nextCondLst>
-            </p:seq>
-          </p:childTnLst>
-        </p:cTn>
-      </p:par>
-    </p:tnLst>
-    <p:bldLst>
-      <p:bldP spid="3" grpId="0" uiExpand="1" build="p"/>
-    </p:bldLst>
-  </p:timing>
-</p:sld>
-</file>
-
 <file path=ppt/slides/slide9.xml><?xml version="1.0" encoding="utf-8"?>
 <p:sld xmlns:a="http://schemas.openxmlformats.org/drawingml/2006/main" xmlns:r="http://schemas.openxmlformats.org/officeDocument/2006/relationships" xmlns:p="http://schemas.openxmlformats.org/presentationml/2006/main">
   <p:cSld>
@@ -14560,7 +16050,7 @@
       </p:grpSpPr>
       <p:sp>
         <p:nvSpPr>
-          <p:cNvPr id="2" name="Заголовок 1"/>
+          <p:cNvPr id="2" name="Title 1"/>
           <p:cNvSpPr>
             <a:spLocks noGrp="1"/>
           </p:cNvSpPr>
@@ -14568,34 +16058,18 @@
             <p:ph type="title"/>
           </p:nvPr>
         </p:nvSpPr>
-        <p:spPr>
-          <a:xfrm>
-            <a:off x="1991544" y="188641"/>
-            <a:ext cx="7499350" cy="1011237"/>
-          </a:xfrm>
-        </p:spPr>
+        <p:spPr/>
         <p:txBody>
           <a:bodyPr/>
           <a:lstStyle/>
           <a:p>
-            <a:pPr eaLnBrk="1" hangingPunct="1">
-              <a:defRPr/>
-            </a:pPr>
-            <a:r>
-              <a:rPr lang="ru-RU" dirty="0" smtClean="0"/>
-              <a:t>История </a:t>
-            </a:r>
-            <a:r>
-              <a:rPr lang="en-US" dirty="0" smtClean="0"/>
-              <a:t>PYTHON</a:t>
-            </a:r>
-            <a:endParaRPr lang="ru-RU" dirty="0"/>
+            <a:endParaRPr lang="ru-RU"/>
           </a:p>
         </p:txBody>
       </p:sp>
       <p:sp>
         <p:nvSpPr>
-          <p:cNvPr id="11267" name="Содержимое 2"/>
+          <p:cNvPr id="3" name="Content Placeholder 2"/>
           <p:cNvSpPr>
             <a:spLocks noGrp="1"/>
           </p:cNvSpPr>
@@ -14603,96 +16077,18 @@
             <p:ph idx="1"/>
           </p:nvPr>
         </p:nvSpPr>
-        <p:spPr>
-          <a:xfrm>
-            <a:off x="695400" y="1052737"/>
-            <a:ext cx="11017224" cy="5572125"/>
-          </a:xfrm>
-        </p:spPr>
+        <p:spPr/>
         <p:txBody>
-          <a:bodyPr>
-            <a:normAutofit/>
-          </a:bodyPr>
+          <a:bodyPr/>
           <a:lstStyle/>
           <a:p>
-            <a:r>
-              <a:rPr lang="ru-RU" sz="2800" dirty="0" smtClean="0"/>
-              <a:t>Название </a:t>
-            </a:r>
-            <a:r>
-              <a:rPr lang="ru-RU" sz="2800" dirty="0"/>
-              <a:t>языка произошло вовсе </a:t>
-            </a:r>
-            <a:r>
-              <a:rPr lang="ru-RU" sz="2800" b="1" dirty="0"/>
-              <a:t>не от </a:t>
-            </a:r>
-            <a:r>
-              <a:rPr lang="ru-RU" sz="2800" dirty="0"/>
-              <a:t>вида пресмыкающихся. Автор назвал язык в честь популярного британского комедийного телешоу 1970-х «Летающий цирк Монти </a:t>
-            </a:r>
-            <a:r>
-              <a:rPr lang="ru-RU" sz="2800" dirty="0" err="1"/>
-              <a:t>Пайтона</a:t>
-            </a:r>
-            <a:r>
-              <a:rPr lang="ru-RU" sz="2800" dirty="0"/>
-              <a:t>».</a:t>
-            </a:r>
-            <a:endParaRPr lang="en-US" altLang="ru-RU" sz="2600" dirty="0"/>
-          </a:p>
-          <a:p>
-            <a:pPr eaLnBrk="1" hangingPunct="1"/>
-            <a:r>
-              <a:rPr lang="ru-RU" altLang="ru-RU" sz="2600" dirty="0"/>
-              <a:t>Первый релиз — 1991 год</a:t>
-            </a:r>
-          </a:p>
-          <a:p>
-            <a:r>
-              <a:rPr lang="ru-RU" sz="2800" dirty="0"/>
-              <a:t>Версия </a:t>
-            </a:r>
-            <a:r>
-              <a:rPr lang="ru-RU" sz="2800" dirty="0" err="1"/>
-              <a:t>Python</a:t>
-            </a:r>
-            <a:r>
-              <a:rPr lang="ru-RU" sz="2800" dirty="0"/>
-              <a:t> 2.0 была выпущена 16 октября 2000 года и включала в себя много новых крупных функций — таких как полный сборщик мусора и поддержка </a:t>
-            </a:r>
-            <a:r>
-              <a:rPr lang="ru-RU" sz="2800" dirty="0" err="1"/>
-              <a:t>Unicode</a:t>
-            </a:r>
-            <a:r>
-              <a:rPr lang="ru-RU" sz="2800" dirty="0"/>
-              <a:t>.</a:t>
-            </a:r>
-          </a:p>
-          <a:p>
-            <a:r>
-              <a:rPr lang="ru-RU" altLang="ru-RU" sz="2600" dirty="0"/>
-              <a:t>2008 год — вышла версия 3.0, устраняющая многие недостатки, но </a:t>
-            </a:r>
-            <a:r>
-              <a:rPr lang="ru-RU" altLang="ru-RU" sz="2600" b="1" dirty="0"/>
-              <a:t>не полностью совместима </a:t>
-            </a:r>
-            <a:r>
-              <a:rPr lang="ru-RU" altLang="ru-RU" sz="2600" dirty="0"/>
-              <a:t>с 2.х</a:t>
-            </a:r>
-          </a:p>
-          <a:p>
-            <a:pPr eaLnBrk="1" hangingPunct="1"/>
-            <a:endParaRPr lang="ru-RU" altLang="ru-RU" dirty="0" smtClean="0"/>
+            <a:endParaRPr lang="ru-RU"/>
           </a:p>
         </p:txBody>
       </p:sp>
       <p:pic>
         <p:nvPicPr>
-          <p:cNvPr id="3" name="Рисунок 2"/>
+          <p:cNvPr id="4" name="Picture 3"/>
           <p:cNvPicPr>
             <a:picLocks noChangeAspect="1"/>
           </p:cNvPicPr>
@@ -14706,18 +16102,59 @@
         </p:blipFill>
         <p:spPr>
           <a:xfrm>
-            <a:off x="3893369" y="476672"/>
-            <a:ext cx="3695700" cy="5715000"/>
+            <a:off x="839416" y="-19704"/>
+            <a:ext cx="10382944" cy="6877704"/>
           </a:xfrm>
           <a:prstGeom prst="rect">
             <a:avLst/>
           </a:prstGeom>
         </p:spPr>
       </p:pic>
+      <p:sp>
+        <p:nvSpPr>
+          <p:cNvPr id="5" name="Rectangle 4"/>
+          <p:cNvSpPr/>
+          <p:nvPr/>
+        </p:nvSpPr>
+        <p:spPr>
+          <a:xfrm>
+            <a:off x="609600" y="6307416"/>
+            <a:ext cx="4034951" cy="369332"/>
+          </a:xfrm>
+          <a:prstGeom prst="rect">
+            <a:avLst/>
+          </a:prstGeom>
+        </p:spPr>
+        <p:txBody>
+          <a:bodyPr wrap="none">
+            <a:spAutoFit/>
+          </a:bodyPr>
+          <a:lstStyle/>
+          <a:p>
+            <a:r>
+              <a:rPr lang="ru-RU" dirty="0">
+                <a:hlinkClick r:id="rId3"/>
+              </a:rPr>
+              <a:t>https://</a:t>
+            </a:r>
+            <a:r>
+              <a:rPr lang="ru-RU" dirty="0" smtClean="0">
+                <a:hlinkClick r:id="rId3"/>
+              </a:rPr>
+              <a:t>www.youngwonks.com/blogs/19</a:t>
+            </a:r>
+            <a:r>
+              <a:rPr lang="ru-RU" dirty="0" smtClean="0"/>
+              <a:t> </a:t>
+            </a:r>
+            <a:endParaRPr lang="ru-RU" dirty="0"/>
+          </a:p>
+        </p:txBody>
+      </p:sp>
     </p:spTree>
     <p:extLst>
       <p:ext uri="{BB962C8B-B14F-4D97-AF65-F5344CB8AC3E}">
-        <p14:creationId xmlns:p14="http://schemas.microsoft.com/office/powerpoint/2010/main" val="10133818"/>
+        <p14:creationId xmlns:p14="http://schemas.microsoft.com/office/powerpoint/2010/main" val="1872815228"/>
       </p:ext>
     </p:extLst>
   </p:cSld>
@@ -14727,470 +16164,7 @@
   <p:timing>
     <p:tnLst>
       <p:par>
-        <p:cTn id="1" dur="indefinite" restart="never" nodeType="tmRoot">
-          <p:childTnLst>
-            <p:seq concurrent="1" nextAc="seek">
-              <p:cTn id="2" dur="indefinite" nodeType="mainSeq">
-                <p:childTnLst>
-                  <p:par>
-                    <p:cTn id="3" fill="hold">
-                      <p:stCondLst>
-                        <p:cond delay="indefinite"/>
-                      </p:stCondLst>
-                      <p:childTnLst>
-                        <p:par>
-                          <p:cTn id="4" fill="hold">
-                            <p:stCondLst>
-                              <p:cond delay="0"/>
-                            </p:stCondLst>
-                            <p:childTnLst>
-                              <p:par>
-                                <p:cTn id="5" presetID="1" presetClass="entr" presetSubtype="0" fill="hold" nodeType="clickEffect">
-                                  <p:stCondLst>
-                                    <p:cond delay="0"/>
-                                  </p:stCondLst>
-                                  <p:childTnLst>
-                                    <p:set>
-                                      <p:cBhvr>
-                                        <p:cTn id="6" dur="1" fill="hold">
-                                          <p:stCondLst>
-                                            <p:cond delay="0"/>
-                                          </p:stCondLst>
-                                        </p:cTn>
-                                        <p:tgtEl>
-                                          <p:spTgt spid="11267">
-                                            <p:txEl>
-                                              <p:pRg st="0" end="0"/>
-                                            </p:txEl>
-                                          </p:spTgt>
-                                        </p:tgtEl>
-                                        <p:attrNameLst>
-                                          <p:attrName>style.visibility</p:attrName>
-                                        </p:attrNameLst>
-                                      </p:cBhvr>
-                                      <p:to>
-                                        <p:strVal val="visible"/>
-                                      </p:to>
-                                    </p:set>
-                                  </p:childTnLst>
-                                </p:cTn>
-                              </p:par>
-                            </p:childTnLst>
-                          </p:cTn>
-                        </p:par>
-                      </p:childTnLst>
-                    </p:cTn>
-                  </p:par>
-                  <p:par>
-                    <p:cTn id="7" fill="hold">
-                      <p:stCondLst>
-                        <p:cond delay="indefinite"/>
-                      </p:stCondLst>
-                      <p:childTnLst>
-                        <p:par>
-                          <p:cTn id="8" fill="hold">
-                            <p:stCondLst>
-                              <p:cond delay="0"/>
-                            </p:stCondLst>
-                            <p:childTnLst>
-                              <p:par>
-                                <p:cTn id="9" presetID="31" presetClass="entr" presetSubtype="0" fill="hold" nodeType="clickEffect">
-                                  <p:stCondLst>
-                                    <p:cond delay="0"/>
-                                  </p:stCondLst>
-                                  <p:childTnLst>
-                                    <p:set>
-                                      <p:cBhvr>
-                                        <p:cTn id="10" dur="1" fill="hold">
-                                          <p:stCondLst>
-                                            <p:cond delay="0"/>
-                                          </p:stCondLst>
-                                        </p:cTn>
-                                        <p:tgtEl>
-                                          <p:spTgt spid="3"/>
-                                        </p:tgtEl>
-                                        <p:attrNameLst>
-                                          <p:attrName>style.visibility</p:attrName>
-                                        </p:attrNameLst>
-                                      </p:cBhvr>
-                                      <p:to>
-                                        <p:strVal val="visible"/>
-                                      </p:to>
-                                    </p:set>
-                                    <p:anim calcmode="lin" valueType="num">
-                                      <p:cBhvr>
-                                        <p:cTn id="11" dur="1000" fill="hold"/>
-                                        <p:tgtEl>
-                                          <p:spTgt spid="3"/>
-                                        </p:tgtEl>
-                                        <p:attrNameLst>
-                                          <p:attrName>ppt_w</p:attrName>
-                                        </p:attrNameLst>
-                                      </p:cBhvr>
-                                      <p:tavLst>
-                                        <p:tav tm="0">
-                                          <p:val>
-                                            <p:fltVal val="0"/>
-                                          </p:val>
-                                        </p:tav>
-                                        <p:tav tm="100000">
-                                          <p:val>
-                                            <p:strVal val="#ppt_w"/>
-                                          </p:val>
-                                        </p:tav>
-                                      </p:tavLst>
-                                    </p:anim>
-                                    <p:anim calcmode="lin" valueType="num">
-                                      <p:cBhvr>
-                                        <p:cTn id="12" dur="1000" fill="hold"/>
-                                        <p:tgtEl>
-                                          <p:spTgt spid="3"/>
-                                        </p:tgtEl>
-                                        <p:attrNameLst>
-                                          <p:attrName>ppt_h</p:attrName>
-                                        </p:attrNameLst>
-                                      </p:cBhvr>
-                                      <p:tavLst>
-                                        <p:tav tm="0">
-                                          <p:val>
-                                            <p:fltVal val="0"/>
-                                          </p:val>
-                                        </p:tav>
-                                        <p:tav tm="100000">
-                                          <p:val>
-                                            <p:strVal val="#ppt_h"/>
-                                          </p:val>
-                                        </p:tav>
-                                      </p:tavLst>
-                                    </p:anim>
-                                    <p:anim calcmode="lin" valueType="num">
-                                      <p:cBhvr>
-                                        <p:cTn id="13" dur="1000" fill="hold"/>
-                                        <p:tgtEl>
-                                          <p:spTgt spid="3"/>
-                                        </p:tgtEl>
-                                        <p:attrNameLst>
-                                          <p:attrName>style.rotation</p:attrName>
-                                        </p:attrNameLst>
-                                      </p:cBhvr>
-                                      <p:tavLst>
-                                        <p:tav tm="0">
-                                          <p:val>
-                                            <p:fltVal val="90"/>
-                                          </p:val>
-                                        </p:tav>
-                                        <p:tav tm="100000">
-                                          <p:val>
-                                            <p:fltVal val="0"/>
-                                          </p:val>
-                                        </p:tav>
-                                      </p:tavLst>
-                                    </p:anim>
-                                    <p:animEffect transition="in" filter="fade">
-                                      <p:cBhvr>
-                                        <p:cTn id="14" dur="1000"/>
-                                        <p:tgtEl>
-                                          <p:spTgt spid="3"/>
-                                        </p:tgtEl>
-                                      </p:cBhvr>
-                                    </p:animEffect>
-                                  </p:childTnLst>
-                                </p:cTn>
-                              </p:par>
-                            </p:childTnLst>
-                          </p:cTn>
-                        </p:par>
-                      </p:childTnLst>
-                    </p:cTn>
-                  </p:par>
-                  <p:par>
-                    <p:cTn id="15" fill="hold">
-                      <p:stCondLst>
-                        <p:cond delay="indefinite"/>
-                      </p:stCondLst>
-                      <p:childTnLst>
-                        <p:par>
-                          <p:cTn id="16" fill="hold">
-                            <p:stCondLst>
-                              <p:cond delay="0"/>
-                            </p:stCondLst>
-                            <p:childTnLst>
-                              <p:par>
-                                <p:cTn id="17" presetID="31" presetClass="exit" presetSubtype="0" fill="hold" nodeType="clickEffect">
-                                  <p:stCondLst>
-                                    <p:cond delay="0"/>
-                                  </p:stCondLst>
-                                  <p:childTnLst>
-                                    <p:anim calcmode="lin" valueType="num">
-                                      <p:cBhvr>
-                                        <p:cTn id="18" dur="1000"/>
-                                        <p:tgtEl>
-                                          <p:spTgt spid="3"/>
-                                        </p:tgtEl>
-                                        <p:attrNameLst>
-                                          <p:attrName>ppt_w</p:attrName>
-                                        </p:attrNameLst>
-                                      </p:cBhvr>
-                                      <p:tavLst>
-                                        <p:tav tm="0">
-                                          <p:val>
-                                            <p:strVal val="ppt_w"/>
-                                          </p:val>
-                                        </p:tav>
-                                        <p:tav tm="100000">
-                                          <p:val>
-                                            <p:fltVal val="0"/>
-                                          </p:val>
-                                        </p:tav>
-                                      </p:tavLst>
-                                    </p:anim>
-                                    <p:anim calcmode="lin" valueType="num">
-                                      <p:cBhvr>
-                                        <p:cTn id="19" dur="1000"/>
-                                        <p:tgtEl>
-                                          <p:spTgt spid="3"/>
-                                        </p:tgtEl>
-                                        <p:attrNameLst>
-                                          <p:attrName>ppt_h</p:attrName>
-                                        </p:attrNameLst>
-                                      </p:cBhvr>
-                                      <p:tavLst>
-                                        <p:tav tm="0">
-                                          <p:val>
-                                            <p:strVal val="ppt_h"/>
-                                          </p:val>
-                                        </p:tav>
-                                        <p:tav tm="100000">
-                                          <p:val>
-                                            <p:fltVal val="0"/>
-                                          </p:val>
-                                        </p:tav>
-                                      </p:tavLst>
-                                    </p:anim>
-                                    <p:anim calcmode="lin" valueType="num">
-                                      <p:cBhvr>
-                                        <p:cTn id="20" dur="1000"/>
-                                        <p:tgtEl>
-                                          <p:spTgt spid="3"/>
-                                        </p:tgtEl>
-                                        <p:attrNameLst>
-                                          <p:attrName>style.rotation</p:attrName>
-                                        </p:attrNameLst>
-                                      </p:cBhvr>
-                                      <p:tavLst>
-                                        <p:tav tm="0">
-                                          <p:val>
-                                            <p:fltVal val="0"/>
-                                          </p:val>
-                                        </p:tav>
-                                        <p:tav tm="100000">
-                                          <p:val>
-                                            <p:fltVal val="90"/>
-                                          </p:val>
-                                        </p:tav>
-                                      </p:tavLst>
-                                    </p:anim>
-                                    <p:animEffect transition="out" filter="fade">
-                                      <p:cBhvr>
-                                        <p:cTn id="21" dur="1000"/>
-                                        <p:tgtEl>
-                                          <p:spTgt spid="3"/>
-                                        </p:tgtEl>
-                                      </p:cBhvr>
-                                    </p:animEffect>
-                                    <p:set>
-                                      <p:cBhvr>
-                                        <p:cTn id="22" dur="1" fill="hold">
-                                          <p:stCondLst>
-                                            <p:cond delay="999"/>
-                                          </p:stCondLst>
-                                        </p:cTn>
-                                        <p:tgtEl>
-                                          <p:spTgt spid="3"/>
-                                        </p:tgtEl>
-                                        <p:attrNameLst>
-                                          <p:attrName>style.visibility</p:attrName>
-                                        </p:attrNameLst>
-                                      </p:cBhvr>
-                                      <p:to>
-                                        <p:strVal val="hidden"/>
-                                      </p:to>
-                                    </p:set>
-                                  </p:childTnLst>
-                                </p:cTn>
-                              </p:par>
-                            </p:childTnLst>
-                          </p:cTn>
-                        </p:par>
-                      </p:childTnLst>
-                    </p:cTn>
-                  </p:par>
-                  <p:par>
-                    <p:cTn id="23" fill="hold">
-                      <p:stCondLst>
-                        <p:cond delay="indefinite"/>
-                      </p:stCondLst>
-                      <p:childTnLst>
-                        <p:par>
-                          <p:cTn id="24" fill="hold">
-                            <p:stCondLst>
-                              <p:cond delay="0"/>
-                            </p:stCondLst>
-                            <p:childTnLst>
-                              <p:par>
-                                <p:cTn id="25" presetID="1" presetClass="entr" presetSubtype="0" fill="hold" nodeType="clickEffect">
-                                  <p:stCondLst>
-                                    <p:cond delay="0"/>
-                                  </p:stCondLst>
-                                  <p:childTnLst>
-                                    <p:set>
-                                      <p:cBhvr>
-                                        <p:cTn id="26" dur="1" fill="hold">
-                                          <p:stCondLst>
-                                            <p:cond delay="0"/>
-                                          </p:stCondLst>
-                                        </p:cTn>
-                                        <p:tgtEl>
-                                          <p:spTgt spid="11267">
-                                            <p:txEl>
-                                              <p:pRg st="1" end="1"/>
-                                            </p:txEl>
-                                          </p:spTgt>
-                                        </p:tgtEl>
-                                        <p:attrNameLst>
-                                          <p:attrName>style.visibility</p:attrName>
-                                        </p:attrNameLst>
-                                      </p:cBhvr>
-                                      <p:to>
-                                        <p:strVal val="visible"/>
-                                      </p:to>
-                                    </p:set>
-                                  </p:childTnLst>
-                                </p:cTn>
-                              </p:par>
-                            </p:childTnLst>
-                          </p:cTn>
-                        </p:par>
-                      </p:childTnLst>
-                    </p:cTn>
-                  </p:par>
-                  <p:par>
-                    <p:cTn id="27" fill="hold">
-                      <p:stCondLst>
-                        <p:cond delay="indefinite"/>
-                      </p:stCondLst>
-                      <p:childTnLst>
-                        <p:par>
-                          <p:cTn id="28" fill="hold">
-                            <p:stCondLst>
-                              <p:cond delay="0"/>
-                            </p:stCondLst>
-                            <p:childTnLst>
-                              <p:par>
-                                <p:cTn id="29" presetID="1" presetClass="entr" presetSubtype="0" fill="hold" nodeType="clickEffect">
-                                  <p:stCondLst>
-                                    <p:cond delay="0"/>
-                                  </p:stCondLst>
-                                  <p:childTnLst>
-                                    <p:set>
-                                      <p:cBhvr>
-                                        <p:cTn id="30" dur="1" fill="hold">
-                                          <p:stCondLst>
-                                            <p:cond delay="0"/>
-                                          </p:stCondLst>
-                                        </p:cTn>
-                                        <p:tgtEl>
-                                          <p:spTgt spid="11267">
-                                            <p:txEl>
-                                              <p:pRg st="2" end="2"/>
-                                            </p:txEl>
-                                          </p:spTgt>
-                                        </p:tgtEl>
-                                        <p:attrNameLst>
-                                          <p:attrName>style.visibility</p:attrName>
-                                        </p:attrNameLst>
-                                      </p:cBhvr>
-                                      <p:to>
-                                        <p:strVal val="visible"/>
-                                      </p:to>
-                                    </p:set>
-                                  </p:childTnLst>
-                                </p:cTn>
-                              </p:par>
-                            </p:childTnLst>
-                          </p:cTn>
-                        </p:par>
-                      </p:childTnLst>
-                    </p:cTn>
-                  </p:par>
-                  <p:par>
-                    <p:cTn id="31" fill="hold">
-                      <p:stCondLst>
-                        <p:cond delay="indefinite"/>
-                      </p:stCondLst>
-                      <p:childTnLst>
-                        <p:par>
-                          <p:cTn id="32" fill="hold">
-                            <p:stCondLst>
-                              <p:cond delay="0"/>
-                            </p:stCondLst>
-                            <p:childTnLst>
-                              <p:par>
-                                <p:cTn id="33" presetID="1" presetClass="entr" presetSubtype="0" fill="hold" nodeType="clickEffect">
-                                  <p:stCondLst>
-                                    <p:cond delay="0"/>
-                                  </p:stCondLst>
-                                  <p:childTnLst>
-                                    <p:set>
-                                      <p:cBhvr>
-                                        <p:cTn id="34" dur="1" fill="hold">
-                                          <p:stCondLst>
-                                            <p:cond delay="0"/>
-                                          </p:stCondLst>
-                                        </p:cTn>
-                                        <p:tgtEl>
-                                          <p:spTgt spid="11267">
-                                            <p:txEl>
-                                              <p:pRg st="3" end="3"/>
-                                            </p:txEl>
-                                          </p:spTgt>
-                                        </p:tgtEl>
-                                        <p:attrNameLst>
-                                          <p:attrName>style.visibility</p:attrName>
-                                        </p:attrNameLst>
-                                      </p:cBhvr>
-                                      <p:to>
-                                        <p:strVal val="visible"/>
-                                      </p:to>
-                                    </p:set>
-                                  </p:childTnLst>
-                                </p:cTn>
-                              </p:par>
-                            </p:childTnLst>
-                          </p:cTn>
-                        </p:par>
-                      </p:childTnLst>
-                    </p:cTn>
-                  </p:par>
-                </p:childTnLst>
-              </p:cTn>
-              <p:prevCondLst>
-                <p:cond evt="onPrev" delay="0">
-                  <p:tgtEl>
-                    <p:sldTgt/>
-                  </p:tgtEl>
-                </p:cond>
-              </p:prevCondLst>
-              <p:nextCondLst>
-                <p:cond evt="onNext" delay="0">
-                  <p:tgtEl>
-                    <p:sldTgt/>
-                  </p:tgtEl>
-                </p:cond>
-              </p:nextCondLst>
-            </p:seq>
-          </p:childTnLst>
-        </p:cTn>
+        <p:cTn id="1" dur="indefinite" restart="never" nodeType="tmRoot"/>
       </p:par>
     </p:tnLst>
   </p:timing>

--- a/webminar.pptx
+++ b/webminar.pptx
@@ -5227,11 +5227,11 @@
   <p:clrMapOvr>
     <a:masterClrMapping/>
   </p:clrMapOvr>
-  <mc:AlternateContent xmlns:mc="http://schemas.openxmlformats.org/markup-compatibility/2006">
-    <mc:Choice xmlns:p14="http://schemas.microsoft.com/office/powerpoint/2010/main" Requires="p14">
+  <mc:AlternateContent xmlns:mc="http://schemas.openxmlformats.org/markup-compatibility/2006" xmlns:p14="http://schemas.microsoft.com/office/powerpoint/2010/main">
+    <mc:Choice Requires="p14">
       <p:transition spd="slow" p14:dur="2000"/>
     </mc:Choice>
-    <mc:Fallback>
+    <mc:Fallback xmlns="">
       <p:transition spd="slow"/>
     </mc:Fallback>
   </mc:AlternateContent>
@@ -10534,15 +10534,33 @@
                                   </p:childTnLst>
                                 </p:cTn>
                               </p:par>
+                            </p:childTnLst>
+                          </p:cTn>
+                        </p:par>
+                      </p:childTnLst>
+                    </p:cTn>
+                  </p:par>
+                  <p:par>
+                    <p:cTn id="45" fill="hold">
+                      <p:stCondLst>
+                        <p:cond delay="indefinite"/>
+                      </p:stCondLst>
+                      <p:childTnLst>
+                        <p:par>
+                          <p:cTn id="46" fill="hold">
+                            <p:stCondLst>
+                              <p:cond delay="0"/>
+                            </p:stCondLst>
+                            <p:childTnLst>
                               <p:par>
-                                <p:cTn id="45" presetID="1" presetClass="entr" presetSubtype="0" fill="hold" nodeType="withEffect">
+                                <p:cTn id="47" presetID="53" presetClass="entr" presetSubtype="16" fill="hold" nodeType="clickEffect">
                                   <p:stCondLst>
                                     <p:cond delay="0"/>
                                   </p:stCondLst>
                                   <p:childTnLst>
                                     <p:set>
                                       <p:cBhvr>
-                                        <p:cTn id="46" dur="1" fill="hold">
+                                        <p:cTn id="48" dur="1" fill="hold">
                                           <p:stCondLst>
                                             <p:cond delay="0"/>
                                           </p:stCondLst>
@@ -10558,6 +10576,60 @@
                                         <p:strVal val="visible"/>
                                       </p:to>
                                     </p:set>
+                                    <p:anim calcmode="lin" valueType="num">
+                                      <p:cBhvr>
+                                        <p:cTn id="49" dur="500" fill="hold"/>
+                                        <p:tgtEl>
+                                          <p:spTgt spid="2050"/>
+                                        </p:tgtEl>
+                                        <p:attrNameLst>
+                                          <p:attrName>ppt_w</p:attrName>
+                                        </p:attrNameLst>
+                                      </p:cBhvr>
+                                      <p:tavLst>
+                                        <p:tav tm="0">
+                                          <p:val>
+                                            <p:fltVal val="0"/>
+                                          </p:val>
+                                        </p:tav>
+                                        <p:tav tm="100000">
+                                          <p:val>
+                                            <p:strVal val="#ppt_w"/>
+                                          </p:val>
+                                        </p:tav>
+                                      </p:tavLst>
+                                    </p:anim>
+                                    <p:anim calcmode="lin" valueType="num">
+                                      <p:cBhvr>
+                                        <p:cTn id="50" dur="500" fill="hold"/>
+                                        <p:tgtEl>
+                                          <p:spTgt spid="2050"/>
+                                        </p:tgtEl>
+                                        <p:attrNameLst>
+                                          <p:attrName>ppt_h</p:attrName>
+                                        </p:attrNameLst>
+                                      </p:cBhvr>
+                                      <p:tavLst>
+                                        <p:tav tm="0">
+                                          <p:val>
+                                            <p:fltVal val="0"/>
+                                          </p:val>
+                                        </p:tav>
+                                        <p:tav tm="100000">
+                                          <p:val>
+                                            <p:strVal val="#ppt_h"/>
+                                          </p:val>
+                                        </p:tav>
+                                      </p:tavLst>
+                                    </p:anim>
+                                    <p:animEffect transition="in" filter="fade">
+                                      <p:cBhvr>
+                                        <p:cTn id="51" dur="500"/>
+                                        <p:tgtEl>
+                                          <p:spTgt spid="2050"/>
+                                        </p:tgtEl>
+                                      </p:cBhvr>
+                                    </p:animEffect>
                                   </p:childTnLst>
                                 </p:cTn>
                               </p:par>
@@ -10858,7 +10930,121 @@
   <p:timing>
     <p:tnLst>
       <p:par>
-        <p:cTn id="1" dur="indefinite" restart="never" nodeType="tmRoot"/>
+        <p:cTn id="1" dur="indefinite" restart="never" nodeType="tmRoot">
+          <p:childTnLst>
+            <p:seq concurrent="1" nextAc="seek">
+              <p:cTn id="2" dur="indefinite" nodeType="mainSeq">
+                <p:childTnLst>
+                  <p:par>
+                    <p:cTn id="3" fill="hold">
+                      <p:stCondLst>
+                        <p:cond delay="indefinite"/>
+                      </p:stCondLst>
+                      <p:childTnLst>
+                        <p:par>
+                          <p:cTn id="4" fill="hold">
+                            <p:stCondLst>
+                              <p:cond delay="0"/>
+                            </p:stCondLst>
+                            <p:childTnLst>
+                              <p:par>
+                                <p:cTn id="5" presetID="2" presetClass="entr" presetSubtype="4" fill="hold" nodeType="clickEffect">
+                                  <p:stCondLst>
+                                    <p:cond delay="0"/>
+                                  </p:stCondLst>
+                                  <p:childTnLst>
+                                    <p:set>
+                                      <p:cBhvr>
+                                        <p:cTn id="6" dur="1" fill="hold">
+                                          <p:stCondLst>
+                                            <p:cond delay="0"/>
+                                          </p:stCondLst>
+                                        </p:cTn>
+                                        <p:tgtEl>
+                                          <p:spTgt spid="5"/>
+                                        </p:tgtEl>
+                                        <p:attrNameLst>
+                                          <p:attrName>style.visibility</p:attrName>
+                                        </p:attrNameLst>
+                                      </p:cBhvr>
+                                      <p:to>
+                                        <p:strVal val="visible"/>
+                                      </p:to>
+                                    </p:set>
+                                    <p:anim calcmode="lin" valueType="num">
+                                      <p:cBhvr additive="base">
+                                        <p:cTn id="7" dur="500" fill="hold"/>
+                                        <p:tgtEl>
+                                          <p:spTgt spid="5"/>
+                                        </p:tgtEl>
+                                        <p:attrNameLst>
+                                          <p:attrName>ppt_x</p:attrName>
+                                        </p:attrNameLst>
+                                      </p:cBhvr>
+                                      <p:tavLst>
+                                        <p:tav tm="0">
+                                          <p:val>
+                                            <p:strVal val="#ppt_x"/>
+                                          </p:val>
+                                        </p:tav>
+                                        <p:tav tm="100000">
+                                          <p:val>
+                                            <p:strVal val="#ppt_x"/>
+                                          </p:val>
+                                        </p:tav>
+                                      </p:tavLst>
+                                    </p:anim>
+                                    <p:anim calcmode="lin" valueType="num">
+                                      <p:cBhvr additive="base">
+                                        <p:cTn id="8" dur="500" fill="hold"/>
+                                        <p:tgtEl>
+                                          <p:spTgt spid="5"/>
+                                        </p:tgtEl>
+                                        <p:attrNameLst>
+                                          <p:attrName>ppt_y</p:attrName>
+                                        </p:attrNameLst>
+                                      </p:cBhvr>
+                                      <p:tavLst>
+                                        <p:tav tm="0">
+                                          <p:val>
+                                            <p:strVal val="1+#ppt_h/2"/>
+                                          </p:val>
+                                        </p:tav>
+                                        <p:tav tm="100000">
+                                          <p:val>
+                                            <p:strVal val="#ppt_y"/>
+                                          </p:val>
+                                        </p:tav>
+                                      </p:tavLst>
+                                    </p:anim>
+                                  </p:childTnLst>
+                                </p:cTn>
+                              </p:par>
+                            </p:childTnLst>
+                          </p:cTn>
+                        </p:par>
+                      </p:childTnLst>
+                    </p:cTn>
+                  </p:par>
+                </p:childTnLst>
+              </p:cTn>
+              <p:prevCondLst>
+                <p:cond evt="onPrev" delay="0">
+                  <p:tgtEl>
+                    <p:sldTgt/>
+                  </p:tgtEl>
+                </p:cond>
+              </p:prevCondLst>
+              <p:nextCondLst>
+                <p:cond evt="onNext" delay="0">
+                  <p:tgtEl>
+                    <p:sldTgt/>
+                  </p:tgtEl>
+                </p:cond>
+              </p:nextCondLst>
+            </p:seq>
+          </p:childTnLst>
+        </p:cTn>
       </p:par>
     </p:tnLst>
   </p:timing>
@@ -10947,7 +11133,121 @@
   <p:timing>
     <p:tnLst>
       <p:par>
-        <p:cTn id="1" dur="indefinite" restart="never" nodeType="tmRoot"/>
+        <p:cTn id="1" dur="indefinite" restart="never" nodeType="tmRoot">
+          <p:childTnLst>
+            <p:seq concurrent="1" nextAc="seek">
+              <p:cTn id="2" dur="indefinite" nodeType="mainSeq">
+                <p:childTnLst>
+                  <p:par>
+                    <p:cTn id="3" fill="hold">
+                      <p:stCondLst>
+                        <p:cond delay="indefinite"/>
+                      </p:stCondLst>
+                      <p:childTnLst>
+                        <p:par>
+                          <p:cTn id="4" fill="hold">
+                            <p:stCondLst>
+                              <p:cond delay="0"/>
+                            </p:stCondLst>
+                            <p:childTnLst>
+                              <p:par>
+                                <p:cTn id="5" presetID="2" presetClass="entr" presetSubtype="4" fill="hold" nodeType="clickEffect">
+                                  <p:stCondLst>
+                                    <p:cond delay="0"/>
+                                  </p:stCondLst>
+                                  <p:childTnLst>
+                                    <p:set>
+                                      <p:cBhvr>
+                                        <p:cTn id="6" dur="1" fill="hold">
+                                          <p:stCondLst>
+                                            <p:cond delay="0"/>
+                                          </p:stCondLst>
+                                        </p:cTn>
+                                        <p:tgtEl>
+                                          <p:spTgt spid="6"/>
+                                        </p:tgtEl>
+                                        <p:attrNameLst>
+                                          <p:attrName>style.visibility</p:attrName>
+                                        </p:attrNameLst>
+                                      </p:cBhvr>
+                                      <p:to>
+                                        <p:strVal val="visible"/>
+                                      </p:to>
+                                    </p:set>
+                                    <p:anim calcmode="lin" valueType="num">
+                                      <p:cBhvr additive="base">
+                                        <p:cTn id="7" dur="500" fill="hold"/>
+                                        <p:tgtEl>
+                                          <p:spTgt spid="6"/>
+                                        </p:tgtEl>
+                                        <p:attrNameLst>
+                                          <p:attrName>ppt_x</p:attrName>
+                                        </p:attrNameLst>
+                                      </p:cBhvr>
+                                      <p:tavLst>
+                                        <p:tav tm="0">
+                                          <p:val>
+                                            <p:strVal val="#ppt_x"/>
+                                          </p:val>
+                                        </p:tav>
+                                        <p:tav tm="100000">
+                                          <p:val>
+                                            <p:strVal val="#ppt_x"/>
+                                          </p:val>
+                                        </p:tav>
+                                      </p:tavLst>
+                                    </p:anim>
+                                    <p:anim calcmode="lin" valueType="num">
+                                      <p:cBhvr additive="base">
+                                        <p:cTn id="8" dur="500" fill="hold"/>
+                                        <p:tgtEl>
+                                          <p:spTgt spid="6"/>
+                                        </p:tgtEl>
+                                        <p:attrNameLst>
+                                          <p:attrName>ppt_y</p:attrName>
+                                        </p:attrNameLst>
+                                      </p:cBhvr>
+                                      <p:tavLst>
+                                        <p:tav tm="0">
+                                          <p:val>
+                                            <p:strVal val="1+#ppt_h/2"/>
+                                          </p:val>
+                                        </p:tav>
+                                        <p:tav tm="100000">
+                                          <p:val>
+                                            <p:strVal val="#ppt_y"/>
+                                          </p:val>
+                                        </p:tav>
+                                      </p:tavLst>
+                                    </p:anim>
+                                  </p:childTnLst>
+                                </p:cTn>
+                              </p:par>
+                            </p:childTnLst>
+                          </p:cTn>
+                        </p:par>
+                      </p:childTnLst>
+                    </p:cTn>
+                  </p:par>
+                </p:childTnLst>
+              </p:cTn>
+              <p:prevCondLst>
+                <p:cond evt="onPrev" delay="0">
+                  <p:tgtEl>
+                    <p:sldTgt/>
+                  </p:tgtEl>
+                </p:cond>
+              </p:prevCondLst>
+              <p:nextCondLst>
+                <p:cond evt="onNext" delay="0">
+                  <p:tgtEl>
+                    <p:sldTgt/>
+                  </p:tgtEl>
+                </p:cond>
+              </p:nextCondLst>
+            </p:seq>
+          </p:childTnLst>
+        </p:cTn>
       </p:par>
     </p:tnLst>
   </p:timing>
@@ -11051,7 +11351,121 @@
   <p:timing>
     <p:tnLst>
       <p:par>
-        <p:cTn id="1" dur="indefinite" restart="never" nodeType="tmRoot"/>
+        <p:cTn id="1" dur="indefinite" restart="never" nodeType="tmRoot">
+          <p:childTnLst>
+            <p:seq concurrent="1" nextAc="seek">
+              <p:cTn id="2" dur="indefinite" nodeType="mainSeq">
+                <p:childTnLst>
+                  <p:par>
+                    <p:cTn id="3" fill="hold">
+                      <p:stCondLst>
+                        <p:cond delay="indefinite"/>
+                      </p:stCondLst>
+                      <p:childTnLst>
+                        <p:par>
+                          <p:cTn id="4" fill="hold">
+                            <p:stCondLst>
+                              <p:cond delay="0"/>
+                            </p:stCondLst>
+                            <p:childTnLst>
+                              <p:par>
+                                <p:cTn id="5" presetID="2" presetClass="entr" presetSubtype="4" fill="hold" nodeType="clickEffect">
+                                  <p:stCondLst>
+                                    <p:cond delay="0"/>
+                                  </p:stCondLst>
+                                  <p:childTnLst>
+                                    <p:set>
+                                      <p:cBhvr>
+                                        <p:cTn id="6" dur="1" fill="hold">
+                                          <p:stCondLst>
+                                            <p:cond delay="0"/>
+                                          </p:stCondLst>
+                                        </p:cTn>
+                                        <p:tgtEl>
+                                          <p:spTgt spid="5"/>
+                                        </p:tgtEl>
+                                        <p:attrNameLst>
+                                          <p:attrName>style.visibility</p:attrName>
+                                        </p:attrNameLst>
+                                      </p:cBhvr>
+                                      <p:to>
+                                        <p:strVal val="visible"/>
+                                      </p:to>
+                                    </p:set>
+                                    <p:anim calcmode="lin" valueType="num">
+                                      <p:cBhvr additive="base">
+                                        <p:cTn id="7" dur="500" fill="hold"/>
+                                        <p:tgtEl>
+                                          <p:spTgt spid="5"/>
+                                        </p:tgtEl>
+                                        <p:attrNameLst>
+                                          <p:attrName>ppt_x</p:attrName>
+                                        </p:attrNameLst>
+                                      </p:cBhvr>
+                                      <p:tavLst>
+                                        <p:tav tm="0">
+                                          <p:val>
+                                            <p:strVal val="#ppt_x"/>
+                                          </p:val>
+                                        </p:tav>
+                                        <p:tav tm="100000">
+                                          <p:val>
+                                            <p:strVal val="#ppt_x"/>
+                                          </p:val>
+                                        </p:tav>
+                                      </p:tavLst>
+                                    </p:anim>
+                                    <p:anim calcmode="lin" valueType="num">
+                                      <p:cBhvr additive="base">
+                                        <p:cTn id="8" dur="500" fill="hold"/>
+                                        <p:tgtEl>
+                                          <p:spTgt spid="5"/>
+                                        </p:tgtEl>
+                                        <p:attrNameLst>
+                                          <p:attrName>ppt_y</p:attrName>
+                                        </p:attrNameLst>
+                                      </p:cBhvr>
+                                      <p:tavLst>
+                                        <p:tav tm="0">
+                                          <p:val>
+                                            <p:strVal val="1+#ppt_h/2"/>
+                                          </p:val>
+                                        </p:tav>
+                                        <p:tav tm="100000">
+                                          <p:val>
+                                            <p:strVal val="#ppt_y"/>
+                                          </p:val>
+                                        </p:tav>
+                                      </p:tavLst>
+                                    </p:anim>
+                                  </p:childTnLst>
+                                </p:cTn>
+                              </p:par>
+                            </p:childTnLst>
+                          </p:cTn>
+                        </p:par>
+                      </p:childTnLst>
+                    </p:cTn>
+                  </p:par>
+                </p:childTnLst>
+              </p:cTn>
+              <p:prevCondLst>
+                <p:cond evt="onPrev" delay="0">
+                  <p:tgtEl>
+                    <p:sldTgt/>
+                  </p:tgtEl>
+                </p:cond>
+              </p:prevCondLst>
+              <p:nextCondLst>
+                <p:cond evt="onNext" delay="0">
+                  <p:tgtEl>
+                    <p:sldTgt/>
+                  </p:tgtEl>
+                </p:cond>
+              </p:nextCondLst>
+            </p:seq>
+          </p:childTnLst>
+        </p:cTn>
       </p:par>
     </p:tnLst>
   </p:timing>
@@ -11220,7 +11634,121 @@
   <p:timing>
     <p:tnLst>
       <p:par>
-        <p:cTn id="1" dur="indefinite" restart="never" nodeType="tmRoot"/>
+        <p:cTn id="1" dur="indefinite" restart="never" nodeType="tmRoot">
+          <p:childTnLst>
+            <p:seq concurrent="1" nextAc="seek">
+              <p:cTn id="2" dur="indefinite" nodeType="mainSeq">
+                <p:childTnLst>
+                  <p:par>
+                    <p:cTn id="3" fill="hold">
+                      <p:stCondLst>
+                        <p:cond delay="indefinite"/>
+                      </p:stCondLst>
+                      <p:childTnLst>
+                        <p:par>
+                          <p:cTn id="4" fill="hold">
+                            <p:stCondLst>
+                              <p:cond delay="0"/>
+                            </p:stCondLst>
+                            <p:childTnLst>
+                              <p:par>
+                                <p:cTn id="5" presetID="2" presetClass="entr" presetSubtype="4" fill="hold" nodeType="clickEffect">
+                                  <p:stCondLst>
+                                    <p:cond delay="0"/>
+                                  </p:stCondLst>
+                                  <p:childTnLst>
+                                    <p:set>
+                                      <p:cBhvr>
+                                        <p:cTn id="6" dur="1" fill="hold">
+                                          <p:stCondLst>
+                                            <p:cond delay="0"/>
+                                          </p:stCondLst>
+                                        </p:cTn>
+                                        <p:tgtEl>
+                                          <p:spTgt spid="3"/>
+                                        </p:tgtEl>
+                                        <p:attrNameLst>
+                                          <p:attrName>style.visibility</p:attrName>
+                                        </p:attrNameLst>
+                                      </p:cBhvr>
+                                      <p:to>
+                                        <p:strVal val="visible"/>
+                                      </p:to>
+                                    </p:set>
+                                    <p:anim calcmode="lin" valueType="num">
+                                      <p:cBhvr additive="base">
+                                        <p:cTn id="7" dur="500" fill="hold"/>
+                                        <p:tgtEl>
+                                          <p:spTgt spid="3"/>
+                                        </p:tgtEl>
+                                        <p:attrNameLst>
+                                          <p:attrName>ppt_x</p:attrName>
+                                        </p:attrNameLst>
+                                      </p:cBhvr>
+                                      <p:tavLst>
+                                        <p:tav tm="0">
+                                          <p:val>
+                                            <p:strVal val="#ppt_x"/>
+                                          </p:val>
+                                        </p:tav>
+                                        <p:tav tm="100000">
+                                          <p:val>
+                                            <p:strVal val="#ppt_x"/>
+                                          </p:val>
+                                        </p:tav>
+                                      </p:tavLst>
+                                    </p:anim>
+                                    <p:anim calcmode="lin" valueType="num">
+                                      <p:cBhvr additive="base">
+                                        <p:cTn id="8" dur="500" fill="hold"/>
+                                        <p:tgtEl>
+                                          <p:spTgt spid="3"/>
+                                        </p:tgtEl>
+                                        <p:attrNameLst>
+                                          <p:attrName>ppt_y</p:attrName>
+                                        </p:attrNameLst>
+                                      </p:cBhvr>
+                                      <p:tavLst>
+                                        <p:tav tm="0">
+                                          <p:val>
+                                            <p:strVal val="1+#ppt_h/2"/>
+                                          </p:val>
+                                        </p:tav>
+                                        <p:tav tm="100000">
+                                          <p:val>
+                                            <p:strVal val="#ppt_y"/>
+                                          </p:val>
+                                        </p:tav>
+                                      </p:tavLst>
+                                    </p:anim>
+                                  </p:childTnLst>
+                                </p:cTn>
+                              </p:par>
+                            </p:childTnLst>
+                          </p:cTn>
+                        </p:par>
+                      </p:childTnLst>
+                    </p:cTn>
+                  </p:par>
+                </p:childTnLst>
+              </p:cTn>
+              <p:prevCondLst>
+                <p:cond evt="onPrev" delay="0">
+                  <p:tgtEl>
+                    <p:sldTgt/>
+                  </p:tgtEl>
+                </p:cond>
+              </p:prevCondLst>
+              <p:nextCondLst>
+                <p:cond evt="onNext" delay="0">
+                  <p:tgtEl>
+                    <p:sldTgt/>
+                  </p:tgtEl>
+                </p:cond>
+              </p:nextCondLst>
+            </p:seq>
+          </p:childTnLst>
+        </p:cTn>
       </p:par>
     </p:tnLst>
   </p:timing>
@@ -14204,7 +14732,7 @@
                             </p:stCondLst>
                             <p:childTnLst>
                               <p:par>
-                                <p:cTn id="5" presetID="1" presetClass="entr" presetSubtype="0" fill="hold" nodeType="clickEffect">
+                                <p:cTn id="5" presetID="2" presetClass="entr" presetSubtype="4" fill="hold" nodeType="clickEffect">
                                   <p:stCondLst>
                                     <p:cond delay="0"/>
                                   </p:stCondLst>
@@ -14227,6 +14755,52 @@
                                         <p:strVal val="visible"/>
                                       </p:to>
                                     </p:set>
+                                    <p:anim calcmode="lin" valueType="num">
+                                      <p:cBhvr additive="base">
+                                        <p:cTn id="7" dur="500" fill="hold"/>
+                                        <p:tgtEl>
+                                          <p:spTgt spid="4"/>
+                                        </p:tgtEl>
+                                        <p:attrNameLst>
+                                          <p:attrName>ppt_x</p:attrName>
+                                        </p:attrNameLst>
+                                      </p:cBhvr>
+                                      <p:tavLst>
+                                        <p:tav tm="0">
+                                          <p:val>
+                                            <p:strVal val="#ppt_x"/>
+                                          </p:val>
+                                        </p:tav>
+                                        <p:tav tm="100000">
+                                          <p:val>
+                                            <p:strVal val="#ppt_x"/>
+                                          </p:val>
+                                        </p:tav>
+                                      </p:tavLst>
+                                    </p:anim>
+                                    <p:anim calcmode="lin" valueType="num">
+                                      <p:cBhvr additive="base">
+                                        <p:cTn id="8" dur="500" fill="hold"/>
+                                        <p:tgtEl>
+                                          <p:spTgt spid="4"/>
+                                        </p:tgtEl>
+                                        <p:attrNameLst>
+                                          <p:attrName>ppt_y</p:attrName>
+                                        </p:attrNameLst>
+                                      </p:cBhvr>
+                                      <p:tavLst>
+                                        <p:tav tm="0">
+                                          <p:val>
+                                            <p:strVal val="1+#ppt_h/2"/>
+                                          </p:val>
+                                        </p:tav>
+                                        <p:tav tm="100000">
+                                          <p:val>
+                                            <p:strVal val="#ppt_y"/>
+                                          </p:val>
+                                        </p:tav>
+                                      </p:tavLst>
+                                    </p:anim>
                                   </p:childTnLst>
                                 </p:cTn>
                               </p:par>
@@ -14324,14 +14898,14 @@
             <p:ph idx="1"/>
             <p:extLst>
               <p:ext uri="{D42A27DB-BD31-4B8C-83A1-F6EECF244321}">
-                <p14:modId xmlns:p14="http://schemas.microsoft.com/office/powerpoint/2010/main" val="65518754"/>
+                <p14:modId xmlns:p14="http://schemas.microsoft.com/office/powerpoint/2010/main" val="3436256001"/>
               </p:ext>
             </p:extLst>
           </p:nvPr>
         </p:nvGraphicFramePr>
         <p:xfrm>
-          <a:off x="1415480" y="1628800"/>
-          <a:ext cx="8928992" cy="5078945"/>
+          <a:off x="1609292" y="1556792"/>
+          <a:ext cx="9001000" cy="5078945"/>
         </p:xfrm>
         <a:graphic>
           <a:graphicData uri="http://schemas.openxmlformats.org/drawingml/2006/table">
@@ -14340,7 +14914,7 @@
                 <a:tableStyleId>{3C2FFA5D-87B4-456A-9821-1D502468CF0F}</a:tableStyleId>
               </a:tblPr>
               <a:tblGrid>
-                <a:gridCol w="2232248">
+                <a:gridCol w="2304256">
                   <a:extLst>
                     <a:ext uri="{9D8B030D-6E8A-4147-A177-3AD203B41FA5}">
                       <a16:colId xmlns:a16="http://schemas.microsoft.com/office/drawing/2014/main" val="20000"/>
@@ -15533,7 +16107,7 @@
                             </p:stCondLst>
                             <p:childTnLst>
                               <p:par>
-                                <p:cTn id="5" presetID="1" presetClass="entr" presetSubtype="0" fill="hold" nodeType="clickEffect">
+                                <p:cTn id="5" presetID="2" presetClass="entr" presetSubtype="4" fill="hold" nodeType="clickEffect">
                                   <p:stCondLst>
                                     <p:cond delay="0"/>
                                   </p:stCondLst>
@@ -15556,6 +16130,52 @@
                                         <p:strVal val="visible"/>
                                       </p:to>
                                     </p:set>
+                                    <p:anim calcmode="lin" valueType="num">
+                                      <p:cBhvr additive="base">
+                                        <p:cTn id="7" dur="500" fill="hold"/>
+                                        <p:tgtEl>
+                                          <p:spTgt spid="4"/>
+                                        </p:tgtEl>
+                                        <p:attrNameLst>
+                                          <p:attrName>ppt_x</p:attrName>
+                                        </p:attrNameLst>
+                                      </p:cBhvr>
+                                      <p:tavLst>
+                                        <p:tav tm="0">
+                                          <p:val>
+                                            <p:strVal val="#ppt_x"/>
+                                          </p:val>
+                                        </p:tav>
+                                        <p:tav tm="100000">
+                                          <p:val>
+                                            <p:strVal val="#ppt_x"/>
+                                          </p:val>
+                                        </p:tav>
+                                      </p:tavLst>
+                                    </p:anim>
+                                    <p:anim calcmode="lin" valueType="num">
+                                      <p:cBhvr additive="base">
+                                        <p:cTn id="8" dur="500" fill="hold"/>
+                                        <p:tgtEl>
+                                          <p:spTgt spid="4"/>
+                                        </p:tgtEl>
+                                        <p:attrNameLst>
+                                          <p:attrName>ppt_y</p:attrName>
+                                        </p:attrNameLst>
+                                      </p:cBhvr>
+                                      <p:tavLst>
+                                        <p:tav tm="0">
+                                          <p:val>
+                                            <p:strVal val="1+#ppt_h/2"/>
+                                          </p:val>
+                                        </p:tav>
+                                        <p:tav tm="100000">
+                                          <p:val>
+                                            <p:strVal val="#ppt_y"/>
+                                          </p:val>
+                                        </p:tav>
+                                      </p:tavLst>
+                                    </p:anim>
                                   </p:childTnLst>
                                 </p:cTn>
                               </p:par>
@@ -15641,11 +16261,7 @@
             </a:br>
             <a:r>
               <a:rPr lang="ru-RU" dirty="0" smtClean="0"/>
-              <a:t>стал популярнее на </a:t>
-            </a:r>
-            <a:r>
-              <a:rPr lang="ru-RU" dirty="0" smtClean="0"/>
-              <a:t>13,7%</a:t>
+              <a:t>стал популярнее на 13,7%</a:t>
             </a:r>
             <a:r>
               <a:rPr lang="en-US" dirty="0" smtClean="0"/>
@@ -15695,8 +16311,8 @@
         </p:blipFill>
         <p:spPr>
           <a:xfrm>
-            <a:off x="1429968" y="1600200"/>
-            <a:ext cx="9332063" cy="4525963"/>
+            <a:off x="695400" y="1556792"/>
+            <a:ext cx="10673678" cy="5176633"/>
           </a:xfrm>
         </p:spPr>
       </p:pic>
@@ -15713,7 +16329,121 @@
   <p:timing>
     <p:tnLst>
       <p:par>
-        <p:cTn id="1" dur="indefinite" restart="never" nodeType="tmRoot"/>
+        <p:cTn id="1" dur="indefinite" restart="never" nodeType="tmRoot">
+          <p:childTnLst>
+            <p:seq concurrent="1" nextAc="seek">
+              <p:cTn id="2" dur="indefinite" nodeType="mainSeq">
+                <p:childTnLst>
+                  <p:par>
+                    <p:cTn id="3" fill="hold">
+                      <p:stCondLst>
+                        <p:cond delay="indefinite"/>
+                      </p:stCondLst>
+                      <p:childTnLst>
+                        <p:par>
+                          <p:cTn id="4" fill="hold">
+                            <p:stCondLst>
+                              <p:cond delay="0"/>
+                            </p:stCondLst>
+                            <p:childTnLst>
+                              <p:par>
+                                <p:cTn id="5" presetID="2" presetClass="entr" presetSubtype="4" fill="hold" nodeType="clickEffect">
+                                  <p:stCondLst>
+                                    <p:cond delay="0"/>
+                                  </p:stCondLst>
+                                  <p:childTnLst>
+                                    <p:set>
+                                      <p:cBhvr>
+                                        <p:cTn id="6" dur="1" fill="hold">
+                                          <p:stCondLst>
+                                            <p:cond delay="0"/>
+                                          </p:stCondLst>
+                                        </p:cTn>
+                                        <p:tgtEl>
+                                          <p:spTgt spid="5"/>
+                                        </p:tgtEl>
+                                        <p:attrNameLst>
+                                          <p:attrName>style.visibility</p:attrName>
+                                        </p:attrNameLst>
+                                      </p:cBhvr>
+                                      <p:to>
+                                        <p:strVal val="visible"/>
+                                      </p:to>
+                                    </p:set>
+                                    <p:anim calcmode="lin" valueType="num">
+                                      <p:cBhvr additive="base">
+                                        <p:cTn id="7" dur="500" fill="hold"/>
+                                        <p:tgtEl>
+                                          <p:spTgt spid="5"/>
+                                        </p:tgtEl>
+                                        <p:attrNameLst>
+                                          <p:attrName>ppt_x</p:attrName>
+                                        </p:attrNameLst>
+                                      </p:cBhvr>
+                                      <p:tavLst>
+                                        <p:tav tm="0">
+                                          <p:val>
+                                            <p:strVal val="#ppt_x"/>
+                                          </p:val>
+                                        </p:tav>
+                                        <p:tav tm="100000">
+                                          <p:val>
+                                            <p:strVal val="#ppt_x"/>
+                                          </p:val>
+                                        </p:tav>
+                                      </p:tavLst>
+                                    </p:anim>
+                                    <p:anim calcmode="lin" valueType="num">
+                                      <p:cBhvr additive="base">
+                                        <p:cTn id="8" dur="500" fill="hold"/>
+                                        <p:tgtEl>
+                                          <p:spTgt spid="5"/>
+                                        </p:tgtEl>
+                                        <p:attrNameLst>
+                                          <p:attrName>ppt_y</p:attrName>
+                                        </p:attrNameLst>
+                                      </p:cBhvr>
+                                      <p:tavLst>
+                                        <p:tav tm="0">
+                                          <p:val>
+                                            <p:strVal val="1+#ppt_h/2"/>
+                                          </p:val>
+                                        </p:tav>
+                                        <p:tav tm="100000">
+                                          <p:val>
+                                            <p:strVal val="#ppt_y"/>
+                                          </p:val>
+                                        </p:tav>
+                                      </p:tavLst>
+                                    </p:anim>
+                                  </p:childTnLst>
+                                </p:cTn>
+                              </p:par>
+                            </p:childTnLst>
+                          </p:cTn>
+                        </p:par>
+                      </p:childTnLst>
+                    </p:cTn>
+                  </p:par>
+                </p:childTnLst>
+              </p:cTn>
+              <p:prevCondLst>
+                <p:cond evt="onPrev" delay="0">
+                  <p:tgtEl>
+                    <p:sldTgt/>
+                  </p:tgtEl>
+                </p:cond>
+              </p:prevCondLst>
+              <p:nextCondLst>
+                <p:cond evt="onNext" delay="0">
+                  <p:tgtEl>
+                    <p:sldTgt/>
+                  </p:tgtEl>
+                </p:cond>
+              </p:nextCondLst>
+            </p:seq>
+          </p:childTnLst>
+        </p:cTn>
       </p:par>
     </p:tnLst>
   </p:timing>
@@ -16164,9 +16894,199 @@
   <p:timing>
     <p:tnLst>
       <p:par>
-        <p:cTn id="1" dur="indefinite" restart="never" nodeType="tmRoot"/>
+        <p:cTn id="1" dur="indefinite" restart="never" nodeType="tmRoot">
+          <p:childTnLst>
+            <p:seq concurrent="1" nextAc="seek">
+              <p:cTn id="2" dur="indefinite" nodeType="mainSeq">
+                <p:childTnLst>
+                  <p:par>
+                    <p:cTn id="3" fill="hold">
+                      <p:stCondLst>
+                        <p:cond delay="indefinite"/>
+                      </p:stCondLst>
+                      <p:childTnLst>
+                        <p:par>
+                          <p:cTn id="4" fill="hold">
+                            <p:stCondLst>
+                              <p:cond delay="0"/>
+                            </p:stCondLst>
+                            <p:childTnLst>
+                              <p:par>
+                                <p:cTn id="5" presetID="2" presetClass="entr" presetSubtype="4" fill="hold" nodeType="clickEffect">
+                                  <p:stCondLst>
+                                    <p:cond delay="0"/>
+                                  </p:stCondLst>
+                                  <p:childTnLst>
+                                    <p:set>
+                                      <p:cBhvr>
+                                        <p:cTn id="6" dur="1" fill="hold">
+                                          <p:stCondLst>
+                                            <p:cond delay="0"/>
+                                          </p:stCondLst>
+                                        </p:cTn>
+                                        <p:tgtEl>
+                                          <p:spTgt spid="4"/>
+                                        </p:tgtEl>
+                                        <p:attrNameLst>
+                                          <p:attrName>style.visibility</p:attrName>
+                                        </p:attrNameLst>
+                                      </p:cBhvr>
+                                      <p:to>
+                                        <p:strVal val="visible"/>
+                                      </p:to>
+                                    </p:set>
+                                    <p:anim calcmode="lin" valueType="num">
+                                      <p:cBhvr additive="base">
+                                        <p:cTn id="7" dur="500" fill="hold"/>
+                                        <p:tgtEl>
+                                          <p:spTgt spid="4"/>
+                                        </p:tgtEl>
+                                        <p:attrNameLst>
+                                          <p:attrName>ppt_x</p:attrName>
+                                        </p:attrNameLst>
+                                      </p:cBhvr>
+                                      <p:tavLst>
+                                        <p:tav tm="0">
+                                          <p:val>
+                                            <p:strVal val="#ppt_x"/>
+                                          </p:val>
+                                        </p:tav>
+                                        <p:tav tm="100000">
+                                          <p:val>
+                                            <p:strVal val="#ppt_x"/>
+                                          </p:val>
+                                        </p:tav>
+                                      </p:tavLst>
+                                    </p:anim>
+                                    <p:anim calcmode="lin" valueType="num">
+                                      <p:cBhvr additive="base">
+                                        <p:cTn id="8" dur="500" fill="hold"/>
+                                        <p:tgtEl>
+                                          <p:spTgt spid="4"/>
+                                        </p:tgtEl>
+                                        <p:attrNameLst>
+                                          <p:attrName>ppt_y</p:attrName>
+                                        </p:attrNameLst>
+                                      </p:cBhvr>
+                                      <p:tavLst>
+                                        <p:tav tm="0">
+                                          <p:val>
+                                            <p:strVal val="1+#ppt_h/2"/>
+                                          </p:val>
+                                        </p:tav>
+                                        <p:tav tm="100000">
+                                          <p:val>
+                                            <p:strVal val="#ppt_y"/>
+                                          </p:val>
+                                        </p:tav>
+                                      </p:tavLst>
+                                    </p:anim>
+                                  </p:childTnLst>
+                                </p:cTn>
+                              </p:par>
+                              <p:par>
+                                <p:cTn id="9" presetID="2" presetClass="entr" presetSubtype="4" fill="hold" grpId="0" nodeType="withEffect">
+                                  <p:stCondLst>
+                                    <p:cond delay="0"/>
+                                  </p:stCondLst>
+                                  <p:childTnLst>
+                                    <p:set>
+                                      <p:cBhvr>
+                                        <p:cTn id="10" dur="1" fill="hold">
+                                          <p:stCondLst>
+                                            <p:cond delay="0"/>
+                                          </p:stCondLst>
+                                        </p:cTn>
+                                        <p:tgtEl>
+                                          <p:spTgt spid="5"/>
+                                        </p:tgtEl>
+                                        <p:attrNameLst>
+                                          <p:attrName>style.visibility</p:attrName>
+                                        </p:attrNameLst>
+                                      </p:cBhvr>
+                                      <p:to>
+                                        <p:strVal val="visible"/>
+                                      </p:to>
+                                    </p:set>
+                                    <p:anim calcmode="lin" valueType="num">
+                                      <p:cBhvr additive="base">
+                                        <p:cTn id="11" dur="500" fill="hold"/>
+                                        <p:tgtEl>
+                                          <p:spTgt spid="5"/>
+                                        </p:tgtEl>
+                                        <p:attrNameLst>
+                                          <p:attrName>ppt_x</p:attrName>
+                                        </p:attrNameLst>
+                                      </p:cBhvr>
+                                      <p:tavLst>
+                                        <p:tav tm="0">
+                                          <p:val>
+                                            <p:strVal val="#ppt_x"/>
+                                          </p:val>
+                                        </p:tav>
+                                        <p:tav tm="100000">
+                                          <p:val>
+                                            <p:strVal val="#ppt_x"/>
+                                          </p:val>
+                                        </p:tav>
+                                      </p:tavLst>
+                                    </p:anim>
+                                    <p:anim calcmode="lin" valueType="num">
+                                      <p:cBhvr additive="base">
+                                        <p:cTn id="12" dur="500" fill="hold"/>
+                                        <p:tgtEl>
+                                          <p:spTgt spid="5"/>
+                                        </p:tgtEl>
+                                        <p:attrNameLst>
+                                          <p:attrName>ppt_y</p:attrName>
+                                        </p:attrNameLst>
+                                      </p:cBhvr>
+                                      <p:tavLst>
+                                        <p:tav tm="0">
+                                          <p:val>
+                                            <p:strVal val="1+#ppt_h/2"/>
+                                          </p:val>
+                                        </p:tav>
+                                        <p:tav tm="100000">
+                                          <p:val>
+                                            <p:strVal val="#ppt_y"/>
+                                          </p:val>
+                                        </p:tav>
+                                      </p:tavLst>
+                                    </p:anim>
+                                  </p:childTnLst>
+                                </p:cTn>
+                              </p:par>
+                            </p:childTnLst>
+                          </p:cTn>
+                        </p:par>
+                      </p:childTnLst>
+                    </p:cTn>
+                  </p:par>
+                </p:childTnLst>
+              </p:cTn>
+              <p:prevCondLst>
+                <p:cond evt="onPrev" delay="0">
+                  <p:tgtEl>
+                    <p:sldTgt/>
+                  </p:tgtEl>
+                </p:cond>
+              </p:prevCondLst>
+              <p:nextCondLst>
+                <p:cond evt="onNext" delay="0">
+                  <p:tgtEl>
+                    <p:sldTgt/>
+                  </p:tgtEl>
+                </p:cond>
+              </p:nextCondLst>
+            </p:seq>
+          </p:childTnLst>
+        </p:cTn>
       </p:par>
     </p:tnLst>
+    <p:bldLst>
+      <p:bldP spid="5" grpId="0"/>
+    </p:bldLst>
   </p:timing>
 </p:sld>
 </file>

--- a/webminar.pptx
+++ b/webminar.pptx
@@ -235,7 +235,7 @@
           <a:p>
             <a:fld id="{02324BB6-ADF9-477E-BA61-F60537F49E1A}" type="datetimeFigureOut">
               <a:rPr lang="ru-RU" smtClean="0"/>
-              <a:t>17.07.2018</a:t>
+              <a:t>21.08.2018</a:t>
             </a:fld>
             <a:endParaRPr lang="ru-RU"/>
           </a:p>
@@ -838,7 +838,7 @@
           <a:p>
             <a:fld id="{FC1A96A7-B107-4A76-9BCA-351E6EBF71DD}" type="datetimeFigureOut">
               <a:rPr lang="ru-RU" smtClean="0"/>
-              <a:t>17.07.2018</a:t>
+              <a:t>21.08.2018</a:t>
             </a:fld>
             <a:endParaRPr lang="ru-RU"/>
           </a:p>
@@ -1015,7 +1015,7 @@
           <a:p>
             <a:fld id="{FC1A96A7-B107-4A76-9BCA-351E6EBF71DD}" type="datetimeFigureOut">
               <a:rPr lang="ru-RU" smtClean="0"/>
-              <a:t>17.07.2018</a:t>
+              <a:t>21.08.2018</a:t>
             </a:fld>
             <a:endParaRPr lang="ru-RU"/>
           </a:p>
@@ -1195,7 +1195,7 @@
           <a:p>
             <a:fld id="{FC1A96A7-B107-4A76-9BCA-351E6EBF71DD}" type="datetimeFigureOut">
               <a:rPr lang="ru-RU" smtClean="0"/>
-              <a:t>17.07.2018</a:t>
+              <a:t>21.08.2018</a:t>
             </a:fld>
             <a:endParaRPr lang="ru-RU"/>
           </a:p>
@@ -1365,7 +1365,7 @@
           <a:p>
             <a:fld id="{FC1A96A7-B107-4A76-9BCA-351E6EBF71DD}" type="datetimeFigureOut">
               <a:rPr lang="ru-RU" smtClean="0"/>
-              <a:t>17.07.2018</a:t>
+              <a:t>21.08.2018</a:t>
             </a:fld>
             <a:endParaRPr lang="ru-RU"/>
           </a:p>
@@ -1611,7 +1611,7 @@
           <a:p>
             <a:fld id="{FC1A96A7-B107-4A76-9BCA-351E6EBF71DD}" type="datetimeFigureOut">
               <a:rPr lang="ru-RU" smtClean="0"/>
-              <a:t>17.07.2018</a:t>
+              <a:t>21.08.2018</a:t>
             </a:fld>
             <a:endParaRPr lang="ru-RU"/>
           </a:p>
@@ -1899,7 +1899,7 @@
           <a:p>
             <a:fld id="{FC1A96A7-B107-4A76-9BCA-351E6EBF71DD}" type="datetimeFigureOut">
               <a:rPr lang="ru-RU" smtClean="0"/>
-              <a:t>17.07.2018</a:t>
+              <a:t>21.08.2018</a:t>
             </a:fld>
             <a:endParaRPr lang="ru-RU"/>
           </a:p>
@@ -2321,7 +2321,7 @@
           <a:p>
             <a:fld id="{FC1A96A7-B107-4A76-9BCA-351E6EBF71DD}" type="datetimeFigureOut">
               <a:rPr lang="ru-RU" smtClean="0"/>
-              <a:t>17.07.2018</a:t>
+              <a:t>21.08.2018</a:t>
             </a:fld>
             <a:endParaRPr lang="ru-RU"/>
           </a:p>
@@ -2439,7 +2439,7 @@
           <a:p>
             <a:fld id="{FC1A96A7-B107-4A76-9BCA-351E6EBF71DD}" type="datetimeFigureOut">
               <a:rPr lang="ru-RU" smtClean="0"/>
-              <a:t>17.07.2018</a:t>
+              <a:t>21.08.2018</a:t>
             </a:fld>
             <a:endParaRPr lang="ru-RU"/>
           </a:p>
@@ -2534,7 +2534,7 @@
           <a:p>
             <a:fld id="{FC1A96A7-B107-4A76-9BCA-351E6EBF71DD}" type="datetimeFigureOut">
               <a:rPr lang="ru-RU" smtClean="0"/>
-              <a:t>17.07.2018</a:t>
+              <a:t>21.08.2018</a:t>
             </a:fld>
             <a:endParaRPr lang="ru-RU"/>
           </a:p>
@@ -2811,7 +2811,7 @@
           <a:p>
             <a:fld id="{FC1A96A7-B107-4A76-9BCA-351E6EBF71DD}" type="datetimeFigureOut">
               <a:rPr lang="ru-RU" smtClean="0"/>
-              <a:t>17.07.2018</a:t>
+              <a:t>21.08.2018</a:t>
             </a:fld>
             <a:endParaRPr lang="ru-RU"/>
           </a:p>
@@ -3064,7 +3064,7 @@
           <a:p>
             <a:fld id="{FC1A96A7-B107-4A76-9BCA-351E6EBF71DD}" type="datetimeFigureOut">
               <a:rPr lang="ru-RU" smtClean="0"/>
-              <a:t>17.07.2018</a:t>
+              <a:t>21.08.2018</a:t>
             </a:fld>
             <a:endParaRPr lang="ru-RU"/>
           </a:p>
@@ -3277,7 +3277,7 @@
           <a:p>
             <a:fld id="{FC1A96A7-B107-4A76-9BCA-351E6EBF71DD}" type="datetimeFigureOut">
               <a:rPr lang="ru-RU" smtClean="0"/>
-              <a:t>17.07.2018</a:t>
+              <a:t>21.08.2018</a:t>
             </a:fld>
             <a:endParaRPr lang="ru-RU"/>
           </a:p>
@@ -3719,7 +3719,7 @@
       </p:sp>
       <p:pic>
         <p:nvPicPr>
-          <p:cNvPr id="5" name="Picture 4"/>
+          <p:cNvPr id="4" name="Picture 3"/>
           <p:cNvPicPr>
             <a:picLocks noChangeAspect="1"/>
           </p:cNvPicPr>
@@ -3733,8 +3733,8 @@
         </p:blipFill>
         <p:spPr>
           <a:xfrm>
-            <a:off x="0" y="-15047"/>
-            <a:ext cx="12192000" cy="6873047"/>
+            <a:off x="0" y="0"/>
+            <a:ext cx="12186592" cy="6858000"/>
           </a:xfrm>
           <a:prstGeom prst="rect">
             <a:avLst/>

--- a/webminar.pptx
+++ b/webminar.pptx
@@ -5,7 +5,7 @@
     <p:sldMasterId id="2147483648" r:id="rId1"/>
   </p:sldMasterIdLst>
   <p:notesMasterIdLst>
-    <p:notesMasterId r:id="rId30"/>
+    <p:notesMasterId r:id="rId32"/>
   </p:notesMasterIdLst>
   <p:sldIdLst>
     <p:sldId id="256" r:id="rId2"/>
@@ -15,27 +15,29 @@
     <p:sldId id="308" r:id="rId6"/>
     <p:sldId id="315" r:id="rId7"/>
     <p:sldId id="309" r:id="rId8"/>
-    <p:sldId id="307" r:id="rId9"/>
-    <p:sldId id="316" r:id="rId10"/>
-    <p:sldId id="264" r:id="rId11"/>
-    <p:sldId id="261" r:id="rId12"/>
-    <p:sldId id="260" r:id="rId13"/>
-    <p:sldId id="262" r:id="rId14"/>
-    <p:sldId id="310" r:id="rId15"/>
-    <p:sldId id="295" r:id="rId16"/>
-    <p:sldId id="306" r:id="rId17"/>
-    <p:sldId id="297" r:id="rId18"/>
-    <p:sldId id="298" r:id="rId19"/>
-    <p:sldId id="299" r:id="rId20"/>
-    <p:sldId id="300" r:id="rId21"/>
-    <p:sldId id="301" r:id="rId22"/>
-    <p:sldId id="303" r:id="rId23"/>
-    <p:sldId id="312" r:id="rId24"/>
-    <p:sldId id="313" r:id="rId25"/>
-    <p:sldId id="311" r:id="rId26"/>
-    <p:sldId id="314" r:id="rId27"/>
-    <p:sldId id="304" r:id="rId28"/>
-    <p:sldId id="305" r:id="rId29"/>
+    <p:sldId id="318" r:id="rId9"/>
+    <p:sldId id="307" r:id="rId10"/>
+    <p:sldId id="316" r:id="rId11"/>
+    <p:sldId id="264" r:id="rId12"/>
+    <p:sldId id="261" r:id="rId13"/>
+    <p:sldId id="260" r:id="rId14"/>
+    <p:sldId id="262" r:id="rId15"/>
+    <p:sldId id="310" r:id="rId16"/>
+    <p:sldId id="295" r:id="rId17"/>
+    <p:sldId id="306" r:id="rId18"/>
+    <p:sldId id="297" r:id="rId19"/>
+    <p:sldId id="298" r:id="rId20"/>
+    <p:sldId id="299" r:id="rId21"/>
+    <p:sldId id="300" r:id="rId22"/>
+    <p:sldId id="301" r:id="rId23"/>
+    <p:sldId id="303" r:id="rId24"/>
+    <p:sldId id="312" r:id="rId25"/>
+    <p:sldId id="313" r:id="rId26"/>
+    <p:sldId id="311" r:id="rId27"/>
+    <p:sldId id="314" r:id="rId28"/>
+    <p:sldId id="304" r:id="rId29"/>
+    <p:sldId id="317" r:id="rId30"/>
+    <p:sldId id="305" r:id="rId31"/>
   </p:sldIdLst>
   <p:sldSz cx="12192000" cy="6858000"/>
   <p:notesSz cx="6858000" cy="9144000"/>
@@ -235,7 +237,7 @@
           <a:p>
             <a:fld id="{02324BB6-ADF9-477E-BA61-F60537F49E1A}" type="datetimeFigureOut">
               <a:rPr lang="ru-RU" smtClean="0"/>
-              <a:t>21.08.2018</a:t>
+              <a:t>05.09.2018</a:t>
             </a:fld>
             <a:endParaRPr lang="ru-RU"/>
           </a:p>
@@ -838,7 +840,7 @@
           <a:p>
             <a:fld id="{FC1A96A7-B107-4A76-9BCA-351E6EBF71DD}" type="datetimeFigureOut">
               <a:rPr lang="ru-RU" smtClean="0"/>
-              <a:t>21.08.2018</a:t>
+              <a:t>05.09.2018</a:t>
             </a:fld>
             <a:endParaRPr lang="ru-RU"/>
           </a:p>
@@ -1015,7 +1017,7 @@
           <a:p>
             <a:fld id="{FC1A96A7-B107-4A76-9BCA-351E6EBF71DD}" type="datetimeFigureOut">
               <a:rPr lang="ru-RU" smtClean="0"/>
-              <a:t>21.08.2018</a:t>
+              <a:t>05.09.2018</a:t>
             </a:fld>
             <a:endParaRPr lang="ru-RU"/>
           </a:p>
@@ -1195,7 +1197,7 @@
           <a:p>
             <a:fld id="{FC1A96A7-B107-4A76-9BCA-351E6EBF71DD}" type="datetimeFigureOut">
               <a:rPr lang="ru-RU" smtClean="0"/>
-              <a:t>21.08.2018</a:t>
+              <a:t>05.09.2018</a:t>
             </a:fld>
             <a:endParaRPr lang="ru-RU"/>
           </a:p>
@@ -1365,7 +1367,7 @@
           <a:p>
             <a:fld id="{FC1A96A7-B107-4A76-9BCA-351E6EBF71DD}" type="datetimeFigureOut">
               <a:rPr lang="ru-RU" smtClean="0"/>
-              <a:t>21.08.2018</a:t>
+              <a:t>05.09.2018</a:t>
             </a:fld>
             <a:endParaRPr lang="ru-RU"/>
           </a:p>
@@ -1611,7 +1613,7 @@
           <a:p>
             <a:fld id="{FC1A96A7-B107-4A76-9BCA-351E6EBF71DD}" type="datetimeFigureOut">
               <a:rPr lang="ru-RU" smtClean="0"/>
-              <a:t>21.08.2018</a:t>
+              <a:t>05.09.2018</a:t>
             </a:fld>
             <a:endParaRPr lang="ru-RU"/>
           </a:p>
@@ -1899,7 +1901,7 @@
           <a:p>
             <a:fld id="{FC1A96A7-B107-4A76-9BCA-351E6EBF71DD}" type="datetimeFigureOut">
               <a:rPr lang="ru-RU" smtClean="0"/>
-              <a:t>21.08.2018</a:t>
+              <a:t>05.09.2018</a:t>
             </a:fld>
             <a:endParaRPr lang="ru-RU"/>
           </a:p>
@@ -2321,7 +2323,7 @@
           <a:p>
             <a:fld id="{FC1A96A7-B107-4A76-9BCA-351E6EBF71DD}" type="datetimeFigureOut">
               <a:rPr lang="ru-RU" smtClean="0"/>
-              <a:t>21.08.2018</a:t>
+              <a:t>05.09.2018</a:t>
             </a:fld>
             <a:endParaRPr lang="ru-RU"/>
           </a:p>
@@ -2439,7 +2441,7 @@
           <a:p>
             <a:fld id="{FC1A96A7-B107-4A76-9BCA-351E6EBF71DD}" type="datetimeFigureOut">
               <a:rPr lang="ru-RU" smtClean="0"/>
-              <a:t>21.08.2018</a:t>
+              <a:t>05.09.2018</a:t>
             </a:fld>
             <a:endParaRPr lang="ru-RU"/>
           </a:p>
@@ -2534,7 +2536,7 @@
           <a:p>
             <a:fld id="{FC1A96A7-B107-4A76-9BCA-351E6EBF71DD}" type="datetimeFigureOut">
               <a:rPr lang="ru-RU" smtClean="0"/>
-              <a:t>21.08.2018</a:t>
+              <a:t>05.09.2018</a:t>
             </a:fld>
             <a:endParaRPr lang="ru-RU"/>
           </a:p>
@@ -2811,7 +2813,7 @@
           <a:p>
             <a:fld id="{FC1A96A7-B107-4A76-9BCA-351E6EBF71DD}" type="datetimeFigureOut">
               <a:rPr lang="ru-RU" smtClean="0"/>
-              <a:t>21.08.2018</a:t>
+              <a:t>05.09.2018</a:t>
             </a:fld>
             <a:endParaRPr lang="ru-RU"/>
           </a:p>
@@ -3064,7 +3066,7 @@
           <a:p>
             <a:fld id="{FC1A96A7-B107-4A76-9BCA-351E6EBF71DD}" type="datetimeFigureOut">
               <a:rPr lang="ru-RU" smtClean="0"/>
-              <a:t>21.08.2018</a:t>
+              <a:t>05.09.2018</a:t>
             </a:fld>
             <a:endParaRPr lang="ru-RU"/>
           </a:p>
@@ -3277,7 +3279,7 @@
           <a:p>
             <a:fld id="{FC1A96A7-B107-4A76-9BCA-351E6EBF71DD}" type="datetimeFigureOut">
               <a:rPr lang="ru-RU" smtClean="0"/>
-              <a:t>21.08.2018</a:t>
+              <a:t>05.09.2018</a:t>
             </a:fld>
             <a:endParaRPr lang="ru-RU"/>
           </a:p>
@@ -3719,7 +3721,7 @@
       </p:sp>
       <p:pic>
         <p:nvPicPr>
-          <p:cNvPr id="4" name="Picture 3"/>
+          <p:cNvPr id="5" name="Picture 4"/>
           <p:cNvPicPr>
             <a:picLocks noChangeAspect="1"/>
           </p:cNvPicPr>
@@ -3762,6 +3764,344 @@
 </file>
 
 <file path=ppt/slides/slide10.xml><?xml version="1.0" encoding="utf-8"?>
+<p:sld xmlns:a="http://schemas.openxmlformats.org/drawingml/2006/main" xmlns:r="http://schemas.openxmlformats.org/officeDocument/2006/relationships" xmlns:p="http://schemas.openxmlformats.org/presentationml/2006/main" show="0">
+  <p:cSld>
+    <p:spTree>
+      <p:nvGrpSpPr>
+        <p:cNvPr id="1" name=""/>
+        <p:cNvGrpSpPr/>
+        <p:nvPr/>
+      </p:nvGrpSpPr>
+      <p:grpSpPr>
+        <a:xfrm>
+          <a:off x="0" y="0"/>
+          <a:ext cx="0" cy="0"/>
+          <a:chOff x="0" y="0"/>
+          <a:chExt cx="0" cy="0"/>
+        </a:xfrm>
+      </p:grpSpPr>
+      <p:sp>
+        <p:nvSpPr>
+          <p:cNvPr id="2" name="Title 1"/>
+          <p:cNvSpPr>
+            <a:spLocks noGrp="1"/>
+          </p:cNvSpPr>
+          <p:nvPr>
+            <p:ph type="title"/>
+          </p:nvPr>
+        </p:nvSpPr>
+        <p:spPr/>
+        <p:txBody>
+          <a:bodyPr/>
+          <a:lstStyle/>
+          <a:p>
+            <a:endParaRPr lang="ru-RU"/>
+          </a:p>
+        </p:txBody>
+      </p:sp>
+      <p:sp>
+        <p:nvSpPr>
+          <p:cNvPr id="3" name="Content Placeholder 2"/>
+          <p:cNvSpPr>
+            <a:spLocks noGrp="1"/>
+          </p:cNvSpPr>
+          <p:nvPr>
+            <p:ph idx="1"/>
+          </p:nvPr>
+        </p:nvSpPr>
+        <p:spPr/>
+        <p:txBody>
+          <a:bodyPr/>
+          <a:lstStyle/>
+          <a:p>
+            <a:endParaRPr lang="ru-RU"/>
+          </a:p>
+        </p:txBody>
+      </p:sp>
+      <p:pic>
+        <p:nvPicPr>
+          <p:cNvPr id="4" name="Picture 3"/>
+          <p:cNvPicPr>
+            <a:picLocks noChangeAspect="1"/>
+          </p:cNvPicPr>
+          <p:nvPr/>
+        </p:nvPicPr>
+        <p:blipFill>
+          <a:blip r:embed="rId2"/>
+          <a:stretch>
+            <a:fillRect/>
+          </a:stretch>
+        </p:blipFill>
+        <p:spPr>
+          <a:xfrm>
+            <a:off x="839416" y="-19704"/>
+            <a:ext cx="10382944" cy="6877704"/>
+          </a:xfrm>
+          <a:prstGeom prst="rect">
+            <a:avLst/>
+          </a:prstGeom>
+        </p:spPr>
+      </p:pic>
+      <p:sp>
+        <p:nvSpPr>
+          <p:cNvPr id="5" name="Rectangle 4"/>
+          <p:cNvSpPr/>
+          <p:nvPr/>
+        </p:nvSpPr>
+        <p:spPr>
+          <a:xfrm>
+            <a:off x="609600" y="6307416"/>
+            <a:ext cx="4034951" cy="369332"/>
+          </a:xfrm>
+          <a:prstGeom prst="rect">
+            <a:avLst/>
+          </a:prstGeom>
+        </p:spPr>
+        <p:txBody>
+          <a:bodyPr wrap="none">
+            <a:spAutoFit/>
+          </a:bodyPr>
+          <a:lstStyle/>
+          <a:p>
+            <a:r>
+              <a:rPr lang="ru-RU" dirty="0">
+                <a:hlinkClick r:id="rId3"/>
+              </a:rPr>
+              <a:t>https://</a:t>
+            </a:r>
+            <a:r>
+              <a:rPr lang="ru-RU" dirty="0" smtClean="0">
+                <a:hlinkClick r:id="rId3"/>
+              </a:rPr>
+              <a:t>www.youngwonks.com/blogs/19</a:t>
+            </a:r>
+            <a:r>
+              <a:rPr lang="ru-RU" dirty="0" smtClean="0"/>
+              <a:t> </a:t>
+            </a:r>
+            <a:endParaRPr lang="ru-RU" dirty="0"/>
+          </a:p>
+        </p:txBody>
+      </p:sp>
+    </p:spTree>
+    <p:extLst>
+      <p:ext uri="{BB962C8B-B14F-4D97-AF65-F5344CB8AC3E}">
+        <p14:creationId xmlns:p14="http://schemas.microsoft.com/office/powerpoint/2010/main" val="1872815228"/>
+      </p:ext>
+    </p:extLst>
+  </p:cSld>
+  <p:clrMapOvr>
+    <a:masterClrMapping/>
+  </p:clrMapOvr>
+  <mc:AlternateContent xmlns:mc="http://schemas.openxmlformats.org/markup-compatibility/2006">
+    <mc:Choice xmlns:p14="http://schemas.microsoft.com/office/powerpoint/2010/main" Requires="p14">
+      <p:transition spd="slow" p14:dur="2000"/>
+    </mc:Choice>
+    <mc:Fallback>
+      <p:transition spd="slow"/>
+    </mc:Fallback>
+  </mc:AlternateContent>
+  <p:timing>
+    <p:tnLst>
+      <p:par>
+        <p:cTn id="1" dur="indefinite" restart="never" nodeType="tmRoot">
+          <p:childTnLst>
+            <p:seq concurrent="1" nextAc="seek">
+              <p:cTn id="2" dur="indefinite" nodeType="mainSeq">
+                <p:childTnLst>
+                  <p:par>
+                    <p:cTn id="3" fill="hold">
+                      <p:stCondLst>
+                        <p:cond delay="indefinite"/>
+                      </p:stCondLst>
+                      <p:childTnLst>
+                        <p:par>
+                          <p:cTn id="4" fill="hold">
+                            <p:stCondLst>
+                              <p:cond delay="0"/>
+                            </p:stCondLst>
+                            <p:childTnLst>
+                              <p:par>
+                                <p:cTn id="5" presetID="2" presetClass="entr" presetSubtype="4" fill="hold" nodeType="clickEffect">
+                                  <p:stCondLst>
+                                    <p:cond delay="0"/>
+                                  </p:stCondLst>
+                                  <p:childTnLst>
+                                    <p:set>
+                                      <p:cBhvr>
+                                        <p:cTn id="6" dur="1" fill="hold">
+                                          <p:stCondLst>
+                                            <p:cond delay="0"/>
+                                          </p:stCondLst>
+                                        </p:cTn>
+                                        <p:tgtEl>
+                                          <p:spTgt spid="4"/>
+                                        </p:tgtEl>
+                                        <p:attrNameLst>
+                                          <p:attrName>style.visibility</p:attrName>
+                                        </p:attrNameLst>
+                                      </p:cBhvr>
+                                      <p:to>
+                                        <p:strVal val="visible"/>
+                                      </p:to>
+                                    </p:set>
+                                    <p:anim calcmode="lin" valueType="num">
+                                      <p:cBhvr additive="base">
+                                        <p:cTn id="7" dur="500" fill="hold"/>
+                                        <p:tgtEl>
+                                          <p:spTgt spid="4"/>
+                                        </p:tgtEl>
+                                        <p:attrNameLst>
+                                          <p:attrName>ppt_x</p:attrName>
+                                        </p:attrNameLst>
+                                      </p:cBhvr>
+                                      <p:tavLst>
+                                        <p:tav tm="0">
+                                          <p:val>
+                                            <p:strVal val="#ppt_x"/>
+                                          </p:val>
+                                        </p:tav>
+                                        <p:tav tm="100000">
+                                          <p:val>
+                                            <p:strVal val="#ppt_x"/>
+                                          </p:val>
+                                        </p:tav>
+                                      </p:tavLst>
+                                    </p:anim>
+                                    <p:anim calcmode="lin" valueType="num">
+                                      <p:cBhvr additive="base">
+                                        <p:cTn id="8" dur="500" fill="hold"/>
+                                        <p:tgtEl>
+                                          <p:spTgt spid="4"/>
+                                        </p:tgtEl>
+                                        <p:attrNameLst>
+                                          <p:attrName>ppt_y</p:attrName>
+                                        </p:attrNameLst>
+                                      </p:cBhvr>
+                                      <p:tavLst>
+                                        <p:tav tm="0">
+                                          <p:val>
+                                            <p:strVal val="1+#ppt_h/2"/>
+                                          </p:val>
+                                        </p:tav>
+                                        <p:tav tm="100000">
+                                          <p:val>
+                                            <p:strVal val="#ppt_y"/>
+                                          </p:val>
+                                        </p:tav>
+                                      </p:tavLst>
+                                    </p:anim>
+                                  </p:childTnLst>
+                                </p:cTn>
+                              </p:par>
+                              <p:par>
+                                <p:cTn id="9" presetID="2" presetClass="entr" presetSubtype="4" fill="hold" grpId="0" nodeType="withEffect">
+                                  <p:stCondLst>
+                                    <p:cond delay="0"/>
+                                  </p:stCondLst>
+                                  <p:childTnLst>
+                                    <p:set>
+                                      <p:cBhvr>
+                                        <p:cTn id="10" dur="1" fill="hold">
+                                          <p:stCondLst>
+                                            <p:cond delay="0"/>
+                                          </p:stCondLst>
+                                        </p:cTn>
+                                        <p:tgtEl>
+                                          <p:spTgt spid="5"/>
+                                        </p:tgtEl>
+                                        <p:attrNameLst>
+                                          <p:attrName>style.visibility</p:attrName>
+                                        </p:attrNameLst>
+                                      </p:cBhvr>
+                                      <p:to>
+                                        <p:strVal val="visible"/>
+                                      </p:to>
+                                    </p:set>
+                                    <p:anim calcmode="lin" valueType="num">
+                                      <p:cBhvr additive="base">
+                                        <p:cTn id="11" dur="500" fill="hold"/>
+                                        <p:tgtEl>
+                                          <p:spTgt spid="5"/>
+                                        </p:tgtEl>
+                                        <p:attrNameLst>
+                                          <p:attrName>ppt_x</p:attrName>
+                                        </p:attrNameLst>
+                                      </p:cBhvr>
+                                      <p:tavLst>
+                                        <p:tav tm="0">
+                                          <p:val>
+                                            <p:strVal val="#ppt_x"/>
+                                          </p:val>
+                                        </p:tav>
+                                        <p:tav tm="100000">
+                                          <p:val>
+                                            <p:strVal val="#ppt_x"/>
+                                          </p:val>
+                                        </p:tav>
+                                      </p:tavLst>
+                                    </p:anim>
+                                    <p:anim calcmode="lin" valueType="num">
+                                      <p:cBhvr additive="base">
+                                        <p:cTn id="12" dur="500" fill="hold"/>
+                                        <p:tgtEl>
+                                          <p:spTgt spid="5"/>
+                                        </p:tgtEl>
+                                        <p:attrNameLst>
+                                          <p:attrName>ppt_y</p:attrName>
+                                        </p:attrNameLst>
+                                      </p:cBhvr>
+                                      <p:tavLst>
+                                        <p:tav tm="0">
+                                          <p:val>
+                                            <p:strVal val="1+#ppt_h/2"/>
+                                          </p:val>
+                                        </p:tav>
+                                        <p:tav tm="100000">
+                                          <p:val>
+                                            <p:strVal val="#ppt_y"/>
+                                          </p:val>
+                                        </p:tav>
+                                      </p:tavLst>
+                                    </p:anim>
+                                  </p:childTnLst>
+                                </p:cTn>
+                              </p:par>
+                            </p:childTnLst>
+                          </p:cTn>
+                        </p:par>
+                      </p:childTnLst>
+                    </p:cTn>
+                  </p:par>
+                </p:childTnLst>
+              </p:cTn>
+              <p:prevCondLst>
+                <p:cond evt="onPrev" delay="0">
+                  <p:tgtEl>
+                    <p:sldTgt/>
+                  </p:tgtEl>
+                </p:cond>
+              </p:prevCondLst>
+              <p:nextCondLst>
+                <p:cond evt="onNext" delay="0">
+                  <p:tgtEl>
+                    <p:sldTgt/>
+                  </p:tgtEl>
+                </p:cond>
+              </p:nextCondLst>
+            </p:seq>
+          </p:childTnLst>
+        </p:cTn>
+      </p:par>
+    </p:tnLst>
+    <p:bldLst>
+      <p:bldP spid="5" grpId="0"/>
+    </p:bldLst>
+  </p:timing>
+</p:sld>
+</file>
+
+<file path=ppt/slides/slide11.xml><?xml version="1.0" encoding="utf-8"?>
 <p:sld xmlns:a="http://schemas.openxmlformats.org/drawingml/2006/main" xmlns:r="http://schemas.openxmlformats.org/officeDocument/2006/relationships" xmlns:p="http://schemas.openxmlformats.org/presentationml/2006/main">
   <p:cSld>
     <p:spTree>
@@ -4291,7 +4631,7 @@
 </p:sld>
 </file>
 
-<file path=ppt/slides/slide11.xml><?xml version="1.0" encoding="utf-8"?>
+<file path=ppt/slides/slide12.xml><?xml version="1.0" encoding="utf-8"?>
 <p:sld xmlns:a="http://schemas.openxmlformats.org/drawingml/2006/main" xmlns:r="http://schemas.openxmlformats.org/officeDocument/2006/relationships" xmlns:p="http://schemas.openxmlformats.org/presentationml/2006/main">
   <p:cSld>
     <p:spTree>
@@ -5016,7 +5356,7 @@
 </p:sld>
 </file>
 
-<file path=ppt/slides/slide12.xml><?xml version="1.0" encoding="utf-8"?>
+<file path=ppt/slides/slide13.xml><?xml version="1.0" encoding="utf-8"?>
 <p:sld xmlns:a="http://schemas.openxmlformats.org/drawingml/2006/main" xmlns:r="http://schemas.openxmlformats.org/officeDocument/2006/relationships" xmlns:p="http://schemas.openxmlformats.org/presentationml/2006/main" show="0">
   <p:cSld>
     <p:spTree>
@@ -5788,7 +6128,7 @@
 </p:sld>
 </file>
 
-<file path=ppt/slides/slide13.xml><?xml version="1.0" encoding="utf-8"?>
+<file path=ppt/slides/slide14.xml><?xml version="1.0" encoding="utf-8"?>
 <p:sld xmlns:a="http://schemas.openxmlformats.org/drawingml/2006/main" xmlns:r="http://schemas.openxmlformats.org/officeDocument/2006/relationships" xmlns:p="http://schemas.openxmlformats.org/presentationml/2006/main">
   <p:cSld>
     <p:spTree>
@@ -6699,7 +7039,7 @@
 </p:sld>
 </file>
 
-<file path=ppt/slides/slide14.xml><?xml version="1.0" encoding="utf-8"?>
+<file path=ppt/slides/slide15.xml><?xml version="1.0" encoding="utf-8"?>
 <p:sld xmlns:a="http://schemas.openxmlformats.org/drawingml/2006/main" xmlns:r="http://schemas.openxmlformats.org/officeDocument/2006/relationships" xmlns:p="http://schemas.openxmlformats.org/presentationml/2006/main">
   <p:cSld>
     <p:spTree>
@@ -6932,7 +7272,7 @@
 </p:sld>
 </file>
 
-<file path=ppt/slides/slide15.xml><?xml version="1.0" encoding="utf-8"?>
+<file path=ppt/slides/slide16.xml><?xml version="1.0" encoding="utf-8"?>
 <p:sld xmlns:a="http://schemas.openxmlformats.org/drawingml/2006/main" xmlns:r="http://schemas.openxmlformats.org/officeDocument/2006/relationships" xmlns:p="http://schemas.openxmlformats.org/presentationml/2006/main" show="0">
   <p:cSld>
     <p:spTree>
@@ -7117,7 +7457,7 @@
 </p:sld>
 </file>
 
-<file path=ppt/slides/slide16.xml><?xml version="1.0" encoding="utf-8"?>
+<file path=ppt/slides/slide17.xml><?xml version="1.0" encoding="utf-8"?>
 <p:sld xmlns:a="http://schemas.openxmlformats.org/drawingml/2006/main" xmlns:r="http://schemas.openxmlformats.org/officeDocument/2006/relationships" xmlns:p="http://schemas.openxmlformats.org/presentationml/2006/main">
   <p:cSld>
     <p:spTree>
@@ -7214,18 +7554,12 @@
           </a:p>
           <a:p>
             <a:r>
-              <a:rPr lang="ru-RU" dirty="0"/>
-              <a:t>П</a:t>
-            </a:r>
-            <a:r>
               <a:rPr lang="ru-RU" dirty="0" smtClean="0"/>
-              <a:t>рофилировщик</a:t>
-            </a:r>
-          </a:p>
-          <a:p>
+              <a:t>Работа </a:t>
+            </a:r>
             <a:r>
               <a:rPr lang="ru-RU" dirty="0" smtClean="0"/>
-              <a:t>Работа с пакетами: </a:t>
+              <a:t>с пакетами: </a:t>
             </a:r>
             <a:r>
               <a:rPr lang="en-US" dirty="0" smtClean="0"/>
@@ -7271,8 +7605,20 @@
             </a:r>
             <a:r>
               <a:rPr lang="en-US" dirty="0" smtClean="0"/>
-              <a:t>, selenium</a:t>
-            </a:r>
+              <a:t>, </a:t>
+            </a:r>
+            <a:r>
+              <a:rPr lang="en-US" dirty="0" smtClean="0"/>
+              <a:t>selenium</a:t>
+            </a:r>
+            <a:endParaRPr lang="ru-RU" dirty="0" smtClean="0"/>
+          </a:p>
+          <a:p>
+            <a:r>
+              <a:rPr lang="en-US" dirty="0" smtClean="0"/>
+              <a:t>Docker</a:t>
+            </a:r>
+            <a:endParaRPr lang="en-US" dirty="0" smtClean="0"/>
           </a:p>
         </p:txBody>
       </p:sp>
@@ -7662,7 +8008,7 @@
 </p:sld>
 </file>
 
-<file path=ppt/slides/slide17.xml><?xml version="1.0" encoding="utf-8"?>
+<file path=ppt/slides/slide18.xml><?xml version="1.0" encoding="utf-8"?>
 <p:sld xmlns:a="http://schemas.openxmlformats.org/drawingml/2006/main" xmlns:r="http://schemas.openxmlformats.org/officeDocument/2006/relationships" xmlns:p="http://schemas.openxmlformats.org/presentationml/2006/main">
   <p:cSld>
     <p:spTree>
@@ -7743,7 +8089,7 @@
 </p:sld>
 </file>
 
-<file path=ppt/slides/slide18.xml><?xml version="1.0" encoding="utf-8"?>
+<file path=ppt/slides/slide19.xml><?xml version="1.0" encoding="utf-8"?>
 <p:sld xmlns:a="http://schemas.openxmlformats.org/drawingml/2006/main" xmlns:r="http://schemas.openxmlformats.org/officeDocument/2006/relationships" xmlns:p="http://schemas.openxmlformats.org/presentationml/2006/main">
   <p:cSld>
     <p:spTree>
@@ -7977,7 +8323,161 @@
 </p:sld>
 </file>
 
-<file path=ppt/slides/slide19.xml><?xml version="1.0" encoding="utf-8"?>
+<file path=ppt/slides/slide2.xml><?xml version="1.0" encoding="utf-8"?>
+<p:sld xmlns:a="http://schemas.openxmlformats.org/drawingml/2006/main" xmlns:r="http://schemas.openxmlformats.org/officeDocument/2006/relationships" xmlns:p="http://schemas.openxmlformats.org/presentationml/2006/main">
+  <p:cSld>
+    <p:spTree>
+      <p:nvGrpSpPr>
+        <p:cNvPr id="1" name=""/>
+        <p:cNvGrpSpPr/>
+        <p:nvPr/>
+      </p:nvGrpSpPr>
+      <p:grpSpPr>
+        <a:xfrm>
+          <a:off x="0" y="0"/>
+          <a:ext cx="0" cy="0"/>
+          <a:chOff x="0" y="0"/>
+          <a:chExt cx="0" cy="0"/>
+        </a:xfrm>
+      </p:grpSpPr>
+      <p:sp>
+        <p:nvSpPr>
+          <p:cNvPr id="2" name="Title 1"/>
+          <p:cNvSpPr>
+            <a:spLocks noGrp="1"/>
+          </p:cNvSpPr>
+          <p:nvPr>
+            <p:ph type="title"/>
+          </p:nvPr>
+        </p:nvSpPr>
+        <p:spPr/>
+        <p:txBody>
+          <a:bodyPr/>
+          <a:lstStyle/>
+          <a:p>
+            <a:r>
+              <a:rPr lang="ru-RU" dirty="0"/>
+              <a:t>В </a:t>
+            </a:r>
+            <a:r>
+              <a:rPr lang="ru-RU" dirty="0" smtClean="0"/>
+              <a:t>программе</a:t>
+            </a:r>
+            <a:endParaRPr lang="ru-RU" dirty="0"/>
+          </a:p>
+        </p:txBody>
+      </p:sp>
+      <p:sp>
+        <p:nvSpPr>
+          <p:cNvPr id="3" name="Content Placeholder 2"/>
+          <p:cNvSpPr>
+            <a:spLocks noGrp="1"/>
+          </p:cNvSpPr>
+          <p:nvPr>
+            <p:ph idx="1"/>
+          </p:nvPr>
+        </p:nvSpPr>
+        <p:spPr>
+          <a:xfrm>
+            <a:off x="263352" y="1484785"/>
+            <a:ext cx="11665296" cy="4641380"/>
+          </a:xfrm>
+        </p:spPr>
+        <p:txBody>
+          <a:bodyPr>
+            <a:normAutofit/>
+          </a:bodyPr>
+          <a:lstStyle/>
+          <a:p>
+            <a:r>
+              <a:rPr lang="ru-RU" dirty="0"/>
+              <a:t>Почему – Python?</a:t>
+            </a:r>
+          </a:p>
+          <a:p>
+            <a:r>
+              <a:rPr lang="ru-RU" dirty="0"/>
+              <a:t>Где используется этот язык программирование?</a:t>
+            </a:r>
+          </a:p>
+          <a:p>
+            <a:r>
+              <a:rPr lang="ru-RU" dirty="0" smtClean="0"/>
+              <a:t>Главные инструменту </a:t>
+            </a:r>
+            <a:r>
+              <a:rPr lang="ru-RU" dirty="0"/>
+              <a:t>Python – разработчика.</a:t>
+            </a:r>
+          </a:p>
+          <a:p>
+            <a:r>
+              <a:rPr lang="ru-RU" dirty="0"/>
+              <a:t>Сколько зарабатывают разработчики данной области?</a:t>
+            </a:r>
+          </a:p>
+          <a:p>
+            <a:r>
+              <a:rPr lang="ru-RU" dirty="0"/>
+              <a:t>Пошаговая инструкция “Как программировать на Python”?</a:t>
+            </a:r>
+          </a:p>
+          <a:p>
+            <a:r>
+              <a:rPr lang="ru-RU" dirty="0"/>
+              <a:t>Где Вы сможете работать?</a:t>
+            </a:r>
+          </a:p>
+          <a:p>
+            <a:endParaRPr lang="ru-RU" dirty="0"/>
+          </a:p>
+        </p:txBody>
+      </p:sp>
+      <p:pic>
+        <p:nvPicPr>
+          <p:cNvPr id="4" name="Рисунок 3"/>
+          <p:cNvPicPr>
+            <a:picLocks noChangeAspect="1"/>
+          </p:cNvPicPr>
+          <p:nvPr/>
+        </p:nvPicPr>
+        <p:blipFill>
+          <a:blip r:embed="rId2"/>
+          <a:stretch>
+            <a:fillRect/>
+          </a:stretch>
+        </p:blipFill>
+        <p:spPr>
+          <a:xfrm>
+            <a:off x="8328248" y="703263"/>
+            <a:ext cx="3714750" cy="1428750"/>
+          </a:xfrm>
+          <a:prstGeom prst="rect">
+            <a:avLst/>
+          </a:prstGeom>
+        </p:spPr>
+      </p:pic>
+    </p:spTree>
+    <p:extLst>
+      <p:ext uri="{BB962C8B-B14F-4D97-AF65-F5344CB8AC3E}">
+        <p14:creationId xmlns:p14="http://schemas.microsoft.com/office/powerpoint/2010/main" val="1888609555"/>
+      </p:ext>
+    </p:extLst>
+  </p:cSld>
+  <p:clrMapOvr>
+    <a:masterClrMapping/>
+  </p:clrMapOvr>
+  <p:timing>
+    <p:tnLst>
+      <p:par>
+        <p:cTn id="1" dur="indefinite" restart="never" nodeType="tmRoot"/>
+      </p:par>
+    </p:tnLst>
+  </p:timing>
+</p:sld>
+</file>
+
+<file path=ppt/slides/slide20.xml><?xml version="1.0" encoding="utf-8"?>
 <p:sld xmlns:a="http://schemas.openxmlformats.org/drawingml/2006/main" xmlns:r="http://schemas.openxmlformats.org/officeDocument/2006/relationships" xmlns:p="http://schemas.openxmlformats.org/presentationml/2006/main">
   <p:cSld>
     <p:spTree>
@@ -8209,161 +8709,7 @@
 </p:sld>
 </file>
 
-<file path=ppt/slides/slide2.xml><?xml version="1.0" encoding="utf-8"?>
-<p:sld xmlns:a="http://schemas.openxmlformats.org/drawingml/2006/main" xmlns:r="http://schemas.openxmlformats.org/officeDocument/2006/relationships" xmlns:p="http://schemas.openxmlformats.org/presentationml/2006/main">
-  <p:cSld>
-    <p:spTree>
-      <p:nvGrpSpPr>
-        <p:cNvPr id="1" name=""/>
-        <p:cNvGrpSpPr/>
-        <p:nvPr/>
-      </p:nvGrpSpPr>
-      <p:grpSpPr>
-        <a:xfrm>
-          <a:off x="0" y="0"/>
-          <a:ext cx="0" cy="0"/>
-          <a:chOff x="0" y="0"/>
-          <a:chExt cx="0" cy="0"/>
-        </a:xfrm>
-      </p:grpSpPr>
-      <p:sp>
-        <p:nvSpPr>
-          <p:cNvPr id="2" name="Title 1"/>
-          <p:cNvSpPr>
-            <a:spLocks noGrp="1"/>
-          </p:cNvSpPr>
-          <p:nvPr>
-            <p:ph type="title"/>
-          </p:nvPr>
-        </p:nvSpPr>
-        <p:spPr/>
-        <p:txBody>
-          <a:bodyPr/>
-          <a:lstStyle/>
-          <a:p>
-            <a:r>
-              <a:rPr lang="ru-RU" dirty="0"/>
-              <a:t>В </a:t>
-            </a:r>
-            <a:r>
-              <a:rPr lang="ru-RU" dirty="0" smtClean="0"/>
-              <a:t>программе</a:t>
-            </a:r>
-            <a:endParaRPr lang="ru-RU" dirty="0"/>
-          </a:p>
-        </p:txBody>
-      </p:sp>
-      <p:sp>
-        <p:nvSpPr>
-          <p:cNvPr id="3" name="Content Placeholder 2"/>
-          <p:cNvSpPr>
-            <a:spLocks noGrp="1"/>
-          </p:cNvSpPr>
-          <p:nvPr>
-            <p:ph idx="1"/>
-          </p:nvPr>
-        </p:nvSpPr>
-        <p:spPr>
-          <a:xfrm>
-            <a:off x="263352" y="1484785"/>
-            <a:ext cx="11665296" cy="4641380"/>
-          </a:xfrm>
-        </p:spPr>
-        <p:txBody>
-          <a:bodyPr>
-            <a:normAutofit/>
-          </a:bodyPr>
-          <a:lstStyle/>
-          <a:p>
-            <a:r>
-              <a:rPr lang="ru-RU" dirty="0"/>
-              <a:t>Почему – Python?</a:t>
-            </a:r>
-          </a:p>
-          <a:p>
-            <a:r>
-              <a:rPr lang="ru-RU" dirty="0"/>
-              <a:t>Где используется этот язык программирование?</a:t>
-            </a:r>
-          </a:p>
-          <a:p>
-            <a:r>
-              <a:rPr lang="ru-RU" dirty="0" smtClean="0"/>
-              <a:t>Главные инструменту </a:t>
-            </a:r>
-            <a:r>
-              <a:rPr lang="ru-RU" dirty="0"/>
-              <a:t>Python – разработчика.</a:t>
-            </a:r>
-          </a:p>
-          <a:p>
-            <a:r>
-              <a:rPr lang="ru-RU" dirty="0"/>
-              <a:t>Сколько зарабатывают разработчики данной области?</a:t>
-            </a:r>
-          </a:p>
-          <a:p>
-            <a:r>
-              <a:rPr lang="ru-RU" dirty="0"/>
-              <a:t>Пошаговая инструкция “Как программировать на Python”?</a:t>
-            </a:r>
-          </a:p>
-          <a:p>
-            <a:r>
-              <a:rPr lang="ru-RU" dirty="0"/>
-              <a:t>Где Вы сможете работать?</a:t>
-            </a:r>
-          </a:p>
-          <a:p>
-            <a:endParaRPr lang="ru-RU" dirty="0"/>
-          </a:p>
-        </p:txBody>
-      </p:sp>
-      <p:pic>
-        <p:nvPicPr>
-          <p:cNvPr id="4" name="Рисунок 3"/>
-          <p:cNvPicPr>
-            <a:picLocks noChangeAspect="1"/>
-          </p:cNvPicPr>
-          <p:nvPr/>
-        </p:nvPicPr>
-        <p:blipFill>
-          <a:blip r:embed="rId2"/>
-          <a:stretch>
-            <a:fillRect/>
-          </a:stretch>
-        </p:blipFill>
-        <p:spPr>
-          <a:xfrm>
-            <a:off x="8328248" y="703263"/>
-            <a:ext cx="3714750" cy="1428750"/>
-          </a:xfrm>
-          <a:prstGeom prst="rect">
-            <a:avLst/>
-          </a:prstGeom>
-        </p:spPr>
-      </p:pic>
-    </p:spTree>
-    <p:extLst>
-      <p:ext uri="{BB962C8B-B14F-4D97-AF65-F5344CB8AC3E}">
-        <p14:creationId xmlns:p14="http://schemas.microsoft.com/office/powerpoint/2010/main" val="1888609555"/>
-      </p:ext>
-    </p:extLst>
-  </p:cSld>
-  <p:clrMapOvr>
-    <a:masterClrMapping/>
-  </p:clrMapOvr>
-  <p:timing>
-    <p:tnLst>
-      <p:par>
-        <p:cTn id="1" dur="indefinite" restart="never" nodeType="tmRoot"/>
-      </p:par>
-    </p:tnLst>
-  </p:timing>
-</p:sld>
-</file>
-
-<file path=ppt/slides/slide20.xml><?xml version="1.0" encoding="utf-8"?>
+<file path=ppt/slides/slide21.xml><?xml version="1.0" encoding="utf-8"?>
 <p:sld xmlns:a="http://schemas.openxmlformats.org/drawingml/2006/main" xmlns:r="http://schemas.openxmlformats.org/officeDocument/2006/relationships" xmlns:p="http://schemas.openxmlformats.org/presentationml/2006/main">
   <p:cSld>
     <p:spTree>
@@ -9457,7 +9803,7 @@
 </p:sld>
 </file>
 
-<file path=ppt/slides/slide21.xml><?xml version="1.0" encoding="utf-8"?>
+<file path=ppt/slides/slide22.xml><?xml version="1.0" encoding="utf-8"?>
 <p:sld xmlns:a="http://schemas.openxmlformats.org/drawingml/2006/main" xmlns:r="http://schemas.openxmlformats.org/officeDocument/2006/relationships" xmlns:p="http://schemas.openxmlformats.org/presentationml/2006/main">
   <p:cSld>
     <p:spTree>
@@ -10664,7 +11010,7 @@
 </p:sld>
 </file>
 
-<file path=ppt/slides/slide22.xml><?xml version="1.0" encoding="utf-8"?>
+<file path=ppt/slides/slide23.xml><?xml version="1.0" encoding="utf-8"?>
 <p:sld xmlns:a="http://schemas.openxmlformats.org/drawingml/2006/main" xmlns:r="http://schemas.openxmlformats.org/officeDocument/2006/relationships" xmlns:p="http://schemas.openxmlformats.org/presentationml/2006/main">
   <p:cSld>
     <p:spTree>
@@ -10848,7 +11194,7 @@
 </p:sld>
 </file>
 
-<file path=ppt/slides/slide23.xml><?xml version="1.0" encoding="utf-8"?>
+<file path=ppt/slides/slide24.xml><?xml version="1.0" encoding="utf-8"?>
 <p:sld xmlns:a="http://schemas.openxmlformats.org/drawingml/2006/main" xmlns:r="http://schemas.openxmlformats.org/officeDocument/2006/relationships" xmlns:p="http://schemas.openxmlformats.org/presentationml/2006/main">
   <p:cSld>
     <p:spTree>
@@ -11051,7 +11397,7 @@
 </p:sld>
 </file>
 
-<file path=ppt/slides/slide24.xml><?xml version="1.0" encoding="utf-8"?>
+<file path=ppt/slides/slide25.xml><?xml version="1.0" encoding="utf-8"?>
 <p:sld xmlns:a="http://schemas.openxmlformats.org/drawingml/2006/main" xmlns:r="http://schemas.openxmlformats.org/officeDocument/2006/relationships" xmlns:p="http://schemas.openxmlformats.org/presentationml/2006/main">
   <p:cSld>
     <p:spTree>
@@ -11254,7 +11600,7 @@
 </p:sld>
 </file>
 
-<file path=ppt/slides/slide25.xml><?xml version="1.0" encoding="utf-8"?>
+<file path=ppt/slides/slide26.xml><?xml version="1.0" encoding="utf-8"?>
 <p:sld xmlns:a="http://schemas.openxmlformats.org/drawingml/2006/main" xmlns:r="http://schemas.openxmlformats.org/officeDocument/2006/relationships" xmlns:p="http://schemas.openxmlformats.org/presentationml/2006/main">
   <p:cSld>
     <p:spTree>
@@ -11472,7 +11818,7 @@
 </p:sld>
 </file>
 
-<file path=ppt/slides/slide26.xml><?xml version="1.0" encoding="utf-8"?>
+<file path=ppt/slides/slide27.xml><?xml version="1.0" encoding="utf-8"?>
 <p:sld xmlns:a="http://schemas.openxmlformats.org/drawingml/2006/main" xmlns:r="http://schemas.openxmlformats.org/officeDocument/2006/relationships" xmlns:p="http://schemas.openxmlformats.org/presentationml/2006/main">
   <p:cSld>
     <p:spTree>
@@ -11585,7 +11931,7 @@
       </p:sp>
       <p:pic>
         <p:nvPicPr>
-          <p:cNvPr id="3" name="Picture 2" descr="Screen Clipping"/>
+          <p:cNvPr id="4" name="Picture 3" descr="Screen Clipping"/>
           <p:cNvPicPr>
             <a:picLocks noChangeAspect="1"/>
           </p:cNvPicPr>
@@ -11605,8 +11951,8 @@
         </p:blipFill>
         <p:spPr>
           <a:xfrm>
-            <a:off x="2423592" y="1412776"/>
-            <a:ext cx="8064896" cy="7619700"/>
+            <a:off x="1919536" y="1412776"/>
+            <a:ext cx="8342082" cy="8037431"/>
           </a:xfrm>
           <a:prstGeom prst="rect">
             <a:avLst/>
@@ -11634,128 +11980,14 @@
   <p:timing>
     <p:tnLst>
       <p:par>
-        <p:cTn id="1" dur="indefinite" restart="never" nodeType="tmRoot">
-          <p:childTnLst>
-            <p:seq concurrent="1" nextAc="seek">
-              <p:cTn id="2" dur="indefinite" nodeType="mainSeq">
-                <p:childTnLst>
-                  <p:par>
-                    <p:cTn id="3" fill="hold">
-                      <p:stCondLst>
-                        <p:cond delay="indefinite"/>
-                      </p:stCondLst>
-                      <p:childTnLst>
-                        <p:par>
-                          <p:cTn id="4" fill="hold">
-                            <p:stCondLst>
-                              <p:cond delay="0"/>
-                            </p:stCondLst>
-                            <p:childTnLst>
-                              <p:par>
-                                <p:cTn id="5" presetID="2" presetClass="entr" presetSubtype="4" fill="hold" nodeType="clickEffect">
-                                  <p:stCondLst>
-                                    <p:cond delay="0"/>
-                                  </p:stCondLst>
-                                  <p:childTnLst>
-                                    <p:set>
-                                      <p:cBhvr>
-                                        <p:cTn id="6" dur="1" fill="hold">
-                                          <p:stCondLst>
-                                            <p:cond delay="0"/>
-                                          </p:stCondLst>
-                                        </p:cTn>
-                                        <p:tgtEl>
-                                          <p:spTgt spid="3"/>
-                                        </p:tgtEl>
-                                        <p:attrNameLst>
-                                          <p:attrName>style.visibility</p:attrName>
-                                        </p:attrNameLst>
-                                      </p:cBhvr>
-                                      <p:to>
-                                        <p:strVal val="visible"/>
-                                      </p:to>
-                                    </p:set>
-                                    <p:anim calcmode="lin" valueType="num">
-                                      <p:cBhvr additive="base">
-                                        <p:cTn id="7" dur="500" fill="hold"/>
-                                        <p:tgtEl>
-                                          <p:spTgt spid="3"/>
-                                        </p:tgtEl>
-                                        <p:attrNameLst>
-                                          <p:attrName>ppt_x</p:attrName>
-                                        </p:attrNameLst>
-                                      </p:cBhvr>
-                                      <p:tavLst>
-                                        <p:tav tm="0">
-                                          <p:val>
-                                            <p:strVal val="#ppt_x"/>
-                                          </p:val>
-                                        </p:tav>
-                                        <p:tav tm="100000">
-                                          <p:val>
-                                            <p:strVal val="#ppt_x"/>
-                                          </p:val>
-                                        </p:tav>
-                                      </p:tavLst>
-                                    </p:anim>
-                                    <p:anim calcmode="lin" valueType="num">
-                                      <p:cBhvr additive="base">
-                                        <p:cTn id="8" dur="500" fill="hold"/>
-                                        <p:tgtEl>
-                                          <p:spTgt spid="3"/>
-                                        </p:tgtEl>
-                                        <p:attrNameLst>
-                                          <p:attrName>ppt_y</p:attrName>
-                                        </p:attrNameLst>
-                                      </p:cBhvr>
-                                      <p:tavLst>
-                                        <p:tav tm="0">
-                                          <p:val>
-                                            <p:strVal val="1+#ppt_h/2"/>
-                                          </p:val>
-                                        </p:tav>
-                                        <p:tav tm="100000">
-                                          <p:val>
-                                            <p:strVal val="#ppt_y"/>
-                                          </p:val>
-                                        </p:tav>
-                                      </p:tavLst>
-                                    </p:anim>
-                                  </p:childTnLst>
-                                </p:cTn>
-                              </p:par>
-                            </p:childTnLst>
-                          </p:cTn>
-                        </p:par>
-                      </p:childTnLst>
-                    </p:cTn>
-                  </p:par>
-                </p:childTnLst>
-              </p:cTn>
-              <p:prevCondLst>
-                <p:cond evt="onPrev" delay="0">
-                  <p:tgtEl>
-                    <p:sldTgt/>
-                  </p:tgtEl>
-                </p:cond>
-              </p:prevCondLst>
-              <p:nextCondLst>
-                <p:cond evt="onNext" delay="0">
-                  <p:tgtEl>
-                    <p:sldTgt/>
-                  </p:tgtEl>
-                </p:cond>
-              </p:nextCondLst>
-            </p:seq>
-          </p:childTnLst>
-        </p:cTn>
+        <p:cTn id="1" dur="indefinite" restart="never" nodeType="tmRoot"/>
       </p:par>
     </p:tnLst>
   </p:timing>
 </p:sld>
 </file>
 
-<file path=ppt/slides/slide27.xml><?xml version="1.0" encoding="utf-8"?>
+<file path=ppt/slides/slide28.xml><?xml version="1.0" encoding="utf-8"?>
 <p:sld xmlns:a="http://schemas.openxmlformats.org/drawingml/2006/main" xmlns:r="http://schemas.openxmlformats.org/officeDocument/2006/relationships" xmlns:p="http://schemas.openxmlformats.org/presentationml/2006/main">
   <p:cSld>
     <p:spTree>
@@ -12629,7 +12861,7 @@
 </p:sld>
 </file>
 
-<file path=ppt/slides/slide28.xml><?xml version="1.0" encoding="utf-8"?>
+<file path=ppt/slides/slide29.xml><?xml version="1.0" encoding="utf-8"?>
 <p:sld xmlns:a="http://schemas.openxmlformats.org/drawingml/2006/main" xmlns:r="http://schemas.openxmlformats.org/officeDocument/2006/relationships" xmlns:p="http://schemas.openxmlformats.org/presentationml/2006/main">
   <p:cSld>
     <p:spTree>
@@ -12646,85 +12878,40 @@
           <a:chExt cx="0" cy="0"/>
         </a:xfrm>
       </p:grpSpPr>
-      <p:sp>
-        <p:nvSpPr>
-          <p:cNvPr id="2" name="Заголовок 1"/>
-          <p:cNvSpPr txBox="1">
-            <a:spLocks/>
-          </p:cNvSpPr>
+      <p:pic>
+        <p:nvPicPr>
+          <p:cNvPr id="3" name="Picture 2"/>
+          <p:cNvPicPr>
+            <a:picLocks noChangeAspect="1"/>
+          </p:cNvPicPr>
           <p:nvPr/>
-        </p:nvSpPr>
+        </p:nvPicPr>
+        <p:blipFill>
+          <a:blip r:embed="rId2"/>
+          <a:stretch>
+            <a:fillRect/>
+          </a:stretch>
+        </p:blipFill>
         <p:spPr>
           <a:xfrm>
-            <a:off x="479376" y="3068960"/>
-            <a:ext cx="10971955" cy="685847"/>
+            <a:off x="9500" y="-459432"/>
+            <a:ext cx="12192000" cy="8128000"/>
           </a:xfrm>
           <a:prstGeom prst="rect">
             <a:avLst/>
           </a:prstGeom>
         </p:spPr>
-        <p:txBody>
-          <a:bodyPr/>
-          <a:lstStyle>
-            <a:lvl1pPr algn="ctr" rtl="0" hangingPunct="0">
-              <a:tabLst/>
-              <a:defRPr lang="ru-RU" sz="3770" b="0" i="0" u="none" strike="noStrike" kern="1200" cap="none">
-                <a:ln>
-                  <a:noFill/>
-                </a:ln>
-                <a:highlight>
-                  <a:scrgbClr r="0" g="0" b="0">
-                    <a:alpha val="0"/>
-                  </a:scrgbClr>
-                </a:highlight>
-                <a:latin typeface="Liberation Sans" pitchFamily="18"/>
-                <a:ea typeface="Microsoft YaHei" pitchFamily="2"/>
-                <a:cs typeface="Arial" pitchFamily="2"/>
-              </a:defRPr>
-            </a:lvl1pPr>
-          </a:lstStyle>
-          <a:p>
-            <a:r>
-              <a:rPr lang="ru-RU" sz="3990" dirty="0">
-                <a:solidFill>
-                  <a:sysClr val="windowText" lastClr="000000"/>
-                </a:solidFill>
-              </a:rPr>
-              <a:t>Спасибо за внимание</a:t>
-            </a:r>
-            <a:endParaRPr lang="en-US" sz="3990" dirty="0">
-              <a:solidFill>
-                <a:sysClr val="windowText" lastClr="000000"/>
-              </a:solidFill>
-            </a:endParaRPr>
-          </a:p>
-        </p:txBody>
-      </p:sp>
+      </p:pic>
     </p:spTree>
     <p:extLst>
       <p:ext uri="{BB962C8B-B14F-4D97-AF65-F5344CB8AC3E}">
-        <p14:creationId xmlns:p14="http://schemas.microsoft.com/office/powerpoint/2010/main" val="1912077620"/>
+        <p14:creationId xmlns:p14="http://schemas.microsoft.com/office/powerpoint/2010/main" val="938537026"/>
       </p:ext>
     </p:extLst>
   </p:cSld>
   <p:clrMapOvr>
     <a:masterClrMapping/>
   </p:clrMapOvr>
-  <mc:AlternateContent xmlns:mc="http://schemas.openxmlformats.org/markup-compatibility/2006" xmlns:p14="http://schemas.microsoft.com/office/powerpoint/2010/main">
-    <mc:Choice Requires="p14">
-      <p:transition spd="slow" p14:dur="2000"/>
-    </mc:Choice>
-    <mc:Fallback xmlns="">
-      <p:transition spd="slow"/>
-    </mc:Fallback>
-  </mc:AlternateContent>
-  <p:timing>
-    <p:tnLst>
-      <p:par>
-        <p:cTn id="1" dur="indefinite" restart="never" nodeType="tmRoot"/>
-      </p:par>
-    </p:tnLst>
-  </p:timing>
 </p:sld>
 </file>
 
@@ -12785,6 +12972,105 @@
   <p:clrMapOvr>
     <a:masterClrMapping/>
   </p:clrMapOvr>
+  <p:timing>
+    <p:tnLst>
+      <p:par>
+        <p:cTn id="1" dur="indefinite" restart="never" nodeType="tmRoot"/>
+      </p:par>
+    </p:tnLst>
+  </p:timing>
+</p:sld>
+</file>
+
+<file path=ppt/slides/slide30.xml><?xml version="1.0" encoding="utf-8"?>
+<p:sld xmlns:a="http://schemas.openxmlformats.org/drawingml/2006/main" xmlns:r="http://schemas.openxmlformats.org/officeDocument/2006/relationships" xmlns:p="http://schemas.openxmlformats.org/presentationml/2006/main">
+  <p:cSld>
+    <p:spTree>
+      <p:nvGrpSpPr>
+        <p:cNvPr id="1" name=""/>
+        <p:cNvGrpSpPr/>
+        <p:nvPr/>
+      </p:nvGrpSpPr>
+      <p:grpSpPr>
+        <a:xfrm>
+          <a:off x="0" y="0"/>
+          <a:ext cx="0" cy="0"/>
+          <a:chOff x="0" y="0"/>
+          <a:chExt cx="0" cy="0"/>
+        </a:xfrm>
+      </p:grpSpPr>
+      <p:sp>
+        <p:nvSpPr>
+          <p:cNvPr id="2" name="Заголовок 1"/>
+          <p:cNvSpPr txBox="1">
+            <a:spLocks/>
+          </p:cNvSpPr>
+          <p:nvPr/>
+        </p:nvSpPr>
+        <p:spPr>
+          <a:xfrm>
+            <a:off x="479376" y="3068960"/>
+            <a:ext cx="10971955" cy="685847"/>
+          </a:xfrm>
+          <a:prstGeom prst="rect">
+            <a:avLst/>
+          </a:prstGeom>
+        </p:spPr>
+        <p:txBody>
+          <a:bodyPr/>
+          <a:lstStyle>
+            <a:lvl1pPr algn="ctr" rtl="0" hangingPunct="0">
+              <a:tabLst/>
+              <a:defRPr lang="ru-RU" sz="3770" b="0" i="0" u="none" strike="noStrike" kern="1200" cap="none">
+                <a:ln>
+                  <a:noFill/>
+                </a:ln>
+                <a:highlight>
+                  <a:scrgbClr r="0" g="0" b="0">
+                    <a:alpha val="0"/>
+                  </a:scrgbClr>
+                </a:highlight>
+                <a:latin typeface="Liberation Sans" pitchFamily="18"/>
+                <a:ea typeface="Microsoft YaHei" pitchFamily="2"/>
+                <a:cs typeface="Arial" pitchFamily="2"/>
+              </a:defRPr>
+            </a:lvl1pPr>
+          </a:lstStyle>
+          <a:p>
+            <a:r>
+              <a:rPr lang="ru-RU" sz="3990" dirty="0">
+                <a:solidFill>
+                  <a:sysClr val="windowText" lastClr="000000"/>
+                </a:solidFill>
+              </a:rPr>
+              <a:t>Спасибо за внимание</a:t>
+            </a:r>
+            <a:endParaRPr lang="en-US" sz="3990" dirty="0">
+              <a:solidFill>
+                <a:sysClr val="windowText" lastClr="000000"/>
+              </a:solidFill>
+            </a:endParaRPr>
+          </a:p>
+        </p:txBody>
+      </p:sp>
+    </p:spTree>
+    <p:extLst>
+      <p:ext uri="{BB962C8B-B14F-4D97-AF65-F5344CB8AC3E}">
+        <p14:creationId xmlns:p14="http://schemas.microsoft.com/office/powerpoint/2010/main" val="1912077620"/>
+      </p:ext>
+    </p:extLst>
+  </p:cSld>
+  <p:clrMapOvr>
+    <a:masterClrMapping/>
+  </p:clrMapOvr>
+  <mc:AlternateContent xmlns:mc="http://schemas.openxmlformats.org/markup-compatibility/2006" xmlns:p14="http://schemas.microsoft.com/office/powerpoint/2010/main">
+    <mc:Choice Requires="p14">
+      <p:transition spd="slow" p14:dur="2000"/>
+    </mc:Choice>
+    <mc:Fallback xmlns="">
+      <p:transition spd="slow"/>
+    </mc:Fallback>
+  </mc:AlternateContent>
   <p:timing>
     <p:tnLst>
       <p:par>
@@ -13313,7 +13599,7 @@
 </file>
 
 <file path=ppt/slides/slide5.xml><?xml version="1.0" encoding="utf-8"?>
-<p:sld xmlns:a="http://schemas.openxmlformats.org/drawingml/2006/main" xmlns:r="http://schemas.openxmlformats.org/officeDocument/2006/relationships" xmlns:p="http://schemas.openxmlformats.org/presentationml/2006/main">
+<p:sld xmlns:a="http://schemas.openxmlformats.org/drawingml/2006/main" xmlns:r="http://schemas.openxmlformats.org/officeDocument/2006/relationships" xmlns:p="http://schemas.openxmlformats.org/presentationml/2006/main" show="0">
   <p:cSld>
     <p:spTree>
       <p:nvGrpSpPr>
@@ -14711,6 +14997,14 @@
   <p:clrMapOvr>
     <a:masterClrMapping/>
   </p:clrMapOvr>
+  <mc:AlternateContent xmlns:mc="http://schemas.openxmlformats.org/markup-compatibility/2006">
+    <mc:Choice xmlns:p14="http://schemas.microsoft.com/office/powerpoint/2010/main" Requires="p14">
+      <p:transition spd="slow" p14:dur="2000"/>
+    </mc:Choice>
+    <mc:Fallback>
+      <p:transition spd="slow"/>
+    </mc:Fallback>
+  </mc:AlternateContent>
   <p:timing>
     <p:tnLst>
       <p:par>
@@ -16469,6 +16763,1036 @@
       </p:grpSpPr>
       <p:sp>
         <p:nvSpPr>
+          <p:cNvPr id="2" name="Title 1"/>
+          <p:cNvSpPr>
+            <a:spLocks noGrp="1"/>
+          </p:cNvSpPr>
+          <p:nvPr>
+            <p:ph type="title"/>
+          </p:nvPr>
+        </p:nvSpPr>
+        <p:spPr/>
+        <p:txBody>
+          <a:bodyPr/>
+          <a:lstStyle/>
+          <a:p>
+            <a:r>
+              <a:rPr lang="en-US" dirty="0"/>
+              <a:t>TIOBE Index for September 2018</a:t>
+            </a:r>
+            <a:endParaRPr lang="ru-RU" dirty="0"/>
+          </a:p>
+        </p:txBody>
+      </p:sp>
+      <p:graphicFrame>
+        <p:nvGraphicFramePr>
+          <p:cNvPr id="5" name="Content Placeholder 4"/>
+          <p:cNvGraphicFramePr>
+            <a:graphicFrameLocks noGrp="1"/>
+          </p:cNvGraphicFramePr>
+          <p:nvPr>
+            <p:ph idx="1"/>
+            <p:extLst>
+              <p:ext uri="{D42A27DB-BD31-4B8C-83A1-F6EECF244321}">
+                <p14:modId xmlns:p14="http://schemas.microsoft.com/office/powerpoint/2010/main" val="748541321"/>
+              </p:ext>
+            </p:extLst>
+          </p:nvPr>
+        </p:nvGraphicFramePr>
+        <p:xfrm>
+          <a:off x="609600" y="1903548"/>
+          <a:ext cx="11017225" cy="3870960"/>
+        </p:xfrm>
+        <a:graphic>
+          <a:graphicData uri="http://schemas.openxmlformats.org/drawingml/2006/table">
+            <a:tbl>
+              <a:tblPr firstRow="1" firstCol="1">
+                <a:tableStyleId>{3C2FFA5D-87B4-456A-9821-1D502468CF0F}</a:tableStyleId>
+              </a:tblPr>
+              <a:tblGrid>
+                <a:gridCol w="2203445">
+                  <a:extLst>
+                    <a:ext uri="{9D8B030D-6E8A-4147-A177-3AD203B41FA5}">
+                      <a16:colId xmlns:a16="http://schemas.microsoft.com/office/drawing/2014/main" val="4034578439"/>
+                    </a:ext>
+                  </a:extLst>
+                </a:gridCol>
+                <a:gridCol w="2203445">
+                  <a:extLst>
+                    <a:ext uri="{9D8B030D-6E8A-4147-A177-3AD203B41FA5}">
+                      <a16:colId xmlns:a16="http://schemas.microsoft.com/office/drawing/2014/main" val="499821769"/>
+                    </a:ext>
+                  </a:extLst>
+                </a:gridCol>
+                <a:gridCol w="2203445">
+                  <a:extLst>
+                    <a:ext uri="{9D8B030D-6E8A-4147-A177-3AD203B41FA5}">
+                      <a16:colId xmlns:a16="http://schemas.microsoft.com/office/drawing/2014/main" val="741371506"/>
+                    </a:ext>
+                  </a:extLst>
+                </a:gridCol>
+                <a:gridCol w="2203445">
+                  <a:extLst>
+                    <a:ext uri="{9D8B030D-6E8A-4147-A177-3AD203B41FA5}">
+                      <a16:colId xmlns:a16="http://schemas.microsoft.com/office/drawing/2014/main" val="498153483"/>
+                    </a:ext>
+                  </a:extLst>
+                </a:gridCol>
+                <a:gridCol w="2203445">
+                  <a:extLst>
+                    <a:ext uri="{9D8B030D-6E8A-4147-A177-3AD203B41FA5}">
+                      <a16:colId xmlns:a16="http://schemas.microsoft.com/office/drawing/2014/main" val="3421240071"/>
+                    </a:ext>
+                  </a:extLst>
+                </a:gridCol>
+              </a:tblGrid>
+              <a:tr h="0">
+                <a:tc>
+                  <a:txBody>
+                    <a:bodyPr/>
+                    <a:lstStyle/>
+                    <a:p>
+                      <a:pPr algn="ctr"/>
+                      <a:r>
+                        <a:rPr lang="en-US" sz="2000" dirty="0"/>
+                        <a:t>Sep 2018</a:t>
+                      </a:r>
+                    </a:p>
+                  </a:txBody>
+                  <a:tcPr anchor="ctr"/>
+                </a:tc>
+                <a:tc>
+                  <a:txBody>
+                    <a:bodyPr/>
+                    <a:lstStyle/>
+                    <a:p>
+                      <a:pPr algn="ctr"/>
+                      <a:r>
+                        <a:rPr lang="en-US" sz="2000" dirty="0"/>
+                        <a:t>Sep 2017</a:t>
+                      </a:r>
+                    </a:p>
+                  </a:txBody>
+                  <a:tcPr anchor="ctr"/>
+                </a:tc>
+                <a:tc>
+                  <a:txBody>
+                    <a:bodyPr/>
+                    <a:lstStyle/>
+                    <a:p>
+                      <a:pPr algn="ctr"/>
+                      <a:r>
+                        <a:rPr lang="en-US" sz="2000" dirty="0"/>
+                        <a:t>Programming Language</a:t>
+                      </a:r>
+                    </a:p>
+                  </a:txBody>
+                  <a:tcPr anchor="ctr"/>
+                </a:tc>
+                <a:tc>
+                  <a:txBody>
+                    <a:bodyPr/>
+                    <a:lstStyle/>
+                    <a:p>
+                      <a:pPr algn="ctr"/>
+                      <a:r>
+                        <a:rPr lang="en-US" sz="2000" dirty="0"/>
+                        <a:t>Ratings</a:t>
+                      </a:r>
+                    </a:p>
+                  </a:txBody>
+                  <a:tcPr anchor="ctr"/>
+                </a:tc>
+                <a:tc>
+                  <a:txBody>
+                    <a:bodyPr/>
+                    <a:lstStyle/>
+                    <a:p>
+                      <a:pPr algn="ctr"/>
+                      <a:r>
+                        <a:rPr lang="en-US" sz="2000" dirty="0"/>
+                        <a:t>Change</a:t>
+                      </a:r>
+                    </a:p>
+                  </a:txBody>
+                  <a:tcPr anchor="ctr"/>
+                </a:tc>
+                <a:extLst>
+                  <a:ext uri="{0D108BD9-81ED-4DB2-BD59-A6C34878D82A}">
+                    <a16:rowId xmlns:a16="http://schemas.microsoft.com/office/drawing/2014/main" val="2939178198"/>
+                  </a:ext>
+                </a:extLst>
+              </a:tr>
+              <a:tr h="0">
+                <a:tc>
+                  <a:txBody>
+                    <a:bodyPr/>
+                    <a:lstStyle/>
+                    <a:p>
+                      <a:pPr algn="ctr"/>
+                      <a:r>
+                        <a:rPr lang="ru-RU" sz="2000" dirty="0"/>
+                        <a:t>1</a:t>
+                      </a:r>
+                    </a:p>
+                  </a:txBody>
+                  <a:tcPr anchor="ctr"/>
+                </a:tc>
+                <a:tc>
+                  <a:txBody>
+                    <a:bodyPr/>
+                    <a:lstStyle/>
+                    <a:p>
+                      <a:pPr algn="ctr"/>
+                      <a:r>
+                        <a:rPr lang="ru-RU" sz="2000"/>
+                        <a:t>1</a:t>
+                      </a:r>
+                    </a:p>
+                  </a:txBody>
+                  <a:tcPr anchor="ctr"/>
+                </a:tc>
+                <a:tc>
+                  <a:txBody>
+                    <a:bodyPr/>
+                    <a:lstStyle/>
+                    <a:p>
+                      <a:pPr algn="ctr"/>
+                      <a:r>
+                        <a:rPr lang="en-US" sz="2000"/>
+                        <a:t>Java</a:t>
+                      </a:r>
+                    </a:p>
+                  </a:txBody>
+                  <a:tcPr anchor="ctr"/>
+                </a:tc>
+                <a:tc>
+                  <a:txBody>
+                    <a:bodyPr/>
+                    <a:lstStyle/>
+                    <a:p>
+                      <a:pPr algn="ctr"/>
+                      <a:r>
+                        <a:rPr lang="ru-RU" sz="2000" dirty="0"/>
+                        <a:t>17.436%</a:t>
+                      </a:r>
+                    </a:p>
+                  </a:txBody>
+                  <a:tcPr anchor="ctr"/>
+                </a:tc>
+                <a:tc>
+                  <a:txBody>
+                    <a:bodyPr/>
+                    <a:lstStyle/>
+                    <a:p>
+                      <a:pPr algn="ctr"/>
+                      <a:r>
+                        <a:rPr lang="ru-RU" sz="2000" dirty="0">
+                          <a:solidFill>
+                            <a:srgbClr val="00B050"/>
+                          </a:solidFill>
+                        </a:rPr>
+                        <a:t>+4.75%</a:t>
+                      </a:r>
+                    </a:p>
+                  </a:txBody>
+                  <a:tcPr anchor="ctr"/>
+                </a:tc>
+                <a:extLst>
+                  <a:ext uri="{0D108BD9-81ED-4DB2-BD59-A6C34878D82A}">
+                    <a16:rowId xmlns:a16="http://schemas.microsoft.com/office/drawing/2014/main" val="3124566233"/>
+                  </a:ext>
+                </a:extLst>
+              </a:tr>
+              <a:tr h="0">
+                <a:tc>
+                  <a:txBody>
+                    <a:bodyPr/>
+                    <a:lstStyle/>
+                    <a:p>
+                      <a:pPr algn="ctr"/>
+                      <a:r>
+                        <a:rPr lang="ru-RU" sz="2000" dirty="0"/>
+                        <a:t>2</a:t>
+                      </a:r>
+                    </a:p>
+                  </a:txBody>
+                  <a:tcPr anchor="ctr"/>
+                </a:tc>
+                <a:tc>
+                  <a:txBody>
+                    <a:bodyPr/>
+                    <a:lstStyle/>
+                    <a:p>
+                      <a:pPr algn="ctr"/>
+                      <a:r>
+                        <a:rPr lang="ru-RU" sz="2000" dirty="0"/>
+                        <a:t>2</a:t>
+                      </a:r>
+                    </a:p>
+                  </a:txBody>
+                  <a:tcPr anchor="ctr"/>
+                </a:tc>
+                <a:tc>
+                  <a:txBody>
+                    <a:bodyPr/>
+                    <a:lstStyle/>
+                    <a:p>
+                      <a:pPr algn="ctr"/>
+                      <a:r>
+                        <a:rPr lang="en-US" sz="2000"/>
+                        <a:t>C</a:t>
+                      </a:r>
+                    </a:p>
+                  </a:txBody>
+                  <a:tcPr anchor="ctr"/>
+                </a:tc>
+                <a:tc>
+                  <a:txBody>
+                    <a:bodyPr/>
+                    <a:lstStyle/>
+                    <a:p>
+                      <a:pPr algn="ctr"/>
+                      <a:r>
+                        <a:rPr lang="ru-RU" sz="2000" dirty="0"/>
+                        <a:t>15.447%</a:t>
+                      </a:r>
+                    </a:p>
+                  </a:txBody>
+                  <a:tcPr anchor="ctr"/>
+                </a:tc>
+                <a:tc>
+                  <a:txBody>
+                    <a:bodyPr/>
+                    <a:lstStyle/>
+                    <a:p>
+                      <a:pPr algn="ctr"/>
+                      <a:r>
+                        <a:rPr lang="ru-RU" sz="2000" dirty="0">
+                          <a:solidFill>
+                            <a:srgbClr val="00B050"/>
+                          </a:solidFill>
+                        </a:rPr>
+                        <a:t>+8.06%</a:t>
+                      </a:r>
+                    </a:p>
+                  </a:txBody>
+                  <a:tcPr anchor="ctr"/>
+                </a:tc>
+                <a:extLst>
+                  <a:ext uri="{0D108BD9-81ED-4DB2-BD59-A6C34878D82A}">
+                    <a16:rowId xmlns:a16="http://schemas.microsoft.com/office/drawing/2014/main" val="2257027956"/>
+                  </a:ext>
+                </a:extLst>
+              </a:tr>
+              <a:tr h="0">
+                <a:tc>
+                  <a:txBody>
+                    <a:bodyPr/>
+                    <a:lstStyle/>
+                    <a:p>
+                      <a:pPr algn="ctr"/>
+                      <a:r>
+                        <a:rPr lang="ru-RU" sz="2000" dirty="0"/>
+                        <a:t>3</a:t>
+                      </a:r>
+                    </a:p>
+                  </a:txBody>
+                  <a:tcPr anchor="ctr"/>
+                </a:tc>
+                <a:tc>
+                  <a:txBody>
+                    <a:bodyPr/>
+                    <a:lstStyle/>
+                    <a:p>
+                      <a:pPr algn="ctr"/>
+                      <a:r>
+                        <a:rPr lang="ru-RU" sz="2000" dirty="0">
+                          <a:solidFill>
+                            <a:srgbClr val="00B050"/>
+                          </a:solidFill>
+                        </a:rPr>
+                        <a:t>5</a:t>
+                      </a:r>
+                    </a:p>
+                  </a:txBody>
+                  <a:tcPr anchor="ctr"/>
+                </a:tc>
+                <a:tc>
+                  <a:txBody>
+                    <a:bodyPr/>
+                    <a:lstStyle/>
+                    <a:p>
+                      <a:pPr algn="ctr"/>
+                      <a:r>
+                        <a:rPr lang="en-US" sz="2000" dirty="0"/>
+                        <a:t>Python</a:t>
+                      </a:r>
+                    </a:p>
+                  </a:txBody>
+                  <a:tcPr anchor="ctr"/>
+                </a:tc>
+                <a:tc>
+                  <a:txBody>
+                    <a:bodyPr/>
+                    <a:lstStyle/>
+                    <a:p>
+                      <a:pPr algn="ctr"/>
+                      <a:r>
+                        <a:rPr lang="ru-RU" sz="2000" dirty="0"/>
+                        <a:t>7.653%</a:t>
+                      </a:r>
+                    </a:p>
+                  </a:txBody>
+                  <a:tcPr anchor="ctr"/>
+                </a:tc>
+                <a:tc>
+                  <a:txBody>
+                    <a:bodyPr/>
+                    <a:lstStyle/>
+                    <a:p>
+                      <a:pPr algn="ctr"/>
+                      <a:r>
+                        <a:rPr lang="ru-RU" sz="2000" dirty="0">
+                          <a:solidFill>
+                            <a:srgbClr val="00B050"/>
+                          </a:solidFill>
+                        </a:rPr>
+                        <a:t>+4.67%</a:t>
+                      </a:r>
+                    </a:p>
+                  </a:txBody>
+                  <a:tcPr anchor="ctr"/>
+                </a:tc>
+                <a:extLst>
+                  <a:ext uri="{0D108BD9-81ED-4DB2-BD59-A6C34878D82A}">
+                    <a16:rowId xmlns:a16="http://schemas.microsoft.com/office/drawing/2014/main" val="1596512685"/>
+                  </a:ext>
+                </a:extLst>
+              </a:tr>
+              <a:tr h="0">
+                <a:tc>
+                  <a:txBody>
+                    <a:bodyPr/>
+                    <a:lstStyle/>
+                    <a:p>
+                      <a:pPr algn="ctr"/>
+                      <a:r>
+                        <a:rPr lang="ru-RU" sz="2000"/>
+                        <a:t>4</a:t>
+                      </a:r>
+                    </a:p>
+                  </a:txBody>
+                  <a:tcPr anchor="ctr"/>
+                </a:tc>
+                <a:tc>
+                  <a:txBody>
+                    <a:bodyPr/>
+                    <a:lstStyle/>
+                    <a:p>
+                      <a:pPr algn="ctr"/>
+                      <a:r>
+                        <a:rPr lang="ru-RU" sz="2000" dirty="0">
+                          <a:solidFill>
+                            <a:srgbClr val="FF0000"/>
+                          </a:solidFill>
+                        </a:rPr>
+                        <a:t>3</a:t>
+                      </a:r>
+                    </a:p>
+                  </a:txBody>
+                  <a:tcPr anchor="ctr"/>
+                </a:tc>
+                <a:tc>
+                  <a:txBody>
+                    <a:bodyPr/>
+                    <a:lstStyle/>
+                    <a:p>
+                      <a:pPr algn="ctr"/>
+                      <a:r>
+                        <a:rPr lang="en-US" sz="2000"/>
+                        <a:t>C++</a:t>
+                      </a:r>
+                    </a:p>
+                  </a:txBody>
+                  <a:tcPr anchor="ctr"/>
+                </a:tc>
+                <a:tc>
+                  <a:txBody>
+                    <a:bodyPr/>
+                    <a:lstStyle/>
+                    <a:p>
+                      <a:pPr algn="ctr"/>
+                      <a:r>
+                        <a:rPr lang="ru-RU" sz="2000"/>
+                        <a:t>7.394%</a:t>
+                      </a:r>
+                    </a:p>
+                  </a:txBody>
+                  <a:tcPr anchor="ctr"/>
+                </a:tc>
+                <a:tc>
+                  <a:txBody>
+                    <a:bodyPr/>
+                    <a:lstStyle/>
+                    <a:p>
+                      <a:pPr algn="ctr"/>
+                      <a:r>
+                        <a:rPr lang="ru-RU" sz="2000" dirty="0">
+                          <a:solidFill>
+                            <a:srgbClr val="00B050"/>
+                          </a:solidFill>
+                        </a:rPr>
+                        <a:t>+1.83%</a:t>
+                      </a:r>
+                    </a:p>
+                  </a:txBody>
+                  <a:tcPr anchor="ctr"/>
+                </a:tc>
+                <a:extLst>
+                  <a:ext uri="{0D108BD9-81ED-4DB2-BD59-A6C34878D82A}">
+                    <a16:rowId xmlns:a16="http://schemas.microsoft.com/office/drawing/2014/main" val="3878527109"/>
+                  </a:ext>
+                </a:extLst>
+              </a:tr>
+              <a:tr h="0">
+                <a:tc>
+                  <a:txBody>
+                    <a:bodyPr/>
+                    <a:lstStyle/>
+                    <a:p>
+                      <a:pPr algn="ctr"/>
+                      <a:r>
+                        <a:rPr lang="ru-RU" sz="2000"/>
+                        <a:t>5</a:t>
+                      </a:r>
+                    </a:p>
+                  </a:txBody>
+                  <a:tcPr anchor="ctr"/>
+                </a:tc>
+                <a:tc>
+                  <a:txBody>
+                    <a:bodyPr/>
+                    <a:lstStyle/>
+                    <a:p>
+                      <a:pPr algn="ctr"/>
+                      <a:r>
+                        <a:rPr lang="ru-RU" sz="2000" dirty="0">
+                          <a:solidFill>
+                            <a:srgbClr val="00B050"/>
+                          </a:solidFill>
+                        </a:rPr>
+                        <a:t>8</a:t>
+                      </a:r>
+                    </a:p>
+                  </a:txBody>
+                  <a:tcPr anchor="ctr"/>
+                </a:tc>
+                <a:tc>
+                  <a:txBody>
+                    <a:bodyPr/>
+                    <a:lstStyle/>
+                    <a:p>
+                      <a:pPr algn="ctr"/>
+                      <a:r>
+                        <a:rPr lang="en-US" sz="2000"/>
+                        <a:t>Visual Basic .NET</a:t>
+                      </a:r>
+                    </a:p>
+                  </a:txBody>
+                  <a:tcPr anchor="ctr"/>
+                </a:tc>
+                <a:tc>
+                  <a:txBody>
+                    <a:bodyPr/>
+                    <a:lstStyle/>
+                    <a:p>
+                      <a:pPr algn="ctr"/>
+                      <a:r>
+                        <a:rPr lang="ru-RU" sz="2000"/>
+                        <a:t>5.308%</a:t>
+                      </a:r>
+                    </a:p>
+                  </a:txBody>
+                  <a:tcPr anchor="ctr"/>
+                </a:tc>
+                <a:tc>
+                  <a:txBody>
+                    <a:bodyPr/>
+                    <a:lstStyle/>
+                    <a:p>
+                      <a:pPr algn="ctr"/>
+                      <a:r>
+                        <a:rPr lang="ru-RU" sz="2000" dirty="0">
+                          <a:solidFill>
+                            <a:srgbClr val="00B050"/>
+                          </a:solidFill>
+                        </a:rPr>
+                        <a:t>+3.33%</a:t>
+                      </a:r>
+                    </a:p>
+                  </a:txBody>
+                  <a:tcPr anchor="ctr"/>
+                </a:tc>
+                <a:extLst>
+                  <a:ext uri="{0D108BD9-81ED-4DB2-BD59-A6C34878D82A}">
+                    <a16:rowId xmlns:a16="http://schemas.microsoft.com/office/drawing/2014/main" val="3385505099"/>
+                  </a:ext>
+                </a:extLst>
+              </a:tr>
+              <a:tr h="0">
+                <a:tc>
+                  <a:txBody>
+                    <a:bodyPr/>
+                    <a:lstStyle/>
+                    <a:p>
+                      <a:pPr algn="ctr"/>
+                      <a:r>
+                        <a:rPr lang="ru-RU" sz="2000"/>
+                        <a:t>6</a:t>
+                      </a:r>
+                    </a:p>
+                  </a:txBody>
+                  <a:tcPr anchor="ctr"/>
+                </a:tc>
+                <a:tc>
+                  <a:txBody>
+                    <a:bodyPr/>
+                    <a:lstStyle/>
+                    <a:p>
+                      <a:pPr algn="ctr"/>
+                      <a:r>
+                        <a:rPr lang="ru-RU" sz="2000" dirty="0">
+                          <a:solidFill>
+                            <a:srgbClr val="FF0000"/>
+                          </a:solidFill>
+                        </a:rPr>
+                        <a:t>4</a:t>
+                      </a:r>
+                    </a:p>
+                  </a:txBody>
+                  <a:tcPr anchor="ctr"/>
+                </a:tc>
+                <a:tc>
+                  <a:txBody>
+                    <a:bodyPr/>
+                    <a:lstStyle/>
+                    <a:p>
+                      <a:pPr algn="ctr"/>
+                      <a:r>
+                        <a:rPr lang="en-US" sz="2000"/>
+                        <a:t>C#</a:t>
+                      </a:r>
+                    </a:p>
+                  </a:txBody>
+                  <a:tcPr anchor="ctr"/>
+                </a:tc>
+                <a:tc>
+                  <a:txBody>
+                    <a:bodyPr/>
+                    <a:lstStyle/>
+                    <a:p>
+                      <a:pPr algn="ctr"/>
+                      <a:r>
+                        <a:rPr lang="ru-RU" sz="2000"/>
+                        <a:t>3.295%</a:t>
+                      </a:r>
+                    </a:p>
+                  </a:txBody>
+                  <a:tcPr anchor="ctr"/>
+                </a:tc>
+                <a:tc>
+                  <a:txBody>
+                    <a:bodyPr/>
+                    <a:lstStyle/>
+                    <a:p>
+                      <a:pPr algn="ctr"/>
+                      <a:r>
+                        <a:rPr lang="ru-RU" sz="2000" dirty="0">
+                          <a:solidFill>
+                            <a:srgbClr val="FF0000"/>
+                          </a:solidFill>
+                        </a:rPr>
+                        <a:t>-1.48%</a:t>
+                      </a:r>
+                    </a:p>
+                  </a:txBody>
+                  <a:tcPr anchor="ctr"/>
+                </a:tc>
+                <a:extLst>
+                  <a:ext uri="{0D108BD9-81ED-4DB2-BD59-A6C34878D82A}">
+                    <a16:rowId xmlns:a16="http://schemas.microsoft.com/office/drawing/2014/main" val="3676701916"/>
+                  </a:ext>
+                </a:extLst>
+              </a:tr>
+              <a:tr h="0">
+                <a:tc>
+                  <a:txBody>
+                    <a:bodyPr/>
+                    <a:lstStyle/>
+                    <a:p>
+                      <a:pPr algn="ctr"/>
+                      <a:r>
+                        <a:rPr lang="ru-RU" sz="2000"/>
+                        <a:t>7</a:t>
+                      </a:r>
+                    </a:p>
+                  </a:txBody>
+                  <a:tcPr anchor="ctr"/>
+                </a:tc>
+                <a:tc>
+                  <a:txBody>
+                    <a:bodyPr/>
+                    <a:lstStyle/>
+                    <a:p>
+                      <a:pPr algn="ctr"/>
+                      <a:r>
+                        <a:rPr lang="ru-RU" sz="2000" dirty="0">
+                          <a:solidFill>
+                            <a:srgbClr val="FF0000"/>
+                          </a:solidFill>
+                        </a:rPr>
+                        <a:t>6</a:t>
+                      </a:r>
+                    </a:p>
+                  </a:txBody>
+                  <a:tcPr anchor="ctr"/>
+                </a:tc>
+                <a:tc>
+                  <a:txBody>
+                    <a:bodyPr/>
+                    <a:lstStyle/>
+                    <a:p>
+                      <a:pPr algn="ctr"/>
+                      <a:r>
+                        <a:rPr lang="en-US" sz="2000"/>
+                        <a:t>PHP</a:t>
+                      </a:r>
+                    </a:p>
+                  </a:txBody>
+                  <a:tcPr anchor="ctr"/>
+                </a:tc>
+                <a:tc>
+                  <a:txBody>
+                    <a:bodyPr/>
+                    <a:lstStyle/>
+                    <a:p>
+                      <a:pPr algn="ctr"/>
+                      <a:r>
+                        <a:rPr lang="ru-RU" sz="2000"/>
+                        <a:t>2.775%</a:t>
+                      </a:r>
+                    </a:p>
+                  </a:txBody>
+                  <a:tcPr anchor="ctr"/>
+                </a:tc>
+                <a:tc>
+                  <a:txBody>
+                    <a:bodyPr/>
+                    <a:lstStyle/>
+                    <a:p>
+                      <a:pPr algn="ctr"/>
+                      <a:r>
+                        <a:rPr lang="ru-RU" sz="2000" dirty="0">
+                          <a:solidFill>
+                            <a:srgbClr val="00B050"/>
+                          </a:solidFill>
+                        </a:rPr>
+                        <a:t>+0.57%</a:t>
+                      </a:r>
+                    </a:p>
+                  </a:txBody>
+                  <a:tcPr anchor="ctr"/>
+                </a:tc>
+                <a:extLst>
+                  <a:ext uri="{0D108BD9-81ED-4DB2-BD59-A6C34878D82A}">
+                    <a16:rowId xmlns:a16="http://schemas.microsoft.com/office/drawing/2014/main" val="2049593770"/>
+                  </a:ext>
+                </a:extLst>
+              </a:tr>
+              <a:tr h="0">
+                <a:tc>
+                  <a:txBody>
+                    <a:bodyPr/>
+                    <a:lstStyle/>
+                    <a:p>
+                      <a:pPr algn="ctr"/>
+                      <a:r>
+                        <a:rPr lang="ru-RU" sz="2000"/>
+                        <a:t>8</a:t>
+                      </a:r>
+                    </a:p>
+                  </a:txBody>
+                  <a:tcPr anchor="ctr"/>
+                </a:tc>
+                <a:tc>
+                  <a:txBody>
+                    <a:bodyPr/>
+                    <a:lstStyle/>
+                    <a:p>
+                      <a:pPr algn="ctr"/>
+                      <a:r>
+                        <a:rPr lang="ru-RU" sz="2000" dirty="0">
+                          <a:solidFill>
+                            <a:srgbClr val="FF0000"/>
+                          </a:solidFill>
+                        </a:rPr>
+                        <a:t>7</a:t>
+                      </a:r>
+                    </a:p>
+                  </a:txBody>
+                  <a:tcPr anchor="ctr"/>
+                </a:tc>
+                <a:tc>
+                  <a:txBody>
+                    <a:bodyPr/>
+                    <a:lstStyle/>
+                    <a:p>
+                      <a:pPr algn="ctr"/>
+                      <a:r>
+                        <a:rPr lang="en-US" sz="2000"/>
+                        <a:t>JavaScript</a:t>
+                      </a:r>
+                    </a:p>
+                  </a:txBody>
+                  <a:tcPr anchor="ctr"/>
+                </a:tc>
+                <a:tc>
+                  <a:txBody>
+                    <a:bodyPr/>
+                    <a:lstStyle/>
+                    <a:p>
+                      <a:pPr algn="ctr"/>
+                      <a:r>
+                        <a:rPr lang="ru-RU" sz="2000"/>
+                        <a:t>2.131%</a:t>
+                      </a:r>
+                    </a:p>
+                  </a:txBody>
+                  <a:tcPr anchor="ctr"/>
+                </a:tc>
+                <a:tc>
+                  <a:txBody>
+                    <a:bodyPr/>
+                    <a:lstStyle/>
+                    <a:p>
+                      <a:pPr algn="ctr"/>
+                      <a:r>
+                        <a:rPr lang="ru-RU" sz="2000" dirty="0">
+                          <a:solidFill>
+                            <a:srgbClr val="00B050"/>
+                          </a:solidFill>
+                        </a:rPr>
+                        <a:t>+0.11%</a:t>
+                      </a:r>
+                    </a:p>
+                  </a:txBody>
+                  <a:tcPr anchor="ctr"/>
+                </a:tc>
+                <a:extLst>
+                  <a:ext uri="{0D108BD9-81ED-4DB2-BD59-A6C34878D82A}">
+                    <a16:rowId xmlns:a16="http://schemas.microsoft.com/office/drawing/2014/main" val="310938551"/>
+                  </a:ext>
+                </a:extLst>
+              </a:tr>
+            </a:tbl>
+          </a:graphicData>
+        </a:graphic>
+      </p:graphicFrame>
+      <p:sp>
+        <p:nvSpPr>
+          <p:cNvPr id="4" name="Rectangle 3"/>
+          <p:cNvSpPr/>
+          <p:nvPr/>
+        </p:nvSpPr>
+        <p:spPr>
+          <a:xfrm>
+            <a:off x="7752184" y="6308727"/>
+            <a:ext cx="3638175" cy="369332"/>
+          </a:xfrm>
+          <a:prstGeom prst="rect">
+            <a:avLst/>
+          </a:prstGeom>
+        </p:spPr>
+        <p:txBody>
+          <a:bodyPr wrap="none">
+            <a:spAutoFit/>
+          </a:bodyPr>
+          <a:lstStyle/>
+          <a:p>
+            <a:r>
+              <a:rPr lang="en-US" dirty="0">
+                <a:hlinkClick r:id="rId2"/>
+              </a:rPr>
+              <a:t>https://</a:t>
+            </a:r>
+            <a:r>
+              <a:rPr lang="en-US" dirty="0" smtClean="0">
+                <a:hlinkClick r:id="rId2"/>
+              </a:rPr>
+              <a:t>www.tiobe.com/tiobe-index</a:t>
+            </a:r>
+            <a:r>
+              <a:rPr lang="ru-RU" dirty="0" smtClean="0"/>
+              <a:t> </a:t>
+            </a:r>
+            <a:endParaRPr lang="ru-RU" dirty="0"/>
+          </a:p>
+        </p:txBody>
+      </p:sp>
+    </p:spTree>
+    <p:extLst>
+      <p:ext uri="{BB962C8B-B14F-4D97-AF65-F5344CB8AC3E}">
+        <p14:creationId xmlns:p14="http://schemas.microsoft.com/office/powerpoint/2010/main" val="4158235936"/>
+      </p:ext>
+    </p:extLst>
+  </p:cSld>
+  <p:clrMapOvr>
+    <a:masterClrMapping/>
+  </p:clrMapOvr>
+  <p:timing>
+    <p:tnLst>
+      <p:par>
+        <p:cTn id="1" dur="indefinite" restart="never" nodeType="tmRoot">
+          <p:childTnLst>
+            <p:seq concurrent="1" nextAc="seek">
+              <p:cTn id="2" dur="indefinite" nodeType="mainSeq">
+                <p:childTnLst>
+                  <p:par>
+                    <p:cTn id="3" fill="hold">
+                      <p:stCondLst>
+                        <p:cond delay="indefinite"/>
+                      </p:stCondLst>
+                      <p:childTnLst>
+                        <p:par>
+                          <p:cTn id="4" fill="hold">
+                            <p:stCondLst>
+                              <p:cond delay="0"/>
+                            </p:stCondLst>
+                            <p:childTnLst>
+                              <p:par>
+                                <p:cTn id="5" presetID="2" presetClass="entr" presetSubtype="4" fill="hold" nodeType="clickEffect">
+                                  <p:stCondLst>
+                                    <p:cond delay="0"/>
+                                  </p:stCondLst>
+                                  <p:childTnLst>
+                                    <p:set>
+                                      <p:cBhvr>
+                                        <p:cTn id="6" dur="1" fill="hold">
+                                          <p:stCondLst>
+                                            <p:cond delay="0"/>
+                                          </p:stCondLst>
+                                        </p:cTn>
+                                        <p:tgtEl>
+                                          <p:spTgt spid="5"/>
+                                        </p:tgtEl>
+                                        <p:attrNameLst>
+                                          <p:attrName>style.visibility</p:attrName>
+                                        </p:attrNameLst>
+                                      </p:cBhvr>
+                                      <p:to>
+                                        <p:strVal val="visible"/>
+                                      </p:to>
+                                    </p:set>
+                                    <p:anim calcmode="lin" valueType="num">
+                                      <p:cBhvr additive="base">
+                                        <p:cTn id="7" dur="500" fill="hold"/>
+                                        <p:tgtEl>
+                                          <p:spTgt spid="5"/>
+                                        </p:tgtEl>
+                                        <p:attrNameLst>
+                                          <p:attrName>ppt_x</p:attrName>
+                                        </p:attrNameLst>
+                                      </p:cBhvr>
+                                      <p:tavLst>
+                                        <p:tav tm="0">
+                                          <p:val>
+                                            <p:strVal val="#ppt_x"/>
+                                          </p:val>
+                                        </p:tav>
+                                        <p:tav tm="100000">
+                                          <p:val>
+                                            <p:strVal val="#ppt_x"/>
+                                          </p:val>
+                                        </p:tav>
+                                      </p:tavLst>
+                                    </p:anim>
+                                    <p:anim calcmode="lin" valueType="num">
+                                      <p:cBhvr additive="base">
+                                        <p:cTn id="8" dur="500" fill="hold"/>
+                                        <p:tgtEl>
+                                          <p:spTgt spid="5"/>
+                                        </p:tgtEl>
+                                        <p:attrNameLst>
+                                          <p:attrName>ppt_y</p:attrName>
+                                        </p:attrNameLst>
+                                      </p:cBhvr>
+                                      <p:tavLst>
+                                        <p:tav tm="0">
+                                          <p:val>
+                                            <p:strVal val="1+#ppt_h/2"/>
+                                          </p:val>
+                                        </p:tav>
+                                        <p:tav tm="100000">
+                                          <p:val>
+                                            <p:strVal val="#ppt_y"/>
+                                          </p:val>
+                                        </p:tav>
+                                      </p:tavLst>
+                                    </p:anim>
+                                  </p:childTnLst>
+                                </p:cTn>
+                              </p:par>
+                            </p:childTnLst>
+                          </p:cTn>
+                        </p:par>
+                      </p:childTnLst>
+                    </p:cTn>
+                  </p:par>
+                </p:childTnLst>
+              </p:cTn>
+              <p:prevCondLst>
+                <p:cond evt="onPrev" delay="0">
+                  <p:tgtEl>
+                    <p:sldTgt/>
+                  </p:tgtEl>
+                </p:cond>
+              </p:prevCondLst>
+              <p:nextCondLst>
+                <p:cond evt="onNext" delay="0">
+                  <p:tgtEl>
+                    <p:sldTgt/>
+                  </p:tgtEl>
+                </p:cond>
+              </p:nextCondLst>
+            </p:seq>
+          </p:childTnLst>
+        </p:cTn>
+      </p:par>
+    </p:tnLst>
+  </p:timing>
+</p:sld>
+</file>
+
+<file path=ppt/slides/slide9.xml><?xml version="1.0" encoding="utf-8"?>
+<p:sld xmlns:a="http://schemas.openxmlformats.org/drawingml/2006/main" xmlns:r="http://schemas.openxmlformats.org/officeDocument/2006/relationships" xmlns:p="http://schemas.openxmlformats.org/presentationml/2006/main" show="0">
+  <p:cSld>
+    <p:spTree>
+      <p:nvGrpSpPr>
+        <p:cNvPr id="1" name=""/>
+        <p:cNvGrpSpPr/>
+        <p:nvPr/>
+      </p:nvGrpSpPr>
+      <p:grpSpPr>
+        <a:xfrm>
+          <a:off x="0" y="0"/>
+          <a:ext cx="0" cy="0"/>
+          <a:chOff x="0" y="0"/>
+          <a:chExt cx="0" cy="0"/>
+        </a:xfrm>
+      </p:grpSpPr>
+      <p:sp>
+        <p:nvSpPr>
           <p:cNvPr id="2" name="Заголовок 1"/>
           <p:cNvSpPr>
             <a:spLocks noGrp="1"/>
@@ -16590,6 +17914,14 @@
   <p:clrMapOvr>
     <a:masterClrMapping/>
   </p:clrMapOvr>
+  <mc:AlternateContent xmlns:mc="http://schemas.openxmlformats.org/markup-compatibility/2006">
+    <mc:Choice xmlns:p14="http://schemas.microsoft.com/office/powerpoint/2010/main" Requires="p14">
+      <p:transition spd="slow" p14:dur="2000"/>
+    </mc:Choice>
+    <mc:Fallback>
+      <p:transition spd="slow"/>
+    </mc:Fallback>
+  </mc:AlternateContent>
   <p:timing>
     <p:tnLst>
       <p:par>
@@ -16724,336 +18056,6 @@
                                         </p:tgtEl>
                                       </p:cBhvr>
                                     </p:animEffect>
-                                  </p:childTnLst>
-                                </p:cTn>
-                              </p:par>
-                            </p:childTnLst>
-                          </p:cTn>
-                        </p:par>
-                      </p:childTnLst>
-                    </p:cTn>
-                  </p:par>
-                </p:childTnLst>
-              </p:cTn>
-              <p:prevCondLst>
-                <p:cond evt="onPrev" delay="0">
-                  <p:tgtEl>
-                    <p:sldTgt/>
-                  </p:tgtEl>
-                </p:cond>
-              </p:prevCondLst>
-              <p:nextCondLst>
-                <p:cond evt="onNext" delay="0">
-                  <p:tgtEl>
-                    <p:sldTgt/>
-                  </p:tgtEl>
-                </p:cond>
-              </p:nextCondLst>
-            </p:seq>
-          </p:childTnLst>
-        </p:cTn>
-      </p:par>
-    </p:tnLst>
-    <p:bldLst>
-      <p:bldP spid="5" grpId="0"/>
-    </p:bldLst>
-  </p:timing>
-</p:sld>
-</file>
-
-<file path=ppt/slides/slide9.xml><?xml version="1.0" encoding="utf-8"?>
-<p:sld xmlns:a="http://schemas.openxmlformats.org/drawingml/2006/main" xmlns:r="http://schemas.openxmlformats.org/officeDocument/2006/relationships" xmlns:p="http://schemas.openxmlformats.org/presentationml/2006/main">
-  <p:cSld>
-    <p:spTree>
-      <p:nvGrpSpPr>
-        <p:cNvPr id="1" name=""/>
-        <p:cNvGrpSpPr/>
-        <p:nvPr/>
-      </p:nvGrpSpPr>
-      <p:grpSpPr>
-        <a:xfrm>
-          <a:off x="0" y="0"/>
-          <a:ext cx="0" cy="0"/>
-          <a:chOff x="0" y="0"/>
-          <a:chExt cx="0" cy="0"/>
-        </a:xfrm>
-      </p:grpSpPr>
-      <p:sp>
-        <p:nvSpPr>
-          <p:cNvPr id="2" name="Title 1"/>
-          <p:cNvSpPr>
-            <a:spLocks noGrp="1"/>
-          </p:cNvSpPr>
-          <p:nvPr>
-            <p:ph type="title"/>
-          </p:nvPr>
-        </p:nvSpPr>
-        <p:spPr/>
-        <p:txBody>
-          <a:bodyPr/>
-          <a:lstStyle/>
-          <a:p>
-            <a:endParaRPr lang="ru-RU"/>
-          </a:p>
-        </p:txBody>
-      </p:sp>
-      <p:sp>
-        <p:nvSpPr>
-          <p:cNvPr id="3" name="Content Placeholder 2"/>
-          <p:cNvSpPr>
-            <a:spLocks noGrp="1"/>
-          </p:cNvSpPr>
-          <p:nvPr>
-            <p:ph idx="1"/>
-          </p:nvPr>
-        </p:nvSpPr>
-        <p:spPr/>
-        <p:txBody>
-          <a:bodyPr/>
-          <a:lstStyle/>
-          <a:p>
-            <a:endParaRPr lang="ru-RU"/>
-          </a:p>
-        </p:txBody>
-      </p:sp>
-      <p:pic>
-        <p:nvPicPr>
-          <p:cNvPr id="4" name="Picture 3"/>
-          <p:cNvPicPr>
-            <a:picLocks noChangeAspect="1"/>
-          </p:cNvPicPr>
-          <p:nvPr/>
-        </p:nvPicPr>
-        <p:blipFill>
-          <a:blip r:embed="rId2"/>
-          <a:stretch>
-            <a:fillRect/>
-          </a:stretch>
-        </p:blipFill>
-        <p:spPr>
-          <a:xfrm>
-            <a:off x="839416" y="-19704"/>
-            <a:ext cx="10382944" cy="6877704"/>
-          </a:xfrm>
-          <a:prstGeom prst="rect">
-            <a:avLst/>
-          </a:prstGeom>
-        </p:spPr>
-      </p:pic>
-      <p:sp>
-        <p:nvSpPr>
-          <p:cNvPr id="5" name="Rectangle 4"/>
-          <p:cNvSpPr/>
-          <p:nvPr/>
-        </p:nvSpPr>
-        <p:spPr>
-          <a:xfrm>
-            <a:off x="609600" y="6307416"/>
-            <a:ext cx="4034951" cy="369332"/>
-          </a:xfrm>
-          <a:prstGeom prst="rect">
-            <a:avLst/>
-          </a:prstGeom>
-        </p:spPr>
-        <p:txBody>
-          <a:bodyPr wrap="none">
-            <a:spAutoFit/>
-          </a:bodyPr>
-          <a:lstStyle/>
-          <a:p>
-            <a:r>
-              <a:rPr lang="ru-RU" dirty="0">
-                <a:hlinkClick r:id="rId3"/>
-              </a:rPr>
-              <a:t>https://</a:t>
-            </a:r>
-            <a:r>
-              <a:rPr lang="ru-RU" dirty="0" smtClean="0">
-                <a:hlinkClick r:id="rId3"/>
-              </a:rPr>
-              <a:t>www.youngwonks.com/blogs/19</a:t>
-            </a:r>
-            <a:r>
-              <a:rPr lang="ru-RU" dirty="0" smtClean="0"/>
-              <a:t> </a:t>
-            </a:r>
-            <a:endParaRPr lang="ru-RU" dirty="0"/>
-          </a:p>
-        </p:txBody>
-      </p:sp>
-    </p:spTree>
-    <p:extLst>
-      <p:ext uri="{BB962C8B-B14F-4D97-AF65-F5344CB8AC3E}">
-        <p14:creationId xmlns:p14="http://schemas.microsoft.com/office/powerpoint/2010/main" val="1872815228"/>
-      </p:ext>
-    </p:extLst>
-  </p:cSld>
-  <p:clrMapOvr>
-    <a:masterClrMapping/>
-  </p:clrMapOvr>
-  <p:timing>
-    <p:tnLst>
-      <p:par>
-        <p:cTn id="1" dur="indefinite" restart="never" nodeType="tmRoot">
-          <p:childTnLst>
-            <p:seq concurrent="1" nextAc="seek">
-              <p:cTn id="2" dur="indefinite" nodeType="mainSeq">
-                <p:childTnLst>
-                  <p:par>
-                    <p:cTn id="3" fill="hold">
-                      <p:stCondLst>
-                        <p:cond delay="indefinite"/>
-                      </p:stCondLst>
-                      <p:childTnLst>
-                        <p:par>
-                          <p:cTn id="4" fill="hold">
-                            <p:stCondLst>
-                              <p:cond delay="0"/>
-                            </p:stCondLst>
-                            <p:childTnLst>
-                              <p:par>
-                                <p:cTn id="5" presetID="2" presetClass="entr" presetSubtype="4" fill="hold" nodeType="clickEffect">
-                                  <p:stCondLst>
-                                    <p:cond delay="0"/>
-                                  </p:stCondLst>
-                                  <p:childTnLst>
-                                    <p:set>
-                                      <p:cBhvr>
-                                        <p:cTn id="6" dur="1" fill="hold">
-                                          <p:stCondLst>
-                                            <p:cond delay="0"/>
-                                          </p:stCondLst>
-                                        </p:cTn>
-                                        <p:tgtEl>
-                                          <p:spTgt spid="4"/>
-                                        </p:tgtEl>
-                                        <p:attrNameLst>
-                                          <p:attrName>style.visibility</p:attrName>
-                                        </p:attrNameLst>
-                                      </p:cBhvr>
-                                      <p:to>
-                                        <p:strVal val="visible"/>
-                                      </p:to>
-                                    </p:set>
-                                    <p:anim calcmode="lin" valueType="num">
-                                      <p:cBhvr additive="base">
-                                        <p:cTn id="7" dur="500" fill="hold"/>
-                                        <p:tgtEl>
-                                          <p:spTgt spid="4"/>
-                                        </p:tgtEl>
-                                        <p:attrNameLst>
-                                          <p:attrName>ppt_x</p:attrName>
-                                        </p:attrNameLst>
-                                      </p:cBhvr>
-                                      <p:tavLst>
-                                        <p:tav tm="0">
-                                          <p:val>
-                                            <p:strVal val="#ppt_x"/>
-                                          </p:val>
-                                        </p:tav>
-                                        <p:tav tm="100000">
-                                          <p:val>
-                                            <p:strVal val="#ppt_x"/>
-                                          </p:val>
-                                        </p:tav>
-                                      </p:tavLst>
-                                    </p:anim>
-                                    <p:anim calcmode="lin" valueType="num">
-                                      <p:cBhvr additive="base">
-                                        <p:cTn id="8" dur="500" fill="hold"/>
-                                        <p:tgtEl>
-                                          <p:spTgt spid="4"/>
-                                        </p:tgtEl>
-                                        <p:attrNameLst>
-                                          <p:attrName>ppt_y</p:attrName>
-                                        </p:attrNameLst>
-                                      </p:cBhvr>
-                                      <p:tavLst>
-                                        <p:tav tm="0">
-                                          <p:val>
-                                            <p:strVal val="1+#ppt_h/2"/>
-                                          </p:val>
-                                        </p:tav>
-                                        <p:tav tm="100000">
-                                          <p:val>
-                                            <p:strVal val="#ppt_y"/>
-                                          </p:val>
-                                        </p:tav>
-                                      </p:tavLst>
-                                    </p:anim>
-                                  </p:childTnLst>
-                                </p:cTn>
-                              </p:par>
-                              <p:par>
-                                <p:cTn id="9" presetID="2" presetClass="entr" presetSubtype="4" fill="hold" grpId="0" nodeType="withEffect">
-                                  <p:stCondLst>
-                                    <p:cond delay="0"/>
-                                  </p:stCondLst>
-                                  <p:childTnLst>
-                                    <p:set>
-                                      <p:cBhvr>
-                                        <p:cTn id="10" dur="1" fill="hold">
-                                          <p:stCondLst>
-                                            <p:cond delay="0"/>
-                                          </p:stCondLst>
-                                        </p:cTn>
-                                        <p:tgtEl>
-                                          <p:spTgt spid="5"/>
-                                        </p:tgtEl>
-                                        <p:attrNameLst>
-                                          <p:attrName>style.visibility</p:attrName>
-                                        </p:attrNameLst>
-                                      </p:cBhvr>
-                                      <p:to>
-                                        <p:strVal val="visible"/>
-                                      </p:to>
-                                    </p:set>
-                                    <p:anim calcmode="lin" valueType="num">
-                                      <p:cBhvr additive="base">
-                                        <p:cTn id="11" dur="500" fill="hold"/>
-                                        <p:tgtEl>
-                                          <p:spTgt spid="5"/>
-                                        </p:tgtEl>
-                                        <p:attrNameLst>
-                                          <p:attrName>ppt_x</p:attrName>
-                                        </p:attrNameLst>
-                                      </p:cBhvr>
-                                      <p:tavLst>
-                                        <p:tav tm="0">
-                                          <p:val>
-                                            <p:strVal val="#ppt_x"/>
-                                          </p:val>
-                                        </p:tav>
-                                        <p:tav tm="100000">
-                                          <p:val>
-                                            <p:strVal val="#ppt_x"/>
-                                          </p:val>
-                                        </p:tav>
-                                      </p:tavLst>
-                                    </p:anim>
-                                    <p:anim calcmode="lin" valueType="num">
-                                      <p:cBhvr additive="base">
-                                        <p:cTn id="12" dur="500" fill="hold"/>
-                                        <p:tgtEl>
-                                          <p:spTgt spid="5"/>
-                                        </p:tgtEl>
-                                        <p:attrNameLst>
-                                          <p:attrName>ppt_y</p:attrName>
-                                        </p:attrNameLst>
-                                      </p:cBhvr>
-                                      <p:tavLst>
-                                        <p:tav tm="0">
-                                          <p:val>
-                                            <p:strVal val="1+#ppt_h/2"/>
-                                          </p:val>
-                                        </p:tav>
-                                        <p:tav tm="100000">
-                                          <p:val>
-                                            <p:strVal val="#ppt_y"/>
-                                          </p:val>
-                                        </p:tav>
-                                      </p:tavLst>
-                                    </p:anim>
                                   </p:childTnLst>
                                 </p:cTn>
                               </p:par>
